--- a/doc/XSQL技术交流.pptx
+++ b/doc/XSQL技术交流.pptx
@@ -5,7 +5,7 @@
     <p:sldMasterId id="2147483648" r:id="rId1"/>
   </p:sldMasterIdLst>
   <p:notesMasterIdLst>
-    <p:notesMasterId r:id="rId27"/>
+    <p:notesMasterId r:id="rId33"/>
   </p:notesMasterIdLst>
   <p:sldIdLst>
     <p:sldId id="256" r:id="rId2"/>
@@ -29,10 +29,16 @@
     <p:sldId id="283" r:id="rId20"/>
     <p:sldId id="285" r:id="rId21"/>
     <p:sldId id="282" r:id="rId22"/>
-    <p:sldId id="277" r:id="rId23"/>
-    <p:sldId id="280" r:id="rId24"/>
-    <p:sldId id="281" r:id="rId25"/>
-    <p:sldId id="273" r:id="rId26"/>
+    <p:sldId id="289" r:id="rId23"/>
+    <p:sldId id="277" r:id="rId24"/>
+    <p:sldId id="288" r:id="rId25"/>
+    <p:sldId id="286" r:id="rId26"/>
+    <p:sldId id="280" r:id="rId27"/>
+    <p:sldId id="287" r:id="rId28"/>
+    <p:sldId id="281" r:id="rId29"/>
+    <p:sldId id="273" r:id="rId30"/>
+    <p:sldId id="290" r:id="rId31"/>
+    <p:sldId id="291" r:id="rId32"/>
   </p:sldIdLst>
   <p:sldSz cx="12192000" cy="6858000"/>
   <p:notesSz cx="6858000" cy="9144000"/>
@@ -221,7 +227,7 @@
           <a:p>
             <a:fld id="{2D0AA3DF-4F9D-4C29-AF12-CC9AB1BA3BA4}" type="datetimeFigureOut">
               <a:rPr lang="zh-CN" altLang="en-US" smtClean="0"/>
-              <a:t>2020/7/1</a:t>
+              <a:t>2020/7/2</a:t>
             </a:fld>
             <a:endParaRPr lang="zh-CN" altLang="en-US"/>
           </a:p>
@@ -607,6 +613,90 @@
 </p:notes>
 </file>
 
+<file path=ppt/notesSlides/notesSlide2.xml><?xml version="1.0" encoding="utf-8"?>
+<p:notes xmlns:a="http://schemas.openxmlformats.org/drawingml/2006/main" xmlns:r="http://schemas.openxmlformats.org/officeDocument/2006/relationships" xmlns:p="http://schemas.openxmlformats.org/presentationml/2006/main">
+  <p:cSld>
+    <p:spTree>
+      <p:nvGrpSpPr>
+        <p:cNvPr id="1" name=""/>
+        <p:cNvGrpSpPr/>
+        <p:nvPr/>
+      </p:nvGrpSpPr>
+      <p:grpSpPr>
+        <a:xfrm>
+          <a:off x="0" y="0"/>
+          <a:ext cx="0" cy="0"/>
+          <a:chOff x="0" y="0"/>
+          <a:chExt cx="0" cy="0"/>
+        </a:xfrm>
+      </p:grpSpPr>
+      <p:sp>
+        <p:nvSpPr>
+          <p:cNvPr id="2" name="幻灯片图像占位符 1"/>
+          <p:cNvSpPr>
+            <a:spLocks noGrp="1" noRot="1" noChangeAspect="1"/>
+          </p:cNvSpPr>
+          <p:nvPr>
+            <p:ph type="sldImg"/>
+          </p:nvPr>
+        </p:nvSpPr>
+        <p:spPr/>
+      </p:sp>
+      <p:sp>
+        <p:nvSpPr>
+          <p:cNvPr id="3" name="备注占位符 2"/>
+          <p:cNvSpPr>
+            <a:spLocks noGrp="1"/>
+          </p:cNvSpPr>
+          <p:nvPr>
+            <p:ph type="body" idx="1"/>
+          </p:nvPr>
+        </p:nvSpPr>
+        <p:spPr/>
+        <p:txBody>
+          <a:bodyPr/>
+          <a:lstStyle/>
+          <a:p>
+            <a:endParaRPr lang="zh-CN" altLang="en-US" dirty="0"/>
+          </a:p>
+        </p:txBody>
+      </p:sp>
+      <p:sp>
+        <p:nvSpPr>
+          <p:cNvPr id="4" name="灯片编号占位符 3"/>
+          <p:cNvSpPr>
+            <a:spLocks noGrp="1"/>
+          </p:cNvSpPr>
+          <p:nvPr>
+            <p:ph type="sldNum" sz="quarter" idx="10"/>
+          </p:nvPr>
+        </p:nvSpPr>
+        <p:spPr/>
+        <p:txBody>
+          <a:bodyPr/>
+          <a:lstStyle/>
+          <a:p>
+            <a:fld id="{739EAE7B-12D1-49FB-BEB0-196FCE728BB9}" type="slidenum">
+              <a:rPr lang="zh-CN" altLang="en-US" smtClean="0"/>
+              <a:t>24</a:t>
+            </a:fld>
+            <a:endParaRPr lang="zh-CN" altLang="en-US"/>
+          </a:p>
+        </p:txBody>
+      </p:sp>
+    </p:spTree>
+    <p:extLst>
+      <p:ext uri="{BB962C8B-B14F-4D97-AF65-F5344CB8AC3E}">
+        <p14:creationId xmlns:p14="http://schemas.microsoft.com/office/powerpoint/2010/main" val="1786925578"/>
+      </p:ext>
+    </p:extLst>
+  </p:cSld>
+  <p:clrMapOvr>
+    <a:masterClrMapping/>
+  </p:clrMapOvr>
+</p:notes>
+</file>
+
 <file path=ppt/slideLayouts/slideLayout1.xml><?xml version="1.0" encoding="utf-8"?>
 <p:sldLayout xmlns:a="http://schemas.openxmlformats.org/drawingml/2006/main" xmlns:r="http://schemas.openxmlformats.org/officeDocument/2006/relationships" xmlns:p="http://schemas.openxmlformats.org/presentationml/2006/main" type="title" preserve="1">
   <p:cSld name="标题幻灯片">
@@ -790,7 +880,7 @@
           <a:p>
             <a:fld id="{4AAD347D-5ACD-4C99-B74B-A9C85AD731AF}" type="datetimeFigureOut">
               <a:rPr lang="en-US" dirty="0"/>
-              <a:t>7/1/2020</a:t>
+              <a:t>7/2/2020</a:t>
             </a:fld>
             <a:endParaRPr lang="en-US" dirty="0"/>
           </a:p>
@@ -1060,7 +1150,7 @@
           <a:p>
             <a:fld id="{4509A250-FF31-4206-8172-F9D3106AACB1}" type="datetimeFigureOut">
               <a:rPr lang="en-US" dirty="0"/>
-              <a:t>7/1/2020</a:t>
+              <a:t>7/2/2020</a:t>
             </a:fld>
             <a:endParaRPr lang="en-US" dirty="0"/>
           </a:p>
@@ -1249,7 +1339,7 @@
           <a:p>
             <a:fld id="{4509A250-FF31-4206-8172-F9D3106AACB1}" type="datetimeFigureOut">
               <a:rPr lang="en-US" dirty="0"/>
-              <a:t>7/1/2020</a:t>
+              <a:t>7/2/2020</a:t>
             </a:fld>
             <a:endParaRPr lang="en-US" dirty="0"/>
           </a:p>
@@ -1512,7 +1602,7 @@
           <a:p>
             <a:fld id="{4509A250-FF31-4206-8172-F9D3106AACB1}" type="datetimeFigureOut">
               <a:rPr lang="en-US" dirty="0"/>
-              <a:t>7/1/2020</a:t>
+              <a:t>7/2/2020</a:t>
             </a:fld>
             <a:endParaRPr lang="en-US" dirty="0"/>
           </a:p>
@@ -1839,7 +1929,7 @@
           <a:p>
             <a:fld id="{4509A250-FF31-4206-8172-F9D3106AACB1}" type="datetimeFigureOut">
               <a:rPr lang="en-US" dirty="0"/>
-              <a:t>7/1/2020</a:t>
+              <a:t>7/2/2020</a:t>
             </a:fld>
             <a:endParaRPr lang="en-US" dirty="0"/>
           </a:p>
@@ -2444,7 +2534,7 @@
           <a:p>
             <a:fld id="{4509A250-FF31-4206-8172-F9D3106AACB1}" type="datetimeFigureOut">
               <a:rPr lang="en-US" dirty="0"/>
-              <a:t>7/1/2020</a:t>
+              <a:t>7/2/2020</a:t>
             </a:fld>
             <a:endParaRPr lang="en-US" dirty="0"/>
           </a:p>
@@ -3286,7 +3376,7 @@
           <a:p>
             <a:fld id="{4509A250-FF31-4206-8172-F9D3106AACB1}" type="datetimeFigureOut">
               <a:rPr lang="en-US" dirty="0"/>
-              <a:t>7/1/2020</a:t>
+              <a:t>7/2/2020</a:t>
             </a:fld>
             <a:endParaRPr lang="en-US" dirty="0"/>
           </a:p>
@@ -3451,7 +3541,7 @@
           <a:p>
             <a:fld id="{4509A250-FF31-4206-8172-F9D3106AACB1}" type="datetimeFigureOut">
               <a:rPr lang="en-US" dirty="0"/>
-              <a:t>7/1/2020</a:t>
+              <a:t>7/2/2020</a:t>
             </a:fld>
             <a:endParaRPr lang="en-US" dirty="0"/>
           </a:p>
@@ -3626,7 +3716,7 @@
           <a:p>
             <a:fld id="{4509A250-FF31-4206-8172-F9D3106AACB1}" type="datetimeFigureOut">
               <a:rPr lang="en-US" dirty="0"/>
-              <a:t>7/1/2020</a:t>
+              <a:t>7/2/2020</a:t>
             </a:fld>
             <a:endParaRPr lang="en-US" dirty="0"/>
           </a:p>
@@ -3791,7 +3881,7 @@
           <a:p>
             <a:fld id="{4509A250-FF31-4206-8172-F9D3106AACB1}" type="datetimeFigureOut">
               <a:rPr lang="en-US" dirty="0"/>
-              <a:t>7/1/2020</a:t>
+              <a:t>7/2/2020</a:t>
             </a:fld>
             <a:endParaRPr lang="en-US" dirty="0"/>
           </a:p>
@@ -4030,7 +4120,7 @@
           <a:p>
             <a:fld id="{4509A250-FF31-4206-8172-F9D3106AACB1}" type="datetimeFigureOut">
               <a:rPr lang="en-US" dirty="0"/>
-              <a:t>7/1/2020</a:t>
+              <a:t>7/2/2020</a:t>
             </a:fld>
             <a:endParaRPr lang="en-US" dirty="0"/>
           </a:p>
@@ -4317,7 +4407,7 @@
           <a:p>
             <a:fld id="{4509A250-FF31-4206-8172-F9D3106AACB1}" type="datetimeFigureOut">
               <a:rPr lang="en-US" dirty="0"/>
-              <a:t>7/1/2020</a:t>
+              <a:t>7/2/2020</a:t>
             </a:fld>
             <a:endParaRPr lang="en-US" dirty="0"/>
           </a:p>
@@ -4750,7 +4840,7 @@
           <a:p>
             <a:fld id="{4509A250-FF31-4206-8172-F9D3106AACB1}" type="datetimeFigureOut">
               <a:rPr lang="en-US" dirty="0"/>
-              <a:t>7/1/2020</a:t>
+              <a:t>7/2/2020</a:t>
             </a:fld>
             <a:endParaRPr lang="en-US" dirty="0"/>
           </a:p>
@@ -4863,7 +4953,7 @@
           <a:p>
             <a:fld id="{4509A250-FF31-4206-8172-F9D3106AACB1}" type="datetimeFigureOut">
               <a:rPr lang="en-US" dirty="0"/>
-              <a:t>7/1/2020</a:t>
+              <a:t>7/2/2020</a:t>
             </a:fld>
             <a:endParaRPr lang="en-US" dirty="0"/>
           </a:p>
@@ -4953,7 +5043,7 @@
           <a:p>
             <a:fld id="{4509A250-FF31-4206-8172-F9D3106AACB1}" type="datetimeFigureOut">
               <a:rPr lang="en-US" dirty="0"/>
-              <a:t>7/1/2020</a:t>
+              <a:t>7/2/2020</a:t>
             </a:fld>
             <a:endParaRPr lang="en-US" dirty="0"/>
           </a:p>
@@ -5227,7 +5317,7 @@
           <a:p>
             <a:fld id="{4509A250-FF31-4206-8172-F9D3106AACB1}" type="datetimeFigureOut">
               <a:rPr lang="en-US" dirty="0"/>
-              <a:t>7/1/2020</a:t>
+              <a:t>7/2/2020</a:t>
             </a:fld>
             <a:endParaRPr lang="en-US" dirty="0"/>
           </a:p>
@@ -5497,7 +5587,7 @@
           <a:p>
             <a:fld id="{4509A250-FF31-4206-8172-F9D3106AACB1}" type="datetimeFigureOut">
               <a:rPr lang="en-US" dirty="0"/>
-              <a:t>7/1/2020</a:t>
+              <a:t>7/2/2020</a:t>
             </a:fld>
             <a:endParaRPr lang="en-US" dirty="0"/>
           </a:p>
@@ -5921,7 +6011,7 @@
           <a:p>
             <a:fld id="{4509A250-FF31-4206-8172-F9D3106AACB1}" type="datetimeFigureOut">
               <a:rPr lang="en-US" dirty="0"/>
-              <a:t>7/1/2020</a:t>
+              <a:t>7/2/2020</a:t>
             </a:fld>
             <a:endParaRPr lang="en-US" dirty="0"/>
           </a:p>
@@ -6437,6 +6527,10 @@
               <a:rPr lang="en-GB" altLang="zh-CN" dirty="0" smtClean="0"/>
               <a:t>XSQL</a:t>
             </a:r>
+            <a:r>
+              <a:rPr lang="zh-CN" altLang="en-US" dirty="0" smtClean="0"/>
+              <a:t>技术交流</a:t>
+            </a:r>
             <a:endParaRPr lang="zh-CN" altLang="en-US" dirty="0"/>
           </a:p>
         </p:txBody>
@@ -6456,7 +6550,7 @@
           <a:bodyPr/>
           <a:lstStyle/>
           <a:p>
-            <a:endParaRPr lang="zh-CN" altLang="en-US"/>
+            <a:endParaRPr lang="zh-CN" altLang="en-US" dirty="0"/>
           </a:p>
         </p:txBody>
       </p:sp>
@@ -10068,7 +10162,6 @@
               <a:rPr lang="en-GB" altLang="zh-CN" sz="1200" dirty="0"/>
               <a:t>)</a:t>
             </a:r>
-            <a:endParaRPr lang="en-GB" altLang="zh-CN" sz="1200" dirty="0"/>
           </a:p>
         </p:txBody>
       </p:sp>
@@ -15837,6 +15930,589 @@
               <a:t>举例</a:t>
             </a:r>
             <a:r>
+              <a:rPr lang="en-GB" altLang="zh-CN" dirty="0" smtClean="0">
+                <a:latin typeface="+mn-ea"/>
+              </a:rPr>
+              <a:t>–</a:t>
+            </a:r>
+            <a:r>
+              <a:rPr lang="zh-CN" altLang="en-US" dirty="0" smtClean="0">
+                <a:solidFill>
+                  <a:srgbClr val="FFFF00"/>
+                </a:solidFill>
+                <a:latin typeface="+mn-ea"/>
+              </a:rPr>
+              <a:t>字段名映射</a:t>
+            </a:r>
+            <a:r>
+              <a:rPr lang="en-GB" altLang="zh-CN" dirty="0">
+                <a:latin typeface="+mn-ea"/>
+              </a:rPr>
+              <a:t/>
+            </a:r>
+            <a:br>
+              <a:rPr lang="en-GB" altLang="zh-CN" dirty="0">
+                <a:latin typeface="+mn-ea"/>
+              </a:rPr>
+            </a:br>
+            <a:r>
+              <a:rPr lang="en-US" altLang="zh-CN" sz="2000" cap="all" dirty="0">
+                <a:solidFill>
+                  <a:schemeClr val="accent1"/>
+                </a:solidFill>
+              </a:rPr>
+              <a:t>XSQL</a:t>
+            </a:r>
+            <a:r>
+              <a:rPr lang="zh-CN" altLang="en-US" sz="2000" cap="all" dirty="0">
+                <a:solidFill>
+                  <a:schemeClr val="accent1"/>
+                </a:solidFill>
+              </a:rPr>
+              <a:t>的元素</a:t>
+            </a:r>
+            <a:endParaRPr lang="zh-CN" altLang="en-US" dirty="0"/>
+          </a:p>
+        </p:txBody>
+      </p:sp>
+      <p:grpSp>
+        <p:nvGrpSpPr>
+          <p:cNvPr id="4" name="组合 3"/>
+          <p:cNvGrpSpPr/>
+          <p:nvPr/>
+        </p:nvGrpSpPr>
+        <p:grpSpPr>
+          <a:xfrm>
+            <a:off x="10401652" y="72593"/>
+            <a:ext cx="763351" cy="1071782"/>
+            <a:chOff x="10401652" y="72593"/>
+            <a:chExt cx="763351" cy="1071782"/>
+          </a:xfrm>
+        </p:grpSpPr>
+        <p:sp>
+          <p:nvSpPr>
+            <p:cNvPr id="5" name="矩形 4"/>
+            <p:cNvSpPr/>
+            <p:nvPr/>
+          </p:nvSpPr>
+          <p:spPr>
+            <a:xfrm>
+              <a:off x="10401652" y="72593"/>
+              <a:ext cx="763351" cy="461665"/>
+            </a:xfrm>
+            <a:prstGeom prst="rect">
+              <a:avLst/>
+            </a:prstGeom>
+            <a:noFill/>
+          </p:spPr>
+          <p:txBody>
+            <a:bodyPr wrap="none" lIns="91440" tIns="45720" rIns="91440" bIns="45720">
+              <a:spAutoFit/>
+            </a:bodyPr>
+            <a:lstStyle/>
+            <a:p>
+              <a:pPr algn="ctr"/>
+              <a:r>
+                <a:rPr lang="en-GB" altLang="zh-CN" sz="2400" b="1" cap="none" spc="0" dirty="0" smtClean="0">
+                  <a:ln w="12700">
+                    <a:solidFill>
+                      <a:schemeClr val="tx2">
+                        <a:lumMod val="75000"/>
+                      </a:schemeClr>
+                    </a:solidFill>
+                    <a:prstDash val="solid"/>
+                  </a:ln>
+                  <a:pattFill prst="dkUpDiag">
+                    <a:fgClr>
+                      <a:schemeClr val="tx2"/>
+                    </a:fgClr>
+                    <a:bgClr>
+                      <a:schemeClr val="tx2">
+                        <a:lumMod val="20000"/>
+                        <a:lumOff val="80000"/>
+                      </a:schemeClr>
+                    </a:bgClr>
+                  </a:pattFill>
+                  <a:effectLst>
+                    <a:outerShdw dist="38100" dir="2640000" algn="bl" rotWithShape="0">
+                      <a:schemeClr val="tx2">
+                        <a:lumMod val="75000"/>
+                      </a:schemeClr>
+                    </a:outerShdw>
+                  </a:effectLst>
+                  <a:latin typeface="Segoe UI Black" panose="020B0A02040204020203" pitchFamily="34" charset="0"/>
+                  <a:ea typeface="Segoe UI Black" panose="020B0A02040204020203" pitchFamily="34" charset="0"/>
+                  <a:cs typeface="Segoe UI Black" panose="020B0A02040204020203" pitchFamily="34" charset="0"/>
+                </a:rPr>
+                <a:t>SQL</a:t>
+              </a:r>
+            </a:p>
+          </p:txBody>
+        </p:sp>
+        <p:sp>
+          <p:nvSpPr>
+            <p:cNvPr id="6" name="矩形 5"/>
+            <p:cNvSpPr/>
+            <p:nvPr/>
+          </p:nvSpPr>
+          <p:spPr>
+            <a:xfrm>
+              <a:off x="10439901" y="221045"/>
+              <a:ext cx="670376" cy="923330"/>
+            </a:xfrm>
+            <a:prstGeom prst="rect">
+              <a:avLst/>
+            </a:prstGeom>
+          </p:spPr>
+          <p:txBody>
+            <a:bodyPr wrap="none">
+              <a:spAutoFit/>
+            </a:bodyPr>
+            <a:lstStyle/>
+            <a:p>
+              <a:pPr algn="ctr"/>
+              <a:r>
+                <a:rPr lang="en-GB" altLang="zh-CN" sz="5400" dirty="0">
+                  <a:ln w="12700">
+                    <a:solidFill>
+                      <a:schemeClr val="tx2">
+                        <a:lumMod val="75000"/>
+                      </a:schemeClr>
+                    </a:solidFill>
+                    <a:prstDash val="solid"/>
+                  </a:ln>
+                  <a:pattFill prst="dkUpDiag">
+                    <a:fgClr>
+                      <a:schemeClr val="tx2"/>
+                    </a:fgClr>
+                    <a:bgClr>
+                      <a:schemeClr val="tx2">
+                        <a:lumMod val="20000"/>
+                        <a:lumOff val="80000"/>
+                      </a:schemeClr>
+                    </a:bgClr>
+                  </a:pattFill>
+                  <a:effectLst>
+                    <a:outerShdw dist="38100" dir="2640000" algn="bl" rotWithShape="0">
+                      <a:schemeClr val="tx2">
+                        <a:lumMod val="75000"/>
+                      </a:schemeClr>
+                    </a:outerShdw>
+                  </a:effectLst>
+                  <a:latin typeface="Segoe UI Black" panose="020B0A02040204020203" pitchFamily="34" charset="0"/>
+                  <a:ea typeface="Segoe UI Black" panose="020B0A02040204020203" pitchFamily="34" charset="0"/>
+                  <a:cs typeface="Segoe UI Black" panose="020B0A02040204020203" pitchFamily="34" charset="0"/>
+                </a:rPr>
+                <a:t>X</a:t>
+              </a:r>
+              <a:endParaRPr lang="zh-CN" altLang="en-US" sz="5400" dirty="0">
+                <a:ln w="12700">
+                  <a:solidFill>
+                    <a:schemeClr val="tx2">
+                      <a:lumMod val="75000"/>
+                    </a:schemeClr>
+                  </a:solidFill>
+                  <a:prstDash val="solid"/>
+                </a:ln>
+                <a:pattFill prst="dkUpDiag">
+                  <a:fgClr>
+                    <a:schemeClr val="tx2"/>
+                  </a:fgClr>
+                  <a:bgClr>
+                    <a:schemeClr val="tx2">
+                      <a:lumMod val="20000"/>
+                      <a:lumOff val="80000"/>
+                    </a:schemeClr>
+                  </a:bgClr>
+                </a:pattFill>
+                <a:effectLst>
+                  <a:outerShdw dist="38100" dir="2640000" algn="bl" rotWithShape="0">
+                    <a:schemeClr val="tx2">
+                      <a:lumMod val="75000"/>
+                    </a:schemeClr>
+                  </a:outerShdw>
+                </a:effectLst>
+                <a:latin typeface="Segoe UI Black" panose="020B0A02040204020203" pitchFamily="34" charset="0"/>
+                <a:ea typeface="华文行楷" panose="02010800040101010101" pitchFamily="2" charset="-122"/>
+                <a:cs typeface="Segoe UI Black" panose="020B0A02040204020203" pitchFamily="34" charset="0"/>
+              </a:endParaRPr>
+            </a:p>
+          </p:txBody>
+        </p:sp>
+      </p:grpSp>
+      <p:pic>
+        <p:nvPicPr>
+          <p:cNvPr id="9" name="图片 8"/>
+          <p:cNvPicPr>
+            <a:picLocks noChangeAspect="1"/>
+          </p:cNvPicPr>
+          <p:nvPr/>
+        </p:nvPicPr>
+        <p:blipFill>
+          <a:blip r:embed="rId2"/>
+          <a:stretch>
+            <a:fillRect/>
+          </a:stretch>
+        </p:blipFill>
+        <p:spPr>
+          <a:xfrm>
+            <a:off x="2657475" y="2038350"/>
+            <a:ext cx="6762750" cy="2933700"/>
+          </a:xfrm>
+          <a:prstGeom prst="rect">
+            <a:avLst/>
+          </a:prstGeom>
+        </p:spPr>
+      </p:pic>
+      <p:cxnSp>
+        <p:nvCxnSpPr>
+          <p:cNvPr id="11" name="直接连接符 10"/>
+          <p:cNvCxnSpPr/>
+          <p:nvPr/>
+        </p:nvCxnSpPr>
+        <p:spPr>
+          <a:xfrm>
+            <a:off x="4067175" y="2609850"/>
+            <a:ext cx="285750" cy="0"/>
+          </a:xfrm>
+          <a:prstGeom prst="line">
+            <a:avLst/>
+          </a:prstGeom>
+          <a:ln w="28575">
+            <a:solidFill>
+              <a:srgbClr val="FF0000"/>
+            </a:solidFill>
+          </a:ln>
+        </p:spPr>
+        <p:style>
+          <a:lnRef idx="1">
+            <a:schemeClr val="accent1"/>
+          </a:lnRef>
+          <a:fillRef idx="0">
+            <a:schemeClr val="accent1"/>
+          </a:fillRef>
+          <a:effectRef idx="0">
+            <a:schemeClr val="accent1"/>
+          </a:effectRef>
+          <a:fontRef idx="minor">
+            <a:schemeClr val="tx1"/>
+          </a:fontRef>
+        </p:style>
+      </p:cxnSp>
+      <p:cxnSp>
+        <p:nvCxnSpPr>
+          <p:cNvPr id="12" name="直接连接符 11"/>
+          <p:cNvCxnSpPr/>
+          <p:nvPr/>
+        </p:nvCxnSpPr>
+        <p:spPr>
+          <a:xfrm>
+            <a:off x="4133850" y="2781300"/>
+            <a:ext cx="285750" cy="0"/>
+          </a:xfrm>
+          <a:prstGeom prst="line">
+            <a:avLst/>
+          </a:prstGeom>
+          <a:ln w="28575">
+            <a:solidFill>
+              <a:srgbClr val="FF0000"/>
+            </a:solidFill>
+          </a:ln>
+        </p:spPr>
+        <p:style>
+          <a:lnRef idx="1">
+            <a:schemeClr val="accent1"/>
+          </a:lnRef>
+          <a:fillRef idx="0">
+            <a:schemeClr val="accent1"/>
+          </a:fillRef>
+          <a:effectRef idx="0">
+            <a:schemeClr val="accent1"/>
+          </a:effectRef>
+          <a:fontRef idx="minor">
+            <a:schemeClr val="tx1"/>
+          </a:fontRef>
+        </p:style>
+      </p:cxnSp>
+      <p:cxnSp>
+        <p:nvCxnSpPr>
+          <p:cNvPr id="13" name="直接连接符 12"/>
+          <p:cNvCxnSpPr/>
+          <p:nvPr/>
+        </p:nvCxnSpPr>
+        <p:spPr>
+          <a:xfrm>
+            <a:off x="3952875" y="2962275"/>
+            <a:ext cx="285750" cy="0"/>
+          </a:xfrm>
+          <a:prstGeom prst="line">
+            <a:avLst/>
+          </a:prstGeom>
+          <a:ln w="28575">
+            <a:solidFill>
+              <a:srgbClr val="FF0000"/>
+            </a:solidFill>
+          </a:ln>
+        </p:spPr>
+        <p:style>
+          <a:lnRef idx="1">
+            <a:schemeClr val="accent1"/>
+          </a:lnRef>
+          <a:fillRef idx="0">
+            <a:schemeClr val="accent1"/>
+          </a:fillRef>
+          <a:effectRef idx="0">
+            <a:schemeClr val="accent1"/>
+          </a:effectRef>
+          <a:fontRef idx="minor">
+            <a:schemeClr val="tx1"/>
+          </a:fontRef>
+        </p:style>
+      </p:cxnSp>
+    </p:spTree>
+    <p:extLst>
+      <p:ext uri="{BB962C8B-B14F-4D97-AF65-F5344CB8AC3E}">
+        <p14:creationId xmlns:p14="http://schemas.microsoft.com/office/powerpoint/2010/main" val="1490506180"/>
+      </p:ext>
+    </p:extLst>
+  </p:cSld>
+  <p:clrMapOvr>
+    <a:masterClrMapping/>
+  </p:clrMapOvr>
+  <p:timing>
+    <p:tnLst>
+      <p:par>
+        <p:cTn id="1" dur="indefinite" restart="never" nodeType="tmRoot">
+          <p:childTnLst>
+            <p:seq concurrent="1" nextAc="seek">
+              <p:cTn id="2" dur="indefinite" nodeType="mainSeq">
+                <p:childTnLst>
+                  <p:par>
+                    <p:cTn id="3" fill="hold">
+                      <p:stCondLst>
+                        <p:cond delay="indefinite"/>
+                      </p:stCondLst>
+                      <p:childTnLst>
+                        <p:par>
+                          <p:cTn id="4" fill="hold">
+                            <p:stCondLst>
+                              <p:cond delay="0"/>
+                            </p:stCondLst>
+                            <p:childTnLst>
+                              <p:par>
+                                <p:cTn id="5" presetID="14" presetClass="entr" presetSubtype="10" fill="hold" nodeType="clickEffect">
+                                  <p:stCondLst>
+                                    <p:cond delay="0"/>
+                                  </p:stCondLst>
+                                  <p:childTnLst>
+                                    <p:set>
+                                      <p:cBhvr>
+                                        <p:cTn id="6" dur="1" fill="hold">
+                                          <p:stCondLst>
+                                            <p:cond delay="0"/>
+                                          </p:stCondLst>
+                                        </p:cTn>
+                                        <p:tgtEl>
+                                          <p:spTgt spid="11"/>
+                                        </p:tgtEl>
+                                        <p:attrNameLst>
+                                          <p:attrName>style.visibility</p:attrName>
+                                        </p:attrNameLst>
+                                      </p:cBhvr>
+                                      <p:to>
+                                        <p:strVal val="visible"/>
+                                      </p:to>
+                                    </p:set>
+                                    <p:animEffect transition="in" filter="randombar(horizontal)">
+                                      <p:cBhvr>
+                                        <p:cTn id="7" dur="500"/>
+                                        <p:tgtEl>
+                                          <p:spTgt spid="11"/>
+                                        </p:tgtEl>
+                                      </p:cBhvr>
+                                    </p:animEffect>
+                                  </p:childTnLst>
+                                </p:cTn>
+                              </p:par>
+                            </p:childTnLst>
+                          </p:cTn>
+                        </p:par>
+                        <p:par>
+                          <p:cTn id="8" fill="hold">
+                            <p:stCondLst>
+                              <p:cond delay="500"/>
+                            </p:stCondLst>
+                            <p:childTnLst>
+                              <p:par>
+                                <p:cTn id="9" presetID="14" presetClass="entr" presetSubtype="10" fill="hold" nodeType="afterEffect">
+                                  <p:stCondLst>
+                                    <p:cond delay="0"/>
+                                  </p:stCondLst>
+                                  <p:childTnLst>
+                                    <p:set>
+                                      <p:cBhvr>
+                                        <p:cTn id="10" dur="1" fill="hold">
+                                          <p:stCondLst>
+                                            <p:cond delay="0"/>
+                                          </p:stCondLst>
+                                        </p:cTn>
+                                        <p:tgtEl>
+                                          <p:spTgt spid="12"/>
+                                        </p:tgtEl>
+                                        <p:attrNameLst>
+                                          <p:attrName>style.visibility</p:attrName>
+                                        </p:attrNameLst>
+                                      </p:cBhvr>
+                                      <p:to>
+                                        <p:strVal val="visible"/>
+                                      </p:to>
+                                    </p:set>
+                                    <p:animEffect transition="in" filter="randombar(horizontal)">
+                                      <p:cBhvr>
+                                        <p:cTn id="11" dur="500"/>
+                                        <p:tgtEl>
+                                          <p:spTgt spid="12"/>
+                                        </p:tgtEl>
+                                      </p:cBhvr>
+                                    </p:animEffect>
+                                  </p:childTnLst>
+                                </p:cTn>
+                              </p:par>
+                            </p:childTnLst>
+                          </p:cTn>
+                        </p:par>
+                        <p:par>
+                          <p:cTn id="12" fill="hold">
+                            <p:stCondLst>
+                              <p:cond delay="1000"/>
+                            </p:stCondLst>
+                            <p:childTnLst>
+                              <p:par>
+                                <p:cTn id="13" presetID="14" presetClass="entr" presetSubtype="10" fill="hold" nodeType="afterEffect">
+                                  <p:stCondLst>
+                                    <p:cond delay="0"/>
+                                  </p:stCondLst>
+                                  <p:childTnLst>
+                                    <p:set>
+                                      <p:cBhvr>
+                                        <p:cTn id="14" dur="1" fill="hold">
+                                          <p:stCondLst>
+                                            <p:cond delay="0"/>
+                                          </p:stCondLst>
+                                        </p:cTn>
+                                        <p:tgtEl>
+                                          <p:spTgt spid="13"/>
+                                        </p:tgtEl>
+                                        <p:attrNameLst>
+                                          <p:attrName>style.visibility</p:attrName>
+                                        </p:attrNameLst>
+                                      </p:cBhvr>
+                                      <p:to>
+                                        <p:strVal val="visible"/>
+                                      </p:to>
+                                    </p:set>
+                                    <p:animEffect transition="in" filter="randombar(horizontal)">
+                                      <p:cBhvr>
+                                        <p:cTn id="15" dur="500"/>
+                                        <p:tgtEl>
+                                          <p:spTgt spid="13"/>
+                                        </p:tgtEl>
+                                      </p:cBhvr>
+                                    </p:animEffect>
+                                  </p:childTnLst>
+                                </p:cTn>
+                              </p:par>
+                            </p:childTnLst>
+                          </p:cTn>
+                        </p:par>
+                      </p:childTnLst>
+                    </p:cTn>
+                  </p:par>
+                </p:childTnLst>
+              </p:cTn>
+              <p:prevCondLst>
+                <p:cond evt="onPrev" delay="0">
+                  <p:tgtEl>
+                    <p:sldTgt/>
+                  </p:tgtEl>
+                </p:cond>
+              </p:prevCondLst>
+              <p:nextCondLst>
+                <p:cond evt="onNext" delay="0">
+                  <p:tgtEl>
+                    <p:sldTgt/>
+                  </p:tgtEl>
+                </p:cond>
+              </p:nextCondLst>
+            </p:seq>
+          </p:childTnLst>
+        </p:cTn>
+      </p:par>
+    </p:tnLst>
+  </p:timing>
+</p:sld>
+</file>
+
+<file path=ppt/slides/slide23.xml><?xml version="1.0" encoding="utf-8"?>
+<p:sld xmlns:a="http://schemas.openxmlformats.org/drawingml/2006/main" xmlns:r="http://schemas.openxmlformats.org/officeDocument/2006/relationships" xmlns:p="http://schemas.openxmlformats.org/presentationml/2006/main">
+  <p:cSld>
+    <p:spTree>
+      <p:nvGrpSpPr>
+        <p:cNvPr id="1" name=""/>
+        <p:cNvGrpSpPr/>
+        <p:nvPr/>
+      </p:nvGrpSpPr>
+      <p:grpSpPr>
+        <a:xfrm>
+          <a:off x="0" y="0"/>
+          <a:ext cx="0" cy="0"/>
+          <a:chOff x="0" y="0"/>
+          <a:chExt cx="0" cy="0"/>
+        </a:xfrm>
+      </p:grpSpPr>
+      <p:sp>
+        <p:nvSpPr>
+          <p:cNvPr id="2" name="标题 1"/>
+          <p:cNvSpPr>
+            <a:spLocks noGrp="1"/>
+          </p:cNvSpPr>
+          <p:nvPr>
+            <p:ph type="title"/>
+          </p:nvPr>
+        </p:nvSpPr>
+        <p:spPr/>
+        <p:txBody>
+          <a:bodyPr/>
+          <a:lstStyle/>
+          <a:p>
+            <a:r>
+              <a:rPr lang="en-GB" altLang="zh-CN" dirty="0">
+                <a:latin typeface="+mn-ea"/>
+              </a:rPr>
+              <a:t>Result </a:t>
+            </a:r>
+            <a:r>
+              <a:rPr lang="zh-CN" altLang="en-US" dirty="0" smtClean="0">
+                <a:latin typeface="+mn-ea"/>
+              </a:rPr>
+              <a:t>高阶举例</a:t>
+            </a:r>
+            <a:r>
+              <a:rPr lang="en-GB" altLang="zh-CN" dirty="0" smtClean="0">
+                <a:latin typeface="+mn-ea"/>
+              </a:rPr>
+              <a:t>–</a:t>
+            </a:r>
+            <a:r>
+              <a:rPr lang="zh-CN" altLang="en-US" dirty="0" smtClean="0">
+                <a:solidFill>
+                  <a:srgbClr val="FFFF00"/>
+                </a:solidFill>
+                <a:latin typeface="+mn-ea"/>
+              </a:rPr>
+              <a:t>分区</a:t>
+            </a:r>
+            <a:r>
               <a:rPr lang="en-GB" altLang="zh-CN" dirty="0">
                 <a:latin typeface="+mn-ea"/>
               </a:rPr>
@@ -16292,7 +16968,7 @@
                             </p:stCondLst>
                             <p:childTnLst>
                               <p:par>
-                                <p:cTn id="5" presetID="26" presetClass="entr" presetSubtype="0" fill="hold" grpId="0" nodeType="clickEffect">
+                                <p:cTn id="5" presetID="42" presetClass="entr" presetSubtype="0" fill="hold" grpId="0" nodeType="clickEffect">
                                   <p:stCondLst>
                                     <p:cond delay="0"/>
                                   </p:stCondLst>
@@ -16315,13 +16991,9 @@
                                         <p:strVal val="visible"/>
                                       </p:to>
                                     </p:set>
-                                    <p:animEffect transition="in" filter="wipe(down)">
+                                    <p:animEffect transition="in" filter="fade">
                                       <p:cBhvr>
-                                        <p:cTn id="7" dur="580">
-                                          <p:stCondLst>
-                                            <p:cond delay="0"/>
-                                          </p:stCondLst>
-                                        </p:cTn>
+                                        <p:cTn id="7" dur="1000"/>
                                         <p:tgtEl>
                                           <p:spTgt spid="14"/>
                                         </p:tgtEl>
@@ -16329,11 +17001,7 @@
                                     </p:animEffect>
                                     <p:anim calcmode="lin" valueType="num">
                                       <p:cBhvr>
-                                        <p:cTn id="8" dur="1822" tmFilter="0,0; 0.14,0.36; 0.43,0.73; 0.71,0.91; 1.0,1.0">
-                                          <p:stCondLst>
-                                            <p:cond delay="0"/>
-                                          </p:stCondLst>
-                                        </p:cTn>
+                                        <p:cTn id="8" dur="1000" fill="hold"/>
                                         <p:tgtEl>
                                           <p:spTgt spid="14"/>
                                         </p:tgtEl>
@@ -16344,7 +17012,7 @@
                                       <p:tavLst>
                                         <p:tav tm="0">
                                           <p:val>
-                                            <p:strVal val="#ppt_x-0.25"/>
+                                            <p:strVal val="#ppt_x"/>
                                           </p:val>
                                         </p:tav>
                                         <p:tav tm="100000">
@@ -16356,11 +17024,7 @@
                                     </p:anim>
                                     <p:anim calcmode="lin" valueType="num">
                                       <p:cBhvr>
-                                        <p:cTn id="9" dur="664" tmFilter="0.0,0.0; 0.25,0.07; 0.50,0.2; 0.75,0.467; 1.0,1.0">
-                                          <p:stCondLst>
-                                            <p:cond delay="0"/>
-                                          </p:stCondLst>
-                                        </p:cTn>
+                                        <p:cTn id="9" dur="1000" fill="hold"/>
                                         <p:tgtEl>
                                           <p:spTgt spid="14"/>
                                         </p:tgtEl>
@@ -16369,233 +17033,30 @@
                                         </p:attrNameLst>
                                       </p:cBhvr>
                                       <p:tavLst>
-                                        <p:tav tm="0" fmla="#ppt_y-sin(pi*$)/3">
+                                        <p:tav tm="0">
                                           <p:val>
-                                            <p:fltVal val="0.5"/>
+                                            <p:strVal val="#ppt_y+.1"/>
                                           </p:val>
                                         </p:tav>
                                         <p:tav tm="100000">
                                           <p:val>
-                                            <p:fltVal val="1"/>
+                                            <p:strVal val="#ppt_y"/>
                                           </p:val>
                                         </p:tav>
                                       </p:tavLst>
                                     </p:anim>
-                                    <p:anim calcmode="lin" valueType="num">
-                                      <p:cBhvr>
-                                        <p:cTn id="10" dur="664" tmFilter="0, 0; 0.125,0.2665; 0.25,0.4; 0.375,0.465; 0.5,0.5;  0.625,0.535; 0.75,0.6; 0.875,0.7335; 1,1">
-                                          <p:stCondLst>
-                                            <p:cond delay="664"/>
-                                          </p:stCondLst>
-                                        </p:cTn>
-                                        <p:tgtEl>
-                                          <p:spTgt spid="14"/>
-                                        </p:tgtEl>
-                                        <p:attrNameLst>
-                                          <p:attrName>ppt_y</p:attrName>
-                                        </p:attrNameLst>
-                                      </p:cBhvr>
-                                      <p:tavLst>
-                                        <p:tav tm="0" fmla="#ppt_y-sin(pi*$)/9">
-                                          <p:val>
-                                            <p:fltVal val="0"/>
-                                          </p:val>
-                                        </p:tav>
-                                        <p:tav tm="100000">
-                                          <p:val>
-                                            <p:fltVal val="1"/>
-                                          </p:val>
-                                        </p:tav>
-                                      </p:tavLst>
-                                    </p:anim>
-                                    <p:anim calcmode="lin" valueType="num">
-                                      <p:cBhvr>
-                                        <p:cTn id="11" dur="332" tmFilter="0, 0; 0.125,0.2665; 0.25,0.4; 0.375,0.465; 0.5,0.5;  0.625,0.535; 0.75,0.6; 0.875,0.7335; 1,1">
-                                          <p:stCondLst>
-                                            <p:cond delay="1324"/>
-                                          </p:stCondLst>
-                                        </p:cTn>
-                                        <p:tgtEl>
-                                          <p:spTgt spid="14"/>
-                                        </p:tgtEl>
-                                        <p:attrNameLst>
-                                          <p:attrName>ppt_y</p:attrName>
-                                        </p:attrNameLst>
-                                      </p:cBhvr>
-                                      <p:tavLst>
-                                        <p:tav tm="0" fmla="#ppt_y-sin(pi*$)/27">
-                                          <p:val>
-                                            <p:fltVal val="0"/>
-                                          </p:val>
-                                        </p:tav>
-                                        <p:tav tm="100000">
-                                          <p:val>
-                                            <p:fltVal val="1"/>
-                                          </p:val>
-                                        </p:tav>
-                                      </p:tavLst>
-                                    </p:anim>
-                                    <p:anim calcmode="lin" valueType="num">
-                                      <p:cBhvr>
-                                        <p:cTn id="12" dur="164" tmFilter="0, 0; 0.125,0.2665; 0.25,0.4; 0.375,0.465; 0.5,0.5;  0.625,0.535; 0.75,0.6; 0.875,0.7335; 1,1">
-                                          <p:stCondLst>
-                                            <p:cond delay="1656"/>
-                                          </p:stCondLst>
-                                        </p:cTn>
-                                        <p:tgtEl>
-                                          <p:spTgt spid="14"/>
-                                        </p:tgtEl>
-                                        <p:attrNameLst>
-                                          <p:attrName>ppt_y</p:attrName>
-                                        </p:attrNameLst>
-                                      </p:cBhvr>
-                                      <p:tavLst>
-                                        <p:tav tm="0" fmla="#ppt_y-sin(pi*$)/81">
-                                          <p:val>
-                                            <p:fltVal val="0"/>
-                                          </p:val>
-                                        </p:tav>
-                                        <p:tav tm="100000">
-                                          <p:val>
-                                            <p:fltVal val="1"/>
-                                          </p:val>
-                                        </p:tav>
-                                      </p:tavLst>
-                                    </p:anim>
-                                    <p:animScale>
-                                      <p:cBhvr>
-                                        <p:cTn id="13" dur="26">
-                                          <p:stCondLst>
-                                            <p:cond delay="650"/>
-                                          </p:stCondLst>
-                                        </p:cTn>
-                                        <p:tgtEl>
-                                          <p:spTgt spid="14"/>
-                                        </p:tgtEl>
-                                      </p:cBhvr>
-                                      <p:to x="100000" y="60000"/>
-                                    </p:animScale>
-                                    <p:animScale>
-                                      <p:cBhvr>
-                                        <p:cTn id="14" dur="166" decel="50000">
-                                          <p:stCondLst>
-                                            <p:cond delay="676"/>
-                                          </p:stCondLst>
-                                        </p:cTn>
-                                        <p:tgtEl>
-                                          <p:spTgt spid="14"/>
-                                        </p:tgtEl>
-                                      </p:cBhvr>
-                                      <p:to x="100000" y="100000"/>
-                                    </p:animScale>
-                                    <p:animScale>
-                                      <p:cBhvr>
-                                        <p:cTn id="15" dur="26">
-                                          <p:stCondLst>
-                                            <p:cond delay="1312"/>
-                                          </p:stCondLst>
-                                        </p:cTn>
-                                        <p:tgtEl>
-                                          <p:spTgt spid="14"/>
-                                        </p:tgtEl>
-                                      </p:cBhvr>
-                                      <p:to x="100000" y="80000"/>
-                                    </p:animScale>
-                                    <p:animScale>
-                                      <p:cBhvr>
-                                        <p:cTn id="16" dur="166" decel="50000">
-                                          <p:stCondLst>
-                                            <p:cond delay="1338"/>
-                                          </p:stCondLst>
-                                        </p:cTn>
-                                        <p:tgtEl>
-                                          <p:spTgt spid="14"/>
-                                        </p:tgtEl>
-                                      </p:cBhvr>
-                                      <p:to x="100000" y="100000"/>
-                                    </p:animScale>
-                                    <p:animScale>
-                                      <p:cBhvr>
-                                        <p:cTn id="17" dur="26">
-                                          <p:stCondLst>
-                                            <p:cond delay="1642"/>
-                                          </p:stCondLst>
-                                        </p:cTn>
-                                        <p:tgtEl>
-                                          <p:spTgt spid="14"/>
-                                        </p:tgtEl>
-                                      </p:cBhvr>
-                                      <p:to x="100000" y="90000"/>
-                                    </p:animScale>
-                                    <p:animScale>
-                                      <p:cBhvr>
-                                        <p:cTn id="18" dur="166" decel="50000">
-                                          <p:stCondLst>
-                                            <p:cond delay="1668"/>
-                                          </p:stCondLst>
-                                        </p:cTn>
-                                        <p:tgtEl>
-                                          <p:spTgt spid="14"/>
-                                        </p:tgtEl>
-                                      </p:cBhvr>
-                                      <p:to x="100000" y="100000"/>
-                                    </p:animScale>
-                                    <p:animScale>
-                                      <p:cBhvr>
-                                        <p:cTn id="19" dur="26">
-                                          <p:stCondLst>
-                                            <p:cond delay="1808"/>
-                                          </p:stCondLst>
-                                        </p:cTn>
-                                        <p:tgtEl>
-                                          <p:spTgt spid="14"/>
-                                        </p:tgtEl>
-                                      </p:cBhvr>
-                                      <p:to x="100000" y="95000"/>
-                                    </p:animScale>
-                                    <p:animScale>
-                                      <p:cBhvr>
-                                        <p:cTn id="20" dur="166" decel="50000">
-                                          <p:stCondLst>
-                                            <p:cond delay="1834"/>
-                                          </p:stCondLst>
-                                        </p:cTn>
-                                        <p:tgtEl>
-                                          <p:spTgt spid="14"/>
-                                        </p:tgtEl>
-                                      </p:cBhvr>
-                                      <p:to x="100000" y="100000"/>
-                                    </p:animScale>
                                   </p:childTnLst>
                                 </p:cTn>
                               </p:par>
-                            </p:childTnLst>
-                          </p:cTn>
-                        </p:par>
-                      </p:childTnLst>
-                    </p:cTn>
-                  </p:par>
-                  <p:par>
-                    <p:cTn id="21" fill="hold">
-                      <p:stCondLst>
-                        <p:cond delay="indefinite"/>
-                      </p:stCondLst>
-                      <p:childTnLst>
-                        <p:par>
-                          <p:cTn id="22" fill="hold">
-                            <p:stCondLst>
-                              <p:cond delay="0"/>
-                            </p:stCondLst>
-                            <p:childTnLst>
                               <p:par>
-                                <p:cTn id="23" presetID="42" presetClass="entr" presetSubtype="0" fill="hold" grpId="0" nodeType="clickEffect">
+                                <p:cTn id="10" presetID="42" presetClass="entr" presetSubtype="0" fill="hold" grpId="0" nodeType="withEffect">
                                   <p:stCondLst>
                                     <p:cond delay="0"/>
                                   </p:stCondLst>
                                   <p:childTnLst>
                                     <p:set>
                                       <p:cBhvr>
-                                        <p:cTn id="24" dur="1" fill="hold">
+                                        <p:cTn id="11" dur="1" fill="hold">
                                           <p:stCondLst>
                                             <p:cond delay="0"/>
                                           </p:stCondLst>
@@ -16613,7 +17074,7 @@
                                     </p:set>
                                     <p:animEffect transition="in" filter="fade">
                                       <p:cBhvr>
-                                        <p:cTn id="25" dur="1000"/>
+                                        <p:cTn id="12" dur="1000"/>
                                         <p:tgtEl>
                                           <p:spTgt spid="15"/>
                                         </p:tgtEl>
@@ -16621,7 +17082,7 @@
                                     </p:animEffect>
                                     <p:anim calcmode="lin" valueType="num">
                                       <p:cBhvr>
-                                        <p:cTn id="26" dur="1000" fill="hold"/>
+                                        <p:cTn id="13" dur="1000" fill="hold"/>
                                         <p:tgtEl>
                                           <p:spTgt spid="15"/>
                                         </p:tgtEl>
@@ -16644,7 +17105,7 @@
                                     </p:anim>
                                     <p:anim calcmode="lin" valueType="num">
                                       <p:cBhvr>
-                                        <p:cTn id="27" dur="1000" fill="hold"/>
+                                        <p:cTn id="14" dur="1000" fill="hold"/>
                                         <p:tgtEl>
                                           <p:spTgt spid="15"/>
                                         </p:tgtEl>
@@ -16703,7 +17164,7 @@
 </p:sld>
 </file>
 
-<file path=ppt/slides/slide23.xml><?xml version="1.0" encoding="utf-8"?>
+<file path=ppt/slides/slide24.xml><?xml version="1.0" encoding="utf-8"?>
 <p:sld xmlns:a="http://schemas.openxmlformats.org/drawingml/2006/main" xmlns:r="http://schemas.openxmlformats.org/officeDocument/2006/relationships" xmlns:p="http://schemas.openxmlformats.org/presentationml/2006/main">
   <p:cSld>
     <p:spTree>
@@ -16742,10 +17203,1908 @@
               <a:t>Result </a:t>
             </a:r>
             <a:r>
+              <a:rPr lang="zh-CN" altLang="en-US" dirty="0">
+                <a:latin typeface="+mn-ea"/>
+              </a:rPr>
+              <a:t>高阶举例</a:t>
+            </a:r>
+            <a:r>
+              <a:rPr lang="en-GB" altLang="zh-CN" dirty="0">
+                <a:latin typeface="+mn-ea"/>
+              </a:rPr>
+              <a:t>–</a:t>
+            </a:r>
+            <a:r>
+              <a:rPr lang="zh-CN" altLang="en-US" dirty="0" smtClean="0">
+                <a:solidFill>
+                  <a:srgbClr val="FFFF00"/>
+                </a:solidFill>
+                <a:latin typeface="+mn-ea"/>
+              </a:rPr>
+              <a:t>一对一复合结构</a:t>
+            </a:r>
+            <a:r>
+              <a:rPr lang="en-GB" altLang="zh-CN" dirty="0">
+                <a:latin typeface="+mn-ea"/>
+              </a:rPr>
+              <a:t/>
+            </a:r>
+            <a:br>
+              <a:rPr lang="en-GB" altLang="zh-CN" dirty="0">
+                <a:latin typeface="+mn-ea"/>
+              </a:rPr>
+            </a:br>
+            <a:r>
+              <a:rPr lang="en-US" altLang="zh-CN" sz="2000" cap="all" dirty="0">
+                <a:solidFill>
+                  <a:schemeClr val="accent1"/>
+                </a:solidFill>
+              </a:rPr>
+              <a:t>XSQL</a:t>
+            </a:r>
+            <a:r>
+              <a:rPr lang="zh-CN" altLang="en-US" sz="2000" cap="all" dirty="0">
+                <a:solidFill>
+                  <a:schemeClr val="accent1"/>
+                </a:solidFill>
+              </a:rPr>
+              <a:t>的元素</a:t>
+            </a:r>
+            <a:endParaRPr lang="zh-CN" altLang="en-US" dirty="0"/>
+          </a:p>
+        </p:txBody>
+      </p:sp>
+      <p:grpSp>
+        <p:nvGrpSpPr>
+          <p:cNvPr id="4" name="组合 3"/>
+          <p:cNvGrpSpPr/>
+          <p:nvPr/>
+        </p:nvGrpSpPr>
+        <p:grpSpPr>
+          <a:xfrm>
+            <a:off x="10401652" y="72593"/>
+            <a:ext cx="763351" cy="1071782"/>
+            <a:chOff x="10401652" y="72593"/>
+            <a:chExt cx="763351" cy="1071782"/>
+          </a:xfrm>
+        </p:grpSpPr>
+        <p:sp>
+          <p:nvSpPr>
+            <p:cNvPr id="5" name="矩形 4"/>
+            <p:cNvSpPr/>
+            <p:nvPr/>
+          </p:nvSpPr>
+          <p:spPr>
+            <a:xfrm>
+              <a:off x="10401652" y="72593"/>
+              <a:ext cx="763351" cy="461665"/>
+            </a:xfrm>
+            <a:prstGeom prst="rect">
+              <a:avLst/>
+            </a:prstGeom>
+            <a:noFill/>
+          </p:spPr>
+          <p:txBody>
+            <a:bodyPr wrap="none" lIns="91440" tIns="45720" rIns="91440" bIns="45720">
+              <a:spAutoFit/>
+            </a:bodyPr>
+            <a:lstStyle/>
+            <a:p>
+              <a:pPr algn="ctr"/>
+              <a:r>
+                <a:rPr lang="en-GB" altLang="zh-CN" sz="2400" b="1" cap="none" spc="0" dirty="0" smtClean="0">
+                  <a:ln w="12700">
+                    <a:solidFill>
+                      <a:schemeClr val="tx2">
+                        <a:lumMod val="75000"/>
+                      </a:schemeClr>
+                    </a:solidFill>
+                    <a:prstDash val="solid"/>
+                  </a:ln>
+                  <a:pattFill prst="dkUpDiag">
+                    <a:fgClr>
+                      <a:schemeClr val="tx2"/>
+                    </a:fgClr>
+                    <a:bgClr>
+                      <a:schemeClr val="tx2">
+                        <a:lumMod val="20000"/>
+                        <a:lumOff val="80000"/>
+                      </a:schemeClr>
+                    </a:bgClr>
+                  </a:pattFill>
+                  <a:effectLst>
+                    <a:outerShdw dist="38100" dir="2640000" algn="bl" rotWithShape="0">
+                      <a:schemeClr val="tx2">
+                        <a:lumMod val="75000"/>
+                      </a:schemeClr>
+                    </a:outerShdw>
+                  </a:effectLst>
+                  <a:latin typeface="Segoe UI Black" panose="020B0A02040204020203" pitchFamily="34" charset="0"/>
+                  <a:ea typeface="Segoe UI Black" panose="020B0A02040204020203" pitchFamily="34" charset="0"/>
+                  <a:cs typeface="Segoe UI Black" panose="020B0A02040204020203" pitchFamily="34" charset="0"/>
+                </a:rPr>
+                <a:t>SQL</a:t>
+              </a:r>
+            </a:p>
+          </p:txBody>
+        </p:sp>
+        <p:sp>
+          <p:nvSpPr>
+            <p:cNvPr id="6" name="矩形 5"/>
+            <p:cNvSpPr/>
+            <p:nvPr/>
+          </p:nvSpPr>
+          <p:spPr>
+            <a:xfrm>
+              <a:off x="10439901" y="221045"/>
+              <a:ext cx="670376" cy="923330"/>
+            </a:xfrm>
+            <a:prstGeom prst="rect">
+              <a:avLst/>
+            </a:prstGeom>
+          </p:spPr>
+          <p:txBody>
+            <a:bodyPr wrap="none">
+              <a:spAutoFit/>
+            </a:bodyPr>
+            <a:lstStyle/>
+            <a:p>
+              <a:pPr algn="ctr"/>
+              <a:r>
+                <a:rPr lang="en-GB" altLang="zh-CN" sz="5400" dirty="0">
+                  <a:ln w="12700">
+                    <a:solidFill>
+                      <a:schemeClr val="tx2">
+                        <a:lumMod val="75000"/>
+                      </a:schemeClr>
+                    </a:solidFill>
+                    <a:prstDash val="solid"/>
+                  </a:ln>
+                  <a:pattFill prst="dkUpDiag">
+                    <a:fgClr>
+                      <a:schemeClr val="tx2"/>
+                    </a:fgClr>
+                    <a:bgClr>
+                      <a:schemeClr val="tx2">
+                        <a:lumMod val="20000"/>
+                        <a:lumOff val="80000"/>
+                      </a:schemeClr>
+                    </a:bgClr>
+                  </a:pattFill>
+                  <a:effectLst>
+                    <a:outerShdw dist="38100" dir="2640000" algn="bl" rotWithShape="0">
+                      <a:schemeClr val="tx2">
+                        <a:lumMod val="75000"/>
+                      </a:schemeClr>
+                    </a:outerShdw>
+                  </a:effectLst>
+                  <a:latin typeface="Segoe UI Black" panose="020B0A02040204020203" pitchFamily="34" charset="0"/>
+                  <a:ea typeface="Segoe UI Black" panose="020B0A02040204020203" pitchFamily="34" charset="0"/>
+                  <a:cs typeface="Segoe UI Black" panose="020B0A02040204020203" pitchFamily="34" charset="0"/>
+                </a:rPr>
+                <a:t>X</a:t>
+              </a:r>
+              <a:endParaRPr lang="zh-CN" altLang="en-US" sz="5400" dirty="0">
+                <a:ln w="12700">
+                  <a:solidFill>
+                    <a:schemeClr val="tx2">
+                      <a:lumMod val="75000"/>
+                    </a:schemeClr>
+                  </a:solidFill>
+                  <a:prstDash val="solid"/>
+                </a:ln>
+                <a:pattFill prst="dkUpDiag">
+                  <a:fgClr>
+                    <a:schemeClr val="tx2"/>
+                  </a:fgClr>
+                  <a:bgClr>
+                    <a:schemeClr val="tx2">
+                      <a:lumMod val="20000"/>
+                      <a:lumOff val="80000"/>
+                    </a:schemeClr>
+                  </a:bgClr>
+                </a:pattFill>
+                <a:effectLst>
+                  <a:outerShdw dist="38100" dir="2640000" algn="bl" rotWithShape="0">
+                    <a:schemeClr val="tx2">
+                      <a:lumMod val="75000"/>
+                    </a:schemeClr>
+                  </a:outerShdw>
+                </a:effectLst>
+                <a:latin typeface="Segoe UI Black" panose="020B0A02040204020203" pitchFamily="34" charset="0"/>
+                <a:ea typeface="华文行楷" panose="02010800040101010101" pitchFamily="2" charset="-122"/>
+                <a:cs typeface="Segoe UI Black" panose="020B0A02040204020203" pitchFamily="34" charset="0"/>
+              </a:endParaRPr>
+            </a:p>
+          </p:txBody>
+        </p:sp>
+      </p:grpSp>
+      <p:pic>
+        <p:nvPicPr>
+          <p:cNvPr id="8" name="图片 7"/>
+          <p:cNvPicPr>
+            <a:picLocks noChangeAspect="1"/>
+          </p:cNvPicPr>
+          <p:nvPr/>
+        </p:nvPicPr>
+        <p:blipFill>
+          <a:blip r:embed="rId3"/>
+          <a:stretch>
+            <a:fillRect/>
+          </a:stretch>
+        </p:blipFill>
+        <p:spPr>
+          <a:xfrm>
+            <a:off x="223194" y="1641671"/>
+            <a:ext cx="6886575" cy="4905375"/>
+          </a:xfrm>
+          <a:prstGeom prst="rect">
+            <a:avLst/>
+          </a:prstGeom>
+        </p:spPr>
+      </p:pic>
+      <p:sp>
+        <p:nvSpPr>
+          <p:cNvPr id="9" name="右箭头 8"/>
+          <p:cNvSpPr/>
+          <p:nvPr/>
+        </p:nvSpPr>
+        <p:spPr>
+          <a:xfrm>
+            <a:off x="7523162" y="1741906"/>
+            <a:ext cx="1198563" cy="435269"/>
+          </a:xfrm>
+          <a:prstGeom prst="rightArrow">
+            <a:avLst/>
+          </a:prstGeom>
+        </p:spPr>
+        <p:style>
+          <a:lnRef idx="0">
+            <a:schemeClr val="accent5"/>
+          </a:lnRef>
+          <a:fillRef idx="3">
+            <a:schemeClr val="accent5"/>
+          </a:fillRef>
+          <a:effectRef idx="3">
+            <a:schemeClr val="accent5"/>
+          </a:effectRef>
+          <a:fontRef idx="minor">
+            <a:schemeClr val="lt1"/>
+          </a:fontRef>
+        </p:style>
+        <p:txBody>
+          <a:bodyPr rtlCol="0" anchor="ctr"/>
+          <a:lstStyle/>
+          <a:p>
+            <a:pPr algn="ctr"/>
+            <a:endParaRPr lang="zh-CN" altLang="en-US"/>
+          </a:p>
+        </p:txBody>
+      </p:sp>
+      <p:sp>
+        <p:nvSpPr>
+          <p:cNvPr id="10" name="文本框 9"/>
+          <p:cNvSpPr txBox="1"/>
+          <p:nvPr/>
+        </p:nvSpPr>
+        <p:spPr>
+          <a:xfrm>
+            <a:off x="9043375" y="1741906"/>
+            <a:ext cx="2855269" cy="400110"/>
+          </a:xfrm>
+          <a:prstGeom prst="rect">
+            <a:avLst/>
+          </a:prstGeom>
+          <a:noFill/>
+        </p:spPr>
+        <p:txBody>
+          <a:bodyPr wrap="none" rtlCol="0">
+            <a:spAutoFit/>
+          </a:bodyPr>
+          <a:lstStyle/>
+          <a:p>
+            <a:r>
+              <a:rPr lang="en-GB" altLang="zh-CN" sz="2000" b="1" dirty="0" err="1" smtClean="0">
+                <a:solidFill>
+                  <a:schemeClr val="accent4">
+                    <a:lumMod val="20000"/>
+                    <a:lumOff val="80000"/>
+                  </a:schemeClr>
+                </a:solidFill>
+              </a:rPr>
+              <a:t>ArrayList</a:t>
+            </a:r>
+            <a:r>
+              <a:rPr lang="en-GB" altLang="zh-CN" sz="2000" b="1" dirty="0" smtClean="0">
+                <a:solidFill>
+                  <a:schemeClr val="accent4">
+                    <a:lumMod val="20000"/>
+                    <a:lumOff val="80000"/>
+                  </a:schemeClr>
+                </a:solidFill>
+              </a:rPr>
+              <a:t>&lt;Participant&gt;</a:t>
+            </a:r>
+            <a:endParaRPr lang="en-GB" altLang="zh-CN" sz="2000" b="1" dirty="0">
+              <a:solidFill>
+                <a:schemeClr val="accent4">
+                  <a:lumMod val="20000"/>
+                  <a:lumOff val="80000"/>
+                </a:schemeClr>
+              </a:solidFill>
+            </a:endParaRPr>
+          </a:p>
+        </p:txBody>
+      </p:sp>
+      <p:pic>
+        <p:nvPicPr>
+          <p:cNvPr id="13" name="图片 12"/>
+          <p:cNvPicPr>
+            <a:picLocks noChangeAspect="1"/>
+          </p:cNvPicPr>
+          <p:nvPr/>
+        </p:nvPicPr>
+        <p:blipFill>
+          <a:blip r:embed="rId4"/>
+          <a:stretch>
+            <a:fillRect/>
+          </a:stretch>
+        </p:blipFill>
+        <p:spPr>
+          <a:xfrm>
+            <a:off x="7355219" y="3060896"/>
+            <a:ext cx="4648200" cy="3486150"/>
+          </a:xfrm>
+          <a:prstGeom prst="rect">
+            <a:avLst/>
+          </a:prstGeom>
+        </p:spPr>
+      </p:pic>
+      <p:sp>
+        <p:nvSpPr>
+          <p:cNvPr id="14" name="右箭头 13"/>
+          <p:cNvSpPr/>
+          <p:nvPr/>
+        </p:nvSpPr>
+        <p:spPr>
+          <a:xfrm rot="5400000">
+            <a:off x="9743063" y="2383822"/>
+            <a:ext cx="615540" cy="435269"/>
+          </a:xfrm>
+          <a:prstGeom prst="rightArrow">
+            <a:avLst/>
+          </a:prstGeom>
+        </p:spPr>
+        <p:style>
+          <a:lnRef idx="0">
+            <a:schemeClr val="accent5"/>
+          </a:lnRef>
+          <a:fillRef idx="3">
+            <a:schemeClr val="accent5"/>
+          </a:fillRef>
+          <a:effectRef idx="3">
+            <a:schemeClr val="accent5"/>
+          </a:effectRef>
+          <a:fontRef idx="minor">
+            <a:schemeClr val="lt1"/>
+          </a:fontRef>
+        </p:style>
+        <p:txBody>
+          <a:bodyPr rtlCol="0" anchor="ctr"/>
+          <a:lstStyle/>
+          <a:p>
+            <a:pPr algn="ctr"/>
+            <a:endParaRPr lang="zh-CN" altLang="en-US"/>
+          </a:p>
+        </p:txBody>
+      </p:sp>
+      <p:sp>
+        <p:nvSpPr>
+          <p:cNvPr id="16" name="圆角矩形 15"/>
+          <p:cNvSpPr/>
+          <p:nvPr/>
+        </p:nvSpPr>
+        <p:spPr>
+          <a:xfrm>
+            <a:off x="7677150" y="6038851"/>
+            <a:ext cx="4152900" cy="508195"/>
+          </a:xfrm>
+          <a:prstGeom prst="roundRect">
+            <a:avLst/>
+          </a:prstGeom>
+          <a:noFill/>
+          <a:ln w="28575">
+            <a:solidFill>
+              <a:srgbClr val="FF0000"/>
+            </a:solidFill>
+          </a:ln>
+        </p:spPr>
+        <p:style>
+          <a:lnRef idx="2">
+            <a:schemeClr val="accent1">
+              <a:shade val="50000"/>
+            </a:schemeClr>
+          </a:lnRef>
+          <a:fillRef idx="1">
+            <a:schemeClr val="accent1"/>
+          </a:fillRef>
+          <a:effectRef idx="0">
+            <a:schemeClr val="accent1"/>
+          </a:effectRef>
+          <a:fontRef idx="minor">
+            <a:schemeClr val="lt1"/>
+          </a:fontRef>
+        </p:style>
+        <p:txBody>
+          <a:bodyPr rtlCol="0" anchor="ctr"/>
+          <a:lstStyle/>
+          <a:p>
+            <a:pPr algn="ctr"/>
+            <a:endParaRPr lang="zh-CN" altLang="en-US"/>
+          </a:p>
+        </p:txBody>
+      </p:sp>
+      <p:cxnSp>
+        <p:nvCxnSpPr>
+          <p:cNvPr id="18" name="直接箭头连接符 17"/>
+          <p:cNvCxnSpPr/>
+          <p:nvPr/>
+        </p:nvCxnSpPr>
+        <p:spPr>
+          <a:xfrm>
+            <a:off x="5543550" y="3209925"/>
+            <a:ext cx="2133600" cy="2828926"/>
+          </a:xfrm>
+          <a:prstGeom prst="straightConnector1">
+            <a:avLst/>
+          </a:prstGeom>
+          <a:ln>
+            <a:solidFill>
+              <a:srgbClr val="FF0000"/>
+            </a:solidFill>
+            <a:tailEnd type="triangle"/>
+          </a:ln>
+        </p:spPr>
+        <p:style>
+          <a:lnRef idx="1">
+            <a:schemeClr val="accent1"/>
+          </a:lnRef>
+          <a:fillRef idx="0">
+            <a:schemeClr val="accent1"/>
+          </a:fillRef>
+          <a:effectRef idx="0">
+            <a:schemeClr val="accent1"/>
+          </a:effectRef>
+          <a:fontRef idx="minor">
+            <a:schemeClr val="tx1"/>
+          </a:fontRef>
+        </p:style>
+      </p:cxnSp>
+    </p:spTree>
+    <p:extLst>
+      <p:ext uri="{BB962C8B-B14F-4D97-AF65-F5344CB8AC3E}">
+        <p14:creationId xmlns:p14="http://schemas.microsoft.com/office/powerpoint/2010/main" val="3520357104"/>
+      </p:ext>
+    </p:extLst>
+  </p:cSld>
+  <p:clrMapOvr>
+    <a:masterClrMapping/>
+  </p:clrMapOvr>
+  <p:timing>
+    <p:tnLst>
+      <p:par>
+        <p:cTn id="1" dur="indefinite" restart="never" nodeType="tmRoot">
+          <p:childTnLst>
+            <p:seq concurrent="1" nextAc="seek">
+              <p:cTn id="2" dur="indefinite" nodeType="mainSeq">
+                <p:childTnLst>
+                  <p:par>
+                    <p:cTn id="3" fill="hold">
+                      <p:stCondLst>
+                        <p:cond delay="indefinite"/>
+                      </p:stCondLst>
+                      <p:childTnLst>
+                        <p:par>
+                          <p:cTn id="4" fill="hold">
+                            <p:stCondLst>
+                              <p:cond delay="0"/>
+                            </p:stCondLst>
+                            <p:childTnLst>
+                              <p:par>
+                                <p:cTn id="5" presetID="42" presetClass="entr" presetSubtype="0" fill="hold" grpId="0" nodeType="clickEffect">
+                                  <p:stCondLst>
+                                    <p:cond delay="0"/>
+                                  </p:stCondLst>
+                                  <p:childTnLst>
+                                    <p:set>
+                                      <p:cBhvr>
+                                        <p:cTn id="6" dur="1" fill="hold">
+                                          <p:stCondLst>
+                                            <p:cond delay="0"/>
+                                          </p:stCondLst>
+                                        </p:cTn>
+                                        <p:tgtEl>
+                                          <p:spTgt spid="9"/>
+                                        </p:tgtEl>
+                                        <p:attrNameLst>
+                                          <p:attrName>style.visibility</p:attrName>
+                                        </p:attrNameLst>
+                                      </p:cBhvr>
+                                      <p:to>
+                                        <p:strVal val="visible"/>
+                                      </p:to>
+                                    </p:set>
+                                    <p:animEffect transition="in" filter="fade">
+                                      <p:cBhvr>
+                                        <p:cTn id="7" dur="1000"/>
+                                        <p:tgtEl>
+                                          <p:spTgt spid="9"/>
+                                        </p:tgtEl>
+                                      </p:cBhvr>
+                                    </p:animEffect>
+                                    <p:anim calcmode="lin" valueType="num">
+                                      <p:cBhvr>
+                                        <p:cTn id="8" dur="1000" fill="hold"/>
+                                        <p:tgtEl>
+                                          <p:spTgt spid="9"/>
+                                        </p:tgtEl>
+                                        <p:attrNameLst>
+                                          <p:attrName>ppt_x</p:attrName>
+                                        </p:attrNameLst>
+                                      </p:cBhvr>
+                                      <p:tavLst>
+                                        <p:tav tm="0">
+                                          <p:val>
+                                            <p:strVal val="#ppt_x"/>
+                                          </p:val>
+                                        </p:tav>
+                                        <p:tav tm="100000">
+                                          <p:val>
+                                            <p:strVal val="#ppt_x"/>
+                                          </p:val>
+                                        </p:tav>
+                                      </p:tavLst>
+                                    </p:anim>
+                                    <p:anim calcmode="lin" valueType="num">
+                                      <p:cBhvr>
+                                        <p:cTn id="9" dur="1000" fill="hold"/>
+                                        <p:tgtEl>
+                                          <p:spTgt spid="9"/>
+                                        </p:tgtEl>
+                                        <p:attrNameLst>
+                                          <p:attrName>ppt_y</p:attrName>
+                                        </p:attrNameLst>
+                                      </p:cBhvr>
+                                      <p:tavLst>
+                                        <p:tav tm="0">
+                                          <p:val>
+                                            <p:strVal val="#ppt_y+.1"/>
+                                          </p:val>
+                                        </p:tav>
+                                        <p:tav tm="100000">
+                                          <p:val>
+                                            <p:strVal val="#ppt_y"/>
+                                          </p:val>
+                                        </p:tav>
+                                      </p:tavLst>
+                                    </p:anim>
+                                  </p:childTnLst>
+                                </p:cTn>
+                              </p:par>
+                              <p:par>
+                                <p:cTn id="10" presetID="42" presetClass="entr" presetSubtype="0" fill="hold" grpId="0" nodeType="withEffect">
+                                  <p:stCondLst>
+                                    <p:cond delay="0"/>
+                                  </p:stCondLst>
+                                  <p:childTnLst>
+                                    <p:set>
+                                      <p:cBhvr>
+                                        <p:cTn id="11" dur="1" fill="hold">
+                                          <p:stCondLst>
+                                            <p:cond delay="0"/>
+                                          </p:stCondLst>
+                                        </p:cTn>
+                                        <p:tgtEl>
+                                          <p:spTgt spid="10"/>
+                                        </p:tgtEl>
+                                        <p:attrNameLst>
+                                          <p:attrName>style.visibility</p:attrName>
+                                        </p:attrNameLst>
+                                      </p:cBhvr>
+                                      <p:to>
+                                        <p:strVal val="visible"/>
+                                      </p:to>
+                                    </p:set>
+                                    <p:animEffect transition="in" filter="fade">
+                                      <p:cBhvr>
+                                        <p:cTn id="12" dur="1000"/>
+                                        <p:tgtEl>
+                                          <p:spTgt spid="10"/>
+                                        </p:tgtEl>
+                                      </p:cBhvr>
+                                    </p:animEffect>
+                                    <p:anim calcmode="lin" valueType="num">
+                                      <p:cBhvr>
+                                        <p:cTn id="13" dur="1000" fill="hold"/>
+                                        <p:tgtEl>
+                                          <p:spTgt spid="10"/>
+                                        </p:tgtEl>
+                                        <p:attrNameLst>
+                                          <p:attrName>ppt_x</p:attrName>
+                                        </p:attrNameLst>
+                                      </p:cBhvr>
+                                      <p:tavLst>
+                                        <p:tav tm="0">
+                                          <p:val>
+                                            <p:strVal val="#ppt_x"/>
+                                          </p:val>
+                                        </p:tav>
+                                        <p:tav tm="100000">
+                                          <p:val>
+                                            <p:strVal val="#ppt_x"/>
+                                          </p:val>
+                                        </p:tav>
+                                      </p:tavLst>
+                                    </p:anim>
+                                    <p:anim calcmode="lin" valueType="num">
+                                      <p:cBhvr>
+                                        <p:cTn id="14" dur="1000" fill="hold"/>
+                                        <p:tgtEl>
+                                          <p:spTgt spid="10"/>
+                                        </p:tgtEl>
+                                        <p:attrNameLst>
+                                          <p:attrName>ppt_y</p:attrName>
+                                        </p:attrNameLst>
+                                      </p:cBhvr>
+                                      <p:tavLst>
+                                        <p:tav tm="0">
+                                          <p:val>
+                                            <p:strVal val="#ppt_y+.1"/>
+                                          </p:val>
+                                        </p:tav>
+                                        <p:tav tm="100000">
+                                          <p:val>
+                                            <p:strVal val="#ppt_y"/>
+                                          </p:val>
+                                        </p:tav>
+                                      </p:tavLst>
+                                    </p:anim>
+                                  </p:childTnLst>
+                                </p:cTn>
+                              </p:par>
+                            </p:childTnLst>
+                          </p:cTn>
+                        </p:par>
+                      </p:childTnLst>
+                    </p:cTn>
+                  </p:par>
+                  <p:par>
+                    <p:cTn id="15" fill="hold">
+                      <p:stCondLst>
+                        <p:cond delay="indefinite"/>
+                      </p:stCondLst>
+                      <p:childTnLst>
+                        <p:par>
+                          <p:cTn id="16" fill="hold">
+                            <p:stCondLst>
+                              <p:cond delay="0"/>
+                            </p:stCondLst>
+                            <p:childTnLst>
+                              <p:par>
+                                <p:cTn id="17" presetID="42" presetClass="entr" presetSubtype="0" fill="hold" grpId="0" nodeType="clickEffect">
+                                  <p:stCondLst>
+                                    <p:cond delay="0"/>
+                                  </p:stCondLst>
+                                  <p:childTnLst>
+                                    <p:set>
+                                      <p:cBhvr>
+                                        <p:cTn id="18" dur="1" fill="hold">
+                                          <p:stCondLst>
+                                            <p:cond delay="0"/>
+                                          </p:stCondLst>
+                                        </p:cTn>
+                                        <p:tgtEl>
+                                          <p:spTgt spid="14"/>
+                                        </p:tgtEl>
+                                        <p:attrNameLst>
+                                          <p:attrName>style.visibility</p:attrName>
+                                        </p:attrNameLst>
+                                      </p:cBhvr>
+                                      <p:to>
+                                        <p:strVal val="visible"/>
+                                      </p:to>
+                                    </p:set>
+                                    <p:animEffect transition="in" filter="fade">
+                                      <p:cBhvr>
+                                        <p:cTn id="19" dur="1000"/>
+                                        <p:tgtEl>
+                                          <p:spTgt spid="14"/>
+                                        </p:tgtEl>
+                                      </p:cBhvr>
+                                    </p:animEffect>
+                                    <p:anim calcmode="lin" valueType="num">
+                                      <p:cBhvr>
+                                        <p:cTn id="20" dur="1000" fill="hold"/>
+                                        <p:tgtEl>
+                                          <p:spTgt spid="14"/>
+                                        </p:tgtEl>
+                                        <p:attrNameLst>
+                                          <p:attrName>ppt_x</p:attrName>
+                                        </p:attrNameLst>
+                                      </p:cBhvr>
+                                      <p:tavLst>
+                                        <p:tav tm="0">
+                                          <p:val>
+                                            <p:strVal val="#ppt_x"/>
+                                          </p:val>
+                                        </p:tav>
+                                        <p:tav tm="100000">
+                                          <p:val>
+                                            <p:strVal val="#ppt_x"/>
+                                          </p:val>
+                                        </p:tav>
+                                      </p:tavLst>
+                                    </p:anim>
+                                    <p:anim calcmode="lin" valueType="num">
+                                      <p:cBhvr>
+                                        <p:cTn id="21" dur="1000" fill="hold"/>
+                                        <p:tgtEl>
+                                          <p:spTgt spid="14"/>
+                                        </p:tgtEl>
+                                        <p:attrNameLst>
+                                          <p:attrName>ppt_y</p:attrName>
+                                        </p:attrNameLst>
+                                      </p:cBhvr>
+                                      <p:tavLst>
+                                        <p:tav tm="0">
+                                          <p:val>
+                                            <p:strVal val="#ppt_y+.1"/>
+                                          </p:val>
+                                        </p:tav>
+                                        <p:tav tm="100000">
+                                          <p:val>
+                                            <p:strVal val="#ppt_y"/>
+                                          </p:val>
+                                        </p:tav>
+                                      </p:tavLst>
+                                    </p:anim>
+                                  </p:childTnLst>
+                                </p:cTn>
+                              </p:par>
+                              <p:par>
+                                <p:cTn id="22" presetID="42" presetClass="entr" presetSubtype="0" fill="hold" nodeType="withEffect">
+                                  <p:stCondLst>
+                                    <p:cond delay="0"/>
+                                  </p:stCondLst>
+                                  <p:childTnLst>
+                                    <p:set>
+                                      <p:cBhvr>
+                                        <p:cTn id="23" dur="1" fill="hold">
+                                          <p:stCondLst>
+                                            <p:cond delay="0"/>
+                                          </p:stCondLst>
+                                        </p:cTn>
+                                        <p:tgtEl>
+                                          <p:spTgt spid="13"/>
+                                        </p:tgtEl>
+                                        <p:attrNameLst>
+                                          <p:attrName>style.visibility</p:attrName>
+                                        </p:attrNameLst>
+                                      </p:cBhvr>
+                                      <p:to>
+                                        <p:strVal val="visible"/>
+                                      </p:to>
+                                    </p:set>
+                                    <p:animEffect transition="in" filter="fade">
+                                      <p:cBhvr>
+                                        <p:cTn id="24" dur="1000"/>
+                                        <p:tgtEl>
+                                          <p:spTgt spid="13"/>
+                                        </p:tgtEl>
+                                      </p:cBhvr>
+                                    </p:animEffect>
+                                    <p:anim calcmode="lin" valueType="num">
+                                      <p:cBhvr>
+                                        <p:cTn id="25" dur="1000" fill="hold"/>
+                                        <p:tgtEl>
+                                          <p:spTgt spid="13"/>
+                                        </p:tgtEl>
+                                        <p:attrNameLst>
+                                          <p:attrName>ppt_x</p:attrName>
+                                        </p:attrNameLst>
+                                      </p:cBhvr>
+                                      <p:tavLst>
+                                        <p:tav tm="0">
+                                          <p:val>
+                                            <p:strVal val="#ppt_x"/>
+                                          </p:val>
+                                        </p:tav>
+                                        <p:tav tm="100000">
+                                          <p:val>
+                                            <p:strVal val="#ppt_x"/>
+                                          </p:val>
+                                        </p:tav>
+                                      </p:tavLst>
+                                    </p:anim>
+                                    <p:anim calcmode="lin" valueType="num">
+                                      <p:cBhvr>
+                                        <p:cTn id="26" dur="1000" fill="hold"/>
+                                        <p:tgtEl>
+                                          <p:spTgt spid="13"/>
+                                        </p:tgtEl>
+                                        <p:attrNameLst>
+                                          <p:attrName>ppt_y</p:attrName>
+                                        </p:attrNameLst>
+                                      </p:cBhvr>
+                                      <p:tavLst>
+                                        <p:tav tm="0">
+                                          <p:val>
+                                            <p:strVal val="#ppt_y+.1"/>
+                                          </p:val>
+                                        </p:tav>
+                                        <p:tav tm="100000">
+                                          <p:val>
+                                            <p:strVal val="#ppt_y"/>
+                                          </p:val>
+                                        </p:tav>
+                                      </p:tavLst>
+                                    </p:anim>
+                                  </p:childTnLst>
+                                </p:cTn>
+                              </p:par>
+                            </p:childTnLst>
+                          </p:cTn>
+                        </p:par>
+                      </p:childTnLst>
+                    </p:cTn>
+                  </p:par>
+                  <p:par>
+                    <p:cTn id="27" fill="hold">
+                      <p:stCondLst>
+                        <p:cond delay="indefinite"/>
+                      </p:stCondLst>
+                      <p:childTnLst>
+                        <p:par>
+                          <p:cTn id="28" fill="hold">
+                            <p:stCondLst>
+                              <p:cond delay="0"/>
+                            </p:stCondLst>
+                            <p:childTnLst>
+                              <p:par>
+                                <p:cTn id="29" presetID="14" presetClass="entr" presetSubtype="10" fill="hold" nodeType="clickEffect">
+                                  <p:stCondLst>
+                                    <p:cond delay="0"/>
+                                  </p:stCondLst>
+                                  <p:childTnLst>
+                                    <p:set>
+                                      <p:cBhvr>
+                                        <p:cTn id="30" dur="1" fill="hold">
+                                          <p:stCondLst>
+                                            <p:cond delay="0"/>
+                                          </p:stCondLst>
+                                        </p:cTn>
+                                        <p:tgtEl>
+                                          <p:spTgt spid="18"/>
+                                        </p:tgtEl>
+                                        <p:attrNameLst>
+                                          <p:attrName>style.visibility</p:attrName>
+                                        </p:attrNameLst>
+                                      </p:cBhvr>
+                                      <p:to>
+                                        <p:strVal val="visible"/>
+                                      </p:to>
+                                    </p:set>
+                                    <p:animEffect transition="in" filter="randombar(horizontal)">
+                                      <p:cBhvr>
+                                        <p:cTn id="31" dur="500"/>
+                                        <p:tgtEl>
+                                          <p:spTgt spid="18"/>
+                                        </p:tgtEl>
+                                      </p:cBhvr>
+                                    </p:animEffect>
+                                  </p:childTnLst>
+                                </p:cTn>
+                              </p:par>
+                              <p:par>
+                                <p:cTn id="32" presetID="14" presetClass="entr" presetSubtype="10" fill="hold" grpId="0" nodeType="withEffect">
+                                  <p:stCondLst>
+                                    <p:cond delay="0"/>
+                                  </p:stCondLst>
+                                  <p:childTnLst>
+                                    <p:set>
+                                      <p:cBhvr>
+                                        <p:cTn id="33" dur="1" fill="hold">
+                                          <p:stCondLst>
+                                            <p:cond delay="0"/>
+                                          </p:stCondLst>
+                                        </p:cTn>
+                                        <p:tgtEl>
+                                          <p:spTgt spid="16"/>
+                                        </p:tgtEl>
+                                        <p:attrNameLst>
+                                          <p:attrName>style.visibility</p:attrName>
+                                        </p:attrNameLst>
+                                      </p:cBhvr>
+                                      <p:to>
+                                        <p:strVal val="visible"/>
+                                      </p:to>
+                                    </p:set>
+                                    <p:animEffect transition="in" filter="randombar(horizontal)">
+                                      <p:cBhvr>
+                                        <p:cTn id="34" dur="500"/>
+                                        <p:tgtEl>
+                                          <p:spTgt spid="16"/>
+                                        </p:tgtEl>
+                                      </p:cBhvr>
+                                    </p:animEffect>
+                                  </p:childTnLst>
+                                </p:cTn>
+                              </p:par>
+                            </p:childTnLst>
+                          </p:cTn>
+                        </p:par>
+                      </p:childTnLst>
+                    </p:cTn>
+                  </p:par>
+                </p:childTnLst>
+              </p:cTn>
+              <p:prevCondLst>
+                <p:cond evt="onPrev" delay="0">
+                  <p:tgtEl>
+                    <p:sldTgt/>
+                  </p:tgtEl>
+                </p:cond>
+              </p:prevCondLst>
+              <p:nextCondLst>
+                <p:cond evt="onNext" delay="0">
+                  <p:tgtEl>
+                    <p:sldTgt/>
+                  </p:tgtEl>
+                </p:cond>
+              </p:nextCondLst>
+            </p:seq>
+          </p:childTnLst>
+        </p:cTn>
+      </p:par>
+    </p:tnLst>
+    <p:bldLst>
+      <p:bldP spid="9" grpId="0" animBg="1"/>
+      <p:bldP spid="10" grpId="0"/>
+      <p:bldP spid="14" grpId="0" animBg="1"/>
+      <p:bldP spid="16" grpId="0" animBg="1"/>
+    </p:bldLst>
+  </p:timing>
+</p:sld>
+</file>
+
+<file path=ppt/slides/slide25.xml><?xml version="1.0" encoding="utf-8"?>
+<p:sld xmlns:a="http://schemas.openxmlformats.org/drawingml/2006/main" xmlns:r="http://schemas.openxmlformats.org/officeDocument/2006/relationships" xmlns:p="http://schemas.openxmlformats.org/presentationml/2006/main">
+  <p:cSld>
+    <p:spTree>
+      <p:nvGrpSpPr>
+        <p:cNvPr id="1" name=""/>
+        <p:cNvGrpSpPr/>
+        <p:nvPr/>
+      </p:nvGrpSpPr>
+      <p:grpSpPr>
+        <a:xfrm>
+          <a:off x="0" y="0"/>
+          <a:ext cx="0" cy="0"/>
+          <a:chOff x="0" y="0"/>
+          <a:chExt cx="0" cy="0"/>
+        </a:xfrm>
+      </p:grpSpPr>
+      <p:sp>
+        <p:nvSpPr>
+          <p:cNvPr id="2" name="标题 1"/>
+          <p:cNvSpPr>
+            <a:spLocks noGrp="1"/>
+          </p:cNvSpPr>
+          <p:nvPr>
+            <p:ph type="title"/>
+          </p:nvPr>
+        </p:nvSpPr>
+        <p:spPr/>
+        <p:txBody>
+          <a:bodyPr/>
+          <a:lstStyle/>
+          <a:p>
+            <a:r>
+              <a:rPr lang="en-GB" altLang="zh-CN" dirty="0" smtClean="0">
+                <a:latin typeface="+mn-ea"/>
+              </a:rPr>
+              <a:t>Result </a:t>
+            </a:r>
+            <a:r>
               <a:rPr lang="zh-CN" altLang="en-US" dirty="0" smtClean="0">
                 <a:latin typeface="+mn-ea"/>
               </a:rPr>
-              <a:t>举例</a:t>
+              <a:t>高</a:t>
+            </a:r>
+            <a:r>
+              <a:rPr lang="zh-CN" altLang="en-US" dirty="0">
+                <a:latin typeface="+mn-ea"/>
+              </a:rPr>
+              <a:t>阶举例</a:t>
+            </a:r>
+            <a:r>
+              <a:rPr lang="en-GB" altLang="zh-CN" dirty="0" smtClean="0">
+                <a:latin typeface="+mn-ea"/>
+              </a:rPr>
+              <a:t>–</a:t>
+            </a:r>
+            <a:r>
+              <a:rPr lang="zh-CN" altLang="en-US" dirty="0" smtClean="0">
+                <a:solidFill>
+                  <a:srgbClr val="FFFF00"/>
+                </a:solidFill>
+                <a:latin typeface="+mn-ea"/>
+              </a:rPr>
+              <a:t>一对多父子关联</a:t>
+            </a:r>
+            <a:r>
+              <a:rPr lang="en-GB" altLang="zh-CN" dirty="0">
+                <a:latin typeface="+mn-ea"/>
+              </a:rPr>
+              <a:t/>
+            </a:r>
+            <a:br>
+              <a:rPr lang="en-GB" altLang="zh-CN" dirty="0">
+                <a:latin typeface="+mn-ea"/>
+              </a:rPr>
+            </a:br>
+            <a:r>
+              <a:rPr lang="en-US" altLang="zh-CN" sz="2000" cap="all" dirty="0">
+                <a:solidFill>
+                  <a:schemeClr val="accent1"/>
+                </a:solidFill>
+              </a:rPr>
+              <a:t>XSQL</a:t>
+            </a:r>
+            <a:r>
+              <a:rPr lang="zh-CN" altLang="en-US" sz="2000" cap="all" dirty="0">
+                <a:solidFill>
+                  <a:schemeClr val="accent1"/>
+                </a:solidFill>
+              </a:rPr>
+              <a:t>的元素</a:t>
+            </a:r>
+            <a:endParaRPr lang="zh-CN" altLang="en-US" dirty="0"/>
+          </a:p>
+        </p:txBody>
+      </p:sp>
+      <p:pic>
+        <p:nvPicPr>
+          <p:cNvPr id="5" name="图片 4"/>
+          <p:cNvPicPr>
+            <a:picLocks noChangeAspect="1"/>
+          </p:cNvPicPr>
+          <p:nvPr/>
+        </p:nvPicPr>
+        <p:blipFill>
+          <a:blip r:embed="rId2"/>
+          <a:stretch>
+            <a:fillRect/>
+          </a:stretch>
+        </p:blipFill>
+        <p:spPr>
+          <a:xfrm>
+            <a:off x="465136" y="1672273"/>
+            <a:ext cx="5781675" cy="4933950"/>
+          </a:xfrm>
+          <a:prstGeom prst="rect">
+            <a:avLst/>
+          </a:prstGeom>
+        </p:spPr>
+      </p:pic>
+      <p:sp>
+        <p:nvSpPr>
+          <p:cNvPr id="6" name="右箭头 5"/>
+          <p:cNvSpPr/>
+          <p:nvPr/>
+        </p:nvSpPr>
+        <p:spPr>
+          <a:xfrm>
+            <a:off x="6637337" y="1408531"/>
+            <a:ext cx="1198563" cy="435269"/>
+          </a:xfrm>
+          <a:prstGeom prst="rightArrow">
+            <a:avLst/>
+          </a:prstGeom>
+        </p:spPr>
+        <p:style>
+          <a:lnRef idx="0">
+            <a:schemeClr val="accent5"/>
+          </a:lnRef>
+          <a:fillRef idx="3">
+            <a:schemeClr val="accent5"/>
+          </a:fillRef>
+          <a:effectRef idx="3">
+            <a:schemeClr val="accent5"/>
+          </a:effectRef>
+          <a:fontRef idx="minor">
+            <a:schemeClr val="lt1"/>
+          </a:fontRef>
+        </p:style>
+        <p:txBody>
+          <a:bodyPr rtlCol="0" anchor="ctr"/>
+          <a:lstStyle/>
+          <a:p>
+            <a:pPr algn="ctr"/>
+            <a:endParaRPr lang="zh-CN" altLang="en-US"/>
+          </a:p>
+        </p:txBody>
+      </p:sp>
+      <p:sp>
+        <p:nvSpPr>
+          <p:cNvPr id="7" name="文本框 6"/>
+          <p:cNvSpPr txBox="1"/>
+          <p:nvPr/>
+        </p:nvSpPr>
+        <p:spPr>
+          <a:xfrm>
+            <a:off x="8151855" y="1415098"/>
+            <a:ext cx="2659702" cy="400110"/>
+          </a:xfrm>
+          <a:prstGeom prst="rect">
+            <a:avLst/>
+          </a:prstGeom>
+          <a:noFill/>
+        </p:spPr>
+        <p:txBody>
+          <a:bodyPr wrap="none" rtlCol="0">
+            <a:spAutoFit/>
+          </a:bodyPr>
+          <a:lstStyle/>
+          <a:p>
+            <a:r>
+              <a:rPr lang="en-GB" altLang="zh-CN" sz="2000" b="1" dirty="0" err="1" smtClean="0">
+                <a:solidFill>
+                  <a:schemeClr val="accent4">
+                    <a:lumMod val="20000"/>
+                    <a:lumOff val="80000"/>
+                  </a:schemeClr>
+                </a:solidFill>
+              </a:rPr>
+              <a:t>ArrayList</a:t>
+            </a:r>
+            <a:r>
+              <a:rPr lang="en-GB" altLang="zh-CN" sz="2000" b="1" dirty="0" smtClean="0">
+                <a:solidFill>
+                  <a:schemeClr val="accent4">
+                    <a:lumMod val="20000"/>
+                    <a:lumOff val="80000"/>
+                  </a:schemeClr>
+                </a:solidFill>
+              </a:rPr>
+              <a:t>&lt;</a:t>
+            </a:r>
+            <a:r>
+              <a:rPr lang="en-GB" altLang="zh-CN" sz="2000" b="1" dirty="0" err="1" smtClean="0">
+                <a:solidFill>
+                  <a:schemeClr val="accent4">
+                    <a:lumMod val="20000"/>
+                    <a:lumOff val="80000"/>
+                  </a:schemeClr>
+                </a:solidFill>
+              </a:rPr>
+              <a:t>TableInfo</a:t>
+            </a:r>
+            <a:r>
+              <a:rPr lang="en-GB" altLang="zh-CN" sz="2000" b="1" dirty="0" smtClean="0">
+                <a:solidFill>
+                  <a:schemeClr val="accent4">
+                    <a:lumMod val="20000"/>
+                    <a:lumOff val="80000"/>
+                  </a:schemeClr>
+                </a:solidFill>
+              </a:rPr>
+              <a:t>&gt;</a:t>
+            </a:r>
+            <a:endParaRPr lang="en-GB" altLang="zh-CN" sz="2000" b="1" dirty="0">
+              <a:solidFill>
+                <a:schemeClr val="accent4">
+                  <a:lumMod val="20000"/>
+                  <a:lumOff val="80000"/>
+                </a:schemeClr>
+              </a:solidFill>
+            </a:endParaRPr>
+          </a:p>
+        </p:txBody>
+      </p:sp>
+      <p:pic>
+        <p:nvPicPr>
+          <p:cNvPr id="8" name="图片 7"/>
+          <p:cNvPicPr>
+            <a:picLocks noChangeAspect="1"/>
+          </p:cNvPicPr>
+          <p:nvPr/>
+        </p:nvPicPr>
+        <p:blipFill>
+          <a:blip r:embed="rId3"/>
+          <a:stretch>
+            <a:fillRect/>
+          </a:stretch>
+        </p:blipFill>
+        <p:spPr>
+          <a:xfrm>
+            <a:off x="7034212" y="2843848"/>
+            <a:ext cx="4446443" cy="3762375"/>
+          </a:xfrm>
+          <a:prstGeom prst="rect">
+            <a:avLst/>
+          </a:prstGeom>
+        </p:spPr>
+      </p:pic>
+      <p:sp>
+        <p:nvSpPr>
+          <p:cNvPr id="9" name="右箭头 8"/>
+          <p:cNvSpPr/>
+          <p:nvPr/>
+        </p:nvSpPr>
+        <p:spPr>
+          <a:xfrm rot="5400000">
+            <a:off x="8956301" y="2130914"/>
+            <a:ext cx="615540" cy="435269"/>
+          </a:xfrm>
+          <a:prstGeom prst="rightArrow">
+            <a:avLst/>
+          </a:prstGeom>
+        </p:spPr>
+        <p:style>
+          <a:lnRef idx="0">
+            <a:schemeClr val="accent5"/>
+          </a:lnRef>
+          <a:fillRef idx="3">
+            <a:schemeClr val="accent5"/>
+          </a:fillRef>
+          <a:effectRef idx="3">
+            <a:schemeClr val="accent5"/>
+          </a:effectRef>
+          <a:fontRef idx="minor">
+            <a:schemeClr val="lt1"/>
+          </a:fontRef>
+        </p:style>
+        <p:txBody>
+          <a:bodyPr rtlCol="0" anchor="ctr"/>
+          <a:lstStyle/>
+          <a:p>
+            <a:pPr algn="ctr"/>
+            <a:endParaRPr lang="zh-CN" altLang="en-US"/>
+          </a:p>
+        </p:txBody>
+      </p:sp>
+      <p:grpSp>
+        <p:nvGrpSpPr>
+          <p:cNvPr id="10" name="组合 9"/>
+          <p:cNvGrpSpPr/>
+          <p:nvPr/>
+        </p:nvGrpSpPr>
+        <p:grpSpPr>
+          <a:xfrm>
+            <a:off x="10401652" y="72593"/>
+            <a:ext cx="763351" cy="1071782"/>
+            <a:chOff x="10401652" y="72593"/>
+            <a:chExt cx="763351" cy="1071782"/>
+          </a:xfrm>
+        </p:grpSpPr>
+        <p:sp>
+          <p:nvSpPr>
+            <p:cNvPr id="11" name="矩形 10"/>
+            <p:cNvSpPr/>
+            <p:nvPr/>
+          </p:nvSpPr>
+          <p:spPr>
+            <a:xfrm>
+              <a:off x="10401652" y="72593"/>
+              <a:ext cx="763351" cy="461665"/>
+            </a:xfrm>
+            <a:prstGeom prst="rect">
+              <a:avLst/>
+            </a:prstGeom>
+            <a:noFill/>
+          </p:spPr>
+          <p:txBody>
+            <a:bodyPr wrap="none" lIns="91440" tIns="45720" rIns="91440" bIns="45720">
+              <a:spAutoFit/>
+            </a:bodyPr>
+            <a:lstStyle/>
+            <a:p>
+              <a:pPr algn="ctr"/>
+              <a:r>
+                <a:rPr lang="en-GB" altLang="zh-CN" sz="2400" b="1" cap="none" spc="0" dirty="0" smtClean="0">
+                  <a:ln w="12700">
+                    <a:solidFill>
+                      <a:schemeClr val="tx2">
+                        <a:lumMod val="75000"/>
+                      </a:schemeClr>
+                    </a:solidFill>
+                    <a:prstDash val="solid"/>
+                  </a:ln>
+                  <a:pattFill prst="dkUpDiag">
+                    <a:fgClr>
+                      <a:schemeClr val="tx2"/>
+                    </a:fgClr>
+                    <a:bgClr>
+                      <a:schemeClr val="tx2">
+                        <a:lumMod val="20000"/>
+                        <a:lumOff val="80000"/>
+                      </a:schemeClr>
+                    </a:bgClr>
+                  </a:pattFill>
+                  <a:effectLst>
+                    <a:outerShdw dist="38100" dir="2640000" algn="bl" rotWithShape="0">
+                      <a:schemeClr val="tx2">
+                        <a:lumMod val="75000"/>
+                      </a:schemeClr>
+                    </a:outerShdw>
+                  </a:effectLst>
+                  <a:latin typeface="Segoe UI Black" panose="020B0A02040204020203" pitchFamily="34" charset="0"/>
+                  <a:ea typeface="Segoe UI Black" panose="020B0A02040204020203" pitchFamily="34" charset="0"/>
+                  <a:cs typeface="Segoe UI Black" panose="020B0A02040204020203" pitchFamily="34" charset="0"/>
+                </a:rPr>
+                <a:t>SQL</a:t>
+              </a:r>
+            </a:p>
+          </p:txBody>
+        </p:sp>
+        <p:sp>
+          <p:nvSpPr>
+            <p:cNvPr id="12" name="矩形 11"/>
+            <p:cNvSpPr/>
+            <p:nvPr/>
+          </p:nvSpPr>
+          <p:spPr>
+            <a:xfrm>
+              <a:off x="10439901" y="221045"/>
+              <a:ext cx="670376" cy="923330"/>
+            </a:xfrm>
+            <a:prstGeom prst="rect">
+              <a:avLst/>
+            </a:prstGeom>
+          </p:spPr>
+          <p:txBody>
+            <a:bodyPr wrap="none">
+              <a:spAutoFit/>
+            </a:bodyPr>
+            <a:lstStyle/>
+            <a:p>
+              <a:pPr algn="ctr"/>
+              <a:r>
+                <a:rPr lang="en-GB" altLang="zh-CN" sz="5400" dirty="0">
+                  <a:ln w="12700">
+                    <a:solidFill>
+                      <a:schemeClr val="tx2">
+                        <a:lumMod val="75000"/>
+                      </a:schemeClr>
+                    </a:solidFill>
+                    <a:prstDash val="solid"/>
+                  </a:ln>
+                  <a:pattFill prst="dkUpDiag">
+                    <a:fgClr>
+                      <a:schemeClr val="tx2"/>
+                    </a:fgClr>
+                    <a:bgClr>
+                      <a:schemeClr val="tx2">
+                        <a:lumMod val="20000"/>
+                        <a:lumOff val="80000"/>
+                      </a:schemeClr>
+                    </a:bgClr>
+                  </a:pattFill>
+                  <a:effectLst>
+                    <a:outerShdw dist="38100" dir="2640000" algn="bl" rotWithShape="0">
+                      <a:schemeClr val="tx2">
+                        <a:lumMod val="75000"/>
+                      </a:schemeClr>
+                    </a:outerShdw>
+                  </a:effectLst>
+                  <a:latin typeface="Segoe UI Black" panose="020B0A02040204020203" pitchFamily="34" charset="0"/>
+                  <a:ea typeface="Segoe UI Black" panose="020B0A02040204020203" pitchFamily="34" charset="0"/>
+                  <a:cs typeface="Segoe UI Black" panose="020B0A02040204020203" pitchFamily="34" charset="0"/>
+                </a:rPr>
+                <a:t>X</a:t>
+              </a:r>
+              <a:endParaRPr lang="zh-CN" altLang="en-US" sz="5400" dirty="0">
+                <a:ln w="12700">
+                  <a:solidFill>
+                    <a:schemeClr val="tx2">
+                      <a:lumMod val="75000"/>
+                    </a:schemeClr>
+                  </a:solidFill>
+                  <a:prstDash val="solid"/>
+                </a:ln>
+                <a:pattFill prst="dkUpDiag">
+                  <a:fgClr>
+                    <a:schemeClr val="tx2"/>
+                  </a:fgClr>
+                  <a:bgClr>
+                    <a:schemeClr val="tx2">
+                      <a:lumMod val="20000"/>
+                      <a:lumOff val="80000"/>
+                    </a:schemeClr>
+                  </a:bgClr>
+                </a:pattFill>
+                <a:effectLst>
+                  <a:outerShdw dist="38100" dir="2640000" algn="bl" rotWithShape="0">
+                    <a:schemeClr val="tx2">
+                      <a:lumMod val="75000"/>
+                    </a:schemeClr>
+                  </a:outerShdw>
+                </a:effectLst>
+                <a:latin typeface="Segoe UI Black" panose="020B0A02040204020203" pitchFamily="34" charset="0"/>
+                <a:ea typeface="华文行楷" panose="02010800040101010101" pitchFamily="2" charset="-122"/>
+                <a:cs typeface="Segoe UI Black" panose="020B0A02040204020203" pitchFamily="34" charset="0"/>
+              </a:endParaRPr>
+            </a:p>
+          </p:txBody>
+        </p:sp>
+      </p:grpSp>
+    </p:spTree>
+    <p:extLst>
+      <p:ext uri="{BB962C8B-B14F-4D97-AF65-F5344CB8AC3E}">
+        <p14:creationId xmlns:p14="http://schemas.microsoft.com/office/powerpoint/2010/main" val="3801422616"/>
+      </p:ext>
+    </p:extLst>
+  </p:cSld>
+  <p:clrMapOvr>
+    <a:masterClrMapping/>
+  </p:clrMapOvr>
+  <p:timing>
+    <p:tnLst>
+      <p:par>
+        <p:cTn id="1" dur="indefinite" restart="never" nodeType="tmRoot">
+          <p:childTnLst>
+            <p:seq concurrent="1" nextAc="seek">
+              <p:cTn id="2" dur="indefinite" nodeType="mainSeq">
+                <p:childTnLst>
+                  <p:par>
+                    <p:cTn id="3" fill="hold">
+                      <p:stCondLst>
+                        <p:cond delay="indefinite"/>
+                      </p:stCondLst>
+                      <p:childTnLst>
+                        <p:par>
+                          <p:cTn id="4" fill="hold">
+                            <p:stCondLst>
+                              <p:cond delay="0"/>
+                            </p:stCondLst>
+                            <p:childTnLst>
+                              <p:par>
+                                <p:cTn id="5" presetID="42" presetClass="entr" presetSubtype="0" fill="hold" grpId="0" nodeType="clickEffect">
+                                  <p:stCondLst>
+                                    <p:cond delay="0"/>
+                                  </p:stCondLst>
+                                  <p:childTnLst>
+                                    <p:set>
+                                      <p:cBhvr>
+                                        <p:cTn id="6" dur="1" fill="hold">
+                                          <p:stCondLst>
+                                            <p:cond delay="0"/>
+                                          </p:stCondLst>
+                                        </p:cTn>
+                                        <p:tgtEl>
+                                          <p:spTgt spid="6"/>
+                                        </p:tgtEl>
+                                        <p:attrNameLst>
+                                          <p:attrName>style.visibility</p:attrName>
+                                        </p:attrNameLst>
+                                      </p:cBhvr>
+                                      <p:to>
+                                        <p:strVal val="visible"/>
+                                      </p:to>
+                                    </p:set>
+                                    <p:animEffect transition="in" filter="fade">
+                                      <p:cBhvr>
+                                        <p:cTn id="7" dur="1000"/>
+                                        <p:tgtEl>
+                                          <p:spTgt spid="6"/>
+                                        </p:tgtEl>
+                                      </p:cBhvr>
+                                    </p:animEffect>
+                                    <p:anim calcmode="lin" valueType="num">
+                                      <p:cBhvr>
+                                        <p:cTn id="8" dur="1000" fill="hold"/>
+                                        <p:tgtEl>
+                                          <p:spTgt spid="6"/>
+                                        </p:tgtEl>
+                                        <p:attrNameLst>
+                                          <p:attrName>ppt_x</p:attrName>
+                                        </p:attrNameLst>
+                                      </p:cBhvr>
+                                      <p:tavLst>
+                                        <p:tav tm="0">
+                                          <p:val>
+                                            <p:strVal val="#ppt_x"/>
+                                          </p:val>
+                                        </p:tav>
+                                        <p:tav tm="100000">
+                                          <p:val>
+                                            <p:strVal val="#ppt_x"/>
+                                          </p:val>
+                                        </p:tav>
+                                      </p:tavLst>
+                                    </p:anim>
+                                    <p:anim calcmode="lin" valueType="num">
+                                      <p:cBhvr>
+                                        <p:cTn id="9" dur="1000" fill="hold"/>
+                                        <p:tgtEl>
+                                          <p:spTgt spid="6"/>
+                                        </p:tgtEl>
+                                        <p:attrNameLst>
+                                          <p:attrName>ppt_y</p:attrName>
+                                        </p:attrNameLst>
+                                      </p:cBhvr>
+                                      <p:tavLst>
+                                        <p:tav tm="0">
+                                          <p:val>
+                                            <p:strVal val="#ppt_y+.1"/>
+                                          </p:val>
+                                        </p:tav>
+                                        <p:tav tm="100000">
+                                          <p:val>
+                                            <p:strVal val="#ppt_y"/>
+                                          </p:val>
+                                        </p:tav>
+                                      </p:tavLst>
+                                    </p:anim>
+                                  </p:childTnLst>
+                                </p:cTn>
+                              </p:par>
+                              <p:par>
+                                <p:cTn id="10" presetID="42" presetClass="entr" presetSubtype="0" fill="hold" grpId="0" nodeType="withEffect">
+                                  <p:stCondLst>
+                                    <p:cond delay="0"/>
+                                  </p:stCondLst>
+                                  <p:childTnLst>
+                                    <p:set>
+                                      <p:cBhvr>
+                                        <p:cTn id="11" dur="1" fill="hold">
+                                          <p:stCondLst>
+                                            <p:cond delay="0"/>
+                                          </p:stCondLst>
+                                        </p:cTn>
+                                        <p:tgtEl>
+                                          <p:spTgt spid="7"/>
+                                        </p:tgtEl>
+                                        <p:attrNameLst>
+                                          <p:attrName>style.visibility</p:attrName>
+                                        </p:attrNameLst>
+                                      </p:cBhvr>
+                                      <p:to>
+                                        <p:strVal val="visible"/>
+                                      </p:to>
+                                    </p:set>
+                                    <p:animEffect transition="in" filter="fade">
+                                      <p:cBhvr>
+                                        <p:cTn id="12" dur="1000"/>
+                                        <p:tgtEl>
+                                          <p:spTgt spid="7"/>
+                                        </p:tgtEl>
+                                      </p:cBhvr>
+                                    </p:animEffect>
+                                    <p:anim calcmode="lin" valueType="num">
+                                      <p:cBhvr>
+                                        <p:cTn id="13" dur="1000" fill="hold"/>
+                                        <p:tgtEl>
+                                          <p:spTgt spid="7"/>
+                                        </p:tgtEl>
+                                        <p:attrNameLst>
+                                          <p:attrName>ppt_x</p:attrName>
+                                        </p:attrNameLst>
+                                      </p:cBhvr>
+                                      <p:tavLst>
+                                        <p:tav tm="0">
+                                          <p:val>
+                                            <p:strVal val="#ppt_x"/>
+                                          </p:val>
+                                        </p:tav>
+                                        <p:tav tm="100000">
+                                          <p:val>
+                                            <p:strVal val="#ppt_x"/>
+                                          </p:val>
+                                        </p:tav>
+                                      </p:tavLst>
+                                    </p:anim>
+                                    <p:anim calcmode="lin" valueType="num">
+                                      <p:cBhvr>
+                                        <p:cTn id="14" dur="1000" fill="hold"/>
+                                        <p:tgtEl>
+                                          <p:spTgt spid="7"/>
+                                        </p:tgtEl>
+                                        <p:attrNameLst>
+                                          <p:attrName>ppt_y</p:attrName>
+                                        </p:attrNameLst>
+                                      </p:cBhvr>
+                                      <p:tavLst>
+                                        <p:tav tm="0">
+                                          <p:val>
+                                            <p:strVal val="#ppt_y+.1"/>
+                                          </p:val>
+                                        </p:tav>
+                                        <p:tav tm="100000">
+                                          <p:val>
+                                            <p:strVal val="#ppt_y"/>
+                                          </p:val>
+                                        </p:tav>
+                                      </p:tavLst>
+                                    </p:anim>
+                                  </p:childTnLst>
+                                </p:cTn>
+                              </p:par>
+                            </p:childTnLst>
+                          </p:cTn>
+                        </p:par>
+                      </p:childTnLst>
+                    </p:cTn>
+                  </p:par>
+                  <p:par>
+                    <p:cTn id="15" fill="hold">
+                      <p:stCondLst>
+                        <p:cond delay="indefinite"/>
+                      </p:stCondLst>
+                      <p:childTnLst>
+                        <p:par>
+                          <p:cTn id="16" fill="hold">
+                            <p:stCondLst>
+                              <p:cond delay="0"/>
+                            </p:stCondLst>
+                            <p:childTnLst>
+                              <p:par>
+                                <p:cTn id="17" presetID="42" presetClass="entr" presetSubtype="0" fill="hold" grpId="0" nodeType="clickEffect">
+                                  <p:stCondLst>
+                                    <p:cond delay="0"/>
+                                  </p:stCondLst>
+                                  <p:childTnLst>
+                                    <p:set>
+                                      <p:cBhvr>
+                                        <p:cTn id="18" dur="1" fill="hold">
+                                          <p:stCondLst>
+                                            <p:cond delay="0"/>
+                                          </p:stCondLst>
+                                        </p:cTn>
+                                        <p:tgtEl>
+                                          <p:spTgt spid="9"/>
+                                        </p:tgtEl>
+                                        <p:attrNameLst>
+                                          <p:attrName>style.visibility</p:attrName>
+                                        </p:attrNameLst>
+                                      </p:cBhvr>
+                                      <p:to>
+                                        <p:strVal val="visible"/>
+                                      </p:to>
+                                    </p:set>
+                                    <p:animEffect transition="in" filter="fade">
+                                      <p:cBhvr>
+                                        <p:cTn id="19" dur="1000"/>
+                                        <p:tgtEl>
+                                          <p:spTgt spid="9"/>
+                                        </p:tgtEl>
+                                      </p:cBhvr>
+                                    </p:animEffect>
+                                    <p:anim calcmode="lin" valueType="num">
+                                      <p:cBhvr>
+                                        <p:cTn id="20" dur="1000" fill="hold"/>
+                                        <p:tgtEl>
+                                          <p:spTgt spid="9"/>
+                                        </p:tgtEl>
+                                        <p:attrNameLst>
+                                          <p:attrName>ppt_x</p:attrName>
+                                        </p:attrNameLst>
+                                      </p:cBhvr>
+                                      <p:tavLst>
+                                        <p:tav tm="0">
+                                          <p:val>
+                                            <p:strVal val="#ppt_x"/>
+                                          </p:val>
+                                        </p:tav>
+                                        <p:tav tm="100000">
+                                          <p:val>
+                                            <p:strVal val="#ppt_x"/>
+                                          </p:val>
+                                        </p:tav>
+                                      </p:tavLst>
+                                    </p:anim>
+                                    <p:anim calcmode="lin" valueType="num">
+                                      <p:cBhvr>
+                                        <p:cTn id="21" dur="1000" fill="hold"/>
+                                        <p:tgtEl>
+                                          <p:spTgt spid="9"/>
+                                        </p:tgtEl>
+                                        <p:attrNameLst>
+                                          <p:attrName>ppt_y</p:attrName>
+                                        </p:attrNameLst>
+                                      </p:cBhvr>
+                                      <p:tavLst>
+                                        <p:tav tm="0">
+                                          <p:val>
+                                            <p:strVal val="#ppt_y+.1"/>
+                                          </p:val>
+                                        </p:tav>
+                                        <p:tav tm="100000">
+                                          <p:val>
+                                            <p:strVal val="#ppt_y"/>
+                                          </p:val>
+                                        </p:tav>
+                                      </p:tavLst>
+                                    </p:anim>
+                                  </p:childTnLst>
+                                </p:cTn>
+                              </p:par>
+                              <p:par>
+                                <p:cTn id="22" presetID="42" presetClass="entr" presetSubtype="0" fill="hold" nodeType="withEffect">
+                                  <p:stCondLst>
+                                    <p:cond delay="0"/>
+                                  </p:stCondLst>
+                                  <p:childTnLst>
+                                    <p:set>
+                                      <p:cBhvr>
+                                        <p:cTn id="23" dur="1" fill="hold">
+                                          <p:stCondLst>
+                                            <p:cond delay="0"/>
+                                          </p:stCondLst>
+                                        </p:cTn>
+                                        <p:tgtEl>
+                                          <p:spTgt spid="8"/>
+                                        </p:tgtEl>
+                                        <p:attrNameLst>
+                                          <p:attrName>style.visibility</p:attrName>
+                                        </p:attrNameLst>
+                                      </p:cBhvr>
+                                      <p:to>
+                                        <p:strVal val="visible"/>
+                                      </p:to>
+                                    </p:set>
+                                    <p:animEffect transition="in" filter="fade">
+                                      <p:cBhvr>
+                                        <p:cTn id="24" dur="1000"/>
+                                        <p:tgtEl>
+                                          <p:spTgt spid="8"/>
+                                        </p:tgtEl>
+                                      </p:cBhvr>
+                                    </p:animEffect>
+                                    <p:anim calcmode="lin" valueType="num">
+                                      <p:cBhvr>
+                                        <p:cTn id="25" dur="1000" fill="hold"/>
+                                        <p:tgtEl>
+                                          <p:spTgt spid="8"/>
+                                        </p:tgtEl>
+                                        <p:attrNameLst>
+                                          <p:attrName>ppt_x</p:attrName>
+                                        </p:attrNameLst>
+                                      </p:cBhvr>
+                                      <p:tavLst>
+                                        <p:tav tm="0">
+                                          <p:val>
+                                            <p:strVal val="#ppt_x"/>
+                                          </p:val>
+                                        </p:tav>
+                                        <p:tav tm="100000">
+                                          <p:val>
+                                            <p:strVal val="#ppt_x"/>
+                                          </p:val>
+                                        </p:tav>
+                                      </p:tavLst>
+                                    </p:anim>
+                                    <p:anim calcmode="lin" valueType="num">
+                                      <p:cBhvr>
+                                        <p:cTn id="26" dur="1000" fill="hold"/>
+                                        <p:tgtEl>
+                                          <p:spTgt spid="8"/>
+                                        </p:tgtEl>
+                                        <p:attrNameLst>
+                                          <p:attrName>ppt_y</p:attrName>
+                                        </p:attrNameLst>
+                                      </p:cBhvr>
+                                      <p:tavLst>
+                                        <p:tav tm="0">
+                                          <p:val>
+                                            <p:strVal val="#ppt_y+.1"/>
+                                          </p:val>
+                                        </p:tav>
+                                        <p:tav tm="100000">
+                                          <p:val>
+                                            <p:strVal val="#ppt_y"/>
+                                          </p:val>
+                                        </p:tav>
+                                      </p:tavLst>
+                                    </p:anim>
+                                  </p:childTnLst>
+                                </p:cTn>
+                              </p:par>
+                            </p:childTnLst>
+                          </p:cTn>
+                        </p:par>
+                      </p:childTnLst>
+                    </p:cTn>
+                  </p:par>
+                </p:childTnLst>
+              </p:cTn>
+              <p:prevCondLst>
+                <p:cond evt="onPrev" delay="0">
+                  <p:tgtEl>
+                    <p:sldTgt/>
+                  </p:tgtEl>
+                </p:cond>
+              </p:prevCondLst>
+              <p:nextCondLst>
+                <p:cond evt="onNext" delay="0">
+                  <p:tgtEl>
+                    <p:sldTgt/>
+                  </p:tgtEl>
+                </p:cond>
+              </p:nextCondLst>
+            </p:seq>
+          </p:childTnLst>
+        </p:cTn>
+      </p:par>
+    </p:tnLst>
+    <p:bldLst>
+      <p:bldP spid="6" grpId="0" animBg="1"/>
+      <p:bldP spid="7" grpId="0"/>
+      <p:bldP spid="9" grpId="0" animBg="1"/>
+    </p:bldLst>
+  </p:timing>
+</p:sld>
+</file>
+
+<file path=ppt/slides/slide26.xml><?xml version="1.0" encoding="utf-8"?>
+<p:sld xmlns:a="http://schemas.openxmlformats.org/drawingml/2006/main" xmlns:r="http://schemas.openxmlformats.org/officeDocument/2006/relationships" xmlns:p="http://schemas.openxmlformats.org/presentationml/2006/main">
+  <p:cSld>
+    <p:spTree>
+      <p:nvGrpSpPr>
+        <p:cNvPr id="1" name=""/>
+        <p:cNvGrpSpPr/>
+        <p:nvPr/>
+      </p:nvGrpSpPr>
+      <p:grpSpPr>
+        <a:xfrm>
+          <a:off x="0" y="0"/>
+          <a:ext cx="0" cy="0"/>
+          <a:chOff x="0" y="0"/>
+          <a:chExt cx="0" cy="0"/>
+        </a:xfrm>
+      </p:grpSpPr>
+      <p:sp>
+        <p:nvSpPr>
+          <p:cNvPr id="2" name="标题 1"/>
+          <p:cNvSpPr>
+            <a:spLocks noGrp="1"/>
+          </p:cNvSpPr>
+          <p:nvPr>
+            <p:ph type="title"/>
+          </p:nvPr>
+        </p:nvSpPr>
+        <p:spPr/>
+        <p:txBody>
+          <a:bodyPr/>
+          <a:lstStyle/>
+          <a:p>
+            <a:r>
+              <a:rPr lang="en-GB" altLang="zh-CN" dirty="0">
+                <a:latin typeface="+mn-ea"/>
+              </a:rPr>
+              <a:t>Result </a:t>
+            </a:r>
+            <a:r>
+              <a:rPr lang="zh-CN" altLang="en-US" dirty="0">
+                <a:latin typeface="+mn-ea"/>
+              </a:rPr>
+              <a:t>高阶举例</a:t>
+            </a:r>
+            <a:r>
+              <a:rPr lang="en-GB" altLang="zh-CN" dirty="0" smtClean="0">
+                <a:latin typeface="+mn-ea"/>
+              </a:rPr>
+              <a:t>–</a:t>
+            </a:r>
+            <a:r>
+              <a:rPr lang="zh-CN" altLang="en-US" dirty="0" smtClean="0">
+                <a:solidFill>
+                  <a:srgbClr val="FFFF00"/>
+                </a:solidFill>
+                <a:latin typeface="+mn-ea"/>
+              </a:rPr>
+              <a:t>多行合并</a:t>
             </a:r>
             <a:r>
               <a:rPr lang="en-GB" altLang="zh-CN" dirty="0">
@@ -17179,6 +19538,110 @@
           </a:p>
         </p:txBody>
       </p:sp>
+      <p:sp>
+        <p:nvSpPr>
+          <p:cNvPr id="15" name="椭圆形标注 14"/>
+          <p:cNvSpPr/>
+          <p:nvPr/>
+        </p:nvSpPr>
+        <p:spPr>
+          <a:xfrm>
+            <a:off x="7696200" y="5593612"/>
+            <a:ext cx="1609725" cy="723899"/>
+          </a:xfrm>
+          <a:prstGeom prst="wedgeEllipseCallout">
+            <a:avLst>
+              <a:gd name="adj1" fmla="val -90655"/>
+              <a:gd name="adj2" fmla="val -40391"/>
+            </a:avLst>
+          </a:prstGeom>
+        </p:spPr>
+        <p:style>
+          <a:lnRef idx="0">
+            <a:schemeClr val="dk1"/>
+          </a:lnRef>
+          <a:fillRef idx="3">
+            <a:schemeClr val="dk1"/>
+          </a:fillRef>
+          <a:effectRef idx="3">
+            <a:schemeClr val="dk1"/>
+          </a:effectRef>
+          <a:fontRef idx="minor">
+            <a:schemeClr val="lt1"/>
+          </a:fontRef>
+        </p:style>
+        <p:txBody>
+          <a:bodyPr rtlCol="0" anchor="ctr"/>
+          <a:lstStyle/>
+          <a:p>
+            <a:r>
+              <a:rPr lang="zh-CN" altLang="en-US" b="1" dirty="0" smtClean="0">
+                <a:solidFill>
+                  <a:schemeClr val="accent4">
+                    <a:lumMod val="20000"/>
+                    <a:lumOff val="80000"/>
+                  </a:schemeClr>
+                </a:solidFill>
+              </a:rPr>
+              <a:t>预定义的填充</a:t>
+            </a:r>
+            <a:r>
+              <a:rPr lang="zh-CN" altLang="en-US" b="1" dirty="0">
+                <a:solidFill>
+                  <a:schemeClr val="accent4">
+                    <a:lumMod val="20000"/>
+                    <a:lumOff val="80000"/>
+                  </a:schemeClr>
+                </a:solidFill>
+              </a:rPr>
+              <a:t>事件</a:t>
+            </a:r>
+            <a:endParaRPr lang="en-US" altLang="zh-CN" b="1" dirty="0">
+              <a:solidFill>
+                <a:schemeClr val="accent4">
+                  <a:lumMod val="20000"/>
+                  <a:lumOff val="80000"/>
+                </a:schemeClr>
+              </a:solidFill>
+            </a:endParaRPr>
+          </a:p>
+        </p:txBody>
+      </p:sp>
+      <p:cxnSp>
+        <p:nvCxnSpPr>
+          <p:cNvPr id="7" name="直接连接符 6"/>
+          <p:cNvCxnSpPr/>
+          <p:nvPr/>
+        </p:nvCxnSpPr>
+        <p:spPr>
+          <a:xfrm>
+            <a:off x="2238375" y="5690909"/>
+            <a:ext cx="4733925" cy="14566"/>
+          </a:xfrm>
+          <a:prstGeom prst="line">
+            <a:avLst/>
+          </a:prstGeom>
+          <a:ln w="28575">
+            <a:solidFill>
+              <a:srgbClr val="FF0000"/>
+            </a:solidFill>
+          </a:ln>
+        </p:spPr>
+        <p:style>
+          <a:lnRef idx="1">
+            <a:schemeClr val="accent1"/>
+          </a:lnRef>
+          <a:fillRef idx="0">
+            <a:schemeClr val="accent1"/>
+          </a:fillRef>
+          <a:effectRef idx="0">
+            <a:schemeClr val="accent1"/>
+          </a:effectRef>
+          <a:fontRef idx="minor">
+            <a:schemeClr val="tx1"/>
+          </a:fontRef>
+        </p:style>
+      </p:cxnSp>
     </p:spTree>
     <p:extLst>
       <p:ext uri="{BB962C8B-B14F-4D97-AF65-F5344CB8AC3E}">
@@ -17557,6 +20020,94 @@
                       </p:childTnLst>
                     </p:cTn>
                   </p:par>
+                  <p:par>
+                    <p:cTn id="27" fill="hold">
+                      <p:stCondLst>
+                        <p:cond delay="indefinite"/>
+                      </p:stCondLst>
+                      <p:childTnLst>
+                        <p:par>
+                          <p:cTn id="28" fill="hold">
+                            <p:stCondLst>
+                              <p:cond delay="0"/>
+                            </p:stCondLst>
+                            <p:childTnLst>
+                              <p:par>
+                                <p:cTn id="29" presetID="14" presetClass="entr" presetSubtype="10" fill="hold" nodeType="clickEffect">
+                                  <p:stCondLst>
+                                    <p:cond delay="0"/>
+                                  </p:stCondLst>
+                                  <p:childTnLst>
+                                    <p:set>
+                                      <p:cBhvr>
+                                        <p:cTn id="30" dur="1" fill="hold">
+                                          <p:stCondLst>
+                                            <p:cond delay="0"/>
+                                          </p:stCondLst>
+                                        </p:cTn>
+                                        <p:tgtEl>
+                                          <p:spTgt spid="7"/>
+                                        </p:tgtEl>
+                                        <p:attrNameLst>
+                                          <p:attrName>style.visibility</p:attrName>
+                                        </p:attrNameLst>
+                                      </p:cBhvr>
+                                      <p:to>
+                                        <p:strVal val="visible"/>
+                                      </p:to>
+                                    </p:set>
+                                    <p:animEffect transition="in" filter="randombar(horizontal)">
+                                      <p:cBhvr>
+                                        <p:cTn id="31" dur="500"/>
+                                        <p:tgtEl>
+                                          <p:spTgt spid="7"/>
+                                        </p:tgtEl>
+                                      </p:cBhvr>
+                                    </p:animEffect>
+                                  </p:childTnLst>
+                                </p:cTn>
+                              </p:par>
+                              <p:par>
+                                <p:cTn id="32" presetID="14" presetClass="entr" presetSubtype="10" fill="hold" grpId="0" nodeType="withEffect">
+                                  <p:stCondLst>
+                                    <p:cond delay="0"/>
+                                  </p:stCondLst>
+                                  <p:childTnLst>
+                                    <p:set>
+                                      <p:cBhvr>
+                                        <p:cTn id="33" dur="1" fill="hold">
+                                          <p:stCondLst>
+                                            <p:cond delay="0"/>
+                                          </p:stCondLst>
+                                        </p:cTn>
+                                        <p:tgtEl>
+                                          <p:spTgt spid="15"/>
+                                        </p:tgtEl>
+                                        <p:attrNameLst>
+                                          <p:attrName>style.visibility</p:attrName>
+                                        </p:attrNameLst>
+                                      </p:cBhvr>
+                                      <p:to>
+                                        <p:strVal val="visible"/>
+                                      </p:to>
+                                    </p:set>
+                                    <p:animEffect transition="in" filter="randombar(horizontal)">
+                                      <p:cBhvr>
+                                        <p:cTn id="34" dur="500"/>
+                                        <p:tgtEl>
+                                          <p:spTgt spid="15"/>
+                                        </p:tgtEl>
+                                      </p:cBhvr>
+                                    </p:animEffect>
+                                  </p:childTnLst>
+                                </p:cTn>
+                              </p:par>
+                            </p:childTnLst>
+                          </p:cTn>
+                        </p:par>
+                      </p:childTnLst>
+                    </p:cTn>
+                  </p:par>
                 </p:childTnLst>
               </p:cTn>
               <p:prevCondLst>
@@ -17582,12 +20133,1087 @@
       <p:bldP spid="12" grpId="0"/>
       <p:bldP spid="13" grpId="0" animBg="1"/>
       <p:bldP spid="14" grpId="0" animBg="1"/>
+      <p:bldP spid="15" grpId="0" animBg="1"/>
     </p:bldLst>
   </p:timing>
 </p:sld>
 </file>
 
-<file path=ppt/slides/slide24.xml><?xml version="1.0" encoding="utf-8"?>
+<file path=ppt/slides/slide27.xml><?xml version="1.0" encoding="utf-8"?>
+<p:sld xmlns:a="http://schemas.openxmlformats.org/drawingml/2006/main" xmlns:r="http://schemas.openxmlformats.org/officeDocument/2006/relationships" xmlns:p="http://schemas.openxmlformats.org/presentationml/2006/main">
+  <p:cSld>
+    <p:spTree>
+      <p:nvGrpSpPr>
+        <p:cNvPr id="1" name=""/>
+        <p:cNvGrpSpPr/>
+        <p:nvPr/>
+      </p:nvGrpSpPr>
+      <p:grpSpPr>
+        <a:xfrm>
+          <a:off x="0" y="0"/>
+          <a:ext cx="0" cy="0"/>
+          <a:chOff x="0" y="0"/>
+          <a:chExt cx="0" cy="0"/>
+        </a:xfrm>
+      </p:grpSpPr>
+      <p:pic>
+        <p:nvPicPr>
+          <p:cNvPr id="3" name="图片 2"/>
+          <p:cNvPicPr>
+            <a:picLocks noChangeAspect="1"/>
+          </p:cNvPicPr>
+          <p:nvPr/>
+        </p:nvPicPr>
+        <p:blipFill>
+          <a:blip r:embed="rId2"/>
+          <a:stretch>
+            <a:fillRect/>
+          </a:stretch>
+        </p:blipFill>
+        <p:spPr>
+          <a:xfrm>
+            <a:off x="361950" y="2224102"/>
+            <a:ext cx="7550117" cy="3810000"/>
+          </a:xfrm>
+          <a:prstGeom prst="rect">
+            <a:avLst/>
+          </a:prstGeom>
+        </p:spPr>
+      </p:pic>
+      <p:sp>
+        <p:nvSpPr>
+          <p:cNvPr id="2" name="标题 1"/>
+          <p:cNvSpPr>
+            <a:spLocks noGrp="1"/>
+          </p:cNvSpPr>
+          <p:nvPr>
+            <p:ph type="title"/>
+          </p:nvPr>
+        </p:nvSpPr>
+        <p:spPr/>
+        <p:txBody>
+          <a:bodyPr/>
+          <a:lstStyle/>
+          <a:p>
+            <a:r>
+              <a:rPr lang="en-GB" altLang="zh-CN" dirty="0">
+                <a:latin typeface="+mn-ea"/>
+              </a:rPr>
+              <a:t>Result </a:t>
+            </a:r>
+            <a:r>
+              <a:rPr lang="zh-CN" altLang="en-US" dirty="0">
+                <a:latin typeface="+mn-ea"/>
+              </a:rPr>
+              <a:t>高阶举例</a:t>
+            </a:r>
+            <a:r>
+              <a:rPr lang="en-GB" altLang="zh-CN" dirty="0" smtClean="0">
+                <a:latin typeface="+mn-ea"/>
+              </a:rPr>
+              <a:t>–</a:t>
+            </a:r>
+            <a:r>
+              <a:rPr lang="zh-CN" altLang="en-US" dirty="0" smtClean="0">
+                <a:solidFill>
+                  <a:srgbClr val="FFFF00"/>
+                </a:solidFill>
+                <a:latin typeface="+mn-ea"/>
+              </a:rPr>
+              <a:t>一行变多行</a:t>
+            </a:r>
+            <a:r>
+              <a:rPr lang="en-GB" altLang="zh-CN" dirty="0">
+                <a:latin typeface="+mn-ea"/>
+              </a:rPr>
+              <a:t/>
+            </a:r>
+            <a:br>
+              <a:rPr lang="en-GB" altLang="zh-CN" dirty="0">
+                <a:latin typeface="+mn-ea"/>
+              </a:rPr>
+            </a:br>
+            <a:r>
+              <a:rPr lang="en-US" altLang="zh-CN" sz="2000" cap="all" dirty="0">
+                <a:solidFill>
+                  <a:schemeClr val="accent1"/>
+                </a:solidFill>
+              </a:rPr>
+              <a:t>XSQL</a:t>
+            </a:r>
+            <a:r>
+              <a:rPr lang="zh-CN" altLang="en-US" sz="2000" cap="all" dirty="0">
+                <a:solidFill>
+                  <a:schemeClr val="accent1"/>
+                </a:solidFill>
+              </a:rPr>
+              <a:t>的元素</a:t>
+            </a:r>
+            <a:endParaRPr lang="zh-CN" altLang="en-US" dirty="0"/>
+          </a:p>
+        </p:txBody>
+      </p:sp>
+      <p:grpSp>
+        <p:nvGrpSpPr>
+          <p:cNvPr id="4" name="组合 3"/>
+          <p:cNvGrpSpPr/>
+          <p:nvPr/>
+        </p:nvGrpSpPr>
+        <p:grpSpPr>
+          <a:xfrm>
+            <a:off x="10401652" y="72593"/>
+            <a:ext cx="763351" cy="1071782"/>
+            <a:chOff x="10401652" y="72593"/>
+            <a:chExt cx="763351" cy="1071782"/>
+          </a:xfrm>
+        </p:grpSpPr>
+        <p:sp>
+          <p:nvSpPr>
+            <p:cNvPr id="5" name="矩形 4"/>
+            <p:cNvSpPr/>
+            <p:nvPr/>
+          </p:nvSpPr>
+          <p:spPr>
+            <a:xfrm>
+              <a:off x="10401652" y="72593"/>
+              <a:ext cx="763351" cy="461665"/>
+            </a:xfrm>
+            <a:prstGeom prst="rect">
+              <a:avLst/>
+            </a:prstGeom>
+            <a:noFill/>
+          </p:spPr>
+          <p:txBody>
+            <a:bodyPr wrap="none" lIns="91440" tIns="45720" rIns="91440" bIns="45720">
+              <a:spAutoFit/>
+            </a:bodyPr>
+            <a:lstStyle/>
+            <a:p>
+              <a:pPr algn="ctr"/>
+              <a:r>
+                <a:rPr lang="en-GB" altLang="zh-CN" sz="2400" b="1" cap="none" spc="0" dirty="0" smtClean="0">
+                  <a:ln w="12700">
+                    <a:solidFill>
+                      <a:schemeClr val="tx2">
+                        <a:lumMod val="75000"/>
+                      </a:schemeClr>
+                    </a:solidFill>
+                    <a:prstDash val="solid"/>
+                  </a:ln>
+                  <a:pattFill prst="dkUpDiag">
+                    <a:fgClr>
+                      <a:schemeClr val="tx2"/>
+                    </a:fgClr>
+                    <a:bgClr>
+                      <a:schemeClr val="tx2">
+                        <a:lumMod val="20000"/>
+                        <a:lumOff val="80000"/>
+                      </a:schemeClr>
+                    </a:bgClr>
+                  </a:pattFill>
+                  <a:effectLst>
+                    <a:outerShdw dist="38100" dir="2640000" algn="bl" rotWithShape="0">
+                      <a:schemeClr val="tx2">
+                        <a:lumMod val="75000"/>
+                      </a:schemeClr>
+                    </a:outerShdw>
+                  </a:effectLst>
+                  <a:latin typeface="Segoe UI Black" panose="020B0A02040204020203" pitchFamily="34" charset="0"/>
+                  <a:ea typeface="Segoe UI Black" panose="020B0A02040204020203" pitchFamily="34" charset="0"/>
+                  <a:cs typeface="Segoe UI Black" panose="020B0A02040204020203" pitchFamily="34" charset="0"/>
+                </a:rPr>
+                <a:t>SQL</a:t>
+              </a:r>
+            </a:p>
+          </p:txBody>
+        </p:sp>
+        <p:sp>
+          <p:nvSpPr>
+            <p:cNvPr id="6" name="矩形 5"/>
+            <p:cNvSpPr/>
+            <p:nvPr/>
+          </p:nvSpPr>
+          <p:spPr>
+            <a:xfrm>
+              <a:off x="10439901" y="221045"/>
+              <a:ext cx="670376" cy="923330"/>
+            </a:xfrm>
+            <a:prstGeom prst="rect">
+              <a:avLst/>
+            </a:prstGeom>
+          </p:spPr>
+          <p:txBody>
+            <a:bodyPr wrap="none">
+              <a:spAutoFit/>
+            </a:bodyPr>
+            <a:lstStyle/>
+            <a:p>
+              <a:pPr algn="ctr"/>
+              <a:r>
+                <a:rPr lang="en-GB" altLang="zh-CN" sz="5400" dirty="0">
+                  <a:ln w="12700">
+                    <a:solidFill>
+                      <a:schemeClr val="tx2">
+                        <a:lumMod val="75000"/>
+                      </a:schemeClr>
+                    </a:solidFill>
+                    <a:prstDash val="solid"/>
+                  </a:ln>
+                  <a:pattFill prst="dkUpDiag">
+                    <a:fgClr>
+                      <a:schemeClr val="tx2"/>
+                    </a:fgClr>
+                    <a:bgClr>
+                      <a:schemeClr val="tx2">
+                        <a:lumMod val="20000"/>
+                        <a:lumOff val="80000"/>
+                      </a:schemeClr>
+                    </a:bgClr>
+                  </a:pattFill>
+                  <a:effectLst>
+                    <a:outerShdw dist="38100" dir="2640000" algn="bl" rotWithShape="0">
+                      <a:schemeClr val="tx2">
+                        <a:lumMod val="75000"/>
+                      </a:schemeClr>
+                    </a:outerShdw>
+                  </a:effectLst>
+                  <a:latin typeface="Segoe UI Black" panose="020B0A02040204020203" pitchFamily="34" charset="0"/>
+                  <a:ea typeface="Segoe UI Black" panose="020B0A02040204020203" pitchFamily="34" charset="0"/>
+                  <a:cs typeface="Segoe UI Black" panose="020B0A02040204020203" pitchFamily="34" charset="0"/>
+                </a:rPr>
+                <a:t>X</a:t>
+              </a:r>
+              <a:endParaRPr lang="zh-CN" altLang="en-US" sz="5400" dirty="0">
+                <a:ln w="12700">
+                  <a:solidFill>
+                    <a:schemeClr val="tx2">
+                      <a:lumMod val="75000"/>
+                    </a:schemeClr>
+                  </a:solidFill>
+                  <a:prstDash val="solid"/>
+                </a:ln>
+                <a:pattFill prst="dkUpDiag">
+                  <a:fgClr>
+                    <a:schemeClr val="tx2"/>
+                  </a:fgClr>
+                  <a:bgClr>
+                    <a:schemeClr val="tx2">
+                      <a:lumMod val="20000"/>
+                      <a:lumOff val="80000"/>
+                    </a:schemeClr>
+                  </a:bgClr>
+                </a:pattFill>
+                <a:effectLst>
+                  <a:outerShdw dist="38100" dir="2640000" algn="bl" rotWithShape="0">
+                    <a:schemeClr val="tx2">
+                      <a:lumMod val="75000"/>
+                    </a:schemeClr>
+                  </a:outerShdw>
+                </a:effectLst>
+                <a:latin typeface="Segoe UI Black" panose="020B0A02040204020203" pitchFamily="34" charset="0"/>
+                <a:ea typeface="华文行楷" panose="02010800040101010101" pitchFamily="2" charset="-122"/>
+                <a:cs typeface="Segoe UI Black" panose="020B0A02040204020203" pitchFamily="34" charset="0"/>
+              </a:endParaRPr>
+            </a:p>
+          </p:txBody>
+        </p:sp>
+      </p:grpSp>
+      <p:pic>
+        <p:nvPicPr>
+          <p:cNvPr id="7" name="图片 6"/>
+          <p:cNvPicPr>
+            <a:picLocks noChangeAspect="1"/>
+          </p:cNvPicPr>
+          <p:nvPr/>
+        </p:nvPicPr>
+        <p:blipFill>
+          <a:blip r:embed="rId3"/>
+          <a:stretch>
+            <a:fillRect/>
+          </a:stretch>
+        </p:blipFill>
+        <p:spPr>
+          <a:xfrm>
+            <a:off x="7100887" y="3123158"/>
+            <a:ext cx="4886325" cy="752475"/>
+          </a:xfrm>
+          <a:prstGeom prst="rect">
+            <a:avLst/>
+          </a:prstGeom>
+        </p:spPr>
+        <p:style>
+          <a:lnRef idx="2">
+            <a:schemeClr val="accent4"/>
+          </a:lnRef>
+          <a:fillRef idx="1">
+            <a:schemeClr val="lt1"/>
+          </a:fillRef>
+          <a:effectRef idx="0">
+            <a:schemeClr val="accent4"/>
+          </a:effectRef>
+          <a:fontRef idx="minor">
+            <a:schemeClr val="dk1"/>
+          </a:fontRef>
+        </p:style>
+      </p:pic>
+      <p:sp>
+        <p:nvSpPr>
+          <p:cNvPr id="9" name="圆角右箭头 8"/>
+          <p:cNvSpPr/>
+          <p:nvPr/>
+        </p:nvSpPr>
+        <p:spPr>
+          <a:xfrm rot="5400000">
+            <a:off x="9177681" y="2159161"/>
+            <a:ext cx="752474" cy="724587"/>
+          </a:xfrm>
+          <a:prstGeom prst="bentArrow">
+            <a:avLst/>
+          </a:prstGeom>
+        </p:spPr>
+        <p:style>
+          <a:lnRef idx="0">
+            <a:schemeClr val="accent4"/>
+          </a:lnRef>
+          <a:fillRef idx="3">
+            <a:schemeClr val="accent4"/>
+          </a:fillRef>
+          <a:effectRef idx="3">
+            <a:schemeClr val="accent4"/>
+          </a:effectRef>
+          <a:fontRef idx="minor">
+            <a:schemeClr val="lt1"/>
+          </a:fontRef>
+        </p:style>
+        <p:txBody>
+          <a:bodyPr rtlCol="0" anchor="ctr"/>
+          <a:lstStyle/>
+          <a:p>
+            <a:pPr algn="ctr"/>
+            <a:endParaRPr lang="zh-CN" altLang="en-US">
+              <a:solidFill>
+                <a:schemeClr val="tx1"/>
+              </a:solidFill>
+            </a:endParaRPr>
+          </a:p>
+        </p:txBody>
+      </p:sp>
+      <p:sp>
+        <p:nvSpPr>
+          <p:cNvPr id="15" name="右箭头 14"/>
+          <p:cNvSpPr/>
+          <p:nvPr/>
+        </p:nvSpPr>
+        <p:spPr>
+          <a:xfrm rot="5400000">
+            <a:off x="9428996" y="4219238"/>
+            <a:ext cx="615540" cy="435269"/>
+          </a:xfrm>
+          <a:prstGeom prst="rightArrow">
+            <a:avLst/>
+          </a:prstGeom>
+        </p:spPr>
+        <p:style>
+          <a:lnRef idx="0">
+            <a:schemeClr val="accent5"/>
+          </a:lnRef>
+          <a:fillRef idx="3">
+            <a:schemeClr val="accent5"/>
+          </a:fillRef>
+          <a:effectRef idx="3">
+            <a:schemeClr val="accent5"/>
+          </a:effectRef>
+          <a:fontRef idx="minor">
+            <a:schemeClr val="lt1"/>
+          </a:fontRef>
+        </p:style>
+        <p:txBody>
+          <a:bodyPr rtlCol="0" anchor="ctr"/>
+          <a:lstStyle/>
+          <a:p>
+            <a:pPr algn="ctr"/>
+            <a:endParaRPr lang="zh-CN" altLang="en-US"/>
+          </a:p>
+        </p:txBody>
+      </p:sp>
+      <p:sp>
+        <p:nvSpPr>
+          <p:cNvPr id="16" name="文本框 15"/>
+          <p:cNvSpPr txBox="1"/>
+          <p:nvPr/>
+        </p:nvSpPr>
+        <p:spPr>
+          <a:xfrm>
+            <a:off x="8328838" y="4891623"/>
+            <a:ext cx="3658374" cy="707886"/>
+          </a:xfrm>
+          <a:prstGeom prst="rect">
+            <a:avLst/>
+          </a:prstGeom>
+          <a:noFill/>
+        </p:spPr>
+        <p:txBody>
+          <a:bodyPr wrap="none" rtlCol="0">
+            <a:spAutoFit/>
+          </a:bodyPr>
+          <a:lstStyle/>
+          <a:p>
+            <a:r>
+              <a:rPr lang="en-GB" altLang="zh-CN" sz="2000" b="1" dirty="0" err="1" smtClean="0">
+                <a:solidFill>
+                  <a:schemeClr val="accent4">
+                    <a:lumMod val="20000"/>
+                    <a:lumOff val="80000"/>
+                  </a:schemeClr>
+                </a:solidFill>
+              </a:rPr>
+              <a:t>ArrrayList</a:t>
+            </a:r>
+            <a:endParaRPr lang="en-GB" altLang="zh-CN" sz="2000" b="1" dirty="0" smtClean="0">
+              <a:solidFill>
+                <a:schemeClr val="accent4">
+                  <a:lumMod val="20000"/>
+                  <a:lumOff val="80000"/>
+                </a:schemeClr>
+              </a:solidFill>
+            </a:endParaRPr>
+          </a:p>
+          <a:p>
+            <a:r>
+              <a:rPr lang="en-GB" altLang="zh-CN" sz="2000" b="1" dirty="0" smtClean="0">
+                <a:solidFill>
+                  <a:schemeClr val="accent4">
+                    <a:lumMod val="20000"/>
+                    <a:lumOff val="80000"/>
+                  </a:schemeClr>
+                </a:solidFill>
+              </a:rPr>
+              <a:t>&lt;</a:t>
+            </a:r>
+            <a:r>
+              <a:rPr lang="en-GB" altLang="zh-CN" sz="2000" b="1" dirty="0" err="1" smtClean="0">
+                <a:solidFill>
+                  <a:schemeClr val="accent4">
+                    <a:lumMod val="20000"/>
+                    <a:lumOff val="80000"/>
+                  </a:schemeClr>
+                </a:solidFill>
+              </a:rPr>
+              <a:t>HashMap</a:t>
+            </a:r>
+            <a:r>
+              <a:rPr lang="en-GB" altLang="zh-CN" sz="2000" b="1" dirty="0" smtClean="0">
+                <a:solidFill>
+                  <a:schemeClr val="accent4">
+                    <a:lumMod val="20000"/>
+                    <a:lumOff val="80000"/>
+                  </a:schemeClr>
+                </a:solidFill>
+              </a:rPr>
+              <a:t>&lt;String ,Object&gt;&gt;</a:t>
+            </a:r>
+            <a:endParaRPr lang="en-GB" altLang="zh-CN" sz="2000" b="1" dirty="0">
+              <a:solidFill>
+                <a:schemeClr val="accent4">
+                  <a:lumMod val="20000"/>
+                  <a:lumOff val="80000"/>
+                </a:schemeClr>
+              </a:solidFill>
+            </a:endParaRPr>
+          </a:p>
+        </p:txBody>
+      </p:sp>
+      <p:sp>
+        <p:nvSpPr>
+          <p:cNvPr id="21" name="椭圆形标注 20"/>
+          <p:cNvSpPr/>
+          <p:nvPr/>
+        </p:nvSpPr>
+        <p:spPr>
+          <a:xfrm>
+            <a:off x="4410075" y="4562475"/>
+            <a:ext cx="1609725" cy="723899"/>
+          </a:xfrm>
+          <a:prstGeom prst="wedgeEllipseCallout">
+            <a:avLst>
+              <a:gd name="adj1" fmla="val -35034"/>
+              <a:gd name="adj2" fmla="val 99083"/>
+            </a:avLst>
+          </a:prstGeom>
+        </p:spPr>
+        <p:style>
+          <a:lnRef idx="0">
+            <a:schemeClr val="dk1"/>
+          </a:lnRef>
+          <a:fillRef idx="3">
+            <a:schemeClr val="dk1"/>
+          </a:fillRef>
+          <a:effectRef idx="3">
+            <a:schemeClr val="dk1"/>
+          </a:effectRef>
+          <a:fontRef idx="minor">
+            <a:schemeClr val="lt1"/>
+          </a:fontRef>
+        </p:style>
+        <p:txBody>
+          <a:bodyPr rtlCol="0" anchor="ctr"/>
+          <a:lstStyle/>
+          <a:p>
+            <a:r>
+              <a:rPr lang="zh-CN" altLang="en-US" b="1" dirty="0">
+                <a:solidFill>
+                  <a:schemeClr val="accent4">
+                    <a:lumMod val="20000"/>
+                    <a:lumOff val="80000"/>
+                  </a:schemeClr>
+                </a:solidFill>
+              </a:rPr>
+              <a:t>自定义的填充事件</a:t>
+            </a:r>
+            <a:endParaRPr lang="en-US" altLang="zh-CN" b="1" dirty="0">
+              <a:solidFill>
+                <a:schemeClr val="accent4">
+                  <a:lumMod val="20000"/>
+                  <a:lumOff val="80000"/>
+                </a:schemeClr>
+              </a:solidFill>
+            </a:endParaRPr>
+          </a:p>
+        </p:txBody>
+      </p:sp>
+      <p:cxnSp>
+        <p:nvCxnSpPr>
+          <p:cNvPr id="22" name="直接连接符 21"/>
+          <p:cNvCxnSpPr/>
+          <p:nvPr/>
+        </p:nvCxnSpPr>
+        <p:spPr>
+          <a:xfrm>
+            <a:off x="2238375" y="5854416"/>
+            <a:ext cx="5344302" cy="0"/>
+          </a:xfrm>
+          <a:prstGeom prst="line">
+            <a:avLst/>
+          </a:prstGeom>
+          <a:ln w="28575">
+            <a:solidFill>
+              <a:srgbClr val="FF0000"/>
+            </a:solidFill>
+          </a:ln>
+        </p:spPr>
+        <p:style>
+          <a:lnRef idx="1">
+            <a:schemeClr val="accent1"/>
+          </a:lnRef>
+          <a:fillRef idx="0">
+            <a:schemeClr val="accent1"/>
+          </a:fillRef>
+          <a:effectRef idx="0">
+            <a:schemeClr val="accent1"/>
+          </a:effectRef>
+          <a:fontRef idx="minor">
+            <a:schemeClr val="tx1"/>
+          </a:fontRef>
+        </p:style>
+      </p:cxnSp>
+    </p:spTree>
+    <p:extLst>
+      <p:ext uri="{BB962C8B-B14F-4D97-AF65-F5344CB8AC3E}">
+        <p14:creationId xmlns:p14="http://schemas.microsoft.com/office/powerpoint/2010/main" val="1550262502"/>
+      </p:ext>
+    </p:extLst>
+  </p:cSld>
+  <p:clrMapOvr>
+    <a:masterClrMapping/>
+  </p:clrMapOvr>
+  <p:timing>
+    <p:tnLst>
+      <p:par>
+        <p:cTn id="1" dur="indefinite" restart="never" nodeType="tmRoot">
+          <p:childTnLst>
+            <p:seq concurrent="1" nextAc="seek">
+              <p:cTn id="2" dur="indefinite" nodeType="mainSeq">
+                <p:childTnLst>
+                  <p:par>
+                    <p:cTn id="3" fill="hold">
+                      <p:stCondLst>
+                        <p:cond delay="indefinite"/>
+                      </p:stCondLst>
+                      <p:childTnLst>
+                        <p:par>
+                          <p:cTn id="4" fill="hold">
+                            <p:stCondLst>
+                              <p:cond delay="0"/>
+                            </p:stCondLst>
+                            <p:childTnLst>
+                              <p:par>
+                                <p:cTn id="5" presetID="42" presetClass="entr" presetSubtype="0" fill="hold" grpId="0" nodeType="clickEffect">
+                                  <p:stCondLst>
+                                    <p:cond delay="0"/>
+                                  </p:stCondLst>
+                                  <p:childTnLst>
+                                    <p:set>
+                                      <p:cBhvr>
+                                        <p:cTn id="6" dur="1" fill="hold">
+                                          <p:stCondLst>
+                                            <p:cond delay="0"/>
+                                          </p:stCondLst>
+                                        </p:cTn>
+                                        <p:tgtEl>
+                                          <p:spTgt spid="9"/>
+                                        </p:tgtEl>
+                                        <p:attrNameLst>
+                                          <p:attrName>style.visibility</p:attrName>
+                                        </p:attrNameLst>
+                                      </p:cBhvr>
+                                      <p:to>
+                                        <p:strVal val="visible"/>
+                                      </p:to>
+                                    </p:set>
+                                    <p:animEffect transition="in" filter="fade">
+                                      <p:cBhvr>
+                                        <p:cTn id="7" dur="1000"/>
+                                        <p:tgtEl>
+                                          <p:spTgt spid="9"/>
+                                        </p:tgtEl>
+                                      </p:cBhvr>
+                                    </p:animEffect>
+                                    <p:anim calcmode="lin" valueType="num">
+                                      <p:cBhvr>
+                                        <p:cTn id="8" dur="1000" fill="hold"/>
+                                        <p:tgtEl>
+                                          <p:spTgt spid="9"/>
+                                        </p:tgtEl>
+                                        <p:attrNameLst>
+                                          <p:attrName>ppt_x</p:attrName>
+                                        </p:attrNameLst>
+                                      </p:cBhvr>
+                                      <p:tavLst>
+                                        <p:tav tm="0">
+                                          <p:val>
+                                            <p:strVal val="#ppt_x"/>
+                                          </p:val>
+                                        </p:tav>
+                                        <p:tav tm="100000">
+                                          <p:val>
+                                            <p:strVal val="#ppt_x"/>
+                                          </p:val>
+                                        </p:tav>
+                                      </p:tavLst>
+                                    </p:anim>
+                                    <p:anim calcmode="lin" valueType="num">
+                                      <p:cBhvr>
+                                        <p:cTn id="9" dur="1000" fill="hold"/>
+                                        <p:tgtEl>
+                                          <p:spTgt spid="9"/>
+                                        </p:tgtEl>
+                                        <p:attrNameLst>
+                                          <p:attrName>ppt_y</p:attrName>
+                                        </p:attrNameLst>
+                                      </p:cBhvr>
+                                      <p:tavLst>
+                                        <p:tav tm="0">
+                                          <p:val>
+                                            <p:strVal val="#ppt_y+.1"/>
+                                          </p:val>
+                                        </p:tav>
+                                        <p:tav tm="100000">
+                                          <p:val>
+                                            <p:strVal val="#ppt_y"/>
+                                          </p:val>
+                                        </p:tav>
+                                      </p:tavLst>
+                                    </p:anim>
+                                  </p:childTnLst>
+                                </p:cTn>
+                              </p:par>
+                              <p:par>
+                                <p:cTn id="10" presetID="42" presetClass="entr" presetSubtype="0" fill="hold" nodeType="withEffect">
+                                  <p:stCondLst>
+                                    <p:cond delay="0"/>
+                                  </p:stCondLst>
+                                  <p:childTnLst>
+                                    <p:set>
+                                      <p:cBhvr>
+                                        <p:cTn id="11" dur="1" fill="hold">
+                                          <p:stCondLst>
+                                            <p:cond delay="0"/>
+                                          </p:stCondLst>
+                                        </p:cTn>
+                                        <p:tgtEl>
+                                          <p:spTgt spid="7"/>
+                                        </p:tgtEl>
+                                        <p:attrNameLst>
+                                          <p:attrName>style.visibility</p:attrName>
+                                        </p:attrNameLst>
+                                      </p:cBhvr>
+                                      <p:to>
+                                        <p:strVal val="visible"/>
+                                      </p:to>
+                                    </p:set>
+                                    <p:animEffect transition="in" filter="fade">
+                                      <p:cBhvr>
+                                        <p:cTn id="12" dur="1000"/>
+                                        <p:tgtEl>
+                                          <p:spTgt spid="7"/>
+                                        </p:tgtEl>
+                                      </p:cBhvr>
+                                    </p:animEffect>
+                                    <p:anim calcmode="lin" valueType="num">
+                                      <p:cBhvr>
+                                        <p:cTn id="13" dur="1000" fill="hold"/>
+                                        <p:tgtEl>
+                                          <p:spTgt spid="7"/>
+                                        </p:tgtEl>
+                                        <p:attrNameLst>
+                                          <p:attrName>ppt_x</p:attrName>
+                                        </p:attrNameLst>
+                                      </p:cBhvr>
+                                      <p:tavLst>
+                                        <p:tav tm="0">
+                                          <p:val>
+                                            <p:strVal val="#ppt_x"/>
+                                          </p:val>
+                                        </p:tav>
+                                        <p:tav tm="100000">
+                                          <p:val>
+                                            <p:strVal val="#ppt_x"/>
+                                          </p:val>
+                                        </p:tav>
+                                      </p:tavLst>
+                                    </p:anim>
+                                    <p:anim calcmode="lin" valueType="num">
+                                      <p:cBhvr>
+                                        <p:cTn id="14" dur="1000" fill="hold"/>
+                                        <p:tgtEl>
+                                          <p:spTgt spid="7"/>
+                                        </p:tgtEl>
+                                        <p:attrNameLst>
+                                          <p:attrName>ppt_y</p:attrName>
+                                        </p:attrNameLst>
+                                      </p:cBhvr>
+                                      <p:tavLst>
+                                        <p:tav tm="0">
+                                          <p:val>
+                                            <p:strVal val="#ppt_y+.1"/>
+                                          </p:val>
+                                        </p:tav>
+                                        <p:tav tm="100000">
+                                          <p:val>
+                                            <p:strVal val="#ppt_y"/>
+                                          </p:val>
+                                        </p:tav>
+                                      </p:tavLst>
+                                    </p:anim>
+                                  </p:childTnLst>
+                                </p:cTn>
+                              </p:par>
+                            </p:childTnLst>
+                          </p:cTn>
+                        </p:par>
+                      </p:childTnLst>
+                    </p:cTn>
+                  </p:par>
+                  <p:par>
+                    <p:cTn id="15" fill="hold">
+                      <p:stCondLst>
+                        <p:cond delay="indefinite"/>
+                      </p:stCondLst>
+                      <p:childTnLst>
+                        <p:par>
+                          <p:cTn id="16" fill="hold">
+                            <p:stCondLst>
+                              <p:cond delay="0"/>
+                            </p:stCondLst>
+                            <p:childTnLst>
+                              <p:par>
+                                <p:cTn id="17" presetID="42" presetClass="entr" presetSubtype="0" fill="hold" grpId="0" nodeType="clickEffect">
+                                  <p:stCondLst>
+                                    <p:cond delay="0"/>
+                                  </p:stCondLst>
+                                  <p:childTnLst>
+                                    <p:set>
+                                      <p:cBhvr>
+                                        <p:cTn id="18" dur="1" fill="hold">
+                                          <p:stCondLst>
+                                            <p:cond delay="0"/>
+                                          </p:stCondLst>
+                                        </p:cTn>
+                                        <p:tgtEl>
+                                          <p:spTgt spid="15"/>
+                                        </p:tgtEl>
+                                        <p:attrNameLst>
+                                          <p:attrName>style.visibility</p:attrName>
+                                        </p:attrNameLst>
+                                      </p:cBhvr>
+                                      <p:to>
+                                        <p:strVal val="visible"/>
+                                      </p:to>
+                                    </p:set>
+                                    <p:animEffect transition="in" filter="fade">
+                                      <p:cBhvr>
+                                        <p:cTn id="19" dur="1000"/>
+                                        <p:tgtEl>
+                                          <p:spTgt spid="15"/>
+                                        </p:tgtEl>
+                                      </p:cBhvr>
+                                    </p:animEffect>
+                                    <p:anim calcmode="lin" valueType="num">
+                                      <p:cBhvr>
+                                        <p:cTn id="20" dur="1000" fill="hold"/>
+                                        <p:tgtEl>
+                                          <p:spTgt spid="15"/>
+                                        </p:tgtEl>
+                                        <p:attrNameLst>
+                                          <p:attrName>ppt_x</p:attrName>
+                                        </p:attrNameLst>
+                                      </p:cBhvr>
+                                      <p:tavLst>
+                                        <p:tav tm="0">
+                                          <p:val>
+                                            <p:strVal val="#ppt_x"/>
+                                          </p:val>
+                                        </p:tav>
+                                        <p:tav tm="100000">
+                                          <p:val>
+                                            <p:strVal val="#ppt_x"/>
+                                          </p:val>
+                                        </p:tav>
+                                      </p:tavLst>
+                                    </p:anim>
+                                    <p:anim calcmode="lin" valueType="num">
+                                      <p:cBhvr>
+                                        <p:cTn id="21" dur="1000" fill="hold"/>
+                                        <p:tgtEl>
+                                          <p:spTgt spid="15"/>
+                                        </p:tgtEl>
+                                        <p:attrNameLst>
+                                          <p:attrName>ppt_y</p:attrName>
+                                        </p:attrNameLst>
+                                      </p:cBhvr>
+                                      <p:tavLst>
+                                        <p:tav tm="0">
+                                          <p:val>
+                                            <p:strVal val="#ppt_y+.1"/>
+                                          </p:val>
+                                        </p:tav>
+                                        <p:tav tm="100000">
+                                          <p:val>
+                                            <p:strVal val="#ppt_y"/>
+                                          </p:val>
+                                        </p:tav>
+                                      </p:tavLst>
+                                    </p:anim>
+                                  </p:childTnLst>
+                                </p:cTn>
+                              </p:par>
+                              <p:par>
+                                <p:cTn id="22" presetID="42" presetClass="entr" presetSubtype="0" fill="hold" grpId="0" nodeType="withEffect">
+                                  <p:stCondLst>
+                                    <p:cond delay="0"/>
+                                  </p:stCondLst>
+                                  <p:childTnLst>
+                                    <p:set>
+                                      <p:cBhvr>
+                                        <p:cTn id="23" dur="1" fill="hold">
+                                          <p:stCondLst>
+                                            <p:cond delay="0"/>
+                                          </p:stCondLst>
+                                        </p:cTn>
+                                        <p:tgtEl>
+                                          <p:spTgt spid="16"/>
+                                        </p:tgtEl>
+                                        <p:attrNameLst>
+                                          <p:attrName>style.visibility</p:attrName>
+                                        </p:attrNameLst>
+                                      </p:cBhvr>
+                                      <p:to>
+                                        <p:strVal val="visible"/>
+                                      </p:to>
+                                    </p:set>
+                                    <p:animEffect transition="in" filter="fade">
+                                      <p:cBhvr>
+                                        <p:cTn id="24" dur="1000"/>
+                                        <p:tgtEl>
+                                          <p:spTgt spid="16"/>
+                                        </p:tgtEl>
+                                      </p:cBhvr>
+                                    </p:animEffect>
+                                    <p:anim calcmode="lin" valueType="num">
+                                      <p:cBhvr>
+                                        <p:cTn id="25" dur="1000" fill="hold"/>
+                                        <p:tgtEl>
+                                          <p:spTgt spid="16"/>
+                                        </p:tgtEl>
+                                        <p:attrNameLst>
+                                          <p:attrName>ppt_x</p:attrName>
+                                        </p:attrNameLst>
+                                      </p:cBhvr>
+                                      <p:tavLst>
+                                        <p:tav tm="0">
+                                          <p:val>
+                                            <p:strVal val="#ppt_x"/>
+                                          </p:val>
+                                        </p:tav>
+                                        <p:tav tm="100000">
+                                          <p:val>
+                                            <p:strVal val="#ppt_x"/>
+                                          </p:val>
+                                        </p:tav>
+                                      </p:tavLst>
+                                    </p:anim>
+                                    <p:anim calcmode="lin" valueType="num">
+                                      <p:cBhvr>
+                                        <p:cTn id="26" dur="1000" fill="hold"/>
+                                        <p:tgtEl>
+                                          <p:spTgt spid="16"/>
+                                        </p:tgtEl>
+                                        <p:attrNameLst>
+                                          <p:attrName>ppt_y</p:attrName>
+                                        </p:attrNameLst>
+                                      </p:cBhvr>
+                                      <p:tavLst>
+                                        <p:tav tm="0">
+                                          <p:val>
+                                            <p:strVal val="#ppt_y+.1"/>
+                                          </p:val>
+                                        </p:tav>
+                                        <p:tav tm="100000">
+                                          <p:val>
+                                            <p:strVal val="#ppt_y"/>
+                                          </p:val>
+                                        </p:tav>
+                                      </p:tavLst>
+                                    </p:anim>
+                                  </p:childTnLst>
+                                </p:cTn>
+                              </p:par>
+                            </p:childTnLst>
+                          </p:cTn>
+                        </p:par>
+                      </p:childTnLst>
+                    </p:cTn>
+                  </p:par>
+                  <p:par>
+                    <p:cTn id="27" fill="hold">
+                      <p:stCondLst>
+                        <p:cond delay="indefinite"/>
+                      </p:stCondLst>
+                      <p:childTnLst>
+                        <p:par>
+                          <p:cTn id="28" fill="hold">
+                            <p:stCondLst>
+                              <p:cond delay="0"/>
+                            </p:stCondLst>
+                            <p:childTnLst>
+                              <p:par>
+                                <p:cTn id="29" presetID="14" presetClass="entr" presetSubtype="10" fill="hold" nodeType="clickEffect">
+                                  <p:stCondLst>
+                                    <p:cond delay="0"/>
+                                  </p:stCondLst>
+                                  <p:childTnLst>
+                                    <p:set>
+                                      <p:cBhvr>
+                                        <p:cTn id="30" dur="1" fill="hold">
+                                          <p:stCondLst>
+                                            <p:cond delay="0"/>
+                                          </p:stCondLst>
+                                        </p:cTn>
+                                        <p:tgtEl>
+                                          <p:spTgt spid="22"/>
+                                        </p:tgtEl>
+                                        <p:attrNameLst>
+                                          <p:attrName>style.visibility</p:attrName>
+                                        </p:attrNameLst>
+                                      </p:cBhvr>
+                                      <p:to>
+                                        <p:strVal val="visible"/>
+                                      </p:to>
+                                    </p:set>
+                                    <p:animEffect transition="in" filter="randombar(horizontal)">
+                                      <p:cBhvr>
+                                        <p:cTn id="31" dur="500"/>
+                                        <p:tgtEl>
+                                          <p:spTgt spid="22"/>
+                                        </p:tgtEl>
+                                      </p:cBhvr>
+                                    </p:animEffect>
+                                  </p:childTnLst>
+                                </p:cTn>
+                              </p:par>
+                              <p:par>
+                                <p:cTn id="32" presetID="14" presetClass="entr" presetSubtype="10" fill="hold" grpId="0" nodeType="withEffect">
+                                  <p:stCondLst>
+                                    <p:cond delay="0"/>
+                                  </p:stCondLst>
+                                  <p:childTnLst>
+                                    <p:set>
+                                      <p:cBhvr>
+                                        <p:cTn id="33" dur="1" fill="hold">
+                                          <p:stCondLst>
+                                            <p:cond delay="0"/>
+                                          </p:stCondLst>
+                                        </p:cTn>
+                                        <p:tgtEl>
+                                          <p:spTgt spid="21"/>
+                                        </p:tgtEl>
+                                        <p:attrNameLst>
+                                          <p:attrName>style.visibility</p:attrName>
+                                        </p:attrNameLst>
+                                      </p:cBhvr>
+                                      <p:to>
+                                        <p:strVal val="visible"/>
+                                      </p:to>
+                                    </p:set>
+                                    <p:animEffect transition="in" filter="randombar(horizontal)">
+                                      <p:cBhvr>
+                                        <p:cTn id="34" dur="500"/>
+                                        <p:tgtEl>
+                                          <p:spTgt spid="21"/>
+                                        </p:tgtEl>
+                                      </p:cBhvr>
+                                    </p:animEffect>
+                                  </p:childTnLst>
+                                </p:cTn>
+                              </p:par>
+                            </p:childTnLst>
+                          </p:cTn>
+                        </p:par>
+                      </p:childTnLst>
+                    </p:cTn>
+                  </p:par>
+                </p:childTnLst>
+              </p:cTn>
+              <p:prevCondLst>
+                <p:cond evt="onPrev" delay="0">
+                  <p:tgtEl>
+                    <p:sldTgt/>
+                  </p:tgtEl>
+                </p:cond>
+              </p:prevCondLst>
+              <p:nextCondLst>
+                <p:cond evt="onNext" delay="0">
+                  <p:tgtEl>
+                    <p:sldTgt/>
+                  </p:tgtEl>
+                </p:cond>
+              </p:nextCondLst>
+            </p:seq>
+          </p:childTnLst>
+        </p:cTn>
+      </p:par>
+    </p:tnLst>
+    <p:bldLst>
+      <p:bldP spid="9" grpId="0" animBg="1"/>
+      <p:bldP spid="15" grpId="0" animBg="1"/>
+      <p:bldP spid="16" grpId="0"/>
+      <p:bldP spid="21" grpId="0" animBg="1"/>
+    </p:bldLst>
+  </p:timing>
+</p:sld>
+</file>
+
+<file path=ppt/slides/slide28.xml><?xml version="1.0" encoding="utf-8"?>
 <p:sld xmlns:a="http://schemas.openxmlformats.org/drawingml/2006/main" xmlns:r="http://schemas.openxmlformats.org/officeDocument/2006/relationships" xmlns:p="http://schemas.openxmlformats.org/presentationml/2006/main">
   <p:cSld>
     <p:spTree>
@@ -17626,10 +21252,25 @@
               <a:t>Result </a:t>
             </a:r>
             <a:r>
-              <a:rPr lang="zh-CN" altLang="en-US" dirty="0" smtClean="0">
+              <a:rPr lang="zh-CN" altLang="en-US" dirty="0">
                 <a:latin typeface="+mn-ea"/>
               </a:rPr>
-              <a:t>举例</a:t>
+              <a:t>高阶举例</a:t>
+            </a:r>
+            <a:r>
+              <a:rPr lang="en-GB" altLang="zh-CN" dirty="0" smtClean="0">
+                <a:latin typeface="+mn-ea"/>
+              </a:rPr>
+              <a:t>–</a:t>
+            </a:r>
+            <a:r>
+              <a:rPr lang="zh-CN" altLang="en-US" dirty="0" smtClean="0">
+                <a:solidFill>
+                  <a:srgbClr val="FFFF00"/>
+                </a:solidFill>
+                <a:latin typeface="+mn-ea"/>
+              </a:rPr>
+              <a:t>种一片森林</a:t>
             </a:r>
             <a:r>
               <a:rPr lang="en-GB" altLang="zh-CN" dirty="0">
@@ -18161,7 +21802,7 @@
 </p:sld>
 </file>
 
-<file path=ppt/slides/slide25.xml><?xml version="1.0" encoding="utf-8"?>
+<file path=ppt/slides/slide29.xml><?xml version="1.0" encoding="utf-8"?>
 <p:sld xmlns:a="http://schemas.openxmlformats.org/drawingml/2006/main" xmlns:r="http://schemas.openxmlformats.org/officeDocument/2006/relationships" xmlns:p="http://schemas.openxmlformats.org/presentationml/2006/main">
   <p:cSld>
     <p:spTree>
@@ -18195,7 +21836,15 @@
           <a:p>
             <a:r>
               <a:rPr lang="en-GB" altLang="zh-CN" sz="4400" dirty="0" smtClean="0"/>
-              <a:t>Create</a:t>
+              <a:t>Create – </a:t>
+            </a:r>
+            <a:r>
+              <a:rPr lang="zh-CN" altLang="en-US" sz="4400" dirty="0" smtClean="0"/>
+              <a:t>从无到有</a:t>
+            </a:r>
+            <a:r>
+              <a:rPr lang="en-GB" altLang="zh-CN" sz="4400" dirty="0" smtClean="0"/>
+              <a:t/>
             </a:r>
             <a:br>
               <a:rPr lang="en-GB" altLang="zh-CN" sz="4400" dirty="0" smtClean="0"/>
@@ -18231,10 +21880,110 @@
         </p:nvSpPr>
         <p:spPr/>
         <p:txBody>
-          <a:bodyPr/>
+          <a:bodyPr>
+            <a:normAutofit/>
+          </a:bodyPr>
           <a:lstStyle/>
           <a:p>
-            <a:endParaRPr lang="zh-CN" altLang="en-US" dirty="0"/>
+            <a:pPr marL="0" indent="0">
+              <a:buNone/>
+            </a:pPr>
+            <a:r>
+              <a:rPr lang="en-US" altLang="zh-CN" dirty="0" smtClean="0"/>
+              <a:t>W</a:t>
+            </a:r>
+            <a:r>
+              <a:rPr lang="en-GB" altLang="zh-CN" dirty="0" err="1"/>
+              <a:t>eb</a:t>
+            </a:r>
+            <a:r>
+              <a:rPr lang="zh-CN" altLang="zh-CN" dirty="0"/>
+              <a:t>服务或桌面</a:t>
+            </a:r>
+            <a:r>
+              <a:rPr lang="zh-CN" altLang="zh-CN" dirty="0" smtClean="0"/>
+              <a:t>应用启动</a:t>
+            </a:r>
+            <a:r>
+              <a:rPr lang="zh-CN" altLang="zh-CN" dirty="0"/>
+              <a:t>时，自动判定数据库对象是否存在，当对象不存在时执行创建</a:t>
+            </a:r>
+            <a:r>
+              <a:rPr lang="en-US" altLang="zh-CN" dirty="0"/>
+              <a:t>SQL</a:t>
+            </a:r>
+            <a:r>
+              <a:rPr lang="zh-CN" altLang="zh-CN" dirty="0"/>
+              <a:t>创建对象</a:t>
+            </a:r>
+            <a:r>
+              <a:rPr lang="zh-CN" altLang="zh-CN" dirty="0" smtClean="0"/>
+              <a:t>。给个</a:t>
+            </a:r>
+            <a:r>
+              <a:rPr lang="zh-CN" altLang="zh-CN" dirty="0"/>
+              <a:t>空数据库</a:t>
+            </a:r>
+            <a:r>
+              <a:rPr lang="zh-CN" altLang="zh-CN" dirty="0" smtClean="0"/>
+              <a:t>，构造</a:t>
+            </a:r>
+            <a:r>
+              <a:rPr lang="zh-CN" altLang="en-US" dirty="0" smtClean="0"/>
+              <a:t>一个</a:t>
+            </a:r>
+            <a:r>
+              <a:rPr lang="zh-CN" altLang="zh-CN" dirty="0"/>
+              <a:t>完整</a:t>
+            </a:r>
+            <a:r>
+              <a:rPr lang="zh-CN" altLang="zh-CN" dirty="0" smtClean="0"/>
+              <a:t>数据库</a:t>
+            </a:r>
+            <a:r>
+              <a:rPr lang="zh-CN" altLang="zh-CN" dirty="0"/>
+              <a:t>。</a:t>
+            </a:r>
+          </a:p>
+          <a:p>
+            <a:pPr marL="0" indent="0">
+              <a:buNone/>
+            </a:pPr>
+            <a:endParaRPr lang="en-GB" altLang="zh-CN" dirty="0" smtClean="0"/>
+          </a:p>
+          <a:p>
+            <a:pPr marL="0" indent="0">
+              <a:buNone/>
+            </a:pPr>
+            <a:r>
+              <a:rPr lang="zh-CN" altLang="en-US" dirty="0"/>
+              <a:t>可</a:t>
+            </a:r>
+            <a:r>
+              <a:rPr lang="zh-CN" altLang="en-US" dirty="0" smtClean="0"/>
+              <a:t>创建</a:t>
+            </a:r>
+            <a:r>
+              <a:rPr lang="zh-CN" altLang="zh-CN" dirty="0" smtClean="0"/>
+              <a:t>对象：</a:t>
+            </a:r>
+            <a:r>
+              <a:rPr lang="zh-CN" altLang="zh-CN" dirty="0"/>
+              <a:t>表、视图、过程、函数、序列（</a:t>
+            </a:r>
+            <a:r>
+              <a:rPr lang="en-GB" altLang="zh-CN" dirty="0"/>
+              <a:t>Oracle</a:t>
+            </a:r>
+            <a:r>
+              <a:rPr lang="zh-CN" altLang="zh-CN" dirty="0"/>
+              <a:t>）、索引、触发器、约束等数据概念的对象</a:t>
+            </a:r>
+            <a:r>
+              <a:rPr lang="zh-CN" altLang="zh-CN" dirty="0" smtClean="0"/>
+              <a:t>。</a:t>
+            </a:r>
+            <a:endParaRPr lang="zh-CN" altLang="zh-CN" dirty="0"/>
           </a:p>
         </p:txBody>
       </p:sp>
@@ -18403,6 +22152,330 @@
           </p:txBody>
         </p:sp>
       </p:grpSp>
+      <p:sp>
+        <p:nvSpPr>
+          <p:cNvPr id="7" name="文本框 6"/>
+          <p:cNvSpPr txBox="1"/>
+          <p:nvPr/>
+        </p:nvSpPr>
+        <p:spPr>
+          <a:xfrm>
+            <a:off x="8516689" y="4604002"/>
+            <a:ext cx="3190875" cy="923330"/>
+          </a:xfrm>
+          <a:prstGeom prst="rect">
+            <a:avLst/>
+          </a:prstGeom>
+          <a:noFill/>
+        </p:spPr>
+        <p:txBody>
+          <a:bodyPr wrap="square" rtlCol="0">
+            <a:spAutoFit/>
+          </a:bodyPr>
+          <a:lstStyle/>
+          <a:p>
+            <a:r>
+              <a:rPr lang="zh-CN" altLang="en-US" b="1" dirty="0" smtClean="0">
+                <a:solidFill>
+                  <a:srgbClr val="FFFF00"/>
+                </a:solidFill>
+              </a:rPr>
+              <a:t>更多的</a:t>
+            </a:r>
+            <a:r>
+              <a:rPr lang="zh-CN" altLang="zh-CN" b="1" dirty="0" smtClean="0">
+                <a:solidFill>
+                  <a:srgbClr val="FFFF00"/>
+                </a:solidFill>
+              </a:rPr>
+              <a:t>数据库</a:t>
+            </a:r>
+            <a:r>
+              <a:rPr lang="zh-CN" altLang="zh-CN" b="1" dirty="0">
+                <a:solidFill>
+                  <a:srgbClr val="FFFF00"/>
+                </a:solidFill>
+              </a:rPr>
+              <a:t>可</a:t>
+            </a:r>
+            <a:r>
+              <a:rPr lang="zh-CN" altLang="zh-CN" b="1" dirty="0" smtClean="0">
+                <a:solidFill>
+                  <a:srgbClr val="FFFF00"/>
+                </a:solidFill>
+              </a:rPr>
+              <a:t>通过</a:t>
+            </a:r>
+            <a:r>
+              <a:rPr lang="en-GB" altLang="zh-CN" b="1" dirty="0" smtClean="0">
+                <a:solidFill>
+                  <a:srgbClr val="FFFF00"/>
+                </a:solidFill>
+              </a:rPr>
+              <a:t>XSQLDBMetadata.xml</a:t>
+            </a:r>
+          </a:p>
+          <a:p>
+            <a:r>
+              <a:rPr lang="zh-CN" altLang="zh-CN" b="1" dirty="0" smtClean="0">
+                <a:solidFill>
+                  <a:srgbClr val="FFFF00"/>
+                </a:solidFill>
+              </a:rPr>
+              <a:t>来</a:t>
+            </a:r>
+            <a:r>
+              <a:rPr lang="zh-CN" altLang="zh-CN" b="1" dirty="0">
+                <a:solidFill>
+                  <a:srgbClr val="FFFF00"/>
+                </a:solidFill>
+              </a:rPr>
+              <a:t>扩展</a:t>
+            </a:r>
+            <a:endParaRPr lang="zh-CN" altLang="en-US" b="1" dirty="0">
+              <a:solidFill>
+                <a:srgbClr val="FFFF00"/>
+              </a:solidFill>
+            </a:endParaRPr>
+          </a:p>
+        </p:txBody>
+      </p:sp>
+      <p:pic>
+        <p:nvPicPr>
+          <p:cNvPr id="12" name="图片 11"/>
+          <p:cNvPicPr>
+            <a:picLocks noChangeAspect="1"/>
+          </p:cNvPicPr>
+          <p:nvPr/>
+        </p:nvPicPr>
+        <p:blipFill>
+          <a:blip r:embed="rId2">
+            <a:extLst>
+              <a:ext uri="{28A0092B-C50C-407E-A947-70E740481C1C}">
+                <a14:useLocalDpi xmlns:a14="http://schemas.microsoft.com/office/drawing/2010/main" val="0"/>
+              </a:ext>
+            </a:extLst>
+          </a:blip>
+          <a:stretch>
+            <a:fillRect/>
+          </a:stretch>
+        </p:blipFill>
+        <p:spPr>
+          <a:xfrm>
+            <a:off x="1298262" y="3974398"/>
+            <a:ext cx="1546041" cy="1159531"/>
+          </a:xfrm>
+          <a:prstGeom prst="rect">
+            <a:avLst/>
+          </a:prstGeom>
+        </p:spPr>
+      </p:pic>
+      <p:pic>
+        <p:nvPicPr>
+          <p:cNvPr id="13" name="图片 12"/>
+          <p:cNvPicPr>
+            <a:picLocks noChangeAspect="1"/>
+          </p:cNvPicPr>
+          <p:nvPr/>
+        </p:nvPicPr>
+        <p:blipFill>
+          <a:blip r:embed="rId3">
+            <a:extLst>
+              <a:ext uri="{28A0092B-C50C-407E-A947-70E740481C1C}">
+                <a14:useLocalDpi xmlns:a14="http://schemas.microsoft.com/office/drawing/2010/main" val="0"/>
+              </a:ext>
+            </a:extLst>
+          </a:blip>
+          <a:stretch>
+            <a:fillRect/>
+          </a:stretch>
+        </p:blipFill>
+        <p:spPr>
+          <a:xfrm>
+            <a:off x="1291966" y="5216240"/>
+            <a:ext cx="1552338" cy="1279369"/>
+          </a:xfrm>
+          <a:prstGeom prst="rect">
+            <a:avLst/>
+          </a:prstGeom>
+        </p:spPr>
+      </p:pic>
+      <p:pic>
+        <p:nvPicPr>
+          <p:cNvPr id="14" name="图片 13"/>
+          <p:cNvPicPr>
+            <a:picLocks noChangeAspect="1"/>
+          </p:cNvPicPr>
+          <p:nvPr/>
+        </p:nvPicPr>
+        <p:blipFill>
+          <a:blip r:embed="rId4">
+            <a:extLst>
+              <a:ext uri="{28A0092B-C50C-407E-A947-70E740481C1C}">
+                <a14:useLocalDpi xmlns:a14="http://schemas.microsoft.com/office/drawing/2010/main" val="0"/>
+              </a:ext>
+            </a:extLst>
+          </a:blip>
+          <a:stretch>
+            <a:fillRect/>
+          </a:stretch>
+        </p:blipFill>
+        <p:spPr>
+          <a:xfrm>
+            <a:off x="3764891" y="3977635"/>
+            <a:ext cx="1541725" cy="1156294"/>
+          </a:xfrm>
+          <a:prstGeom prst="rect">
+            <a:avLst/>
+          </a:prstGeom>
+        </p:spPr>
+      </p:pic>
+      <p:grpSp>
+        <p:nvGrpSpPr>
+          <p:cNvPr id="17" name="组合 16"/>
+          <p:cNvGrpSpPr/>
+          <p:nvPr/>
+        </p:nvGrpSpPr>
+        <p:grpSpPr>
+          <a:xfrm>
+            <a:off x="6188301" y="3974398"/>
+            <a:ext cx="1574574" cy="1156953"/>
+            <a:chOff x="9139237" y="3781425"/>
+            <a:chExt cx="1971041" cy="1448266"/>
+          </a:xfrm>
+        </p:grpSpPr>
+        <p:pic>
+          <p:nvPicPr>
+            <p:cNvPr id="15" name="图片 14"/>
+            <p:cNvPicPr>
+              <a:picLocks noChangeAspect="1"/>
+            </p:cNvPicPr>
+            <p:nvPr/>
+          </p:nvPicPr>
+          <p:blipFill>
+            <a:blip r:embed="rId5">
+              <a:extLst>
+                <a:ext uri="{28A0092B-C50C-407E-A947-70E740481C1C}">
+                  <a14:useLocalDpi xmlns:a14="http://schemas.microsoft.com/office/drawing/2010/main" val="0"/>
+                </a:ext>
+              </a:extLst>
+            </a:blip>
+            <a:stretch>
+              <a:fillRect/>
+            </a:stretch>
+          </p:blipFill>
+          <p:spPr>
+            <a:xfrm>
+              <a:off x="9139237" y="3781425"/>
+              <a:ext cx="1971041" cy="1046035"/>
+            </a:xfrm>
+            <a:prstGeom prst="rect">
+              <a:avLst/>
+            </a:prstGeom>
+          </p:spPr>
+        </p:pic>
+        <p:sp>
+          <p:nvSpPr>
+            <p:cNvPr id="16" name="文本框 15"/>
+            <p:cNvSpPr txBox="1"/>
+            <p:nvPr/>
+          </p:nvSpPr>
+          <p:spPr>
+            <a:xfrm>
+              <a:off x="9139237" y="4644916"/>
+              <a:ext cx="1971040" cy="584775"/>
+            </a:xfrm>
+            <a:prstGeom prst="rect">
+              <a:avLst/>
+            </a:prstGeom>
+            <a:solidFill>
+              <a:schemeClr val="tx1"/>
+            </a:solidFill>
+          </p:spPr>
+          <p:txBody>
+            <a:bodyPr wrap="square" rtlCol="0">
+              <a:spAutoFit/>
+            </a:bodyPr>
+            <a:lstStyle/>
+            <a:p>
+              <a:pPr algn="ctr"/>
+              <a:r>
+                <a:rPr lang="en-GB" altLang="zh-CN" sz="3200" b="1" dirty="0" smtClean="0">
+                  <a:solidFill>
+                    <a:srgbClr val="0070C0"/>
+                  </a:solidFill>
+                </a:rPr>
+                <a:t>DB2</a:t>
+              </a:r>
+              <a:endParaRPr lang="zh-CN" altLang="en-US" sz="3200" b="1" dirty="0">
+                <a:solidFill>
+                  <a:srgbClr val="0070C0"/>
+                </a:solidFill>
+              </a:endParaRPr>
+            </a:p>
+          </p:txBody>
+        </p:sp>
+      </p:grpSp>
+      <p:pic>
+        <p:nvPicPr>
+          <p:cNvPr id="18" name="图片 17"/>
+          <p:cNvPicPr>
+            <a:picLocks noChangeAspect="1"/>
+          </p:cNvPicPr>
+          <p:nvPr/>
+        </p:nvPicPr>
+        <p:blipFill>
+          <a:blip r:embed="rId6">
+            <a:extLst>
+              <a:ext uri="{28A0092B-C50C-407E-A947-70E740481C1C}">
+                <a14:useLocalDpi xmlns:a14="http://schemas.microsoft.com/office/drawing/2010/main" val="0"/>
+              </a:ext>
+            </a:extLst>
+          </a:blip>
+          <a:stretch>
+            <a:fillRect/>
+          </a:stretch>
+        </p:blipFill>
+        <p:spPr>
+          <a:xfrm>
+            <a:off x="6188301" y="5238332"/>
+            <a:ext cx="1571625" cy="1274711"/>
+          </a:xfrm>
+          <a:prstGeom prst="rect">
+            <a:avLst/>
+          </a:prstGeom>
+        </p:spPr>
+      </p:pic>
+      <p:pic>
+        <p:nvPicPr>
+          <p:cNvPr id="19" name="图片 18"/>
+          <p:cNvPicPr>
+            <a:picLocks noChangeAspect="1"/>
+          </p:cNvPicPr>
+          <p:nvPr/>
+        </p:nvPicPr>
+        <p:blipFill>
+          <a:blip r:embed="rId7">
+            <a:extLst>
+              <a:ext uri="{28A0092B-C50C-407E-A947-70E740481C1C}">
+                <a14:useLocalDpi xmlns:a14="http://schemas.microsoft.com/office/drawing/2010/main" val="0"/>
+              </a:ext>
+            </a:extLst>
+          </a:blip>
+          <a:stretch>
+            <a:fillRect/>
+          </a:stretch>
+        </p:blipFill>
+        <p:spPr>
+          <a:xfrm>
+            <a:off x="3764891" y="5238332"/>
+            <a:ext cx="1541725" cy="1274711"/>
+          </a:xfrm>
+          <a:prstGeom prst="rect">
+            <a:avLst/>
+          </a:prstGeom>
+        </p:spPr>
+      </p:pic>
     </p:spTree>
     <p:extLst>
       <p:ext uri="{BB962C8B-B14F-4D97-AF65-F5344CB8AC3E}">
@@ -18416,9 +22489,604 @@
   <p:timing>
     <p:tnLst>
       <p:par>
-        <p:cTn id="1" dur="indefinite" restart="never" nodeType="tmRoot"/>
+        <p:cTn id="1" dur="indefinite" restart="never" nodeType="tmRoot">
+          <p:childTnLst>
+            <p:seq concurrent="1" nextAc="seek">
+              <p:cTn id="2" dur="indefinite" nodeType="mainSeq">
+                <p:childTnLst>
+                  <p:par>
+                    <p:cTn id="3" fill="hold">
+                      <p:stCondLst>
+                        <p:cond delay="indefinite"/>
+                      </p:stCondLst>
+                      <p:childTnLst>
+                        <p:par>
+                          <p:cTn id="4" fill="hold">
+                            <p:stCondLst>
+                              <p:cond delay="0"/>
+                            </p:stCondLst>
+                            <p:childTnLst>
+                              <p:par>
+                                <p:cTn id="5" presetID="14" presetClass="entr" presetSubtype="10" fill="hold" nodeType="clickEffect">
+                                  <p:stCondLst>
+                                    <p:cond delay="0"/>
+                                  </p:stCondLst>
+                                  <p:childTnLst>
+                                    <p:set>
+                                      <p:cBhvr>
+                                        <p:cTn id="6" dur="1" fill="hold">
+                                          <p:stCondLst>
+                                            <p:cond delay="0"/>
+                                          </p:stCondLst>
+                                        </p:cTn>
+                                        <p:tgtEl>
+                                          <p:spTgt spid="12"/>
+                                        </p:tgtEl>
+                                        <p:attrNameLst>
+                                          <p:attrName>style.visibility</p:attrName>
+                                        </p:attrNameLst>
+                                      </p:cBhvr>
+                                      <p:to>
+                                        <p:strVal val="visible"/>
+                                      </p:to>
+                                    </p:set>
+                                    <p:animEffect transition="in" filter="randombar(horizontal)">
+                                      <p:cBhvr>
+                                        <p:cTn id="7" dur="500"/>
+                                        <p:tgtEl>
+                                          <p:spTgt spid="12"/>
+                                        </p:tgtEl>
+                                      </p:cBhvr>
+                                    </p:animEffect>
+                                  </p:childTnLst>
+                                </p:cTn>
+                              </p:par>
+                            </p:childTnLst>
+                          </p:cTn>
+                        </p:par>
+                        <p:par>
+                          <p:cTn id="8" fill="hold">
+                            <p:stCondLst>
+                              <p:cond delay="500"/>
+                            </p:stCondLst>
+                            <p:childTnLst>
+                              <p:par>
+                                <p:cTn id="9" presetID="14" presetClass="entr" presetSubtype="10" fill="hold" nodeType="afterEffect">
+                                  <p:stCondLst>
+                                    <p:cond delay="0"/>
+                                  </p:stCondLst>
+                                  <p:childTnLst>
+                                    <p:set>
+                                      <p:cBhvr>
+                                        <p:cTn id="10" dur="1" fill="hold">
+                                          <p:stCondLst>
+                                            <p:cond delay="0"/>
+                                          </p:stCondLst>
+                                        </p:cTn>
+                                        <p:tgtEl>
+                                          <p:spTgt spid="14"/>
+                                        </p:tgtEl>
+                                        <p:attrNameLst>
+                                          <p:attrName>style.visibility</p:attrName>
+                                        </p:attrNameLst>
+                                      </p:cBhvr>
+                                      <p:to>
+                                        <p:strVal val="visible"/>
+                                      </p:to>
+                                    </p:set>
+                                    <p:animEffect transition="in" filter="randombar(horizontal)">
+                                      <p:cBhvr>
+                                        <p:cTn id="11" dur="500"/>
+                                        <p:tgtEl>
+                                          <p:spTgt spid="14"/>
+                                        </p:tgtEl>
+                                      </p:cBhvr>
+                                    </p:animEffect>
+                                  </p:childTnLst>
+                                </p:cTn>
+                              </p:par>
+                            </p:childTnLst>
+                          </p:cTn>
+                        </p:par>
+                        <p:par>
+                          <p:cTn id="12" fill="hold">
+                            <p:stCondLst>
+                              <p:cond delay="1000"/>
+                            </p:stCondLst>
+                            <p:childTnLst>
+                              <p:par>
+                                <p:cTn id="13" presetID="14" presetClass="entr" presetSubtype="10" fill="hold" nodeType="afterEffect">
+                                  <p:stCondLst>
+                                    <p:cond delay="0"/>
+                                  </p:stCondLst>
+                                  <p:childTnLst>
+                                    <p:set>
+                                      <p:cBhvr>
+                                        <p:cTn id="14" dur="1" fill="hold">
+                                          <p:stCondLst>
+                                            <p:cond delay="0"/>
+                                          </p:stCondLst>
+                                        </p:cTn>
+                                        <p:tgtEl>
+                                          <p:spTgt spid="17"/>
+                                        </p:tgtEl>
+                                        <p:attrNameLst>
+                                          <p:attrName>style.visibility</p:attrName>
+                                        </p:attrNameLst>
+                                      </p:cBhvr>
+                                      <p:to>
+                                        <p:strVal val="visible"/>
+                                      </p:to>
+                                    </p:set>
+                                    <p:animEffect transition="in" filter="randombar(horizontal)">
+                                      <p:cBhvr>
+                                        <p:cTn id="15" dur="500"/>
+                                        <p:tgtEl>
+                                          <p:spTgt spid="17"/>
+                                        </p:tgtEl>
+                                      </p:cBhvr>
+                                    </p:animEffect>
+                                  </p:childTnLst>
+                                </p:cTn>
+                              </p:par>
+                            </p:childTnLst>
+                          </p:cTn>
+                        </p:par>
+                        <p:par>
+                          <p:cTn id="16" fill="hold">
+                            <p:stCondLst>
+                              <p:cond delay="1500"/>
+                            </p:stCondLst>
+                            <p:childTnLst>
+                              <p:par>
+                                <p:cTn id="17" presetID="14" presetClass="entr" presetSubtype="10" fill="hold" nodeType="afterEffect">
+                                  <p:stCondLst>
+                                    <p:cond delay="0"/>
+                                  </p:stCondLst>
+                                  <p:childTnLst>
+                                    <p:set>
+                                      <p:cBhvr>
+                                        <p:cTn id="18" dur="1" fill="hold">
+                                          <p:stCondLst>
+                                            <p:cond delay="0"/>
+                                          </p:stCondLst>
+                                        </p:cTn>
+                                        <p:tgtEl>
+                                          <p:spTgt spid="13"/>
+                                        </p:tgtEl>
+                                        <p:attrNameLst>
+                                          <p:attrName>style.visibility</p:attrName>
+                                        </p:attrNameLst>
+                                      </p:cBhvr>
+                                      <p:to>
+                                        <p:strVal val="visible"/>
+                                      </p:to>
+                                    </p:set>
+                                    <p:animEffect transition="in" filter="randombar(horizontal)">
+                                      <p:cBhvr>
+                                        <p:cTn id="19" dur="500"/>
+                                        <p:tgtEl>
+                                          <p:spTgt spid="13"/>
+                                        </p:tgtEl>
+                                      </p:cBhvr>
+                                    </p:animEffect>
+                                  </p:childTnLst>
+                                </p:cTn>
+                              </p:par>
+                            </p:childTnLst>
+                          </p:cTn>
+                        </p:par>
+                        <p:par>
+                          <p:cTn id="20" fill="hold">
+                            <p:stCondLst>
+                              <p:cond delay="2000"/>
+                            </p:stCondLst>
+                            <p:childTnLst>
+                              <p:par>
+                                <p:cTn id="21" presetID="14" presetClass="entr" presetSubtype="10" fill="hold" nodeType="afterEffect">
+                                  <p:stCondLst>
+                                    <p:cond delay="0"/>
+                                  </p:stCondLst>
+                                  <p:childTnLst>
+                                    <p:set>
+                                      <p:cBhvr>
+                                        <p:cTn id="22" dur="1" fill="hold">
+                                          <p:stCondLst>
+                                            <p:cond delay="0"/>
+                                          </p:stCondLst>
+                                        </p:cTn>
+                                        <p:tgtEl>
+                                          <p:spTgt spid="19"/>
+                                        </p:tgtEl>
+                                        <p:attrNameLst>
+                                          <p:attrName>style.visibility</p:attrName>
+                                        </p:attrNameLst>
+                                      </p:cBhvr>
+                                      <p:to>
+                                        <p:strVal val="visible"/>
+                                      </p:to>
+                                    </p:set>
+                                    <p:animEffect transition="in" filter="randombar(horizontal)">
+                                      <p:cBhvr>
+                                        <p:cTn id="23" dur="500"/>
+                                        <p:tgtEl>
+                                          <p:spTgt spid="19"/>
+                                        </p:tgtEl>
+                                      </p:cBhvr>
+                                    </p:animEffect>
+                                  </p:childTnLst>
+                                </p:cTn>
+                              </p:par>
+                            </p:childTnLst>
+                          </p:cTn>
+                        </p:par>
+                        <p:par>
+                          <p:cTn id="24" fill="hold">
+                            <p:stCondLst>
+                              <p:cond delay="2500"/>
+                            </p:stCondLst>
+                            <p:childTnLst>
+                              <p:par>
+                                <p:cTn id="25" presetID="14" presetClass="entr" presetSubtype="10" fill="hold" nodeType="afterEffect">
+                                  <p:stCondLst>
+                                    <p:cond delay="0"/>
+                                  </p:stCondLst>
+                                  <p:childTnLst>
+                                    <p:set>
+                                      <p:cBhvr>
+                                        <p:cTn id="26" dur="1" fill="hold">
+                                          <p:stCondLst>
+                                            <p:cond delay="0"/>
+                                          </p:stCondLst>
+                                        </p:cTn>
+                                        <p:tgtEl>
+                                          <p:spTgt spid="18"/>
+                                        </p:tgtEl>
+                                        <p:attrNameLst>
+                                          <p:attrName>style.visibility</p:attrName>
+                                        </p:attrNameLst>
+                                      </p:cBhvr>
+                                      <p:to>
+                                        <p:strVal val="visible"/>
+                                      </p:to>
+                                    </p:set>
+                                    <p:animEffect transition="in" filter="randombar(horizontal)">
+                                      <p:cBhvr>
+                                        <p:cTn id="27" dur="500"/>
+                                        <p:tgtEl>
+                                          <p:spTgt spid="18"/>
+                                        </p:tgtEl>
+                                      </p:cBhvr>
+                                    </p:animEffect>
+                                  </p:childTnLst>
+                                </p:cTn>
+                              </p:par>
+                            </p:childTnLst>
+                          </p:cTn>
+                        </p:par>
+                      </p:childTnLst>
+                    </p:cTn>
+                  </p:par>
+                  <p:par>
+                    <p:cTn id="28" fill="hold">
+                      <p:stCondLst>
+                        <p:cond delay="indefinite"/>
+                      </p:stCondLst>
+                      <p:childTnLst>
+                        <p:par>
+                          <p:cTn id="29" fill="hold">
+                            <p:stCondLst>
+                              <p:cond delay="0"/>
+                            </p:stCondLst>
+                            <p:childTnLst>
+                              <p:par>
+                                <p:cTn id="30" presetID="26" presetClass="entr" presetSubtype="0" fill="hold" grpId="0" nodeType="clickEffect">
+                                  <p:stCondLst>
+                                    <p:cond delay="0"/>
+                                  </p:stCondLst>
+                                  <p:childTnLst>
+                                    <p:set>
+                                      <p:cBhvr>
+                                        <p:cTn id="31" dur="1" fill="hold">
+                                          <p:stCondLst>
+                                            <p:cond delay="0"/>
+                                          </p:stCondLst>
+                                        </p:cTn>
+                                        <p:tgtEl>
+                                          <p:spTgt spid="7"/>
+                                        </p:tgtEl>
+                                        <p:attrNameLst>
+                                          <p:attrName>style.visibility</p:attrName>
+                                        </p:attrNameLst>
+                                      </p:cBhvr>
+                                      <p:to>
+                                        <p:strVal val="visible"/>
+                                      </p:to>
+                                    </p:set>
+                                    <p:animEffect transition="in" filter="wipe(down)">
+                                      <p:cBhvr>
+                                        <p:cTn id="32" dur="580">
+                                          <p:stCondLst>
+                                            <p:cond delay="0"/>
+                                          </p:stCondLst>
+                                        </p:cTn>
+                                        <p:tgtEl>
+                                          <p:spTgt spid="7"/>
+                                        </p:tgtEl>
+                                      </p:cBhvr>
+                                    </p:animEffect>
+                                    <p:anim calcmode="lin" valueType="num">
+                                      <p:cBhvr>
+                                        <p:cTn id="33" dur="1822" tmFilter="0,0; 0.14,0.36; 0.43,0.73; 0.71,0.91; 1.0,1.0">
+                                          <p:stCondLst>
+                                            <p:cond delay="0"/>
+                                          </p:stCondLst>
+                                        </p:cTn>
+                                        <p:tgtEl>
+                                          <p:spTgt spid="7"/>
+                                        </p:tgtEl>
+                                        <p:attrNameLst>
+                                          <p:attrName>ppt_x</p:attrName>
+                                        </p:attrNameLst>
+                                      </p:cBhvr>
+                                      <p:tavLst>
+                                        <p:tav tm="0">
+                                          <p:val>
+                                            <p:strVal val="#ppt_x-0.25"/>
+                                          </p:val>
+                                        </p:tav>
+                                        <p:tav tm="100000">
+                                          <p:val>
+                                            <p:strVal val="#ppt_x"/>
+                                          </p:val>
+                                        </p:tav>
+                                      </p:tavLst>
+                                    </p:anim>
+                                    <p:anim calcmode="lin" valueType="num">
+                                      <p:cBhvr>
+                                        <p:cTn id="34" dur="664" tmFilter="0.0,0.0; 0.25,0.07; 0.50,0.2; 0.75,0.467; 1.0,1.0">
+                                          <p:stCondLst>
+                                            <p:cond delay="0"/>
+                                          </p:stCondLst>
+                                        </p:cTn>
+                                        <p:tgtEl>
+                                          <p:spTgt spid="7"/>
+                                        </p:tgtEl>
+                                        <p:attrNameLst>
+                                          <p:attrName>ppt_y</p:attrName>
+                                        </p:attrNameLst>
+                                      </p:cBhvr>
+                                      <p:tavLst>
+                                        <p:tav tm="0" fmla="#ppt_y-sin(pi*$)/3">
+                                          <p:val>
+                                            <p:fltVal val="0.5"/>
+                                          </p:val>
+                                        </p:tav>
+                                        <p:tav tm="100000">
+                                          <p:val>
+                                            <p:fltVal val="1"/>
+                                          </p:val>
+                                        </p:tav>
+                                      </p:tavLst>
+                                    </p:anim>
+                                    <p:anim calcmode="lin" valueType="num">
+                                      <p:cBhvr>
+                                        <p:cTn id="35" dur="664" tmFilter="0, 0; 0.125,0.2665; 0.25,0.4; 0.375,0.465; 0.5,0.5;  0.625,0.535; 0.75,0.6; 0.875,0.7335; 1,1">
+                                          <p:stCondLst>
+                                            <p:cond delay="664"/>
+                                          </p:stCondLst>
+                                        </p:cTn>
+                                        <p:tgtEl>
+                                          <p:spTgt spid="7"/>
+                                        </p:tgtEl>
+                                        <p:attrNameLst>
+                                          <p:attrName>ppt_y</p:attrName>
+                                        </p:attrNameLst>
+                                      </p:cBhvr>
+                                      <p:tavLst>
+                                        <p:tav tm="0" fmla="#ppt_y-sin(pi*$)/9">
+                                          <p:val>
+                                            <p:fltVal val="0"/>
+                                          </p:val>
+                                        </p:tav>
+                                        <p:tav tm="100000">
+                                          <p:val>
+                                            <p:fltVal val="1"/>
+                                          </p:val>
+                                        </p:tav>
+                                      </p:tavLst>
+                                    </p:anim>
+                                    <p:anim calcmode="lin" valueType="num">
+                                      <p:cBhvr>
+                                        <p:cTn id="36" dur="332" tmFilter="0, 0; 0.125,0.2665; 0.25,0.4; 0.375,0.465; 0.5,0.5;  0.625,0.535; 0.75,0.6; 0.875,0.7335; 1,1">
+                                          <p:stCondLst>
+                                            <p:cond delay="1324"/>
+                                          </p:stCondLst>
+                                        </p:cTn>
+                                        <p:tgtEl>
+                                          <p:spTgt spid="7"/>
+                                        </p:tgtEl>
+                                        <p:attrNameLst>
+                                          <p:attrName>ppt_y</p:attrName>
+                                        </p:attrNameLst>
+                                      </p:cBhvr>
+                                      <p:tavLst>
+                                        <p:tav tm="0" fmla="#ppt_y-sin(pi*$)/27">
+                                          <p:val>
+                                            <p:fltVal val="0"/>
+                                          </p:val>
+                                        </p:tav>
+                                        <p:tav tm="100000">
+                                          <p:val>
+                                            <p:fltVal val="1"/>
+                                          </p:val>
+                                        </p:tav>
+                                      </p:tavLst>
+                                    </p:anim>
+                                    <p:anim calcmode="lin" valueType="num">
+                                      <p:cBhvr>
+                                        <p:cTn id="37" dur="164" tmFilter="0, 0; 0.125,0.2665; 0.25,0.4; 0.375,0.465; 0.5,0.5;  0.625,0.535; 0.75,0.6; 0.875,0.7335; 1,1">
+                                          <p:stCondLst>
+                                            <p:cond delay="1656"/>
+                                          </p:stCondLst>
+                                        </p:cTn>
+                                        <p:tgtEl>
+                                          <p:spTgt spid="7"/>
+                                        </p:tgtEl>
+                                        <p:attrNameLst>
+                                          <p:attrName>ppt_y</p:attrName>
+                                        </p:attrNameLst>
+                                      </p:cBhvr>
+                                      <p:tavLst>
+                                        <p:tav tm="0" fmla="#ppt_y-sin(pi*$)/81">
+                                          <p:val>
+                                            <p:fltVal val="0"/>
+                                          </p:val>
+                                        </p:tav>
+                                        <p:tav tm="100000">
+                                          <p:val>
+                                            <p:fltVal val="1"/>
+                                          </p:val>
+                                        </p:tav>
+                                      </p:tavLst>
+                                    </p:anim>
+                                    <p:animScale>
+                                      <p:cBhvr>
+                                        <p:cTn id="38" dur="26">
+                                          <p:stCondLst>
+                                            <p:cond delay="650"/>
+                                          </p:stCondLst>
+                                        </p:cTn>
+                                        <p:tgtEl>
+                                          <p:spTgt spid="7"/>
+                                        </p:tgtEl>
+                                      </p:cBhvr>
+                                      <p:to x="100000" y="60000"/>
+                                    </p:animScale>
+                                    <p:animScale>
+                                      <p:cBhvr>
+                                        <p:cTn id="39" dur="166" decel="50000">
+                                          <p:stCondLst>
+                                            <p:cond delay="676"/>
+                                          </p:stCondLst>
+                                        </p:cTn>
+                                        <p:tgtEl>
+                                          <p:spTgt spid="7"/>
+                                        </p:tgtEl>
+                                      </p:cBhvr>
+                                      <p:to x="100000" y="100000"/>
+                                    </p:animScale>
+                                    <p:animScale>
+                                      <p:cBhvr>
+                                        <p:cTn id="40" dur="26">
+                                          <p:stCondLst>
+                                            <p:cond delay="1312"/>
+                                          </p:stCondLst>
+                                        </p:cTn>
+                                        <p:tgtEl>
+                                          <p:spTgt spid="7"/>
+                                        </p:tgtEl>
+                                      </p:cBhvr>
+                                      <p:to x="100000" y="80000"/>
+                                    </p:animScale>
+                                    <p:animScale>
+                                      <p:cBhvr>
+                                        <p:cTn id="41" dur="166" decel="50000">
+                                          <p:stCondLst>
+                                            <p:cond delay="1338"/>
+                                          </p:stCondLst>
+                                        </p:cTn>
+                                        <p:tgtEl>
+                                          <p:spTgt spid="7"/>
+                                        </p:tgtEl>
+                                      </p:cBhvr>
+                                      <p:to x="100000" y="100000"/>
+                                    </p:animScale>
+                                    <p:animScale>
+                                      <p:cBhvr>
+                                        <p:cTn id="42" dur="26">
+                                          <p:stCondLst>
+                                            <p:cond delay="1642"/>
+                                          </p:stCondLst>
+                                        </p:cTn>
+                                        <p:tgtEl>
+                                          <p:spTgt spid="7"/>
+                                        </p:tgtEl>
+                                      </p:cBhvr>
+                                      <p:to x="100000" y="90000"/>
+                                    </p:animScale>
+                                    <p:animScale>
+                                      <p:cBhvr>
+                                        <p:cTn id="43" dur="166" decel="50000">
+                                          <p:stCondLst>
+                                            <p:cond delay="1668"/>
+                                          </p:stCondLst>
+                                        </p:cTn>
+                                        <p:tgtEl>
+                                          <p:spTgt spid="7"/>
+                                        </p:tgtEl>
+                                      </p:cBhvr>
+                                      <p:to x="100000" y="100000"/>
+                                    </p:animScale>
+                                    <p:animScale>
+                                      <p:cBhvr>
+                                        <p:cTn id="44" dur="26">
+                                          <p:stCondLst>
+                                            <p:cond delay="1808"/>
+                                          </p:stCondLst>
+                                        </p:cTn>
+                                        <p:tgtEl>
+                                          <p:spTgt spid="7"/>
+                                        </p:tgtEl>
+                                      </p:cBhvr>
+                                      <p:to x="100000" y="95000"/>
+                                    </p:animScale>
+                                    <p:animScale>
+                                      <p:cBhvr>
+                                        <p:cTn id="45" dur="166" decel="50000">
+                                          <p:stCondLst>
+                                            <p:cond delay="1834"/>
+                                          </p:stCondLst>
+                                        </p:cTn>
+                                        <p:tgtEl>
+                                          <p:spTgt spid="7"/>
+                                        </p:tgtEl>
+                                      </p:cBhvr>
+                                      <p:to x="100000" y="100000"/>
+                                    </p:animScale>
+                                  </p:childTnLst>
+                                </p:cTn>
+                              </p:par>
+                            </p:childTnLst>
+                          </p:cTn>
+                        </p:par>
+                      </p:childTnLst>
+                    </p:cTn>
+                  </p:par>
+                </p:childTnLst>
+              </p:cTn>
+              <p:prevCondLst>
+                <p:cond evt="onPrev" delay="0">
+                  <p:tgtEl>
+                    <p:sldTgt/>
+                  </p:tgtEl>
+                </p:cond>
+              </p:prevCondLst>
+              <p:nextCondLst>
+                <p:cond evt="onNext" delay="0">
+                  <p:tgtEl>
+                    <p:sldTgt/>
+                  </p:tgtEl>
+                </p:cond>
+              </p:nextCondLst>
+            </p:seq>
+          </p:childTnLst>
+        </p:cTn>
       </p:par>
     </p:tnLst>
+    <p:bldLst>
+      <p:bldP spid="7" grpId="0"/>
+    </p:bldLst>
   </p:timing>
 </p:sld>
 </file>
@@ -18945,6 +23613,882 @@
   <p:clrMapOvr>
     <a:masterClrMapping/>
   </p:clrMapOvr>
+  <p:timing>
+    <p:tnLst>
+      <p:par>
+        <p:cTn id="1" dur="indefinite" restart="never" nodeType="tmRoot"/>
+      </p:par>
+    </p:tnLst>
+  </p:timing>
+</p:sld>
+</file>
+
+<file path=ppt/slides/slide30.xml><?xml version="1.0" encoding="utf-8"?>
+<p:sld xmlns:a="http://schemas.openxmlformats.org/drawingml/2006/main" xmlns:r="http://schemas.openxmlformats.org/officeDocument/2006/relationships" xmlns:p="http://schemas.openxmlformats.org/presentationml/2006/main">
+  <p:cSld>
+    <p:spTree>
+      <p:nvGrpSpPr>
+        <p:cNvPr id="1" name=""/>
+        <p:cNvGrpSpPr/>
+        <p:nvPr/>
+      </p:nvGrpSpPr>
+      <p:grpSpPr>
+        <a:xfrm>
+          <a:off x="0" y="0"/>
+          <a:ext cx="0" cy="0"/>
+          <a:chOff x="0" y="0"/>
+          <a:chExt cx="0" cy="0"/>
+        </a:xfrm>
+      </p:grpSpPr>
+      <p:sp>
+        <p:nvSpPr>
+          <p:cNvPr id="2" name="标题 1"/>
+          <p:cNvSpPr>
+            <a:spLocks noGrp="1"/>
+          </p:cNvSpPr>
+          <p:nvPr>
+            <p:ph type="title"/>
+          </p:nvPr>
+        </p:nvSpPr>
+        <p:spPr/>
+        <p:txBody>
+          <a:bodyPr/>
+          <a:lstStyle/>
+          <a:p>
+            <a:r>
+              <a:rPr lang="en-GB" altLang="zh-CN" sz="4000" dirty="0"/>
+              <a:t>Create – </a:t>
+            </a:r>
+            <a:r>
+              <a:rPr lang="zh-CN" altLang="en-US" sz="4000" dirty="0" smtClean="0"/>
+              <a:t>举例</a:t>
+            </a:r>
+            <a:r>
+              <a:rPr lang="en-GB" altLang="zh-CN" sz="4000" dirty="0" smtClean="0"/>
+              <a:t/>
+            </a:r>
+            <a:br>
+              <a:rPr lang="en-GB" altLang="zh-CN" sz="4000" dirty="0" smtClean="0"/>
+            </a:br>
+            <a:r>
+              <a:rPr lang="en-US" altLang="zh-CN" sz="1800" cap="all" dirty="0" smtClean="0">
+                <a:solidFill>
+                  <a:schemeClr val="accent1"/>
+                </a:solidFill>
+              </a:rPr>
+              <a:t>XSQL</a:t>
+            </a:r>
+            <a:r>
+              <a:rPr lang="zh-CN" altLang="en-US" sz="1800" cap="all" dirty="0">
+                <a:solidFill>
+                  <a:schemeClr val="accent1"/>
+                </a:solidFill>
+              </a:rPr>
+              <a:t>的元素</a:t>
+            </a:r>
+            <a:endParaRPr lang="zh-CN" altLang="en-US" dirty="0"/>
+          </a:p>
+        </p:txBody>
+      </p:sp>
+      <p:grpSp>
+        <p:nvGrpSpPr>
+          <p:cNvPr id="4" name="组合 3"/>
+          <p:cNvGrpSpPr/>
+          <p:nvPr/>
+        </p:nvGrpSpPr>
+        <p:grpSpPr>
+          <a:xfrm>
+            <a:off x="10401652" y="72593"/>
+            <a:ext cx="763351" cy="1071782"/>
+            <a:chOff x="10401652" y="72593"/>
+            <a:chExt cx="763351" cy="1071782"/>
+          </a:xfrm>
+        </p:grpSpPr>
+        <p:sp>
+          <p:nvSpPr>
+            <p:cNvPr id="5" name="矩形 4"/>
+            <p:cNvSpPr/>
+            <p:nvPr/>
+          </p:nvSpPr>
+          <p:spPr>
+            <a:xfrm>
+              <a:off x="10401652" y="72593"/>
+              <a:ext cx="763351" cy="461665"/>
+            </a:xfrm>
+            <a:prstGeom prst="rect">
+              <a:avLst/>
+            </a:prstGeom>
+            <a:noFill/>
+          </p:spPr>
+          <p:txBody>
+            <a:bodyPr wrap="none" lIns="91440" tIns="45720" rIns="91440" bIns="45720">
+              <a:spAutoFit/>
+            </a:bodyPr>
+            <a:lstStyle/>
+            <a:p>
+              <a:pPr algn="ctr"/>
+              <a:r>
+                <a:rPr lang="en-GB" altLang="zh-CN" sz="2400" b="1" cap="none" spc="0" dirty="0" smtClean="0">
+                  <a:ln w="12700">
+                    <a:solidFill>
+                      <a:schemeClr val="tx2">
+                        <a:lumMod val="75000"/>
+                      </a:schemeClr>
+                    </a:solidFill>
+                    <a:prstDash val="solid"/>
+                  </a:ln>
+                  <a:pattFill prst="dkUpDiag">
+                    <a:fgClr>
+                      <a:schemeClr val="tx2"/>
+                    </a:fgClr>
+                    <a:bgClr>
+                      <a:schemeClr val="tx2">
+                        <a:lumMod val="20000"/>
+                        <a:lumOff val="80000"/>
+                      </a:schemeClr>
+                    </a:bgClr>
+                  </a:pattFill>
+                  <a:effectLst>
+                    <a:outerShdw dist="38100" dir="2640000" algn="bl" rotWithShape="0">
+                      <a:schemeClr val="tx2">
+                        <a:lumMod val="75000"/>
+                      </a:schemeClr>
+                    </a:outerShdw>
+                  </a:effectLst>
+                  <a:latin typeface="Segoe UI Black" panose="020B0A02040204020203" pitchFamily="34" charset="0"/>
+                  <a:ea typeface="Segoe UI Black" panose="020B0A02040204020203" pitchFamily="34" charset="0"/>
+                  <a:cs typeface="Segoe UI Black" panose="020B0A02040204020203" pitchFamily="34" charset="0"/>
+                </a:rPr>
+                <a:t>SQL</a:t>
+              </a:r>
+            </a:p>
+          </p:txBody>
+        </p:sp>
+        <p:sp>
+          <p:nvSpPr>
+            <p:cNvPr id="6" name="矩形 5"/>
+            <p:cNvSpPr/>
+            <p:nvPr/>
+          </p:nvSpPr>
+          <p:spPr>
+            <a:xfrm>
+              <a:off x="10439901" y="221045"/>
+              <a:ext cx="670376" cy="923330"/>
+            </a:xfrm>
+            <a:prstGeom prst="rect">
+              <a:avLst/>
+            </a:prstGeom>
+          </p:spPr>
+          <p:txBody>
+            <a:bodyPr wrap="none">
+              <a:spAutoFit/>
+            </a:bodyPr>
+            <a:lstStyle/>
+            <a:p>
+              <a:pPr algn="ctr"/>
+              <a:r>
+                <a:rPr lang="en-GB" altLang="zh-CN" sz="5400" dirty="0">
+                  <a:ln w="12700">
+                    <a:solidFill>
+                      <a:schemeClr val="tx2">
+                        <a:lumMod val="75000"/>
+                      </a:schemeClr>
+                    </a:solidFill>
+                    <a:prstDash val="solid"/>
+                  </a:ln>
+                  <a:pattFill prst="dkUpDiag">
+                    <a:fgClr>
+                      <a:schemeClr val="tx2"/>
+                    </a:fgClr>
+                    <a:bgClr>
+                      <a:schemeClr val="tx2">
+                        <a:lumMod val="20000"/>
+                        <a:lumOff val="80000"/>
+                      </a:schemeClr>
+                    </a:bgClr>
+                  </a:pattFill>
+                  <a:effectLst>
+                    <a:outerShdw dist="38100" dir="2640000" algn="bl" rotWithShape="0">
+                      <a:schemeClr val="tx2">
+                        <a:lumMod val="75000"/>
+                      </a:schemeClr>
+                    </a:outerShdw>
+                  </a:effectLst>
+                  <a:latin typeface="Segoe UI Black" panose="020B0A02040204020203" pitchFamily="34" charset="0"/>
+                  <a:ea typeface="Segoe UI Black" panose="020B0A02040204020203" pitchFamily="34" charset="0"/>
+                  <a:cs typeface="Segoe UI Black" panose="020B0A02040204020203" pitchFamily="34" charset="0"/>
+                </a:rPr>
+                <a:t>X</a:t>
+              </a:r>
+              <a:endParaRPr lang="zh-CN" altLang="en-US" sz="5400" dirty="0">
+                <a:ln w="12700">
+                  <a:solidFill>
+                    <a:schemeClr val="tx2">
+                      <a:lumMod val="75000"/>
+                    </a:schemeClr>
+                  </a:solidFill>
+                  <a:prstDash val="solid"/>
+                </a:ln>
+                <a:pattFill prst="dkUpDiag">
+                  <a:fgClr>
+                    <a:schemeClr val="tx2"/>
+                  </a:fgClr>
+                  <a:bgClr>
+                    <a:schemeClr val="tx2">
+                      <a:lumMod val="20000"/>
+                      <a:lumOff val="80000"/>
+                    </a:schemeClr>
+                  </a:bgClr>
+                </a:pattFill>
+                <a:effectLst>
+                  <a:outerShdw dist="38100" dir="2640000" algn="bl" rotWithShape="0">
+                    <a:schemeClr val="tx2">
+                      <a:lumMod val="75000"/>
+                    </a:schemeClr>
+                  </a:outerShdw>
+                </a:effectLst>
+                <a:latin typeface="Segoe UI Black" panose="020B0A02040204020203" pitchFamily="34" charset="0"/>
+                <a:ea typeface="华文行楷" panose="02010800040101010101" pitchFamily="2" charset="-122"/>
+                <a:cs typeface="Segoe UI Black" panose="020B0A02040204020203" pitchFamily="34" charset="0"/>
+              </a:endParaRPr>
+            </a:p>
+          </p:txBody>
+        </p:sp>
+      </p:grpSp>
+      <p:pic>
+        <p:nvPicPr>
+          <p:cNvPr id="7" name="图片 6"/>
+          <p:cNvPicPr>
+            <a:picLocks noChangeAspect="1"/>
+          </p:cNvPicPr>
+          <p:nvPr/>
+        </p:nvPicPr>
+        <p:blipFill>
+          <a:blip r:embed="rId2"/>
+          <a:stretch>
+            <a:fillRect/>
+          </a:stretch>
+        </p:blipFill>
+        <p:spPr>
+          <a:xfrm>
+            <a:off x="2719387" y="1676400"/>
+            <a:ext cx="6696075" cy="4000500"/>
+          </a:xfrm>
+          <a:prstGeom prst="rect">
+            <a:avLst/>
+          </a:prstGeom>
+        </p:spPr>
+      </p:pic>
+      <p:sp>
+        <p:nvSpPr>
+          <p:cNvPr id="8" name="椭圆形标注 7"/>
+          <p:cNvSpPr/>
+          <p:nvPr/>
+        </p:nvSpPr>
+        <p:spPr>
+          <a:xfrm>
+            <a:off x="2074490" y="5514975"/>
+            <a:ext cx="1609725" cy="723899"/>
+          </a:xfrm>
+          <a:prstGeom prst="wedgeEllipseCallout">
+            <a:avLst>
+              <a:gd name="adj1" fmla="val 34198"/>
+              <a:gd name="adj2" fmla="val -71971"/>
+            </a:avLst>
+          </a:prstGeom>
+        </p:spPr>
+        <p:style>
+          <a:lnRef idx="0">
+            <a:schemeClr val="dk1"/>
+          </a:lnRef>
+          <a:fillRef idx="3">
+            <a:schemeClr val="dk1"/>
+          </a:fillRef>
+          <a:effectRef idx="3">
+            <a:schemeClr val="dk1"/>
+          </a:effectRef>
+          <a:fontRef idx="minor">
+            <a:schemeClr val="lt1"/>
+          </a:fontRef>
+        </p:style>
+        <p:txBody>
+          <a:bodyPr rtlCol="0" anchor="ctr"/>
+          <a:lstStyle/>
+          <a:p>
+            <a:r>
+              <a:rPr lang="zh-CN" altLang="en-US" b="1" dirty="0" smtClean="0">
+                <a:solidFill>
+                  <a:schemeClr val="accent4">
+                    <a:lumMod val="20000"/>
+                    <a:lumOff val="80000"/>
+                  </a:schemeClr>
+                </a:solidFill>
+              </a:rPr>
+              <a:t>写在最后的位置</a:t>
+            </a:r>
+            <a:endParaRPr lang="en-US" altLang="zh-CN" b="1" dirty="0">
+              <a:solidFill>
+                <a:schemeClr val="accent4">
+                  <a:lumMod val="20000"/>
+                  <a:lumOff val="80000"/>
+                </a:schemeClr>
+              </a:solidFill>
+            </a:endParaRPr>
+          </a:p>
+        </p:txBody>
+      </p:sp>
+      <p:sp>
+        <p:nvSpPr>
+          <p:cNvPr id="9" name="椭圆形标注 8"/>
+          <p:cNvSpPr/>
+          <p:nvPr/>
+        </p:nvSpPr>
+        <p:spPr>
+          <a:xfrm>
+            <a:off x="7886699" y="4086224"/>
+            <a:ext cx="1609725" cy="723899"/>
+          </a:xfrm>
+          <a:prstGeom prst="wedgeEllipseCallout">
+            <a:avLst>
+              <a:gd name="adj1" fmla="val -53378"/>
+              <a:gd name="adj2" fmla="val 85925"/>
+            </a:avLst>
+          </a:prstGeom>
+        </p:spPr>
+        <p:style>
+          <a:lnRef idx="0">
+            <a:schemeClr val="dk1"/>
+          </a:lnRef>
+          <a:fillRef idx="3">
+            <a:schemeClr val="dk1"/>
+          </a:fillRef>
+          <a:effectRef idx="3">
+            <a:schemeClr val="dk1"/>
+          </a:effectRef>
+          <a:fontRef idx="minor">
+            <a:schemeClr val="lt1"/>
+          </a:fontRef>
+        </p:style>
+        <p:txBody>
+          <a:bodyPr rtlCol="0" anchor="ctr"/>
+          <a:lstStyle/>
+          <a:p>
+            <a:r>
+              <a:rPr lang="zh-CN" altLang="en-US" b="1" dirty="0" smtClean="0">
+                <a:solidFill>
+                  <a:schemeClr val="accent4">
+                    <a:lumMod val="20000"/>
+                    <a:lumOff val="80000"/>
+                  </a:schemeClr>
+                </a:solidFill>
+              </a:rPr>
+              <a:t>创建对象名称</a:t>
+            </a:r>
+            <a:endParaRPr lang="en-US" altLang="zh-CN" b="1" dirty="0">
+              <a:solidFill>
+                <a:schemeClr val="accent4">
+                  <a:lumMod val="20000"/>
+                  <a:lumOff val="80000"/>
+                </a:schemeClr>
+              </a:solidFill>
+            </a:endParaRPr>
+          </a:p>
+        </p:txBody>
+      </p:sp>
+      <p:cxnSp>
+        <p:nvCxnSpPr>
+          <p:cNvPr id="11" name="直接连接符 10"/>
+          <p:cNvCxnSpPr/>
+          <p:nvPr/>
+        </p:nvCxnSpPr>
+        <p:spPr>
+          <a:xfrm>
+            <a:off x="7067550" y="5353050"/>
+            <a:ext cx="1247775" cy="0"/>
+          </a:xfrm>
+          <a:prstGeom prst="line">
+            <a:avLst/>
+          </a:prstGeom>
+          <a:ln w="19050">
+            <a:solidFill>
+              <a:srgbClr val="FF0000"/>
+            </a:solidFill>
+          </a:ln>
+        </p:spPr>
+        <p:style>
+          <a:lnRef idx="1">
+            <a:schemeClr val="accent1"/>
+          </a:lnRef>
+          <a:fillRef idx="0">
+            <a:schemeClr val="accent1"/>
+          </a:fillRef>
+          <a:effectRef idx="0">
+            <a:schemeClr val="accent1"/>
+          </a:effectRef>
+          <a:fontRef idx="minor">
+            <a:schemeClr val="tx1"/>
+          </a:fontRef>
+        </p:style>
+      </p:cxnSp>
+    </p:spTree>
+    <p:extLst>
+      <p:ext uri="{BB962C8B-B14F-4D97-AF65-F5344CB8AC3E}">
+        <p14:creationId xmlns:p14="http://schemas.microsoft.com/office/powerpoint/2010/main" val="3130848265"/>
+      </p:ext>
+    </p:extLst>
+  </p:cSld>
+  <p:clrMapOvr>
+    <a:masterClrMapping/>
+  </p:clrMapOvr>
+  <p:timing>
+    <p:tnLst>
+      <p:par>
+        <p:cTn id="1" dur="indefinite" restart="never" nodeType="tmRoot">
+          <p:childTnLst>
+            <p:seq concurrent="1" nextAc="seek">
+              <p:cTn id="2" dur="indefinite" nodeType="mainSeq">
+                <p:childTnLst>
+                  <p:par>
+                    <p:cTn id="3" fill="hold">
+                      <p:stCondLst>
+                        <p:cond delay="indefinite"/>
+                      </p:stCondLst>
+                      <p:childTnLst>
+                        <p:par>
+                          <p:cTn id="4" fill="hold">
+                            <p:stCondLst>
+                              <p:cond delay="0"/>
+                            </p:stCondLst>
+                            <p:childTnLst>
+                              <p:par>
+                                <p:cTn id="5" presetID="14" presetClass="entr" presetSubtype="10" fill="hold" nodeType="clickEffect">
+                                  <p:stCondLst>
+                                    <p:cond delay="0"/>
+                                  </p:stCondLst>
+                                  <p:childTnLst>
+                                    <p:set>
+                                      <p:cBhvr>
+                                        <p:cTn id="6" dur="1" fill="hold">
+                                          <p:stCondLst>
+                                            <p:cond delay="0"/>
+                                          </p:stCondLst>
+                                        </p:cTn>
+                                        <p:tgtEl>
+                                          <p:spTgt spid="11"/>
+                                        </p:tgtEl>
+                                        <p:attrNameLst>
+                                          <p:attrName>style.visibility</p:attrName>
+                                        </p:attrNameLst>
+                                      </p:cBhvr>
+                                      <p:to>
+                                        <p:strVal val="visible"/>
+                                      </p:to>
+                                    </p:set>
+                                    <p:animEffect transition="in" filter="randombar(horizontal)">
+                                      <p:cBhvr>
+                                        <p:cTn id="7" dur="500"/>
+                                        <p:tgtEl>
+                                          <p:spTgt spid="11"/>
+                                        </p:tgtEl>
+                                      </p:cBhvr>
+                                    </p:animEffect>
+                                  </p:childTnLst>
+                                </p:cTn>
+                              </p:par>
+                              <p:par>
+                                <p:cTn id="8" presetID="14" presetClass="entr" presetSubtype="10" fill="hold" grpId="0" nodeType="withEffect">
+                                  <p:stCondLst>
+                                    <p:cond delay="0"/>
+                                  </p:stCondLst>
+                                  <p:childTnLst>
+                                    <p:set>
+                                      <p:cBhvr>
+                                        <p:cTn id="9" dur="1" fill="hold">
+                                          <p:stCondLst>
+                                            <p:cond delay="0"/>
+                                          </p:stCondLst>
+                                        </p:cTn>
+                                        <p:tgtEl>
+                                          <p:spTgt spid="9"/>
+                                        </p:tgtEl>
+                                        <p:attrNameLst>
+                                          <p:attrName>style.visibility</p:attrName>
+                                        </p:attrNameLst>
+                                      </p:cBhvr>
+                                      <p:to>
+                                        <p:strVal val="visible"/>
+                                      </p:to>
+                                    </p:set>
+                                    <p:animEffect transition="in" filter="randombar(horizontal)">
+                                      <p:cBhvr>
+                                        <p:cTn id="10" dur="500"/>
+                                        <p:tgtEl>
+                                          <p:spTgt spid="9"/>
+                                        </p:tgtEl>
+                                      </p:cBhvr>
+                                    </p:animEffect>
+                                  </p:childTnLst>
+                                </p:cTn>
+                              </p:par>
+                            </p:childTnLst>
+                          </p:cTn>
+                        </p:par>
+                      </p:childTnLst>
+                    </p:cTn>
+                  </p:par>
+                  <p:par>
+                    <p:cTn id="11" fill="hold">
+                      <p:stCondLst>
+                        <p:cond delay="indefinite"/>
+                      </p:stCondLst>
+                      <p:childTnLst>
+                        <p:par>
+                          <p:cTn id="12" fill="hold">
+                            <p:stCondLst>
+                              <p:cond delay="0"/>
+                            </p:stCondLst>
+                            <p:childTnLst>
+                              <p:par>
+                                <p:cTn id="13" presetID="14" presetClass="entr" presetSubtype="10" fill="hold" grpId="0" nodeType="clickEffect">
+                                  <p:stCondLst>
+                                    <p:cond delay="0"/>
+                                  </p:stCondLst>
+                                  <p:childTnLst>
+                                    <p:set>
+                                      <p:cBhvr>
+                                        <p:cTn id="14" dur="1" fill="hold">
+                                          <p:stCondLst>
+                                            <p:cond delay="0"/>
+                                          </p:stCondLst>
+                                        </p:cTn>
+                                        <p:tgtEl>
+                                          <p:spTgt spid="8"/>
+                                        </p:tgtEl>
+                                        <p:attrNameLst>
+                                          <p:attrName>style.visibility</p:attrName>
+                                        </p:attrNameLst>
+                                      </p:cBhvr>
+                                      <p:to>
+                                        <p:strVal val="visible"/>
+                                      </p:to>
+                                    </p:set>
+                                    <p:animEffect transition="in" filter="randombar(horizontal)">
+                                      <p:cBhvr>
+                                        <p:cTn id="15" dur="500"/>
+                                        <p:tgtEl>
+                                          <p:spTgt spid="8"/>
+                                        </p:tgtEl>
+                                      </p:cBhvr>
+                                    </p:animEffect>
+                                  </p:childTnLst>
+                                </p:cTn>
+                              </p:par>
+                            </p:childTnLst>
+                          </p:cTn>
+                        </p:par>
+                      </p:childTnLst>
+                    </p:cTn>
+                  </p:par>
+                </p:childTnLst>
+              </p:cTn>
+              <p:prevCondLst>
+                <p:cond evt="onPrev" delay="0">
+                  <p:tgtEl>
+                    <p:sldTgt/>
+                  </p:tgtEl>
+                </p:cond>
+              </p:prevCondLst>
+              <p:nextCondLst>
+                <p:cond evt="onNext" delay="0">
+                  <p:tgtEl>
+                    <p:sldTgt/>
+                  </p:tgtEl>
+                </p:cond>
+              </p:nextCondLst>
+            </p:seq>
+          </p:childTnLst>
+        </p:cTn>
+      </p:par>
+    </p:tnLst>
+    <p:bldLst>
+      <p:bldP spid="8" grpId="0" animBg="1"/>
+      <p:bldP spid="9" grpId="0" animBg="1"/>
+    </p:bldLst>
+  </p:timing>
+</p:sld>
+</file>
+
+<file path=ppt/slides/slide31.xml><?xml version="1.0" encoding="utf-8"?>
+<p:sld xmlns:a="http://schemas.openxmlformats.org/drawingml/2006/main" xmlns:r="http://schemas.openxmlformats.org/officeDocument/2006/relationships" xmlns:p="http://schemas.openxmlformats.org/presentationml/2006/main">
+  <p:cSld>
+    <p:spTree>
+      <p:nvGrpSpPr>
+        <p:cNvPr id="1" name=""/>
+        <p:cNvGrpSpPr/>
+        <p:nvPr/>
+      </p:nvGrpSpPr>
+      <p:grpSpPr>
+        <a:xfrm>
+          <a:off x="0" y="0"/>
+          <a:ext cx="0" cy="0"/>
+          <a:chOff x="0" y="0"/>
+          <a:chExt cx="0" cy="0"/>
+        </a:xfrm>
+      </p:grpSpPr>
+      <p:sp>
+        <p:nvSpPr>
+          <p:cNvPr id="2" name="标题 1"/>
+          <p:cNvSpPr>
+            <a:spLocks noGrp="1"/>
+          </p:cNvSpPr>
+          <p:nvPr>
+            <p:ph type="title"/>
+          </p:nvPr>
+        </p:nvSpPr>
+        <p:spPr/>
+        <p:txBody>
+          <a:bodyPr/>
+          <a:lstStyle/>
+          <a:p>
+            <a:r>
+              <a:rPr lang="en-GB" altLang="zh-CN" sz="4400" dirty="0"/>
+              <a:t>Create – </a:t>
+            </a:r>
+            <a:r>
+              <a:rPr lang="zh-CN" altLang="en-US" sz="4400" dirty="0" smtClean="0"/>
+              <a:t>有日志 有监控</a:t>
+            </a:r>
+            <a:r>
+              <a:rPr lang="en-GB" altLang="zh-CN" sz="4400" dirty="0"/>
+              <a:t/>
+            </a:r>
+            <a:br>
+              <a:rPr lang="en-GB" altLang="zh-CN" sz="4400" dirty="0"/>
+            </a:br>
+            <a:r>
+              <a:rPr lang="en-US" altLang="zh-CN" sz="2000" cap="all" dirty="0">
+                <a:solidFill>
+                  <a:schemeClr val="accent1"/>
+                </a:solidFill>
+              </a:rPr>
+              <a:t>XSQL</a:t>
+            </a:r>
+            <a:r>
+              <a:rPr lang="zh-CN" altLang="en-US" sz="2000" cap="all" smtClean="0">
+                <a:solidFill>
+                  <a:schemeClr val="accent1"/>
+                </a:solidFill>
+              </a:rPr>
+              <a:t>的高级元素</a:t>
+            </a:r>
+            <a:endParaRPr lang="zh-CN" altLang="en-US" dirty="0"/>
+          </a:p>
+        </p:txBody>
+      </p:sp>
+      <p:pic>
+        <p:nvPicPr>
+          <p:cNvPr id="4" name="图片 3"/>
+          <p:cNvPicPr/>
+          <p:nvPr/>
+        </p:nvPicPr>
+        <p:blipFill>
+          <a:blip r:embed="rId2"/>
+          <a:stretch>
+            <a:fillRect/>
+          </a:stretch>
+        </p:blipFill>
+        <p:spPr>
+          <a:xfrm>
+            <a:off x="2734627" y="1782762"/>
+            <a:ext cx="6923723" cy="4552154"/>
+          </a:xfrm>
+          <a:prstGeom prst="rect">
+            <a:avLst/>
+          </a:prstGeom>
+        </p:spPr>
+      </p:pic>
+      <p:grpSp>
+        <p:nvGrpSpPr>
+          <p:cNvPr id="5" name="组合 4"/>
+          <p:cNvGrpSpPr/>
+          <p:nvPr/>
+        </p:nvGrpSpPr>
+        <p:grpSpPr>
+          <a:xfrm>
+            <a:off x="10401652" y="72593"/>
+            <a:ext cx="763351" cy="1071782"/>
+            <a:chOff x="10401652" y="72593"/>
+            <a:chExt cx="763351" cy="1071782"/>
+          </a:xfrm>
+        </p:grpSpPr>
+        <p:sp>
+          <p:nvSpPr>
+            <p:cNvPr id="6" name="矩形 5"/>
+            <p:cNvSpPr/>
+            <p:nvPr/>
+          </p:nvSpPr>
+          <p:spPr>
+            <a:xfrm>
+              <a:off x="10401652" y="72593"/>
+              <a:ext cx="763351" cy="461665"/>
+            </a:xfrm>
+            <a:prstGeom prst="rect">
+              <a:avLst/>
+            </a:prstGeom>
+            <a:noFill/>
+          </p:spPr>
+          <p:txBody>
+            <a:bodyPr wrap="none" lIns="91440" tIns="45720" rIns="91440" bIns="45720">
+              <a:spAutoFit/>
+            </a:bodyPr>
+            <a:lstStyle/>
+            <a:p>
+              <a:pPr algn="ctr"/>
+              <a:r>
+                <a:rPr lang="en-GB" altLang="zh-CN" sz="2400" b="1" cap="none" spc="0" dirty="0" smtClean="0">
+                  <a:ln w="12700">
+                    <a:solidFill>
+                      <a:schemeClr val="tx2">
+                        <a:lumMod val="75000"/>
+                      </a:schemeClr>
+                    </a:solidFill>
+                    <a:prstDash val="solid"/>
+                  </a:ln>
+                  <a:pattFill prst="dkUpDiag">
+                    <a:fgClr>
+                      <a:schemeClr val="tx2"/>
+                    </a:fgClr>
+                    <a:bgClr>
+                      <a:schemeClr val="tx2">
+                        <a:lumMod val="20000"/>
+                        <a:lumOff val="80000"/>
+                      </a:schemeClr>
+                    </a:bgClr>
+                  </a:pattFill>
+                  <a:effectLst>
+                    <a:outerShdw dist="38100" dir="2640000" algn="bl" rotWithShape="0">
+                      <a:schemeClr val="tx2">
+                        <a:lumMod val="75000"/>
+                      </a:schemeClr>
+                    </a:outerShdw>
+                  </a:effectLst>
+                  <a:latin typeface="Segoe UI Black" panose="020B0A02040204020203" pitchFamily="34" charset="0"/>
+                  <a:ea typeface="Segoe UI Black" panose="020B0A02040204020203" pitchFamily="34" charset="0"/>
+                  <a:cs typeface="Segoe UI Black" panose="020B0A02040204020203" pitchFamily="34" charset="0"/>
+                </a:rPr>
+                <a:t>SQL</a:t>
+              </a:r>
+            </a:p>
+          </p:txBody>
+        </p:sp>
+        <p:sp>
+          <p:nvSpPr>
+            <p:cNvPr id="7" name="矩形 6"/>
+            <p:cNvSpPr/>
+            <p:nvPr/>
+          </p:nvSpPr>
+          <p:spPr>
+            <a:xfrm>
+              <a:off x="10439901" y="221045"/>
+              <a:ext cx="670376" cy="923330"/>
+            </a:xfrm>
+            <a:prstGeom prst="rect">
+              <a:avLst/>
+            </a:prstGeom>
+          </p:spPr>
+          <p:txBody>
+            <a:bodyPr wrap="none">
+              <a:spAutoFit/>
+            </a:bodyPr>
+            <a:lstStyle/>
+            <a:p>
+              <a:pPr algn="ctr"/>
+              <a:r>
+                <a:rPr lang="en-GB" altLang="zh-CN" sz="5400" dirty="0">
+                  <a:ln w="12700">
+                    <a:solidFill>
+                      <a:schemeClr val="tx2">
+                        <a:lumMod val="75000"/>
+                      </a:schemeClr>
+                    </a:solidFill>
+                    <a:prstDash val="solid"/>
+                  </a:ln>
+                  <a:pattFill prst="dkUpDiag">
+                    <a:fgClr>
+                      <a:schemeClr val="tx2"/>
+                    </a:fgClr>
+                    <a:bgClr>
+                      <a:schemeClr val="tx2">
+                        <a:lumMod val="20000"/>
+                        <a:lumOff val="80000"/>
+                      </a:schemeClr>
+                    </a:bgClr>
+                  </a:pattFill>
+                  <a:effectLst>
+                    <a:outerShdw dist="38100" dir="2640000" algn="bl" rotWithShape="0">
+                      <a:schemeClr val="tx2">
+                        <a:lumMod val="75000"/>
+                      </a:schemeClr>
+                    </a:outerShdw>
+                  </a:effectLst>
+                  <a:latin typeface="Segoe UI Black" panose="020B0A02040204020203" pitchFamily="34" charset="0"/>
+                  <a:ea typeface="Segoe UI Black" panose="020B0A02040204020203" pitchFamily="34" charset="0"/>
+                  <a:cs typeface="Segoe UI Black" panose="020B0A02040204020203" pitchFamily="34" charset="0"/>
+                </a:rPr>
+                <a:t>X</a:t>
+              </a:r>
+              <a:endParaRPr lang="zh-CN" altLang="en-US" sz="5400" dirty="0">
+                <a:ln w="12700">
+                  <a:solidFill>
+                    <a:schemeClr val="tx2">
+                      <a:lumMod val="75000"/>
+                    </a:schemeClr>
+                  </a:solidFill>
+                  <a:prstDash val="solid"/>
+                </a:ln>
+                <a:pattFill prst="dkUpDiag">
+                  <a:fgClr>
+                    <a:schemeClr val="tx2"/>
+                  </a:fgClr>
+                  <a:bgClr>
+                    <a:schemeClr val="tx2">
+                      <a:lumMod val="20000"/>
+                      <a:lumOff val="80000"/>
+                    </a:schemeClr>
+                  </a:bgClr>
+                </a:pattFill>
+                <a:effectLst>
+                  <a:outerShdw dist="38100" dir="2640000" algn="bl" rotWithShape="0">
+                    <a:schemeClr val="tx2">
+                      <a:lumMod val="75000"/>
+                    </a:schemeClr>
+                  </a:outerShdw>
+                </a:effectLst>
+                <a:latin typeface="Segoe UI Black" panose="020B0A02040204020203" pitchFamily="34" charset="0"/>
+                <a:ea typeface="华文行楷" panose="02010800040101010101" pitchFamily="2" charset="-122"/>
+                <a:cs typeface="Segoe UI Black" panose="020B0A02040204020203" pitchFamily="34" charset="0"/>
+              </a:endParaRPr>
+            </a:p>
+          </p:txBody>
+        </p:sp>
+      </p:grpSp>
+    </p:spTree>
+    <p:extLst>
+      <p:ext uri="{BB962C8B-B14F-4D97-AF65-F5344CB8AC3E}">
+        <p14:creationId xmlns:p14="http://schemas.microsoft.com/office/powerpoint/2010/main" val="1047352938"/>
+      </p:ext>
+    </p:extLst>
+  </p:cSld>
+  <p:clrMapOvr>
+    <a:masterClrMapping/>
+  </p:clrMapOvr>
+  <p:timing>
+    <p:tnLst>
+      <p:par>
+        <p:cTn id="1" dur="indefinite" restart="never" nodeType="tmRoot"/>
+      </p:par>
+    </p:tnLst>
+  </p:timing>
 </p:sld>
 </file>
 

--- a/doc/XSQL技术交流.pptx
+++ b/doc/XSQL技术交流.pptx
@@ -5,7 +5,7 @@
     <p:sldMasterId id="2147483648" r:id="rId1"/>
   </p:sldMasterIdLst>
   <p:notesMasterIdLst>
-    <p:notesMasterId r:id="rId33"/>
+    <p:notesMasterId r:id="rId43"/>
   </p:notesMasterIdLst>
   <p:sldIdLst>
     <p:sldId id="256" r:id="rId2"/>
@@ -39,6 +39,16 @@
     <p:sldId id="273" r:id="rId30"/>
     <p:sldId id="290" r:id="rId31"/>
     <p:sldId id="291" r:id="rId32"/>
+    <p:sldId id="292" r:id="rId33"/>
+    <p:sldId id="296" r:id="rId34"/>
+    <p:sldId id="295" r:id="rId35"/>
+    <p:sldId id="293" r:id="rId36"/>
+    <p:sldId id="297" r:id="rId37"/>
+    <p:sldId id="298" r:id="rId38"/>
+    <p:sldId id="294" r:id="rId39"/>
+    <p:sldId id="299" r:id="rId40"/>
+    <p:sldId id="300" r:id="rId41"/>
+    <p:sldId id="301" r:id="rId42"/>
   </p:sldIdLst>
   <p:sldSz cx="12192000" cy="6858000"/>
   <p:notesSz cx="6858000" cy="9144000"/>
@@ -138,6 +148,67 @@
     </a:lvl9pPr>
   </p:defaultTextStyle>
   <p:extLst>
+    <p:ext uri="{521415D9-36F7-43E2-AB2F-B90AF26B5E84}">
+      <p14:sectionLst xmlns:p14="http://schemas.microsoft.com/office/powerpoint/2010/main">
+        <p14:section name="默认节" id="{970FDAFF-803D-4DB0-842F-14DDEEAC631E}">
+          <p14:sldIdLst>
+            <p14:sldId id="256"/>
+            <p14:sldId id="259"/>
+            <p14:sldId id="266"/>
+            <p14:sldId id="260"/>
+            <p14:sldId id="261"/>
+            <p14:sldId id="262"/>
+            <p14:sldId id="263"/>
+          </p14:sldIdLst>
+        </p14:section>
+        <p14:section name="XSQL语句主体Content" id="{2BF7FF34-4FD8-41D9-9901-E57A31726F9D}">
+          <p14:sldIdLst>
+            <p14:sldId id="264"/>
+            <p14:sldId id="271"/>
+            <p14:sldId id="265"/>
+            <p14:sldId id="267"/>
+            <p14:sldId id="269"/>
+            <p14:sldId id="270"/>
+            <p14:sldId id="272"/>
+          </p14:sldIdLst>
+        </p14:section>
+        <p14:section name="XSQL执行处理Result" id="{98700779-878D-4D81-80E5-5AE1A29F088D}">
+          <p14:sldIdLst>
+            <p14:sldId id="276"/>
+            <p14:sldId id="274"/>
+            <p14:sldId id="275"/>
+            <p14:sldId id="278"/>
+            <p14:sldId id="283"/>
+            <p14:sldId id="285"/>
+            <p14:sldId id="282"/>
+            <p14:sldId id="289"/>
+            <p14:sldId id="277"/>
+            <p14:sldId id="288"/>
+            <p14:sldId id="286"/>
+            <p14:sldId id="280"/>
+            <p14:sldId id="287"/>
+            <p14:sldId id="281"/>
+          </p14:sldIdLst>
+        </p14:section>
+        <p14:section name="XSQL高级功能" id="{711DB89E-EFC4-4B0B-8B06-86943C7386DD}">
+          <p14:sldIdLst>
+            <p14:sldId id="273"/>
+            <p14:sldId id="290"/>
+            <p14:sldId id="291"/>
+            <p14:sldId id="292"/>
+            <p14:sldId id="296"/>
+            <p14:sldId id="295"/>
+            <p14:sldId id="293"/>
+            <p14:sldId id="297"/>
+            <p14:sldId id="298"/>
+            <p14:sldId id="294"/>
+            <p14:sldId id="299"/>
+            <p14:sldId id="300"/>
+            <p14:sldId id="301"/>
+          </p14:sldIdLst>
+        </p14:section>
+      </p14:sectionLst>
+    </p:ext>
     <p:ext uri="{EFAFB233-063F-42B5-8137-9DF3F51BA10A}">
       <p15:sldGuideLst xmlns:p15="http://schemas.microsoft.com/office/powerpoint/2012/main"/>
     </p:ext>
@@ -15254,7 +15325,7 @@
           <a:lstStyle/>
           <a:p>
             <a:r>
-              <a:rPr lang="en-GB" altLang="zh-CN" dirty="0">
+              <a:rPr lang="en-GB" altLang="zh-CN" dirty="0" smtClean="0">
                 <a:latin typeface="+mn-ea"/>
               </a:rPr>
               <a:t>Result </a:t>
@@ -15918,7 +15989,7 @@
           <a:lstStyle/>
           <a:p>
             <a:r>
-              <a:rPr lang="en-GB" altLang="zh-CN" dirty="0">
+              <a:rPr lang="en-GB" altLang="zh-CN" dirty="0" smtClean="0">
                 <a:latin typeface="+mn-ea"/>
               </a:rPr>
               <a:t>Result </a:t>
@@ -16495,7 +16566,13 @@
               <a:rPr lang="zh-CN" altLang="en-US" dirty="0" smtClean="0">
                 <a:latin typeface="+mn-ea"/>
               </a:rPr>
-              <a:t>高阶举例</a:t>
+              <a:t>高</a:t>
+            </a:r>
+            <a:r>
+              <a:rPr lang="zh-CN" altLang="en-US" dirty="0" smtClean="0">
+                <a:latin typeface="+mn-ea"/>
+              </a:rPr>
+              <a:t>阶举例</a:t>
             </a:r>
             <a:r>
               <a:rPr lang="en-GB" altLang="zh-CN" dirty="0" smtClean="0">
@@ -17206,7 +17283,13 @@
               <a:rPr lang="zh-CN" altLang="en-US" dirty="0">
                 <a:latin typeface="+mn-ea"/>
               </a:rPr>
-              <a:t>高阶举例</a:t>
+              <a:t>高</a:t>
+            </a:r>
+            <a:r>
+              <a:rPr lang="zh-CN" altLang="en-US" dirty="0" smtClean="0">
+                <a:latin typeface="+mn-ea"/>
+              </a:rPr>
+              <a:t>阶举例</a:t>
             </a:r>
             <a:r>
               <a:rPr lang="en-GB" altLang="zh-CN" dirty="0">
@@ -18222,7 +18305,7 @@
               <a:t>高</a:t>
             </a:r>
             <a:r>
-              <a:rPr lang="zh-CN" altLang="en-US" dirty="0">
+              <a:rPr lang="zh-CN" altLang="en-US" dirty="0" smtClean="0">
                 <a:latin typeface="+mn-ea"/>
               </a:rPr>
               <a:t>阶举例</a:t>
@@ -19089,7 +19172,13 @@
               <a:rPr lang="zh-CN" altLang="en-US" dirty="0">
                 <a:latin typeface="+mn-ea"/>
               </a:rPr>
-              <a:t>高阶举例</a:t>
+              <a:t>高</a:t>
+            </a:r>
+            <a:r>
+              <a:rPr lang="zh-CN" altLang="en-US" dirty="0" smtClean="0">
+                <a:latin typeface="+mn-ea"/>
+              </a:rPr>
+              <a:t>阶举例</a:t>
             </a:r>
             <a:r>
               <a:rPr lang="en-GB" altLang="zh-CN" dirty="0" smtClean="0">
@@ -20205,7 +20294,13 @@
               <a:rPr lang="zh-CN" altLang="en-US" dirty="0">
                 <a:latin typeface="+mn-ea"/>
               </a:rPr>
-              <a:t>高阶举例</a:t>
+              <a:t>高</a:t>
+            </a:r>
+            <a:r>
+              <a:rPr lang="zh-CN" altLang="en-US" dirty="0" smtClean="0">
+                <a:latin typeface="+mn-ea"/>
+              </a:rPr>
+              <a:t>阶举例</a:t>
             </a:r>
             <a:r>
               <a:rPr lang="en-GB" altLang="zh-CN" dirty="0" smtClean="0">
@@ -21255,7 +21350,13 @@
               <a:rPr lang="zh-CN" altLang="en-US" dirty="0">
                 <a:latin typeface="+mn-ea"/>
               </a:rPr>
-              <a:t>高阶举例</a:t>
+              <a:t>高</a:t>
+            </a:r>
+            <a:r>
+              <a:rPr lang="zh-CN" altLang="en-US" dirty="0" smtClean="0">
+                <a:latin typeface="+mn-ea"/>
+              </a:rPr>
+              <a:t>阶举例</a:t>
             </a:r>
             <a:r>
               <a:rPr lang="en-GB" altLang="zh-CN" dirty="0" smtClean="0">
@@ -21863,8 +21964,13 @@
                   <a:schemeClr val="accent1"/>
                 </a:solidFill>
               </a:rPr>
-              <a:t>的元素</a:t>
-            </a:r>
+              <a:t>的高级元素</a:t>
+            </a:r>
+            <a:endParaRPr lang="zh-CN" altLang="en-US" sz="2000" cap="all" dirty="0">
+              <a:solidFill>
+                <a:schemeClr val="accent1"/>
+              </a:solidFill>
+            </a:endParaRPr>
           </a:p>
         </p:txBody>
       </p:sp>
@@ -23656,22 +23762,22 @@
           <a:lstStyle/>
           <a:p>
             <a:r>
-              <a:rPr lang="en-GB" altLang="zh-CN" sz="4000" dirty="0"/>
+              <a:rPr lang="en-GB" altLang="zh-CN" sz="4400" dirty="0"/>
               <a:t>Create – </a:t>
             </a:r>
             <a:r>
-              <a:rPr lang="zh-CN" altLang="en-US" sz="4000" dirty="0" smtClean="0"/>
+              <a:rPr lang="zh-CN" altLang="en-US" sz="4400" dirty="0" smtClean="0"/>
               <a:t>举例</a:t>
             </a:r>
             <a:r>
-              <a:rPr lang="en-GB" altLang="zh-CN" sz="4000" dirty="0" smtClean="0"/>
+              <a:rPr lang="en-GB" altLang="zh-CN" sz="4400" dirty="0"/>
               <a:t/>
             </a:r>
             <a:br>
-              <a:rPr lang="en-GB" altLang="zh-CN" sz="4000" dirty="0" smtClean="0"/>
+              <a:rPr lang="en-GB" altLang="zh-CN" sz="4400" dirty="0"/>
             </a:br>
             <a:r>
-              <a:rPr lang="en-US" altLang="zh-CN" sz="1800" cap="all" dirty="0" smtClean="0">
+              <a:rPr lang="en-US" altLang="zh-CN" sz="2000" cap="all" dirty="0">
                 <a:solidFill>
                   <a:schemeClr val="accent1"/>
                 </a:solidFill>
@@ -23679,14 +23785,13 @@
               <a:t>XSQL</a:t>
             </a:r>
             <a:r>
-              <a:rPr lang="zh-CN" altLang="en-US" sz="1800" cap="all" dirty="0">
+              <a:rPr lang="zh-CN" altLang="en-US" sz="2000" cap="all" dirty="0">
                 <a:solidFill>
                   <a:schemeClr val="accent1"/>
                 </a:solidFill>
               </a:rPr>
-              <a:t>的元素</a:t>
-            </a:r>
-            <a:endParaRPr lang="zh-CN" altLang="en-US" dirty="0"/>
+              <a:t>的高级元素</a:t>
+            </a:r>
           </a:p>
         </p:txBody>
       </p:sp>
@@ -24274,7 +24379,7 @@
               <a:t>XSQL</a:t>
             </a:r>
             <a:r>
-              <a:rPr lang="zh-CN" altLang="en-US" sz="2000" cap="all" smtClean="0">
+              <a:rPr lang="zh-CN" altLang="en-US" sz="2000" cap="all" dirty="0" smtClean="0">
                 <a:solidFill>
                   <a:schemeClr val="accent1"/>
                 </a:solidFill>
@@ -24492,6 +24597,4602 @@
 </p:sld>
 </file>
 
+<file path=ppt/slides/slide32.xml><?xml version="1.0" encoding="utf-8"?>
+<p:sld xmlns:a="http://schemas.openxmlformats.org/drawingml/2006/main" xmlns:r="http://schemas.openxmlformats.org/officeDocument/2006/relationships" xmlns:p="http://schemas.openxmlformats.org/presentationml/2006/main">
+  <p:cSld>
+    <p:spTree>
+      <p:nvGrpSpPr>
+        <p:cNvPr id="1" name=""/>
+        <p:cNvGrpSpPr/>
+        <p:nvPr/>
+      </p:nvGrpSpPr>
+      <p:grpSpPr>
+        <a:xfrm>
+          <a:off x="0" y="0"/>
+          <a:ext cx="0" cy="0"/>
+          <a:chOff x="0" y="0"/>
+          <a:chExt cx="0" cy="0"/>
+        </a:xfrm>
+      </p:grpSpPr>
+      <p:sp>
+        <p:nvSpPr>
+          <p:cNvPr id="2" name="标题 1"/>
+          <p:cNvSpPr>
+            <a:spLocks noGrp="1"/>
+          </p:cNvSpPr>
+          <p:nvPr>
+            <p:ph type="title"/>
+          </p:nvPr>
+        </p:nvSpPr>
+        <p:spPr/>
+        <p:txBody>
+          <a:bodyPr/>
+          <a:lstStyle/>
+          <a:p>
+            <a:r>
+              <a:rPr lang="en-GB" altLang="zh-CN" sz="4400" dirty="0" smtClean="0"/>
+              <a:t>Trigger </a:t>
+            </a:r>
+            <a:r>
+              <a:rPr lang="zh-CN" altLang="en-US" sz="4400" dirty="0" smtClean="0"/>
+              <a:t>应用级触发器</a:t>
+            </a:r>
+            <a:r>
+              <a:rPr lang="en-GB" altLang="zh-CN" sz="4400" dirty="0"/>
+              <a:t/>
+            </a:r>
+            <a:br>
+              <a:rPr lang="en-GB" altLang="zh-CN" sz="4400" dirty="0"/>
+            </a:br>
+            <a:r>
+              <a:rPr lang="en-US" altLang="zh-CN" sz="2000" cap="all" dirty="0">
+                <a:solidFill>
+                  <a:schemeClr val="accent1"/>
+                </a:solidFill>
+              </a:rPr>
+              <a:t>XSQL</a:t>
+            </a:r>
+            <a:r>
+              <a:rPr lang="zh-CN" altLang="en-US" sz="2000" cap="all" dirty="0" smtClean="0">
+                <a:solidFill>
+                  <a:schemeClr val="accent1"/>
+                </a:solidFill>
+              </a:rPr>
+              <a:t>的高级元素</a:t>
+            </a:r>
+            <a:endParaRPr lang="zh-CN" altLang="en-US" dirty="0"/>
+          </a:p>
+        </p:txBody>
+      </p:sp>
+      <p:grpSp>
+        <p:nvGrpSpPr>
+          <p:cNvPr id="5" name="组合 4"/>
+          <p:cNvGrpSpPr/>
+          <p:nvPr/>
+        </p:nvGrpSpPr>
+        <p:grpSpPr>
+          <a:xfrm>
+            <a:off x="10401652" y="72593"/>
+            <a:ext cx="763351" cy="1071782"/>
+            <a:chOff x="10401652" y="72593"/>
+            <a:chExt cx="763351" cy="1071782"/>
+          </a:xfrm>
+        </p:grpSpPr>
+        <p:sp>
+          <p:nvSpPr>
+            <p:cNvPr id="6" name="矩形 5"/>
+            <p:cNvSpPr/>
+            <p:nvPr/>
+          </p:nvSpPr>
+          <p:spPr>
+            <a:xfrm>
+              <a:off x="10401652" y="72593"/>
+              <a:ext cx="763351" cy="461665"/>
+            </a:xfrm>
+            <a:prstGeom prst="rect">
+              <a:avLst/>
+            </a:prstGeom>
+            <a:noFill/>
+          </p:spPr>
+          <p:txBody>
+            <a:bodyPr wrap="none" lIns="91440" tIns="45720" rIns="91440" bIns="45720">
+              <a:spAutoFit/>
+            </a:bodyPr>
+            <a:lstStyle/>
+            <a:p>
+              <a:pPr algn="ctr"/>
+              <a:r>
+                <a:rPr lang="en-GB" altLang="zh-CN" sz="2400" b="1" cap="none" spc="0" dirty="0" smtClean="0">
+                  <a:ln w="12700">
+                    <a:solidFill>
+                      <a:schemeClr val="tx2">
+                        <a:lumMod val="75000"/>
+                      </a:schemeClr>
+                    </a:solidFill>
+                    <a:prstDash val="solid"/>
+                  </a:ln>
+                  <a:pattFill prst="dkUpDiag">
+                    <a:fgClr>
+                      <a:schemeClr val="tx2"/>
+                    </a:fgClr>
+                    <a:bgClr>
+                      <a:schemeClr val="tx2">
+                        <a:lumMod val="20000"/>
+                        <a:lumOff val="80000"/>
+                      </a:schemeClr>
+                    </a:bgClr>
+                  </a:pattFill>
+                  <a:effectLst>
+                    <a:outerShdw dist="38100" dir="2640000" algn="bl" rotWithShape="0">
+                      <a:schemeClr val="tx2">
+                        <a:lumMod val="75000"/>
+                      </a:schemeClr>
+                    </a:outerShdw>
+                  </a:effectLst>
+                  <a:latin typeface="Segoe UI Black" panose="020B0A02040204020203" pitchFamily="34" charset="0"/>
+                  <a:ea typeface="Segoe UI Black" panose="020B0A02040204020203" pitchFamily="34" charset="0"/>
+                  <a:cs typeface="Segoe UI Black" panose="020B0A02040204020203" pitchFamily="34" charset="0"/>
+                </a:rPr>
+                <a:t>SQL</a:t>
+              </a:r>
+            </a:p>
+          </p:txBody>
+        </p:sp>
+        <p:sp>
+          <p:nvSpPr>
+            <p:cNvPr id="7" name="矩形 6"/>
+            <p:cNvSpPr/>
+            <p:nvPr/>
+          </p:nvSpPr>
+          <p:spPr>
+            <a:xfrm>
+              <a:off x="10439901" y="221045"/>
+              <a:ext cx="670376" cy="923330"/>
+            </a:xfrm>
+            <a:prstGeom prst="rect">
+              <a:avLst/>
+            </a:prstGeom>
+          </p:spPr>
+          <p:txBody>
+            <a:bodyPr wrap="none">
+              <a:spAutoFit/>
+            </a:bodyPr>
+            <a:lstStyle/>
+            <a:p>
+              <a:pPr algn="ctr"/>
+              <a:r>
+                <a:rPr lang="en-GB" altLang="zh-CN" sz="5400" dirty="0">
+                  <a:ln w="12700">
+                    <a:solidFill>
+                      <a:schemeClr val="tx2">
+                        <a:lumMod val="75000"/>
+                      </a:schemeClr>
+                    </a:solidFill>
+                    <a:prstDash val="solid"/>
+                  </a:ln>
+                  <a:pattFill prst="dkUpDiag">
+                    <a:fgClr>
+                      <a:schemeClr val="tx2"/>
+                    </a:fgClr>
+                    <a:bgClr>
+                      <a:schemeClr val="tx2">
+                        <a:lumMod val="20000"/>
+                        <a:lumOff val="80000"/>
+                      </a:schemeClr>
+                    </a:bgClr>
+                  </a:pattFill>
+                  <a:effectLst>
+                    <a:outerShdw dist="38100" dir="2640000" algn="bl" rotWithShape="0">
+                      <a:schemeClr val="tx2">
+                        <a:lumMod val="75000"/>
+                      </a:schemeClr>
+                    </a:outerShdw>
+                  </a:effectLst>
+                  <a:latin typeface="Segoe UI Black" panose="020B0A02040204020203" pitchFamily="34" charset="0"/>
+                  <a:ea typeface="Segoe UI Black" panose="020B0A02040204020203" pitchFamily="34" charset="0"/>
+                  <a:cs typeface="Segoe UI Black" panose="020B0A02040204020203" pitchFamily="34" charset="0"/>
+                </a:rPr>
+                <a:t>X</a:t>
+              </a:r>
+              <a:endParaRPr lang="zh-CN" altLang="en-US" sz="5400" dirty="0">
+                <a:ln w="12700">
+                  <a:solidFill>
+                    <a:schemeClr val="tx2">
+                      <a:lumMod val="75000"/>
+                    </a:schemeClr>
+                  </a:solidFill>
+                  <a:prstDash val="solid"/>
+                </a:ln>
+                <a:pattFill prst="dkUpDiag">
+                  <a:fgClr>
+                    <a:schemeClr val="tx2"/>
+                  </a:fgClr>
+                  <a:bgClr>
+                    <a:schemeClr val="tx2">
+                      <a:lumMod val="20000"/>
+                      <a:lumOff val="80000"/>
+                    </a:schemeClr>
+                  </a:bgClr>
+                </a:pattFill>
+                <a:effectLst>
+                  <a:outerShdw dist="38100" dir="2640000" algn="bl" rotWithShape="0">
+                    <a:schemeClr val="tx2">
+                      <a:lumMod val="75000"/>
+                    </a:schemeClr>
+                  </a:outerShdw>
+                </a:effectLst>
+                <a:latin typeface="Segoe UI Black" panose="020B0A02040204020203" pitchFamily="34" charset="0"/>
+                <a:ea typeface="华文行楷" panose="02010800040101010101" pitchFamily="2" charset="-122"/>
+                <a:cs typeface="Segoe UI Black" panose="020B0A02040204020203" pitchFamily="34" charset="0"/>
+              </a:endParaRPr>
+            </a:p>
+          </p:txBody>
+        </p:sp>
+      </p:grpSp>
+      <p:sp>
+        <p:nvSpPr>
+          <p:cNvPr id="9" name="圆角矩形 8"/>
+          <p:cNvSpPr/>
+          <p:nvPr/>
+        </p:nvSpPr>
+        <p:spPr>
+          <a:xfrm>
+            <a:off x="4772025" y="3532368"/>
+            <a:ext cx="2181225" cy="683741"/>
+          </a:xfrm>
+          <a:prstGeom prst="roundRect">
+            <a:avLst/>
+          </a:prstGeom>
+        </p:spPr>
+        <p:style>
+          <a:lnRef idx="0">
+            <a:schemeClr val="accent4"/>
+          </a:lnRef>
+          <a:fillRef idx="3">
+            <a:schemeClr val="accent4"/>
+          </a:fillRef>
+          <a:effectRef idx="3">
+            <a:schemeClr val="accent4"/>
+          </a:effectRef>
+          <a:fontRef idx="minor">
+            <a:schemeClr val="lt1"/>
+          </a:fontRef>
+        </p:style>
+        <p:txBody>
+          <a:bodyPr rtlCol="0" anchor="ctr"/>
+          <a:lstStyle/>
+          <a:p>
+            <a:pPr algn="ctr"/>
+            <a:r>
+              <a:rPr lang="en-GB" altLang="zh-CN" dirty="0" smtClean="0"/>
+              <a:t>Trigger</a:t>
+            </a:r>
+            <a:endParaRPr lang="en-GB" altLang="zh-CN" dirty="0" smtClean="0"/>
+          </a:p>
+        </p:txBody>
+      </p:sp>
+      <p:sp>
+        <p:nvSpPr>
+          <p:cNvPr id="10" name="六边形 9"/>
+          <p:cNvSpPr/>
+          <p:nvPr/>
+        </p:nvSpPr>
+        <p:spPr>
+          <a:xfrm>
+            <a:off x="5211049" y="2215198"/>
+            <a:ext cx="1303175" cy="700217"/>
+          </a:xfrm>
+          <a:prstGeom prst="hexagon">
+            <a:avLst/>
+          </a:prstGeom>
+        </p:spPr>
+        <p:style>
+          <a:lnRef idx="0">
+            <a:schemeClr val="accent6"/>
+          </a:lnRef>
+          <a:fillRef idx="3">
+            <a:schemeClr val="accent6"/>
+          </a:fillRef>
+          <a:effectRef idx="3">
+            <a:schemeClr val="accent6"/>
+          </a:effectRef>
+          <a:fontRef idx="minor">
+            <a:schemeClr val="lt1"/>
+          </a:fontRef>
+        </p:style>
+        <p:txBody>
+          <a:bodyPr rtlCol="0" anchor="ctr"/>
+          <a:lstStyle/>
+          <a:p>
+            <a:pPr algn="ctr"/>
+            <a:r>
+              <a:rPr lang="en-GB" altLang="zh-CN" sz="1200" dirty="0" err="1"/>
+              <a:t>syncMode</a:t>
+            </a:r>
+            <a:endParaRPr lang="en-GB" altLang="zh-CN" sz="1200" dirty="0"/>
+          </a:p>
+        </p:txBody>
+      </p:sp>
+      <p:sp>
+        <p:nvSpPr>
+          <p:cNvPr id="11" name="六边形 10"/>
+          <p:cNvSpPr/>
+          <p:nvPr/>
+        </p:nvSpPr>
+        <p:spPr>
+          <a:xfrm>
+            <a:off x="3468850" y="4665843"/>
+            <a:ext cx="1303175" cy="700217"/>
+          </a:xfrm>
+          <a:prstGeom prst="hexagon">
+            <a:avLst/>
+          </a:prstGeom>
+        </p:spPr>
+        <p:style>
+          <a:lnRef idx="0">
+            <a:schemeClr val="accent6"/>
+          </a:lnRef>
+          <a:fillRef idx="3">
+            <a:schemeClr val="accent6"/>
+          </a:fillRef>
+          <a:effectRef idx="3">
+            <a:schemeClr val="accent6"/>
+          </a:effectRef>
+          <a:fontRef idx="minor">
+            <a:schemeClr val="lt1"/>
+          </a:fontRef>
+        </p:style>
+        <p:txBody>
+          <a:bodyPr rtlCol="0" anchor="ctr"/>
+          <a:lstStyle/>
+          <a:p>
+            <a:pPr algn="ctr"/>
+            <a:r>
+              <a:rPr lang="en-GB" altLang="zh-CN" sz="1200" dirty="0" err="1"/>
+              <a:t>errorMode</a:t>
+            </a:r>
+            <a:endParaRPr lang="en-GB" altLang="zh-CN" sz="1200" dirty="0"/>
+          </a:p>
+        </p:txBody>
+      </p:sp>
+      <p:sp>
+        <p:nvSpPr>
+          <p:cNvPr id="12" name="六边形 11"/>
+          <p:cNvSpPr/>
+          <p:nvPr/>
+        </p:nvSpPr>
+        <p:spPr>
+          <a:xfrm>
+            <a:off x="6953250" y="4665843"/>
+            <a:ext cx="1303175" cy="700217"/>
+          </a:xfrm>
+          <a:prstGeom prst="hexagon">
+            <a:avLst/>
+          </a:prstGeom>
+        </p:spPr>
+        <p:style>
+          <a:lnRef idx="0">
+            <a:schemeClr val="accent6"/>
+          </a:lnRef>
+          <a:fillRef idx="3">
+            <a:schemeClr val="accent6"/>
+          </a:fillRef>
+          <a:effectRef idx="3">
+            <a:schemeClr val="accent6"/>
+          </a:effectRef>
+          <a:fontRef idx="minor">
+            <a:schemeClr val="lt1"/>
+          </a:fontRef>
+        </p:style>
+        <p:txBody>
+          <a:bodyPr rtlCol="0" anchor="ctr"/>
+          <a:lstStyle/>
+          <a:p>
+            <a:pPr algn="ctr"/>
+            <a:r>
+              <a:rPr lang="en-GB" altLang="zh-CN" sz="1200" dirty="0"/>
+              <a:t>error</a:t>
+            </a:r>
+            <a:endParaRPr lang="en-GB" altLang="zh-CN" sz="1200" dirty="0"/>
+          </a:p>
+        </p:txBody>
+      </p:sp>
+    </p:spTree>
+    <p:extLst>
+      <p:ext uri="{BB962C8B-B14F-4D97-AF65-F5344CB8AC3E}">
+        <p14:creationId xmlns:p14="http://schemas.microsoft.com/office/powerpoint/2010/main" val="1025577078"/>
+      </p:ext>
+    </p:extLst>
+  </p:cSld>
+  <p:clrMapOvr>
+    <a:masterClrMapping/>
+  </p:clrMapOvr>
+  <p:timing>
+    <p:tnLst>
+      <p:par>
+        <p:cTn id="1" dur="indefinite" restart="never" nodeType="tmRoot"/>
+      </p:par>
+    </p:tnLst>
+  </p:timing>
+</p:sld>
+</file>
+
+<file path=ppt/slides/slide33.xml><?xml version="1.0" encoding="utf-8"?>
+<p:sld xmlns:a="http://schemas.openxmlformats.org/drawingml/2006/main" xmlns:r="http://schemas.openxmlformats.org/officeDocument/2006/relationships" xmlns:p="http://schemas.openxmlformats.org/presentationml/2006/main">
+  <p:cSld>
+    <p:spTree>
+      <p:nvGrpSpPr>
+        <p:cNvPr id="1" name=""/>
+        <p:cNvGrpSpPr/>
+        <p:nvPr/>
+      </p:nvGrpSpPr>
+      <p:grpSpPr>
+        <a:xfrm>
+          <a:off x="0" y="0"/>
+          <a:ext cx="0" cy="0"/>
+          <a:chOff x="0" y="0"/>
+          <a:chExt cx="0" cy="0"/>
+        </a:xfrm>
+      </p:grpSpPr>
+      <p:sp>
+        <p:nvSpPr>
+          <p:cNvPr id="2" name="标题 1"/>
+          <p:cNvSpPr>
+            <a:spLocks noGrp="1"/>
+          </p:cNvSpPr>
+          <p:nvPr>
+            <p:ph type="title"/>
+          </p:nvPr>
+        </p:nvSpPr>
+        <p:spPr/>
+        <p:txBody>
+          <a:bodyPr/>
+          <a:lstStyle/>
+          <a:p>
+            <a:r>
+              <a:rPr lang="en-GB" altLang="zh-CN" sz="4400" dirty="0" smtClean="0"/>
+              <a:t>Trigger </a:t>
+            </a:r>
+            <a:r>
+              <a:rPr lang="zh-CN" altLang="en-US" sz="4400" dirty="0" smtClean="0"/>
+              <a:t>应用级触发器</a:t>
+            </a:r>
+            <a:r>
+              <a:rPr lang="en-GB" altLang="zh-CN" sz="4400" dirty="0"/>
+              <a:t/>
+            </a:r>
+            <a:br>
+              <a:rPr lang="en-GB" altLang="zh-CN" sz="4400" dirty="0"/>
+            </a:br>
+            <a:r>
+              <a:rPr lang="en-US" altLang="zh-CN" sz="2000" cap="all" dirty="0">
+                <a:solidFill>
+                  <a:schemeClr val="accent1"/>
+                </a:solidFill>
+              </a:rPr>
+              <a:t>XSQL</a:t>
+            </a:r>
+            <a:r>
+              <a:rPr lang="zh-CN" altLang="en-US" sz="2000" cap="all" dirty="0" smtClean="0">
+                <a:solidFill>
+                  <a:schemeClr val="accent1"/>
+                </a:solidFill>
+              </a:rPr>
+              <a:t>的高级元素</a:t>
+            </a:r>
+            <a:endParaRPr lang="zh-CN" altLang="en-US" dirty="0"/>
+          </a:p>
+        </p:txBody>
+      </p:sp>
+      <p:grpSp>
+        <p:nvGrpSpPr>
+          <p:cNvPr id="5" name="组合 4"/>
+          <p:cNvGrpSpPr/>
+          <p:nvPr/>
+        </p:nvGrpSpPr>
+        <p:grpSpPr>
+          <a:xfrm>
+            <a:off x="10401652" y="72593"/>
+            <a:ext cx="763351" cy="1071782"/>
+            <a:chOff x="10401652" y="72593"/>
+            <a:chExt cx="763351" cy="1071782"/>
+          </a:xfrm>
+        </p:grpSpPr>
+        <p:sp>
+          <p:nvSpPr>
+            <p:cNvPr id="6" name="矩形 5"/>
+            <p:cNvSpPr/>
+            <p:nvPr/>
+          </p:nvSpPr>
+          <p:spPr>
+            <a:xfrm>
+              <a:off x="10401652" y="72593"/>
+              <a:ext cx="763351" cy="461665"/>
+            </a:xfrm>
+            <a:prstGeom prst="rect">
+              <a:avLst/>
+            </a:prstGeom>
+            <a:noFill/>
+          </p:spPr>
+          <p:txBody>
+            <a:bodyPr wrap="none" lIns="91440" tIns="45720" rIns="91440" bIns="45720">
+              <a:spAutoFit/>
+            </a:bodyPr>
+            <a:lstStyle/>
+            <a:p>
+              <a:pPr algn="ctr"/>
+              <a:r>
+                <a:rPr lang="en-GB" altLang="zh-CN" sz="2400" b="1" cap="none" spc="0" dirty="0" smtClean="0">
+                  <a:ln w="12700">
+                    <a:solidFill>
+                      <a:schemeClr val="tx2">
+                        <a:lumMod val="75000"/>
+                      </a:schemeClr>
+                    </a:solidFill>
+                    <a:prstDash val="solid"/>
+                  </a:ln>
+                  <a:pattFill prst="dkUpDiag">
+                    <a:fgClr>
+                      <a:schemeClr val="tx2"/>
+                    </a:fgClr>
+                    <a:bgClr>
+                      <a:schemeClr val="tx2">
+                        <a:lumMod val="20000"/>
+                        <a:lumOff val="80000"/>
+                      </a:schemeClr>
+                    </a:bgClr>
+                  </a:pattFill>
+                  <a:effectLst>
+                    <a:outerShdw dist="38100" dir="2640000" algn="bl" rotWithShape="0">
+                      <a:schemeClr val="tx2">
+                        <a:lumMod val="75000"/>
+                      </a:schemeClr>
+                    </a:outerShdw>
+                  </a:effectLst>
+                  <a:latin typeface="Segoe UI Black" panose="020B0A02040204020203" pitchFamily="34" charset="0"/>
+                  <a:ea typeface="Segoe UI Black" panose="020B0A02040204020203" pitchFamily="34" charset="0"/>
+                  <a:cs typeface="Segoe UI Black" panose="020B0A02040204020203" pitchFamily="34" charset="0"/>
+                </a:rPr>
+                <a:t>SQL</a:t>
+              </a:r>
+            </a:p>
+          </p:txBody>
+        </p:sp>
+        <p:sp>
+          <p:nvSpPr>
+            <p:cNvPr id="7" name="矩形 6"/>
+            <p:cNvSpPr/>
+            <p:nvPr/>
+          </p:nvSpPr>
+          <p:spPr>
+            <a:xfrm>
+              <a:off x="10439901" y="221045"/>
+              <a:ext cx="670376" cy="923330"/>
+            </a:xfrm>
+            <a:prstGeom prst="rect">
+              <a:avLst/>
+            </a:prstGeom>
+          </p:spPr>
+          <p:txBody>
+            <a:bodyPr wrap="none">
+              <a:spAutoFit/>
+            </a:bodyPr>
+            <a:lstStyle/>
+            <a:p>
+              <a:pPr algn="ctr"/>
+              <a:r>
+                <a:rPr lang="en-GB" altLang="zh-CN" sz="5400" dirty="0">
+                  <a:ln w="12700">
+                    <a:solidFill>
+                      <a:schemeClr val="tx2">
+                        <a:lumMod val="75000"/>
+                      </a:schemeClr>
+                    </a:solidFill>
+                    <a:prstDash val="solid"/>
+                  </a:ln>
+                  <a:pattFill prst="dkUpDiag">
+                    <a:fgClr>
+                      <a:schemeClr val="tx2"/>
+                    </a:fgClr>
+                    <a:bgClr>
+                      <a:schemeClr val="tx2">
+                        <a:lumMod val="20000"/>
+                        <a:lumOff val="80000"/>
+                      </a:schemeClr>
+                    </a:bgClr>
+                  </a:pattFill>
+                  <a:effectLst>
+                    <a:outerShdw dist="38100" dir="2640000" algn="bl" rotWithShape="0">
+                      <a:schemeClr val="tx2">
+                        <a:lumMod val="75000"/>
+                      </a:schemeClr>
+                    </a:outerShdw>
+                  </a:effectLst>
+                  <a:latin typeface="Segoe UI Black" panose="020B0A02040204020203" pitchFamily="34" charset="0"/>
+                  <a:ea typeface="Segoe UI Black" panose="020B0A02040204020203" pitchFamily="34" charset="0"/>
+                  <a:cs typeface="Segoe UI Black" panose="020B0A02040204020203" pitchFamily="34" charset="0"/>
+                </a:rPr>
+                <a:t>X</a:t>
+              </a:r>
+              <a:endParaRPr lang="zh-CN" altLang="en-US" sz="5400" dirty="0">
+                <a:ln w="12700">
+                  <a:solidFill>
+                    <a:schemeClr val="tx2">
+                      <a:lumMod val="75000"/>
+                    </a:schemeClr>
+                  </a:solidFill>
+                  <a:prstDash val="solid"/>
+                </a:ln>
+                <a:pattFill prst="dkUpDiag">
+                  <a:fgClr>
+                    <a:schemeClr val="tx2"/>
+                  </a:fgClr>
+                  <a:bgClr>
+                    <a:schemeClr val="tx2">
+                      <a:lumMod val="20000"/>
+                      <a:lumOff val="80000"/>
+                    </a:schemeClr>
+                  </a:bgClr>
+                </a:pattFill>
+                <a:effectLst>
+                  <a:outerShdw dist="38100" dir="2640000" algn="bl" rotWithShape="0">
+                    <a:schemeClr val="tx2">
+                      <a:lumMod val="75000"/>
+                    </a:schemeClr>
+                  </a:outerShdw>
+                </a:effectLst>
+                <a:latin typeface="Segoe UI Black" panose="020B0A02040204020203" pitchFamily="34" charset="0"/>
+                <a:ea typeface="华文行楷" panose="02010800040101010101" pitchFamily="2" charset="-122"/>
+                <a:cs typeface="Segoe UI Black" panose="020B0A02040204020203" pitchFamily="34" charset="0"/>
+              </a:endParaRPr>
+            </a:p>
+          </p:txBody>
+        </p:sp>
+      </p:grpSp>
+      <p:sp>
+        <p:nvSpPr>
+          <p:cNvPr id="8" name="内容占位符 2"/>
+          <p:cNvSpPr>
+            <a:spLocks noGrp="1"/>
+          </p:cNvSpPr>
+          <p:nvPr>
+            <p:ph idx="1"/>
+          </p:nvPr>
+        </p:nvSpPr>
+        <p:spPr>
+          <a:xfrm>
+            <a:off x="1103312" y="2052918"/>
+            <a:ext cx="9298340" cy="4195481"/>
+          </a:xfrm>
+        </p:spPr>
+        <p:txBody>
+          <a:bodyPr>
+            <a:normAutofit lnSpcReduction="10000"/>
+          </a:bodyPr>
+          <a:lstStyle/>
+          <a:p>
+            <a:pPr marL="0" indent="0">
+              <a:buNone/>
+            </a:pPr>
+            <a:r>
+              <a:rPr lang="zh-CN" altLang="zh-CN" dirty="0" smtClean="0"/>
+              <a:t>它</a:t>
+            </a:r>
+            <a:r>
+              <a:rPr lang="zh-CN" altLang="en-US" dirty="0" smtClean="0"/>
+              <a:t>不是在</a:t>
+            </a:r>
+            <a:r>
+              <a:rPr lang="zh-CN" altLang="zh-CN" dirty="0" smtClean="0"/>
+              <a:t>数据库</a:t>
+            </a:r>
+            <a:r>
+              <a:rPr lang="zh-CN" altLang="en-US" dirty="0" smtClean="0"/>
+              <a:t>中</a:t>
+            </a:r>
+            <a:r>
+              <a:rPr lang="zh-CN" altLang="zh-CN" dirty="0" smtClean="0"/>
+              <a:t>创建</a:t>
+            </a:r>
+            <a:r>
+              <a:rPr lang="zh-CN" altLang="zh-CN" dirty="0"/>
+              <a:t>的触发器，而是在应用层面创建的触发器</a:t>
+            </a:r>
+            <a:r>
+              <a:rPr lang="zh-CN" altLang="zh-CN" dirty="0" smtClean="0"/>
+              <a:t>。</a:t>
+            </a:r>
+            <a:endParaRPr lang="en-US" altLang="zh-CN" dirty="0" smtClean="0"/>
+          </a:p>
+          <a:p>
+            <a:pPr marL="0" indent="0">
+              <a:buNone/>
+            </a:pPr>
+            <a:endParaRPr lang="en-US" altLang="zh-CN" dirty="0"/>
+          </a:p>
+          <a:p>
+            <a:pPr marL="0" indent="0">
+              <a:buNone/>
+            </a:pPr>
+            <a:r>
+              <a:rPr lang="zh-CN" altLang="en-US" b="1" dirty="0" smtClean="0"/>
+              <a:t>区别：</a:t>
+            </a:r>
+            <a:endParaRPr lang="en-US" altLang="zh-CN" b="1" dirty="0" smtClean="0"/>
+          </a:p>
+          <a:p>
+            <a:pPr marL="0" indent="0">
+              <a:buNone/>
+            </a:pPr>
+            <a:r>
+              <a:rPr lang="en-GB" altLang="zh-CN" dirty="0" smtClean="0"/>
+              <a:t>	1. </a:t>
+            </a:r>
+            <a:r>
+              <a:rPr lang="zh-CN" altLang="zh-CN" dirty="0" smtClean="0"/>
+              <a:t>数据库</a:t>
+            </a:r>
+            <a:r>
+              <a:rPr lang="zh-CN" altLang="zh-CN" dirty="0"/>
+              <a:t>触发器创建后，将对所有应用程序均生效</a:t>
+            </a:r>
+            <a:r>
+              <a:rPr lang="zh-CN" altLang="zh-CN" dirty="0" smtClean="0"/>
+              <a:t>，</a:t>
+            </a:r>
+            <a:endParaRPr lang="en-GB" altLang="zh-CN" dirty="0" smtClean="0"/>
+          </a:p>
+          <a:p>
+            <a:pPr marL="0" indent="0">
+              <a:buNone/>
+            </a:pPr>
+            <a:r>
+              <a:rPr lang="en-GB" altLang="zh-CN" dirty="0" smtClean="0"/>
+              <a:t>	    &lt;Trigger&gt;</a:t>
+            </a:r>
+            <a:r>
+              <a:rPr lang="zh-CN" altLang="zh-CN" dirty="0" smtClean="0"/>
+              <a:t>只</a:t>
+            </a:r>
+            <a:r>
+              <a:rPr lang="zh-CN" altLang="zh-CN" dirty="0"/>
+              <a:t>对某个具体应用生效，专属于应用程序的</a:t>
+            </a:r>
+            <a:r>
+              <a:rPr lang="zh-CN" altLang="zh-CN" dirty="0" smtClean="0"/>
+              <a:t>。</a:t>
+            </a:r>
+            <a:endParaRPr lang="en-GB" altLang="zh-CN" dirty="0" smtClean="0"/>
+          </a:p>
+          <a:p>
+            <a:pPr marL="0" indent="0">
+              <a:buNone/>
+            </a:pPr>
+            <a:r>
+              <a:rPr lang="en-GB" altLang="zh-CN" dirty="0" smtClean="0"/>
+              <a:t>       2. </a:t>
+            </a:r>
+            <a:r>
+              <a:rPr lang="zh-CN" altLang="zh-CN" dirty="0" smtClean="0"/>
+              <a:t>对</a:t>
+            </a:r>
+            <a:r>
+              <a:rPr lang="en-GB" altLang="zh-CN" dirty="0"/>
+              <a:t>Insert</a:t>
+            </a:r>
+            <a:r>
+              <a:rPr lang="zh-CN" altLang="zh-CN" dirty="0"/>
+              <a:t>、</a:t>
+            </a:r>
+            <a:r>
+              <a:rPr lang="en-GB" altLang="zh-CN" dirty="0"/>
+              <a:t>Update</a:t>
+            </a:r>
+            <a:r>
+              <a:rPr lang="zh-CN" altLang="zh-CN" dirty="0"/>
+              <a:t>、</a:t>
+            </a:r>
+            <a:r>
+              <a:rPr lang="en-GB" altLang="zh-CN" dirty="0"/>
+              <a:t>Delete</a:t>
+            </a:r>
+            <a:r>
+              <a:rPr lang="zh-CN" altLang="zh-CN" dirty="0"/>
+              <a:t>语句有效外，还对</a:t>
+            </a:r>
+            <a:r>
+              <a:rPr lang="en-GB" altLang="zh-CN" dirty="0"/>
+              <a:t> SELECT</a:t>
+            </a:r>
+            <a:r>
+              <a:rPr lang="zh-CN" altLang="zh-CN" dirty="0"/>
+              <a:t>语句、存储过程</a:t>
+            </a:r>
+            <a:r>
+              <a:rPr lang="zh-CN" altLang="zh-CN" dirty="0" smtClean="0"/>
+              <a:t>、</a:t>
+            </a:r>
+            <a:endParaRPr lang="en-GB" altLang="zh-CN" dirty="0" smtClean="0"/>
+          </a:p>
+          <a:p>
+            <a:pPr marL="0" indent="0">
+              <a:buNone/>
+            </a:pPr>
+            <a:r>
+              <a:rPr lang="en-GB" altLang="zh-CN" dirty="0"/>
+              <a:t> </a:t>
+            </a:r>
+            <a:r>
+              <a:rPr lang="en-GB" altLang="zh-CN" dirty="0" smtClean="0"/>
+              <a:t>          </a:t>
+            </a:r>
+            <a:r>
+              <a:rPr lang="zh-CN" altLang="zh-CN" dirty="0" smtClean="0"/>
+              <a:t>函数</a:t>
+            </a:r>
+            <a:r>
+              <a:rPr lang="zh-CN" altLang="zh-CN" dirty="0"/>
+              <a:t>及其它</a:t>
+            </a:r>
+            <a:r>
+              <a:rPr lang="en-GB" altLang="zh-CN" dirty="0"/>
+              <a:t>DDL</a:t>
+            </a:r>
+            <a:r>
+              <a:rPr lang="zh-CN" altLang="zh-CN" dirty="0"/>
+              <a:t>、</a:t>
+            </a:r>
+            <a:r>
+              <a:rPr lang="en-GB" altLang="zh-CN" dirty="0"/>
+              <a:t>DML</a:t>
+            </a:r>
+            <a:r>
+              <a:rPr lang="zh-CN" altLang="zh-CN" dirty="0"/>
+              <a:t>、</a:t>
+            </a:r>
+            <a:r>
+              <a:rPr lang="en-GB" altLang="zh-CN" dirty="0"/>
+              <a:t>DCL</a:t>
+            </a:r>
+            <a:r>
+              <a:rPr lang="zh-CN" altLang="zh-CN" dirty="0"/>
+              <a:t>、</a:t>
+            </a:r>
+            <a:r>
+              <a:rPr lang="en-GB" altLang="zh-CN" dirty="0"/>
+              <a:t>TCL</a:t>
+            </a:r>
+            <a:r>
+              <a:rPr lang="zh-CN" altLang="zh-CN" dirty="0"/>
+              <a:t>均生效，均可触发。</a:t>
+            </a:r>
+            <a:endParaRPr lang="en-GB" altLang="zh-CN" dirty="0" smtClean="0"/>
+          </a:p>
+          <a:p>
+            <a:pPr marL="0" indent="0">
+              <a:buNone/>
+            </a:pPr>
+            <a:endParaRPr lang="en-GB" altLang="zh-CN" dirty="0" smtClean="0"/>
+          </a:p>
+          <a:p>
+            <a:pPr marL="0" indent="0">
+              <a:buNone/>
+            </a:pPr>
+            <a:r>
+              <a:rPr lang="zh-CN" altLang="en-US" b="1" dirty="0" smtClean="0"/>
+              <a:t>执行参数：</a:t>
+            </a:r>
+            <a:endParaRPr lang="en-GB" altLang="zh-CN" b="1" dirty="0"/>
+          </a:p>
+          <a:p>
+            <a:pPr marL="0" indent="0">
+              <a:buNone/>
+            </a:pPr>
+            <a:r>
+              <a:rPr lang="en-US" altLang="zh-CN" dirty="0" smtClean="0"/>
+              <a:t>	XSQL</a:t>
+            </a:r>
+            <a:r>
+              <a:rPr lang="zh-CN" altLang="en-US" dirty="0"/>
+              <a:t>触发源的执行入参，会传递</a:t>
+            </a:r>
+            <a:r>
+              <a:rPr lang="zh-CN" altLang="en-US" dirty="0" smtClean="0"/>
+              <a:t>给它的所有</a:t>
+            </a:r>
+            <a:r>
+              <a:rPr lang="en-US" altLang="zh-CN" dirty="0"/>
+              <a:t>XSQL</a:t>
+            </a:r>
+            <a:r>
+              <a:rPr lang="zh-CN" altLang="en-US" dirty="0"/>
+              <a:t>触发器，并作为其执行入</a:t>
+            </a:r>
+            <a:r>
+              <a:rPr lang="zh-CN" altLang="en-US" dirty="0" smtClean="0"/>
+              <a:t>参</a:t>
+            </a:r>
+            <a:endParaRPr lang="en-US" altLang="zh-CN" dirty="0" smtClean="0"/>
+          </a:p>
+        </p:txBody>
+      </p:sp>
+    </p:spTree>
+    <p:extLst>
+      <p:ext uri="{BB962C8B-B14F-4D97-AF65-F5344CB8AC3E}">
+        <p14:creationId xmlns:p14="http://schemas.microsoft.com/office/powerpoint/2010/main" val="2005877063"/>
+      </p:ext>
+    </p:extLst>
+  </p:cSld>
+  <p:clrMapOvr>
+    <a:masterClrMapping/>
+  </p:clrMapOvr>
+  <p:timing>
+    <p:tnLst>
+      <p:par>
+        <p:cTn id="1" dur="indefinite" restart="never" nodeType="tmRoot"/>
+      </p:par>
+    </p:tnLst>
+  </p:timing>
+</p:sld>
+</file>
+
+<file path=ppt/slides/slide34.xml><?xml version="1.0" encoding="utf-8"?>
+<p:sld xmlns:a="http://schemas.openxmlformats.org/drawingml/2006/main" xmlns:r="http://schemas.openxmlformats.org/officeDocument/2006/relationships" xmlns:p="http://schemas.openxmlformats.org/presentationml/2006/main">
+  <p:cSld>
+    <p:spTree>
+      <p:nvGrpSpPr>
+        <p:cNvPr id="1" name=""/>
+        <p:cNvGrpSpPr/>
+        <p:nvPr/>
+      </p:nvGrpSpPr>
+      <p:grpSpPr>
+        <a:xfrm>
+          <a:off x="0" y="0"/>
+          <a:ext cx="0" cy="0"/>
+          <a:chOff x="0" y="0"/>
+          <a:chExt cx="0" cy="0"/>
+        </a:xfrm>
+      </p:grpSpPr>
+      <p:sp>
+        <p:nvSpPr>
+          <p:cNvPr id="2" name="标题 1"/>
+          <p:cNvSpPr>
+            <a:spLocks noGrp="1"/>
+          </p:cNvSpPr>
+          <p:nvPr>
+            <p:ph type="title"/>
+          </p:nvPr>
+        </p:nvSpPr>
+        <p:spPr/>
+        <p:txBody>
+          <a:bodyPr/>
+          <a:lstStyle/>
+          <a:p>
+            <a:r>
+              <a:rPr lang="en-GB" altLang="zh-CN" sz="4400" dirty="0" smtClean="0"/>
+              <a:t>Trigger </a:t>
+            </a:r>
+            <a:r>
+              <a:rPr lang="zh-CN" altLang="en-US" sz="4400" dirty="0" smtClean="0"/>
+              <a:t>两种类型</a:t>
+            </a:r>
+            <a:r>
+              <a:rPr lang="en-GB" altLang="zh-CN" sz="4400" dirty="0"/>
+              <a:t/>
+            </a:r>
+            <a:br>
+              <a:rPr lang="en-GB" altLang="zh-CN" sz="4400" dirty="0"/>
+            </a:br>
+            <a:r>
+              <a:rPr lang="en-US" altLang="zh-CN" sz="2000" cap="all" dirty="0">
+                <a:solidFill>
+                  <a:schemeClr val="accent1"/>
+                </a:solidFill>
+              </a:rPr>
+              <a:t>XSQL</a:t>
+            </a:r>
+            <a:r>
+              <a:rPr lang="zh-CN" altLang="en-US" sz="2000" cap="all" dirty="0" smtClean="0">
+                <a:solidFill>
+                  <a:schemeClr val="accent1"/>
+                </a:solidFill>
+              </a:rPr>
+              <a:t>的高级元素</a:t>
+            </a:r>
+            <a:endParaRPr lang="zh-CN" altLang="en-US" dirty="0"/>
+          </a:p>
+        </p:txBody>
+      </p:sp>
+      <p:grpSp>
+        <p:nvGrpSpPr>
+          <p:cNvPr id="5" name="组合 4"/>
+          <p:cNvGrpSpPr/>
+          <p:nvPr/>
+        </p:nvGrpSpPr>
+        <p:grpSpPr>
+          <a:xfrm>
+            <a:off x="10401652" y="72593"/>
+            <a:ext cx="763351" cy="1071782"/>
+            <a:chOff x="10401652" y="72593"/>
+            <a:chExt cx="763351" cy="1071782"/>
+          </a:xfrm>
+        </p:grpSpPr>
+        <p:sp>
+          <p:nvSpPr>
+            <p:cNvPr id="6" name="矩形 5"/>
+            <p:cNvSpPr/>
+            <p:nvPr/>
+          </p:nvSpPr>
+          <p:spPr>
+            <a:xfrm>
+              <a:off x="10401652" y="72593"/>
+              <a:ext cx="763351" cy="461665"/>
+            </a:xfrm>
+            <a:prstGeom prst="rect">
+              <a:avLst/>
+            </a:prstGeom>
+            <a:noFill/>
+          </p:spPr>
+          <p:txBody>
+            <a:bodyPr wrap="none" lIns="91440" tIns="45720" rIns="91440" bIns="45720">
+              <a:spAutoFit/>
+            </a:bodyPr>
+            <a:lstStyle/>
+            <a:p>
+              <a:pPr algn="ctr"/>
+              <a:r>
+                <a:rPr lang="en-GB" altLang="zh-CN" sz="2400" b="1" cap="none" spc="0" dirty="0" smtClean="0">
+                  <a:ln w="12700">
+                    <a:solidFill>
+                      <a:schemeClr val="tx2">
+                        <a:lumMod val="75000"/>
+                      </a:schemeClr>
+                    </a:solidFill>
+                    <a:prstDash val="solid"/>
+                  </a:ln>
+                  <a:pattFill prst="dkUpDiag">
+                    <a:fgClr>
+                      <a:schemeClr val="tx2"/>
+                    </a:fgClr>
+                    <a:bgClr>
+                      <a:schemeClr val="tx2">
+                        <a:lumMod val="20000"/>
+                        <a:lumOff val="80000"/>
+                      </a:schemeClr>
+                    </a:bgClr>
+                  </a:pattFill>
+                  <a:effectLst>
+                    <a:outerShdw dist="38100" dir="2640000" algn="bl" rotWithShape="0">
+                      <a:schemeClr val="tx2">
+                        <a:lumMod val="75000"/>
+                      </a:schemeClr>
+                    </a:outerShdw>
+                  </a:effectLst>
+                  <a:latin typeface="Segoe UI Black" panose="020B0A02040204020203" pitchFamily="34" charset="0"/>
+                  <a:ea typeface="Segoe UI Black" panose="020B0A02040204020203" pitchFamily="34" charset="0"/>
+                  <a:cs typeface="Segoe UI Black" panose="020B0A02040204020203" pitchFamily="34" charset="0"/>
+                </a:rPr>
+                <a:t>SQL</a:t>
+              </a:r>
+            </a:p>
+          </p:txBody>
+        </p:sp>
+        <p:sp>
+          <p:nvSpPr>
+            <p:cNvPr id="7" name="矩形 6"/>
+            <p:cNvSpPr/>
+            <p:nvPr/>
+          </p:nvSpPr>
+          <p:spPr>
+            <a:xfrm>
+              <a:off x="10439901" y="221045"/>
+              <a:ext cx="670376" cy="923330"/>
+            </a:xfrm>
+            <a:prstGeom prst="rect">
+              <a:avLst/>
+            </a:prstGeom>
+          </p:spPr>
+          <p:txBody>
+            <a:bodyPr wrap="none">
+              <a:spAutoFit/>
+            </a:bodyPr>
+            <a:lstStyle/>
+            <a:p>
+              <a:pPr algn="ctr"/>
+              <a:r>
+                <a:rPr lang="en-GB" altLang="zh-CN" sz="5400" dirty="0">
+                  <a:ln w="12700">
+                    <a:solidFill>
+                      <a:schemeClr val="tx2">
+                        <a:lumMod val="75000"/>
+                      </a:schemeClr>
+                    </a:solidFill>
+                    <a:prstDash val="solid"/>
+                  </a:ln>
+                  <a:pattFill prst="dkUpDiag">
+                    <a:fgClr>
+                      <a:schemeClr val="tx2"/>
+                    </a:fgClr>
+                    <a:bgClr>
+                      <a:schemeClr val="tx2">
+                        <a:lumMod val="20000"/>
+                        <a:lumOff val="80000"/>
+                      </a:schemeClr>
+                    </a:bgClr>
+                  </a:pattFill>
+                  <a:effectLst>
+                    <a:outerShdw dist="38100" dir="2640000" algn="bl" rotWithShape="0">
+                      <a:schemeClr val="tx2">
+                        <a:lumMod val="75000"/>
+                      </a:schemeClr>
+                    </a:outerShdw>
+                  </a:effectLst>
+                  <a:latin typeface="Segoe UI Black" panose="020B0A02040204020203" pitchFamily="34" charset="0"/>
+                  <a:ea typeface="Segoe UI Black" panose="020B0A02040204020203" pitchFamily="34" charset="0"/>
+                  <a:cs typeface="Segoe UI Black" panose="020B0A02040204020203" pitchFamily="34" charset="0"/>
+                </a:rPr>
+                <a:t>X</a:t>
+              </a:r>
+              <a:endParaRPr lang="zh-CN" altLang="en-US" sz="5400" dirty="0">
+                <a:ln w="12700">
+                  <a:solidFill>
+                    <a:schemeClr val="tx2">
+                      <a:lumMod val="75000"/>
+                    </a:schemeClr>
+                  </a:solidFill>
+                  <a:prstDash val="solid"/>
+                </a:ln>
+                <a:pattFill prst="dkUpDiag">
+                  <a:fgClr>
+                    <a:schemeClr val="tx2"/>
+                  </a:fgClr>
+                  <a:bgClr>
+                    <a:schemeClr val="tx2">
+                      <a:lumMod val="20000"/>
+                      <a:lumOff val="80000"/>
+                    </a:schemeClr>
+                  </a:bgClr>
+                </a:pattFill>
+                <a:effectLst>
+                  <a:outerShdw dist="38100" dir="2640000" algn="bl" rotWithShape="0">
+                    <a:schemeClr val="tx2">
+                      <a:lumMod val="75000"/>
+                    </a:schemeClr>
+                  </a:outerShdw>
+                </a:effectLst>
+                <a:latin typeface="Segoe UI Black" panose="020B0A02040204020203" pitchFamily="34" charset="0"/>
+                <a:ea typeface="华文行楷" panose="02010800040101010101" pitchFamily="2" charset="-122"/>
+                <a:cs typeface="Segoe UI Black" panose="020B0A02040204020203" pitchFamily="34" charset="0"/>
+              </a:endParaRPr>
+            </a:p>
+          </p:txBody>
+        </p:sp>
+      </p:grpSp>
+      <p:sp>
+        <p:nvSpPr>
+          <p:cNvPr id="8" name="内容占位符 2"/>
+          <p:cNvSpPr>
+            <a:spLocks noGrp="1"/>
+          </p:cNvSpPr>
+          <p:nvPr>
+            <p:ph idx="1"/>
+          </p:nvPr>
+        </p:nvSpPr>
+        <p:spPr>
+          <a:xfrm>
+            <a:off x="1103312" y="2052918"/>
+            <a:ext cx="9298340" cy="4195481"/>
+          </a:xfrm>
+        </p:spPr>
+        <p:txBody>
+          <a:bodyPr>
+            <a:normAutofit/>
+          </a:bodyPr>
+          <a:lstStyle/>
+          <a:p>
+            <a:pPr marL="0" indent="0">
+              <a:buNone/>
+            </a:pPr>
+            <a:r>
+              <a:rPr lang="zh-CN" altLang="en-US" dirty="0" smtClean="0"/>
+              <a:t>两种类型：</a:t>
+            </a:r>
+            <a:endParaRPr lang="en-US" altLang="zh-CN" dirty="0" smtClean="0"/>
+          </a:p>
+          <a:p>
+            <a:r>
+              <a:rPr lang="zh-CN" altLang="en-US" dirty="0" smtClean="0"/>
+              <a:t>多库同步操作：同一个源</a:t>
+            </a:r>
+            <a:r>
+              <a:rPr lang="en-US" altLang="zh-CN" dirty="0" smtClean="0"/>
+              <a:t>XSQL</a:t>
+            </a:r>
+            <a:r>
+              <a:rPr lang="zh-CN" altLang="en-US" dirty="0" smtClean="0"/>
+              <a:t>在多个数据库中执行 </a:t>
+            </a:r>
+            <a:endParaRPr lang="en-US" altLang="zh-CN" dirty="0" smtClean="0"/>
+          </a:p>
+          <a:p>
+            <a:pPr marL="0" indent="0">
+              <a:buNone/>
+            </a:pPr>
+            <a:r>
+              <a:rPr lang="en-GB" altLang="zh-CN" dirty="0" smtClean="0"/>
+              <a:t>	&lt;</a:t>
+            </a:r>
+            <a:r>
+              <a:rPr lang="en-US" altLang="zh-CN" b="1" dirty="0" err="1" smtClean="0"/>
+              <a:t>createBackup</a:t>
+            </a:r>
+            <a:r>
+              <a:rPr lang="en-US" altLang="zh-CN" b="1" dirty="0" smtClean="0"/>
+              <a:t> ref=“DSG</a:t>
+            </a:r>
+            <a:r>
+              <a:rPr lang="zh-CN" altLang="en-US" b="1" dirty="0" smtClean="0"/>
+              <a:t>数据库连接池组</a:t>
+            </a:r>
+            <a:r>
+              <a:rPr lang="en-US" altLang="zh-CN" b="1" dirty="0" smtClean="0"/>
+              <a:t>”</a:t>
+            </a:r>
+            <a:r>
+              <a:rPr lang="en-GB" altLang="zh-CN" dirty="0" smtClean="0"/>
+              <a:t>&gt;</a:t>
+            </a:r>
+          </a:p>
+          <a:p>
+            <a:pPr marL="0" indent="0">
+              <a:buNone/>
+            </a:pPr>
+            <a:endParaRPr lang="en-GB" altLang="zh-CN" dirty="0" smtClean="0"/>
+          </a:p>
+          <a:p>
+            <a:pPr marL="0" indent="0">
+              <a:buNone/>
+            </a:pPr>
+            <a:endParaRPr lang="en-GB" altLang="zh-CN" dirty="0"/>
+          </a:p>
+          <a:p>
+            <a:r>
+              <a:rPr lang="zh-CN" altLang="en-US" dirty="0" smtClean="0"/>
+              <a:t>触发执行：触发另一个</a:t>
+            </a:r>
+            <a:r>
+              <a:rPr lang="en-US" altLang="zh-CN" dirty="0" smtClean="0"/>
+              <a:t>XSQL</a:t>
+            </a:r>
+            <a:r>
+              <a:rPr lang="zh-CN" altLang="en-US" dirty="0" smtClean="0"/>
+              <a:t>的执行            </a:t>
+            </a:r>
+            <a:endParaRPr lang="en-US" altLang="zh-CN" dirty="0" smtClean="0"/>
+          </a:p>
+          <a:p>
+            <a:pPr marL="0" indent="0">
+              <a:buNone/>
+            </a:pPr>
+            <a:r>
+              <a:rPr lang="en-US" altLang="zh-CN" dirty="0"/>
+              <a:t>	</a:t>
+            </a:r>
+            <a:r>
+              <a:rPr lang="en-GB" altLang="zh-CN" dirty="0" smtClean="0"/>
+              <a:t>&lt;</a:t>
+            </a:r>
+            <a:r>
+              <a:rPr lang="en-US" altLang="zh-CN" b="1" dirty="0" smtClean="0"/>
+              <a:t>create</a:t>
+            </a:r>
+            <a:r>
+              <a:rPr lang="en-US" altLang="zh-CN" dirty="0"/>
+              <a:t> </a:t>
+            </a:r>
+            <a:r>
+              <a:rPr lang="en-US" altLang="zh-CN" dirty="0" smtClean="0"/>
+              <a:t>ref=“XSQL</a:t>
+            </a:r>
+            <a:r>
+              <a:rPr lang="zh-CN" altLang="en-US" dirty="0" smtClean="0"/>
+              <a:t>标识</a:t>
+            </a:r>
+            <a:r>
+              <a:rPr lang="en-GB" altLang="zh-CN" dirty="0" smtClean="0"/>
+              <a:t>ID</a:t>
+            </a:r>
+            <a:r>
+              <a:rPr lang="en-US" altLang="zh-CN" dirty="0" smtClean="0"/>
+              <a:t>” /</a:t>
+            </a:r>
+            <a:r>
+              <a:rPr lang="en-GB" altLang="zh-CN" dirty="0" smtClean="0"/>
+              <a:t>&gt;</a:t>
+            </a:r>
+            <a:endParaRPr lang="en-GB" altLang="zh-CN" dirty="0"/>
+          </a:p>
+          <a:p>
+            <a:pPr marL="0" indent="0">
+              <a:buNone/>
+            </a:pPr>
+            <a:endParaRPr lang="en-US" altLang="zh-CN" dirty="0" smtClean="0"/>
+          </a:p>
+          <a:p>
+            <a:pPr marL="0" indent="0">
+              <a:buNone/>
+            </a:pPr>
+            <a:endParaRPr lang="zh-CN" altLang="en-US" dirty="0"/>
+          </a:p>
+        </p:txBody>
+      </p:sp>
+    </p:spTree>
+    <p:extLst>
+      <p:ext uri="{BB962C8B-B14F-4D97-AF65-F5344CB8AC3E}">
+        <p14:creationId xmlns:p14="http://schemas.microsoft.com/office/powerpoint/2010/main" val="1843395171"/>
+      </p:ext>
+    </p:extLst>
+  </p:cSld>
+  <p:clrMapOvr>
+    <a:masterClrMapping/>
+  </p:clrMapOvr>
+  <p:timing>
+    <p:tnLst>
+      <p:par>
+        <p:cTn id="1" dur="indefinite" restart="never" nodeType="tmRoot"/>
+      </p:par>
+    </p:tnLst>
+  </p:timing>
+</p:sld>
+</file>
+
+<file path=ppt/slides/slide35.xml><?xml version="1.0" encoding="utf-8"?>
+<p:sld xmlns:a="http://schemas.openxmlformats.org/drawingml/2006/main" xmlns:r="http://schemas.openxmlformats.org/officeDocument/2006/relationships" xmlns:p="http://schemas.openxmlformats.org/presentationml/2006/main">
+  <p:cSld>
+    <p:spTree>
+      <p:nvGrpSpPr>
+        <p:cNvPr id="1" name=""/>
+        <p:cNvGrpSpPr/>
+        <p:nvPr/>
+      </p:nvGrpSpPr>
+      <p:grpSpPr>
+        <a:xfrm>
+          <a:off x="0" y="0"/>
+          <a:ext cx="0" cy="0"/>
+          <a:chOff x="0" y="0"/>
+          <a:chExt cx="0" cy="0"/>
+        </a:xfrm>
+      </p:grpSpPr>
+      <p:sp>
+        <p:nvSpPr>
+          <p:cNvPr id="2" name="标题 1"/>
+          <p:cNvSpPr>
+            <a:spLocks noGrp="1"/>
+          </p:cNvSpPr>
+          <p:nvPr>
+            <p:ph type="title"/>
+          </p:nvPr>
+        </p:nvSpPr>
+        <p:spPr/>
+        <p:txBody>
+          <a:bodyPr/>
+          <a:lstStyle/>
+          <a:p>
+            <a:r>
+              <a:rPr lang="en-GB" altLang="zh-CN" sz="4400" dirty="0" smtClean="0"/>
+              <a:t>Trigger </a:t>
+            </a:r>
+            <a:r>
+              <a:rPr lang="zh-CN" altLang="en-US" sz="4400" dirty="0" smtClean="0"/>
+              <a:t>同步模式</a:t>
+            </a:r>
+            <a:r>
+              <a:rPr lang="en-GB" altLang="zh-CN" sz="4400" dirty="0"/>
+              <a:t/>
+            </a:r>
+            <a:br>
+              <a:rPr lang="en-GB" altLang="zh-CN" sz="4400" dirty="0"/>
+            </a:br>
+            <a:r>
+              <a:rPr lang="en-US" altLang="zh-CN" sz="2000" cap="all" dirty="0">
+                <a:solidFill>
+                  <a:schemeClr val="accent1"/>
+                </a:solidFill>
+              </a:rPr>
+              <a:t>XSQL</a:t>
+            </a:r>
+            <a:r>
+              <a:rPr lang="zh-CN" altLang="en-US" sz="2000" cap="all" dirty="0" smtClean="0">
+                <a:solidFill>
+                  <a:schemeClr val="accent1"/>
+                </a:solidFill>
+              </a:rPr>
+              <a:t>的高级元素</a:t>
+            </a:r>
+            <a:endParaRPr lang="zh-CN" altLang="en-US" dirty="0"/>
+          </a:p>
+        </p:txBody>
+      </p:sp>
+      <p:grpSp>
+        <p:nvGrpSpPr>
+          <p:cNvPr id="5" name="组合 4"/>
+          <p:cNvGrpSpPr/>
+          <p:nvPr/>
+        </p:nvGrpSpPr>
+        <p:grpSpPr>
+          <a:xfrm>
+            <a:off x="10401652" y="72593"/>
+            <a:ext cx="763351" cy="1071782"/>
+            <a:chOff x="10401652" y="72593"/>
+            <a:chExt cx="763351" cy="1071782"/>
+          </a:xfrm>
+        </p:grpSpPr>
+        <p:sp>
+          <p:nvSpPr>
+            <p:cNvPr id="6" name="矩形 5"/>
+            <p:cNvSpPr/>
+            <p:nvPr/>
+          </p:nvSpPr>
+          <p:spPr>
+            <a:xfrm>
+              <a:off x="10401652" y="72593"/>
+              <a:ext cx="763351" cy="461665"/>
+            </a:xfrm>
+            <a:prstGeom prst="rect">
+              <a:avLst/>
+            </a:prstGeom>
+            <a:noFill/>
+          </p:spPr>
+          <p:txBody>
+            <a:bodyPr wrap="none" lIns="91440" tIns="45720" rIns="91440" bIns="45720">
+              <a:spAutoFit/>
+            </a:bodyPr>
+            <a:lstStyle/>
+            <a:p>
+              <a:pPr algn="ctr"/>
+              <a:r>
+                <a:rPr lang="en-GB" altLang="zh-CN" sz="2400" b="1" cap="none" spc="0" dirty="0" smtClean="0">
+                  <a:ln w="12700">
+                    <a:solidFill>
+                      <a:schemeClr val="tx2">
+                        <a:lumMod val="75000"/>
+                      </a:schemeClr>
+                    </a:solidFill>
+                    <a:prstDash val="solid"/>
+                  </a:ln>
+                  <a:pattFill prst="dkUpDiag">
+                    <a:fgClr>
+                      <a:schemeClr val="tx2"/>
+                    </a:fgClr>
+                    <a:bgClr>
+                      <a:schemeClr val="tx2">
+                        <a:lumMod val="20000"/>
+                        <a:lumOff val="80000"/>
+                      </a:schemeClr>
+                    </a:bgClr>
+                  </a:pattFill>
+                  <a:effectLst>
+                    <a:outerShdw dist="38100" dir="2640000" algn="bl" rotWithShape="0">
+                      <a:schemeClr val="tx2">
+                        <a:lumMod val="75000"/>
+                      </a:schemeClr>
+                    </a:outerShdw>
+                  </a:effectLst>
+                  <a:latin typeface="Segoe UI Black" panose="020B0A02040204020203" pitchFamily="34" charset="0"/>
+                  <a:ea typeface="Segoe UI Black" panose="020B0A02040204020203" pitchFamily="34" charset="0"/>
+                  <a:cs typeface="Segoe UI Black" panose="020B0A02040204020203" pitchFamily="34" charset="0"/>
+                </a:rPr>
+                <a:t>SQL</a:t>
+              </a:r>
+            </a:p>
+          </p:txBody>
+        </p:sp>
+        <p:sp>
+          <p:nvSpPr>
+            <p:cNvPr id="7" name="矩形 6"/>
+            <p:cNvSpPr/>
+            <p:nvPr/>
+          </p:nvSpPr>
+          <p:spPr>
+            <a:xfrm>
+              <a:off x="10439901" y="221045"/>
+              <a:ext cx="670376" cy="923330"/>
+            </a:xfrm>
+            <a:prstGeom prst="rect">
+              <a:avLst/>
+            </a:prstGeom>
+          </p:spPr>
+          <p:txBody>
+            <a:bodyPr wrap="none">
+              <a:spAutoFit/>
+            </a:bodyPr>
+            <a:lstStyle/>
+            <a:p>
+              <a:pPr algn="ctr"/>
+              <a:r>
+                <a:rPr lang="en-GB" altLang="zh-CN" sz="5400" dirty="0">
+                  <a:ln w="12700">
+                    <a:solidFill>
+                      <a:schemeClr val="tx2">
+                        <a:lumMod val="75000"/>
+                      </a:schemeClr>
+                    </a:solidFill>
+                    <a:prstDash val="solid"/>
+                  </a:ln>
+                  <a:pattFill prst="dkUpDiag">
+                    <a:fgClr>
+                      <a:schemeClr val="tx2"/>
+                    </a:fgClr>
+                    <a:bgClr>
+                      <a:schemeClr val="tx2">
+                        <a:lumMod val="20000"/>
+                        <a:lumOff val="80000"/>
+                      </a:schemeClr>
+                    </a:bgClr>
+                  </a:pattFill>
+                  <a:effectLst>
+                    <a:outerShdw dist="38100" dir="2640000" algn="bl" rotWithShape="0">
+                      <a:schemeClr val="tx2">
+                        <a:lumMod val="75000"/>
+                      </a:schemeClr>
+                    </a:outerShdw>
+                  </a:effectLst>
+                  <a:latin typeface="Segoe UI Black" panose="020B0A02040204020203" pitchFamily="34" charset="0"/>
+                  <a:ea typeface="Segoe UI Black" panose="020B0A02040204020203" pitchFamily="34" charset="0"/>
+                  <a:cs typeface="Segoe UI Black" panose="020B0A02040204020203" pitchFamily="34" charset="0"/>
+                </a:rPr>
+                <a:t>X</a:t>
+              </a:r>
+              <a:endParaRPr lang="zh-CN" altLang="en-US" sz="5400" dirty="0">
+                <a:ln w="12700">
+                  <a:solidFill>
+                    <a:schemeClr val="tx2">
+                      <a:lumMod val="75000"/>
+                    </a:schemeClr>
+                  </a:solidFill>
+                  <a:prstDash val="solid"/>
+                </a:ln>
+                <a:pattFill prst="dkUpDiag">
+                  <a:fgClr>
+                    <a:schemeClr val="tx2"/>
+                  </a:fgClr>
+                  <a:bgClr>
+                    <a:schemeClr val="tx2">
+                      <a:lumMod val="20000"/>
+                      <a:lumOff val="80000"/>
+                    </a:schemeClr>
+                  </a:bgClr>
+                </a:pattFill>
+                <a:effectLst>
+                  <a:outerShdw dist="38100" dir="2640000" algn="bl" rotWithShape="0">
+                    <a:schemeClr val="tx2">
+                      <a:lumMod val="75000"/>
+                    </a:schemeClr>
+                  </a:outerShdw>
+                </a:effectLst>
+                <a:latin typeface="Segoe UI Black" panose="020B0A02040204020203" pitchFamily="34" charset="0"/>
+                <a:ea typeface="华文行楷" panose="02010800040101010101" pitchFamily="2" charset="-122"/>
+                <a:cs typeface="Segoe UI Black" panose="020B0A02040204020203" pitchFamily="34" charset="0"/>
+              </a:endParaRPr>
+            </a:p>
+          </p:txBody>
+        </p:sp>
+      </p:grpSp>
+      <p:sp>
+        <p:nvSpPr>
+          <p:cNvPr id="8" name="内容占位符 2"/>
+          <p:cNvSpPr>
+            <a:spLocks noGrp="1"/>
+          </p:cNvSpPr>
+          <p:nvPr>
+            <p:ph idx="1"/>
+          </p:nvPr>
+        </p:nvSpPr>
+        <p:spPr>
+          <a:xfrm>
+            <a:off x="1103312" y="2052918"/>
+            <a:ext cx="8946541" cy="4195481"/>
+          </a:xfrm>
+        </p:spPr>
+        <p:txBody>
+          <a:bodyPr/>
+          <a:lstStyle/>
+          <a:p>
+            <a:pPr marL="0" indent="0">
+              <a:buNone/>
+            </a:pPr>
+            <a:r>
+              <a:rPr lang="zh-CN" altLang="en-US" dirty="0" smtClean="0"/>
+              <a:t>两种执行模式：</a:t>
+            </a:r>
+            <a:endParaRPr lang="en-US" altLang="zh-CN" dirty="0" smtClean="0"/>
+          </a:p>
+          <a:p>
+            <a:r>
+              <a:rPr lang="zh-CN" altLang="zh-CN" dirty="0"/>
+              <a:t>同步</a:t>
+            </a:r>
+            <a:r>
+              <a:rPr lang="zh-CN" altLang="zh-CN" dirty="0" smtClean="0"/>
+              <a:t>模式</a:t>
+            </a:r>
+            <a:r>
+              <a:rPr lang="en-GB" altLang="zh-CN" dirty="0" smtClean="0"/>
+              <a:t>        &lt;</a:t>
+            </a:r>
+            <a:r>
+              <a:rPr lang="en-GB" altLang="zh-CN" dirty="0" err="1" smtClean="0"/>
+              <a:t>syncMode</a:t>
+            </a:r>
+            <a:r>
+              <a:rPr lang="en-GB" altLang="zh-CN" dirty="0" smtClean="0"/>
+              <a:t>&gt;true&lt;/</a:t>
+            </a:r>
+            <a:r>
+              <a:rPr lang="en-GB" altLang="zh-CN" dirty="0" err="1"/>
+              <a:t>syncMode</a:t>
+            </a:r>
+            <a:r>
+              <a:rPr lang="en-GB" altLang="zh-CN" dirty="0" smtClean="0"/>
+              <a:t>&gt;</a:t>
+            </a:r>
+          </a:p>
+          <a:p>
+            <a:pPr marL="0" indent="0">
+              <a:buNone/>
+            </a:pPr>
+            <a:r>
+              <a:rPr lang="en-GB" altLang="zh-CN" dirty="0" smtClean="0"/>
+              <a:t>	</a:t>
+            </a:r>
+            <a:r>
+              <a:rPr lang="zh-CN" altLang="en-US" dirty="0" smtClean="0"/>
+              <a:t>多个</a:t>
+            </a:r>
+            <a:r>
+              <a:rPr lang="en-GB" altLang="zh-CN" dirty="0" smtClean="0"/>
+              <a:t>XSQL</a:t>
+            </a:r>
+            <a:r>
+              <a:rPr lang="zh-CN" altLang="zh-CN" dirty="0"/>
+              <a:t>触发器依次顺序执行，前一个执行完成，后下一个才执行</a:t>
+            </a:r>
+            <a:r>
+              <a:rPr lang="zh-CN" altLang="zh-CN" dirty="0" smtClean="0"/>
+              <a:t>。</a:t>
+            </a:r>
+            <a:endParaRPr lang="en-GB" altLang="zh-CN" dirty="0" smtClean="0"/>
+          </a:p>
+          <a:p>
+            <a:pPr marL="0" indent="0">
+              <a:buNone/>
+            </a:pPr>
+            <a:r>
+              <a:rPr lang="en-GB" altLang="zh-CN" dirty="0"/>
+              <a:t>	</a:t>
+            </a:r>
+            <a:r>
+              <a:rPr lang="zh-CN" altLang="zh-CN" dirty="0" smtClean="0"/>
+              <a:t>前</a:t>
+            </a:r>
+            <a:r>
+              <a:rPr lang="zh-CN" altLang="zh-CN" dirty="0"/>
+              <a:t>一个执行异常后，其后的均不再执行。</a:t>
+            </a:r>
+            <a:endParaRPr lang="en-GB" altLang="zh-CN" dirty="0"/>
+          </a:p>
+          <a:p>
+            <a:pPr marL="0" indent="0">
+              <a:buNone/>
+            </a:pPr>
+            <a:endParaRPr lang="en-GB" altLang="zh-CN" dirty="0" smtClean="0"/>
+          </a:p>
+          <a:p>
+            <a:pPr marL="0" indent="0">
+              <a:buNone/>
+            </a:pPr>
+            <a:endParaRPr lang="en-GB" altLang="zh-CN" dirty="0" smtClean="0"/>
+          </a:p>
+          <a:p>
+            <a:r>
+              <a:rPr lang="zh-CN" altLang="zh-CN" dirty="0"/>
+              <a:t>异步</a:t>
+            </a:r>
+            <a:r>
+              <a:rPr lang="zh-CN" altLang="zh-CN" dirty="0" smtClean="0"/>
+              <a:t>模式</a:t>
+            </a:r>
+            <a:r>
+              <a:rPr lang="en-GB" altLang="zh-CN" dirty="0" smtClean="0"/>
+              <a:t>        &lt;</a:t>
+            </a:r>
+            <a:r>
+              <a:rPr lang="en-GB" altLang="zh-CN" dirty="0" err="1" smtClean="0"/>
+              <a:t>syncMode</a:t>
+            </a:r>
+            <a:r>
+              <a:rPr lang="en-GB" altLang="zh-CN" dirty="0" smtClean="0"/>
+              <a:t>&gt;false&lt;/</a:t>
+            </a:r>
+            <a:r>
+              <a:rPr lang="en-GB" altLang="zh-CN" dirty="0" err="1"/>
+              <a:t>syncMode</a:t>
+            </a:r>
+            <a:r>
+              <a:rPr lang="en-GB" altLang="zh-CN" dirty="0"/>
+              <a:t>&gt;</a:t>
+            </a:r>
+            <a:endParaRPr lang="en-GB" altLang="zh-CN" dirty="0" smtClean="0"/>
+          </a:p>
+          <a:p>
+            <a:pPr marL="0" indent="0">
+              <a:buNone/>
+            </a:pPr>
+            <a:r>
+              <a:rPr lang="en-GB" altLang="zh-CN" dirty="0"/>
+              <a:t>	</a:t>
+            </a:r>
+            <a:r>
+              <a:rPr lang="zh-CN" altLang="zh-CN" dirty="0"/>
+              <a:t>每个</a:t>
+            </a:r>
+            <a:r>
+              <a:rPr lang="en-GB" altLang="zh-CN" dirty="0"/>
+              <a:t>XSQL</a:t>
+            </a:r>
+            <a:r>
+              <a:rPr lang="zh-CN" altLang="zh-CN" dirty="0"/>
+              <a:t>触发器均是一个独立的线程，所有</a:t>
+            </a:r>
+            <a:r>
+              <a:rPr lang="en-GB" altLang="zh-CN" dirty="0"/>
+              <a:t>XSQL</a:t>
+            </a:r>
+            <a:r>
+              <a:rPr lang="zh-CN" altLang="zh-CN" dirty="0"/>
+              <a:t>触发器几乎是同时</a:t>
+            </a:r>
+            <a:r>
+              <a:rPr lang="zh-CN" altLang="zh-CN" dirty="0" smtClean="0"/>
+              <a:t>执行。</a:t>
+            </a:r>
+            <a:endParaRPr lang="en-US" altLang="zh-CN" dirty="0" smtClean="0"/>
+          </a:p>
+          <a:p>
+            <a:pPr marL="0" indent="0">
+              <a:buNone/>
+            </a:pPr>
+            <a:endParaRPr lang="zh-CN" altLang="en-US" dirty="0"/>
+          </a:p>
+        </p:txBody>
+      </p:sp>
+    </p:spTree>
+    <p:extLst>
+      <p:ext uri="{BB962C8B-B14F-4D97-AF65-F5344CB8AC3E}">
+        <p14:creationId xmlns:p14="http://schemas.microsoft.com/office/powerpoint/2010/main" val="3559361892"/>
+      </p:ext>
+    </p:extLst>
+  </p:cSld>
+  <p:clrMapOvr>
+    <a:masterClrMapping/>
+  </p:clrMapOvr>
+  <p:timing>
+    <p:tnLst>
+      <p:par>
+        <p:cTn id="1" dur="indefinite" restart="never" nodeType="tmRoot"/>
+      </p:par>
+    </p:tnLst>
+  </p:timing>
+</p:sld>
+</file>
+
+<file path=ppt/slides/slide36.xml><?xml version="1.0" encoding="utf-8"?>
+<p:sld xmlns:a="http://schemas.openxmlformats.org/drawingml/2006/main" xmlns:r="http://schemas.openxmlformats.org/officeDocument/2006/relationships" xmlns:p="http://schemas.openxmlformats.org/presentationml/2006/main">
+  <p:cSld>
+    <p:spTree>
+      <p:nvGrpSpPr>
+        <p:cNvPr id="1" name=""/>
+        <p:cNvGrpSpPr/>
+        <p:nvPr/>
+      </p:nvGrpSpPr>
+      <p:grpSpPr>
+        <a:xfrm>
+          <a:off x="0" y="0"/>
+          <a:ext cx="0" cy="0"/>
+          <a:chOff x="0" y="0"/>
+          <a:chExt cx="0" cy="0"/>
+        </a:xfrm>
+      </p:grpSpPr>
+      <p:sp>
+        <p:nvSpPr>
+          <p:cNvPr id="2" name="标题 1"/>
+          <p:cNvSpPr>
+            <a:spLocks noGrp="1"/>
+          </p:cNvSpPr>
+          <p:nvPr>
+            <p:ph type="title"/>
+          </p:nvPr>
+        </p:nvSpPr>
+        <p:spPr/>
+        <p:txBody>
+          <a:bodyPr/>
+          <a:lstStyle/>
+          <a:p>
+            <a:r>
+              <a:rPr lang="en-GB" altLang="zh-CN" sz="4400" dirty="0" smtClean="0"/>
+              <a:t>Trigger </a:t>
+            </a:r>
+            <a:r>
+              <a:rPr lang="zh-CN" altLang="en-US" sz="4400" dirty="0" smtClean="0"/>
+              <a:t>举例 </a:t>
+            </a:r>
+            <a:r>
+              <a:rPr lang="en-GB" altLang="zh-CN" sz="4400" dirty="0" smtClean="0"/>
+              <a:t>– </a:t>
+            </a:r>
+            <a:r>
+              <a:rPr lang="zh-CN" altLang="en-US" sz="4400" dirty="0" smtClean="0"/>
+              <a:t>触发执行</a:t>
+            </a:r>
+            <a:r>
+              <a:rPr lang="en-GB" altLang="zh-CN" sz="4400" dirty="0"/>
+              <a:t/>
+            </a:r>
+            <a:br>
+              <a:rPr lang="en-GB" altLang="zh-CN" sz="4400" dirty="0"/>
+            </a:br>
+            <a:r>
+              <a:rPr lang="en-US" altLang="zh-CN" sz="2000" cap="all" dirty="0">
+                <a:solidFill>
+                  <a:schemeClr val="accent1"/>
+                </a:solidFill>
+              </a:rPr>
+              <a:t>XSQL</a:t>
+            </a:r>
+            <a:r>
+              <a:rPr lang="zh-CN" altLang="en-US" sz="2000" cap="all" dirty="0" smtClean="0">
+                <a:solidFill>
+                  <a:schemeClr val="accent1"/>
+                </a:solidFill>
+              </a:rPr>
+              <a:t>的高级元素</a:t>
+            </a:r>
+            <a:endParaRPr lang="zh-CN" altLang="en-US" dirty="0"/>
+          </a:p>
+        </p:txBody>
+      </p:sp>
+      <p:grpSp>
+        <p:nvGrpSpPr>
+          <p:cNvPr id="5" name="组合 4"/>
+          <p:cNvGrpSpPr/>
+          <p:nvPr/>
+        </p:nvGrpSpPr>
+        <p:grpSpPr>
+          <a:xfrm>
+            <a:off x="10401652" y="72593"/>
+            <a:ext cx="763351" cy="1071782"/>
+            <a:chOff x="10401652" y="72593"/>
+            <a:chExt cx="763351" cy="1071782"/>
+          </a:xfrm>
+        </p:grpSpPr>
+        <p:sp>
+          <p:nvSpPr>
+            <p:cNvPr id="6" name="矩形 5"/>
+            <p:cNvSpPr/>
+            <p:nvPr/>
+          </p:nvSpPr>
+          <p:spPr>
+            <a:xfrm>
+              <a:off x="10401652" y="72593"/>
+              <a:ext cx="763351" cy="461665"/>
+            </a:xfrm>
+            <a:prstGeom prst="rect">
+              <a:avLst/>
+            </a:prstGeom>
+            <a:noFill/>
+          </p:spPr>
+          <p:txBody>
+            <a:bodyPr wrap="none" lIns="91440" tIns="45720" rIns="91440" bIns="45720">
+              <a:spAutoFit/>
+            </a:bodyPr>
+            <a:lstStyle/>
+            <a:p>
+              <a:pPr algn="ctr"/>
+              <a:r>
+                <a:rPr lang="en-GB" altLang="zh-CN" sz="2400" b="1" cap="none" spc="0" dirty="0" smtClean="0">
+                  <a:ln w="12700">
+                    <a:solidFill>
+                      <a:schemeClr val="tx2">
+                        <a:lumMod val="75000"/>
+                      </a:schemeClr>
+                    </a:solidFill>
+                    <a:prstDash val="solid"/>
+                  </a:ln>
+                  <a:pattFill prst="dkUpDiag">
+                    <a:fgClr>
+                      <a:schemeClr val="tx2"/>
+                    </a:fgClr>
+                    <a:bgClr>
+                      <a:schemeClr val="tx2">
+                        <a:lumMod val="20000"/>
+                        <a:lumOff val="80000"/>
+                      </a:schemeClr>
+                    </a:bgClr>
+                  </a:pattFill>
+                  <a:effectLst>
+                    <a:outerShdw dist="38100" dir="2640000" algn="bl" rotWithShape="0">
+                      <a:schemeClr val="tx2">
+                        <a:lumMod val="75000"/>
+                      </a:schemeClr>
+                    </a:outerShdw>
+                  </a:effectLst>
+                  <a:latin typeface="Segoe UI Black" panose="020B0A02040204020203" pitchFamily="34" charset="0"/>
+                  <a:ea typeface="Segoe UI Black" panose="020B0A02040204020203" pitchFamily="34" charset="0"/>
+                  <a:cs typeface="Segoe UI Black" panose="020B0A02040204020203" pitchFamily="34" charset="0"/>
+                </a:rPr>
+                <a:t>SQL</a:t>
+              </a:r>
+            </a:p>
+          </p:txBody>
+        </p:sp>
+        <p:sp>
+          <p:nvSpPr>
+            <p:cNvPr id="7" name="矩形 6"/>
+            <p:cNvSpPr/>
+            <p:nvPr/>
+          </p:nvSpPr>
+          <p:spPr>
+            <a:xfrm>
+              <a:off x="10439901" y="221045"/>
+              <a:ext cx="670376" cy="923330"/>
+            </a:xfrm>
+            <a:prstGeom prst="rect">
+              <a:avLst/>
+            </a:prstGeom>
+          </p:spPr>
+          <p:txBody>
+            <a:bodyPr wrap="none">
+              <a:spAutoFit/>
+            </a:bodyPr>
+            <a:lstStyle/>
+            <a:p>
+              <a:pPr algn="ctr"/>
+              <a:r>
+                <a:rPr lang="en-GB" altLang="zh-CN" sz="5400" dirty="0">
+                  <a:ln w="12700">
+                    <a:solidFill>
+                      <a:schemeClr val="tx2">
+                        <a:lumMod val="75000"/>
+                      </a:schemeClr>
+                    </a:solidFill>
+                    <a:prstDash val="solid"/>
+                  </a:ln>
+                  <a:pattFill prst="dkUpDiag">
+                    <a:fgClr>
+                      <a:schemeClr val="tx2"/>
+                    </a:fgClr>
+                    <a:bgClr>
+                      <a:schemeClr val="tx2">
+                        <a:lumMod val="20000"/>
+                        <a:lumOff val="80000"/>
+                      </a:schemeClr>
+                    </a:bgClr>
+                  </a:pattFill>
+                  <a:effectLst>
+                    <a:outerShdw dist="38100" dir="2640000" algn="bl" rotWithShape="0">
+                      <a:schemeClr val="tx2">
+                        <a:lumMod val="75000"/>
+                      </a:schemeClr>
+                    </a:outerShdw>
+                  </a:effectLst>
+                  <a:latin typeface="Segoe UI Black" panose="020B0A02040204020203" pitchFamily="34" charset="0"/>
+                  <a:ea typeface="Segoe UI Black" panose="020B0A02040204020203" pitchFamily="34" charset="0"/>
+                  <a:cs typeface="Segoe UI Black" panose="020B0A02040204020203" pitchFamily="34" charset="0"/>
+                </a:rPr>
+                <a:t>X</a:t>
+              </a:r>
+              <a:endParaRPr lang="zh-CN" altLang="en-US" sz="5400" dirty="0">
+                <a:ln w="12700">
+                  <a:solidFill>
+                    <a:schemeClr val="tx2">
+                      <a:lumMod val="75000"/>
+                    </a:schemeClr>
+                  </a:solidFill>
+                  <a:prstDash val="solid"/>
+                </a:ln>
+                <a:pattFill prst="dkUpDiag">
+                  <a:fgClr>
+                    <a:schemeClr val="tx2"/>
+                  </a:fgClr>
+                  <a:bgClr>
+                    <a:schemeClr val="tx2">
+                      <a:lumMod val="20000"/>
+                      <a:lumOff val="80000"/>
+                    </a:schemeClr>
+                  </a:bgClr>
+                </a:pattFill>
+                <a:effectLst>
+                  <a:outerShdw dist="38100" dir="2640000" algn="bl" rotWithShape="0">
+                    <a:schemeClr val="tx2">
+                      <a:lumMod val="75000"/>
+                    </a:schemeClr>
+                  </a:outerShdw>
+                </a:effectLst>
+                <a:latin typeface="Segoe UI Black" panose="020B0A02040204020203" pitchFamily="34" charset="0"/>
+                <a:ea typeface="华文行楷" panose="02010800040101010101" pitchFamily="2" charset="-122"/>
+                <a:cs typeface="Segoe UI Black" panose="020B0A02040204020203" pitchFamily="34" charset="0"/>
+              </a:endParaRPr>
+            </a:p>
+          </p:txBody>
+        </p:sp>
+      </p:grpSp>
+      <p:pic>
+        <p:nvPicPr>
+          <p:cNvPr id="4" name="图片 3"/>
+          <p:cNvPicPr>
+            <a:picLocks noChangeAspect="1"/>
+          </p:cNvPicPr>
+          <p:nvPr/>
+        </p:nvPicPr>
+        <p:blipFill>
+          <a:blip r:embed="rId2"/>
+          <a:stretch>
+            <a:fillRect/>
+          </a:stretch>
+        </p:blipFill>
+        <p:spPr>
+          <a:xfrm>
+            <a:off x="295293" y="1662112"/>
+            <a:ext cx="6448425" cy="4733925"/>
+          </a:xfrm>
+          <a:prstGeom prst="rect">
+            <a:avLst/>
+          </a:prstGeom>
+        </p:spPr>
+      </p:pic>
+      <p:pic>
+        <p:nvPicPr>
+          <p:cNvPr id="11" name="图片 10"/>
+          <p:cNvPicPr>
+            <a:picLocks noChangeAspect="1"/>
+          </p:cNvPicPr>
+          <p:nvPr/>
+        </p:nvPicPr>
+        <p:blipFill>
+          <a:blip r:embed="rId3"/>
+          <a:stretch>
+            <a:fillRect/>
+          </a:stretch>
+        </p:blipFill>
+        <p:spPr>
+          <a:xfrm>
+            <a:off x="7461787" y="4070189"/>
+            <a:ext cx="4526806" cy="2497814"/>
+          </a:xfrm>
+          <a:prstGeom prst="rect">
+            <a:avLst/>
+          </a:prstGeom>
+        </p:spPr>
+      </p:pic>
+      <p:pic>
+        <p:nvPicPr>
+          <p:cNvPr id="12" name="图片 11"/>
+          <p:cNvPicPr>
+            <a:picLocks noChangeAspect="1"/>
+          </p:cNvPicPr>
+          <p:nvPr/>
+        </p:nvPicPr>
+        <p:blipFill>
+          <a:blip r:embed="rId4"/>
+          <a:stretch>
+            <a:fillRect/>
+          </a:stretch>
+        </p:blipFill>
+        <p:spPr>
+          <a:xfrm>
+            <a:off x="7474695" y="1292827"/>
+            <a:ext cx="4513898" cy="2326081"/>
+          </a:xfrm>
+          <a:prstGeom prst="rect">
+            <a:avLst/>
+          </a:prstGeom>
+        </p:spPr>
+      </p:pic>
+      <p:cxnSp>
+        <p:nvCxnSpPr>
+          <p:cNvPr id="14" name="直接箭头连接符 13"/>
+          <p:cNvCxnSpPr/>
+          <p:nvPr/>
+        </p:nvCxnSpPr>
+        <p:spPr>
+          <a:xfrm flipV="1">
+            <a:off x="6075744" y="1556746"/>
+            <a:ext cx="2134806" cy="3548654"/>
+          </a:xfrm>
+          <a:prstGeom prst="straightConnector1">
+            <a:avLst/>
+          </a:prstGeom>
+          <a:ln w="28575">
+            <a:solidFill>
+              <a:srgbClr val="FFC000"/>
+            </a:solidFill>
+            <a:tailEnd type="triangle"/>
+          </a:ln>
+        </p:spPr>
+        <p:style>
+          <a:lnRef idx="1">
+            <a:schemeClr val="accent1"/>
+          </a:lnRef>
+          <a:fillRef idx="0">
+            <a:schemeClr val="accent1"/>
+          </a:fillRef>
+          <a:effectRef idx="0">
+            <a:schemeClr val="accent1"/>
+          </a:effectRef>
+          <a:fontRef idx="minor">
+            <a:schemeClr val="tx1"/>
+          </a:fontRef>
+        </p:style>
+      </p:cxnSp>
+      <p:cxnSp>
+        <p:nvCxnSpPr>
+          <p:cNvPr id="16" name="直接连接符 15"/>
+          <p:cNvCxnSpPr/>
+          <p:nvPr/>
+        </p:nvCxnSpPr>
+        <p:spPr>
+          <a:xfrm>
+            <a:off x="2371725" y="5105400"/>
+            <a:ext cx="3704019" cy="0"/>
+          </a:xfrm>
+          <a:prstGeom prst="line">
+            <a:avLst/>
+          </a:prstGeom>
+          <a:ln w="28575">
+            <a:solidFill>
+              <a:srgbClr val="FFC000"/>
+            </a:solidFill>
+          </a:ln>
+        </p:spPr>
+        <p:style>
+          <a:lnRef idx="1">
+            <a:schemeClr val="accent1"/>
+          </a:lnRef>
+          <a:fillRef idx="0">
+            <a:schemeClr val="accent1"/>
+          </a:fillRef>
+          <a:effectRef idx="0">
+            <a:schemeClr val="accent1"/>
+          </a:effectRef>
+          <a:fontRef idx="minor">
+            <a:schemeClr val="tx1"/>
+          </a:fontRef>
+        </p:style>
+      </p:cxnSp>
+      <p:cxnSp>
+        <p:nvCxnSpPr>
+          <p:cNvPr id="17" name="直接连接符 16"/>
+          <p:cNvCxnSpPr/>
+          <p:nvPr/>
+        </p:nvCxnSpPr>
+        <p:spPr>
+          <a:xfrm>
+            <a:off x="2362200" y="5309571"/>
+            <a:ext cx="3704019" cy="0"/>
+          </a:xfrm>
+          <a:prstGeom prst="line">
+            <a:avLst/>
+          </a:prstGeom>
+          <a:ln w="28575">
+            <a:solidFill>
+              <a:srgbClr val="00B050"/>
+            </a:solidFill>
+          </a:ln>
+        </p:spPr>
+        <p:style>
+          <a:lnRef idx="1">
+            <a:schemeClr val="accent1"/>
+          </a:lnRef>
+          <a:fillRef idx="0">
+            <a:schemeClr val="accent1"/>
+          </a:fillRef>
+          <a:effectRef idx="0">
+            <a:schemeClr val="accent1"/>
+          </a:effectRef>
+          <a:fontRef idx="minor">
+            <a:schemeClr val="tx1"/>
+          </a:fontRef>
+        </p:style>
+      </p:cxnSp>
+      <p:cxnSp>
+        <p:nvCxnSpPr>
+          <p:cNvPr id="18" name="直接箭头连接符 17"/>
+          <p:cNvCxnSpPr/>
+          <p:nvPr/>
+        </p:nvCxnSpPr>
+        <p:spPr>
+          <a:xfrm flipV="1">
+            <a:off x="6075744" y="4232494"/>
+            <a:ext cx="1999044" cy="1077077"/>
+          </a:xfrm>
+          <a:prstGeom prst="straightConnector1">
+            <a:avLst/>
+          </a:prstGeom>
+          <a:ln w="28575">
+            <a:solidFill>
+              <a:srgbClr val="00B050"/>
+            </a:solidFill>
+            <a:tailEnd type="triangle"/>
+          </a:ln>
+        </p:spPr>
+        <p:style>
+          <a:lnRef idx="1">
+            <a:schemeClr val="accent1"/>
+          </a:lnRef>
+          <a:fillRef idx="0">
+            <a:schemeClr val="accent1"/>
+          </a:fillRef>
+          <a:effectRef idx="0">
+            <a:schemeClr val="accent1"/>
+          </a:effectRef>
+          <a:fontRef idx="minor">
+            <a:schemeClr val="tx1"/>
+          </a:fontRef>
+        </p:style>
+      </p:cxnSp>
+    </p:spTree>
+    <p:extLst>
+      <p:ext uri="{BB962C8B-B14F-4D97-AF65-F5344CB8AC3E}">
+        <p14:creationId xmlns:p14="http://schemas.microsoft.com/office/powerpoint/2010/main" val="213189638"/>
+      </p:ext>
+    </p:extLst>
+  </p:cSld>
+  <p:clrMapOvr>
+    <a:masterClrMapping/>
+  </p:clrMapOvr>
+  <p:timing>
+    <p:tnLst>
+      <p:par>
+        <p:cTn id="1" dur="indefinite" restart="never" nodeType="tmRoot">
+          <p:childTnLst>
+            <p:seq concurrent="1" nextAc="seek">
+              <p:cTn id="2" dur="indefinite" nodeType="mainSeq">
+                <p:childTnLst>
+                  <p:par>
+                    <p:cTn id="3" fill="hold">
+                      <p:stCondLst>
+                        <p:cond delay="indefinite"/>
+                      </p:stCondLst>
+                      <p:childTnLst>
+                        <p:par>
+                          <p:cTn id="4" fill="hold">
+                            <p:stCondLst>
+                              <p:cond delay="0"/>
+                            </p:stCondLst>
+                            <p:childTnLst>
+                              <p:par>
+                                <p:cTn id="5" presetID="22" presetClass="entr" presetSubtype="4" fill="hold" nodeType="clickEffect">
+                                  <p:stCondLst>
+                                    <p:cond delay="0"/>
+                                  </p:stCondLst>
+                                  <p:childTnLst>
+                                    <p:set>
+                                      <p:cBhvr>
+                                        <p:cTn id="6" dur="1" fill="hold">
+                                          <p:stCondLst>
+                                            <p:cond delay="0"/>
+                                          </p:stCondLst>
+                                        </p:cTn>
+                                        <p:tgtEl>
+                                          <p:spTgt spid="16"/>
+                                        </p:tgtEl>
+                                        <p:attrNameLst>
+                                          <p:attrName>style.visibility</p:attrName>
+                                        </p:attrNameLst>
+                                      </p:cBhvr>
+                                      <p:to>
+                                        <p:strVal val="visible"/>
+                                      </p:to>
+                                    </p:set>
+                                    <p:animEffect transition="in" filter="wipe(down)">
+                                      <p:cBhvr>
+                                        <p:cTn id="7" dur="500"/>
+                                        <p:tgtEl>
+                                          <p:spTgt spid="16"/>
+                                        </p:tgtEl>
+                                      </p:cBhvr>
+                                    </p:animEffect>
+                                  </p:childTnLst>
+                                </p:cTn>
+                              </p:par>
+                            </p:childTnLst>
+                          </p:cTn>
+                        </p:par>
+                        <p:par>
+                          <p:cTn id="8" fill="hold">
+                            <p:stCondLst>
+                              <p:cond delay="500"/>
+                            </p:stCondLst>
+                            <p:childTnLst>
+                              <p:par>
+                                <p:cTn id="9" presetID="22" presetClass="entr" presetSubtype="4" fill="hold" nodeType="afterEffect">
+                                  <p:stCondLst>
+                                    <p:cond delay="0"/>
+                                  </p:stCondLst>
+                                  <p:childTnLst>
+                                    <p:set>
+                                      <p:cBhvr>
+                                        <p:cTn id="10" dur="1" fill="hold">
+                                          <p:stCondLst>
+                                            <p:cond delay="0"/>
+                                          </p:stCondLst>
+                                        </p:cTn>
+                                        <p:tgtEl>
+                                          <p:spTgt spid="14"/>
+                                        </p:tgtEl>
+                                        <p:attrNameLst>
+                                          <p:attrName>style.visibility</p:attrName>
+                                        </p:attrNameLst>
+                                      </p:cBhvr>
+                                      <p:to>
+                                        <p:strVal val="visible"/>
+                                      </p:to>
+                                    </p:set>
+                                    <p:animEffect transition="in" filter="wipe(down)">
+                                      <p:cBhvr>
+                                        <p:cTn id="11" dur="500"/>
+                                        <p:tgtEl>
+                                          <p:spTgt spid="14"/>
+                                        </p:tgtEl>
+                                      </p:cBhvr>
+                                    </p:animEffect>
+                                  </p:childTnLst>
+                                </p:cTn>
+                              </p:par>
+                            </p:childTnLst>
+                          </p:cTn>
+                        </p:par>
+                      </p:childTnLst>
+                    </p:cTn>
+                  </p:par>
+                  <p:par>
+                    <p:cTn id="12" fill="hold">
+                      <p:stCondLst>
+                        <p:cond delay="indefinite"/>
+                      </p:stCondLst>
+                      <p:childTnLst>
+                        <p:par>
+                          <p:cTn id="13" fill="hold">
+                            <p:stCondLst>
+                              <p:cond delay="0"/>
+                            </p:stCondLst>
+                            <p:childTnLst>
+                              <p:par>
+                                <p:cTn id="14" presetID="22" presetClass="entr" presetSubtype="4" fill="hold" nodeType="clickEffect">
+                                  <p:stCondLst>
+                                    <p:cond delay="0"/>
+                                  </p:stCondLst>
+                                  <p:childTnLst>
+                                    <p:set>
+                                      <p:cBhvr>
+                                        <p:cTn id="15" dur="1" fill="hold">
+                                          <p:stCondLst>
+                                            <p:cond delay="0"/>
+                                          </p:stCondLst>
+                                        </p:cTn>
+                                        <p:tgtEl>
+                                          <p:spTgt spid="17"/>
+                                        </p:tgtEl>
+                                        <p:attrNameLst>
+                                          <p:attrName>style.visibility</p:attrName>
+                                        </p:attrNameLst>
+                                      </p:cBhvr>
+                                      <p:to>
+                                        <p:strVal val="visible"/>
+                                      </p:to>
+                                    </p:set>
+                                    <p:animEffect transition="in" filter="wipe(down)">
+                                      <p:cBhvr>
+                                        <p:cTn id="16" dur="500"/>
+                                        <p:tgtEl>
+                                          <p:spTgt spid="17"/>
+                                        </p:tgtEl>
+                                      </p:cBhvr>
+                                    </p:animEffect>
+                                  </p:childTnLst>
+                                </p:cTn>
+                              </p:par>
+                            </p:childTnLst>
+                          </p:cTn>
+                        </p:par>
+                        <p:par>
+                          <p:cTn id="17" fill="hold">
+                            <p:stCondLst>
+                              <p:cond delay="500"/>
+                            </p:stCondLst>
+                            <p:childTnLst>
+                              <p:par>
+                                <p:cTn id="18" presetID="22" presetClass="entr" presetSubtype="4" fill="hold" nodeType="afterEffect">
+                                  <p:stCondLst>
+                                    <p:cond delay="0"/>
+                                  </p:stCondLst>
+                                  <p:childTnLst>
+                                    <p:set>
+                                      <p:cBhvr>
+                                        <p:cTn id="19" dur="1" fill="hold">
+                                          <p:stCondLst>
+                                            <p:cond delay="0"/>
+                                          </p:stCondLst>
+                                        </p:cTn>
+                                        <p:tgtEl>
+                                          <p:spTgt spid="18"/>
+                                        </p:tgtEl>
+                                        <p:attrNameLst>
+                                          <p:attrName>style.visibility</p:attrName>
+                                        </p:attrNameLst>
+                                      </p:cBhvr>
+                                      <p:to>
+                                        <p:strVal val="visible"/>
+                                      </p:to>
+                                    </p:set>
+                                    <p:animEffect transition="in" filter="wipe(down)">
+                                      <p:cBhvr>
+                                        <p:cTn id="20" dur="500"/>
+                                        <p:tgtEl>
+                                          <p:spTgt spid="18"/>
+                                        </p:tgtEl>
+                                      </p:cBhvr>
+                                    </p:animEffect>
+                                  </p:childTnLst>
+                                </p:cTn>
+                              </p:par>
+                            </p:childTnLst>
+                          </p:cTn>
+                        </p:par>
+                      </p:childTnLst>
+                    </p:cTn>
+                  </p:par>
+                </p:childTnLst>
+              </p:cTn>
+              <p:prevCondLst>
+                <p:cond evt="onPrev" delay="0">
+                  <p:tgtEl>
+                    <p:sldTgt/>
+                  </p:tgtEl>
+                </p:cond>
+              </p:prevCondLst>
+              <p:nextCondLst>
+                <p:cond evt="onNext" delay="0">
+                  <p:tgtEl>
+                    <p:sldTgt/>
+                  </p:tgtEl>
+                </p:cond>
+              </p:nextCondLst>
+            </p:seq>
+          </p:childTnLst>
+        </p:cTn>
+      </p:par>
+    </p:tnLst>
+  </p:timing>
+</p:sld>
+</file>
+
+<file path=ppt/slides/slide37.xml><?xml version="1.0" encoding="utf-8"?>
+<p:sld xmlns:a="http://schemas.openxmlformats.org/drawingml/2006/main" xmlns:r="http://schemas.openxmlformats.org/officeDocument/2006/relationships" xmlns:p="http://schemas.openxmlformats.org/presentationml/2006/main">
+  <p:cSld>
+    <p:spTree>
+      <p:nvGrpSpPr>
+        <p:cNvPr id="1" name=""/>
+        <p:cNvGrpSpPr/>
+        <p:nvPr/>
+      </p:nvGrpSpPr>
+      <p:grpSpPr>
+        <a:xfrm>
+          <a:off x="0" y="0"/>
+          <a:ext cx="0" cy="0"/>
+          <a:chOff x="0" y="0"/>
+          <a:chExt cx="0" cy="0"/>
+        </a:xfrm>
+      </p:grpSpPr>
+      <p:sp>
+        <p:nvSpPr>
+          <p:cNvPr id="2" name="标题 1"/>
+          <p:cNvSpPr>
+            <a:spLocks noGrp="1"/>
+          </p:cNvSpPr>
+          <p:nvPr>
+            <p:ph type="title"/>
+          </p:nvPr>
+        </p:nvSpPr>
+        <p:spPr/>
+        <p:txBody>
+          <a:bodyPr/>
+          <a:lstStyle/>
+          <a:p>
+            <a:r>
+              <a:rPr lang="en-GB" altLang="zh-CN" sz="4400" dirty="0" smtClean="0"/>
+              <a:t>Trigger </a:t>
+            </a:r>
+            <a:r>
+              <a:rPr lang="zh-CN" altLang="en-US" sz="4400" dirty="0" smtClean="0"/>
+              <a:t>举例 </a:t>
+            </a:r>
+            <a:r>
+              <a:rPr lang="en-GB" altLang="zh-CN" sz="4400" dirty="0" smtClean="0"/>
+              <a:t>– </a:t>
+            </a:r>
+            <a:r>
+              <a:rPr lang="zh-CN" altLang="en-US" sz="4400" dirty="0" smtClean="0"/>
+              <a:t>多库备份</a:t>
+            </a:r>
+            <a:r>
+              <a:rPr lang="en-GB" altLang="zh-CN" sz="4400" dirty="0" smtClean="0"/>
+              <a:t> </a:t>
+            </a:r>
+            <a:r>
+              <a:rPr lang="en-GB" altLang="zh-CN" sz="4400" dirty="0"/>
+              <a:t/>
+            </a:r>
+            <a:br>
+              <a:rPr lang="en-GB" altLang="zh-CN" sz="4400" dirty="0"/>
+            </a:br>
+            <a:r>
+              <a:rPr lang="en-US" altLang="zh-CN" sz="2000" cap="all" dirty="0">
+                <a:solidFill>
+                  <a:schemeClr val="accent1"/>
+                </a:solidFill>
+              </a:rPr>
+              <a:t>XSQL</a:t>
+            </a:r>
+            <a:r>
+              <a:rPr lang="zh-CN" altLang="en-US" sz="2000" cap="all" dirty="0" smtClean="0">
+                <a:solidFill>
+                  <a:schemeClr val="accent1"/>
+                </a:solidFill>
+              </a:rPr>
+              <a:t>的高级元素</a:t>
+            </a:r>
+            <a:endParaRPr lang="zh-CN" altLang="en-US" dirty="0"/>
+          </a:p>
+        </p:txBody>
+      </p:sp>
+      <p:grpSp>
+        <p:nvGrpSpPr>
+          <p:cNvPr id="5" name="组合 4"/>
+          <p:cNvGrpSpPr/>
+          <p:nvPr/>
+        </p:nvGrpSpPr>
+        <p:grpSpPr>
+          <a:xfrm>
+            <a:off x="10401652" y="72593"/>
+            <a:ext cx="763351" cy="1071782"/>
+            <a:chOff x="10401652" y="72593"/>
+            <a:chExt cx="763351" cy="1071782"/>
+          </a:xfrm>
+        </p:grpSpPr>
+        <p:sp>
+          <p:nvSpPr>
+            <p:cNvPr id="6" name="矩形 5"/>
+            <p:cNvSpPr/>
+            <p:nvPr/>
+          </p:nvSpPr>
+          <p:spPr>
+            <a:xfrm>
+              <a:off x="10401652" y="72593"/>
+              <a:ext cx="763351" cy="461665"/>
+            </a:xfrm>
+            <a:prstGeom prst="rect">
+              <a:avLst/>
+            </a:prstGeom>
+            <a:noFill/>
+          </p:spPr>
+          <p:txBody>
+            <a:bodyPr wrap="none" lIns="91440" tIns="45720" rIns="91440" bIns="45720">
+              <a:spAutoFit/>
+            </a:bodyPr>
+            <a:lstStyle/>
+            <a:p>
+              <a:pPr algn="ctr"/>
+              <a:r>
+                <a:rPr lang="en-GB" altLang="zh-CN" sz="2400" b="1" cap="none" spc="0" dirty="0" smtClean="0">
+                  <a:ln w="12700">
+                    <a:solidFill>
+                      <a:schemeClr val="tx2">
+                        <a:lumMod val="75000"/>
+                      </a:schemeClr>
+                    </a:solidFill>
+                    <a:prstDash val="solid"/>
+                  </a:ln>
+                  <a:pattFill prst="dkUpDiag">
+                    <a:fgClr>
+                      <a:schemeClr val="tx2"/>
+                    </a:fgClr>
+                    <a:bgClr>
+                      <a:schemeClr val="tx2">
+                        <a:lumMod val="20000"/>
+                        <a:lumOff val="80000"/>
+                      </a:schemeClr>
+                    </a:bgClr>
+                  </a:pattFill>
+                  <a:effectLst>
+                    <a:outerShdw dist="38100" dir="2640000" algn="bl" rotWithShape="0">
+                      <a:schemeClr val="tx2">
+                        <a:lumMod val="75000"/>
+                      </a:schemeClr>
+                    </a:outerShdw>
+                  </a:effectLst>
+                  <a:latin typeface="Segoe UI Black" panose="020B0A02040204020203" pitchFamily="34" charset="0"/>
+                  <a:ea typeface="Segoe UI Black" panose="020B0A02040204020203" pitchFamily="34" charset="0"/>
+                  <a:cs typeface="Segoe UI Black" panose="020B0A02040204020203" pitchFamily="34" charset="0"/>
+                </a:rPr>
+                <a:t>SQL</a:t>
+              </a:r>
+            </a:p>
+          </p:txBody>
+        </p:sp>
+        <p:sp>
+          <p:nvSpPr>
+            <p:cNvPr id="7" name="矩形 6"/>
+            <p:cNvSpPr/>
+            <p:nvPr/>
+          </p:nvSpPr>
+          <p:spPr>
+            <a:xfrm>
+              <a:off x="10439901" y="221045"/>
+              <a:ext cx="670376" cy="923330"/>
+            </a:xfrm>
+            <a:prstGeom prst="rect">
+              <a:avLst/>
+            </a:prstGeom>
+          </p:spPr>
+          <p:txBody>
+            <a:bodyPr wrap="none">
+              <a:spAutoFit/>
+            </a:bodyPr>
+            <a:lstStyle/>
+            <a:p>
+              <a:pPr algn="ctr"/>
+              <a:r>
+                <a:rPr lang="en-GB" altLang="zh-CN" sz="5400" dirty="0">
+                  <a:ln w="12700">
+                    <a:solidFill>
+                      <a:schemeClr val="tx2">
+                        <a:lumMod val="75000"/>
+                      </a:schemeClr>
+                    </a:solidFill>
+                    <a:prstDash val="solid"/>
+                  </a:ln>
+                  <a:pattFill prst="dkUpDiag">
+                    <a:fgClr>
+                      <a:schemeClr val="tx2"/>
+                    </a:fgClr>
+                    <a:bgClr>
+                      <a:schemeClr val="tx2">
+                        <a:lumMod val="20000"/>
+                        <a:lumOff val="80000"/>
+                      </a:schemeClr>
+                    </a:bgClr>
+                  </a:pattFill>
+                  <a:effectLst>
+                    <a:outerShdw dist="38100" dir="2640000" algn="bl" rotWithShape="0">
+                      <a:schemeClr val="tx2">
+                        <a:lumMod val="75000"/>
+                      </a:schemeClr>
+                    </a:outerShdw>
+                  </a:effectLst>
+                  <a:latin typeface="Segoe UI Black" panose="020B0A02040204020203" pitchFamily="34" charset="0"/>
+                  <a:ea typeface="Segoe UI Black" panose="020B0A02040204020203" pitchFamily="34" charset="0"/>
+                  <a:cs typeface="Segoe UI Black" panose="020B0A02040204020203" pitchFamily="34" charset="0"/>
+                </a:rPr>
+                <a:t>X</a:t>
+              </a:r>
+              <a:endParaRPr lang="zh-CN" altLang="en-US" sz="5400" dirty="0">
+                <a:ln w="12700">
+                  <a:solidFill>
+                    <a:schemeClr val="tx2">
+                      <a:lumMod val="75000"/>
+                    </a:schemeClr>
+                  </a:solidFill>
+                  <a:prstDash val="solid"/>
+                </a:ln>
+                <a:pattFill prst="dkUpDiag">
+                  <a:fgClr>
+                    <a:schemeClr val="tx2"/>
+                  </a:fgClr>
+                  <a:bgClr>
+                    <a:schemeClr val="tx2">
+                      <a:lumMod val="20000"/>
+                      <a:lumOff val="80000"/>
+                    </a:schemeClr>
+                  </a:bgClr>
+                </a:pattFill>
+                <a:effectLst>
+                  <a:outerShdw dist="38100" dir="2640000" algn="bl" rotWithShape="0">
+                    <a:schemeClr val="tx2">
+                      <a:lumMod val="75000"/>
+                    </a:schemeClr>
+                  </a:outerShdw>
+                </a:effectLst>
+                <a:latin typeface="Segoe UI Black" panose="020B0A02040204020203" pitchFamily="34" charset="0"/>
+                <a:ea typeface="华文行楷" panose="02010800040101010101" pitchFamily="2" charset="-122"/>
+                <a:cs typeface="Segoe UI Black" panose="020B0A02040204020203" pitchFamily="34" charset="0"/>
+              </a:endParaRPr>
+            </a:p>
+          </p:txBody>
+        </p:sp>
+      </p:grpSp>
+      <p:pic>
+        <p:nvPicPr>
+          <p:cNvPr id="3" name="图片 2"/>
+          <p:cNvPicPr>
+            <a:picLocks noChangeAspect="1"/>
+          </p:cNvPicPr>
+          <p:nvPr/>
+        </p:nvPicPr>
+        <p:blipFill>
+          <a:blip r:embed="rId2"/>
+          <a:stretch>
+            <a:fillRect/>
+          </a:stretch>
+        </p:blipFill>
+        <p:spPr>
+          <a:xfrm>
+            <a:off x="2670318" y="1257758"/>
+            <a:ext cx="7683709" cy="5535222"/>
+          </a:xfrm>
+          <a:prstGeom prst="rect">
+            <a:avLst/>
+          </a:prstGeom>
+        </p:spPr>
+      </p:pic>
+      <p:cxnSp>
+        <p:nvCxnSpPr>
+          <p:cNvPr id="15" name="直接连接符 14"/>
+          <p:cNvCxnSpPr/>
+          <p:nvPr/>
+        </p:nvCxnSpPr>
+        <p:spPr>
+          <a:xfrm>
+            <a:off x="3381375" y="2699721"/>
+            <a:ext cx="3876675" cy="5379"/>
+          </a:xfrm>
+          <a:prstGeom prst="line">
+            <a:avLst/>
+          </a:prstGeom>
+          <a:ln w="28575">
+            <a:solidFill>
+              <a:srgbClr val="FF0000"/>
+            </a:solidFill>
+          </a:ln>
+        </p:spPr>
+        <p:style>
+          <a:lnRef idx="1">
+            <a:schemeClr val="accent1"/>
+          </a:lnRef>
+          <a:fillRef idx="0">
+            <a:schemeClr val="accent1"/>
+          </a:fillRef>
+          <a:effectRef idx="0">
+            <a:schemeClr val="accent1"/>
+          </a:effectRef>
+          <a:fontRef idx="minor">
+            <a:schemeClr val="tx1"/>
+          </a:fontRef>
+        </p:style>
+      </p:cxnSp>
+    </p:spTree>
+    <p:extLst>
+      <p:ext uri="{BB962C8B-B14F-4D97-AF65-F5344CB8AC3E}">
+        <p14:creationId xmlns:p14="http://schemas.microsoft.com/office/powerpoint/2010/main" val="3635270735"/>
+      </p:ext>
+    </p:extLst>
+  </p:cSld>
+  <p:clrMapOvr>
+    <a:masterClrMapping/>
+  </p:clrMapOvr>
+  <p:timing>
+    <p:tnLst>
+      <p:par>
+        <p:cTn id="1" dur="indefinite" restart="never" nodeType="tmRoot">
+          <p:childTnLst>
+            <p:seq concurrent="1" nextAc="seek">
+              <p:cTn id="2" dur="indefinite" nodeType="mainSeq">
+                <p:childTnLst>
+                  <p:par>
+                    <p:cTn id="3" fill="hold">
+                      <p:stCondLst>
+                        <p:cond delay="indefinite"/>
+                      </p:stCondLst>
+                      <p:childTnLst>
+                        <p:par>
+                          <p:cTn id="4" fill="hold">
+                            <p:stCondLst>
+                              <p:cond delay="0"/>
+                            </p:stCondLst>
+                            <p:childTnLst>
+                              <p:par>
+                                <p:cTn id="5" presetID="22" presetClass="entr" presetSubtype="4" fill="hold" nodeType="clickEffect">
+                                  <p:stCondLst>
+                                    <p:cond delay="0"/>
+                                  </p:stCondLst>
+                                  <p:childTnLst>
+                                    <p:set>
+                                      <p:cBhvr>
+                                        <p:cTn id="6" dur="1" fill="hold">
+                                          <p:stCondLst>
+                                            <p:cond delay="0"/>
+                                          </p:stCondLst>
+                                        </p:cTn>
+                                        <p:tgtEl>
+                                          <p:spTgt spid="15"/>
+                                        </p:tgtEl>
+                                        <p:attrNameLst>
+                                          <p:attrName>style.visibility</p:attrName>
+                                        </p:attrNameLst>
+                                      </p:cBhvr>
+                                      <p:to>
+                                        <p:strVal val="visible"/>
+                                      </p:to>
+                                    </p:set>
+                                    <p:animEffect transition="in" filter="wipe(down)">
+                                      <p:cBhvr>
+                                        <p:cTn id="7" dur="500"/>
+                                        <p:tgtEl>
+                                          <p:spTgt spid="15"/>
+                                        </p:tgtEl>
+                                      </p:cBhvr>
+                                    </p:animEffect>
+                                  </p:childTnLst>
+                                </p:cTn>
+                              </p:par>
+                            </p:childTnLst>
+                          </p:cTn>
+                        </p:par>
+                      </p:childTnLst>
+                    </p:cTn>
+                  </p:par>
+                </p:childTnLst>
+              </p:cTn>
+              <p:prevCondLst>
+                <p:cond evt="onPrev" delay="0">
+                  <p:tgtEl>
+                    <p:sldTgt/>
+                  </p:tgtEl>
+                </p:cond>
+              </p:prevCondLst>
+              <p:nextCondLst>
+                <p:cond evt="onNext" delay="0">
+                  <p:tgtEl>
+                    <p:sldTgt/>
+                  </p:tgtEl>
+                </p:cond>
+              </p:nextCondLst>
+            </p:seq>
+          </p:childTnLst>
+        </p:cTn>
+      </p:par>
+    </p:tnLst>
+  </p:timing>
+</p:sld>
+</file>
+
+<file path=ppt/slides/slide38.xml><?xml version="1.0" encoding="utf-8"?>
+<p:sld xmlns:a="http://schemas.openxmlformats.org/drawingml/2006/main" xmlns:r="http://schemas.openxmlformats.org/officeDocument/2006/relationships" xmlns:p="http://schemas.openxmlformats.org/presentationml/2006/main">
+  <p:cSld>
+    <p:spTree>
+      <p:nvGrpSpPr>
+        <p:cNvPr id="1" name=""/>
+        <p:cNvGrpSpPr/>
+        <p:nvPr/>
+      </p:nvGrpSpPr>
+      <p:grpSpPr>
+        <a:xfrm>
+          <a:off x="0" y="0"/>
+          <a:ext cx="0" cy="0"/>
+          <a:chOff x="0" y="0"/>
+          <a:chExt cx="0" cy="0"/>
+        </a:xfrm>
+      </p:grpSpPr>
+      <p:sp>
+        <p:nvSpPr>
+          <p:cNvPr id="2" name="标题 1"/>
+          <p:cNvSpPr>
+            <a:spLocks noGrp="1"/>
+          </p:cNvSpPr>
+          <p:nvPr>
+            <p:ph type="title"/>
+          </p:nvPr>
+        </p:nvSpPr>
+        <p:spPr/>
+        <p:txBody>
+          <a:bodyPr/>
+          <a:lstStyle/>
+          <a:p>
+            <a:r>
+              <a:rPr lang="en-GB" altLang="zh-CN" sz="4400" dirty="0" smtClean="0"/>
+              <a:t>Trigger </a:t>
+            </a:r>
+            <a:r>
+              <a:rPr lang="zh-CN" altLang="en-US" sz="4400" dirty="0" smtClean="0"/>
+              <a:t>异常处理</a:t>
+            </a:r>
+            <a:r>
+              <a:rPr lang="en-GB" altLang="zh-CN" sz="4400" dirty="0"/>
+              <a:t/>
+            </a:r>
+            <a:br>
+              <a:rPr lang="en-GB" altLang="zh-CN" sz="4400" dirty="0"/>
+            </a:br>
+            <a:r>
+              <a:rPr lang="en-US" altLang="zh-CN" sz="2000" cap="all" dirty="0">
+                <a:solidFill>
+                  <a:schemeClr val="accent1"/>
+                </a:solidFill>
+              </a:rPr>
+              <a:t>XSQL</a:t>
+            </a:r>
+            <a:r>
+              <a:rPr lang="zh-CN" altLang="en-US" sz="2000" cap="all" dirty="0" smtClean="0">
+                <a:solidFill>
+                  <a:schemeClr val="accent1"/>
+                </a:solidFill>
+              </a:rPr>
+              <a:t>的高级元素</a:t>
+            </a:r>
+            <a:endParaRPr lang="zh-CN" altLang="en-US" dirty="0"/>
+          </a:p>
+        </p:txBody>
+      </p:sp>
+      <p:grpSp>
+        <p:nvGrpSpPr>
+          <p:cNvPr id="5" name="组合 4"/>
+          <p:cNvGrpSpPr/>
+          <p:nvPr/>
+        </p:nvGrpSpPr>
+        <p:grpSpPr>
+          <a:xfrm>
+            <a:off x="10401652" y="72593"/>
+            <a:ext cx="763351" cy="1071782"/>
+            <a:chOff x="10401652" y="72593"/>
+            <a:chExt cx="763351" cy="1071782"/>
+          </a:xfrm>
+        </p:grpSpPr>
+        <p:sp>
+          <p:nvSpPr>
+            <p:cNvPr id="6" name="矩形 5"/>
+            <p:cNvSpPr/>
+            <p:nvPr/>
+          </p:nvSpPr>
+          <p:spPr>
+            <a:xfrm>
+              <a:off x="10401652" y="72593"/>
+              <a:ext cx="763351" cy="461665"/>
+            </a:xfrm>
+            <a:prstGeom prst="rect">
+              <a:avLst/>
+            </a:prstGeom>
+            <a:noFill/>
+          </p:spPr>
+          <p:txBody>
+            <a:bodyPr wrap="none" lIns="91440" tIns="45720" rIns="91440" bIns="45720">
+              <a:spAutoFit/>
+            </a:bodyPr>
+            <a:lstStyle/>
+            <a:p>
+              <a:pPr algn="ctr"/>
+              <a:r>
+                <a:rPr lang="en-GB" altLang="zh-CN" sz="2400" b="1" cap="none" spc="0" dirty="0" smtClean="0">
+                  <a:ln w="12700">
+                    <a:solidFill>
+                      <a:schemeClr val="tx2">
+                        <a:lumMod val="75000"/>
+                      </a:schemeClr>
+                    </a:solidFill>
+                    <a:prstDash val="solid"/>
+                  </a:ln>
+                  <a:pattFill prst="dkUpDiag">
+                    <a:fgClr>
+                      <a:schemeClr val="tx2"/>
+                    </a:fgClr>
+                    <a:bgClr>
+                      <a:schemeClr val="tx2">
+                        <a:lumMod val="20000"/>
+                        <a:lumOff val="80000"/>
+                      </a:schemeClr>
+                    </a:bgClr>
+                  </a:pattFill>
+                  <a:effectLst>
+                    <a:outerShdw dist="38100" dir="2640000" algn="bl" rotWithShape="0">
+                      <a:schemeClr val="tx2">
+                        <a:lumMod val="75000"/>
+                      </a:schemeClr>
+                    </a:outerShdw>
+                  </a:effectLst>
+                  <a:latin typeface="Segoe UI Black" panose="020B0A02040204020203" pitchFamily="34" charset="0"/>
+                  <a:ea typeface="Segoe UI Black" panose="020B0A02040204020203" pitchFamily="34" charset="0"/>
+                  <a:cs typeface="Segoe UI Black" panose="020B0A02040204020203" pitchFamily="34" charset="0"/>
+                </a:rPr>
+                <a:t>SQL</a:t>
+              </a:r>
+            </a:p>
+          </p:txBody>
+        </p:sp>
+        <p:sp>
+          <p:nvSpPr>
+            <p:cNvPr id="7" name="矩形 6"/>
+            <p:cNvSpPr/>
+            <p:nvPr/>
+          </p:nvSpPr>
+          <p:spPr>
+            <a:xfrm>
+              <a:off x="10439901" y="221045"/>
+              <a:ext cx="670376" cy="923330"/>
+            </a:xfrm>
+            <a:prstGeom prst="rect">
+              <a:avLst/>
+            </a:prstGeom>
+          </p:spPr>
+          <p:txBody>
+            <a:bodyPr wrap="none">
+              <a:spAutoFit/>
+            </a:bodyPr>
+            <a:lstStyle/>
+            <a:p>
+              <a:pPr algn="ctr"/>
+              <a:r>
+                <a:rPr lang="en-GB" altLang="zh-CN" sz="5400" dirty="0">
+                  <a:ln w="12700">
+                    <a:solidFill>
+                      <a:schemeClr val="tx2">
+                        <a:lumMod val="75000"/>
+                      </a:schemeClr>
+                    </a:solidFill>
+                    <a:prstDash val="solid"/>
+                  </a:ln>
+                  <a:pattFill prst="dkUpDiag">
+                    <a:fgClr>
+                      <a:schemeClr val="tx2"/>
+                    </a:fgClr>
+                    <a:bgClr>
+                      <a:schemeClr val="tx2">
+                        <a:lumMod val="20000"/>
+                        <a:lumOff val="80000"/>
+                      </a:schemeClr>
+                    </a:bgClr>
+                  </a:pattFill>
+                  <a:effectLst>
+                    <a:outerShdw dist="38100" dir="2640000" algn="bl" rotWithShape="0">
+                      <a:schemeClr val="tx2">
+                        <a:lumMod val="75000"/>
+                      </a:schemeClr>
+                    </a:outerShdw>
+                  </a:effectLst>
+                  <a:latin typeface="Segoe UI Black" panose="020B0A02040204020203" pitchFamily="34" charset="0"/>
+                  <a:ea typeface="Segoe UI Black" panose="020B0A02040204020203" pitchFamily="34" charset="0"/>
+                  <a:cs typeface="Segoe UI Black" panose="020B0A02040204020203" pitchFamily="34" charset="0"/>
+                </a:rPr>
+                <a:t>X</a:t>
+              </a:r>
+              <a:endParaRPr lang="zh-CN" altLang="en-US" sz="5400" dirty="0">
+                <a:ln w="12700">
+                  <a:solidFill>
+                    <a:schemeClr val="tx2">
+                      <a:lumMod val="75000"/>
+                    </a:schemeClr>
+                  </a:solidFill>
+                  <a:prstDash val="solid"/>
+                </a:ln>
+                <a:pattFill prst="dkUpDiag">
+                  <a:fgClr>
+                    <a:schemeClr val="tx2"/>
+                  </a:fgClr>
+                  <a:bgClr>
+                    <a:schemeClr val="tx2">
+                      <a:lumMod val="20000"/>
+                      <a:lumOff val="80000"/>
+                    </a:schemeClr>
+                  </a:bgClr>
+                </a:pattFill>
+                <a:effectLst>
+                  <a:outerShdw dist="38100" dir="2640000" algn="bl" rotWithShape="0">
+                    <a:schemeClr val="tx2">
+                      <a:lumMod val="75000"/>
+                    </a:schemeClr>
+                  </a:outerShdw>
+                </a:effectLst>
+                <a:latin typeface="Segoe UI Black" panose="020B0A02040204020203" pitchFamily="34" charset="0"/>
+                <a:ea typeface="华文行楷" panose="02010800040101010101" pitchFamily="2" charset="-122"/>
+                <a:cs typeface="Segoe UI Black" panose="020B0A02040204020203" pitchFamily="34" charset="0"/>
+              </a:endParaRPr>
+            </a:p>
+          </p:txBody>
+        </p:sp>
+      </p:grpSp>
+      <p:sp>
+        <p:nvSpPr>
+          <p:cNvPr id="8" name="内容占位符 2"/>
+          <p:cNvSpPr>
+            <a:spLocks noGrp="1"/>
+          </p:cNvSpPr>
+          <p:nvPr>
+            <p:ph idx="1"/>
+          </p:nvPr>
+        </p:nvSpPr>
+        <p:spPr>
+          <a:xfrm>
+            <a:off x="1103312" y="2052918"/>
+            <a:ext cx="8946541" cy="4195481"/>
+          </a:xfrm>
+        </p:spPr>
+        <p:txBody>
+          <a:bodyPr/>
+          <a:lstStyle/>
+          <a:p>
+            <a:pPr marL="0" indent="0">
+              <a:buNone/>
+            </a:pPr>
+            <a:r>
+              <a:rPr lang="zh-CN" altLang="en-US" dirty="0" smtClean="0"/>
+              <a:t>每个</a:t>
+            </a:r>
+            <a:r>
+              <a:rPr lang="zh-CN" altLang="en-US" dirty="0"/>
+              <a:t>触发器每个操作都是一个独立的</a:t>
+            </a:r>
+            <a:r>
+              <a:rPr lang="zh-CN" altLang="en-US" dirty="0" smtClean="0"/>
+              <a:t>事务。</a:t>
+            </a:r>
+            <a:endParaRPr lang="en-GB" altLang="zh-CN" dirty="0" smtClean="0"/>
+          </a:p>
+          <a:p>
+            <a:pPr marL="0" indent="0">
+              <a:buNone/>
+            </a:pPr>
+            <a:endParaRPr lang="en-GB" altLang="zh-CN" dirty="0" smtClean="0"/>
+          </a:p>
+          <a:p>
+            <a:r>
+              <a:rPr lang="zh-CN" altLang="en-US" dirty="0"/>
+              <a:t>触发器执行</a:t>
+            </a:r>
+            <a:r>
+              <a:rPr lang="zh-CN" altLang="en-US" dirty="0" smtClean="0"/>
+              <a:t>异常时，会不会回</a:t>
+            </a:r>
+            <a:r>
+              <a:rPr lang="zh-CN" altLang="en-US" dirty="0"/>
+              <a:t>滚先前触发源</a:t>
+            </a:r>
+            <a:r>
+              <a:rPr lang="en-US" altLang="zh-CN" dirty="0"/>
+              <a:t>XSQL</a:t>
+            </a:r>
+            <a:r>
+              <a:rPr lang="zh-CN" altLang="en-US" dirty="0"/>
+              <a:t>的</a:t>
+            </a:r>
+            <a:r>
+              <a:rPr lang="zh-CN" altLang="en-US" dirty="0" smtClean="0"/>
+              <a:t>操作？</a:t>
+            </a:r>
+            <a:endParaRPr lang="en-US" altLang="zh-CN" dirty="0" smtClean="0"/>
+          </a:p>
+          <a:p>
+            <a:pPr marL="0" indent="0">
+              <a:buNone/>
+            </a:pPr>
+            <a:r>
+              <a:rPr lang="en-US" altLang="zh-CN" dirty="0"/>
+              <a:t>	</a:t>
+            </a:r>
+            <a:endParaRPr lang="en-GB" altLang="zh-CN" dirty="0" smtClean="0"/>
+          </a:p>
+          <a:p>
+            <a:r>
+              <a:rPr lang="zh-CN" altLang="en-US" dirty="0" smtClean="0"/>
+              <a:t>多个触发器，后一个触发器执行异常时，会不会回滚前一个触发器？</a:t>
+            </a:r>
+            <a:endParaRPr lang="en-GB" altLang="zh-CN" dirty="0"/>
+          </a:p>
+          <a:p>
+            <a:pPr marL="0" indent="0">
+              <a:buNone/>
+            </a:pPr>
+            <a:endParaRPr lang="en-GB" altLang="zh-CN" dirty="0" smtClean="0"/>
+          </a:p>
+          <a:p>
+            <a:endParaRPr lang="zh-CN" altLang="en-US" dirty="0"/>
+          </a:p>
+        </p:txBody>
+      </p:sp>
+      <p:sp>
+        <p:nvSpPr>
+          <p:cNvPr id="3" name="文本框 2"/>
+          <p:cNvSpPr txBox="1"/>
+          <p:nvPr/>
+        </p:nvSpPr>
+        <p:spPr>
+          <a:xfrm>
+            <a:off x="8143875" y="2933700"/>
+            <a:ext cx="1238751" cy="369332"/>
+          </a:xfrm>
+          <a:prstGeom prst="rect">
+            <a:avLst/>
+          </a:prstGeom>
+          <a:noFill/>
+        </p:spPr>
+        <p:txBody>
+          <a:bodyPr wrap="square" rtlCol="0">
+            <a:spAutoFit/>
+          </a:bodyPr>
+          <a:lstStyle/>
+          <a:p>
+            <a:r>
+              <a:rPr lang="zh-CN" altLang="en-US" b="1" dirty="0" smtClean="0">
+                <a:solidFill>
+                  <a:srgbClr val="FFFF00"/>
+                </a:solidFill>
+              </a:rPr>
+              <a:t>不回滚</a:t>
+            </a:r>
+            <a:endParaRPr lang="zh-CN" altLang="en-US" b="1" dirty="0">
+              <a:solidFill>
+                <a:srgbClr val="FFFF00"/>
+              </a:solidFill>
+            </a:endParaRPr>
+          </a:p>
+        </p:txBody>
+      </p:sp>
+      <p:sp>
+        <p:nvSpPr>
+          <p:cNvPr id="9" name="文本框 8"/>
+          <p:cNvSpPr txBox="1"/>
+          <p:nvPr/>
+        </p:nvSpPr>
+        <p:spPr>
+          <a:xfrm>
+            <a:off x="9382626" y="3781326"/>
+            <a:ext cx="1238751" cy="369332"/>
+          </a:xfrm>
+          <a:prstGeom prst="rect">
+            <a:avLst/>
+          </a:prstGeom>
+          <a:noFill/>
+        </p:spPr>
+        <p:txBody>
+          <a:bodyPr wrap="square" rtlCol="0">
+            <a:spAutoFit/>
+          </a:bodyPr>
+          <a:lstStyle/>
+          <a:p>
+            <a:r>
+              <a:rPr lang="zh-CN" altLang="en-US" b="1" dirty="0" smtClean="0">
+                <a:solidFill>
+                  <a:srgbClr val="FFFF00"/>
+                </a:solidFill>
+              </a:rPr>
+              <a:t>不回滚</a:t>
+            </a:r>
+            <a:endParaRPr lang="zh-CN" altLang="en-US" b="1" dirty="0">
+              <a:solidFill>
+                <a:srgbClr val="FFFF00"/>
+              </a:solidFill>
+            </a:endParaRPr>
+          </a:p>
+        </p:txBody>
+      </p:sp>
+      <p:sp>
+        <p:nvSpPr>
+          <p:cNvPr id="10" name="内容占位符 2"/>
+          <p:cNvSpPr txBox="1">
+            <a:spLocks/>
+          </p:cNvSpPr>
+          <p:nvPr/>
+        </p:nvSpPr>
+        <p:spPr>
+          <a:xfrm>
+            <a:off x="1103312" y="4183814"/>
+            <a:ext cx="8946541" cy="2064585"/>
+          </a:xfrm>
+          <a:prstGeom prst="rect">
+            <a:avLst/>
+          </a:prstGeom>
+        </p:spPr>
+        <p:txBody>
+          <a:bodyPr vert="horz" lIns="91440" tIns="45720" rIns="91440" bIns="45720" rtlCol="0">
+            <a:normAutofit/>
+          </a:bodyPr>
+          <a:lstStyle>
+            <a:lvl1pPr marL="342900" indent="-342900" algn="l" defTabSz="457200" rtl="0" eaLnBrk="1" latinLnBrk="0" hangingPunct="1">
+              <a:spcBef>
+                <a:spcPts val="1000"/>
+              </a:spcBef>
+              <a:spcAft>
+                <a:spcPts val="0"/>
+              </a:spcAft>
+              <a:buClr>
+                <a:schemeClr val="accent1"/>
+              </a:buClr>
+              <a:buSzPct val="80000"/>
+              <a:buFont typeface="Wingdings 3" charset="2"/>
+              <a:buChar char=""/>
+              <a:defRPr sz="2000" b="0" i="0" kern="1200">
+                <a:solidFill>
+                  <a:schemeClr val="tx1"/>
+                </a:solidFill>
+                <a:latin typeface="+mj-lt"/>
+                <a:ea typeface="+mj-ea"/>
+                <a:cs typeface="+mj-cs"/>
+              </a:defRPr>
+            </a:lvl1pPr>
+            <a:lvl2pPr marL="742950" indent="-285750" algn="l" defTabSz="457200" rtl="0" eaLnBrk="1" latinLnBrk="0" hangingPunct="1">
+              <a:spcBef>
+                <a:spcPts val="1000"/>
+              </a:spcBef>
+              <a:spcAft>
+                <a:spcPts val="0"/>
+              </a:spcAft>
+              <a:buClr>
+                <a:schemeClr val="accent1"/>
+              </a:buClr>
+              <a:buSzPct val="80000"/>
+              <a:buFont typeface="Wingdings 3" charset="2"/>
+              <a:buChar char=""/>
+              <a:defRPr sz="1800" b="0" i="0" kern="1200">
+                <a:solidFill>
+                  <a:schemeClr val="tx1"/>
+                </a:solidFill>
+                <a:latin typeface="+mj-lt"/>
+                <a:ea typeface="+mj-ea"/>
+                <a:cs typeface="+mj-cs"/>
+              </a:defRPr>
+            </a:lvl2pPr>
+            <a:lvl3pPr marL="1143000" indent="-228600" algn="l" defTabSz="457200" rtl="0" eaLnBrk="1" latinLnBrk="0" hangingPunct="1">
+              <a:spcBef>
+                <a:spcPts val="1000"/>
+              </a:spcBef>
+              <a:spcAft>
+                <a:spcPts val="0"/>
+              </a:spcAft>
+              <a:buClr>
+                <a:schemeClr val="accent1"/>
+              </a:buClr>
+              <a:buSzPct val="80000"/>
+              <a:buFont typeface="Wingdings 3" charset="2"/>
+              <a:buChar char=""/>
+              <a:defRPr sz="1600" b="0" i="0" kern="1200">
+                <a:solidFill>
+                  <a:schemeClr val="tx1"/>
+                </a:solidFill>
+                <a:latin typeface="+mj-lt"/>
+                <a:ea typeface="+mj-ea"/>
+                <a:cs typeface="+mj-cs"/>
+              </a:defRPr>
+            </a:lvl3pPr>
+            <a:lvl4pPr marL="1600200" indent="-228600" algn="l" defTabSz="457200" rtl="0" eaLnBrk="1" latinLnBrk="0" hangingPunct="1">
+              <a:spcBef>
+                <a:spcPts val="1000"/>
+              </a:spcBef>
+              <a:spcAft>
+                <a:spcPts val="0"/>
+              </a:spcAft>
+              <a:buClr>
+                <a:schemeClr val="accent1"/>
+              </a:buClr>
+              <a:buSzPct val="80000"/>
+              <a:buFont typeface="Wingdings 3" charset="2"/>
+              <a:buChar char=""/>
+              <a:defRPr sz="1400" b="0" i="0" kern="1200">
+                <a:solidFill>
+                  <a:schemeClr val="tx1"/>
+                </a:solidFill>
+                <a:latin typeface="+mj-lt"/>
+                <a:ea typeface="+mj-ea"/>
+                <a:cs typeface="+mj-cs"/>
+              </a:defRPr>
+            </a:lvl4pPr>
+            <a:lvl5pPr marL="2057400" indent="-228600" algn="l" defTabSz="457200" rtl="0" eaLnBrk="1" latinLnBrk="0" hangingPunct="1">
+              <a:spcBef>
+                <a:spcPts val="1000"/>
+              </a:spcBef>
+              <a:spcAft>
+                <a:spcPts val="0"/>
+              </a:spcAft>
+              <a:buClr>
+                <a:schemeClr val="accent1"/>
+              </a:buClr>
+              <a:buSzPct val="80000"/>
+              <a:buFont typeface="Wingdings 3" charset="2"/>
+              <a:buChar char=""/>
+              <a:defRPr sz="1400" b="0" i="0" kern="1200">
+                <a:solidFill>
+                  <a:schemeClr val="tx1"/>
+                </a:solidFill>
+                <a:latin typeface="+mj-lt"/>
+                <a:ea typeface="+mj-ea"/>
+                <a:cs typeface="+mj-cs"/>
+              </a:defRPr>
+            </a:lvl5pPr>
+            <a:lvl6pPr marL="2514600" indent="-228600" algn="l" defTabSz="457200" rtl="0" eaLnBrk="1" latinLnBrk="0" hangingPunct="1">
+              <a:spcBef>
+                <a:spcPts val="1000"/>
+              </a:spcBef>
+              <a:spcAft>
+                <a:spcPts val="0"/>
+              </a:spcAft>
+              <a:buClr>
+                <a:schemeClr val="accent1"/>
+              </a:buClr>
+              <a:buSzPct val="80000"/>
+              <a:buFont typeface="Wingdings 3" charset="2"/>
+              <a:buChar char=""/>
+              <a:defRPr sz="1400" b="0" i="0" kern="1200">
+                <a:solidFill>
+                  <a:schemeClr val="tx1"/>
+                </a:solidFill>
+                <a:latin typeface="+mj-lt"/>
+                <a:ea typeface="+mj-ea"/>
+                <a:cs typeface="+mj-cs"/>
+              </a:defRPr>
+            </a:lvl6pPr>
+            <a:lvl7pPr marL="2971800" indent="-228600" algn="l" defTabSz="457200" rtl="0" eaLnBrk="1" latinLnBrk="0" hangingPunct="1">
+              <a:spcBef>
+                <a:spcPts val="1000"/>
+              </a:spcBef>
+              <a:spcAft>
+                <a:spcPts val="0"/>
+              </a:spcAft>
+              <a:buClr>
+                <a:schemeClr val="accent1"/>
+              </a:buClr>
+              <a:buSzPct val="80000"/>
+              <a:buFont typeface="Wingdings 3" charset="2"/>
+              <a:buChar char=""/>
+              <a:defRPr sz="1400" b="0" i="0" kern="1200">
+                <a:solidFill>
+                  <a:schemeClr val="tx1"/>
+                </a:solidFill>
+                <a:latin typeface="+mj-lt"/>
+                <a:ea typeface="+mj-ea"/>
+                <a:cs typeface="+mj-cs"/>
+              </a:defRPr>
+            </a:lvl7pPr>
+            <a:lvl8pPr marL="3429000" indent="-228600" algn="l" defTabSz="457200" rtl="0" eaLnBrk="1" latinLnBrk="0" hangingPunct="1">
+              <a:spcBef>
+                <a:spcPts val="1000"/>
+              </a:spcBef>
+              <a:spcAft>
+                <a:spcPts val="0"/>
+              </a:spcAft>
+              <a:buClr>
+                <a:schemeClr val="accent1"/>
+              </a:buClr>
+              <a:buSzPct val="80000"/>
+              <a:buFont typeface="Wingdings 3" charset="2"/>
+              <a:buChar char=""/>
+              <a:defRPr sz="1400" b="0" i="0" kern="1200">
+                <a:solidFill>
+                  <a:schemeClr val="tx1"/>
+                </a:solidFill>
+                <a:latin typeface="+mj-lt"/>
+                <a:ea typeface="+mj-ea"/>
+                <a:cs typeface="+mj-cs"/>
+              </a:defRPr>
+            </a:lvl8pPr>
+            <a:lvl9pPr marL="3886200" indent="-228600" algn="l" defTabSz="457200" rtl="0" eaLnBrk="1" latinLnBrk="0" hangingPunct="1">
+              <a:spcBef>
+                <a:spcPts val="1000"/>
+              </a:spcBef>
+              <a:spcAft>
+                <a:spcPts val="0"/>
+              </a:spcAft>
+              <a:buClr>
+                <a:schemeClr val="accent1"/>
+              </a:buClr>
+              <a:buSzPct val="80000"/>
+              <a:buFont typeface="Wingdings 3" charset="2"/>
+              <a:buChar char=""/>
+              <a:defRPr sz="1400" b="0" i="0" kern="1200">
+                <a:solidFill>
+                  <a:schemeClr val="tx1"/>
+                </a:solidFill>
+                <a:latin typeface="+mj-lt"/>
+                <a:ea typeface="+mj-ea"/>
+                <a:cs typeface="+mj-cs"/>
+              </a:defRPr>
+            </a:lvl9pPr>
+          </a:lstStyle>
+          <a:p>
+            <a:pPr marL="0" indent="0">
+              <a:buFont typeface="Wingdings 3" charset="2"/>
+              <a:buNone/>
+            </a:pPr>
+            <a:endParaRPr lang="en-US" altLang="zh-CN" dirty="0" smtClean="0"/>
+          </a:p>
+          <a:p>
+            <a:r>
+              <a:rPr lang="en-US" altLang="zh-CN" dirty="0" smtClean="0"/>
+              <a:t>XSQL</a:t>
+            </a:r>
+            <a:r>
+              <a:rPr lang="zh-CN" altLang="en-US" dirty="0" smtClean="0"/>
+              <a:t>触发源执行异常时，可通过</a:t>
+            </a:r>
+            <a:r>
+              <a:rPr lang="en-US" altLang="zh-CN" dirty="0" err="1" smtClean="0"/>
+              <a:t>XSQLTrigger.errorCode</a:t>
+            </a:r>
+            <a:r>
+              <a:rPr lang="zh-CN" altLang="en-US" dirty="0" smtClean="0"/>
+              <a:t>属性控制</a:t>
+            </a:r>
+            <a:r>
+              <a:rPr lang="en-US" altLang="zh-CN" dirty="0" smtClean="0"/>
+              <a:t>XSQL</a:t>
+            </a:r>
+            <a:r>
+              <a:rPr lang="zh-CN" altLang="en-US" dirty="0" smtClean="0"/>
+              <a:t>触发器是否执行</a:t>
+            </a:r>
+            <a:endParaRPr lang="en-GB" altLang="zh-CN" dirty="0" smtClean="0"/>
+          </a:p>
+          <a:p>
+            <a:endParaRPr lang="zh-CN" altLang="en-US" dirty="0"/>
+          </a:p>
+        </p:txBody>
+      </p:sp>
+      <p:sp>
+        <p:nvSpPr>
+          <p:cNvPr id="11" name="内容占位符 2"/>
+          <p:cNvSpPr txBox="1">
+            <a:spLocks/>
+          </p:cNvSpPr>
+          <p:nvPr/>
+        </p:nvSpPr>
+        <p:spPr>
+          <a:xfrm>
+            <a:off x="1103312" y="5109842"/>
+            <a:ext cx="8946541" cy="1449784"/>
+          </a:xfrm>
+          <a:prstGeom prst="rect">
+            <a:avLst/>
+          </a:prstGeom>
+        </p:spPr>
+        <p:txBody>
+          <a:bodyPr vert="horz" lIns="91440" tIns="45720" rIns="91440" bIns="45720" rtlCol="0">
+            <a:normAutofit/>
+          </a:bodyPr>
+          <a:lstStyle>
+            <a:lvl1pPr marL="342900" indent="-342900" algn="l" defTabSz="457200" rtl="0" eaLnBrk="1" latinLnBrk="0" hangingPunct="1">
+              <a:spcBef>
+                <a:spcPts val="1000"/>
+              </a:spcBef>
+              <a:spcAft>
+                <a:spcPts val="0"/>
+              </a:spcAft>
+              <a:buClr>
+                <a:schemeClr val="accent1"/>
+              </a:buClr>
+              <a:buSzPct val="80000"/>
+              <a:buFont typeface="Wingdings 3" charset="2"/>
+              <a:buChar char=""/>
+              <a:defRPr sz="2000" b="0" i="0" kern="1200">
+                <a:solidFill>
+                  <a:schemeClr val="tx1"/>
+                </a:solidFill>
+                <a:latin typeface="+mj-lt"/>
+                <a:ea typeface="+mj-ea"/>
+                <a:cs typeface="+mj-cs"/>
+              </a:defRPr>
+            </a:lvl1pPr>
+            <a:lvl2pPr marL="742950" indent="-285750" algn="l" defTabSz="457200" rtl="0" eaLnBrk="1" latinLnBrk="0" hangingPunct="1">
+              <a:spcBef>
+                <a:spcPts val="1000"/>
+              </a:spcBef>
+              <a:spcAft>
+                <a:spcPts val="0"/>
+              </a:spcAft>
+              <a:buClr>
+                <a:schemeClr val="accent1"/>
+              </a:buClr>
+              <a:buSzPct val="80000"/>
+              <a:buFont typeface="Wingdings 3" charset="2"/>
+              <a:buChar char=""/>
+              <a:defRPr sz="1800" b="0" i="0" kern="1200">
+                <a:solidFill>
+                  <a:schemeClr val="tx1"/>
+                </a:solidFill>
+                <a:latin typeface="+mj-lt"/>
+                <a:ea typeface="+mj-ea"/>
+                <a:cs typeface="+mj-cs"/>
+              </a:defRPr>
+            </a:lvl2pPr>
+            <a:lvl3pPr marL="1143000" indent="-228600" algn="l" defTabSz="457200" rtl="0" eaLnBrk="1" latinLnBrk="0" hangingPunct="1">
+              <a:spcBef>
+                <a:spcPts val="1000"/>
+              </a:spcBef>
+              <a:spcAft>
+                <a:spcPts val="0"/>
+              </a:spcAft>
+              <a:buClr>
+                <a:schemeClr val="accent1"/>
+              </a:buClr>
+              <a:buSzPct val="80000"/>
+              <a:buFont typeface="Wingdings 3" charset="2"/>
+              <a:buChar char=""/>
+              <a:defRPr sz="1600" b="0" i="0" kern="1200">
+                <a:solidFill>
+                  <a:schemeClr val="tx1"/>
+                </a:solidFill>
+                <a:latin typeface="+mj-lt"/>
+                <a:ea typeface="+mj-ea"/>
+                <a:cs typeface="+mj-cs"/>
+              </a:defRPr>
+            </a:lvl3pPr>
+            <a:lvl4pPr marL="1600200" indent="-228600" algn="l" defTabSz="457200" rtl="0" eaLnBrk="1" latinLnBrk="0" hangingPunct="1">
+              <a:spcBef>
+                <a:spcPts val="1000"/>
+              </a:spcBef>
+              <a:spcAft>
+                <a:spcPts val="0"/>
+              </a:spcAft>
+              <a:buClr>
+                <a:schemeClr val="accent1"/>
+              </a:buClr>
+              <a:buSzPct val="80000"/>
+              <a:buFont typeface="Wingdings 3" charset="2"/>
+              <a:buChar char=""/>
+              <a:defRPr sz="1400" b="0" i="0" kern="1200">
+                <a:solidFill>
+                  <a:schemeClr val="tx1"/>
+                </a:solidFill>
+                <a:latin typeface="+mj-lt"/>
+                <a:ea typeface="+mj-ea"/>
+                <a:cs typeface="+mj-cs"/>
+              </a:defRPr>
+            </a:lvl4pPr>
+            <a:lvl5pPr marL="2057400" indent="-228600" algn="l" defTabSz="457200" rtl="0" eaLnBrk="1" latinLnBrk="0" hangingPunct="1">
+              <a:spcBef>
+                <a:spcPts val="1000"/>
+              </a:spcBef>
+              <a:spcAft>
+                <a:spcPts val="0"/>
+              </a:spcAft>
+              <a:buClr>
+                <a:schemeClr val="accent1"/>
+              </a:buClr>
+              <a:buSzPct val="80000"/>
+              <a:buFont typeface="Wingdings 3" charset="2"/>
+              <a:buChar char=""/>
+              <a:defRPr sz="1400" b="0" i="0" kern="1200">
+                <a:solidFill>
+                  <a:schemeClr val="tx1"/>
+                </a:solidFill>
+                <a:latin typeface="+mj-lt"/>
+                <a:ea typeface="+mj-ea"/>
+                <a:cs typeface="+mj-cs"/>
+              </a:defRPr>
+            </a:lvl5pPr>
+            <a:lvl6pPr marL="2514600" indent="-228600" algn="l" defTabSz="457200" rtl="0" eaLnBrk="1" latinLnBrk="0" hangingPunct="1">
+              <a:spcBef>
+                <a:spcPts val="1000"/>
+              </a:spcBef>
+              <a:spcAft>
+                <a:spcPts val="0"/>
+              </a:spcAft>
+              <a:buClr>
+                <a:schemeClr val="accent1"/>
+              </a:buClr>
+              <a:buSzPct val="80000"/>
+              <a:buFont typeface="Wingdings 3" charset="2"/>
+              <a:buChar char=""/>
+              <a:defRPr sz="1400" b="0" i="0" kern="1200">
+                <a:solidFill>
+                  <a:schemeClr val="tx1"/>
+                </a:solidFill>
+                <a:latin typeface="+mj-lt"/>
+                <a:ea typeface="+mj-ea"/>
+                <a:cs typeface="+mj-cs"/>
+              </a:defRPr>
+            </a:lvl6pPr>
+            <a:lvl7pPr marL="2971800" indent="-228600" algn="l" defTabSz="457200" rtl="0" eaLnBrk="1" latinLnBrk="0" hangingPunct="1">
+              <a:spcBef>
+                <a:spcPts val="1000"/>
+              </a:spcBef>
+              <a:spcAft>
+                <a:spcPts val="0"/>
+              </a:spcAft>
+              <a:buClr>
+                <a:schemeClr val="accent1"/>
+              </a:buClr>
+              <a:buSzPct val="80000"/>
+              <a:buFont typeface="Wingdings 3" charset="2"/>
+              <a:buChar char=""/>
+              <a:defRPr sz="1400" b="0" i="0" kern="1200">
+                <a:solidFill>
+                  <a:schemeClr val="tx1"/>
+                </a:solidFill>
+                <a:latin typeface="+mj-lt"/>
+                <a:ea typeface="+mj-ea"/>
+                <a:cs typeface="+mj-cs"/>
+              </a:defRPr>
+            </a:lvl7pPr>
+            <a:lvl8pPr marL="3429000" indent="-228600" algn="l" defTabSz="457200" rtl="0" eaLnBrk="1" latinLnBrk="0" hangingPunct="1">
+              <a:spcBef>
+                <a:spcPts val="1000"/>
+              </a:spcBef>
+              <a:spcAft>
+                <a:spcPts val="0"/>
+              </a:spcAft>
+              <a:buClr>
+                <a:schemeClr val="accent1"/>
+              </a:buClr>
+              <a:buSzPct val="80000"/>
+              <a:buFont typeface="Wingdings 3" charset="2"/>
+              <a:buChar char=""/>
+              <a:defRPr sz="1400" b="0" i="0" kern="1200">
+                <a:solidFill>
+                  <a:schemeClr val="tx1"/>
+                </a:solidFill>
+                <a:latin typeface="+mj-lt"/>
+                <a:ea typeface="+mj-ea"/>
+                <a:cs typeface="+mj-cs"/>
+              </a:defRPr>
+            </a:lvl8pPr>
+            <a:lvl9pPr marL="3886200" indent="-228600" algn="l" defTabSz="457200" rtl="0" eaLnBrk="1" latinLnBrk="0" hangingPunct="1">
+              <a:spcBef>
+                <a:spcPts val="1000"/>
+              </a:spcBef>
+              <a:spcAft>
+                <a:spcPts val="0"/>
+              </a:spcAft>
+              <a:buClr>
+                <a:schemeClr val="accent1"/>
+              </a:buClr>
+              <a:buSzPct val="80000"/>
+              <a:buFont typeface="Wingdings 3" charset="2"/>
+              <a:buChar char=""/>
+              <a:defRPr sz="1400" b="0" i="0" kern="1200">
+                <a:solidFill>
+                  <a:schemeClr val="tx1"/>
+                </a:solidFill>
+                <a:latin typeface="+mj-lt"/>
+                <a:ea typeface="+mj-ea"/>
+                <a:cs typeface="+mj-cs"/>
+              </a:defRPr>
+            </a:lvl9pPr>
+          </a:lstStyle>
+          <a:p>
+            <a:pPr marL="0" indent="0">
+              <a:buFont typeface="Wingdings 3" charset="2"/>
+              <a:buNone/>
+            </a:pPr>
+            <a:endParaRPr lang="en-US" altLang="zh-CN" dirty="0" smtClean="0"/>
+          </a:p>
+          <a:p>
+            <a:r>
+              <a:rPr lang="zh-CN" altLang="en-US" dirty="0" smtClean="0"/>
+              <a:t>每个触发器均可以有独立的、定制的异常处理方法</a:t>
+            </a:r>
+            <a:endParaRPr lang="en-GB" altLang="zh-CN" dirty="0" smtClean="0"/>
+          </a:p>
+          <a:p>
+            <a:endParaRPr lang="zh-CN" altLang="en-US" dirty="0"/>
+          </a:p>
+        </p:txBody>
+      </p:sp>
+    </p:spTree>
+    <p:extLst>
+      <p:ext uri="{BB962C8B-B14F-4D97-AF65-F5344CB8AC3E}">
+        <p14:creationId xmlns:p14="http://schemas.microsoft.com/office/powerpoint/2010/main" val="3045478179"/>
+      </p:ext>
+    </p:extLst>
+  </p:cSld>
+  <p:clrMapOvr>
+    <a:masterClrMapping/>
+  </p:clrMapOvr>
+  <p:timing>
+    <p:tnLst>
+      <p:par>
+        <p:cTn id="1" dur="indefinite" restart="never" nodeType="tmRoot">
+          <p:childTnLst>
+            <p:seq concurrent="1" nextAc="seek">
+              <p:cTn id="2" dur="indefinite" nodeType="mainSeq">
+                <p:childTnLst>
+                  <p:par>
+                    <p:cTn id="3" fill="hold">
+                      <p:stCondLst>
+                        <p:cond delay="indefinite"/>
+                      </p:stCondLst>
+                      <p:childTnLst>
+                        <p:par>
+                          <p:cTn id="4" fill="hold">
+                            <p:stCondLst>
+                              <p:cond delay="0"/>
+                            </p:stCondLst>
+                            <p:childTnLst>
+                              <p:par>
+                                <p:cTn id="5" presetID="21" presetClass="entr" presetSubtype="1" fill="hold" grpId="0" nodeType="clickEffect">
+                                  <p:stCondLst>
+                                    <p:cond delay="0"/>
+                                  </p:stCondLst>
+                                  <p:childTnLst>
+                                    <p:set>
+                                      <p:cBhvr>
+                                        <p:cTn id="6" dur="1" fill="hold">
+                                          <p:stCondLst>
+                                            <p:cond delay="0"/>
+                                          </p:stCondLst>
+                                        </p:cTn>
+                                        <p:tgtEl>
+                                          <p:spTgt spid="3"/>
+                                        </p:tgtEl>
+                                        <p:attrNameLst>
+                                          <p:attrName>style.visibility</p:attrName>
+                                        </p:attrNameLst>
+                                      </p:cBhvr>
+                                      <p:to>
+                                        <p:strVal val="visible"/>
+                                      </p:to>
+                                    </p:set>
+                                    <p:animEffect transition="in" filter="wheel(1)">
+                                      <p:cBhvr>
+                                        <p:cTn id="7" dur="2000"/>
+                                        <p:tgtEl>
+                                          <p:spTgt spid="3"/>
+                                        </p:tgtEl>
+                                      </p:cBhvr>
+                                    </p:animEffect>
+                                  </p:childTnLst>
+                                </p:cTn>
+                              </p:par>
+                            </p:childTnLst>
+                          </p:cTn>
+                        </p:par>
+                      </p:childTnLst>
+                    </p:cTn>
+                  </p:par>
+                  <p:par>
+                    <p:cTn id="8" fill="hold">
+                      <p:stCondLst>
+                        <p:cond delay="indefinite"/>
+                      </p:stCondLst>
+                      <p:childTnLst>
+                        <p:par>
+                          <p:cTn id="9" fill="hold">
+                            <p:stCondLst>
+                              <p:cond delay="0"/>
+                            </p:stCondLst>
+                            <p:childTnLst>
+                              <p:par>
+                                <p:cTn id="10" presetID="21" presetClass="entr" presetSubtype="1" fill="hold" grpId="0" nodeType="clickEffect">
+                                  <p:stCondLst>
+                                    <p:cond delay="0"/>
+                                  </p:stCondLst>
+                                  <p:childTnLst>
+                                    <p:set>
+                                      <p:cBhvr>
+                                        <p:cTn id="11" dur="1" fill="hold">
+                                          <p:stCondLst>
+                                            <p:cond delay="0"/>
+                                          </p:stCondLst>
+                                        </p:cTn>
+                                        <p:tgtEl>
+                                          <p:spTgt spid="9"/>
+                                        </p:tgtEl>
+                                        <p:attrNameLst>
+                                          <p:attrName>style.visibility</p:attrName>
+                                        </p:attrNameLst>
+                                      </p:cBhvr>
+                                      <p:to>
+                                        <p:strVal val="visible"/>
+                                      </p:to>
+                                    </p:set>
+                                    <p:animEffect transition="in" filter="wheel(1)">
+                                      <p:cBhvr>
+                                        <p:cTn id="12" dur="2000"/>
+                                        <p:tgtEl>
+                                          <p:spTgt spid="9"/>
+                                        </p:tgtEl>
+                                      </p:cBhvr>
+                                    </p:animEffect>
+                                  </p:childTnLst>
+                                </p:cTn>
+                              </p:par>
+                            </p:childTnLst>
+                          </p:cTn>
+                        </p:par>
+                      </p:childTnLst>
+                    </p:cTn>
+                  </p:par>
+                  <p:par>
+                    <p:cTn id="13" fill="hold">
+                      <p:stCondLst>
+                        <p:cond delay="indefinite"/>
+                      </p:stCondLst>
+                      <p:childTnLst>
+                        <p:par>
+                          <p:cTn id="14" fill="hold">
+                            <p:stCondLst>
+                              <p:cond delay="0"/>
+                            </p:stCondLst>
+                            <p:childTnLst>
+                              <p:par>
+                                <p:cTn id="15" presetID="14" presetClass="entr" presetSubtype="10" fill="hold" grpId="0" nodeType="clickEffect">
+                                  <p:stCondLst>
+                                    <p:cond delay="0"/>
+                                  </p:stCondLst>
+                                  <p:childTnLst>
+                                    <p:set>
+                                      <p:cBhvr>
+                                        <p:cTn id="16" dur="1" fill="hold">
+                                          <p:stCondLst>
+                                            <p:cond delay="0"/>
+                                          </p:stCondLst>
+                                        </p:cTn>
+                                        <p:tgtEl>
+                                          <p:spTgt spid="10"/>
+                                        </p:tgtEl>
+                                        <p:attrNameLst>
+                                          <p:attrName>style.visibility</p:attrName>
+                                        </p:attrNameLst>
+                                      </p:cBhvr>
+                                      <p:to>
+                                        <p:strVal val="visible"/>
+                                      </p:to>
+                                    </p:set>
+                                    <p:animEffect transition="in" filter="randombar(horizontal)">
+                                      <p:cBhvr>
+                                        <p:cTn id="17" dur="500"/>
+                                        <p:tgtEl>
+                                          <p:spTgt spid="10"/>
+                                        </p:tgtEl>
+                                      </p:cBhvr>
+                                    </p:animEffect>
+                                  </p:childTnLst>
+                                </p:cTn>
+                              </p:par>
+                            </p:childTnLst>
+                          </p:cTn>
+                        </p:par>
+                      </p:childTnLst>
+                    </p:cTn>
+                  </p:par>
+                  <p:par>
+                    <p:cTn id="18" fill="hold">
+                      <p:stCondLst>
+                        <p:cond delay="indefinite"/>
+                      </p:stCondLst>
+                      <p:childTnLst>
+                        <p:par>
+                          <p:cTn id="19" fill="hold">
+                            <p:stCondLst>
+                              <p:cond delay="0"/>
+                            </p:stCondLst>
+                            <p:childTnLst>
+                              <p:par>
+                                <p:cTn id="20" presetID="14" presetClass="entr" presetSubtype="10" fill="hold" grpId="0" nodeType="clickEffect">
+                                  <p:stCondLst>
+                                    <p:cond delay="0"/>
+                                  </p:stCondLst>
+                                  <p:childTnLst>
+                                    <p:set>
+                                      <p:cBhvr>
+                                        <p:cTn id="21" dur="1" fill="hold">
+                                          <p:stCondLst>
+                                            <p:cond delay="0"/>
+                                          </p:stCondLst>
+                                        </p:cTn>
+                                        <p:tgtEl>
+                                          <p:spTgt spid="11"/>
+                                        </p:tgtEl>
+                                        <p:attrNameLst>
+                                          <p:attrName>style.visibility</p:attrName>
+                                        </p:attrNameLst>
+                                      </p:cBhvr>
+                                      <p:to>
+                                        <p:strVal val="visible"/>
+                                      </p:to>
+                                    </p:set>
+                                    <p:animEffect transition="in" filter="randombar(horizontal)">
+                                      <p:cBhvr>
+                                        <p:cTn id="22" dur="500"/>
+                                        <p:tgtEl>
+                                          <p:spTgt spid="11"/>
+                                        </p:tgtEl>
+                                      </p:cBhvr>
+                                    </p:animEffect>
+                                  </p:childTnLst>
+                                </p:cTn>
+                              </p:par>
+                            </p:childTnLst>
+                          </p:cTn>
+                        </p:par>
+                      </p:childTnLst>
+                    </p:cTn>
+                  </p:par>
+                </p:childTnLst>
+              </p:cTn>
+              <p:prevCondLst>
+                <p:cond evt="onPrev" delay="0">
+                  <p:tgtEl>
+                    <p:sldTgt/>
+                  </p:tgtEl>
+                </p:cond>
+              </p:prevCondLst>
+              <p:nextCondLst>
+                <p:cond evt="onNext" delay="0">
+                  <p:tgtEl>
+                    <p:sldTgt/>
+                  </p:tgtEl>
+                </p:cond>
+              </p:nextCondLst>
+            </p:seq>
+          </p:childTnLst>
+        </p:cTn>
+      </p:par>
+    </p:tnLst>
+    <p:bldLst>
+      <p:bldP spid="3" grpId="0"/>
+      <p:bldP spid="9" grpId="0"/>
+      <p:bldP spid="10" grpId="0"/>
+      <p:bldP spid="11" grpId="0"/>
+    </p:bldLst>
+  </p:timing>
+</p:sld>
+</file>
+
+<file path=ppt/slides/slide39.xml><?xml version="1.0" encoding="utf-8"?>
+<p:sld xmlns:a="http://schemas.openxmlformats.org/drawingml/2006/main" xmlns:r="http://schemas.openxmlformats.org/officeDocument/2006/relationships" xmlns:p="http://schemas.openxmlformats.org/presentationml/2006/main">
+  <p:cSld>
+    <p:spTree>
+      <p:nvGrpSpPr>
+        <p:cNvPr id="1" name=""/>
+        <p:cNvGrpSpPr/>
+        <p:nvPr/>
+      </p:nvGrpSpPr>
+      <p:grpSpPr>
+        <a:xfrm>
+          <a:off x="0" y="0"/>
+          <a:ext cx="0" cy="0"/>
+          <a:chOff x="0" y="0"/>
+          <a:chExt cx="0" cy="0"/>
+        </a:xfrm>
+      </p:grpSpPr>
+      <p:sp>
+        <p:nvSpPr>
+          <p:cNvPr id="15" name="内容占位符 2"/>
+          <p:cNvSpPr>
+            <a:spLocks noGrp="1"/>
+          </p:cNvSpPr>
+          <p:nvPr>
+            <p:ph idx="1"/>
+          </p:nvPr>
+        </p:nvSpPr>
+        <p:spPr>
+          <a:xfrm>
+            <a:off x="1103312" y="2052918"/>
+            <a:ext cx="8946541" cy="4195481"/>
+          </a:xfrm>
+        </p:spPr>
+        <p:txBody>
+          <a:bodyPr/>
+          <a:lstStyle/>
+          <a:p>
+            <a:r>
+              <a:rPr lang="en-GB" altLang="zh-CN" dirty="0" err="1" smtClean="0"/>
+              <a:t>LogName</a:t>
+            </a:r>
+            <a:r>
+              <a:rPr lang="zh-CN" altLang="en-US" dirty="0"/>
+              <a:t>、</a:t>
+            </a:r>
+            <a:r>
+              <a:rPr lang="en-GB" altLang="zh-CN" dirty="0" err="1"/>
+              <a:t>LogWheres</a:t>
+            </a:r>
+            <a:r>
+              <a:rPr lang="zh-CN" altLang="en-US" dirty="0"/>
+              <a:t>只用于</a:t>
+            </a:r>
+            <a:r>
+              <a:rPr lang="en-GB" altLang="zh-CN" dirty="0"/>
+              <a:t>Insert</a:t>
+            </a:r>
+            <a:r>
+              <a:rPr lang="zh-CN" altLang="en-GB" dirty="0"/>
+              <a:t>、</a:t>
+            </a:r>
+            <a:r>
+              <a:rPr lang="en-GB" altLang="zh-CN" dirty="0"/>
+              <a:t>Update</a:t>
+            </a:r>
+            <a:r>
+              <a:rPr lang="zh-CN" altLang="en-US" dirty="0"/>
+              <a:t>语句。</a:t>
+            </a:r>
+            <a:endParaRPr lang="en-US" altLang="zh-CN" dirty="0"/>
+          </a:p>
+          <a:p>
+            <a:r>
+              <a:rPr lang="zh-CN" altLang="en-US" dirty="0"/>
+              <a:t>查询</a:t>
+            </a:r>
+            <a:r>
+              <a:rPr lang="en-GB" altLang="zh-CN" dirty="0"/>
+              <a:t>Select</a:t>
+            </a:r>
+            <a:r>
+              <a:rPr lang="zh-CN" altLang="en-US" dirty="0"/>
+              <a:t>语句无须额外处理。</a:t>
+            </a:r>
+            <a:endParaRPr lang="en-GB" altLang="zh-CN" dirty="0"/>
+          </a:p>
+          <a:p>
+            <a:pPr marL="0" indent="0">
+              <a:buNone/>
+            </a:pPr>
+            <a:endParaRPr lang="en-GB" altLang="zh-CN" dirty="0"/>
+          </a:p>
+          <a:p>
+            <a:pPr marL="0" indent="0">
+              <a:buNone/>
+            </a:pPr>
+            <a:endParaRPr lang="zh-CN" altLang="en-US" dirty="0"/>
+          </a:p>
+        </p:txBody>
+      </p:sp>
+      <p:sp>
+        <p:nvSpPr>
+          <p:cNvPr id="2" name="标题 1"/>
+          <p:cNvSpPr>
+            <a:spLocks noGrp="1"/>
+          </p:cNvSpPr>
+          <p:nvPr>
+            <p:ph type="title"/>
+          </p:nvPr>
+        </p:nvSpPr>
+        <p:spPr/>
+        <p:txBody>
+          <a:bodyPr/>
+          <a:lstStyle/>
+          <a:p>
+            <a:r>
+              <a:rPr lang="en-GB" altLang="zh-CN" sz="4400" dirty="0" smtClean="0"/>
+              <a:t>Lob </a:t>
+            </a:r>
+            <a:r>
+              <a:rPr lang="zh-CN" altLang="en-US" sz="4400" dirty="0" smtClean="0"/>
+              <a:t>大对象</a:t>
+            </a:r>
+            <a:r>
+              <a:rPr lang="en-GB" altLang="zh-CN" sz="4400" dirty="0"/>
+              <a:t/>
+            </a:r>
+            <a:br>
+              <a:rPr lang="en-GB" altLang="zh-CN" sz="4400" dirty="0"/>
+            </a:br>
+            <a:r>
+              <a:rPr lang="en-US" altLang="zh-CN" sz="2000" cap="all" dirty="0">
+                <a:solidFill>
+                  <a:schemeClr val="accent1"/>
+                </a:solidFill>
+              </a:rPr>
+              <a:t>XSQL</a:t>
+            </a:r>
+            <a:r>
+              <a:rPr lang="zh-CN" altLang="en-US" sz="2000" cap="all" dirty="0" smtClean="0">
+                <a:solidFill>
+                  <a:schemeClr val="accent1"/>
+                </a:solidFill>
+              </a:rPr>
+              <a:t>的高级元素</a:t>
+            </a:r>
+            <a:endParaRPr lang="zh-CN" altLang="en-US" dirty="0"/>
+          </a:p>
+        </p:txBody>
+      </p:sp>
+      <p:grpSp>
+        <p:nvGrpSpPr>
+          <p:cNvPr id="5" name="组合 4"/>
+          <p:cNvGrpSpPr/>
+          <p:nvPr/>
+        </p:nvGrpSpPr>
+        <p:grpSpPr>
+          <a:xfrm>
+            <a:off x="10401652" y="72593"/>
+            <a:ext cx="763351" cy="1071782"/>
+            <a:chOff x="10401652" y="72593"/>
+            <a:chExt cx="763351" cy="1071782"/>
+          </a:xfrm>
+        </p:grpSpPr>
+        <p:sp>
+          <p:nvSpPr>
+            <p:cNvPr id="6" name="矩形 5"/>
+            <p:cNvSpPr/>
+            <p:nvPr/>
+          </p:nvSpPr>
+          <p:spPr>
+            <a:xfrm>
+              <a:off x="10401652" y="72593"/>
+              <a:ext cx="763351" cy="461665"/>
+            </a:xfrm>
+            <a:prstGeom prst="rect">
+              <a:avLst/>
+            </a:prstGeom>
+            <a:noFill/>
+          </p:spPr>
+          <p:txBody>
+            <a:bodyPr wrap="none" lIns="91440" tIns="45720" rIns="91440" bIns="45720">
+              <a:spAutoFit/>
+            </a:bodyPr>
+            <a:lstStyle/>
+            <a:p>
+              <a:pPr algn="ctr"/>
+              <a:r>
+                <a:rPr lang="en-GB" altLang="zh-CN" sz="2400" b="1" cap="none" spc="0" dirty="0" smtClean="0">
+                  <a:ln w="12700">
+                    <a:solidFill>
+                      <a:schemeClr val="tx2">
+                        <a:lumMod val="75000"/>
+                      </a:schemeClr>
+                    </a:solidFill>
+                    <a:prstDash val="solid"/>
+                  </a:ln>
+                  <a:pattFill prst="dkUpDiag">
+                    <a:fgClr>
+                      <a:schemeClr val="tx2"/>
+                    </a:fgClr>
+                    <a:bgClr>
+                      <a:schemeClr val="tx2">
+                        <a:lumMod val="20000"/>
+                        <a:lumOff val="80000"/>
+                      </a:schemeClr>
+                    </a:bgClr>
+                  </a:pattFill>
+                  <a:effectLst>
+                    <a:outerShdw dist="38100" dir="2640000" algn="bl" rotWithShape="0">
+                      <a:schemeClr val="tx2">
+                        <a:lumMod val="75000"/>
+                      </a:schemeClr>
+                    </a:outerShdw>
+                  </a:effectLst>
+                  <a:latin typeface="Segoe UI Black" panose="020B0A02040204020203" pitchFamily="34" charset="0"/>
+                  <a:ea typeface="Segoe UI Black" panose="020B0A02040204020203" pitchFamily="34" charset="0"/>
+                  <a:cs typeface="Segoe UI Black" panose="020B0A02040204020203" pitchFamily="34" charset="0"/>
+                </a:rPr>
+                <a:t>SQL</a:t>
+              </a:r>
+            </a:p>
+          </p:txBody>
+        </p:sp>
+        <p:sp>
+          <p:nvSpPr>
+            <p:cNvPr id="7" name="矩形 6"/>
+            <p:cNvSpPr/>
+            <p:nvPr/>
+          </p:nvSpPr>
+          <p:spPr>
+            <a:xfrm>
+              <a:off x="10439901" y="221045"/>
+              <a:ext cx="670376" cy="923330"/>
+            </a:xfrm>
+            <a:prstGeom prst="rect">
+              <a:avLst/>
+            </a:prstGeom>
+          </p:spPr>
+          <p:txBody>
+            <a:bodyPr wrap="none">
+              <a:spAutoFit/>
+            </a:bodyPr>
+            <a:lstStyle/>
+            <a:p>
+              <a:pPr algn="ctr"/>
+              <a:r>
+                <a:rPr lang="en-GB" altLang="zh-CN" sz="5400" dirty="0">
+                  <a:ln w="12700">
+                    <a:solidFill>
+                      <a:schemeClr val="tx2">
+                        <a:lumMod val="75000"/>
+                      </a:schemeClr>
+                    </a:solidFill>
+                    <a:prstDash val="solid"/>
+                  </a:ln>
+                  <a:pattFill prst="dkUpDiag">
+                    <a:fgClr>
+                      <a:schemeClr val="tx2"/>
+                    </a:fgClr>
+                    <a:bgClr>
+                      <a:schemeClr val="tx2">
+                        <a:lumMod val="20000"/>
+                        <a:lumOff val="80000"/>
+                      </a:schemeClr>
+                    </a:bgClr>
+                  </a:pattFill>
+                  <a:effectLst>
+                    <a:outerShdw dist="38100" dir="2640000" algn="bl" rotWithShape="0">
+                      <a:schemeClr val="tx2">
+                        <a:lumMod val="75000"/>
+                      </a:schemeClr>
+                    </a:outerShdw>
+                  </a:effectLst>
+                  <a:latin typeface="Segoe UI Black" panose="020B0A02040204020203" pitchFamily="34" charset="0"/>
+                  <a:ea typeface="Segoe UI Black" panose="020B0A02040204020203" pitchFamily="34" charset="0"/>
+                  <a:cs typeface="Segoe UI Black" panose="020B0A02040204020203" pitchFamily="34" charset="0"/>
+                </a:rPr>
+                <a:t>X</a:t>
+              </a:r>
+              <a:endParaRPr lang="zh-CN" altLang="en-US" sz="5400" dirty="0">
+                <a:ln w="12700">
+                  <a:solidFill>
+                    <a:schemeClr val="tx2">
+                      <a:lumMod val="75000"/>
+                    </a:schemeClr>
+                  </a:solidFill>
+                  <a:prstDash val="solid"/>
+                </a:ln>
+                <a:pattFill prst="dkUpDiag">
+                  <a:fgClr>
+                    <a:schemeClr val="tx2"/>
+                  </a:fgClr>
+                  <a:bgClr>
+                    <a:schemeClr val="tx2">
+                      <a:lumMod val="20000"/>
+                      <a:lumOff val="80000"/>
+                    </a:schemeClr>
+                  </a:bgClr>
+                </a:pattFill>
+                <a:effectLst>
+                  <a:outerShdw dist="38100" dir="2640000" algn="bl" rotWithShape="0">
+                    <a:schemeClr val="tx2">
+                      <a:lumMod val="75000"/>
+                    </a:schemeClr>
+                  </a:outerShdw>
+                </a:effectLst>
+                <a:latin typeface="Segoe UI Black" panose="020B0A02040204020203" pitchFamily="34" charset="0"/>
+                <a:ea typeface="华文行楷" panose="02010800040101010101" pitchFamily="2" charset="-122"/>
+                <a:cs typeface="Segoe UI Black" panose="020B0A02040204020203" pitchFamily="34" charset="0"/>
+              </a:endParaRPr>
+            </a:p>
+          </p:txBody>
+        </p:sp>
+      </p:grpSp>
+      <p:sp>
+        <p:nvSpPr>
+          <p:cNvPr id="12" name="圆角矩形 11"/>
+          <p:cNvSpPr/>
+          <p:nvPr/>
+        </p:nvSpPr>
+        <p:spPr>
+          <a:xfrm>
+            <a:off x="1203259" y="3703818"/>
+            <a:ext cx="1682816" cy="683741"/>
+          </a:xfrm>
+          <a:prstGeom prst="roundRect">
+            <a:avLst/>
+          </a:prstGeom>
+        </p:spPr>
+        <p:style>
+          <a:lnRef idx="0">
+            <a:schemeClr val="accent4"/>
+          </a:lnRef>
+          <a:fillRef idx="3">
+            <a:schemeClr val="accent4"/>
+          </a:fillRef>
+          <a:effectRef idx="3">
+            <a:schemeClr val="accent4"/>
+          </a:effectRef>
+          <a:fontRef idx="minor">
+            <a:schemeClr val="lt1"/>
+          </a:fontRef>
+        </p:style>
+        <p:txBody>
+          <a:bodyPr rtlCol="0" anchor="ctr"/>
+          <a:lstStyle/>
+          <a:p>
+            <a:pPr algn="ctr"/>
+            <a:r>
+              <a:rPr lang="en-GB" altLang="zh-CN" sz="1600" dirty="0" err="1" smtClean="0"/>
+              <a:t>LobName</a:t>
+            </a:r>
+            <a:endParaRPr lang="en-GB" altLang="zh-CN" sz="1600" dirty="0" smtClean="0"/>
+          </a:p>
+          <a:p>
+            <a:pPr algn="ctr"/>
+            <a:r>
+              <a:rPr lang="zh-CN" altLang="en-US" sz="1600" dirty="0" smtClean="0">
+                <a:latin typeface="+mn-ea"/>
+              </a:rPr>
+              <a:t>大对象名称</a:t>
+            </a:r>
+            <a:endParaRPr lang="zh-CN" altLang="en-US" sz="1600" dirty="0">
+              <a:latin typeface="+mn-ea"/>
+            </a:endParaRPr>
+          </a:p>
+        </p:txBody>
+      </p:sp>
+      <p:sp>
+        <p:nvSpPr>
+          <p:cNvPr id="13" name="圆角矩形 12"/>
+          <p:cNvSpPr/>
+          <p:nvPr/>
+        </p:nvSpPr>
+        <p:spPr>
+          <a:xfrm>
+            <a:off x="1210613" y="4684759"/>
+            <a:ext cx="1682816" cy="683741"/>
+          </a:xfrm>
+          <a:prstGeom prst="roundRect">
+            <a:avLst/>
+          </a:prstGeom>
+        </p:spPr>
+        <p:style>
+          <a:lnRef idx="0">
+            <a:schemeClr val="accent4"/>
+          </a:lnRef>
+          <a:fillRef idx="3">
+            <a:schemeClr val="accent4"/>
+          </a:fillRef>
+          <a:effectRef idx="3">
+            <a:schemeClr val="accent4"/>
+          </a:effectRef>
+          <a:fontRef idx="minor">
+            <a:schemeClr val="lt1"/>
+          </a:fontRef>
+        </p:style>
+        <p:txBody>
+          <a:bodyPr rtlCol="0" anchor="ctr"/>
+          <a:lstStyle/>
+          <a:p>
+            <a:pPr algn="ctr"/>
+            <a:r>
+              <a:rPr lang="en-GB" altLang="zh-CN" sz="1600" dirty="0" err="1" smtClean="0"/>
+              <a:t>LobWheres</a:t>
+            </a:r>
+            <a:endParaRPr lang="en-US" altLang="zh-CN" sz="1600" dirty="0" smtClean="0"/>
+          </a:p>
+          <a:p>
+            <a:pPr algn="ctr"/>
+            <a:r>
+              <a:rPr lang="zh-CN" altLang="en-US" sz="1600" dirty="0">
+                <a:latin typeface="+mn-ea"/>
+              </a:rPr>
+              <a:t>大对象条件</a:t>
+            </a:r>
+            <a:endParaRPr lang="zh-CN" altLang="en-US" sz="1600" dirty="0">
+              <a:latin typeface="+mn-ea"/>
+            </a:endParaRPr>
+          </a:p>
+        </p:txBody>
+      </p:sp>
+      <p:sp>
+        <p:nvSpPr>
+          <p:cNvPr id="14" name="文本框 13"/>
+          <p:cNvSpPr txBox="1"/>
+          <p:nvPr/>
+        </p:nvSpPr>
+        <p:spPr>
+          <a:xfrm>
+            <a:off x="3248024" y="3861022"/>
+            <a:ext cx="5724525" cy="369332"/>
+          </a:xfrm>
+          <a:prstGeom prst="rect">
+            <a:avLst/>
+          </a:prstGeom>
+          <a:noFill/>
+        </p:spPr>
+        <p:txBody>
+          <a:bodyPr wrap="square" rtlCol="0">
+            <a:spAutoFit/>
+          </a:bodyPr>
+          <a:lstStyle/>
+          <a:p>
+            <a:r>
+              <a:rPr lang="zh-CN" altLang="en-US" dirty="0" smtClean="0"/>
+              <a:t>标示大对象名称，多个间用逗号分隔</a:t>
+            </a:r>
+            <a:endParaRPr lang="zh-CN" altLang="en-US" dirty="0"/>
+          </a:p>
+        </p:txBody>
+      </p:sp>
+      <p:sp>
+        <p:nvSpPr>
+          <p:cNvPr id="16" name="文本框 15"/>
+          <p:cNvSpPr txBox="1"/>
+          <p:nvPr/>
+        </p:nvSpPr>
+        <p:spPr>
+          <a:xfrm>
+            <a:off x="3248024" y="4722169"/>
+            <a:ext cx="6801829" cy="646331"/>
+          </a:xfrm>
+          <a:prstGeom prst="rect">
+            <a:avLst/>
+          </a:prstGeom>
+          <a:noFill/>
+        </p:spPr>
+        <p:txBody>
+          <a:bodyPr wrap="square" rtlCol="0">
+            <a:spAutoFit/>
+          </a:bodyPr>
+          <a:lstStyle/>
+          <a:p>
+            <a:r>
+              <a:rPr lang="zh-CN" altLang="en-US" dirty="0" smtClean="0"/>
+              <a:t>写大对象 </a:t>
+            </a:r>
+            <a:r>
+              <a:rPr lang="en-US" altLang="zh-CN" dirty="0" smtClean="0"/>
+              <a:t>(</a:t>
+            </a:r>
+            <a:r>
+              <a:rPr lang="zh-CN" altLang="en-US" dirty="0"/>
+              <a:t>如</a:t>
+            </a:r>
+            <a:r>
+              <a:rPr lang="en-US" altLang="zh-CN" dirty="0"/>
+              <a:t>,</a:t>
+            </a:r>
+            <a:r>
+              <a:rPr lang="en-US" altLang="zh-CN" dirty="0" err="1"/>
+              <a:t>CLob</a:t>
+            </a:r>
+            <a:r>
+              <a:rPr lang="en-US" altLang="zh-CN" dirty="0" smtClean="0"/>
+              <a:t>)</a:t>
+            </a:r>
+            <a:r>
+              <a:rPr lang="zh-CN" altLang="en-US" dirty="0" smtClean="0"/>
+              <a:t>时，定位其所</a:t>
+            </a:r>
+            <a:r>
+              <a:rPr lang="zh-CN" altLang="en-US" dirty="0"/>
+              <a:t>在行的查询</a:t>
+            </a:r>
+            <a:r>
+              <a:rPr lang="zh-CN" altLang="en-US" dirty="0" smtClean="0"/>
+              <a:t>条件的</a:t>
+            </a:r>
+            <a:r>
+              <a:rPr lang="en-US" altLang="zh-CN" dirty="0" smtClean="0"/>
+              <a:t>SQL</a:t>
+            </a:r>
+            <a:r>
+              <a:rPr lang="zh-CN" altLang="en-US" dirty="0" smtClean="0"/>
+              <a:t>片段。</a:t>
+            </a:r>
+            <a:endParaRPr lang="en-US" altLang="zh-CN" dirty="0" smtClean="0"/>
+          </a:p>
+          <a:p>
+            <a:r>
+              <a:rPr lang="zh-CN" altLang="en-US" dirty="0" smtClean="0"/>
+              <a:t>允许有占位符动态填充参数值。</a:t>
+            </a:r>
+            <a:endParaRPr lang="en-US" altLang="zh-CN" dirty="0" smtClean="0"/>
+          </a:p>
+        </p:txBody>
+      </p:sp>
+    </p:spTree>
+    <p:extLst>
+      <p:ext uri="{BB962C8B-B14F-4D97-AF65-F5344CB8AC3E}">
+        <p14:creationId xmlns:p14="http://schemas.microsoft.com/office/powerpoint/2010/main" val="812043515"/>
+      </p:ext>
+    </p:extLst>
+  </p:cSld>
+  <p:clrMapOvr>
+    <a:masterClrMapping/>
+  </p:clrMapOvr>
+  <p:timing>
+    <p:tnLst>
+      <p:par>
+        <p:cTn id="1" dur="indefinite" restart="never" nodeType="tmRoot"/>
+      </p:par>
+    </p:tnLst>
+  </p:timing>
+</p:sld>
+</file>
+
 <file path=ppt/slides/slide4.xml><?xml version="1.0" encoding="utf-8"?>
 <p:sld xmlns:a="http://schemas.openxmlformats.org/drawingml/2006/main" xmlns:r="http://schemas.openxmlformats.org/officeDocument/2006/relationships" xmlns:p="http://schemas.openxmlformats.org/presentationml/2006/main">
   <p:cSld>
@@ -25572,7 +30273,7 @@
               <a:rPr lang="zh-CN" altLang="en-US" sz="1400" dirty="0" smtClean="0">
                 <a:latin typeface="+mn-ea"/>
               </a:rPr>
-              <a:t>大字段名称</a:t>
+              <a:t>大对象名称</a:t>
             </a:r>
             <a:endParaRPr lang="zh-CN" altLang="en-US" sz="1400" dirty="0">
               <a:latin typeface="+mn-ea"/>
@@ -25626,7 +30327,7 @@
               <a:rPr lang="zh-CN" altLang="en-US" sz="1400" dirty="0" smtClean="0">
                 <a:latin typeface="+mn-ea"/>
               </a:rPr>
-              <a:t>大字段条件</a:t>
+              <a:t>大对象条件</a:t>
             </a:r>
             <a:endParaRPr lang="zh-CN" altLang="en-US" sz="1400" dirty="0">
               <a:latin typeface="+mn-ea"/>
@@ -25864,6 +30565,1778 @@
         <p:cTn id="1" dur="indefinite" restart="never" nodeType="tmRoot"/>
       </p:par>
     </p:tnLst>
+  </p:timing>
+</p:sld>
+</file>
+
+<file path=ppt/slides/slide40.xml><?xml version="1.0" encoding="utf-8"?>
+<p:sld xmlns:a="http://schemas.openxmlformats.org/drawingml/2006/main" xmlns:r="http://schemas.openxmlformats.org/officeDocument/2006/relationships" xmlns:p="http://schemas.openxmlformats.org/presentationml/2006/main">
+  <p:cSld>
+    <p:spTree>
+      <p:nvGrpSpPr>
+        <p:cNvPr id="1" name=""/>
+        <p:cNvGrpSpPr/>
+        <p:nvPr/>
+      </p:nvGrpSpPr>
+      <p:grpSpPr>
+        <a:xfrm>
+          <a:off x="0" y="0"/>
+          <a:ext cx="0" cy="0"/>
+          <a:chOff x="0" y="0"/>
+          <a:chExt cx="0" cy="0"/>
+        </a:xfrm>
+      </p:grpSpPr>
+      <p:sp>
+        <p:nvSpPr>
+          <p:cNvPr id="2" name="标题 1"/>
+          <p:cNvSpPr>
+            <a:spLocks noGrp="1"/>
+          </p:cNvSpPr>
+          <p:nvPr>
+            <p:ph type="title"/>
+          </p:nvPr>
+        </p:nvSpPr>
+        <p:spPr/>
+        <p:txBody>
+          <a:bodyPr/>
+          <a:lstStyle/>
+          <a:p>
+            <a:r>
+              <a:rPr lang="en-GB" altLang="zh-CN" sz="4400" dirty="0" smtClean="0"/>
+              <a:t>Lob </a:t>
+            </a:r>
+            <a:r>
+              <a:rPr lang="zh-CN" altLang="en-US" sz="4400" dirty="0" smtClean="0"/>
+              <a:t>大对象</a:t>
+            </a:r>
+            <a:r>
+              <a:rPr lang="en-GB" altLang="zh-CN" sz="4400" dirty="0" smtClean="0"/>
+              <a:t> – </a:t>
+            </a:r>
+            <a:r>
+              <a:rPr lang="zh-CN" altLang="en-US" sz="4400" dirty="0" smtClean="0"/>
+              <a:t>举例</a:t>
+            </a:r>
+            <a:r>
+              <a:rPr lang="en-GB" altLang="zh-CN" sz="4400" dirty="0"/>
+              <a:t/>
+            </a:r>
+            <a:br>
+              <a:rPr lang="en-GB" altLang="zh-CN" sz="4400" dirty="0"/>
+            </a:br>
+            <a:r>
+              <a:rPr lang="en-US" altLang="zh-CN" sz="2000" cap="all" dirty="0">
+                <a:solidFill>
+                  <a:schemeClr val="accent1"/>
+                </a:solidFill>
+              </a:rPr>
+              <a:t>XSQL</a:t>
+            </a:r>
+            <a:r>
+              <a:rPr lang="zh-CN" altLang="en-US" sz="2000" cap="all" dirty="0" smtClean="0">
+                <a:solidFill>
+                  <a:schemeClr val="accent1"/>
+                </a:solidFill>
+              </a:rPr>
+              <a:t>的高级元素</a:t>
+            </a:r>
+            <a:endParaRPr lang="zh-CN" altLang="en-US" dirty="0"/>
+          </a:p>
+        </p:txBody>
+      </p:sp>
+      <p:grpSp>
+        <p:nvGrpSpPr>
+          <p:cNvPr id="5" name="组合 4"/>
+          <p:cNvGrpSpPr/>
+          <p:nvPr/>
+        </p:nvGrpSpPr>
+        <p:grpSpPr>
+          <a:xfrm>
+            <a:off x="10401652" y="72593"/>
+            <a:ext cx="763351" cy="1071782"/>
+            <a:chOff x="10401652" y="72593"/>
+            <a:chExt cx="763351" cy="1071782"/>
+          </a:xfrm>
+        </p:grpSpPr>
+        <p:sp>
+          <p:nvSpPr>
+            <p:cNvPr id="6" name="矩形 5"/>
+            <p:cNvSpPr/>
+            <p:nvPr/>
+          </p:nvSpPr>
+          <p:spPr>
+            <a:xfrm>
+              <a:off x="10401652" y="72593"/>
+              <a:ext cx="763351" cy="461665"/>
+            </a:xfrm>
+            <a:prstGeom prst="rect">
+              <a:avLst/>
+            </a:prstGeom>
+            <a:noFill/>
+          </p:spPr>
+          <p:txBody>
+            <a:bodyPr wrap="none" lIns="91440" tIns="45720" rIns="91440" bIns="45720">
+              <a:spAutoFit/>
+            </a:bodyPr>
+            <a:lstStyle/>
+            <a:p>
+              <a:pPr algn="ctr"/>
+              <a:r>
+                <a:rPr lang="en-GB" altLang="zh-CN" sz="2400" b="1" cap="none" spc="0" dirty="0" smtClean="0">
+                  <a:ln w="12700">
+                    <a:solidFill>
+                      <a:schemeClr val="tx2">
+                        <a:lumMod val="75000"/>
+                      </a:schemeClr>
+                    </a:solidFill>
+                    <a:prstDash val="solid"/>
+                  </a:ln>
+                  <a:pattFill prst="dkUpDiag">
+                    <a:fgClr>
+                      <a:schemeClr val="tx2"/>
+                    </a:fgClr>
+                    <a:bgClr>
+                      <a:schemeClr val="tx2">
+                        <a:lumMod val="20000"/>
+                        <a:lumOff val="80000"/>
+                      </a:schemeClr>
+                    </a:bgClr>
+                  </a:pattFill>
+                  <a:effectLst>
+                    <a:outerShdw dist="38100" dir="2640000" algn="bl" rotWithShape="0">
+                      <a:schemeClr val="tx2">
+                        <a:lumMod val="75000"/>
+                      </a:schemeClr>
+                    </a:outerShdw>
+                  </a:effectLst>
+                  <a:latin typeface="Segoe UI Black" panose="020B0A02040204020203" pitchFamily="34" charset="0"/>
+                  <a:ea typeface="Segoe UI Black" panose="020B0A02040204020203" pitchFamily="34" charset="0"/>
+                  <a:cs typeface="Segoe UI Black" panose="020B0A02040204020203" pitchFamily="34" charset="0"/>
+                </a:rPr>
+                <a:t>SQL</a:t>
+              </a:r>
+            </a:p>
+          </p:txBody>
+        </p:sp>
+        <p:sp>
+          <p:nvSpPr>
+            <p:cNvPr id="7" name="矩形 6"/>
+            <p:cNvSpPr/>
+            <p:nvPr/>
+          </p:nvSpPr>
+          <p:spPr>
+            <a:xfrm>
+              <a:off x="10439901" y="221045"/>
+              <a:ext cx="670376" cy="923330"/>
+            </a:xfrm>
+            <a:prstGeom prst="rect">
+              <a:avLst/>
+            </a:prstGeom>
+          </p:spPr>
+          <p:txBody>
+            <a:bodyPr wrap="none">
+              <a:spAutoFit/>
+            </a:bodyPr>
+            <a:lstStyle/>
+            <a:p>
+              <a:pPr algn="ctr"/>
+              <a:r>
+                <a:rPr lang="en-GB" altLang="zh-CN" sz="5400" dirty="0">
+                  <a:ln w="12700">
+                    <a:solidFill>
+                      <a:schemeClr val="tx2">
+                        <a:lumMod val="75000"/>
+                      </a:schemeClr>
+                    </a:solidFill>
+                    <a:prstDash val="solid"/>
+                  </a:ln>
+                  <a:pattFill prst="dkUpDiag">
+                    <a:fgClr>
+                      <a:schemeClr val="tx2"/>
+                    </a:fgClr>
+                    <a:bgClr>
+                      <a:schemeClr val="tx2">
+                        <a:lumMod val="20000"/>
+                        <a:lumOff val="80000"/>
+                      </a:schemeClr>
+                    </a:bgClr>
+                  </a:pattFill>
+                  <a:effectLst>
+                    <a:outerShdw dist="38100" dir="2640000" algn="bl" rotWithShape="0">
+                      <a:schemeClr val="tx2">
+                        <a:lumMod val="75000"/>
+                      </a:schemeClr>
+                    </a:outerShdw>
+                  </a:effectLst>
+                  <a:latin typeface="Segoe UI Black" panose="020B0A02040204020203" pitchFamily="34" charset="0"/>
+                  <a:ea typeface="Segoe UI Black" panose="020B0A02040204020203" pitchFamily="34" charset="0"/>
+                  <a:cs typeface="Segoe UI Black" panose="020B0A02040204020203" pitchFamily="34" charset="0"/>
+                </a:rPr>
+                <a:t>X</a:t>
+              </a:r>
+              <a:endParaRPr lang="zh-CN" altLang="en-US" sz="5400" dirty="0">
+                <a:ln w="12700">
+                  <a:solidFill>
+                    <a:schemeClr val="tx2">
+                      <a:lumMod val="75000"/>
+                    </a:schemeClr>
+                  </a:solidFill>
+                  <a:prstDash val="solid"/>
+                </a:ln>
+                <a:pattFill prst="dkUpDiag">
+                  <a:fgClr>
+                    <a:schemeClr val="tx2"/>
+                  </a:fgClr>
+                  <a:bgClr>
+                    <a:schemeClr val="tx2">
+                      <a:lumMod val="20000"/>
+                      <a:lumOff val="80000"/>
+                    </a:schemeClr>
+                  </a:bgClr>
+                </a:pattFill>
+                <a:effectLst>
+                  <a:outerShdw dist="38100" dir="2640000" algn="bl" rotWithShape="0">
+                    <a:schemeClr val="tx2">
+                      <a:lumMod val="75000"/>
+                    </a:schemeClr>
+                  </a:outerShdw>
+                </a:effectLst>
+                <a:latin typeface="Segoe UI Black" panose="020B0A02040204020203" pitchFamily="34" charset="0"/>
+                <a:ea typeface="华文行楷" panose="02010800040101010101" pitchFamily="2" charset="-122"/>
+                <a:cs typeface="Segoe UI Black" panose="020B0A02040204020203" pitchFamily="34" charset="0"/>
+              </a:endParaRPr>
+            </a:p>
+          </p:txBody>
+        </p:sp>
+      </p:grpSp>
+      <p:pic>
+        <p:nvPicPr>
+          <p:cNvPr id="4" name="图片 3"/>
+          <p:cNvPicPr>
+            <a:picLocks noChangeAspect="1"/>
+          </p:cNvPicPr>
+          <p:nvPr/>
+        </p:nvPicPr>
+        <p:blipFill>
+          <a:blip r:embed="rId2"/>
+          <a:stretch>
+            <a:fillRect/>
+          </a:stretch>
+        </p:blipFill>
+        <p:spPr>
+          <a:xfrm>
+            <a:off x="5733652" y="1514475"/>
+            <a:ext cx="6224588" cy="5191687"/>
+          </a:xfrm>
+          <a:prstGeom prst="rect">
+            <a:avLst/>
+          </a:prstGeom>
+        </p:spPr>
+      </p:pic>
+      <p:sp>
+        <p:nvSpPr>
+          <p:cNvPr id="17" name="文本框 16"/>
+          <p:cNvSpPr txBox="1"/>
+          <p:nvPr/>
+        </p:nvSpPr>
+        <p:spPr>
+          <a:xfrm>
+            <a:off x="321467" y="2632084"/>
+            <a:ext cx="4907758" cy="646331"/>
+          </a:xfrm>
+          <a:prstGeom prst="rect">
+            <a:avLst/>
+          </a:prstGeom>
+          <a:solidFill>
+            <a:schemeClr val="bg1">
+              <a:lumMod val="75000"/>
+              <a:lumOff val="25000"/>
+            </a:schemeClr>
+          </a:solidFill>
+          <a:ln>
+            <a:solidFill>
+              <a:schemeClr val="tx1">
+                <a:lumMod val="65000"/>
+              </a:schemeClr>
+            </a:solidFill>
+          </a:ln>
+        </p:spPr>
+        <p:txBody>
+          <a:bodyPr wrap="square" rtlCol="0">
+            <a:spAutoFit/>
+          </a:bodyPr>
+          <a:lstStyle/>
+          <a:p>
+            <a:r>
+              <a:rPr lang="en-GB" altLang="zh-CN" dirty="0"/>
+              <a:t>&lt;</a:t>
+            </a:r>
+            <a:r>
+              <a:rPr lang="en-GB" altLang="zh-CN" b="1" dirty="0" err="1">
+                <a:solidFill>
+                  <a:srgbClr val="FFFF00"/>
+                </a:solidFill>
+              </a:rPr>
+              <a:t>lobName</a:t>
+            </a:r>
+            <a:r>
+              <a:rPr lang="en-GB" altLang="zh-CN" dirty="0"/>
+              <a:t>&gt;</a:t>
+            </a:r>
+            <a:r>
+              <a:rPr lang="en-GB" altLang="zh-CN" dirty="0" err="1"/>
+              <a:t>xmIdea</a:t>
+            </a:r>
+            <a:r>
+              <a:rPr lang="en-GB" altLang="zh-CN" dirty="0"/>
+              <a:t>&lt;/</a:t>
+            </a:r>
+            <a:r>
+              <a:rPr lang="en-GB" altLang="zh-CN" b="1" dirty="0" err="1">
+                <a:solidFill>
+                  <a:srgbClr val="FFFF00"/>
+                </a:solidFill>
+              </a:rPr>
+              <a:t>lobName</a:t>
+            </a:r>
+            <a:r>
+              <a:rPr lang="en-GB" altLang="zh-CN" dirty="0" smtClean="0"/>
+              <a:t>&gt;</a:t>
+            </a:r>
+          </a:p>
+          <a:p>
+            <a:r>
+              <a:rPr lang="en-GB" altLang="zh-CN" dirty="0"/>
+              <a:t>&lt;</a:t>
+            </a:r>
+            <a:r>
+              <a:rPr lang="en-GB" altLang="zh-CN" b="1" dirty="0" err="1">
+                <a:solidFill>
+                  <a:srgbClr val="FFFF00"/>
+                </a:solidFill>
+              </a:rPr>
+              <a:t>lobWheres</a:t>
+            </a:r>
+            <a:r>
+              <a:rPr lang="en-GB" altLang="zh-CN" dirty="0"/>
+              <a:t>&gt;</a:t>
+            </a:r>
+            <a:r>
+              <a:rPr lang="en-GB" altLang="zh-CN" u="sng" dirty="0" err="1"/>
+              <a:t>xmbh</a:t>
+            </a:r>
+            <a:r>
+              <a:rPr lang="en-GB" altLang="zh-CN" u="sng" dirty="0"/>
+              <a:t> = ':</a:t>
+            </a:r>
+            <a:r>
+              <a:rPr lang="en-GB" altLang="zh-CN" u="sng" dirty="0" err="1"/>
+              <a:t>xmbh</a:t>
+            </a:r>
+            <a:r>
+              <a:rPr lang="en-GB" altLang="zh-CN" u="sng" dirty="0"/>
+              <a:t>'&lt;/</a:t>
+            </a:r>
+            <a:r>
+              <a:rPr lang="en-GB" altLang="zh-CN" b="1" dirty="0" err="1">
+                <a:solidFill>
+                  <a:srgbClr val="FFFF00"/>
+                </a:solidFill>
+              </a:rPr>
+              <a:t>lobWheres</a:t>
+            </a:r>
+            <a:r>
+              <a:rPr lang="en-GB" altLang="zh-CN" u="sng" dirty="0"/>
+              <a:t>&gt;</a:t>
+            </a:r>
+            <a:endParaRPr lang="zh-CN" altLang="en-US" dirty="0"/>
+          </a:p>
+        </p:txBody>
+      </p:sp>
+      <p:cxnSp>
+        <p:nvCxnSpPr>
+          <p:cNvPr id="18" name="直接连接符 17"/>
+          <p:cNvCxnSpPr/>
+          <p:nvPr/>
+        </p:nvCxnSpPr>
+        <p:spPr>
+          <a:xfrm flipV="1">
+            <a:off x="5229225" y="2223348"/>
+            <a:ext cx="923925" cy="408737"/>
+          </a:xfrm>
+          <a:prstGeom prst="line">
+            <a:avLst/>
+          </a:prstGeom>
+        </p:spPr>
+        <p:style>
+          <a:lnRef idx="1">
+            <a:schemeClr val="accent1"/>
+          </a:lnRef>
+          <a:fillRef idx="0">
+            <a:schemeClr val="accent1"/>
+          </a:fillRef>
+          <a:effectRef idx="0">
+            <a:schemeClr val="accent1"/>
+          </a:effectRef>
+          <a:fontRef idx="minor">
+            <a:schemeClr val="tx1"/>
+          </a:fontRef>
+        </p:style>
+      </p:cxnSp>
+      <p:cxnSp>
+        <p:nvCxnSpPr>
+          <p:cNvPr id="19" name="直接连接符 18"/>
+          <p:cNvCxnSpPr/>
+          <p:nvPr/>
+        </p:nvCxnSpPr>
+        <p:spPr>
+          <a:xfrm flipV="1">
+            <a:off x="5229225" y="2554293"/>
+            <a:ext cx="923925" cy="724122"/>
+          </a:xfrm>
+          <a:prstGeom prst="line">
+            <a:avLst/>
+          </a:prstGeom>
+        </p:spPr>
+        <p:style>
+          <a:lnRef idx="1">
+            <a:schemeClr val="accent1"/>
+          </a:lnRef>
+          <a:fillRef idx="0">
+            <a:schemeClr val="accent1"/>
+          </a:fillRef>
+          <a:effectRef idx="0">
+            <a:schemeClr val="accent1"/>
+          </a:effectRef>
+          <a:fontRef idx="minor">
+            <a:schemeClr val="tx1"/>
+          </a:fontRef>
+        </p:style>
+      </p:cxnSp>
+      <p:sp>
+        <p:nvSpPr>
+          <p:cNvPr id="25" name="椭圆形标注 24"/>
+          <p:cNvSpPr/>
+          <p:nvPr/>
+        </p:nvSpPr>
+        <p:spPr>
+          <a:xfrm>
+            <a:off x="8698284" y="4619624"/>
+            <a:ext cx="1609725" cy="723899"/>
+          </a:xfrm>
+          <a:prstGeom prst="wedgeEllipseCallout">
+            <a:avLst>
+              <a:gd name="adj1" fmla="val -74680"/>
+              <a:gd name="adj2" fmla="val 87241"/>
+            </a:avLst>
+          </a:prstGeom>
+        </p:spPr>
+        <p:style>
+          <a:lnRef idx="0">
+            <a:schemeClr val="dk1"/>
+          </a:lnRef>
+          <a:fillRef idx="3">
+            <a:schemeClr val="dk1"/>
+          </a:fillRef>
+          <a:effectRef idx="3">
+            <a:schemeClr val="dk1"/>
+          </a:effectRef>
+          <a:fontRef idx="minor">
+            <a:schemeClr val="lt1"/>
+          </a:fontRef>
+        </p:style>
+        <p:txBody>
+          <a:bodyPr rtlCol="0" anchor="ctr"/>
+          <a:lstStyle/>
+          <a:p>
+            <a:r>
+              <a:rPr lang="en-GB" altLang="zh-CN" b="1" dirty="0" smtClean="0">
+                <a:solidFill>
+                  <a:schemeClr val="accent4">
+                    <a:lumMod val="20000"/>
+                    <a:lumOff val="80000"/>
+                  </a:schemeClr>
+                </a:solidFill>
+              </a:rPr>
+              <a:t>Oracle</a:t>
+            </a:r>
+            <a:r>
+              <a:rPr lang="zh-CN" altLang="en-US" b="1" dirty="0" smtClean="0">
+                <a:solidFill>
+                  <a:schemeClr val="accent4">
+                    <a:lumMod val="20000"/>
+                    <a:lumOff val="80000"/>
+                  </a:schemeClr>
+                </a:solidFill>
+              </a:rPr>
+              <a:t>的关键字</a:t>
+            </a:r>
+            <a:endParaRPr lang="en-US" altLang="zh-CN" b="1" dirty="0">
+              <a:solidFill>
+                <a:schemeClr val="accent4">
+                  <a:lumMod val="20000"/>
+                  <a:lumOff val="80000"/>
+                </a:schemeClr>
+              </a:solidFill>
+            </a:endParaRPr>
+          </a:p>
+        </p:txBody>
+      </p:sp>
+      <p:cxnSp>
+        <p:nvCxnSpPr>
+          <p:cNvPr id="27" name="直接连接符 26"/>
+          <p:cNvCxnSpPr/>
+          <p:nvPr/>
+        </p:nvCxnSpPr>
+        <p:spPr>
+          <a:xfrm>
+            <a:off x="7153275" y="5667375"/>
+            <a:ext cx="1123950" cy="0"/>
+          </a:xfrm>
+          <a:prstGeom prst="line">
+            <a:avLst/>
+          </a:prstGeom>
+          <a:ln w="28575">
+            <a:solidFill>
+              <a:srgbClr val="FF0000"/>
+            </a:solidFill>
+          </a:ln>
+        </p:spPr>
+        <p:style>
+          <a:lnRef idx="1">
+            <a:schemeClr val="accent1"/>
+          </a:lnRef>
+          <a:fillRef idx="0">
+            <a:schemeClr val="accent1"/>
+          </a:fillRef>
+          <a:effectRef idx="0">
+            <a:schemeClr val="accent1"/>
+          </a:effectRef>
+          <a:fontRef idx="minor">
+            <a:schemeClr val="tx1"/>
+          </a:fontRef>
+        </p:style>
+      </p:cxnSp>
+    </p:spTree>
+    <p:extLst>
+      <p:ext uri="{BB962C8B-B14F-4D97-AF65-F5344CB8AC3E}">
+        <p14:creationId xmlns:p14="http://schemas.microsoft.com/office/powerpoint/2010/main" val="2990446457"/>
+      </p:ext>
+    </p:extLst>
+  </p:cSld>
+  <p:clrMapOvr>
+    <a:masterClrMapping/>
+  </p:clrMapOvr>
+  <p:timing>
+    <p:tnLst>
+      <p:par>
+        <p:cTn id="1" dur="indefinite" restart="never" nodeType="tmRoot">
+          <p:childTnLst>
+            <p:seq concurrent="1" nextAc="seek">
+              <p:cTn id="2" dur="indefinite" nodeType="mainSeq">
+                <p:childTnLst>
+                  <p:par>
+                    <p:cTn id="3" fill="hold">
+                      <p:stCondLst>
+                        <p:cond delay="indefinite"/>
+                      </p:stCondLst>
+                      <p:childTnLst>
+                        <p:par>
+                          <p:cTn id="4" fill="hold">
+                            <p:stCondLst>
+                              <p:cond delay="0"/>
+                            </p:stCondLst>
+                            <p:childTnLst>
+                              <p:par>
+                                <p:cTn id="5" presetID="14" presetClass="entr" presetSubtype="10" fill="hold" nodeType="clickEffect">
+                                  <p:stCondLst>
+                                    <p:cond delay="0"/>
+                                  </p:stCondLst>
+                                  <p:childTnLst>
+                                    <p:set>
+                                      <p:cBhvr>
+                                        <p:cTn id="6" dur="1" fill="hold">
+                                          <p:stCondLst>
+                                            <p:cond delay="0"/>
+                                          </p:stCondLst>
+                                        </p:cTn>
+                                        <p:tgtEl>
+                                          <p:spTgt spid="27"/>
+                                        </p:tgtEl>
+                                        <p:attrNameLst>
+                                          <p:attrName>style.visibility</p:attrName>
+                                        </p:attrNameLst>
+                                      </p:cBhvr>
+                                      <p:to>
+                                        <p:strVal val="visible"/>
+                                      </p:to>
+                                    </p:set>
+                                    <p:animEffect transition="in" filter="randombar(horizontal)">
+                                      <p:cBhvr>
+                                        <p:cTn id="7" dur="500"/>
+                                        <p:tgtEl>
+                                          <p:spTgt spid="27"/>
+                                        </p:tgtEl>
+                                      </p:cBhvr>
+                                    </p:animEffect>
+                                  </p:childTnLst>
+                                </p:cTn>
+                              </p:par>
+                              <p:par>
+                                <p:cTn id="8" presetID="14" presetClass="entr" presetSubtype="10" fill="hold" grpId="0" nodeType="withEffect">
+                                  <p:stCondLst>
+                                    <p:cond delay="0"/>
+                                  </p:stCondLst>
+                                  <p:childTnLst>
+                                    <p:set>
+                                      <p:cBhvr>
+                                        <p:cTn id="9" dur="1" fill="hold">
+                                          <p:stCondLst>
+                                            <p:cond delay="0"/>
+                                          </p:stCondLst>
+                                        </p:cTn>
+                                        <p:tgtEl>
+                                          <p:spTgt spid="25"/>
+                                        </p:tgtEl>
+                                        <p:attrNameLst>
+                                          <p:attrName>style.visibility</p:attrName>
+                                        </p:attrNameLst>
+                                      </p:cBhvr>
+                                      <p:to>
+                                        <p:strVal val="visible"/>
+                                      </p:to>
+                                    </p:set>
+                                    <p:animEffect transition="in" filter="randombar(horizontal)">
+                                      <p:cBhvr>
+                                        <p:cTn id="10" dur="500"/>
+                                        <p:tgtEl>
+                                          <p:spTgt spid="25"/>
+                                        </p:tgtEl>
+                                      </p:cBhvr>
+                                    </p:animEffect>
+                                  </p:childTnLst>
+                                </p:cTn>
+                              </p:par>
+                            </p:childTnLst>
+                          </p:cTn>
+                        </p:par>
+                      </p:childTnLst>
+                    </p:cTn>
+                  </p:par>
+                </p:childTnLst>
+              </p:cTn>
+              <p:prevCondLst>
+                <p:cond evt="onPrev" delay="0">
+                  <p:tgtEl>
+                    <p:sldTgt/>
+                  </p:tgtEl>
+                </p:cond>
+              </p:prevCondLst>
+              <p:nextCondLst>
+                <p:cond evt="onNext" delay="0">
+                  <p:tgtEl>
+                    <p:sldTgt/>
+                  </p:tgtEl>
+                </p:cond>
+              </p:nextCondLst>
+            </p:seq>
+          </p:childTnLst>
+        </p:cTn>
+      </p:par>
+    </p:tnLst>
+    <p:bldLst>
+      <p:bldP spid="25" grpId="0" animBg="1"/>
+    </p:bldLst>
+  </p:timing>
+</p:sld>
+</file>
+
+<file path=ppt/slides/slide41.xml><?xml version="1.0" encoding="utf-8"?>
+<p:sld xmlns:a="http://schemas.openxmlformats.org/drawingml/2006/main" xmlns:r="http://schemas.openxmlformats.org/officeDocument/2006/relationships" xmlns:p="http://schemas.openxmlformats.org/presentationml/2006/main">
+  <p:cSld>
+    <p:spTree>
+      <p:nvGrpSpPr>
+        <p:cNvPr id="1" name=""/>
+        <p:cNvGrpSpPr/>
+        <p:nvPr/>
+      </p:nvGrpSpPr>
+      <p:grpSpPr>
+        <a:xfrm>
+          <a:off x="0" y="0"/>
+          <a:ext cx="0" cy="0"/>
+          <a:chOff x="0" y="0"/>
+          <a:chExt cx="0" cy="0"/>
+        </a:xfrm>
+      </p:grpSpPr>
+      <p:sp>
+        <p:nvSpPr>
+          <p:cNvPr id="2" name="标题 1"/>
+          <p:cNvSpPr>
+            <a:spLocks noGrp="1"/>
+          </p:cNvSpPr>
+          <p:nvPr>
+            <p:ph type="title"/>
+          </p:nvPr>
+        </p:nvSpPr>
+        <p:spPr/>
+        <p:txBody>
+          <a:bodyPr/>
+          <a:lstStyle/>
+          <a:p>
+            <a:r>
+              <a:rPr lang="en-GB" altLang="zh-CN" sz="4400" dirty="0" err="1"/>
+              <a:t>BatchCommit</a:t>
+            </a:r>
+            <a:r>
+              <a:rPr lang="en-GB" altLang="zh-CN" sz="4400" dirty="0" smtClean="0"/>
+              <a:t> </a:t>
+            </a:r>
+            <a:r>
+              <a:rPr lang="zh-CN" altLang="en-US" sz="4400" dirty="0" smtClean="0"/>
+              <a:t>分批提交</a:t>
+            </a:r>
+            <a:r>
+              <a:rPr lang="en-GB" altLang="zh-CN" sz="4400" dirty="0"/>
+              <a:t/>
+            </a:r>
+            <a:br>
+              <a:rPr lang="en-GB" altLang="zh-CN" sz="4400" dirty="0"/>
+            </a:br>
+            <a:r>
+              <a:rPr lang="en-US" altLang="zh-CN" sz="2000" cap="all" dirty="0">
+                <a:solidFill>
+                  <a:schemeClr val="accent1"/>
+                </a:solidFill>
+              </a:rPr>
+              <a:t>XSQL</a:t>
+            </a:r>
+            <a:r>
+              <a:rPr lang="zh-CN" altLang="en-US" sz="2000" cap="all" dirty="0" smtClean="0">
+                <a:solidFill>
+                  <a:schemeClr val="accent1"/>
+                </a:solidFill>
+              </a:rPr>
+              <a:t>的高级元素</a:t>
+            </a:r>
+            <a:endParaRPr lang="zh-CN" altLang="en-US" dirty="0"/>
+          </a:p>
+        </p:txBody>
+      </p:sp>
+      <p:grpSp>
+        <p:nvGrpSpPr>
+          <p:cNvPr id="5" name="组合 4"/>
+          <p:cNvGrpSpPr/>
+          <p:nvPr/>
+        </p:nvGrpSpPr>
+        <p:grpSpPr>
+          <a:xfrm>
+            <a:off x="10401652" y="72593"/>
+            <a:ext cx="763351" cy="1071782"/>
+            <a:chOff x="10401652" y="72593"/>
+            <a:chExt cx="763351" cy="1071782"/>
+          </a:xfrm>
+        </p:grpSpPr>
+        <p:sp>
+          <p:nvSpPr>
+            <p:cNvPr id="6" name="矩形 5"/>
+            <p:cNvSpPr/>
+            <p:nvPr/>
+          </p:nvSpPr>
+          <p:spPr>
+            <a:xfrm>
+              <a:off x="10401652" y="72593"/>
+              <a:ext cx="763351" cy="461665"/>
+            </a:xfrm>
+            <a:prstGeom prst="rect">
+              <a:avLst/>
+            </a:prstGeom>
+            <a:noFill/>
+          </p:spPr>
+          <p:txBody>
+            <a:bodyPr wrap="none" lIns="91440" tIns="45720" rIns="91440" bIns="45720">
+              <a:spAutoFit/>
+            </a:bodyPr>
+            <a:lstStyle/>
+            <a:p>
+              <a:pPr algn="ctr"/>
+              <a:r>
+                <a:rPr lang="en-GB" altLang="zh-CN" sz="2400" b="1" cap="none" spc="0" dirty="0" smtClean="0">
+                  <a:ln w="12700">
+                    <a:solidFill>
+                      <a:schemeClr val="tx2">
+                        <a:lumMod val="75000"/>
+                      </a:schemeClr>
+                    </a:solidFill>
+                    <a:prstDash val="solid"/>
+                  </a:ln>
+                  <a:pattFill prst="dkUpDiag">
+                    <a:fgClr>
+                      <a:schemeClr val="tx2"/>
+                    </a:fgClr>
+                    <a:bgClr>
+                      <a:schemeClr val="tx2">
+                        <a:lumMod val="20000"/>
+                        <a:lumOff val="80000"/>
+                      </a:schemeClr>
+                    </a:bgClr>
+                  </a:pattFill>
+                  <a:effectLst>
+                    <a:outerShdw dist="38100" dir="2640000" algn="bl" rotWithShape="0">
+                      <a:schemeClr val="tx2">
+                        <a:lumMod val="75000"/>
+                      </a:schemeClr>
+                    </a:outerShdw>
+                  </a:effectLst>
+                  <a:latin typeface="Segoe UI Black" panose="020B0A02040204020203" pitchFamily="34" charset="0"/>
+                  <a:ea typeface="Segoe UI Black" panose="020B0A02040204020203" pitchFamily="34" charset="0"/>
+                  <a:cs typeface="Segoe UI Black" panose="020B0A02040204020203" pitchFamily="34" charset="0"/>
+                </a:rPr>
+                <a:t>SQL</a:t>
+              </a:r>
+            </a:p>
+          </p:txBody>
+        </p:sp>
+        <p:sp>
+          <p:nvSpPr>
+            <p:cNvPr id="7" name="矩形 6"/>
+            <p:cNvSpPr/>
+            <p:nvPr/>
+          </p:nvSpPr>
+          <p:spPr>
+            <a:xfrm>
+              <a:off x="10439901" y="221045"/>
+              <a:ext cx="670376" cy="923330"/>
+            </a:xfrm>
+            <a:prstGeom prst="rect">
+              <a:avLst/>
+            </a:prstGeom>
+          </p:spPr>
+          <p:txBody>
+            <a:bodyPr wrap="none">
+              <a:spAutoFit/>
+            </a:bodyPr>
+            <a:lstStyle/>
+            <a:p>
+              <a:pPr algn="ctr"/>
+              <a:r>
+                <a:rPr lang="en-GB" altLang="zh-CN" sz="5400" dirty="0">
+                  <a:ln w="12700">
+                    <a:solidFill>
+                      <a:schemeClr val="tx2">
+                        <a:lumMod val="75000"/>
+                      </a:schemeClr>
+                    </a:solidFill>
+                    <a:prstDash val="solid"/>
+                  </a:ln>
+                  <a:pattFill prst="dkUpDiag">
+                    <a:fgClr>
+                      <a:schemeClr val="tx2"/>
+                    </a:fgClr>
+                    <a:bgClr>
+                      <a:schemeClr val="tx2">
+                        <a:lumMod val="20000"/>
+                        <a:lumOff val="80000"/>
+                      </a:schemeClr>
+                    </a:bgClr>
+                  </a:pattFill>
+                  <a:effectLst>
+                    <a:outerShdw dist="38100" dir="2640000" algn="bl" rotWithShape="0">
+                      <a:schemeClr val="tx2">
+                        <a:lumMod val="75000"/>
+                      </a:schemeClr>
+                    </a:outerShdw>
+                  </a:effectLst>
+                  <a:latin typeface="Segoe UI Black" panose="020B0A02040204020203" pitchFamily="34" charset="0"/>
+                  <a:ea typeface="Segoe UI Black" panose="020B0A02040204020203" pitchFamily="34" charset="0"/>
+                  <a:cs typeface="Segoe UI Black" panose="020B0A02040204020203" pitchFamily="34" charset="0"/>
+                </a:rPr>
+                <a:t>X</a:t>
+              </a:r>
+              <a:endParaRPr lang="zh-CN" altLang="en-US" sz="5400" dirty="0">
+                <a:ln w="12700">
+                  <a:solidFill>
+                    <a:schemeClr val="tx2">
+                      <a:lumMod val="75000"/>
+                    </a:schemeClr>
+                  </a:solidFill>
+                  <a:prstDash val="solid"/>
+                </a:ln>
+                <a:pattFill prst="dkUpDiag">
+                  <a:fgClr>
+                    <a:schemeClr val="tx2"/>
+                  </a:fgClr>
+                  <a:bgClr>
+                    <a:schemeClr val="tx2">
+                      <a:lumMod val="20000"/>
+                      <a:lumOff val="80000"/>
+                    </a:schemeClr>
+                  </a:bgClr>
+                </a:pattFill>
+                <a:effectLst>
+                  <a:outerShdw dist="38100" dir="2640000" algn="bl" rotWithShape="0">
+                    <a:schemeClr val="tx2">
+                      <a:lumMod val="75000"/>
+                    </a:schemeClr>
+                  </a:outerShdw>
+                </a:effectLst>
+                <a:latin typeface="Segoe UI Black" panose="020B0A02040204020203" pitchFamily="34" charset="0"/>
+                <a:ea typeface="华文行楷" panose="02010800040101010101" pitchFamily="2" charset="-122"/>
+                <a:cs typeface="Segoe UI Black" panose="020B0A02040204020203" pitchFamily="34" charset="0"/>
+              </a:endParaRPr>
+            </a:p>
+          </p:txBody>
+        </p:sp>
+      </p:grpSp>
+      <p:sp>
+        <p:nvSpPr>
+          <p:cNvPr id="12" name="内容占位符 2"/>
+          <p:cNvSpPr>
+            <a:spLocks noGrp="1"/>
+          </p:cNvSpPr>
+          <p:nvPr>
+            <p:ph idx="1"/>
+          </p:nvPr>
+        </p:nvSpPr>
+        <p:spPr>
+          <a:xfrm>
+            <a:off x="1103312" y="2052918"/>
+            <a:ext cx="8946541" cy="4195481"/>
+          </a:xfrm>
+        </p:spPr>
+        <p:txBody>
+          <a:bodyPr/>
+          <a:lstStyle/>
+          <a:p>
+            <a:pPr marL="0" indent="0">
+              <a:buNone/>
+            </a:pPr>
+            <a:r>
+              <a:rPr lang="zh-CN" altLang="en-US" dirty="0" smtClean="0"/>
+              <a:t>项目经理要求你将</a:t>
+            </a:r>
+            <a:r>
+              <a:rPr lang="en-US" altLang="zh-CN" dirty="0" smtClean="0"/>
+              <a:t>100</a:t>
+            </a:r>
+            <a:r>
+              <a:rPr lang="zh-CN" altLang="en-US" dirty="0" smtClean="0"/>
+              <a:t>万数据保存到数据库中，如何做呢？</a:t>
+            </a:r>
+            <a:endParaRPr lang="en-GB" altLang="zh-CN" dirty="0" smtClean="0"/>
+          </a:p>
+          <a:p>
+            <a:pPr marL="0" indent="0">
+              <a:buNone/>
+            </a:pPr>
+            <a:endParaRPr lang="en-GB" altLang="zh-CN" dirty="0"/>
+          </a:p>
+          <a:p>
+            <a:pPr marL="0" indent="0">
+              <a:buNone/>
+            </a:pPr>
+            <a:endParaRPr lang="zh-CN" altLang="en-US" dirty="0"/>
+          </a:p>
+        </p:txBody>
+      </p:sp>
+      <p:sp>
+        <p:nvSpPr>
+          <p:cNvPr id="8" name="文本框 7"/>
+          <p:cNvSpPr txBox="1"/>
+          <p:nvPr/>
+        </p:nvSpPr>
+        <p:spPr>
+          <a:xfrm>
+            <a:off x="762000" y="2952750"/>
+            <a:ext cx="8077200" cy="400110"/>
+          </a:xfrm>
+          <a:prstGeom prst="rect">
+            <a:avLst/>
+          </a:prstGeom>
+          <a:noFill/>
+        </p:spPr>
+        <p:txBody>
+          <a:bodyPr wrap="square" rtlCol="0">
+            <a:spAutoFit/>
+          </a:bodyPr>
+          <a:lstStyle/>
+          <a:p>
+            <a:pPr marL="342900" lvl="0" indent="-342900">
+              <a:spcBef>
+                <a:spcPts val="1000"/>
+              </a:spcBef>
+              <a:buClr>
+                <a:srgbClr val="ACD433"/>
+              </a:buClr>
+              <a:buSzPct val="80000"/>
+              <a:buFont typeface="Wingdings 3" charset="2"/>
+              <a:buChar char=""/>
+            </a:pPr>
+            <a:r>
+              <a:rPr lang="zh-CN" altLang="en-US" sz="2000" dirty="0" smtClean="0">
+                <a:solidFill>
+                  <a:prstClr val="white"/>
+                </a:solidFill>
+                <a:cs typeface="+mj-cs"/>
+              </a:rPr>
+              <a:t>首先要做预解析的模式。防止数据库对相同</a:t>
+            </a:r>
+            <a:r>
+              <a:rPr lang="en-US" altLang="zh-CN" sz="2000" dirty="0" smtClean="0">
+                <a:solidFill>
+                  <a:prstClr val="white"/>
+                </a:solidFill>
+                <a:cs typeface="+mj-cs"/>
+              </a:rPr>
+              <a:t>SQL</a:t>
+            </a:r>
+            <a:r>
+              <a:rPr lang="zh-CN" altLang="en-US" sz="2000" dirty="0" smtClean="0">
+                <a:solidFill>
+                  <a:prstClr val="white"/>
+                </a:solidFill>
+                <a:cs typeface="+mj-cs"/>
+              </a:rPr>
+              <a:t>解析</a:t>
+            </a:r>
+            <a:r>
+              <a:rPr lang="en-US" altLang="zh-CN" sz="2000" dirty="0" smtClean="0">
+                <a:solidFill>
+                  <a:prstClr val="white"/>
+                </a:solidFill>
+                <a:cs typeface="+mj-cs"/>
+              </a:rPr>
+              <a:t>100</a:t>
+            </a:r>
+            <a:r>
+              <a:rPr lang="zh-CN" altLang="en-US" sz="2000" dirty="0" smtClean="0">
+                <a:solidFill>
+                  <a:prstClr val="white"/>
+                </a:solidFill>
+                <a:cs typeface="+mj-cs"/>
+              </a:rPr>
+              <a:t>万次；</a:t>
+            </a:r>
+            <a:endParaRPr lang="en-US" altLang="zh-CN" sz="2000" dirty="0" smtClean="0">
+              <a:solidFill>
+                <a:prstClr val="white"/>
+              </a:solidFill>
+              <a:cs typeface="+mj-cs"/>
+            </a:endParaRPr>
+          </a:p>
+        </p:txBody>
+      </p:sp>
+      <p:sp>
+        <p:nvSpPr>
+          <p:cNvPr id="15" name="文本框 14"/>
+          <p:cNvSpPr txBox="1"/>
+          <p:nvPr/>
+        </p:nvSpPr>
+        <p:spPr>
+          <a:xfrm>
+            <a:off x="762000" y="3386573"/>
+            <a:ext cx="8077200" cy="400110"/>
+          </a:xfrm>
+          <a:prstGeom prst="rect">
+            <a:avLst/>
+          </a:prstGeom>
+          <a:noFill/>
+        </p:spPr>
+        <p:txBody>
+          <a:bodyPr wrap="square" rtlCol="0">
+            <a:spAutoFit/>
+          </a:bodyPr>
+          <a:lstStyle/>
+          <a:p>
+            <a:pPr marL="342900" lvl="0" indent="-342900">
+              <a:spcBef>
+                <a:spcPts val="1000"/>
+              </a:spcBef>
+              <a:buClr>
+                <a:srgbClr val="ACD433"/>
+              </a:buClr>
+              <a:buSzPct val="80000"/>
+              <a:buFont typeface="Wingdings 3" charset="2"/>
+              <a:buChar char=""/>
+            </a:pPr>
+            <a:r>
+              <a:rPr lang="zh-CN" altLang="en-US" sz="2000" dirty="0" smtClean="0">
+                <a:solidFill>
+                  <a:prstClr val="white"/>
+                </a:solidFill>
+                <a:cs typeface="+mj-cs"/>
+              </a:rPr>
+              <a:t>分批分量提交数据；</a:t>
+            </a:r>
+            <a:endParaRPr lang="en-US" altLang="zh-CN" sz="2000" dirty="0" smtClean="0">
+              <a:solidFill>
+                <a:prstClr val="white"/>
+              </a:solidFill>
+              <a:cs typeface="+mj-cs"/>
+            </a:endParaRPr>
+          </a:p>
+        </p:txBody>
+      </p:sp>
+      <p:sp>
+        <p:nvSpPr>
+          <p:cNvPr id="16" name="文本框 15"/>
+          <p:cNvSpPr txBox="1"/>
+          <p:nvPr/>
+        </p:nvSpPr>
+        <p:spPr>
+          <a:xfrm>
+            <a:off x="762000" y="3824783"/>
+            <a:ext cx="8077200" cy="400110"/>
+          </a:xfrm>
+          <a:prstGeom prst="rect">
+            <a:avLst/>
+          </a:prstGeom>
+          <a:noFill/>
+        </p:spPr>
+        <p:txBody>
+          <a:bodyPr wrap="square" rtlCol="0">
+            <a:spAutoFit/>
+          </a:bodyPr>
+          <a:lstStyle/>
+          <a:p>
+            <a:pPr marL="342900" lvl="0" indent="-342900">
+              <a:spcBef>
+                <a:spcPts val="1000"/>
+              </a:spcBef>
+              <a:buClr>
+                <a:srgbClr val="ACD433"/>
+              </a:buClr>
+              <a:buSzPct val="80000"/>
+              <a:buFont typeface="Wingdings 3" charset="2"/>
+              <a:buChar char=""/>
+            </a:pPr>
+            <a:r>
+              <a:rPr lang="zh-CN" altLang="en-US" sz="2000" dirty="0" smtClean="0">
+                <a:solidFill>
+                  <a:prstClr val="white"/>
+                </a:solidFill>
+                <a:cs typeface="+mj-cs"/>
+              </a:rPr>
+              <a:t>在</a:t>
+            </a:r>
+            <a:r>
+              <a:rPr lang="en-US" altLang="zh-CN" sz="2000" dirty="0" smtClean="0">
+                <a:solidFill>
+                  <a:prstClr val="white"/>
+                </a:solidFill>
+                <a:cs typeface="+mj-cs"/>
+              </a:rPr>
+              <a:t>DB</a:t>
+            </a:r>
+            <a:r>
+              <a:rPr lang="zh-CN" altLang="en-US" sz="2000" dirty="0">
+                <a:solidFill>
+                  <a:prstClr val="white"/>
+                </a:solidFill>
+                <a:cs typeface="+mj-cs"/>
+              </a:rPr>
+              <a:t>和</a:t>
+            </a:r>
+            <a:r>
+              <a:rPr lang="zh-CN" altLang="en-US" sz="2000" dirty="0" smtClean="0">
+                <a:solidFill>
+                  <a:prstClr val="white"/>
+                </a:solidFill>
+                <a:cs typeface="+mj-cs"/>
+              </a:rPr>
+              <a:t>应用服务允许的提前下，开启多线程；</a:t>
+            </a:r>
+            <a:endParaRPr lang="zh-CN" altLang="en-US" dirty="0"/>
+          </a:p>
+        </p:txBody>
+      </p:sp>
+      <p:pic>
+        <p:nvPicPr>
+          <p:cNvPr id="20" name="图片 19"/>
+          <p:cNvPicPr>
+            <a:picLocks noChangeAspect="1"/>
+          </p:cNvPicPr>
+          <p:nvPr/>
+        </p:nvPicPr>
+        <p:blipFill>
+          <a:blip r:embed="rId2"/>
+          <a:stretch>
+            <a:fillRect/>
+          </a:stretch>
+        </p:blipFill>
+        <p:spPr>
+          <a:xfrm>
+            <a:off x="7410451" y="3352860"/>
+            <a:ext cx="4491528" cy="3368646"/>
+          </a:xfrm>
+          <a:prstGeom prst="rect">
+            <a:avLst/>
+          </a:prstGeom>
+        </p:spPr>
+      </p:pic>
+      <p:sp>
+        <p:nvSpPr>
+          <p:cNvPr id="21" name="文本框 20"/>
+          <p:cNvSpPr txBox="1"/>
+          <p:nvPr/>
+        </p:nvSpPr>
+        <p:spPr>
+          <a:xfrm>
+            <a:off x="1438275" y="4963129"/>
+            <a:ext cx="5191125" cy="369332"/>
+          </a:xfrm>
+          <a:prstGeom prst="rect">
+            <a:avLst/>
+          </a:prstGeom>
+          <a:solidFill>
+            <a:schemeClr val="bg1">
+              <a:lumMod val="75000"/>
+              <a:lumOff val="25000"/>
+            </a:schemeClr>
+          </a:solidFill>
+          <a:ln>
+            <a:solidFill>
+              <a:schemeClr val="tx1">
+                <a:lumMod val="65000"/>
+              </a:schemeClr>
+            </a:solidFill>
+          </a:ln>
+        </p:spPr>
+        <p:txBody>
+          <a:bodyPr wrap="square" rtlCol="0">
+            <a:spAutoFit/>
+          </a:bodyPr>
+          <a:lstStyle/>
+          <a:p>
+            <a:r>
+              <a:rPr lang="en-GB" altLang="zh-CN" dirty="0"/>
+              <a:t>&lt;</a:t>
+            </a:r>
+            <a:r>
+              <a:rPr lang="en-GB" altLang="zh-CN" b="1" dirty="0" err="1">
+                <a:solidFill>
+                  <a:srgbClr val="FFFF00"/>
+                </a:solidFill>
+              </a:rPr>
+              <a:t>batchCommit</a:t>
+            </a:r>
+            <a:r>
+              <a:rPr lang="en-GB" altLang="zh-CN" dirty="0" smtClean="0"/>
+              <a:t>&gt;</a:t>
+            </a:r>
+            <a:r>
+              <a:rPr lang="zh-CN" altLang="en-US" dirty="0" smtClean="0"/>
+              <a:t>每次提交量</a:t>
+            </a:r>
+            <a:r>
+              <a:rPr lang="en-GB" altLang="zh-CN" dirty="0" smtClean="0"/>
+              <a:t>&lt;/</a:t>
+            </a:r>
+            <a:r>
+              <a:rPr lang="en-GB" altLang="zh-CN" b="1" dirty="0" err="1">
+                <a:solidFill>
+                  <a:srgbClr val="FFFF00"/>
+                </a:solidFill>
+              </a:rPr>
+              <a:t>batchCommit</a:t>
+            </a:r>
+            <a:r>
+              <a:rPr lang="en-GB" altLang="zh-CN" dirty="0"/>
+              <a:t>&gt;</a:t>
+            </a:r>
+            <a:endParaRPr lang="zh-CN" altLang="en-US" dirty="0"/>
+          </a:p>
+        </p:txBody>
+      </p:sp>
+      <p:cxnSp>
+        <p:nvCxnSpPr>
+          <p:cNvPr id="22" name="直接连接符 21"/>
+          <p:cNvCxnSpPr/>
+          <p:nvPr/>
+        </p:nvCxnSpPr>
+        <p:spPr>
+          <a:xfrm flipV="1">
+            <a:off x="6629400" y="3837079"/>
+            <a:ext cx="1028700" cy="1126052"/>
+          </a:xfrm>
+          <a:prstGeom prst="line">
+            <a:avLst/>
+          </a:prstGeom>
+        </p:spPr>
+        <p:style>
+          <a:lnRef idx="1">
+            <a:schemeClr val="accent1"/>
+          </a:lnRef>
+          <a:fillRef idx="0">
+            <a:schemeClr val="accent1"/>
+          </a:fillRef>
+          <a:effectRef idx="0">
+            <a:schemeClr val="accent1"/>
+          </a:effectRef>
+          <a:fontRef idx="minor">
+            <a:schemeClr val="tx1"/>
+          </a:fontRef>
+        </p:style>
+      </p:cxnSp>
+      <p:cxnSp>
+        <p:nvCxnSpPr>
+          <p:cNvPr id="23" name="直接连接符 22"/>
+          <p:cNvCxnSpPr/>
+          <p:nvPr/>
+        </p:nvCxnSpPr>
+        <p:spPr>
+          <a:xfrm flipV="1">
+            <a:off x="6629400" y="3986354"/>
+            <a:ext cx="1057551" cy="1346107"/>
+          </a:xfrm>
+          <a:prstGeom prst="line">
+            <a:avLst/>
+          </a:prstGeom>
+        </p:spPr>
+        <p:style>
+          <a:lnRef idx="1">
+            <a:schemeClr val="accent1"/>
+          </a:lnRef>
+          <a:fillRef idx="0">
+            <a:schemeClr val="accent1"/>
+          </a:fillRef>
+          <a:effectRef idx="0">
+            <a:schemeClr val="accent1"/>
+          </a:effectRef>
+          <a:fontRef idx="minor">
+            <a:schemeClr val="tx1"/>
+          </a:fontRef>
+        </p:style>
+      </p:cxnSp>
+      <p:sp>
+        <p:nvSpPr>
+          <p:cNvPr id="28" name="文本框 27"/>
+          <p:cNvSpPr txBox="1"/>
+          <p:nvPr/>
+        </p:nvSpPr>
+        <p:spPr>
+          <a:xfrm>
+            <a:off x="1438273" y="5711258"/>
+            <a:ext cx="5124451" cy="646331"/>
+          </a:xfrm>
+          <a:prstGeom prst="rect">
+            <a:avLst/>
+          </a:prstGeom>
+          <a:solidFill>
+            <a:schemeClr val="bg1">
+              <a:lumMod val="75000"/>
+              <a:lumOff val="25000"/>
+            </a:schemeClr>
+          </a:solidFill>
+          <a:ln>
+            <a:solidFill>
+              <a:schemeClr val="tx1">
+                <a:lumMod val="65000"/>
+              </a:schemeClr>
+            </a:solidFill>
+          </a:ln>
+        </p:spPr>
+        <p:txBody>
+          <a:bodyPr wrap="square" rtlCol="0">
+            <a:spAutoFit/>
+          </a:bodyPr>
+          <a:lstStyle/>
+          <a:p>
+            <a:r>
+              <a:rPr lang="zh-CN" altLang="en-US" b="1" dirty="0" smtClean="0"/>
+              <a:t>用 </a:t>
+            </a:r>
+            <a:r>
+              <a:rPr lang="en-GB" altLang="zh-CN" b="1" dirty="0" err="1" smtClean="0"/>
+              <a:t>XSQL.</a:t>
+            </a:r>
+            <a:r>
+              <a:rPr lang="en-GB" altLang="zh-CN" b="1" dirty="0" err="1" smtClean="0">
+                <a:solidFill>
+                  <a:srgbClr val="FFFF00"/>
+                </a:solidFill>
+              </a:rPr>
+              <a:t>executeUpdatesPrepared</a:t>
+            </a:r>
+            <a:r>
+              <a:rPr lang="en-GB" altLang="zh-CN" b="1" dirty="0" smtClean="0"/>
+              <a:t>(List) </a:t>
+            </a:r>
+            <a:r>
+              <a:rPr lang="zh-CN" altLang="en-US" b="1" dirty="0" smtClean="0"/>
+              <a:t>执行，</a:t>
+            </a:r>
+            <a:endParaRPr lang="en-US" altLang="zh-CN" b="1" dirty="0" smtClean="0"/>
+          </a:p>
+          <a:p>
+            <a:r>
+              <a:rPr lang="zh-CN" altLang="en-US" b="1" dirty="0" smtClean="0"/>
+              <a:t>而不是用</a:t>
+            </a:r>
+            <a:r>
+              <a:rPr lang="en-GB" altLang="zh-CN" b="1" dirty="0" smtClean="0"/>
+              <a:t> </a:t>
+            </a:r>
+            <a:r>
+              <a:rPr lang="en-GB" altLang="zh-CN" b="1" dirty="0" err="1" smtClean="0"/>
+              <a:t>XSQL.</a:t>
+            </a:r>
+            <a:r>
+              <a:rPr lang="en-GB" altLang="zh-CN" dirty="0" err="1" smtClean="0"/>
+              <a:t>executeUpdate</a:t>
+            </a:r>
+            <a:r>
+              <a:rPr lang="en-GB" altLang="zh-CN" dirty="0" smtClean="0"/>
+              <a:t>(…) </a:t>
+            </a:r>
+            <a:r>
+              <a:rPr lang="zh-CN" altLang="en-US" dirty="0" smtClean="0"/>
+              <a:t>方法。</a:t>
+            </a:r>
+            <a:endParaRPr lang="en-US" altLang="zh-CN" b="1" dirty="0" smtClean="0"/>
+          </a:p>
+        </p:txBody>
+      </p:sp>
+    </p:spTree>
+    <p:extLst>
+      <p:ext uri="{BB962C8B-B14F-4D97-AF65-F5344CB8AC3E}">
+        <p14:creationId xmlns:p14="http://schemas.microsoft.com/office/powerpoint/2010/main" val="24713514"/>
+      </p:ext>
+    </p:extLst>
+  </p:cSld>
+  <p:clrMapOvr>
+    <a:masterClrMapping/>
+  </p:clrMapOvr>
+  <p:timing>
+    <p:tnLst>
+      <p:par>
+        <p:cTn id="1" dur="indefinite" restart="never" nodeType="tmRoot">
+          <p:childTnLst>
+            <p:seq concurrent="1" nextAc="seek">
+              <p:cTn id="2" dur="indefinite" nodeType="mainSeq">
+                <p:childTnLst>
+                  <p:par>
+                    <p:cTn id="3" fill="hold">
+                      <p:stCondLst>
+                        <p:cond delay="indefinite"/>
+                      </p:stCondLst>
+                      <p:childTnLst>
+                        <p:par>
+                          <p:cTn id="4" fill="hold">
+                            <p:stCondLst>
+                              <p:cond delay="0"/>
+                            </p:stCondLst>
+                            <p:childTnLst>
+                              <p:par>
+                                <p:cTn id="5" presetID="42" presetClass="entr" presetSubtype="0" fill="hold" grpId="0" nodeType="clickEffect">
+                                  <p:stCondLst>
+                                    <p:cond delay="0"/>
+                                  </p:stCondLst>
+                                  <p:childTnLst>
+                                    <p:set>
+                                      <p:cBhvr>
+                                        <p:cTn id="6" dur="1" fill="hold">
+                                          <p:stCondLst>
+                                            <p:cond delay="0"/>
+                                          </p:stCondLst>
+                                        </p:cTn>
+                                        <p:tgtEl>
+                                          <p:spTgt spid="8"/>
+                                        </p:tgtEl>
+                                        <p:attrNameLst>
+                                          <p:attrName>style.visibility</p:attrName>
+                                        </p:attrNameLst>
+                                      </p:cBhvr>
+                                      <p:to>
+                                        <p:strVal val="visible"/>
+                                      </p:to>
+                                    </p:set>
+                                    <p:animEffect transition="in" filter="fade">
+                                      <p:cBhvr>
+                                        <p:cTn id="7" dur="1000"/>
+                                        <p:tgtEl>
+                                          <p:spTgt spid="8"/>
+                                        </p:tgtEl>
+                                      </p:cBhvr>
+                                    </p:animEffect>
+                                    <p:anim calcmode="lin" valueType="num">
+                                      <p:cBhvr>
+                                        <p:cTn id="8" dur="1000" fill="hold"/>
+                                        <p:tgtEl>
+                                          <p:spTgt spid="8"/>
+                                        </p:tgtEl>
+                                        <p:attrNameLst>
+                                          <p:attrName>ppt_x</p:attrName>
+                                        </p:attrNameLst>
+                                      </p:cBhvr>
+                                      <p:tavLst>
+                                        <p:tav tm="0">
+                                          <p:val>
+                                            <p:strVal val="#ppt_x"/>
+                                          </p:val>
+                                        </p:tav>
+                                        <p:tav tm="100000">
+                                          <p:val>
+                                            <p:strVal val="#ppt_x"/>
+                                          </p:val>
+                                        </p:tav>
+                                      </p:tavLst>
+                                    </p:anim>
+                                    <p:anim calcmode="lin" valueType="num">
+                                      <p:cBhvr>
+                                        <p:cTn id="9" dur="1000" fill="hold"/>
+                                        <p:tgtEl>
+                                          <p:spTgt spid="8"/>
+                                        </p:tgtEl>
+                                        <p:attrNameLst>
+                                          <p:attrName>ppt_y</p:attrName>
+                                        </p:attrNameLst>
+                                      </p:cBhvr>
+                                      <p:tavLst>
+                                        <p:tav tm="0">
+                                          <p:val>
+                                            <p:strVal val="#ppt_y+.1"/>
+                                          </p:val>
+                                        </p:tav>
+                                        <p:tav tm="100000">
+                                          <p:val>
+                                            <p:strVal val="#ppt_y"/>
+                                          </p:val>
+                                        </p:tav>
+                                      </p:tavLst>
+                                    </p:anim>
+                                  </p:childTnLst>
+                                </p:cTn>
+                              </p:par>
+                            </p:childTnLst>
+                          </p:cTn>
+                        </p:par>
+                      </p:childTnLst>
+                    </p:cTn>
+                  </p:par>
+                  <p:par>
+                    <p:cTn id="10" fill="hold">
+                      <p:stCondLst>
+                        <p:cond delay="indefinite"/>
+                      </p:stCondLst>
+                      <p:childTnLst>
+                        <p:par>
+                          <p:cTn id="11" fill="hold">
+                            <p:stCondLst>
+                              <p:cond delay="0"/>
+                            </p:stCondLst>
+                            <p:childTnLst>
+                              <p:par>
+                                <p:cTn id="12" presetID="42" presetClass="entr" presetSubtype="0" fill="hold" grpId="0" nodeType="clickEffect">
+                                  <p:stCondLst>
+                                    <p:cond delay="0"/>
+                                  </p:stCondLst>
+                                  <p:childTnLst>
+                                    <p:set>
+                                      <p:cBhvr>
+                                        <p:cTn id="13" dur="1" fill="hold">
+                                          <p:stCondLst>
+                                            <p:cond delay="0"/>
+                                          </p:stCondLst>
+                                        </p:cTn>
+                                        <p:tgtEl>
+                                          <p:spTgt spid="15"/>
+                                        </p:tgtEl>
+                                        <p:attrNameLst>
+                                          <p:attrName>style.visibility</p:attrName>
+                                        </p:attrNameLst>
+                                      </p:cBhvr>
+                                      <p:to>
+                                        <p:strVal val="visible"/>
+                                      </p:to>
+                                    </p:set>
+                                    <p:animEffect transition="in" filter="fade">
+                                      <p:cBhvr>
+                                        <p:cTn id="14" dur="1000"/>
+                                        <p:tgtEl>
+                                          <p:spTgt spid="15"/>
+                                        </p:tgtEl>
+                                      </p:cBhvr>
+                                    </p:animEffect>
+                                    <p:anim calcmode="lin" valueType="num">
+                                      <p:cBhvr>
+                                        <p:cTn id="15" dur="1000" fill="hold"/>
+                                        <p:tgtEl>
+                                          <p:spTgt spid="15"/>
+                                        </p:tgtEl>
+                                        <p:attrNameLst>
+                                          <p:attrName>ppt_x</p:attrName>
+                                        </p:attrNameLst>
+                                      </p:cBhvr>
+                                      <p:tavLst>
+                                        <p:tav tm="0">
+                                          <p:val>
+                                            <p:strVal val="#ppt_x"/>
+                                          </p:val>
+                                        </p:tav>
+                                        <p:tav tm="100000">
+                                          <p:val>
+                                            <p:strVal val="#ppt_x"/>
+                                          </p:val>
+                                        </p:tav>
+                                      </p:tavLst>
+                                    </p:anim>
+                                    <p:anim calcmode="lin" valueType="num">
+                                      <p:cBhvr>
+                                        <p:cTn id="16" dur="1000" fill="hold"/>
+                                        <p:tgtEl>
+                                          <p:spTgt spid="15"/>
+                                        </p:tgtEl>
+                                        <p:attrNameLst>
+                                          <p:attrName>ppt_y</p:attrName>
+                                        </p:attrNameLst>
+                                      </p:cBhvr>
+                                      <p:tavLst>
+                                        <p:tav tm="0">
+                                          <p:val>
+                                            <p:strVal val="#ppt_y+.1"/>
+                                          </p:val>
+                                        </p:tav>
+                                        <p:tav tm="100000">
+                                          <p:val>
+                                            <p:strVal val="#ppt_y"/>
+                                          </p:val>
+                                        </p:tav>
+                                      </p:tavLst>
+                                    </p:anim>
+                                  </p:childTnLst>
+                                </p:cTn>
+                              </p:par>
+                            </p:childTnLst>
+                          </p:cTn>
+                        </p:par>
+                      </p:childTnLst>
+                    </p:cTn>
+                  </p:par>
+                  <p:par>
+                    <p:cTn id="17" fill="hold">
+                      <p:stCondLst>
+                        <p:cond delay="indefinite"/>
+                      </p:stCondLst>
+                      <p:childTnLst>
+                        <p:par>
+                          <p:cTn id="18" fill="hold">
+                            <p:stCondLst>
+                              <p:cond delay="0"/>
+                            </p:stCondLst>
+                            <p:childTnLst>
+                              <p:par>
+                                <p:cTn id="19" presetID="42" presetClass="entr" presetSubtype="0" fill="hold" grpId="0" nodeType="clickEffect">
+                                  <p:stCondLst>
+                                    <p:cond delay="0"/>
+                                  </p:stCondLst>
+                                  <p:childTnLst>
+                                    <p:set>
+                                      <p:cBhvr>
+                                        <p:cTn id="20" dur="1" fill="hold">
+                                          <p:stCondLst>
+                                            <p:cond delay="0"/>
+                                          </p:stCondLst>
+                                        </p:cTn>
+                                        <p:tgtEl>
+                                          <p:spTgt spid="16"/>
+                                        </p:tgtEl>
+                                        <p:attrNameLst>
+                                          <p:attrName>style.visibility</p:attrName>
+                                        </p:attrNameLst>
+                                      </p:cBhvr>
+                                      <p:to>
+                                        <p:strVal val="visible"/>
+                                      </p:to>
+                                    </p:set>
+                                    <p:animEffect transition="in" filter="fade">
+                                      <p:cBhvr>
+                                        <p:cTn id="21" dur="1000"/>
+                                        <p:tgtEl>
+                                          <p:spTgt spid="16"/>
+                                        </p:tgtEl>
+                                      </p:cBhvr>
+                                    </p:animEffect>
+                                    <p:anim calcmode="lin" valueType="num">
+                                      <p:cBhvr>
+                                        <p:cTn id="22" dur="1000" fill="hold"/>
+                                        <p:tgtEl>
+                                          <p:spTgt spid="16"/>
+                                        </p:tgtEl>
+                                        <p:attrNameLst>
+                                          <p:attrName>ppt_x</p:attrName>
+                                        </p:attrNameLst>
+                                      </p:cBhvr>
+                                      <p:tavLst>
+                                        <p:tav tm="0">
+                                          <p:val>
+                                            <p:strVal val="#ppt_x"/>
+                                          </p:val>
+                                        </p:tav>
+                                        <p:tav tm="100000">
+                                          <p:val>
+                                            <p:strVal val="#ppt_x"/>
+                                          </p:val>
+                                        </p:tav>
+                                      </p:tavLst>
+                                    </p:anim>
+                                    <p:anim calcmode="lin" valueType="num">
+                                      <p:cBhvr>
+                                        <p:cTn id="23" dur="1000" fill="hold"/>
+                                        <p:tgtEl>
+                                          <p:spTgt spid="16"/>
+                                        </p:tgtEl>
+                                        <p:attrNameLst>
+                                          <p:attrName>ppt_y</p:attrName>
+                                        </p:attrNameLst>
+                                      </p:cBhvr>
+                                      <p:tavLst>
+                                        <p:tav tm="0">
+                                          <p:val>
+                                            <p:strVal val="#ppt_y+.1"/>
+                                          </p:val>
+                                        </p:tav>
+                                        <p:tav tm="100000">
+                                          <p:val>
+                                            <p:strVal val="#ppt_y"/>
+                                          </p:val>
+                                        </p:tav>
+                                      </p:tavLst>
+                                    </p:anim>
+                                  </p:childTnLst>
+                                </p:cTn>
+                              </p:par>
+                            </p:childTnLst>
+                          </p:cTn>
+                        </p:par>
+                      </p:childTnLst>
+                    </p:cTn>
+                  </p:par>
+                </p:childTnLst>
+              </p:cTn>
+              <p:prevCondLst>
+                <p:cond evt="onPrev" delay="0">
+                  <p:tgtEl>
+                    <p:sldTgt/>
+                  </p:tgtEl>
+                </p:cond>
+              </p:prevCondLst>
+              <p:nextCondLst>
+                <p:cond evt="onNext" delay="0">
+                  <p:tgtEl>
+                    <p:sldTgt/>
+                  </p:tgtEl>
+                </p:cond>
+              </p:nextCondLst>
+            </p:seq>
+          </p:childTnLst>
+        </p:cTn>
+      </p:par>
+    </p:tnLst>
+    <p:bldLst>
+      <p:bldP spid="8" grpId="0"/>
+      <p:bldP spid="15" grpId="0"/>
+      <p:bldP spid="16" grpId="0"/>
+    </p:bldLst>
   </p:timing>
 </p:sld>
 </file>
@@ -28303,6 +34776,13 @@
   <p:clrMapOvr>
     <a:masterClrMapping/>
   </p:clrMapOvr>
+  <p:timing>
+    <p:tnLst>
+      <p:par>
+        <p:cTn id="1" dur="indefinite" restart="never" nodeType="tmRoot"/>
+      </p:par>
+    </p:tnLst>
+  </p:timing>
 </p:sld>
 </file>
 
@@ -28912,7 +35392,7 @@
         </p:blipFill>
         <p:spPr>
           <a:xfrm>
-            <a:off x="2569450" y="1285875"/>
+            <a:off x="646111" y="1381125"/>
             <a:ext cx="7250825" cy="5271013"/>
           </a:xfrm>
           <a:prstGeom prst="rect">
@@ -29085,6 +35565,97 @@
           </p:txBody>
         </p:sp>
       </p:grpSp>
+      <p:sp>
+        <p:nvSpPr>
+          <p:cNvPr id="3" name="文本框 2"/>
+          <p:cNvSpPr txBox="1"/>
+          <p:nvPr/>
+        </p:nvSpPr>
+        <p:spPr>
+          <a:xfrm>
+            <a:off x="8281247" y="2762250"/>
+            <a:ext cx="3539173" cy="2031325"/>
+          </a:xfrm>
+          <a:prstGeom prst="rect">
+            <a:avLst/>
+          </a:prstGeom>
+          <a:noFill/>
+        </p:spPr>
+        <p:txBody>
+          <a:bodyPr wrap="square" rtlCol="0">
+            <a:spAutoFit/>
+          </a:bodyPr>
+          <a:lstStyle/>
+          <a:p>
+            <a:r>
+              <a:rPr lang="en-GB" altLang="zh-CN" b="1" dirty="0" err="1" smtClean="0">
+                <a:solidFill>
+                  <a:srgbClr val="FFFF00"/>
+                </a:solidFill>
+              </a:rPr>
+              <a:t>AllowExecutesSplit</a:t>
+            </a:r>
+            <a:r>
+              <a:rPr lang="zh-CN" altLang="en-US" dirty="0" smtClean="0"/>
+              <a:t>开关量，可以控制是否支持</a:t>
+            </a:r>
+            <a:r>
+              <a:rPr lang="en-US" altLang="zh-CN" dirty="0" smtClean="0"/>
+              <a:t>SQL</a:t>
+            </a:r>
+            <a:r>
+              <a:rPr lang="zh-CN" altLang="en-US" dirty="0" smtClean="0"/>
+              <a:t>脚本的功能。</a:t>
+            </a:r>
+            <a:endParaRPr lang="en-US" altLang="zh-CN" dirty="0" smtClean="0"/>
+          </a:p>
+          <a:p>
+            <a:endParaRPr lang="en-US" altLang="zh-CN" dirty="0"/>
+          </a:p>
+          <a:p>
+            <a:r>
+              <a:rPr lang="zh-CN" altLang="en-US" dirty="0" smtClean="0"/>
+              <a:t>默认情况均是</a:t>
+            </a:r>
+            <a:r>
+              <a:rPr lang="en-US" altLang="zh-CN" dirty="0" smtClean="0"/>
+              <a:t>XSQL</a:t>
+            </a:r>
+            <a:r>
+              <a:rPr lang="zh-CN" altLang="en-US" dirty="0" smtClean="0"/>
+              <a:t>自动判定的，</a:t>
+            </a:r>
+            <a:endParaRPr lang="en-US" altLang="zh-CN" dirty="0" smtClean="0"/>
+          </a:p>
+          <a:p>
+            <a:r>
+              <a:rPr lang="zh-CN" altLang="en-US" dirty="0" smtClean="0"/>
+              <a:t>但在特殊情况中，字符串 </a:t>
+            </a:r>
+            <a:r>
+              <a:rPr lang="en-GB" altLang="zh-CN" b="1" dirty="0" smtClean="0">
+                <a:solidFill>
+                  <a:srgbClr val="FFFF00"/>
+                </a:solidFill>
+              </a:rPr>
+              <a:t>;/ </a:t>
+            </a:r>
+            <a:r>
+              <a:rPr lang="zh-CN" altLang="en-US" dirty="0" smtClean="0"/>
+              <a:t>就是普通文本，此时需手工关闭</a:t>
+            </a:r>
+            <a:r>
+              <a:rPr lang="en-US" altLang="zh-CN" dirty="0" smtClean="0"/>
+              <a:t>SQL</a:t>
+            </a:r>
+            <a:r>
+              <a:rPr lang="zh-CN" altLang="en-US" dirty="0" smtClean="0"/>
+              <a:t>脚本功能。</a:t>
+            </a:r>
+            <a:endParaRPr lang="zh-CN" altLang="en-US" dirty="0"/>
+          </a:p>
+        </p:txBody>
+      </p:sp>
     </p:spTree>
     <p:extLst>
       <p:ext uri="{BB962C8B-B14F-4D97-AF65-F5344CB8AC3E}">
@@ -29095,6 +35666,138 @@
   <p:clrMapOvr>
     <a:masterClrMapping/>
   </p:clrMapOvr>
+  <p:timing>
+    <p:tnLst>
+      <p:par>
+        <p:cTn id="1" dur="indefinite" restart="never" nodeType="tmRoot">
+          <p:childTnLst>
+            <p:seq concurrent="1" nextAc="seek">
+              <p:cTn id="2" dur="indefinite" nodeType="mainSeq">
+                <p:childTnLst>
+                  <p:par>
+                    <p:cTn id="3" fill="hold">
+                      <p:stCondLst>
+                        <p:cond delay="indefinite"/>
+                      </p:stCondLst>
+                      <p:childTnLst>
+                        <p:par>
+                          <p:cTn id="4" fill="hold">
+                            <p:stCondLst>
+                              <p:cond delay="0"/>
+                            </p:stCondLst>
+                            <p:childTnLst>
+                              <p:par>
+                                <p:cTn id="5" presetID="47" presetClass="entr" presetSubtype="0" fill="hold" grpId="0" nodeType="clickEffect">
+                                  <p:stCondLst>
+                                    <p:cond delay="0"/>
+                                  </p:stCondLst>
+                                  <p:childTnLst>
+                                    <p:set>
+                                      <p:cBhvr>
+                                        <p:cTn id="6" dur="1" fill="hold">
+                                          <p:stCondLst>
+                                            <p:cond delay="0"/>
+                                          </p:stCondLst>
+                                        </p:cTn>
+                                        <p:tgtEl>
+                                          <p:spTgt spid="3"/>
+                                        </p:tgtEl>
+                                        <p:attrNameLst>
+                                          <p:attrName>style.visibility</p:attrName>
+                                        </p:attrNameLst>
+                                      </p:cBhvr>
+                                      <p:to>
+                                        <p:strVal val="visible"/>
+                                      </p:to>
+                                    </p:set>
+                                    <p:animEffect transition="in" filter="fade">
+                                      <p:cBhvr>
+                                        <p:cTn id="7" dur="1000"/>
+                                        <p:tgtEl>
+                                          <p:spTgt spid="3"/>
+                                        </p:tgtEl>
+                                      </p:cBhvr>
+                                    </p:animEffect>
+                                    <p:anim calcmode="lin" valueType="num">
+                                      <p:cBhvr>
+                                        <p:cTn id="8" dur="1000" fill="hold"/>
+                                        <p:tgtEl>
+                                          <p:spTgt spid="3"/>
+                                        </p:tgtEl>
+                                        <p:attrNameLst>
+                                          <p:attrName>ppt_x</p:attrName>
+                                        </p:attrNameLst>
+                                      </p:cBhvr>
+                                      <p:tavLst>
+                                        <p:tav tm="0">
+                                          <p:val>
+                                            <p:strVal val="#ppt_x"/>
+                                          </p:val>
+                                        </p:tav>
+                                        <p:tav tm="100000">
+                                          <p:val>
+                                            <p:strVal val="#ppt_x"/>
+                                          </p:val>
+                                        </p:tav>
+                                      </p:tavLst>
+                                    </p:anim>
+                                    <p:anim calcmode="lin" valueType="num">
+                                      <p:cBhvr>
+                                        <p:cTn id="9" dur="1000" fill="hold"/>
+                                        <p:tgtEl>
+                                          <p:spTgt spid="3"/>
+                                        </p:tgtEl>
+                                        <p:attrNameLst>
+                                          <p:attrName>ppt_y</p:attrName>
+                                        </p:attrNameLst>
+                                      </p:cBhvr>
+                                      <p:tavLst>
+                                        <p:tav tm="0">
+                                          <p:val>
+                                            <p:strVal val="#ppt_y-.1"/>
+                                          </p:val>
+                                        </p:tav>
+                                        <p:tav tm="100000">
+                                          <p:val>
+                                            <p:strVal val="#ppt_y"/>
+                                          </p:val>
+                                        </p:tav>
+                                      </p:tavLst>
+                                    </p:anim>
+                                  </p:childTnLst>
+                                </p:cTn>
+                              </p:par>
+                            </p:childTnLst>
+                          </p:cTn>
+                        </p:par>
+                      </p:childTnLst>
+                    </p:cTn>
+                  </p:par>
+                </p:childTnLst>
+              </p:cTn>
+              <p:prevCondLst>
+                <p:cond evt="onPrev" delay="0">
+                  <p:tgtEl>
+                    <p:sldTgt/>
+                  </p:tgtEl>
+                </p:cond>
+              </p:prevCondLst>
+              <p:nextCondLst>
+                <p:cond evt="onNext" delay="0">
+                  <p:tgtEl>
+                    <p:sldTgt/>
+                  </p:tgtEl>
+                </p:cond>
+              </p:nextCondLst>
+            </p:seq>
+          </p:childTnLst>
+        </p:cTn>
+      </p:par>
+    </p:tnLst>
+    <p:bldLst>
+      <p:bldP spid="3" grpId="0"/>
+    </p:bldLst>
+  </p:timing>
 </p:sld>
 </file>
 

--- a/doc/XSQL技术交流.pptx
+++ b/doc/XSQL技术交流.pptx
@@ -5,7 +5,7 @@
     <p:sldMasterId id="2147483648" r:id="rId1"/>
   </p:sldMasterIdLst>
   <p:notesMasterIdLst>
-    <p:notesMasterId r:id="rId43"/>
+    <p:notesMasterId r:id="rId55"/>
   </p:notesMasterIdLst>
   <p:sldIdLst>
     <p:sldId id="256" r:id="rId2"/>
@@ -49,6 +49,18 @@
     <p:sldId id="299" r:id="rId40"/>
     <p:sldId id="300" r:id="rId41"/>
     <p:sldId id="301" r:id="rId42"/>
+    <p:sldId id="302" r:id="rId43"/>
+    <p:sldId id="310" r:id="rId44"/>
+    <p:sldId id="303" r:id="rId45"/>
+    <p:sldId id="305" r:id="rId46"/>
+    <p:sldId id="306" r:id="rId47"/>
+    <p:sldId id="307" r:id="rId48"/>
+    <p:sldId id="309" r:id="rId49"/>
+    <p:sldId id="312" r:id="rId50"/>
+    <p:sldId id="314" r:id="rId51"/>
+    <p:sldId id="313" r:id="rId52"/>
+    <p:sldId id="315" r:id="rId53"/>
+    <p:sldId id="316" r:id="rId54"/>
   </p:sldIdLst>
   <p:sldSz cx="12192000" cy="6858000"/>
   <p:notesSz cx="6858000" cy="9144000"/>
@@ -207,6 +219,22 @@
             <p14:sldId id="301"/>
           </p14:sldIdLst>
         </p14:section>
+        <p14:section name="两个引擎" id="{B2283764-B86D-4AB9-A837-144B172EE28F}">
+          <p14:sldIdLst>
+            <p14:sldId id="302"/>
+            <p14:sldId id="310"/>
+            <p14:sldId id="303"/>
+            <p14:sldId id="305"/>
+            <p14:sldId id="306"/>
+            <p14:sldId id="307"/>
+            <p14:sldId id="309"/>
+            <p14:sldId id="312"/>
+            <p14:sldId id="314"/>
+            <p14:sldId id="313"/>
+            <p14:sldId id="315"/>
+            <p14:sldId id="316"/>
+          </p14:sldIdLst>
+        </p14:section>
       </p14:sectionLst>
     </p:ext>
     <p:ext uri="{EFAFB233-063F-42B5-8137-9DF3F51BA10A}">
@@ -298,7 +326,7 @@
           <a:p>
             <a:fld id="{2D0AA3DF-4F9D-4C29-AF12-CC9AB1BA3BA4}" type="datetimeFigureOut">
               <a:rPr lang="zh-CN" altLang="en-US" smtClean="0"/>
-              <a:t>2020/7/2</a:t>
+              <a:t>2020/7/3</a:t>
             </a:fld>
             <a:endParaRPr lang="zh-CN" altLang="en-US"/>
           </a:p>
@@ -768,6 +796,614 @@
 </p:notes>
 </file>
 
+<file path=ppt/notesSlides/notesSlide3.xml><?xml version="1.0" encoding="utf-8"?>
+<p:notes xmlns:a="http://schemas.openxmlformats.org/drawingml/2006/main" xmlns:r="http://schemas.openxmlformats.org/officeDocument/2006/relationships" xmlns:p="http://schemas.openxmlformats.org/presentationml/2006/main">
+  <p:cSld>
+    <p:spTree>
+      <p:nvGrpSpPr>
+        <p:cNvPr id="1" name=""/>
+        <p:cNvGrpSpPr/>
+        <p:nvPr/>
+      </p:nvGrpSpPr>
+      <p:grpSpPr>
+        <a:xfrm>
+          <a:off x="0" y="0"/>
+          <a:ext cx="0" cy="0"/>
+          <a:chOff x="0" y="0"/>
+          <a:chExt cx="0" cy="0"/>
+        </a:xfrm>
+      </p:grpSpPr>
+      <p:sp>
+        <p:nvSpPr>
+          <p:cNvPr id="2" name="幻灯片图像占位符 1"/>
+          <p:cNvSpPr>
+            <a:spLocks noGrp="1" noRot="1" noChangeAspect="1"/>
+          </p:cNvSpPr>
+          <p:nvPr>
+            <p:ph type="sldImg"/>
+          </p:nvPr>
+        </p:nvSpPr>
+        <p:spPr/>
+      </p:sp>
+      <p:sp>
+        <p:nvSpPr>
+          <p:cNvPr id="3" name="备注占位符 2"/>
+          <p:cNvSpPr>
+            <a:spLocks noGrp="1"/>
+          </p:cNvSpPr>
+          <p:nvPr>
+            <p:ph type="body" idx="1"/>
+          </p:nvPr>
+        </p:nvSpPr>
+        <p:spPr/>
+        <p:txBody>
+          <a:bodyPr/>
+          <a:lstStyle/>
+          <a:p>
+            <a:r>
+              <a:rPr lang="zh-CN" altLang="en-US" dirty="0" smtClean="0"/>
+              <a:t>李浩、张宇</a:t>
+            </a:r>
+            <a:endParaRPr lang="zh-CN" altLang="en-US" dirty="0"/>
+          </a:p>
+        </p:txBody>
+      </p:sp>
+      <p:sp>
+        <p:nvSpPr>
+          <p:cNvPr id="4" name="灯片编号占位符 3"/>
+          <p:cNvSpPr>
+            <a:spLocks noGrp="1"/>
+          </p:cNvSpPr>
+          <p:nvPr>
+            <p:ph type="sldNum" sz="quarter" idx="10"/>
+          </p:nvPr>
+        </p:nvSpPr>
+        <p:spPr/>
+        <p:txBody>
+          <a:bodyPr/>
+          <a:lstStyle/>
+          <a:p>
+            <a:fld id="{739EAE7B-12D1-49FB-BEB0-196FCE728BB9}" type="slidenum">
+              <a:rPr lang="zh-CN" altLang="en-US" smtClean="0"/>
+              <a:t>46</a:t>
+            </a:fld>
+            <a:endParaRPr lang="zh-CN" altLang="en-US"/>
+          </a:p>
+        </p:txBody>
+      </p:sp>
+    </p:spTree>
+    <p:extLst>
+      <p:ext uri="{BB962C8B-B14F-4D97-AF65-F5344CB8AC3E}">
+        <p14:creationId xmlns:p14="http://schemas.microsoft.com/office/powerpoint/2010/main" val="3853129989"/>
+      </p:ext>
+    </p:extLst>
+  </p:cSld>
+  <p:clrMapOvr>
+    <a:masterClrMapping/>
+  </p:clrMapOvr>
+</p:notes>
+</file>
+
+<file path=ppt/notesSlides/notesSlide4.xml><?xml version="1.0" encoding="utf-8"?>
+<p:notes xmlns:a="http://schemas.openxmlformats.org/drawingml/2006/main" xmlns:r="http://schemas.openxmlformats.org/officeDocument/2006/relationships" xmlns:p="http://schemas.openxmlformats.org/presentationml/2006/main">
+  <p:cSld>
+    <p:spTree>
+      <p:nvGrpSpPr>
+        <p:cNvPr id="1" name=""/>
+        <p:cNvGrpSpPr/>
+        <p:nvPr/>
+      </p:nvGrpSpPr>
+      <p:grpSpPr>
+        <a:xfrm>
+          <a:off x="0" y="0"/>
+          <a:ext cx="0" cy="0"/>
+          <a:chOff x="0" y="0"/>
+          <a:chExt cx="0" cy="0"/>
+        </a:xfrm>
+      </p:grpSpPr>
+      <p:sp>
+        <p:nvSpPr>
+          <p:cNvPr id="2" name="幻灯片图像占位符 1"/>
+          <p:cNvSpPr>
+            <a:spLocks noGrp="1" noRot="1" noChangeAspect="1"/>
+          </p:cNvSpPr>
+          <p:nvPr>
+            <p:ph type="sldImg"/>
+          </p:nvPr>
+        </p:nvSpPr>
+        <p:spPr/>
+      </p:sp>
+      <p:sp>
+        <p:nvSpPr>
+          <p:cNvPr id="3" name="备注占位符 2"/>
+          <p:cNvSpPr>
+            <a:spLocks noGrp="1"/>
+          </p:cNvSpPr>
+          <p:nvPr>
+            <p:ph type="body" idx="1"/>
+          </p:nvPr>
+        </p:nvSpPr>
+        <p:spPr/>
+        <p:txBody>
+          <a:bodyPr/>
+          <a:lstStyle/>
+          <a:p>
+            <a:r>
+              <a:rPr lang="en-GB" altLang="zh-CN" dirty="0" smtClean="0"/>
+              <a:t>Drools [</a:t>
+            </a:r>
+            <a:r>
+              <a:rPr lang="en-GB" altLang="zh-CN" dirty="0" err="1" smtClean="0"/>
+              <a:t>druːlz</a:t>
+            </a:r>
+            <a:r>
+              <a:rPr lang="en-GB" altLang="zh-CN" dirty="0" smtClean="0"/>
+              <a:t>]</a:t>
+            </a:r>
+            <a:endParaRPr lang="zh-CN" altLang="en-US" dirty="0"/>
+          </a:p>
+        </p:txBody>
+      </p:sp>
+      <p:sp>
+        <p:nvSpPr>
+          <p:cNvPr id="4" name="灯片编号占位符 3"/>
+          <p:cNvSpPr>
+            <a:spLocks noGrp="1"/>
+          </p:cNvSpPr>
+          <p:nvPr>
+            <p:ph type="sldNum" sz="quarter" idx="10"/>
+          </p:nvPr>
+        </p:nvSpPr>
+        <p:spPr/>
+        <p:txBody>
+          <a:bodyPr/>
+          <a:lstStyle/>
+          <a:p>
+            <a:fld id="{739EAE7B-12D1-49FB-BEB0-196FCE728BB9}" type="slidenum">
+              <a:rPr lang="zh-CN" altLang="en-US" smtClean="0"/>
+              <a:t>47</a:t>
+            </a:fld>
+            <a:endParaRPr lang="zh-CN" altLang="en-US"/>
+          </a:p>
+        </p:txBody>
+      </p:sp>
+    </p:spTree>
+    <p:extLst>
+      <p:ext uri="{BB962C8B-B14F-4D97-AF65-F5344CB8AC3E}">
+        <p14:creationId xmlns:p14="http://schemas.microsoft.com/office/powerpoint/2010/main" val="2347604713"/>
+      </p:ext>
+    </p:extLst>
+  </p:cSld>
+  <p:clrMapOvr>
+    <a:masterClrMapping/>
+  </p:clrMapOvr>
+</p:notes>
+</file>
+
+<file path=ppt/notesSlides/notesSlide5.xml><?xml version="1.0" encoding="utf-8"?>
+<p:notes xmlns:a="http://schemas.openxmlformats.org/drawingml/2006/main" xmlns:r="http://schemas.openxmlformats.org/officeDocument/2006/relationships" xmlns:p="http://schemas.openxmlformats.org/presentationml/2006/main">
+  <p:cSld>
+    <p:spTree>
+      <p:nvGrpSpPr>
+        <p:cNvPr id="1" name=""/>
+        <p:cNvGrpSpPr/>
+        <p:nvPr/>
+      </p:nvGrpSpPr>
+      <p:grpSpPr>
+        <a:xfrm>
+          <a:off x="0" y="0"/>
+          <a:ext cx="0" cy="0"/>
+          <a:chOff x="0" y="0"/>
+          <a:chExt cx="0" cy="0"/>
+        </a:xfrm>
+      </p:grpSpPr>
+      <p:sp>
+        <p:nvSpPr>
+          <p:cNvPr id="2" name="幻灯片图像占位符 1"/>
+          <p:cNvSpPr>
+            <a:spLocks noGrp="1" noRot="1" noChangeAspect="1"/>
+          </p:cNvSpPr>
+          <p:nvPr>
+            <p:ph type="sldImg"/>
+          </p:nvPr>
+        </p:nvSpPr>
+        <p:spPr/>
+      </p:sp>
+      <p:sp>
+        <p:nvSpPr>
+          <p:cNvPr id="3" name="备注占位符 2"/>
+          <p:cNvSpPr>
+            <a:spLocks noGrp="1"/>
+          </p:cNvSpPr>
+          <p:nvPr>
+            <p:ph type="body" idx="1"/>
+          </p:nvPr>
+        </p:nvSpPr>
+        <p:spPr/>
+        <p:txBody>
+          <a:bodyPr/>
+          <a:lstStyle/>
+          <a:p>
+            <a:r>
+              <a:rPr lang="zh-CN" altLang="en-US" dirty="0" smtClean="0"/>
+              <a:t>马龙</a:t>
+            </a:r>
+            <a:endParaRPr lang="zh-CN" altLang="en-US" dirty="0"/>
+          </a:p>
+        </p:txBody>
+      </p:sp>
+      <p:sp>
+        <p:nvSpPr>
+          <p:cNvPr id="4" name="灯片编号占位符 3"/>
+          <p:cNvSpPr>
+            <a:spLocks noGrp="1"/>
+          </p:cNvSpPr>
+          <p:nvPr>
+            <p:ph type="sldNum" sz="quarter" idx="10"/>
+          </p:nvPr>
+        </p:nvSpPr>
+        <p:spPr/>
+        <p:txBody>
+          <a:bodyPr/>
+          <a:lstStyle/>
+          <a:p>
+            <a:fld id="{739EAE7B-12D1-49FB-BEB0-196FCE728BB9}" type="slidenum">
+              <a:rPr lang="zh-CN" altLang="en-US" smtClean="0"/>
+              <a:t>48</a:t>
+            </a:fld>
+            <a:endParaRPr lang="zh-CN" altLang="en-US"/>
+          </a:p>
+        </p:txBody>
+      </p:sp>
+    </p:spTree>
+    <p:extLst>
+      <p:ext uri="{BB962C8B-B14F-4D97-AF65-F5344CB8AC3E}">
+        <p14:creationId xmlns:p14="http://schemas.microsoft.com/office/powerpoint/2010/main" val="3678797537"/>
+      </p:ext>
+    </p:extLst>
+  </p:cSld>
+  <p:clrMapOvr>
+    <a:masterClrMapping/>
+  </p:clrMapOvr>
+</p:notes>
+</file>
+
+<file path=ppt/notesSlides/notesSlide6.xml><?xml version="1.0" encoding="utf-8"?>
+<p:notes xmlns:a="http://schemas.openxmlformats.org/drawingml/2006/main" xmlns:r="http://schemas.openxmlformats.org/officeDocument/2006/relationships" xmlns:p="http://schemas.openxmlformats.org/presentationml/2006/main">
+  <p:cSld>
+    <p:spTree>
+      <p:nvGrpSpPr>
+        <p:cNvPr id="1" name=""/>
+        <p:cNvGrpSpPr/>
+        <p:nvPr/>
+      </p:nvGrpSpPr>
+      <p:grpSpPr>
+        <a:xfrm>
+          <a:off x="0" y="0"/>
+          <a:ext cx="0" cy="0"/>
+          <a:chOff x="0" y="0"/>
+          <a:chExt cx="0" cy="0"/>
+        </a:xfrm>
+      </p:grpSpPr>
+      <p:sp>
+        <p:nvSpPr>
+          <p:cNvPr id="2" name="幻灯片图像占位符 1"/>
+          <p:cNvSpPr>
+            <a:spLocks noGrp="1" noRot="1" noChangeAspect="1"/>
+          </p:cNvSpPr>
+          <p:nvPr>
+            <p:ph type="sldImg"/>
+          </p:nvPr>
+        </p:nvSpPr>
+        <p:spPr/>
+      </p:sp>
+      <p:sp>
+        <p:nvSpPr>
+          <p:cNvPr id="3" name="备注占位符 2"/>
+          <p:cNvSpPr>
+            <a:spLocks noGrp="1"/>
+          </p:cNvSpPr>
+          <p:nvPr>
+            <p:ph type="body" idx="1"/>
+          </p:nvPr>
+        </p:nvSpPr>
+        <p:spPr/>
+        <p:txBody>
+          <a:bodyPr/>
+          <a:lstStyle/>
+          <a:p>
+            <a:endParaRPr lang="zh-CN" altLang="en-US" dirty="0"/>
+          </a:p>
+        </p:txBody>
+      </p:sp>
+      <p:sp>
+        <p:nvSpPr>
+          <p:cNvPr id="4" name="灯片编号占位符 3"/>
+          <p:cNvSpPr>
+            <a:spLocks noGrp="1"/>
+          </p:cNvSpPr>
+          <p:nvPr>
+            <p:ph type="sldNum" sz="quarter" idx="10"/>
+          </p:nvPr>
+        </p:nvSpPr>
+        <p:spPr/>
+        <p:txBody>
+          <a:bodyPr/>
+          <a:lstStyle/>
+          <a:p>
+            <a:fld id="{739EAE7B-12D1-49FB-BEB0-196FCE728BB9}" type="slidenum">
+              <a:rPr lang="zh-CN" altLang="en-US" smtClean="0"/>
+              <a:t>49</a:t>
+            </a:fld>
+            <a:endParaRPr lang="zh-CN" altLang="en-US"/>
+          </a:p>
+        </p:txBody>
+      </p:sp>
+    </p:spTree>
+    <p:extLst>
+      <p:ext uri="{BB962C8B-B14F-4D97-AF65-F5344CB8AC3E}">
+        <p14:creationId xmlns:p14="http://schemas.microsoft.com/office/powerpoint/2010/main" val="421014348"/>
+      </p:ext>
+    </p:extLst>
+  </p:cSld>
+  <p:clrMapOvr>
+    <a:masterClrMapping/>
+  </p:clrMapOvr>
+</p:notes>
+</file>
+
+<file path=ppt/notesSlides/notesSlide7.xml><?xml version="1.0" encoding="utf-8"?>
+<p:notes xmlns:a="http://schemas.openxmlformats.org/drawingml/2006/main" xmlns:r="http://schemas.openxmlformats.org/officeDocument/2006/relationships" xmlns:p="http://schemas.openxmlformats.org/presentationml/2006/main">
+  <p:cSld>
+    <p:spTree>
+      <p:nvGrpSpPr>
+        <p:cNvPr id="1" name=""/>
+        <p:cNvGrpSpPr/>
+        <p:nvPr/>
+      </p:nvGrpSpPr>
+      <p:grpSpPr>
+        <a:xfrm>
+          <a:off x="0" y="0"/>
+          <a:ext cx="0" cy="0"/>
+          <a:chOff x="0" y="0"/>
+          <a:chExt cx="0" cy="0"/>
+        </a:xfrm>
+      </p:grpSpPr>
+      <p:sp>
+        <p:nvSpPr>
+          <p:cNvPr id="2" name="幻灯片图像占位符 1"/>
+          <p:cNvSpPr>
+            <a:spLocks noGrp="1" noRot="1" noChangeAspect="1"/>
+          </p:cNvSpPr>
+          <p:nvPr>
+            <p:ph type="sldImg"/>
+          </p:nvPr>
+        </p:nvSpPr>
+        <p:spPr/>
+      </p:sp>
+      <p:sp>
+        <p:nvSpPr>
+          <p:cNvPr id="3" name="备注占位符 2"/>
+          <p:cNvSpPr>
+            <a:spLocks noGrp="1"/>
+          </p:cNvSpPr>
+          <p:nvPr>
+            <p:ph type="body" idx="1"/>
+          </p:nvPr>
+        </p:nvSpPr>
+        <p:spPr/>
+        <p:txBody>
+          <a:bodyPr/>
+          <a:lstStyle/>
+          <a:p>
+            <a:endParaRPr lang="zh-CN" altLang="en-US" dirty="0"/>
+          </a:p>
+        </p:txBody>
+      </p:sp>
+      <p:sp>
+        <p:nvSpPr>
+          <p:cNvPr id="4" name="灯片编号占位符 3"/>
+          <p:cNvSpPr>
+            <a:spLocks noGrp="1"/>
+          </p:cNvSpPr>
+          <p:nvPr>
+            <p:ph type="sldNum" sz="quarter" idx="10"/>
+          </p:nvPr>
+        </p:nvSpPr>
+        <p:spPr/>
+        <p:txBody>
+          <a:bodyPr/>
+          <a:lstStyle/>
+          <a:p>
+            <a:fld id="{739EAE7B-12D1-49FB-BEB0-196FCE728BB9}" type="slidenum">
+              <a:rPr lang="zh-CN" altLang="en-US" smtClean="0"/>
+              <a:t>50</a:t>
+            </a:fld>
+            <a:endParaRPr lang="zh-CN" altLang="en-US"/>
+          </a:p>
+        </p:txBody>
+      </p:sp>
+    </p:spTree>
+    <p:extLst>
+      <p:ext uri="{BB962C8B-B14F-4D97-AF65-F5344CB8AC3E}">
+        <p14:creationId xmlns:p14="http://schemas.microsoft.com/office/powerpoint/2010/main" val="466477873"/>
+      </p:ext>
+    </p:extLst>
+  </p:cSld>
+  <p:clrMapOvr>
+    <a:masterClrMapping/>
+  </p:clrMapOvr>
+</p:notes>
+</file>
+
+<file path=ppt/notesSlides/notesSlide8.xml><?xml version="1.0" encoding="utf-8"?>
+<p:notes xmlns:a="http://schemas.openxmlformats.org/drawingml/2006/main" xmlns:r="http://schemas.openxmlformats.org/officeDocument/2006/relationships" xmlns:p="http://schemas.openxmlformats.org/presentationml/2006/main">
+  <p:cSld>
+    <p:spTree>
+      <p:nvGrpSpPr>
+        <p:cNvPr id="1" name=""/>
+        <p:cNvGrpSpPr/>
+        <p:nvPr/>
+      </p:nvGrpSpPr>
+      <p:grpSpPr>
+        <a:xfrm>
+          <a:off x="0" y="0"/>
+          <a:ext cx="0" cy="0"/>
+          <a:chOff x="0" y="0"/>
+          <a:chExt cx="0" cy="0"/>
+        </a:xfrm>
+      </p:grpSpPr>
+      <p:sp>
+        <p:nvSpPr>
+          <p:cNvPr id="2" name="幻灯片图像占位符 1"/>
+          <p:cNvSpPr>
+            <a:spLocks noGrp="1" noRot="1" noChangeAspect="1"/>
+          </p:cNvSpPr>
+          <p:nvPr>
+            <p:ph type="sldImg"/>
+          </p:nvPr>
+        </p:nvSpPr>
+        <p:spPr/>
+      </p:sp>
+      <p:sp>
+        <p:nvSpPr>
+          <p:cNvPr id="3" name="备注占位符 2"/>
+          <p:cNvSpPr>
+            <a:spLocks noGrp="1"/>
+          </p:cNvSpPr>
+          <p:nvPr>
+            <p:ph type="body" idx="1"/>
+          </p:nvPr>
+        </p:nvSpPr>
+        <p:spPr/>
+        <p:txBody>
+          <a:bodyPr/>
+          <a:lstStyle/>
+          <a:p>
+            <a:endParaRPr lang="zh-CN" altLang="en-US" dirty="0"/>
+          </a:p>
+        </p:txBody>
+      </p:sp>
+      <p:sp>
+        <p:nvSpPr>
+          <p:cNvPr id="4" name="灯片编号占位符 3"/>
+          <p:cNvSpPr>
+            <a:spLocks noGrp="1"/>
+          </p:cNvSpPr>
+          <p:nvPr>
+            <p:ph type="sldNum" sz="quarter" idx="10"/>
+          </p:nvPr>
+        </p:nvSpPr>
+        <p:spPr/>
+        <p:txBody>
+          <a:bodyPr/>
+          <a:lstStyle/>
+          <a:p>
+            <a:fld id="{739EAE7B-12D1-49FB-BEB0-196FCE728BB9}" type="slidenum">
+              <a:rPr lang="zh-CN" altLang="en-US" smtClean="0"/>
+              <a:t>51</a:t>
+            </a:fld>
+            <a:endParaRPr lang="zh-CN" altLang="en-US"/>
+          </a:p>
+        </p:txBody>
+      </p:sp>
+    </p:spTree>
+    <p:extLst>
+      <p:ext uri="{BB962C8B-B14F-4D97-AF65-F5344CB8AC3E}">
+        <p14:creationId xmlns:p14="http://schemas.microsoft.com/office/powerpoint/2010/main" val="3184582885"/>
+      </p:ext>
+    </p:extLst>
+  </p:cSld>
+  <p:clrMapOvr>
+    <a:masterClrMapping/>
+  </p:clrMapOvr>
+</p:notes>
+</file>
+
+<file path=ppt/notesSlides/notesSlide9.xml><?xml version="1.0" encoding="utf-8"?>
+<p:notes xmlns:a="http://schemas.openxmlformats.org/drawingml/2006/main" xmlns:r="http://schemas.openxmlformats.org/officeDocument/2006/relationships" xmlns:p="http://schemas.openxmlformats.org/presentationml/2006/main">
+  <p:cSld>
+    <p:spTree>
+      <p:nvGrpSpPr>
+        <p:cNvPr id="1" name=""/>
+        <p:cNvGrpSpPr/>
+        <p:nvPr/>
+      </p:nvGrpSpPr>
+      <p:grpSpPr>
+        <a:xfrm>
+          <a:off x="0" y="0"/>
+          <a:ext cx="0" cy="0"/>
+          <a:chOff x="0" y="0"/>
+          <a:chExt cx="0" cy="0"/>
+        </a:xfrm>
+      </p:grpSpPr>
+      <p:sp>
+        <p:nvSpPr>
+          <p:cNvPr id="2" name="幻灯片图像占位符 1"/>
+          <p:cNvSpPr>
+            <a:spLocks noGrp="1" noRot="1" noChangeAspect="1"/>
+          </p:cNvSpPr>
+          <p:nvPr>
+            <p:ph type="sldImg"/>
+          </p:nvPr>
+        </p:nvSpPr>
+        <p:spPr/>
+      </p:sp>
+      <p:sp>
+        <p:nvSpPr>
+          <p:cNvPr id="3" name="备注占位符 2"/>
+          <p:cNvSpPr>
+            <a:spLocks noGrp="1"/>
+          </p:cNvSpPr>
+          <p:nvPr>
+            <p:ph type="body" idx="1"/>
+          </p:nvPr>
+        </p:nvSpPr>
+        <p:spPr/>
+        <p:txBody>
+          <a:bodyPr/>
+          <a:lstStyle/>
+          <a:p>
+            <a:endParaRPr lang="zh-CN" altLang="en-US" dirty="0"/>
+          </a:p>
+        </p:txBody>
+      </p:sp>
+      <p:sp>
+        <p:nvSpPr>
+          <p:cNvPr id="4" name="灯片编号占位符 3"/>
+          <p:cNvSpPr>
+            <a:spLocks noGrp="1"/>
+          </p:cNvSpPr>
+          <p:nvPr>
+            <p:ph type="sldNum" sz="quarter" idx="10"/>
+          </p:nvPr>
+        </p:nvSpPr>
+        <p:spPr/>
+        <p:txBody>
+          <a:bodyPr/>
+          <a:lstStyle/>
+          <a:p>
+            <a:fld id="{739EAE7B-12D1-49FB-BEB0-196FCE728BB9}" type="slidenum">
+              <a:rPr lang="zh-CN" altLang="en-US" smtClean="0"/>
+              <a:t>52</a:t>
+            </a:fld>
+            <a:endParaRPr lang="zh-CN" altLang="en-US"/>
+          </a:p>
+        </p:txBody>
+      </p:sp>
+    </p:spTree>
+    <p:extLst>
+      <p:ext uri="{BB962C8B-B14F-4D97-AF65-F5344CB8AC3E}">
+        <p14:creationId xmlns:p14="http://schemas.microsoft.com/office/powerpoint/2010/main" val="4074508151"/>
+      </p:ext>
+    </p:extLst>
+  </p:cSld>
+  <p:clrMapOvr>
+    <a:masterClrMapping/>
+  </p:clrMapOvr>
+</p:notes>
+</file>
+
 <file path=ppt/slideLayouts/slideLayout1.xml><?xml version="1.0" encoding="utf-8"?>
 <p:sldLayout xmlns:a="http://schemas.openxmlformats.org/drawingml/2006/main" xmlns:r="http://schemas.openxmlformats.org/officeDocument/2006/relationships" xmlns:p="http://schemas.openxmlformats.org/presentationml/2006/main" type="title" preserve="1">
   <p:cSld name="标题幻灯片">
@@ -951,7 +1587,7 @@
           <a:p>
             <a:fld id="{4AAD347D-5ACD-4C99-B74B-A9C85AD731AF}" type="datetimeFigureOut">
               <a:rPr lang="en-US" dirty="0"/>
-              <a:t>7/2/2020</a:t>
+              <a:t>7/3/2020</a:t>
             </a:fld>
             <a:endParaRPr lang="en-US" dirty="0"/>
           </a:p>
@@ -1221,7 +1857,7 @@
           <a:p>
             <a:fld id="{4509A250-FF31-4206-8172-F9D3106AACB1}" type="datetimeFigureOut">
               <a:rPr lang="en-US" dirty="0"/>
-              <a:t>7/2/2020</a:t>
+              <a:t>7/3/2020</a:t>
             </a:fld>
             <a:endParaRPr lang="en-US" dirty="0"/>
           </a:p>
@@ -1410,7 +2046,7 @@
           <a:p>
             <a:fld id="{4509A250-FF31-4206-8172-F9D3106AACB1}" type="datetimeFigureOut">
               <a:rPr lang="en-US" dirty="0"/>
-              <a:t>7/2/2020</a:t>
+              <a:t>7/3/2020</a:t>
             </a:fld>
             <a:endParaRPr lang="en-US" dirty="0"/>
           </a:p>
@@ -1673,7 +2309,7 @@
           <a:p>
             <a:fld id="{4509A250-FF31-4206-8172-F9D3106AACB1}" type="datetimeFigureOut">
               <a:rPr lang="en-US" dirty="0"/>
-              <a:t>7/2/2020</a:t>
+              <a:t>7/3/2020</a:t>
             </a:fld>
             <a:endParaRPr lang="en-US" dirty="0"/>
           </a:p>
@@ -2000,7 +2636,7 @@
           <a:p>
             <a:fld id="{4509A250-FF31-4206-8172-F9D3106AACB1}" type="datetimeFigureOut">
               <a:rPr lang="en-US" dirty="0"/>
-              <a:t>7/2/2020</a:t>
+              <a:t>7/3/2020</a:t>
             </a:fld>
             <a:endParaRPr lang="en-US" dirty="0"/>
           </a:p>
@@ -2605,7 +3241,7 @@
           <a:p>
             <a:fld id="{4509A250-FF31-4206-8172-F9D3106AACB1}" type="datetimeFigureOut">
               <a:rPr lang="en-US" dirty="0"/>
-              <a:t>7/2/2020</a:t>
+              <a:t>7/3/2020</a:t>
             </a:fld>
             <a:endParaRPr lang="en-US" dirty="0"/>
           </a:p>
@@ -3447,7 +4083,7 @@
           <a:p>
             <a:fld id="{4509A250-FF31-4206-8172-F9D3106AACB1}" type="datetimeFigureOut">
               <a:rPr lang="en-US" dirty="0"/>
-              <a:t>7/2/2020</a:t>
+              <a:t>7/3/2020</a:t>
             </a:fld>
             <a:endParaRPr lang="en-US" dirty="0"/>
           </a:p>
@@ -3612,7 +4248,7 @@
           <a:p>
             <a:fld id="{4509A250-FF31-4206-8172-F9D3106AACB1}" type="datetimeFigureOut">
               <a:rPr lang="en-US" dirty="0"/>
-              <a:t>7/2/2020</a:t>
+              <a:t>7/3/2020</a:t>
             </a:fld>
             <a:endParaRPr lang="en-US" dirty="0"/>
           </a:p>
@@ -3787,7 +4423,7 @@
           <a:p>
             <a:fld id="{4509A250-FF31-4206-8172-F9D3106AACB1}" type="datetimeFigureOut">
               <a:rPr lang="en-US" dirty="0"/>
-              <a:t>7/2/2020</a:t>
+              <a:t>7/3/2020</a:t>
             </a:fld>
             <a:endParaRPr lang="en-US" dirty="0"/>
           </a:p>
@@ -3952,7 +4588,7 @@
           <a:p>
             <a:fld id="{4509A250-FF31-4206-8172-F9D3106AACB1}" type="datetimeFigureOut">
               <a:rPr lang="en-US" dirty="0"/>
-              <a:t>7/2/2020</a:t>
+              <a:t>7/3/2020</a:t>
             </a:fld>
             <a:endParaRPr lang="en-US" dirty="0"/>
           </a:p>
@@ -4191,7 +4827,7 @@
           <a:p>
             <a:fld id="{4509A250-FF31-4206-8172-F9D3106AACB1}" type="datetimeFigureOut">
               <a:rPr lang="en-US" dirty="0"/>
-              <a:t>7/2/2020</a:t>
+              <a:t>7/3/2020</a:t>
             </a:fld>
             <a:endParaRPr lang="en-US" dirty="0"/>
           </a:p>
@@ -4478,7 +5114,7 @@
           <a:p>
             <a:fld id="{4509A250-FF31-4206-8172-F9D3106AACB1}" type="datetimeFigureOut">
               <a:rPr lang="en-US" dirty="0"/>
-              <a:t>7/2/2020</a:t>
+              <a:t>7/3/2020</a:t>
             </a:fld>
             <a:endParaRPr lang="en-US" dirty="0"/>
           </a:p>
@@ -4911,7 +5547,7 @@
           <a:p>
             <a:fld id="{4509A250-FF31-4206-8172-F9D3106AACB1}" type="datetimeFigureOut">
               <a:rPr lang="en-US" dirty="0"/>
-              <a:t>7/2/2020</a:t>
+              <a:t>7/3/2020</a:t>
             </a:fld>
             <a:endParaRPr lang="en-US" dirty="0"/>
           </a:p>
@@ -5024,7 +5660,7 @@
           <a:p>
             <a:fld id="{4509A250-FF31-4206-8172-F9D3106AACB1}" type="datetimeFigureOut">
               <a:rPr lang="en-US" dirty="0"/>
-              <a:t>7/2/2020</a:t>
+              <a:t>7/3/2020</a:t>
             </a:fld>
             <a:endParaRPr lang="en-US" dirty="0"/>
           </a:p>
@@ -5114,7 +5750,7 @@
           <a:p>
             <a:fld id="{4509A250-FF31-4206-8172-F9D3106AACB1}" type="datetimeFigureOut">
               <a:rPr lang="en-US" dirty="0"/>
-              <a:t>7/2/2020</a:t>
+              <a:t>7/3/2020</a:t>
             </a:fld>
             <a:endParaRPr lang="en-US" dirty="0"/>
           </a:p>
@@ -5388,7 +6024,7 @@
           <a:p>
             <a:fld id="{4509A250-FF31-4206-8172-F9D3106AACB1}" type="datetimeFigureOut">
               <a:rPr lang="en-US" dirty="0"/>
-              <a:t>7/2/2020</a:t>
+              <a:t>7/3/2020</a:t>
             </a:fld>
             <a:endParaRPr lang="en-US" dirty="0"/>
           </a:p>
@@ -5658,7 +6294,7 @@
           <a:p>
             <a:fld id="{4509A250-FF31-4206-8172-F9D3106AACB1}" type="datetimeFigureOut">
               <a:rPr lang="en-US" dirty="0"/>
-              <a:t>7/2/2020</a:t>
+              <a:t>7/3/2020</a:t>
             </a:fld>
             <a:endParaRPr lang="en-US" dirty="0"/>
           </a:p>
@@ -6082,7 +6718,7 @@
           <a:p>
             <a:fld id="{4509A250-FF31-4206-8172-F9D3106AACB1}" type="datetimeFigureOut">
               <a:rPr lang="en-US" dirty="0"/>
-              <a:t>7/2/2020</a:t>
+              <a:t>7/3/2020</a:t>
             </a:fld>
             <a:endParaRPr lang="en-US" dirty="0"/>
           </a:p>
@@ -16566,13 +17202,7 @@
               <a:rPr lang="zh-CN" altLang="en-US" dirty="0" smtClean="0">
                 <a:latin typeface="+mn-ea"/>
               </a:rPr>
-              <a:t>高</a:t>
-            </a:r>
-            <a:r>
-              <a:rPr lang="zh-CN" altLang="en-US" dirty="0" smtClean="0">
-                <a:latin typeface="+mn-ea"/>
-              </a:rPr>
-              <a:t>阶举例</a:t>
+              <a:t>高阶举例</a:t>
             </a:r>
             <a:r>
               <a:rPr lang="en-GB" altLang="zh-CN" dirty="0" smtClean="0">
@@ -18302,13 +18932,7 @@
               <a:rPr lang="zh-CN" altLang="en-US" dirty="0" smtClean="0">
                 <a:latin typeface="+mn-ea"/>
               </a:rPr>
-              <a:t>高</a:t>
-            </a:r>
-            <a:r>
-              <a:rPr lang="zh-CN" altLang="en-US" dirty="0" smtClean="0">
-                <a:latin typeface="+mn-ea"/>
-              </a:rPr>
-              <a:t>阶举例</a:t>
+              <a:t>高阶举例</a:t>
             </a:r>
             <a:r>
               <a:rPr lang="en-GB" altLang="zh-CN" dirty="0" smtClean="0">
@@ -21966,11 +22590,6 @@
               </a:rPr>
               <a:t>的高级元素</a:t>
             </a:r>
-            <a:endParaRPr lang="zh-CN" altLang="en-US" sz="2000" cap="all" dirty="0">
-              <a:solidFill>
-                <a:schemeClr val="accent1"/>
-              </a:solidFill>
-            </a:endParaRPr>
           </a:p>
         </p:txBody>
       </p:sp>
@@ -24867,7 +25486,6 @@
               <a:rPr lang="en-GB" altLang="zh-CN" dirty="0" smtClean="0"/>
               <a:t>Trigger</a:t>
             </a:r>
-            <a:endParaRPr lang="en-GB" altLang="zh-CN" dirty="0" smtClean="0"/>
           </a:p>
         </p:txBody>
       </p:sp>
@@ -24993,7 +25611,6 @@
               <a:rPr lang="en-GB" altLang="zh-CN" sz="1200" dirty="0"/>
               <a:t>error</a:t>
             </a:r>
-            <a:endParaRPr lang="en-GB" altLang="zh-CN" sz="1200" dirty="0"/>
           </a:p>
         </p:txBody>
       </p:sp>
@@ -29060,9 +29677,6 @@
               </a:rPr>
               <a:t>大对象条件</a:t>
             </a:r>
-            <a:endParaRPr lang="zh-CN" altLang="en-US" sz="1600" dirty="0">
-              <a:latin typeface="+mn-ea"/>
-            </a:endParaRPr>
           </a:p>
         </p:txBody>
       </p:sp>
@@ -31916,7 +32530,7 @@
         <p:spPr>
           <a:xfrm>
             <a:off x="1438273" y="5711258"/>
-            <a:ext cx="5124451" cy="646331"/>
+            <a:ext cx="5191127" cy="646331"/>
           </a:xfrm>
           <a:prstGeom prst="rect">
             <a:avLst/>
@@ -32341,6 +32955,5338 @@
 </p:sld>
 </file>
 
+<file path=ppt/slides/slide42.xml><?xml version="1.0" encoding="utf-8"?>
+<p:sld xmlns:a="http://schemas.openxmlformats.org/drawingml/2006/main" xmlns:r="http://schemas.openxmlformats.org/officeDocument/2006/relationships" xmlns:p="http://schemas.openxmlformats.org/presentationml/2006/main">
+  <p:cSld>
+    <p:spTree>
+      <p:nvGrpSpPr>
+        <p:cNvPr id="1" name=""/>
+        <p:cNvGrpSpPr/>
+        <p:nvPr/>
+      </p:nvGrpSpPr>
+      <p:grpSpPr>
+        <a:xfrm>
+          <a:off x="0" y="0"/>
+          <a:ext cx="0" cy="0"/>
+          <a:chOff x="0" y="0"/>
+          <a:chExt cx="0" cy="0"/>
+        </a:xfrm>
+      </p:grpSpPr>
+      <p:sp>
+        <p:nvSpPr>
+          <p:cNvPr id="2" name="标题 1"/>
+          <p:cNvSpPr>
+            <a:spLocks noGrp="1"/>
+          </p:cNvSpPr>
+          <p:nvPr>
+            <p:ph type="title"/>
+          </p:nvPr>
+        </p:nvSpPr>
+        <p:spPr/>
+        <p:txBody>
+          <a:bodyPr/>
+          <a:lstStyle/>
+          <a:p>
+            <a:r>
+              <a:rPr lang="en-GB" altLang="zh-CN" sz="4400" dirty="0" smtClean="0"/>
+              <a:t>Condition </a:t>
+            </a:r>
+            <a:r>
+              <a:rPr lang="zh-CN" altLang="en-US" sz="4400" dirty="0" smtClean="0"/>
+              <a:t>计算引擎</a:t>
+            </a:r>
+            <a:r>
+              <a:rPr lang="en-GB" altLang="zh-CN" sz="4400" dirty="0"/>
+              <a:t/>
+            </a:r>
+            <a:br>
+              <a:rPr lang="en-GB" altLang="zh-CN" sz="4400" dirty="0"/>
+            </a:br>
+            <a:r>
+              <a:rPr lang="en-US" altLang="zh-CN" sz="2000" cap="all" dirty="0">
+                <a:solidFill>
+                  <a:schemeClr val="accent1"/>
+                </a:solidFill>
+              </a:rPr>
+              <a:t>XSQL</a:t>
+            </a:r>
+            <a:r>
+              <a:rPr lang="zh-CN" altLang="en-US" sz="2000" cap="all" dirty="0" smtClean="0">
+                <a:solidFill>
+                  <a:schemeClr val="accent1"/>
+                </a:solidFill>
+              </a:rPr>
+              <a:t>的高级元素</a:t>
+            </a:r>
+            <a:endParaRPr lang="zh-CN" altLang="en-US" dirty="0"/>
+          </a:p>
+        </p:txBody>
+      </p:sp>
+      <p:grpSp>
+        <p:nvGrpSpPr>
+          <p:cNvPr id="5" name="组合 4"/>
+          <p:cNvGrpSpPr/>
+          <p:nvPr/>
+        </p:nvGrpSpPr>
+        <p:grpSpPr>
+          <a:xfrm>
+            <a:off x="10401652" y="72593"/>
+            <a:ext cx="763351" cy="1071782"/>
+            <a:chOff x="10401652" y="72593"/>
+            <a:chExt cx="763351" cy="1071782"/>
+          </a:xfrm>
+        </p:grpSpPr>
+        <p:sp>
+          <p:nvSpPr>
+            <p:cNvPr id="6" name="矩形 5"/>
+            <p:cNvSpPr/>
+            <p:nvPr/>
+          </p:nvSpPr>
+          <p:spPr>
+            <a:xfrm>
+              <a:off x="10401652" y="72593"/>
+              <a:ext cx="763351" cy="461665"/>
+            </a:xfrm>
+            <a:prstGeom prst="rect">
+              <a:avLst/>
+            </a:prstGeom>
+            <a:noFill/>
+          </p:spPr>
+          <p:txBody>
+            <a:bodyPr wrap="none" lIns="91440" tIns="45720" rIns="91440" bIns="45720">
+              <a:spAutoFit/>
+            </a:bodyPr>
+            <a:lstStyle/>
+            <a:p>
+              <a:pPr algn="ctr"/>
+              <a:r>
+                <a:rPr lang="en-GB" altLang="zh-CN" sz="2400" b="1" cap="none" spc="0" dirty="0" smtClean="0">
+                  <a:ln w="12700">
+                    <a:solidFill>
+                      <a:schemeClr val="tx2">
+                        <a:lumMod val="75000"/>
+                      </a:schemeClr>
+                    </a:solidFill>
+                    <a:prstDash val="solid"/>
+                  </a:ln>
+                  <a:pattFill prst="dkUpDiag">
+                    <a:fgClr>
+                      <a:schemeClr val="tx2"/>
+                    </a:fgClr>
+                    <a:bgClr>
+                      <a:schemeClr val="tx2">
+                        <a:lumMod val="20000"/>
+                        <a:lumOff val="80000"/>
+                      </a:schemeClr>
+                    </a:bgClr>
+                  </a:pattFill>
+                  <a:effectLst>
+                    <a:outerShdw dist="38100" dir="2640000" algn="bl" rotWithShape="0">
+                      <a:schemeClr val="tx2">
+                        <a:lumMod val="75000"/>
+                      </a:schemeClr>
+                    </a:outerShdw>
+                  </a:effectLst>
+                  <a:latin typeface="Segoe UI Black" panose="020B0A02040204020203" pitchFamily="34" charset="0"/>
+                  <a:ea typeface="Segoe UI Black" panose="020B0A02040204020203" pitchFamily="34" charset="0"/>
+                  <a:cs typeface="Segoe UI Black" panose="020B0A02040204020203" pitchFamily="34" charset="0"/>
+                </a:rPr>
+                <a:t>SQL</a:t>
+              </a:r>
+            </a:p>
+          </p:txBody>
+        </p:sp>
+        <p:sp>
+          <p:nvSpPr>
+            <p:cNvPr id="7" name="矩形 6"/>
+            <p:cNvSpPr/>
+            <p:nvPr/>
+          </p:nvSpPr>
+          <p:spPr>
+            <a:xfrm>
+              <a:off x="10439901" y="221045"/>
+              <a:ext cx="670376" cy="923330"/>
+            </a:xfrm>
+            <a:prstGeom prst="rect">
+              <a:avLst/>
+            </a:prstGeom>
+          </p:spPr>
+          <p:txBody>
+            <a:bodyPr wrap="none">
+              <a:spAutoFit/>
+            </a:bodyPr>
+            <a:lstStyle/>
+            <a:p>
+              <a:pPr algn="ctr"/>
+              <a:r>
+                <a:rPr lang="en-GB" altLang="zh-CN" sz="5400" dirty="0">
+                  <a:ln w="12700">
+                    <a:solidFill>
+                      <a:schemeClr val="tx2">
+                        <a:lumMod val="75000"/>
+                      </a:schemeClr>
+                    </a:solidFill>
+                    <a:prstDash val="solid"/>
+                  </a:ln>
+                  <a:pattFill prst="dkUpDiag">
+                    <a:fgClr>
+                      <a:schemeClr val="tx2"/>
+                    </a:fgClr>
+                    <a:bgClr>
+                      <a:schemeClr val="tx2">
+                        <a:lumMod val="20000"/>
+                        <a:lumOff val="80000"/>
+                      </a:schemeClr>
+                    </a:bgClr>
+                  </a:pattFill>
+                  <a:effectLst>
+                    <a:outerShdw dist="38100" dir="2640000" algn="bl" rotWithShape="0">
+                      <a:schemeClr val="tx2">
+                        <a:lumMod val="75000"/>
+                      </a:schemeClr>
+                    </a:outerShdw>
+                  </a:effectLst>
+                  <a:latin typeface="Segoe UI Black" panose="020B0A02040204020203" pitchFamily="34" charset="0"/>
+                  <a:ea typeface="Segoe UI Black" panose="020B0A02040204020203" pitchFamily="34" charset="0"/>
+                  <a:cs typeface="Segoe UI Black" panose="020B0A02040204020203" pitchFamily="34" charset="0"/>
+                </a:rPr>
+                <a:t>X</a:t>
+              </a:r>
+              <a:endParaRPr lang="zh-CN" altLang="en-US" sz="5400" dirty="0">
+                <a:ln w="12700">
+                  <a:solidFill>
+                    <a:schemeClr val="tx2">
+                      <a:lumMod val="75000"/>
+                    </a:schemeClr>
+                  </a:solidFill>
+                  <a:prstDash val="solid"/>
+                </a:ln>
+                <a:pattFill prst="dkUpDiag">
+                  <a:fgClr>
+                    <a:schemeClr val="tx2"/>
+                  </a:fgClr>
+                  <a:bgClr>
+                    <a:schemeClr val="tx2">
+                      <a:lumMod val="20000"/>
+                      <a:lumOff val="80000"/>
+                    </a:schemeClr>
+                  </a:bgClr>
+                </a:pattFill>
+                <a:effectLst>
+                  <a:outerShdw dist="38100" dir="2640000" algn="bl" rotWithShape="0">
+                    <a:schemeClr val="tx2">
+                      <a:lumMod val="75000"/>
+                    </a:schemeClr>
+                  </a:outerShdw>
+                </a:effectLst>
+                <a:latin typeface="Segoe UI Black" panose="020B0A02040204020203" pitchFamily="34" charset="0"/>
+                <a:ea typeface="华文行楷" panose="02010800040101010101" pitchFamily="2" charset="-122"/>
+                <a:cs typeface="Segoe UI Black" panose="020B0A02040204020203" pitchFamily="34" charset="0"/>
+              </a:endParaRPr>
+            </a:p>
+          </p:txBody>
+        </p:sp>
+      </p:grpSp>
+      <p:sp>
+        <p:nvSpPr>
+          <p:cNvPr id="14" name="内容占位符 13"/>
+          <p:cNvSpPr>
+            <a:spLocks noGrp="1"/>
+          </p:cNvSpPr>
+          <p:nvPr>
+            <p:ph idx="1"/>
+          </p:nvPr>
+        </p:nvSpPr>
+        <p:spPr/>
+        <p:txBody>
+          <a:bodyPr>
+            <a:normAutofit fontScale="92500" lnSpcReduction="20000"/>
+          </a:bodyPr>
+          <a:lstStyle/>
+          <a:p>
+            <a:pPr marL="0" indent="0">
+              <a:buNone/>
+            </a:pPr>
+            <a:r>
+              <a:rPr lang="en-US" altLang="zh-CN" dirty="0" smtClean="0"/>
+              <a:t>XSQL</a:t>
+            </a:r>
+            <a:r>
+              <a:rPr lang="zh-CN" altLang="en-US" dirty="0" smtClean="0"/>
+              <a:t>引用了</a:t>
+            </a:r>
+            <a:r>
+              <a:rPr lang="en-GB" altLang="zh-CN" dirty="0" err="1" smtClean="0"/>
+              <a:t>Fel</a:t>
+            </a:r>
+            <a:r>
+              <a:rPr lang="zh-CN" altLang="en-US" dirty="0" smtClean="0"/>
+              <a:t>轻量级高效的计算引擎。</a:t>
+            </a:r>
+            <a:endParaRPr lang="en-US" altLang="zh-CN" dirty="0" smtClean="0"/>
+          </a:p>
+          <a:p>
+            <a:pPr marL="0" indent="0">
+              <a:buNone/>
+            </a:pPr>
+            <a:r>
+              <a:rPr lang="zh-CN" altLang="en-US" dirty="0" smtClean="0"/>
+              <a:t>它源自</a:t>
+            </a:r>
+            <a:r>
+              <a:rPr lang="zh-CN" altLang="en-US" dirty="0"/>
+              <a:t>于</a:t>
+            </a:r>
+            <a:r>
+              <a:rPr lang="zh-CN" altLang="en-US" dirty="0" smtClean="0"/>
+              <a:t>企业，</a:t>
+            </a:r>
+            <a:r>
+              <a:rPr lang="zh-CN" altLang="en-US" dirty="0"/>
+              <a:t>设计目标是为了满足不断变化的功能需求和性能需求</a:t>
+            </a:r>
+            <a:r>
+              <a:rPr lang="zh-CN" altLang="en-US" dirty="0" smtClean="0"/>
+              <a:t>。</a:t>
+            </a:r>
+            <a:endParaRPr lang="en-GB" altLang="zh-CN" dirty="0" smtClean="0"/>
+          </a:p>
+          <a:p>
+            <a:pPr marL="0" indent="0">
+              <a:buNone/>
+            </a:pPr>
+            <a:endParaRPr lang="zh-CN" altLang="en-US" dirty="0"/>
+          </a:p>
+          <a:p>
+            <a:pPr marL="0" indent="0">
+              <a:buNone/>
+            </a:pPr>
+            <a:r>
+              <a:rPr lang="en-US" altLang="zh-CN" dirty="0" err="1"/>
+              <a:t>Fel</a:t>
+            </a:r>
+            <a:r>
+              <a:rPr lang="zh-CN" altLang="en-US" dirty="0"/>
+              <a:t>是开放</a:t>
+            </a:r>
+            <a:r>
+              <a:rPr lang="zh-CN" altLang="en-US" dirty="0" smtClean="0"/>
+              <a:t>的</a:t>
+            </a:r>
+            <a:r>
+              <a:rPr lang="zh-CN" altLang="en-US" dirty="0"/>
+              <a:t>。</a:t>
+            </a:r>
+            <a:r>
+              <a:rPr lang="en-US" altLang="zh-CN" dirty="0" err="1" smtClean="0"/>
+              <a:t>Fel</a:t>
+            </a:r>
+            <a:r>
+              <a:rPr lang="zh-CN" altLang="en-US" dirty="0"/>
+              <a:t>的执行主要是通过</a:t>
+            </a:r>
+            <a:r>
+              <a:rPr lang="zh-CN" altLang="en-US" b="1" dirty="0">
+                <a:solidFill>
+                  <a:srgbClr val="FFFF00"/>
+                </a:solidFill>
+              </a:rPr>
+              <a:t>函数</a:t>
+            </a:r>
+            <a:r>
+              <a:rPr lang="zh-CN" altLang="en-US" b="1" dirty="0" smtClean="0">
+                <a:solidFill>
+                  <a:srgbClr val="FFFF00"/>
+                </a:solidFill>
+              </a:rPr>
+              <a:t>实现，运算符</a:t>
+            </a:r>
+            <a:r>
+              <a:rPr lang="en-US" altLang="zh-CN" b="1" dirty="0">
+                <a:solidFill>
+                  <a:srgbClr val="FFFF00"/>
+                </a:solidFill>
+              </a:rPr>
+              <a:t>(+</a:t>
+            </a:r>
+            <a:r>
+              <a:rPr lang="zh-CN" altLang="en-US" b="1" dirty="0" smtClean="0">
+                <a:solidFill>
+                  <a:srgbClr val="FFFF00"/>
+                </a:solidFill>
+              </a:rPr>
+              <a:t>、</a:t>
+            </a:r>
+            <a:r>
+              <a:rPr lang="en-US" altLang="zh-CN" b="1" dirty="0">
+                <a:solidFill>
+                  <a:srgbClr val="FFFF00"/>
+                </a:solidFill>
+              </a:rPr>
+              <a:t>-</a:t>
+            </a:r>
+            <a:r>
+              <a:rPr lang="zh-CN" altLang="en-US" b="1" dirty="0" smtClean="0">
+                <a:solidFill>
+                  <a:srgbClr val="FFFF00"/>
+                </a:solidFill>
+              </a:rPr>
+              <a:t>、</a:t>
+            </a:r>
+            <a:r>
+              <a:rPr lang="en-US" altLang="zh-CN" b="1" dirty="0" smtClean="0">
+                <a:solidFill>
+                  <a:srgbClr val="FFFF00"/>
+                </a:solidFill>
+              </a:rPr>
+              <a:t>*</a:t>
+            </a:r>
+            <a:r>
+              <a:rPr lang="zh-CN" altLang="en-US" b="1" dirty="0" smtClean="0">
+                <a:solidFill>
+                  <a:srgbClr val="FFFF00"/>
+                </a:solidFill>
+              </a:rPr>
+              <a:t>、</a:t>
+            </a:r>
+            <a:r>
+              <a:rPr lang="en-GB" altLang="zh-CN" b="1" dirty="0" smtClean="0">
+                <a:solidFill>
+                  <a:srgbClr val="FFFF00"/>
+                </a:solidFill>
+              </a:rPr>
+              <a:t>/</a:t>
+            </a:r>
+            <a:r>
+              <a:rPr lang="zh-CN" altLang="en-US" b="1" dirty="0" smtClean="0">
+                <a:solidFill>
+                  <a:srgbClr val="FFFF00"/>
+                </a:solidFill>
+              </a:rPr>
+              <a:t>）</a:t>
+            </a:r>
+            <a:r>
+              <a:rPr lang="zh-CN" altLang="en-US" dirty="0" smtClean="0"/>
+              <a:t>，扩展</a:t>
+            </a:r>
+            <a:r>
+              <a:rPr lang="zh-CN" altLang="en-US" dirty="0"/>
+              <a:t>函数也非常简单</a:t>
+            </a:r>
+            <a:r>
+              <a:rPr lang="zh-CN" altLang="en-US" dirty="0" smtClean="0"/>
+              <a:t>。</a:t>
+            </a:r>
+            <a:endParaRPr lang="en-GB" altLang="zh-CN" dirty="0" smtClean="0"/>
+          </a:p>
+          <a:p>
+            <a:pPr marL="0" indent="0">
+              <a:buNone/>
+            </a:pPr>
+            <a:r>
+              <a:rPr lang="zh-CN" altLang="en-US" dirty="0"/>
+              <a:t/>
+            </a:r>
+            <a:br>
+              <a:rPr lang="zh-CN" altLang="en-US" dirty="0"/>
+            </a:br>
+            <a:r>
+              <a:rPr lang="en-US" altLang="zh-CN" dirty="0" err="1"/>
+              <a:t>Fel</a:t>
+            </a:r>
+            <a:r>
+              <a:rPr lang="zh-CN" altLang="en-US" dirty="0"/>
+              <a:t>有双引擎，同时支持解释执行和编译执行。可以根据性能要求选择执行方式。编译执行就是将表达式编译成字节码（生成</a:t>
+            </a:r>
+            <a:r>
+              <a:rPr lang="en-US" altLang="zh-CN" dirty="0"/>
+              <a:t>java</a:t>
+            </a:r>
+            <a:r>
+              <a:rPr lang="zh-CN" altLang="en-US" dirty="0"/>
+              <a:t>代码和编译模块都是可以扩展和替换的</a:t>
+            </a:r>
+            <a:r>
+              <a:rPr lang="zh-CN" altLang="en-US" dirty="0" smtClean="0"/>
+              <a:t>）</a:t>
+            </a:r>
+            <a:endParaRPr lang="en-GB" altLang="zh-CN" dirty="0" smtClean="0"/>
+          </a:p>
+          <a:p>
+            <a:pPr marL="0" indent="0">
+              <a:buNone/>
+            </a:pPr>
+            <a:endParaRPr lang="zh-CN" altLang="en-US" dirty="0"/>
+          </a:p>
+          <a:p>
+            <a:pPr marL="0" indent="0">
+              <a:buNone/>
+            </a:pPr>
+            <a:r>
+              <a:rPr lang="en-US" altLang="zh-CN" dirty="0" err="1"/>
+              <a:t>Fel</a:t>
+            </a:r>
+            <a:r>
+              <a:rPr lang="zh-CN" altLang="en-US" dirty="0"/>
+              <a:t>有多快？</a:t>
+            </a:r>
+            <a:br>
+              <a:rPr lang="zh-CN" altLang="en-US" dirty="0"/>
+            </a:br>
+            <a:r>
+              <a:rPr lang="zh-CN" altLang="en-US" dirty="0"/>
+              <a:t>通常情况下，</a:t>
+            </a:r>
+            <a:r>
+              <a:rPr lang="en-US" altLang="zh-CN" dirty="0" err="1" smtClean="0"/>
+              <a:t>Fel</a:t>
+            </a:r>
+            <a:r>
+              <a:rPr lang="zh-CN" altLang="en-US" dirty="0" smtClean="0"/>
+              <a:t>每秒</a:t>
+            </a:r>
+            <a:r>
+              <a:rPr lang="zh-CN" altLang="en-US" dirty="0"/>
+              <a:t>可以执行千万次表达式（不包含编译时间）</a:t>
+            </a:r>
+            <a:r>
+              <a:rPr lang="zh-CN" altLang="en-US" dirty="0" smtClean="0"/>
+              <a:t>。</a:t>
+            </a:r>
+            <a:endParaRPr lang="en-GB" altLang="zh-CN" dirty="0" smtClean="0"/>
+          </a:p>
+          <a:p>
+            <a:pPr marL="0" indent="0">
+              <a:buNone/>
+            </a:pPr>
+            <a:r>
+              <a:rPr lang="zh-CN" altLang="en-US" dirty="0" smtClean="0"/>
+              <a:t>目前</a:t>
+            </a:r>
+            <a:r>
+              <a:rPr lang="zh-CN" altLang="en-US" dirty="0"/>
+              <a:t>还没有发现开源的表达式引擎比</a:t>
+            </a:r>
+            <a:r>
+              <a:rPr lang="en-US" altLang="zh-CN" dirty="0" err="1"/>
+              <a:t>Fel</a:t>
+            </a:r>
+            <a:r>
+              <a:rPr lang="zh-CN" altLang="en-US" dirty="0" smtClean="0"/>
+              <a:t>快的。</a:t>
+            </a:r>
+            <a:endParaRPr lang="zh-CN" altLang="en-US" dirty="0"/>
+          </a:p>
+          <a:p>
+            <a:pPr marL="0" indent="0">
+              <a:buNone/>
+            </a:pPr>
+            <a:endParaRPr lang="en-GB" altLang="zh-CN" dirty="0" smtClean="0"/>
+          </a:p>
+          <a:p>
+            <a:pPr marL="0" indent="0">
+              <a:buNone/>
+            </a:pPr>
+            <a:endParaRPr lang="zh-CN" altLang="en-US" dirty="0"/>
+          </a:p>
+        </p:txBody>
+      </p:sp>
+      <p:grpSp>
+        <p:nvGrpSpPr>
+          <p:cNvPr id="19" name="组合 18"/>
+          <p:cNvGrpSpPr/>
+          <p:nvPr/>
+        </p:nvGrpSpPr>
+        <p:grpSpPr>
+          <a:xfrm>
+            <a:off x="8687300" y="4977092"/>
+            <a:ext cx="1752601" cy="1123951"/>
+            <a:chOff x="8562974" y="2519643"/>
+            <a:chExt cx="1752601" cy="1123951"/>
+          </a:xfrm>
+        </p:grpSpPr>
+        <p:sp>
+          <p:nvSpPr>
+            <p:cNvPr id="33" name="圆角矩形 32"/>
+            <p:cNvSpPr/>
+            <p:nvPr/>
+          </p:nvSpPr>
+          <p:spPr>
+            <a:xfrm>
+              <a:off x="8696325" y="2519643"/>
+              <a:ext cx="1485900" cy="1123951"/>
+            </a:xfrm>
+            <a:prstGeom prst="roundRect">
+              <a:avLst/>
+            </a:prstGeom>
+            <a:solidFill>
+              <a:schemeClr val="tx1"/>
+            </a:solidFill>
+            <a:ln>
+              <a:solidFill>
+                <a:schemeClr val="tx1"/>
+              </a:solidFill>
+            </a:ln>
+          </p:spPr>
+          <p:style>
+            <a:lnRef idx="2">
+              <a:schemeClr val="accent1">
+                <a:shade val="50000"/>
+              </a:schemeClr>
+            </a:lnRef>
+            <a:fillRef idx="1">
+              <a:schemeClr val="accent1"/>
+            </a:fillRef>
+            <a:effectRef idx="0">
+              <a:schemeClr val="accent1"/>
+            </a:effectRef>
+            <a:fontRef idx="minor">
+              <a:schemeClr val="lt1"/>
+            </a:fontRef>
+          </p:style>
+          <p:txBody>
+            <a:bodyPr rtlCol="0" anchor="ctr"/>
+            <a:lstStyle/>
+            <a:p>
+              <a:pPr algn="ctr"/>
+              <a:endParaRPr lang="zh-CN" altLang="en-US"/>
+            </a:p>
+          </p:txBody>
+        </p:sp>
+        <p:sp>
+          <p:nvSpPr>
+            <p:cNvPr id="18" name="文本框 17"/>
+            <p:cNvSpPr txBox="1"/>
+            <p:nvPr/>
+          </p:nvSpPr>
+          <p:spPr>
+            <a:xfrm>
+              <a:off x="8562974" y="2727675"/>
+              <a:ext cx="1752601" cy="707886"/>
+            </a:xfrm>
+            <a:prstGeom prst="rect">
+              <a:avLst/>
+            </a:prstGeom>
+            <a:noFill/>
+          </p:spPr>
+          <p:txBody>
+            <a:bodyPr wrap="square" rtlCol="0">
+              <a:spAutoFit/>
+            </a:bodyPr>
+            <a:lstStyle/>
+            <a:p>
+              <a:pPr algn="ctr"/>
+              <a:r>
+                <a:rPr lang="en-GB" altLang="zh-CN" sz="4000" b="1" dirty="0" err="1" smtClean="0">
+                  <a:solidFill>
+                    <a:schemeClr val="accent6">
+                      <a:lumMod val="75000"/>
+                    </a:schemeClr>
+                  </a:solidFill>
+                </a:rPr>
+                <a:t>Fel</a:t>
+              </a:r>
+              <a:endParaRPr lang="zh-CN" altLang="en-US" sz="4000" b="1" dirty="0">
+                <a:solidFill>
+                  <a:schemeClr val="accent6">
+                    <a:lumMod val="75000"/>
+                  </a:schemeClr>
+                </a:solidFill>
+              </a:endParaRPr>
+            </a:p>
+          </p:txBody>
+        </p:sp>
+      </p:grpSp>
+    </p:spTree>
+    <p:extLst>
+      <p:ext uri="{BB962C8B-B14F-4D97-AF65-F5344CB8AC3E}">
+        <p14:creationId xmlns:p14="http://schemas.microsoft.com/office/powerpoint/2010/main" val="4029839723"/>
+      </p:ext>
+    </p:extLst>
+  </p:cSld>
+  <p:clrMapOvr>
+    <a:masterClrMapping/>
+  </p:clrMapOvr>
+  <p:timing>
+    <p:tnLst>
+      <p:par>
+        <p:cTn id="1" dur="indefinite" restart="never" nodeType="tmRoot"/>
+      </p:par>
+    </p:tnLst>
+  </p:timing>
+</p:sld>
+</file>
+
+<file path=ppt/slides/slide43.xml><?xml version="1.0" encoding="utf-8"?>
+<p:sld xmlns:a="http://schemas.openxmlformats.org/drawingml/2006/main" xmlns:r="http://schemas.openxmlformats.org/officeDocument/2006/relationships" xmlns:p="http://schemas.openxmlformats.org/presentationml/2006/main">
+  <p:cSld>
+    <p:spTree>
+      <p:nvGrpSpPr>
+        <p:cNvPr id="1" name=""/>
+        <p:cNvGrpSpPr/>
+        <p:nvPr/>
+      </p:nvGrpSpPr>
+      <p:grpSpPr>
+        <a:xfrm>
+          <a:off x="0" y="0"/>
+          <a:ext cx="0" cy="0"/>
+          <a:chOff x="0" y="0"/>
+          <a:chExt cx="0" cy="0"/>
+        </a:xfrm>
+      </p:grpSpPr>
+      <p:sp>
+        <p:nvSpPr>
+          <p:cNvPr id="2" name="标题 1"/>
+          <p:cNvSpPr>
+            <a:spLocks noGrp="1"/>
+          </p:cNvSpPr>
+          <p:nvPr>
+            <p:ph type="title"/>
+          </p:nvPr>
+        </p:nvSpPr>
+        <p:spPr/>
+        <p:txBody>
+          <a:bodyPr/>
+          <a:lstStyle/>
+          <a:p>
+            <a:r>
+              <a:rPr lang="en-GB" altLang="zh-CN" sz="4400" dirty="0"/>
+              <a:t>Condition </a:t>
+            </a:r>
+            <a:r>
+              <a:rPr lang="zh-CN" altLang="en-US" sz="4400" dirty="0" smtClean="0"/>
+              <a:t>条件</a:t>
+            </a:r>
+            <a:r>
+              <a:rPr lang="en-GB" altLang="zh-CN" sz="4400" dirty="0"/>
+              <a:t/>
+            </a:r>
+            <a:br>
+              <a:rPr lang="en-GB" altLang="zh-CN" sz="4400" dirty="0"/>
+            </a:br>
+            <a:r>
+              <a:rPr lang="en-US" altLang="zh-CN" sz="2000" cap="all" dirty="0">
+                <a:solidFill>
+                  <a:schemeClr val="accent1"/>
+                </a:solidFill>
+              </a:rPr>
+              <a:t>XSQL</a:t>
+            </a:r>
+            <a:r>
+              <a:rPr lang="zh-CN" altLang="en-US" sz="2000" cap="all" dirty="0" smtClean="0">
+                <a:solidFill>
+                  <a:schemeClr val="accent1"/>
+                </a:solidFill>
+              </a:rPr>
+              <a:t>的高级元素</a:t>
+            </a:r>
+            <a:endParaRPr lang="zh-CN" altLang="en-US" dirty="0"/>
+          </a:p>
+        </p:txBody>
+      </p:sp>
+      <p:grpSp>
+        <p:nvGrpSpPr>
+          <p:cNvPr id="5" name="组合 4"/>
+          <p:cNvGrpSpPr/>
+          <p:nvPr/>
+        </p:nvGrpSpPr>
+        <p:grpSpPr>
+          <a:xfrm>
+            <a:off x="10401652" y="72593"/>
+            <a:ext cx="763351" cy="1071782"/>
+            <a:chOff x="10401652" y="72593"/>
+            <a:chExt cx="763351" cy="1071782"/>
+          </a:xfrm>
+        </p:grpSpPr>
+        <p:sp>
+          <p:nvSpPr>
+            <p:cNvPr id="6" name="矩形 5"/>
+            <p:cNvSpPr/>
+            <p:nvPr/>
+          </p:nvSpPr>
+          <p:spPr>
+            <a:xfrm>
+              <a:off x="10401652" y="72593"/>
+              <a:ext cx="763351" cy="461665"/>
+            </a:xfrm>
+            <a:prstGeom prst="rect">
+              <a:avLst/>
+            </a:prstGeom>
+            <a:noFill/>
+          </p:spPr>
+          <p:txBody>
+            <a:bodyPr wrap="none" lIns="91440" tIns="45720" rIns="91440" bIns="45720">
+              <a:spAutoFit/>
+            </a:bodyPr>
+            <a:lstStyle/>
+            <a:p>
+              <a:pPr algn="ctr"/>
+              <a:r>
+                <a:rPr lang="en-GB" altLang="zh-CN" sz="2400" b="1" cap="none" spc="0" dirty="0" smtClean="0">
+                  <a:ln w="12700">
+                    <a:solidFill>
+                      <a:schemeClr val="tx2">
+                        <a:lumMod val="75000"/>
+                      </a:schemeClr>
+                    </a:solidFill>
+                    <a:prstDash val="solid"/>
+                  </a:ln>
+                  <a:pattFill prst="dkUpDiag">
+                    <a:fgClr>
+                      <a:schemeClr val="tx2"/>
+                    </a:fgClr>
+                    <a:bgClr>
+                      <a:schemeClr val="tx2">
+                        <a:lumMod val="20000"/>
+                        <a:lumOff val="80000"/>
+                      </a:schemeClr>
+                    </a:bgClr>
+                  </a:pattFill>
+                  <a:effectLst>
+                    <a:outerShdw dist="38100" dir="2640000" algn="bl" rotWithShape="0">
+                      <a:schemeClr val="tx2">
+                        <a:lumMod val="75000"/>
+                      </a:schemeClr>
+                    </a:outerShdw>
+                  </a:effectLst>
+                  <a:latin typeface="Segoe UI Black" panose="020B0A02040204020203" pitchFamily="34" charset="0"/>
+                  <a:ea typeface="Segoe UI Black" panose="020B0A02040204020203" pitchFamily="34" charset="0"/>
+                  <a:cs typeface="Segoe UI Black" panose="020B0A02040204020203" pitchFamily="34" charset="0"/>
+                </a:rPr>
+                <a:t>SQL</a:t>
+              </a:r>
+            </a:p>
+          </p:txBody>
+        </p:sp>
+        <p:sp>
+          <p:nvSpPr>
+            <p:cNvPr id="7" name="矩形 6"/>
+            <p:cNvSpPr/>
+            <p:nvPr/>
+          </p:nvSpPr>
+          <p:spPr>
+            <a:xfrm>
+              <a:off x="10439901" y="221045"/>
+              <a:ext cx="670376" cy="923330"/>
+            </a:xfrm>
+            <a:prstGeom prst="rect">
+              <a:avLst/>
+            </a:prstGeom>
+          </p:spPr>
+          <p:txBody>
+            <a:bodyPr wrap="none">
+              <a:spAutoFit/>
+            </a:bodyPr>
+            <a:lstStyle/>
+            <a:p>
+              <a:pPr algn="ctr"/>
+              <a:r>
+                <a:rPr lang="en-GB" altLang="zh-CN" sz="5400" dirty="0">
+                  <a:ln w="12700">
+                    <a:solidFill>
+                      <a:schemeClr val="tx2">
+                        <a:lumMod val="75000"/>
+                      </a:schemeClr>
+                    </a:solidFill>
+                    <a:prstDash val="solid"/>
+                  </a:ln>
+                  <a:pattFill prst="dkUpDiag">
+                    <a:fgClr>
+                      <a:schemeClr val="tx2"/>
+                    </a:fgClr>
+                    <a:bgClr>
+                      <a:schemeClr val="tx2">
+                        <a:lumMod val="20000"/>
+                        <a:lumOff val="80000"/>
+                      </a:schemeClr>
+                    </a:bgClr>
+                  </a:pattFill>
+                  <a:effectLst>
+                    <a:outerShdw dist="38100" dir="2640000" algn="bl" rotWithShape="0">
+                      <a:schemeClr val="tx2">
+                        <a:lumMod val="75000"/>
+                      </a:schemeClr>
+                    </a:outerShdw>
+                  </a:effectLst>
+                  <a:latin typeface="Segoe UI Black" panose="020B0A02040204020203" pitchFamily="34" charset="0"/>
+                  <a:ea typeface="Segoe UI Black" panose="020B0A02040204020203" pitchFamily="34" charset="0"/>
+                  <a:cs typeface="Segoe UI Black" panose="020B0A02040204020203" pitchFamily="34" charset="0"/>
+                </a:rPr>
+                <a:t>X</a:t>
+              </a:r>
+              <a:endParaRPr lang="zh-CN" altLang="en-US" sz="5400" dirty="0">
+                <a:ln w="12700">
+                  <a:solidFill>
+                    <a:schemeClr val="tx2">
+                      <a:lumMod val="75000"/>
+                    </a:schemeClr>
+                  </a:solidFill>
+                  <a:prstDash val="solid"/>
+                </a:ln>
+                <a:pattFill prst="dkUpDiag">
+                  <a:fgClr>
+                    <a:schemeClr val="tx2"/>
+                  </a:fgClr>
+                  <a:bgClr>
+                    <a:schemeClr val="tx2">
+                      <a:lumMod val="20000"/>
+                      <a:lumOff val="80000"/>
+                    </a:schemeClr>
+                  </a:bgClr>
+                </a:pattFill>
+                <a:effectLst>
+                  <a:outerShdw dist="38100" dir="2640000" algn="bl" rotWithShape="0">
+                    <a:schemeClr val="tx2">
+                      <a:lumMod val="75000"/>
+                    </a:schemeClr>
+                  </a:outerShdw>
+                </a:effectLst>
+                <a:latin typeface="Segoe UI Black" panose="020B0A02040204020203" pitchFamily="34" charset="0"/>
+                <a:ea typeface="华文行楷" panose="02010800040101010101" pitchFamily="2" charset="-122"/>
+                <a:cs typeface="Segoe UI Black" panose="020B0A02040204020203" pitchFamily="34" charset="0"/>
+              </a:endParaRPr>
+            </a:p>
+          </p:txBody>
+        </p:sp>
+      </p:grpSp>
+      <p:sp>
+        <p:nvSpPr>
+          <p:cNvPr id="25" name="圆角矩形 24"/>
+          <p:cNvSpPr/>
+          <p:nvPr/>
+        </p:nvSpPr>
+        <p:spPr>
+          <a:xfrm>
+            <a:off x="4772025" y="3532368"/>
+            <a:ext cx="2181225" cy="683741"/>
+          </a:xfrm>
+          <a:prstGeom prst="roundRect">
+            <a:avLst/>
+          </a:prstGeom>
+        </p:spPr>
+        <p:style>
+          <a:lnRef idx="0">
+            <a:schemeClr val="accent4"/>
+          </a:lnRef>
+          <a:fillRef idx="3">
+            <a:schemeClr val="accent4"/>
+          </a:fillRef>
+          <a:effectRef idx="3">
+            <a:schemeClr val="accent4"/>
+          </a:effectRef>
+          <a:fontRef idx="minor">
+            <a:schemeClr val="lt1"/>
+          </a:fontRef>
+        </p:style>
+        <p:txBody>
+          <a:bodyPr rtlCol="0" anchor="ctr"/>
+          <a:lstStyle/>
+          <a:p>
+            <a:pPr algn="ctr"/>
+            <a:r>
+              <a:rPr lang="en-GB" altLang="zh-CN" dirty="0"/>
+              <a:t>Condition</a:t>
+            </a:r>
+            <a:endParaRPr lang="en-GB" altLang="zh-CN" dirty="0" smtClean="0"/>
+          </a:p>
+        </p:txBody>
+      </p:sp>
+      <p:sp>
+        <p:nvSpPr>
+          <p:cNvPr id="26" name="六边形 25"/>
+          <p:cNvSpPr/>
+          <p:nvPr/>
+        </p:nvSpPr>
+        <p:spPr>
+          <a:xfrm>
+            <a:off x="3468850" y="2302982"/>
+            <a:ext cx="1303175" cy="700217"/>
+          </a:xfrm>
+          <a:prstGeom prst="hexagon">
+            <a:avLst/>
+          </a:prstGeom>
+        </p:spPr>
+        <p:style>
+          <a:lnRef idx="0">
+            <a:schemeClr val="accent6"/>
+          </a:lnRef>
+          <a:fillRef idx="3">
+            <a:schemeClr val="accent6"/>
+          </a:fillRef>
+          <a:effectRef idx="3">
+            <a:schemeClr val="accent6"/>
+          </a:effectRef>
+          <a:fontRef idx="minor">
+            <a:schemeClr val="lt1"/>
+          </a:fontRef>
+        </p:style>
+        <p:txBody>
+          <a:bodyPr rtlCol="0" anchor="ctr"/>
+          <a:lstStyle/>
+          <a:p>
+            <a:pPr algn="ctr"/>
+            <a:r>
+              <a:rPr lang="en-GB" altLang="zh-CN" dirty="0" smtClean="0"/>
+              <a:t>name</a:t>
+            </a:r>
+            <a:endParaRPr lang="en-GB" altLang="zh-CN" dirty="0"/>
+          </a:p>
+        </p:txBody>
+      </p:sp>
+      <p:sp>
+        <p:nvSpPr>
+          <p:cNvPr id="27" name="六边形 26"/>
+          <p:cNvSpPr/>
+          <p:nvPr/>
+        </p:nvSpPr>
+        <p:spPr>
+          <a:xfrm>
+            <a:off x="3468850" y="4665843"/>
+            <a:ext cx="1303175" cy="700217"/>
+          </a:xfrm>
+          <a:prstGeom prst="hexagon">
+            <a:avLst/>
+          </a:prstGeom>
+        </p:spPr>
+        <p:style>
+          <a:lnRef idx="0">
+            <a:schemeClr val="accent6"/>
+          </a:lnRef>
+          <a:fillRef idx="3">
+            <a:schemeClr val="accent6"/>
+          </a:fillRef>
+          <a:effectRef idx="3">
+            <a:schemeClr val="accent6"/>
+          </a:effectRef>
+          <a:fontRef idx="minor">
+            <a:schemeClr val="lt1"/>
+          </a:fontRef>
+        </p:style>
+        <p:txBody>
+          <a:bodyPr rtlCol="0" anchor="ctr"/>
+          <a:lstStyle/>
+          <a:p>
+            <a:pPr algn="ctr"/>
+            <a:r>
+              <a:rPr lang="en-GB" altLang="zh-CN" dirty="0" smtClean="0"/>
+              <a:t>true</a:t>
+            </a:r>
+            <a:endParaRPr lang="en-GB" altLang="zh-CN" dirty="0"/>
+          </a:p>
+        </p:txBody>
+      </p:sp>
+      <p:sp>
+        <p:nvSpPr>
+          <p:cNvPr id="29" name="六边形 28"/>
+          <p:cNvSpPr/>
+          <p:nvPr/>
+        </p:nvSpPr>
+        <p:spPr>
+          <a:xfrm>
+            <a:off x="6953250" y="4665843"/>
+            <a:ext cx="1303175" cy="700217"/>
+          </a:xfrm>
+          <a:prstGeom prst="hexagon">
+            <a:avLst/>
+          </a:prstGeom>
+        </p:spPr>
+        <p:style>
+          <a:lnRef idx="0">
+            <a:schemeClr val="accent6"/>
+          </a:lnRef>
+          <a:fillRef idx="3">
+            <a:schemeClr val="accent6"/>
+          </a:fillRef>
+          <a:effectRef idx="3">
+            <a:schemeClr val="accent6"/>
+          </a:effectRef>
+          <a:fontRef idx="minor">
+            <a:schemeClr val="lt1"/>
+          </a:fontRef>
+        </p:style>
+        <p:txBody>
+          <a:bodyPr rtlCol="0" anchor="ctr"/>
+          <a:lstStyle/>
+          <a:p>
+            <a:pPr algn="ctr"/>
+            <a:r>
+              <a:rPr lang="en-GB" altLang="zh-CN" dirty="0" smtClean="0"/>
+              <a:t>false</a:t>
+            </a:r>
+            <a:endParaRPr lang="en-GB" altLang="zh-CN" dirty="0"/>
+          </a:p>
+        </p:txBody>
+      </p:sp>
+      <p:sp>
+        <p:nvSpPr>
+          <p:cNvPr id="30" name="六边形 29"/>
+          <p:cNvSpPr/>
+          <p:nvPr/>
+        </p:nvSpPr>
+        <p:spPr>
+          <a:xfrm>
+            <a:off x="6953249" y="2302982"/>
+            <a:ext cx="1303175" cy="700217"/>
+          </a:xfrm>
+          <a:prstGeom prst="hexagon">
+            <a:avLst/>
+          </a:prstGeom>
+        </p:spPr>
+        <p:style>
+          <a:lnRef idx="0">
+            <a:schemeClr val="accent6"/>
+          </a:lnRef>
+          <a:fillRef idx="3">
+            <a:schemeClr val="accent6"/>
+          </a:fillRef>
+          <a:effectRef idx="3">
+            <a:schemeClr val="accent6"/>
+          </a:effectRef>
+          <a:fontRef idx="minor">
+            <a:schemeClr val="lt1"/>
+          </a:fontRef>
+        </p:style>
+        <p:txBody>
+          <a:bodyPr rtlCol="0" anchor="ctr"/>
+          <a:lstStyle/>
+          <a:p>
+            <a:pPr algn="ctr"/>
+            <a:r>
+              <a:rPr lang="en-GB" altLang="zh-CN" dirty="0" smtClean="0"/>
+              <a:t>If</a:t>
+            </a:r>
+          </a:p>
+        </p:txBody>
+      </p:sp>
+    </p:spTree>
+    <p:extLst>
+      <p:ext uri="{BB962C8B-B14F-4D97-AF65-F5344CB8AC3E}">
+        <p14:creationId xmlns:p14="http://schemas.microsoft.com/office/powerpoint/2010/main" val="4115976782"/>
+      </p:ext>
+    </p:extLst>
+  </p:cSld>
+  <p:clrMapOvr>
+    <a:masterClrMapping/>
+  </p:clrMapOvr>
+  <p:timing>
+    <p:tnLst>
+      <p:par>
+        <p:cTn id="1" dur="indefinite" restart="never" nodeType="tmRoot"/>
+      </p:par>
+    </p:tnLst>
+  </p:timing>
+</p:sld>
+</file>
+
+<file path=ppt/slides/slide44.xml><?xml version="1.0" encoding="utf-8"?>
+<p:sld xmlns:a="http://schemas.openxmlformats.org/drawingml/2006/main" xmlns:r="http://schemas.openxmlformats.org/officeDocument/2006/relationships" xmlns:p="http://schemas.openxmlformats.org/presentationml/2006/main">
+  <p:cSld>
+    <p:spTree>
+      <p:nvGrpSpPr>
+        <p:cNvPr id="1" name=""/>
+        <p:cNvGrpSpPr/>
+        <p:nvPr/>
+      </p:nvGrpSpPr>
+      <p:grpSpPr>
+        <a:xfrm>
+          <a:off x="0" y="0"/>
+          <a:ext cx="0" cy="0"/>
+          <a:chOff x="0" y="0"/>
+          <a:chExt cx="0" cy="0"/>
+        </a:xfrm>
+      </p:grpSpPr>
+      <p:sp>
+        <p:nvSpPr>
+          <p:cNvPr id="2" name="标题 1"/>
+          <p:cNvSpPr>
+            <a:spLocks noGrp="1"/>
+          </p:cNvSpPr>
+          <p:nvPr>
+            <p:ph type="title"/>
+          </p:nvPr>
+        </p:nvSpPr>
+        <p:spPr/>
+        <p:txBody>
+          <a:bodyPr/>
+          <a:lstStyle/>
+          <a:p>
+            <a:r>
+              <a:rPr lang="en-GB" altLang="zh-CN" sz="4400" dirty="0"/>
+              <a:t>Condition </a:t>
+            </a:r>
+            <a:r>
+              <a:rPr lang="zh-CN" altLang="en-US" sz="4400" dirty="0" smtClean="0"/>
+              <a:t>条件</a:t>
+            </a:r>
+            <a:r>
+              <a:rPr lang="en-GB" altLang="zh-CN" sz="4400" dirty="0"/>
+              <a:t/>
+            </a:r>
+            <a:br>
+              <a:rPr lang="en-GB" altLang="zh-CN" sz="4400" dirty="0"/>
+            </a:br>
+            <a:r>
+              <a:rPr lang="en-US" altLang="zh-CN" sz="2000" cap="all" dirty="0">
+                <a:solidFill>
+                  <a:schemeClr val="accent1"/>
+                </a:solidFill>
+              </a:rPr>
+              <a:t>XSQL</a:t>
+            </a:r>
+            <a:r>
+              <a:rPr lang="zh-CN" altLang="en-US" sz="2000" cap="all" dirty="0" smtClean="0">
+                <a:solidFill>
+                  <a:schemeClr val="accent1"/>
+                </a:solidFill>
+              </a:rPr>
+              <a:t>的高级元素</a:t>
+            </a:r>
+            <a:endParaRPr lang="zh-CN" altLang="en-US" dirty="0"/>
+          </a:p>
+        </p:txBody>
+      </p:sp>
+      <p:grpSp>
+        <p:nvGrpSpPr>
+          <p:cNvPr id="5" name="组合 4"/>
+          <p:cNvGrpSpPr/>
+          <p:nvPr/>
+        </p:nvGrpSpPr>
+        <p:grpSpPr>
+          <a:xfrm>
+            <a:off x="10401652" y="72593"/>
+            <a:ext cx="763351" cy="1071782"/>
+            <a:chOff x="10401652" y="72593"/>
+            <a:chExt cx="763351" cy="1071782"/>
+          </a:xfrm>
+        </p:grpSpPr>
+        <p:sp>
+          <p:nvSpPr>
+            <p:cNvPr id="6" name="矩形 5"/>
+            <p:cNvSpPr/>
+            <p:nvPr/>
+          </p:nvSpPr>
+          <p:spPr>
+            <a:xfrm>
+              <a:off x="10401652" y="72593"/>
+              <a:ext cx="763351" cy="461665"/>
+            </a:xfrm>
+            <a:prstGeom prst="rect">
+              <a:avLst/>
+            </a:prstGeom>
+            <a:noFill/>
+          </p:spPr>
+          <p:txBody>
+            <a:bodyPr wrap="none" lIns="91440" tIns="45720" rIns="91440" bIns="45720">
+              <a:spAutoFit/>
+            </a:bodyPr>
+            <a:lstStyle/>
+            <a:p>
+              <a:pPr algn="ctr"/>
+              <a:r>
+                <a:rPr lang="en-GB" altLang="zh-CN" sz="2400" b="1" cap="none" spc="0" dirty="0" smtClean="0">
+                  <a:ln w="12700">
+                    <a:solidFill>
+                      <a:schemeClr val="tx2">
+                        <a:lumMod val="75000"/>
+                      </a:schemeClr>
+                    </a:solidFill>
+                    <a:prstDash val="solid"/>
+                  </a:ln>
+                  <a:pattFill prst="dkUpDiag">
+                    <a:fgClr>
+                      <a:schemeClr val="tx2"/>
+                    </a:fgClr>
+                    <a:bgClr>
+                      <a:schemeClr val="tx2">
+                        <a:lumMod val="20000"/>
+                        <a:lumOff val="80000"/>
+                      </a:schemeClr>
+                    </a:bgClr>
+                  </a:pattFill>
+                  <a:effectLst>
+                    <a:outerShdw dist="38100" dir="2640000" algn="bl" rotWithShape="0">
+                      <a:schemeClr val="tx2">
+                        <a:lumMod val="75000"/>
+                      </a:schemeClr>
+                    </a:outerShdw>
+                  </a:effectLst>
+                  <a:latin typeface="Segoe UI Black" panose="020B0A02040204020203" pitchFamily="34" charset="0"/>
+                  <a:ea typeface="Segoe UI Black" panose="020B0A02040204020203" pitchFamily="34" charset="0"/>
+                  <a:cs typeface="Segoe UI Black" panose="020B0A02040204020203" pitchFamily="34" charset="0"/>
+                </a:rPr>
+                <a:t>SQL</a:t>
+              </a:r>
+            </a:p>
+          </p:txBody>
+        </p:sp>
+        <p:sp>
+          <p:nvSpPr>
+            <p:cNvPr id="7" name="矩形 6"/>
+            <p:cNvSpPr/>
+            <p:nvPr/>
+          </p:nvSpPr>
+          <p:spPr>
+            <a:xfrm>
+              <a:off x="10439901" y="221045"/>
+              <a:ext cx="670376" cy="923330"/>
+            </a:xfrm>
+            <a:prstGeom prst="rect">
+              <a:avLst/>
+            </a:prstGeom>
+          </p:spPr>
+          <p:txBody>
+            <a:bodyPr wrap="none">
+              <a:spAutoFit/>
+            </a:bodyPr>
+            <a:lstStyle/>
+            <a:p>
+              <a:pPr algn="ctr"/>
+              <a:r>
+                <a:rPr lang="en-GB" altLang="zh-CN" sz="5400" dirty="0">
+                  <a:ln w="12700">
+                    <a:solidFill>
+                      <a:schemeClr val="tx2">
+                        <a:lumMod val="75000"/>
+                      </a:schemeClr>
+                    </a:solidFill>
+                    <a:prstDash val="solid"/>
+                  </a:ln>
+                  <a:pattFill prst="dkUpDiag">
+                    <a:fgClr>
+                      <a:schemeClr val="tx2"/>
+                    </a:fgClr>
+                    <a:bgClr>
+                      <a:schemeClr val="tx2">
+                        <a:lumMod val="20000"/>
+                        <a:lumOff val="80000"/>
+                      </a:schemeClr>
+                    </a:bgClr>
+                  </a:pattFill>
+                  <a:effectLst>
+                    <a:outerShdw dist="38100" dir="2640000" algn="bl" rotWithShape="0">
+                      <a:schemeClr val="tx2">
+                        <a:lumMod val="75000"/>
+                      </a:schemeClr>
+                    </a:outerShdw>
+                  </a:effectLst>
+                  <a:latin typeface="Segoe UI Black" panose="020B0A02040204020203" pitchFamily="34" charset="0"/>
+                  <a:ea typeface="Segoe UI Black" panose="020B0A02040204020203" pitchFamily="34" charset="0"/>
+                  <a:cs typeface="Segoe UI Black" panose="020B0A02040204020203" pitchFamily="34" charset="0"/>
+                </a:rPr>
+                <a:t>X</a:t>
+              </a:r>
+              <a:endParaRPr lang="zh-CN" altLang="en-US" sz="5400" dirty="0">
+                <a:ln w="12700">
+                  <a:solidFill>
+                    <a:schemeClr val="tx2">
+                      <a:lumMod val="75000"/>
+                    </a:schemeClr>
+                  </a:solidFill>
+                  <a:prstDash val="solid"/>
+                </a:ln>
+                <a:pattFill prst="dkUpDiag">
+                  <a:fgClr>
+                    <a:schemeClr val="tx2"/>
+                  </a:fgClr>
+                  <a:bgClr>
+                    <a:schemeClr val="tx2">
+                      <a:lumMod val="20000"/>
+                      <a:lumOff val="80000"/>
+                    </a:schemeClr>
+                  </a:bgClr>
+                </a:pattFill>
+                <a:effectLst>
+                  <a:outerShdw dist="38100" dir="2640000" algn="bl" rotWithShape="0">
+                    <a:schemeClr val="tx2">
+                      <a:lumMod val="75000"/>
+                    </a:schemeClr>
+                  </a:outerShdw>
+                </a:effectLst>
+                <a:latin typeface="Segoe UI Black" panose="020B0A02040204020203" pitchFamily="34" charset="0"/>
+                <a:ea typeface="华文行楷" panose="02010800040101010101" pitchFamily="2" charset="-122"/>
+                <a:cs typeface="Segoe UI Black" panose="020B0A02040204020203" pitchFamily="34" charset="0"/>
+              </a:endParaRPr>
+            </a:p>
+          </p:txBody>
+        </p:sp>
+      </p:grpSp>
+      <p:sp>
+        <p:nvSpPr>
+          <p:cNvPr id="12" name="内容占位符 2"/>
+          <p:cNvSpPr>
+            <a:spLocks noGrp="1"/>
+          </p:cNvSpPr>
+          <p:nvPr>
+            <p:ph idx="1"/>
+          </p:nvPr>
+        </p:nvSpPr>
+        <p:spPr>
+          <a:xfrm>
+            <a:off x="1103312" y="2052918"/>
+            <a:ext cx="8946541" cy="4195481"/>
+          </a:xfrm>
+        </p:spPr>
+        <p:txBody>
+          <a:bodyPr>
+            <a:normAutofit/>
+          </a:bodyPr>
+          <a:lstStyle/>
+          <a:p>
+            <a:pPr marL="0" indent="0">
+              <a:buNone/>
+            </a:pPr>
+            <a:r>
+              <a:rPr lang="zh-CN" altLang="en-US" dirty="0" smtClean="0"/>
+              <a:t>在</a:t>
+            </a:r>
+            <a:r>
+              <a:rPr lang="en-GB" altLang="zh-CN" dirty="0" smtClean="0"/>
+              <a:t>XSQL</a:t>
+            </a:r>
+            <a:r>
+              <a:rPr lang="zh-CN" altLang="en-US" dirty="0" smtClean="0"/>
+              <a:t>执行前，对占位符的判定。</a:t>
+            </a:r>
+            <a:endParaRPr lang="en-US" altLang="zh-CN" dirty="0" smtClean="0"/>
+          </a:p>
+          <a:p>
+            <a:pPr marL="0" indent="0">
+              <a:buNone/>
+            </a:pPr>
+            <a:endParaRPr lang="en-US" altLang="zh-CN" dirty="0"/>
+          </a:p>
+          <a:p>
+            <a:pPr marL="0" indent="0">
+              <a:buNone/>
+            </a:pPr>
+            <a:r>
+              <a:rPr lang="zh-CN" altLang="en-US" dirty="0" smtClean="0"/>
+              <a:t>如占位符</a:t>
+            </a:r>
+            <a:r>
+              <a:rPr lang="en-US" altLang="zh-CN" dirty="0" smtClean="0"/>
+              <a:t>X</a:t>
+            </a:r>
+            <a:r>
+              <a:rPr lang="zh-CN" altLang="en-US" dirty="0" smtClean="0"/>
+              <a:t>，在满足条件</a:t>
+            </a:r>
+            <a:r>
+              <a:rPr lang="en-US" altLang="zh-CN" dirty="0" smtClean="0"/>
+              <a:t>1</a:t>
+            </a:r>
+            <a:r>
+              <a:rPr lang="zh-CN" altLang="en-US" dirty="0" smtClean="0"/>
+              <a:t>时取值为</a:t>
+            </a:r>
+            <a:r>
+              <a:rPr lang="en-US" altLang="zh-CN" dirty="0" smtClean="0"/>
+              <a:t>A</a:t>
+            </a:r>
+            <a:r>
+              <a:rPr lang="zh-CN" altLang="en-US" dirty="0" smtClean="0"/>
+              <a:t>，</a:t>
+            </a:r>
+            <a:endParaRPr lang="en-GB" altLang="zh-CN" dirty="0" smtClean="0"/>
+          </a:p>
+          <a:p>
+            <a:pPr marL="0" indent="0">
+              <a:buNone/>
+            </a:pPr>
+            <a:r>
+              <a:rPr lang="zh-CN" altLang="en-US" dirty="0" smtClean="0"/>
+              <a:t>在满足条件</a:t>
+            </a:r>
+            <a:r>
+              <a:rPr lang="en-US" altLang="zh-CN" dirty="0" smtClean="0"/>
+              <a:t>2</a:t>
+            </a:r>
+            <a:r>
+              <a:rPr lang="zh-CN" altLang="en-US" dirty="0" smtClean="0"/>
+              <a:t>时取值</a:t>
+            </a:r>
+            <a:r>
+              <a:rPr lang="en-US" altLang="zh-CN" dirty="0" smtClean="0"/>
+              <a:t>B</a:t>
+            </a:r>
+            <a:r>
+              <a:rPr lang="zh-CN" altLang="en-US" dirty="0" smtClean="0"/>
+              <a:t>，否则取值</a:t>
+            </a:r>
+            <a:r>
+              <a:rPr lang="en-US" altLang="zh-CN" dirty="0" smtClean="0"/>
+              <a:t>C</a:t>
+            </a:r>
+            <a:r>
+              <a:rPr lang="zh-CN" altLang="en-US" dirty="0" smtClean="0"/>
+              <a:t>。</a:t>
+            </a:r>
+            <a:endParaRPr lang="en-GB" altLang="zh-CN" dirty="0" smtClean="0"/>
+          </a:p>
+          <a:p>
+            <a:pPr marL="0" indent="0">
+              <a:buNone/>
+            </a:pPr>
+            <a:endParaRPr lang="en-GB" altLang="zh-CN" dirty="0"/>
+          </a:p>
+          <a:p>
+            <a:pPr marL="0" indent="0">
+              <a:buNone/>
+            </a:pPr>
+            <a:endParaRPr lang="zh-CN" altLang="en-US" dirty="0"/>
+          </a:p>
+        </p:txBody>
+      </p:sp>
+      <p:sp>
+        <p:nvSpPr>
+          <p:cNvPr id="17" name="文本框 16"/>
+          <p:cNvSpPr txBox="1"/>
+          <p:nvPr/>
+        </p:nvSpPr>
+        <p:spPr>
+          <a:xfrm>
+            <a:off x="7571581" y="1765310"/>
+            <a:ext cx="3955258" cy="2308324"/>
+          </a:xfrm>
+          <a:prstGeom prst="rect">
+            <a:avLst/>
+          </a:prstGeom>
+          <a:solidFill>
+            <a:schemeClr val="bg1">
+              <a:lumMod val="75000"/>
+              <a:lumOff val="25000"/>
+            </a:schemeClr>
+          </a:solidFill>
+          <a:ln>
+            <a:solidFill>
+              <a:schemeClr val="tx1">
+                <a:lumMod val="65000"/>
+              </a:schemeClr>
+            </a:solidFill>
+          </a:ln>
+        </p:spPr>
+        <p:txBody>
+          <a:bodyPr wrap="square" rtlCol="0">
+            <a:spAutoFit/>
+          </a:bodyPr>
+          <a:lstStyle/>
+          <a:p>
+            <a:r>
+              <a:rPr lang="en-GB" altLang="zh-CN" dirty="0" smtClean="0"/>
+              <a:t>&lt;</a:t>
+            </a:r>
+            <a:r>
+              <a:rPr lang="en-GB" altLang="zh-CN" b="1" dirty="0">
+                <a:solidFill>
+                  <a:srgbClr val="FFFF00"/>
+                </a:solidFill>
+              </a:rPr>
+              <a:t>condition</a:t>
+            </a:r>
+            <a:r>
+              <a:rPr lang="en-GB" altLang="zh-CN" dirty="0"/>
+              <a:t>&gt;</a:t>
+            </a:r>
+          </a:p>
+          <a:p>
+            <a:r>
+              <a:rPr lang="en-GB" altLang="zh-CN" dirty="0" smtClean="0"/>
+              <a:t>	&lt;</a:t>
+            </a:r>
+            <a:r>
+              <a:rPr lang="en-GB" altLang="zh-CN" b="1" dirty="0">
+                <a:solidFill>
+                  <a:srgbClr val="FFFF00"/>
+                </a:solidFill>
+              </a:rPr>
+              <a:t>name</a:t>
+            </a:r>
+            <a:r>
+              <a:rPr lang="en-GB" altLang="zh-CN" dirty="0" smtClean="0"/>
+              <a:t>&gt;</a:t>
+            </a:r>
+            <a:r>
+              <a:rPr lang="zh-CN" altLang="en-US" dirty="0" smtClean="0"/>
+              <a:t>占位符</a:t>
+            </a:r>
+            <a:r>
+              <a:rPr lang="en-GB" altLang="zh-CN" dirty="0" smtClean="0"/>
+              <a:t>X&lt;/</a:t>
+            </a:r>
+            <a:r>
+              <a:rPr lang="en-GB" altLang="zh-CN" b="1" dirty="0">
+                <a:solidFill>
+                  <a:srgbClr val="FFFF00"/>
+                </a:solidFill>
+              </a:rPr>
+              <a:t>na</a:t>
+            </a:r>
+            <a:r>
+              <a:rPr lang="en-GB" altLang="zh-CN" b="1" dirty="0" smtClean="0">
+                <a:solidFill>
+                  <a:srgbClr val="FFFF00"/>
+                </a:solidFill>
+              </a:rPr>
+              <a:t>me</a:t>
+            </a:r>
+            <a:r>
+              <a:rPr lang="en-GB" altLang="zh-CN" dirty="0" smtClean="0"/>
+              <a:t>&gt;</a:t>
+            </a:r>
+            <a:endParaRPr lang="en-GB" altLang="zh-CN" dirty="0"/>
+          </a:p>
+          <a:p>
+            <a:r>
+              <a:rPr lang="en-GB" altLang="zh-CN" dirty="0" smtClean="0"/>
+              <a:t>	&lt;</a:t>
+            </a:r>
+            <a:r>
+              <a:rPr lang="en-GB" altLang="zh-CN" b="1" dirty="0">
+                <a:solidFill>
+                  <a:srgbClr val="FFFF00"/>
+                </a:solidFill>
+              </a:rPr>
+              <a:t>if</a:t>
+            </a:r>
+            <a:r>
+              <a:rPr lang="en-GB" altLang="zh-CN" dirty="0" smtClean="0"/>
+              <a:t>&gt;:</a:t>
+            </a:r>
+            <a:r>
+              <a:rPr lang="zh-CN" altLang="en-US" dirty="0"/>
+              <a:t>占位符</a:t>
+            </a:r>
+            <a:r>
+              <a:rPr lang="en-GB" altLang="zh-CN" dirty="0"/>
+              <a:t>X</a:t>
+            </a:r>
+            <a:r>
+              <a:rPr lang="en-GB" altLang="zh-CN" dirty="0" smtClean="0"/>
+              <a:t> </a:t>
+            </a:r>
+            <a:r>
+              <a:rPr lang="en-GB" altLang="zh-CN" dirty="0"/>
+              <a:t>== </a:t>
+            </a:r>
+            <a:r>
+              <a:rPr lang="en-GB" altLang="zh-CN" dirty="0" smtClean="0"/>
+              <a:t>‘</a:t>
+            </a:r>
+            <a:r>
+              <a:rPr lang="zh-CN" altLang="en-US" dirty="0" smtClean="0"/>
+              <a:t>条件</a:t>
+            </a:r>
+            <a:r>
+              <a:rPr lang="en-US" altLang="zh-CN" dirty="0" smtClean="0"/>
+              <a:t>1'&lt;/</a:t>
+            </a:r>
+            <a:r>
+              <a:rPr lang="en-GB" altLang="zh-CN" b="1" dirty="0">
+                <a:solidFill>
+                  <a:srgbClr val="FFFF00"/>
+                </a:solidFill>
+              </a:rPr>
+              <a:t>if</a:t>
+            </a:r>
+            <a:r>
+              <a:rPr lang="en-GB" altLang="zh-CN" dirty="0" smtClean="0"/>
+              <a:t>&gt;</a:t>
+            </a:r>
+            <a:endParaRPr lang="en-GB" altLang="zh-CN" dirty="0"/>
+          </a:p>
+          <a:p>
+            <a:r>
+              <a:rPr lang="en-GB" altLang="zh-CN" dirty="0" smtClean="0"/>
+              <a:t>	&lt;</a:t>
+            </a:r>
+            <a:r>
+              <a:rPr lang="en-GB" altLang="zh-CN" b="1" dirty="0">
+                <a:solidFill>
+                  <a:srgbClr val="FFFF00"/>
+                </a:solidFill>
+              </a:rPr>
+              <a:t>true</a:t>
+            </a:r>
+            <a:r>
+              <a:rPr lang="en-GB" altLang="zh-CN" dirty="0" smtClean="0"/>
+              <a:t>&gt;A&lt;/</a:t>
+            </a:r>
+            <a:r>
+              <a:rPr lang="en-GB" altLang="zh-CN" b="1" dirty="0">
+                <a:solidFill>
+                  <a:srgbClr val="FFFF00"/>
+                </a:solidFill>
+              </a:rPr>
+              <a:t>true</a:t>
+            </a:r>
+            <a:r>
+              <a:rPr lang="en-GB" altLang="zh-CN" dirty="0" smtClean="0"/>
+              <a:t>&gt;</a:t>
+            </a:r>
+          </a:p>
+          <a:p>
+            <a:r>
+              <a:rPr lang="en-GB" altLang="zh-CN" dirty="0"/>
+              <a:t>	</a:t>
+            </a:r>
+            <a:r>
+              <a:rPr lang="en-GB" altLang="zh-CN" dirty="0" smtClean="0"/>
+              <a:t>&lt;</a:t>
+            </a:r>
+            <a:r>
+              <a:rPr lang="en-GB" altLang="zh-CN" b="1" dirty="0">
+                <a:solidFill>
+                  <a:srgbClr val="FFFF00"/>
+                </a:solidFill>
+              </a:rPr>
+              <a:t>if</a:t>
+            </a:r>
+            <a:r>
+              <a:rPr lang="en-GB" altLang="zh-CN" dirty="0"/>
+              <a:t>&gt;:</a:t>
+            </a:r>
+            <a:r>
+              <a:rPr lang="zh-CN" altLang="en-US" dirty="0"/>
+              <a:t>占位符</a:t>
+            </a:r>
+            <a:r>
+              <a:rPr lang="en-GB" altLang="zh-CN" dirty="0"/>
+              <a:t>X == ‘</a:t>
+            </a:r>
+            <a:r>
+              <a:rPr lang="zh-CN" altLang="en-US" dirty="0" smtClean="0"/>
+              <a:t>条件</a:t>
+            </a:r>
+            <a:r>
+              <a:rPr lang="en-US" altLang="zh-CN" dirty="0" smtClean="0"/>
+              <a:t>B'&lt;/</a:t>
+            </a:r>
+            <a:r>
+              <a:rPr lang="en-GB" altLang="zh-CN" b="1" dirty="0">
+                <a:solidFill>
+                  <a:srgbClr val="FFFF00"/>
+                </a:solidFill>
+              </a:rPr>
+              <a:t>if</a:t>
+            </a:r>
+            <a:r>
+              <a:rPr lang="en-GB" altLang="zh-CN" dirty="0"/>
+              <a:t>&gt;</a:t>
+            </a:r>
+            <a:endParaRPr lang="en-GB" altLang="zh-CN" dirty="0"/>
+          </a:p>
+          <a:p>
+            <a:r>
+              <a:rPr lang="en-GB" altLang="zh-CN" dirty="0" smtClean="0"/>
+              <a:t>	&lt;</a:t>
+            </a:r>
+            <a:r>
+              <a:rPr lang="en-GB" altLang="zh-CN" b="1" dirty="0" smtClean="0">
+                <a:solidFill>
+                  <a:srgbClr val="FFFF00"/>
+                </a:solidFill>
+              </a:rPr>
+              <a:t>true</a:t>
+            </a:r>
+            <a:r>
+              <a:rPr lang="en-GB" altLang="zh-CN" dirty="0" smtClean="0"/>
+              <a:t>&gt;B&lt;/</a:t>
+            </a:r>
+            <a:r>
+              <a:rPr lang="en-GB" altLang="zh-CN" b="1" dirty="0">
+                <a:solidFill>
+                  <a:srgbClr val="FFFF00"/>
+                </a:solidFill>
+              </a:rPr>
+              <a:t>true</a:t>
+            </a:r>
+            <a:r>
+              <a:rPr lang="en-GB" altLang="zh-CN" dirty="0"/>
+              <a:t>&gt;</a:t>
+            </a:r>
+            <a:endParaRPr lang="en-GB" altLang="zh-CN" dirty="0" smtClean="0"/>
+          </a:p>
+          <a:p>
+            <a:r>
+              <a:rPr lang="en-GB" altLang="zh-CN" dirty="0"/>
+              <a:t>	</a:t>
+            </a:r>
+            <a:r>
+              <a:rPr lang="en-GB" altLang="zh-CN" dirty="0" smtClean="0"/>
+              <a:t>&lt;</a:t>
+            </a:r>
+            <a:r>
+              <a:rPr lang="en-GB" altLang="zh-CN" b="1" dirty="0" smtClean="0">
+                <a:solidFill>
+                  <a:srgbClr val="FFFF00"/>
+                </a:solidFill>
+              </a:rPr>
+              <a:t>false</a:t>
+            </a:r>
+            <a:r>
+              <a:rPr lang="en-GB" altLang="zh-CN" dirty="0" smtClean="0"/>
+              <a:t>&gt;C&lt;/</a:t>
+            </a:r>
+            <a:r>
+              <a:rPr lang="en-GB" altLang="zh-CN" b="1" dirty="0">
+                <a:solidFill>
+                  <a:srgbClr val="FFFF00"/>
+                </a:solidFill>
+              </a:rPr>
+              <a:t>false</a:t>
+            </a:r>
+            <a:r>
+              <a:rPr lang="en-GB" altLang="zh-CN" dirty="0"/>
+              <a:t>&gt;</a:t>
+            </a:r>
+          </a:p>
+          <a:p>
+            <a:r>
+              <a:rPr lang="en-GB" altLang="zh-CN" dirty="0" smtClean="0"/>
+              <a:t>&lt;/</a:t>
+            </a:r>
+            <a:r>
+              <a:rPr lang="en-GB" altLang="zh-CN" b="1" dirty="0">
+                <a:solidFill>
+                  <a:srgbClr val="FFFF00"/>
+                </a:solidFill>
+              </a:rPr>
+              <a:t>condition</a:t>
+            </a:r>
+            <a:r>
+              <a:rPr lang="en-GB" altLang="zh-CN" dirty="0"/>
+              <a:t>&gt;</a:t>
+            </a:r>
+            <a:endParaRPr lang="zh-CN" altLang="en-US" dirty="0"/>
+          </a:p>
+        </p:txBody>
+      </p:sp>
+      <p:cxnSp>
+        <p:nvCxnSpPr>
+          <p:cNvPr id="4" name="直接连接符 3"/>
+          <p:cNvCxnSpPr/>
+          <p:nvPr/>
+        </p:nvCxnSpPr>
+        <p:spPr>
+          <a:xfrm flipV="1">
+            <a:off x="5238750" y="1765310"/>
+            <a:ext cx="2332831" cy="1293138"/>
+          </a:xfrm>
+          <a:prstGeom prst="line">
+            <a:avLst/>
+          </a:prstGeom>
+        </p:spPr>
+        <p:style>
+          <a:lnRef idx="1">
+            <a:schemeClr val="accent1"/>
+          </a:lnRef>
+          <a:fillRef idx="0">
+            <a:schemeClr val="accent1"/>
+          </a:fillRef>
+          <a:effectRef idx="0">
+            <a:schemeClr val="accent1"/>
+          </a:effectRef>
+          <a:fontRef idx="minor">
+            <a:schemeClr val="tx1"/>
+          </a:fontRef>
+        </p:style>
+      </p:cxnSp>
+      <p:cxnSp>
+        <p:nvCxnSpPr>
+          <p:cNvPr id="10" name="直接连接符 9"/>
+          <p:cNvCxnSpPr/>
+          <p:nvPr/>
+        </p:nvCxnSpPr>
+        <p:spPr>
+          <a:xfrm>
+            <a:off x="5238750" y="3669856"/>
+            <a:ext cx="2332831" cy="403778"/>
+          </a:xfrm>
+          <a:prstGeom prst="line">
+            <a:avLst/>
+          </a:prstGeom>
+        </p:spPr>
+        <p:style>
+          <a:lnRef idx="1">
+            <a:schemeClr val="accent1"/>
+          </a:lnRef>
+          <a:fillRef idx="0">
+            <a:schemeClr val="accent1"/>
+          </a:fillRef>
+          <a:effectRef idx="0">
+            <a:schemeClr val="accent1"/>
+          </a:effectRef>
+          <a:fontRef idx="minor">
+            <a:schemeClr val="tx1"/>
+          </a:fontRef>
+        </p:style>
+      </p:cxnSp>
+    </p:spTree>
+    <p:extLst>
+      <p:ext uri="{BB962C8B-B14F-4D97-AF65-F5344CB8AC3E}">
+        <p14:creationId xmlns:p14="http://schemas.microsoft.com/office/powerpoint/2010/main" val="912436772"/>
+      </p:ext>
+    </p:extLst>
+  </p:cSld>
+  <p:clrMapOvr>
+    <a:masterClrMapping/>
+  </p:clrMapOvr>
+  <p:timing>
+    <p:tnLst>
+      <p:par>
+        <p:cTn id="1" dur="indefinite" restart="never" nodeType="tmRoot"/>
+      </p:par>
+    </p:tnLst>
+  </p:timing>
+</p:sld>
+</file>
+
+<file path=ppt/slides/slide45.xml><?xml version="1.0" encoding="utf-8"?>
+<p:sld xmlns:a="http://schemas.openxmlformats.org/drawingml/2006/main" xmlns:r="http://schemas.openxmlformats.org/officeDocument/2006/relationships" xmlns:p="http://schemas.openxmlformats.org/presentationml/2006/main">
+  <p:cSld>
+    <p:spTree>
+      <p:nvGrpSpPr>
+        <p:cNvPr id="1" name=""/>
+        <p:cNvGrpSpPr/>
+        <p:nvPr/>
+      </p:nvGrpSpPr>
+      <p:grpSpPr>
+        <a:xfrm>
+          <a:off x="0" y="0"/>
+          <a:ext cx="0" cy="0"/>
+          <a:chOff x="0" y="0"/>
+          <a:chExt cx="0" cy="0"/>
+        </a:xfrm>
+      </p:grpSpPr>
+      <p:sp>
+        <p:nvSpPr>
+          <p:cNvPr id="2" name="标题 1"/>
+          <p:cNvSpPr>
+            <a:spLocks noGrp="1"/>
+          </p:cNvSpPr>
+          <p:nvPr>
+            <p:ph type="title"/>
+          </p:nvPr>
+        </p:nvSpPr>
+        <p:spPr/>
+        <p:txBody>
+          <a:bodyPr/>
+          <a:lstStyle/>
+          <a:p>
+            <a:r>
+              <a:rPr lang="en-GB" altLang="zh-CN" sz="4400" dirty="0"/>
+              <a:t>Condition </a:t>
+            </a:r>
+            <a:r>
+              <a:rPr lang="zh-CN" altLang="en-US" sz="4400" dirty="0" smtClean="0"/>
+              <a:t>条件</a:t>
+            </a:r>
+            <a:r>
+              <a:rPr lang="en-GB" altLang="zh-CN" sz="4400" dirty="0"/>
+              <a:t/>
+            </a:r>
+            <a:br>
+              <a:rPr lang="en-GB" altLang="zh-CN" sz="4400" dirty="0"/>
+            </a:br>
+            <a:r>
+              <a:rPr lang="en-US" altLang="zh-CN" sz="2000" cap="all" dirty="0">
+                <a:solidFill>
+                  <a:schemeClr val="accent1"/>
+                </a:solidFill>
+              </a:rPr>
+              <a:t>XSQL</a:t>
+            </a:r>
+            <a:r>
+              <a:rPr lang="zh-CN" altLang="en-US" sz="2000" cap="all" dirty="0" smtClean="0">
+                <a:solidFill>
+                  <a:schemeClr val="accent1"/>
+                </a:solidFill>
+              </a:rPr>
+              <a:t>的高级元素</a:t>
+            </a:r>
+            <a:endParaRPr lang="zh-CN" altLang="en-US" dirty="0"/>
+          </a:p>
+        </p:txBody>
+      </p:sp>
+      <p:grpSp>
+        <p:nvGrpSpPr>
+          <p:cNvPr id="5" name="组合 4"/>
+          <p:cNvGrpSpPr/>
+          <p:nvPr/>
+        </p:nvGrpSpPr>
+        <p:grpSpPr>
+          <a:xfrm>
+            <a:off x="10401652" y="72593"/>
+            <a:ext cx="763351" cy="1071782"/>
+            <a:chOff x="10401652" y="72593"/>
+            <a:chExt cx="763351" cy="1071782"/>
+          </a:xfrm>
+        </p:grpSpPr>
+        <p:sp>
+          <p:nvSpPr>
+            <p:cNvPr id="6" name="矩形 5"/>
+            <p:cNvSpPr/>
+            <p:nvPr/>
+          </p:nvSpPr>
+          <p:spPr>
+            <a:xfrm>
+              <a:off x="10401652" y="72593"/>
+              <a:ext cx="763351" cy="461665"/>
+            </a:xfrm>
+            <a:prstGeom prst="rect">
+              <a:avLst/>
+            </a:prstGeom>
+            <a:noFill/>
+          </p:spPr>
+          <p:txBody>
+            <a:bodyPr wrap="none" lIns="91440" tIns="45720" rIns="91440" bIns="45720">
+              <a:spAutoFit/>
+            </a:bodyPr>
+            <a:lstStyle/>
+            <a:p>
+              <a:pPr algn="ctr"/>
+              <a:r>
+                <a:rPr lang="en-GB" altLang="zh-CN" sz="2400" b="1" cap="none" spc="0" dirty="0" smtClean="0">
+                  <a:ln w="12700">
+                    <a:solidFill>
+                      <a:schemeClr val="tx2">
+                        <a:lumMod val="75000"/>
+                      </a:schemeClr>
+                    </a:solidFill>
+                    <a:prstDash val="solid"/>
+                  </a:ln>
+                  <a:pattFill prst="dkUpDiag">
+                    <a:fgClr>
+                      <a:schemeClr val="tx2"/>
+                    </a:fgClr>
+                    <a:bgClr>
+                      <a:schemeClr val="tx2">
+                        <a:lumMod val="20000"/>
+                        <a:lumOff val="80000"/>
+                      </a:schemeClr>
+                    </a:bgClr>
+                  </a:pattFill>
+                  <a:effectLst>
+                    <a:outerShdw dist="38100" dir="2640000" algn="bl" rotWithShape="0">
+                      <a:schemeClr val="tx2">
+                        <a:lumMod val="75000"/>
+                      </a:schemeClr>
+                    </a:outerShdw>
+                  </a:effectLst>
+                  <a:latin typeface="Segoe UI Black" panose="020B0A02040204020203" pitchFamily="34" charset="0"/>
+                  <a:ea typeface="Segoe UI Black" panose="020B0A02040204020203" pitchFamily="34" charset="0"/>
+                  <a:cs typeface="Segoe UI Black" panose="020B0A02040204020203" pitchFamily="34" charset="0"/>
+                </a:rPr>
+                <a:t>SQL</a:t>
+              </a:r>
+            </a:p>
+          </p:txBody>
+        </p:sp>
+        <p:sp>
+          <p:nvSpPr>
+            <p:cNvPr id="7" name="矩形 6"/>
+            <p:cNvSpPr/>
+            <p:nvPr/>
+          </p:nvSpPr>
+          <p:spPr>
+            <a:xfrm>
+              <a:off x="10439901" y="221045"/>
+              <a:ext cx="670376" cy="923330"/>
+            </a:xfrm>
+            <a:prstGeom prst="rect">
+              <a:avLst/>
+            </a:prstGeom>
+          </p:spPr>
+          <p:txBody>
+            <a:bodyPr wrap="none">
+              <a:spAutoFit/>
+            </a:bodyPr>
+            <a:lstStyle/>
+            <a:p>
+              <a:pPr algn="ctr"/>
+              <a:r>
+                <a:rPr lang="en-GB" altLang="zh-CN" sz="5400" dirty="0">
+                  <a:ln w="12700">
+                    <a:solidFill>
+                      <a:schemeClr val="tx2">
+                        <a:lumMod val="75000"/>
+                      </a:schemeClr>
+                    </a:solidFill>
+                    <a:prstDash val="solid"/>
+                  </a:ln>
+                  <a:pattFill prst="dkUpDiag">
+                    <a:fgClr>
+                      <a:schemeClr val="tx2"/>
+                    </a:fgClr>
+                    <a:bgClr>
+                      <a:schemeClr val="tx2">
+                        <a:lumMod val="20000"/>
+                        <a:lumOff val="80000"/>
+                      </a:schemeClr>
+                    </a:bgClr>
+                  </a:pattFill>
+                  <a:effectLst>
+                    <a:outerShdw dist="38100" dir="2640000" algn="bl" rotWithShape="0">
+                      <a:schemeClr val="tx2">
+                        <a:lumMod val="75000"/>
+                      </a:schemeClr>
+                    </a:outerShdw>
+                  </a:effectLst>
+                  <a:latin typeface="Segoe UI Black" panose="020B0A02040204020203" pitchFamily="34" charset="0"/>
+                  <a:ea typeface="Segoe UI Black" panose="020B0A02040204020203" pitchFamily="34" charset="0"/>
+                  <a:cs typeface="Segoe UI Black" panose="020B0A02040204020203" pitchFamily="34" charset="0"/>
+                </a:rPr>
+                <a:t>X</a:t>
+              </a:r>
+              <a:endParaRPr lang="zh-CN" altLang="en-US" sz="5400" dirty="0">
+                <a:ln w="12700">
+                  <a:solidFill>
+                    <a:schemeClr val="tx2">
+                      <a:lumMod val="75000"/>
+                    </a:schemeClr>
+                  </a:solidFill>
+                  <a:prstDash val="solid"/>
+                </a:ln>
+                <a:pattFill prst="dkUpDiag">
+                  <a:fgClr>
+                    <a:schemeClr val="tx2"/>
+                  </a:fgClr>
+                  <a:bgClr>
+                    <a:schemeClr val="tx2">
+                      <a:lumMod val="20000"/>
+                      <a:lumOff val="80000"/>
+                    </a:schemeClr>
+                  </a:bgClr>
+                </a:pattFill>
+                <a:effectLst>
+                  <a:outerShdw dist="38100" dir="2640000" algn="bl" rotWithShape="0">
+                    <a:schemeClr val="tx2">
+                      <a:lumMod val="75000"/>
+                    </a:schemeClr>
+                  </a:outerShdw>
+                </a:effectLst>
+                <a:latin typeface="Segoe UI Black" panose="020B0A02040204020203" pitchFamily="34" charset="0"/>
+                <a:ea typeface="华文行楷" panose="02010800040101010101" pitchFamily="2" charset="-122"/>
+                <a:cs typeface="Segoe UI Black" panose="020B0A02040204020203" pitchFamily="34" charset="0"/>
+              </a:endParaRPr>
+            </a:p>
+          </p:txBody>
+        </p:sp>
+      </p:grpSp>
+      <p:sp>
+        <p:nvSpPr>
+          <p:cNvPr id="12" name="内容占位符 2"/>
+          <p:cNvSpPr>
+            <a:spLocks noGrp="1"/>
+          </p:cNvSpPr>
+          <p:nvPr>
+            <p:ph idx="1"/>
+          </p:nvPr>
+        </p:nvSpPr>
+        <p:spPr>
+          <a:xfrm>
+            <a:off x="1103312" y="2052918"/>
+            <a:ext cx="8946541" cy="4195481"/>
+          </a:xfrm>
+        </p:spPr>
+        <p:txBody>
+          <a:bodyPr>
+            <a:normAutofit lnSpcReduction="10000"/>
+          </a:bodyPr>
+          <a:lstStyle/>
+          <a:p>
+            <a:r>
+              <a:rPr lang="zh-CN" altLang="zh-CN" dirty="0"/>
+              <a:t>值</a:t>
+            </a:r>
+            <a:r>
+              <a:rPr lang="en-GB" altLang="zh-CN" dirty="0"/>
+              <a:t>A</a:t>
+            </a:r>
+            <a:r>
+              <a:rPr lang="zh-CN" altLang="zh-CN" dirty="0"/>
+              <a:t>、</a:t>
+            </a:r>
+            <a:r>
+              <a:rPr lang="en-GB" altLang="zh-CN" dirty="0"/>
+              <a:t>B</a:t>
+            </a:r>
+            <a:r>
+              <a:rPr lang="zh-CN" altLang="en-US" dirty="0"/>
+              <a:t>、</a:t>
+            </a:r>
+            <a:r>
+              <a:rPr lang="en-US" altLang="zh-CN" dirty="0"/>
+              <a:t>C</a:t>
+            </a:r>
+            <a:r>
+              <a:rPr lang="zh-CN" altLang="zh-CN" dirty="0"/>
+              <a:t>可以如下四种取值类型：</a:t>
+            </a:r>
+          </a:p>
+          <a:p>
+            <a:pPr lvl="1"/>
+            <a:r>
+              <a:rPr lang="zh-CN" altLang="zh-CN" dirty="0"/>
+              <a:t>占位符</a:t>
+            </a:r>
+            <a:r>
+              <a:rPr lang="en-GB" altLang="zh-CN" dirty="0"/>
+              <a:t>X</a:t>
+            </a:r>
+            <a:r>
+              <a:rPr lang="zh-CN" altLang="zh-CN" dirty="0"/>
+              <a:t>映射的值 （条件满足时的默认值）；</a:t>
+            </a:r>
+          </a:p>
+          <a:p>
+            <a:pPr lvl="1"/>
+            <a:r>
+              <a:rPr lang="zh-CN" altLang="zh-CN" dirty="0"/>
+              <a:t>另一个占位符</a:t>
+            </a:r>
+            <a:r>
+              <a:rPr lang="en-GB" altLang="zh-CN" dirty="0"/>
+              <a:t>Y</a:t>
+            </a:r>
+            <a:r>
+              <a:rPr lang="zh-CN" altLang="zh-CN" dirty="0"/>
+              <a:t>映射的值，须以英文冒号为前缀开头；</a:t>
+            </a:r>
+          </a:p>
+          <a:p>
+            <a:pPr lvl="1"/>
+            <a:r>
+              <a:rPr lang="zh-CN" altLang="zh-CN" dirty="0"/>
+              <a:t>常量字符串；</a:t>
+            </a:r>
+          </a:p>
+          <a:p>
+            <a:pPr lvl="1"/>
+            <a:r>
+              <a:rPr lang="zh-CN" altLang="zh-CN" dirty="0"/>
+              <a:t>空指针</a:t>
+            </a:r>
+            <a:r>
+              <a:rPr lang="en-GB" altLang="zh-CN" dirty="0"/>
+              <a:t>NULL</a:t>
+            </a:r>
+            <a:r>
+              <a:rPr lang="zh-CN" altLang="zh-CN" dirty="0"/>
+              <a:t>值（条件不满足时的默认值）。</a:t>
+            </a:r>
+            <a:endParaRPr lang="en-GB" altLang="zh-CN" dirty="0"/>
+          </a:p>
+          <a:p>
+            <a:pPr lvl="1"/>
+            <a:endParaRPr lang="zh-CN" altLang="zh-CN" dirty="0"/>
+          </a:p>
+          <a:p>
+            <a:r>
+              <a:rPr lang="zh-CN" altLang="zh-CN" dirty="0"/>
+              <a:t>值</a:t>
+            </a:r>
+            <a:r>
+              <a:rPr lang="en-GB" altLang="zh-CN" dirty="0"/>
+              <a:t>A</a:t>
+            </a:r>
+            <a:r>
+              <a:rPr lang="zh-CN" altLang="zh-CN" dirty="0"/>
+              <a:t>、</a:t>
+            </a:r>
+            <a:r>
+              <a:rPr lang="en-GB" altLang="zh-CN" dirty="0"/>
+              <a:t>B</a:t>
+            </a:r>
+            <a:r>
+              <a:rPr lang="zh-CN" altLang="en-US" dirty="0"/>
+              <a:t>、</a:t>
+            </a:r>
+            <a:r>
+              <a:rPr lang="en-US" altLang="zh-CN" dirty="0"/>
+              <a:t>C</a:t>
+            </a:r>
+            <a:r>
+              <a:rPr lang="zh-CN" altLang="zh-CN" dirty="0"/>
+              <a:t>中的占位符及占位符</a:t>
+            </a:r>
+            <a:r>
+              <a:rPr lang="en-GB" altLang="zh-CN" dirty="0"/>
+              <a:t>X</a:t>
+            </a:r>
+            <a:r>
+              <a:rPr lang="zh-CN" altLang="zh-CN" dirty="0"/>
+              <a:t>均支持以下高级功能：</a:t>
+            </a:r>
+          </a:p>
+          <a:p>
+            <a:pPr lvl="1"/>
+            <a:r>
+              <a:rPr lang="zh-CN" altLang="zh-CN" dirty="0"/>
+              <a:t>支持</a:t>
+            </a:r>
+            <a:r>
+              <a:rPr lang="en-GB" altLang="zh-CN" dirty="0" err="1"/>
+              <a:t>xx.yy.zz</a:t>
+            </a:r>
+            <a:r>
+              <a:rPr lang="zh-CN" altLang="zh-CN" dirty="0"/>
+              <a:t>面向对象；</a:t>
+            </a:r>
+          </a:p>
+          <a:p>
+            <a:pPr lvl="1"/>
+            <a:r>
+              <a:rPr lang="zh-CN" altLang="zh-CN" dirty="0"/>
+              <a:t>支持函数型占位符。即占位符是一个方法的引用。占位符对应的数值，通过引用方法的返回值获取；</a:t>
+            </a:r>
+          </a:p>
+          <a:p>
+            <a:pPr lvl="1"/>
+            <a:r>
+              <a:rPr lang="zh-CN" altLang="zh-CN" dirty="0"/>
+              <a:t>不区分大小写。</a:t>
+            </a:r>
+            <a:endParaRPr lang="en-GB" altLang="zh-CN" dirty="0"/>
+          </a:p>
+          <a:p>
+            <a:pPr marL="0" indent="0">
+              <a:buNone/>
+            </a:pPr>
+            <a:endParaRPr lang="en-GB" altLang="zh-CN" dirty="0"/>
+          </a:p>
+          <a:p>
+            <a:pPr marL="0" indent="0">
+              <a:buNone/>
+            </a:pPr>
+            <a:endParaRPr lang="zh-CN" altLang="en-US" dirty="0"/>
+          </a:p>
+        </p:txBody>
+      </p:sp>
+      <p:sp>
+        <p:nvSpPr>
+          <p:cNvPr id="17" name="文本框 16"/>
+          <p:cNvSpPr txBox="1"/>
+          <p:nvPr/>
+        </p:nvSpPr>
+        <p:spPr>
+          <a:xfrm>
+            <a:off x="7571581" y="1765310"/>
+            <a:ext cx="3955258" cy="2308324"/>
+          </a:xfrm>
+          <a:prstGeom prst="rect">
+            <a:avLst/>
+          </a:prstGeom>
+          <a:solidFill>
+            <a:schemeClr val="bg1">
+              <a:lumMod val="75000"/>
+              <a:lumOff val="25000"/>
+            </a:schemeClr>
+          </a:solidFill>
+          <a:ln>
+            <a:solidFill>
+              <a:schemeClr val="tx1">
+                <a:lumMod val="65000"/>
+              </a:schemeClr>
+            </a:solidFill>
+          </a:ln>
+        </p:spPr>
+        <p:txBody>
+          <a:bodyPr wrap="square" rtlCol="0">
+            <a:spAutoFit/>
+          </a:bodyPr>
+          <a:lstStyle/>
+          <a:p>
+            <a:r>
+              <a:rPr lang="en-GB" altLang="zh-CN" dirty="0" smtClean="0"/>
+              <a:t>&lt;</a:t>
+            </a:r>
+            <a:r>
+              <a:rPr lang="en-GB" altLang="zh-CN" b="1" dirty="0">
+                <a:solidFill>
+                  <a:srgbClr val="FFFF00"/>
+                </a:solidFill>
+              </a:rPr>
+              <a:t>condition</a:t>
+            </a:r>
+            <a:r>
+              <a:rPr lang="en-GB" altLang="zh-CN" dirty="0"/>
+              <a:t>&gt;</a:t>
+            </a:r>
+          </a:p>
+          <a:p>
+            <a:r>
+              <a:rPr lang="en-GB" altLang="zh-CN" dirty="0" smtClean="0"/>
+              <a:t>	&lt;</a:t>
+            </a:r>
+            <a:r>
+              <a:rPr lang="en-GB" altLang="zh-CN" b="1" dirty="0">
+                <a:solidFill>
+                  <a:srgbClr val="FFFF00"/>
+                </a:solidFill>
+              </a:rPr>
+              <a:t>name</a:t>
+            </a:r>
+            <a:r>
+              <a:rPr lang="en-GB" altLang="zh-CN" dirty="0" smtClean="0"/>
+              <a:t>&gt;</a:t>
+            </a:r>
+            <a:r>
+              <a:rPr lang="zh-CN" altLang="en-US" dirty="0" smtClean="0"/>
+              <a:t>占位符</a:t>
+            </a:r>
+            <a:r>
+              <a:rPr lang="en-GB" altLang="zh-CN" dirty="0" smtClean="0"/>
+              <a:t>X&lt;/</a:t>
+            </a:r>
+            <a:r>
+              <a:rPr lang="en-GB" altLang="zh-CN" b="1" dirty="0">
+                <a:solidFill>
+                  <a:srgbClr val="FFFF00"/>
+                </a:solidFill>
+              </a:rPr>
+              <a:t>na</a:t>
+            </a:r>
+            <a:r>
+              <a:rPr lang="en-GB" altLang="zh-CN" b="1" dirty="0" smtClean="0">
+                <a:solidFill>
+                  <a:srgbClr val="FFFF00"/>
+                </a:solidFill>
+              </a:rPr>
+              <a:t>me</a:t>
+            </a:r>
+            <a:r>
+              <a:rPr lang="en-GB" altLang="zh-CN" dirty="0" smtClean="0"/>
+              <a:t>&gt;</a:t>
+            </a:r>
+            <a:endParaRPr lang="en-GB" altLang="zh-CN" dirty="0"/>
+          </a:p>
+          <a:p>
+            <a:r>
+              <a:rPr lang="en-GB" altLang="zh-CN" dirty="0" smtClean="0"/>
+              <a:t>	&lt;</a:t>
+            </a:r>
+            <a:r>
+              <a:rPr lang="en-GB" altLang="zh-CN" b="1" dirty="0">
+                <a:solidFill>
+                  <a:srgbClr val="FFFF00"/>
+                </a:solidFill>
+              </a:rPr>
+              <a:t>if</a:t>
+            </a:r>
+            <a:r>
+              <a:rPr lang="en-GB" altLang="zh-CN" dirty="0" smtClean="0"/>
+              <a:t>&gt;:</a:t>
+            </a:r>
+            <a:r>
+              <a:rPr lang="zh-CN" altLang="en-US" dirty="0"/>
+              <a:t>占位符</a:t>
+            </a:r>
+            <a:r>
+              <a:rPr lang="en-GB" altLang="zh-CN" dirty="0"/>
+              <a:t>X</a:t>
+            </a:r>
+            <a:r>
+              <a:rPr lang="en-GB" altLang="zh-CN" dirty="0" smtClean="0"/>
+              <a:t> </a:t>
+            </a:r>
+            <a:r>
+              <a:rPr lang="en-GB" altLang="zh-CN" dirty="0"/>
+              <a:t>== </a:t>
+            </a:r>
+            <a:r>
+              <a:rPr lang="en-GB" altLang="zh-CN" dirty="0" smtClean="0"/>
+              <a:t>‘</a:t>
+            </a:r>
+            <a:r>
+              <a:rPr lang="zh-CN" altLang="en-US" dirty="0" smtClean="0"/>
+              <a:t>条件</a:t>
+            </a:r>
+            <a:r>
+              <a:rPr lang="en-US" altLang="zh-CN" dirty="0" smtClean="0"/>
+              <a:t>1'&lt;/</a:t>
+            </a:r>
+            <a:r>
+              <a:rPr lang="en-GB" altLang="zh-CN" b="1" dirty="0">
+                <a:solidFill>
+                  <a:srgbClr val="FFFF00"/>
+                </a:solidFill>
+              </a:rPr>
+              <a:t>if</a:t>
+            </a:r>
+            <a:r>
+              <a:rPr lang="en-GB" altLang="zh-CN" dirty="0" smtClean="0"/>
+              <a:t>&gt;</a:t>
+            </a:r>
+            <a:endParaRPr lang="en-GB" altLang="zh-CN" dirty="0"/>
+          </a:p>
+          <a:p>
+            <a:r>
+              <a:rPr lang="en-GB" altLang="zh-CN" dirty="0" smtClean="0"/>
+              <a:t>	&lt;</a:t>
+            </a:r>
+            <a:r>
+              <a:rPr lang="en-GB" altLang="zh-CN" b="1" dirty="0">
+                <a:solidFill>
+                  <a:srgbClr val="FFFF00"/>
+                </a:solidFill>
+              </a:rPr>
+              <a:t>true</a:t>
+            </a:r>
+            <a:r>
+              <a:rPr lang="en-GB" altLang="zh-CN" dirty="0" smtClean="0"/>
+              <a:t>&gt;A&lt;/</a:t>
+            </a:r>
+            <a:r>
+              <a:rPr lang="en-GB" altLang="zh-CN" b="1" dirty="0">
+                <a:solidFill>
+                  <a:srgbClr val="FFFF00"/>
+                </a:solidFill>
+              </a:rPr>
+              <a:t>true</a:t>
+            </a:r>
+            <a:r>
+              <a:rPr lang="en-GB" altLang="zh-CN" dirty="0" smtClean="0"/>
+              <a:t>&gt;</a:t>
+            </a:r>
+          </a:p>
+          <a:p>
+            <a:r>
+              <a:rPr lang="en-GB" altLang="zh-CN" dirty="0"/>
+              <a:t>	</a:t>
+            </a:r>
+            <a:r>
+              <a:rPr lang="en-GB" altLang="zh-CN" dirty="0" smtClean="0"/>
+              <a:t>&lt;</a:t>
+            </a:r>
+            <a:r>
+              <a:rPr lang="en-GB" altLang="zh-CN" b="1" dirty="0">
+                <a:solidFill>
+                  <a:srgbClr val="FFFF00"/>
+                </a:solidFill>
+              </a:rPr>
+              <a:t>if</a:t>
+            </a:r>
+            <a:r>
+              <a:rPr lang="en-GB" altLang="zh-CN" dirty="0"/>
+              <a:t>&gt;:</a:t>
+            </a:r>
+            <a:r>
+              <a:rPr lang="zh-CN" altLang="en-US" dirty="0"/>
+              <a:t>占位符</a:t>
+            </a:r>
+            <a:r>
+              <a:rPr lang="en-GB" altLang="zh-CN" dirty="0"/>
+              <a:t>X == ‘</a:t>
+            </a:r>
+            <a:r>
+              <a:rPr lang="zh-CN" altLang="en-US" dirty="0" smtClean="0"/>
+              <a:t>条件</a:t>
+            </a:r>
+            <a:r>
+              <a:rPr lang="en-US" altLang="zh-CN" dirty="0" smtClean="0"/>
+              <a:t>B'&lt;/</a:t>
+            </a:r>
+            <a:r>
+              <a:rPr lang="en-GB" altLang="zh-CN" b="1" dirty="0">
+                <a:solidFill>
+                  <a:srgbClr val="FFFF00"/>
+                </a:solidFill>
+              </a:rPr>
+              <a:t>if</a:t>
+            </a:r>
+            <a:r>
+              <a:rPr lang="en-GB" altLang="zh-CN" dirty="0"/>
+              <a:t>&gt;</a:t>
+            </a:r>
+            <a:endParaRPr lang="en-GB" altLang="zh-CN" dirty="0"/>
+          </a:p>
+          <a:p>
+            <a:r>
+              <a:rPr lang="en-GB" altLang="zh-CN" dirty="0" smtClean="0"/>
+              <a:t>	&lt;</a:t>
+            </a:r>
+            <a:r>
+              <a:rPr lang="en-GB" altLang="zh-CN" b="1" dirty="0" smtClean="0">
+                <a:solidFill>
+                  <a:srgbClr val="FFFF00"/>
+                </a:solidFill>
+              </a:rPr>
+              <a:t>true</a:t>
+            </a:r>
+            <a:r>
+              <a:rPr lang="en-GB" altLang="zh-CN" dirty="0" smtClean="0"/>
+              <a:t>&gt;B&lt;/</a:t>
+            </a:r>
+            <a:r>
+              <a:rPr lang="en-GB" altLang="zh-CN" b="1" dirty="0">
+                <a:solidFill>
+                  <a:srgbClr val="FFFF00"/>
+                </a:solidFill>
+              </a:rPr>
+              <a:t>true</a:t>
+            </a:r>
+            <a:r>
+              <a:rPr lang="en-GB" altLang="zh-CN" dirty="0"/>
+              <a:t>&gt;</a:t>
+            </a:r>
+            <a:endParaRPr lang="en-GB" altLang="zh-CN" dirty="0" smtClean="0"/>
+          </a:p>
+          <a:p>
+            <a:r>
+              <a:rPr lang="en-GB" altLang="zh-CN" dirty="0"/>
+              <a:t>	</a:t>
+            </a:r>
+            <a:r>
+              <a:rPr lang="en-GB" altLang="zh-CN" dirty="0" smtClean="0"/>
+              <a:t>&lt;</a:t>
+            </a:r>
+            <a:r>
+              <a:rPr lang="en-GB" altLang="zh-CN" b="1" dirty="0" smtClean="0">
+                <a:solidFill>
+                  <a:srgbClr val="FFFF00"/>
+                </a:solidFill>
+              </a:rPr>
+              <a:t>false</a:t>
+            </a:r>
+            <a:r>
+              <a:rPr lang="en-GB" altLang="zh-CN" dirty="0" smtClean="0"/>
+              <a:t>&gt;C&lt;/</a:t>
+            </a:r>
+            <a:r>
+              <a:rPr lang="en-GB" altLang="zh-CN" b="1" dirty="0">
+                <a:solidFill>
+                  <a:srgbClr val="FFFF00"/>
+                </a:solidFill>
+              </a:rPr>
+              <a:t>false</a:t>
+            </a:r>
+            <a:r>
+              <a:rPr lang="en-GB" altLang="zh-CN" dirty="0"/>
+              <a:t>&gt;</a:t>
+            </a:r>
+          </a:p>
+          <a:p>
+            <a:r>
+              <a:rPr lang="en-GB" altLang="zh-CN" dirty="0" smtClean="0"/>
+              <a:t>&lt;/</a:t>
+            </a:r>
+            <a:r>
+              <a:rPr lang="en-GB" altLang="zh-CN" b="1" dirty="0">
+                <a:solidFill>
+                  <a:srgbClr val="FFFF00"/>
+                </a:solidFill>
+              </a:rPr>
+              <a:t>condition</a:t>
+            </a:r>
+            <a:r>
+              <a:rPr lang="en-GB" altLang="zh-CN" dirty="0"/>
+              <a:t>&gt;</a:t>
+            </a:r>
+            <a:endParaRPr lang="zh-CN" altLang="en-US" dirty="0"/>
+          </a:p>
+        </p:txBody>
+      </p:sp>
+    </p:spTree>
+    <p:extLst>
+      <p:ext uri="{BB962C8B-B14F-4D97-AF65-F5344CB8AC3E}">
+        <p14:creationId xmlns:p14="http://schemas.microsoft.com/office/powerpoint/2010/main" val="951972464"/>
+      </p:ext>
+    </p:extLst>
+  </p:cSld>
+  <p:clrMapOvr>
+    <a:masterClrMapping/>
+  </p:clrMapOvr>
+  <p:timing>
+    <p:tnLst>
+      <p:par>
+        <p:cTn id="1" dur="indefinite" restart="never" nodeType="tmRoot"/>
+      </p:par>
+    </p:tnLst>
+  </p:timing>
+</p:sld>
+</file>
+
+<file path=ppt/slides/slide46.xml><?xml version="1.0" encoding="utf-8"?>
+<p:sld xmlns:a="http://schemas.openxmlformats.org/drawingml/2006/main" xmlns:r="http://schemas.openxmlformats.org/officeDocument/2006/relationships" xmlns:p="http://schemas.openxmlformats.org/presentationml/2006/main">
+  <p:cSld>
+    <p:spTree>
+      <p:nvGrpSpPr>
+        <p:cNvPr id="1" name=""/>
+        <p:cNvGrpSpPr/>
+        <p:nvPr/>
+      </p:nvGrpSpPr>
+      <p:grpSpPr>
+        <a:xfrm>
+          <a:off x="0" y="0"/>
+          <a:ext cx="0" cy="0"/>
+          <a:chOff x="0" y="0"/>
+          <a:chExt cx="0" cy="0"/>
+        </a:xfrm>
+      </p:grpSpPr>
+      <p:sp>
+        <p:nvSpPr>
+          <p:cNvPr id="2" name="标题 1"/>
+          <p:cNvSpPr>
+            <a:spLocks noGrp="1"/>
+          </p:cNvSpPr>
+          <p:nvPr>
+            <p:ph type="title"/>
+          </p:nvPr>
+        </p:nvSpPr>
+        <p:spPr/>
+        <p:txBody>
+          <a:bodyPr/>
+          <a:lstStyle/>
+          <a:p>
+            <a:r>
+              <a:rPr lang="en-GB" altLang="zh-CN" sz="4400" dirty="0"/>
+              <a:t>Condition </a:t>
+            </a:r>
+            <a:r>
+              <a:rPr lang="zh-CN" altLang="en-US" sz="4400" dirty="0" smtClean="0"/>
+              <a:t>举例</a:t>
+            </a:r>
+            <a:r>
+              <a:rPr lang="en-GB" altLang="zh-CN" sz="4400" dirty="0"/>
+              <a:t/>
+            </a:r>
+            <a:br>
+              <a:rPr lang="en-GB" altLang="zh-CN" sz="4400" dirty="0"/>
+            </a:br>
+            <a:r>
+              <a:rPr lang="en-US" altLang="zh-CN" sz="2000" cap="all" dirty="0">
+                <a:solidFill>
+                  <a:schemeClr val="accent1"/>
+                </a:solidFill>
+              </a:rPr>
+              <a:t>XSQL</a:t>
+            </a:r>
+            <a:r>
+              <a:rPr lang="zh-CN" altLang="en-US" sz="2000" cap="all" dirty="0" smtClean="0">
+                <a:solidFill>
+                  <a:schemeClr val="accent1"/>
+                </a:solidFill>
+              </a:rPr>
+              <a:t>的高级元素</a:t>
+            </a:r>
+            <a:endParaRPr lang="zh-CN" altLang="en-US" dirty="0"/>
+          </a:p>
+        </p:txBody>
+      </p:sp>
+      <p:grpSp>
+        <p:nvGrpSpPr>
+          <p:cNvPr id="5" name="组合 4"/>
+          <p:cNvGrpSpPr/>
+          <p:nvPr/>
+        </p:nvGrpSpPr>
+        <p:grpSpPr>
+          <a:xfrm>
+            <a:off x="10401652" y="72593"/>
+            <a:ext cx="763351" cy="1071782"/>
+            <a:chOff x="10401652" y="72593"/>
+            <a:chExt cx="763351" cy="1071782"/>
+          </a:xfrm>
+        </p:grpSpPr>
+        <p:sp>
+          <p:nvSpPr>
+            <p:cNvPr id="6" name="矩形 5"/>
+            <p:cNvSpPr/>
+            <p:nvPr/>
+          </p:nvSpPr>
+          <p:spPr>
+            <a:xfrm>
+              <a:off x="10401652" y="72593"/>
+              <a:ext cx="763351" cy="461665"/>
+            </a:xfrm>
+            <a:prstGeom prst="rect">
+              <a:avLst/>
+            </a:prstGeom>
+            <a:noFill/>
+          </p:spPr>
+          <p:txBody>
+            <a:bodyPr wrap="none" lIns="91440" tIns="45720" rIns="91440" bIns="45720">
+              <a:spAutoFit/>
+            </a:bodyPr>
+            <a:lstStyle/>
+            <a:p>
+              <a:pPr algn="ctr"/>
+              <a:r>
+                <a:rPr lang="en-GB" altLang="zh-CN" sz="2400" b="1" cap="none" spc="0" dirty="0" smtClean="0">
+                  <a:ln w="12700">
+                    <a:solidFill>
+                      <a:schemeClr val="tx2">
+                        <a:lumMod val="75000"/>
+                      </a:schemeClr>
+                    </a:solidFill>
+                    <a:prstDash val="solid"/>
+                  </a:ln>
+                  <a:pattFill prst="dkUpDiag">
+                    <a:fgClr>
+                      <a:schemeClr val="tx2"/>
+                    </a:fgClr>
+                    <a:bgClr>
+                      <a:schemeClr val="tx2">
+                        <a:lumMod val="20000"/>
+                        <a:lumOff val="80000"/>
+                      </a:schemeClr>
+                    </a:bgClr>
+                  </a:pattFill>
+                  <a:effectLst>
+                    <a:outerShdw dist="38100" dir="2640000" algn="bl" rotWithShape="0">
+                      <a:schemeClr val="tx2">
+                        <a:lumMod val="75000"/>
+                      </a:schemeClr>
+                    </a:outerShdw>
+                  </a:effectLst>
+                  <a:latin typeface="Segoe UI Black" panose="020B0A02040204020203" pitchFamily="34" charset="0"/>
+                  <a:ea typeface="Segoe UI Black" panose="020B0A02040204020203" pitchFamily="34" charset="0"/>
+                  <a:cs typeface="Segoe UI Black" panose="020B0A02040204020203" pitchFamily="34" charset="0"/>
+                </a:rPr>
+                <a:t>SQL</a:t>
+              </a:r>
+            </a:p>
+          </p:txBody>
+        </p:sp>
+        <p:sp>
+          <p:nvSpPr>
+            <p:cNvPr id="7" name="矩形 6"/>
+            <p:cNvSpPr/>
+            <p:nvPr/>
+          </p:nvSpPr>
+          <p:spPr>
+            <a:xfrm>
+              <a:off x="10439901" y="221045"/>
+              <a:ext cx="670376" cy="923330"/>
+            </a:xfrm>
+            <a:prstGeom prst="rect">
+              <a:avLst/>
+            </a:prstGeom>
+          </p:spPr>
+          <p:txBody>
+            <a:bodyPr wrap="none">
+              <a:spAutoFit/>
+            </a:bodyPr>
+            <a:lstStyle/>
+            <a:p>
+              <a:pPr algn="ctr"/>
+              <a:r>
+                <a:rPr lang="en-GB" altLang="zh-CN" sz="5400" dirty="0">
+                  <a:ln w="12700">
+                    <a:solidFill>
+                      <a:schemeClr val="tx2">
+                        <a:lumMod val="75000"/>
+                      </a:schemeClr>
+                    </a:solidFill>
+                    <a:prstDash val="solid"/>
+                  </a:ln>
+                  <a:pattFill prst="dkUpDiag">
+                    <a:fgClr>
+                      <a:schemeClr val="tx2"/>
+                    </a:fgClr>
+                    <a:bgClr>
+                      <a:schemeClr val="tx2">
+                        <a:lumMod val="20000"/>
+                        <a:lumOff val="80000"/>
+                      </a:schemeClr>
+                    </a:bgClr>
+                  </a:pattFill>
+                  <a:effectLst>
+                    <a:outerShdw dist="38100" dir="2640000" algn="bl" rotWithShape="0">
+                      <a:schemeClr val="tx2">
+                        <a:lumMod val="75000"/>
+                      </a:schemeClr>
+                    </a:outerShdw>
+                  </a:effectLst>
+                  <a:latin typeface="Segoe UI Black" panose="020B0A02040204020203" pitchFamily="34" charset="0"/>
+                  <a:ea typeface="Segoe UI Black" panose="020B0A02040204020203" pitchFamily="34" charset="0"/>
+                  <a:cs typeface="Segoe UI Black" panose="020B0A02040204020203" pitchFamily="34" charset="0"/>
+                </a:rPr>
+                <a:t>X</a:t>
+              </a:r>
+              <a:endParaRPr lang="zh-CN" altLang="en-US" sz="5400" dirty="0">
+                <a:ln w="12700">
+                  <a:solidFill>
+                    <a:schemeClr val="tx2">
+                      <a:lumMod val="75000"/>
+                    </a:schemeClr>
+                  </a:solidFill>
+                  <a:prstDash val="solid"/>
+                </a:ln>
+                <a:pattFill prst="dkUpDiag">
+                  <a:fgClr>
+                    <a:schemeClr val="tx2"/>
+                  </a:fgClr>
+                  <a:bgClr>
+                    <a:schemeClr val="tx2">
+                      <a:lumMod val="20000"/>
+                      <a:lumOff val="80000"/>
+                    </a:schemeClr>
+                  </a:bgClr>
+                </a:pattFill>
+                <a:effectLst>
+                  <a:outerShdw dist="38100" dir="2640000" algn="bl" rotWithShape="0">
+                    <a:schemeClr val="tx2">
+                      <a:lumMod val="75000"/>
+                    </a:schemeClr>
+                  </a:outerShdw>
+                </a:effectLst>
+                <a:latin typeface="Segoe UI Black" panose="020B0A02040204020203" pitchFamily="34" charset="0"/>
+                <a:ea typeface="华文行楷" panose="02010800040101010101" pitchFamily="2" charset="-122"/>
+                <a:cs typeface="Segoe UI Black" panose="020B0A02040204020203" pitchFamily="34" charset="0"/>
+              </a:endParaRPr>
+            </a:p>
+          </p:txBody>
+        </p:sp>
+      </p:grpSp>
+      <p:pic>
+        <p:nvPicPr>
+          <p:cNvPr id="4" name="图片 3"/>
+          <p:cNvPicPr>
+            <a:picLocks noChangeAspect="1"/>
+          </p:cNvPicPr>
+          <p:nvPr/>
+        </p:nvPicPr>
+        <p:blipFill>
+          <a:blip r:embed="rId3"/>
+          <a:stretch>
+            <a:fillRect/>
+          </a:stretch>
+        </p:blipFill>
+        <p:spPr>
+          <a:xfrm>
+            <a:off x="361968" y="1219658"/>
+            <a:ext cx="6471983" cy="5504992"/>
+          </a:xfrm>
+          <a:prstGeom prst="rect">
+            <a:avLst/>
+          </a:prstGeom>
+        </p:spPr>
+      </p:pic>
+      <p:sp>
+        <p:nvSpPr>
+          <p:cNvPr id="11" name="文本框 10"/>
+          <p:cNvSpPr txBox="1"/>
+          <p:nvPr/>
+        </p:nvSpPr>
+        <p:spPr>
+          <a:xfrm>
+            <a:off x="7276420" y="1219658"/>
+            <a:ext cx="4477430" cy="1477328"/>
+          </a:xfrm>
+          <a:prstGeom prst="rect">
+            <a:avLst/>
+          </a:prstGeom>
+          <a:solidFill>
+            <a:schemeClr val="bg1">
+              <a:lumMod val="75000"/>
+              <a:lumOff val="25000"/>
+            </a:schemeClr>
+          </a:solidFill>
+          <a:ln>
+            <a:solidFill>
+              <a:schemeClr val="tx1">
+                <a:lumMod val="65000"/>
+              </a:schemeClr>
+            </a:solidFill>
+          </a:ln>
+        </p:spPr>
+        <p:txBody>
+          <a:bodyPr wrap="square" rtlCol="0">
+            <a:spAutoFit/>
+          </a:bodyPr>
+          <a:lstStyle/>
+          <a:p>
+            <a:r>
+              <a:rPr lang="en-GB" altLang="zh-CN" dirty="0" smtClean="0"/>
+              <a:t>SELECT</a:t>
+            </a:r>
+            <a:r>
+              <a:rPr lang="en-GB" altLang="zh-CN" dirty="0" smtClean="0"/>
+              <a:t>  </a:t>
+            </a:r>
+            <a:r>
+              <a:rPr lang="en-GB" altLang="zh-CN" dirty="0" err="1" smtClean="0"/>
+              <a:t>A.userName</a:t>
+            </a:r>
+            <a:r>
+              <a:rPr lang="en-GB" altLang="zh-CN" dirty="0" smtClean="0"/>
+              <a:t> ,A.pwd</a:t>
+            </a:r>
+          </a:p>
+          <a:p>
+            <a:r>
+              <a:rPr lang="en-GB" altLang="zh-CN" dirty="0"/>
+              <a:t> </a:t>
+            </a:r>
+            <a:r>
+              <a:rPr lang="en-GB" altLang="zh-CN" dirty="0" smtClean="0"/>
+              <a:t> FROM  User  A</a:t>
+            </a:r>
+          </a:p>
+          <a:p>
+            <a:r>
+              <a:rPr lang="en-GB" altLang="zh-CN" dirty="0"/>
+              <a:t> </a:t>
+            </a:r>
+            <a:r>
+              <a:rPr lang="en-GB" altLang="zh-CN" dirty="0" smtClean="0"/>
+              <a:t>WHERE  </a:t>
+            </a:r>
+            <a:r>
+              <a:rPr lang="en-GB" altLang="zh-CN" dirty="0" err="1" smtClean="0"/>
+              <a:t>A.userName</a:t>
+            </a:r>
+            <a:r>
+              <a:rPr lang="en-GB" altLang="zh-CN" dirty="0" smtClean="0"/>
+              <a:t> = ‘administrator’</a:t>
+            </a:r>
+          </a:p>
+          <a:p>
+            <a:r>
+              <a:rPr lang="en-GB" altLang="zh-CN" dirty="0"/>
+              <a:t> </a:t>
+            </a:r>
+            <a:r>
+              <a:rPr lang="en-GB" altLang="zh-CN" dirty="0" smtClean="0"/>
+              <a:t>    AND  A.pwd           = ‘123456’</a:t>
+            </a:r>
+          </a:p>
+          <a:p>
+            <a:r>
+              <a:rPr lang="en-GB" altLang="zh-CN" dirty="0"/>
+              <a:t> </a:t>
+            </a:r>
+            <a:r>
+              <a:rPr lang="en-GB" altLang="zh-CN" dirty="0" smtClean="0"/>
+              <a:t>    AND  </a:t>
+            </a:r>
+            <a:r>
+              <a:rPr lang="en-GB" altLang="zh-CN" dirty="0" err="1" smtClean="0"/>
+              <a:t>A.orgName</a:t>
+            </a:r>
+            <a:r>
+              <a:rPr lang="en-GB" altLang="zh-CN" dirty="0" smtClean="0"/>
+              <a:t>  = ‘</a:t>
+            </a:r>
+            <a:r>
+              <a:rPr lang="zh-CN" altLang="en-US" dirty="0" smtClean="0"/>
+              <a:t>计算机中心</a:t>
+            </a:r>
+            <a:r>
+              <a:rPr lang="en-GB" altLang="zh-CN" dirty="0" smtClean="0"/>
+              <a:t>’</a:t>
+            </a:r>
+            <a:endParaRPr lang="zh-CN" altLang="en-US" dirty="0"/>
+          </a:p>
+        </p:txBody>
+      </p:sp>
+      <p:sp>
+        <p:nvSpPr>
+          <p:cNvPr id="13" name="文本框 12"/>
+          <p:cNvSpPr txBox="1"/>
+          <p:nvPr/>
+        </p:nvSpPr>
+        <p:spPr>
+          <a:xfrm>
+            <a:off x="7276420" y="3156123"/>
+            <a:ext cx="4477430" cy="1477328"/>
+          </a:xfrm>
+          <a:prstGeom prst="rect">
+            <a:avLst/>
+          </a:prstGeom>
+          <a:solidFill>
+            <a:schemeClr val="bg1">
+              <a:lumMod val="75000"/>
+              <a:lumOff val="25000"/>
+            </a:schemeClr>
+          </a:solidFill>
+          <a:ln>
+            <a:solidFill>
+              <a:schemeClr val="tx1">
+                <a:lumMod val="65000"/>
+              </a:schemeClr>
+            </a:solidFill>
+          </a:ln>
+        </p:spPr>
+        <p:txBody>
+          <a:bodyPr wrap="square" rtlCol="0">
+            <a:spAutoFit/>
+          </a:bodyPr>
+          <a:lstStyle/>
+          <a:p>
+            <a:r>
+              <a:rPr lang="en-GB" altLang="zh-CN" dirty="0" smtClean="0"/>
+              <a:t>SELECT</a:t>
+            </a:r>
+            <a:r>
+              <a:rPr lang="en-GB" altLang="zh-CN" dirty="0" smtClean="0"/>
+              <a:t>  </a:t>
+            </a:r>
+            <a:r>
+              <a:rPr lang="en-GB" altLang="zh-CN" dirty="0" err="1" smtClean="0"/>
+              <a:t>A.userName</a:t>
+            </a:r>
+            <a:r>
+              <a:rPr lang="en-GB" altLang="zh-CN" dirty="0" smtClean="0"/>
+              <a:t> ,A.pwd</a:t>
+            </a:r>
+          </a:p>
+          <a:p>
+            <a:r>
+              <a:rPr lang="en-GB" altLang="zh-CN" dirty="0"/>
+              <a:t> </a:t>
+            </a:r>
+            <a:r>
+              <a:rPr lang="en-GB" altLang="zh-CN" dirty="0" smtClean="0"/>
+              <a:t> FROM  User  A</a:t>
+            </a:r>
+          </a:p>
+          <a:p>
+            <a:r>
+              <a:rPr lang="en-GB" altLang="zh-CN" dirty="0"/>
+              <a:t> </a:t>
+            </a:r>
+            <a:r>
+              <a:rPr lang="en-GB" altLang="zh-CN" dirty="0" smtClean="0"/>
+              <a:t>WHERE  </a:t>
+            </a:r>
+            <a:r>
+              <a:rPr lang="en-GB" altLang="zh-CN" dirty="0" err="1" smtClean="0"/>
+              <a:t>A.userName</a:t>
+            </a:r>
+            <a:r>
+              <a:rPr lang="en-GB" altLang="zh-CN" dirty="0" smtClean="0"/>
+              <a:t> = ‘</a:t>
+            </a:r>
+            <a:r>
+              <a:rPr lang="zh-CN" altLang="en-US" dirty="0" smtClean="0"/>
+              <a:t>张三</a:t>
+            </a:r>
+            <a:r>
+              <a:rPr lang="en-GB" altLang="zh-CN" dirty="0" smtClean="0"/>
+              <a:t>’</a:t>
+            </a:r>
+          </a:p>
+          <a:p>
+            <a:r>
+              <a:rPr lang="en-GB" altLang="zh-CN" dirty="0"/>
+              <a:t> </a:t>
+            </a:r>
+            <a:r>
+              <a:rPr lang="en-GB" altLang="zh-CN" dirty="0" smtClean="0"/>
+              <a:t>    AND  A.pwd           = ‘</a:t>
+            </a:r>
+            <a:r>
+              <a:rPr lang="zh-CN" altLang="en-US" sz="1400" dirty="0"/>
+              <a:t>密码长度验证未通过</a:t>
+            </a:r>
+            <a:r>
+              <a:rPr lang="en-GB" altLang="zh-CN" dirty="0" smtClean="0"/>
+              <a:t>’</a:t>
+            </a:r>
+          </a:p>
+          <a:p>
+            <a:r>
+              <a:rPr lang="en-GB" altLang="zh-CN" dirty="0" smtClean="0"/>
+              <a:t>     AND  </a:t>
+            </a:r>
+            <a:r>
+              <a:rPr lang="en-GB" altLang="zh-CN" dirty="0" err="1"/>
+              <a:t>A.orgName</a:t>
+            </a:r>
+            <a:r>
+              <a:rPr lang="en-GB" altLang="zh-CN" dirty="0"/>
+              <a:t>  </a:t>
+            </a:r>
+            <a:r>
+              <a:rPr lang="en-GB" altLang="zh-CN" dirty="0" smtClean="0"/>
+              <a:t>= </a:t>
+            </a:r>
+            <a:r>
+              <a:rPr lang="en-GB" altLang="zh-CN" dirty="0"/>
+              <a:t>‘</a:t>
+            </a:r>
+            <a:r>
+              <a:rPr lang="zh-CN" altLang="en-US" dirty="0"/>
+              <a:t>计算机中心</a:t>
+            </a:r>
+            <a:r>
+              <a:rPr lang="en-GB" altLang="zh-CN" dirty="0" smtClean="0"/>
+              <a:t>’</a:t>
+            </a:r>
+            <a:endParaRPr lang="zh-CN" altLang="en-US" dirty="0"/>
+          </a:p>
+        </p:txBody>
+      </p:sp>
+      <p:sp>
+        <p:nvSpPr>
+          <p:cNvPr id="14" name="文本框 13"/>
+          <p:cNvSpPr txBox="1"/>
+          <p:nvPr/>
+        </p:nvSpPr>
+        <p:spPr>
+          <a:xfrm>
+            <a:off x="7276420" y="5092589"/>
+            <a:ext cx="4477430" cy="1200329"/>
+          </a:xfrm>
+          <a:prstGeom prst="rect">
+            <a:avLst/>
+          </a:prstGeom>
+          <a:solidFill>
+            <a:schemeClr val="bg1">
+              <a:lumMod val="75000"/>
+              <a:lumOff val="25000"/>
+            </a:schemeClr>
+          </a:solidFill>
+          <a:ln>
+            <a:solidFill>
+              <a:schemeClr val="tx1">
+                <a:lumMod val="65000"/>
+              </a:schemeClr>
+            </a:solidFill>
+          </a:ln>
+        </p:spPr>
+        <p:txBody>
+          <a:bodyPr wrap="square" rtlCol="0">
+            <a:spAutoFit/>
+          </a:bodyPr>
+          <a:lstStyle/>
+          <a:p>
+            <a:r>
+              <a:rPr lang="en-GB" altLang="zh-CN" dirty="0" smtClean="0"/>
+              <a:t>SELECT</a:t>
+            </a:r>
+            <a:r>
+              <a:rPr lang="en-GB" altLang="zh-CN" dirty="0" smtClean="0"/>
+              <a:t>  </a:t>
+            </a:r>
+            <a:r>
+              <a:rPr lang="en-GB" altLang="zh-CN" dirty="0" err="1" smtClean="0"/>
+              <a:t>A.userName</a:t>
+            </a:r>
+            <a:r>
+              <a:rPr lang="en-GB" altLang="zh-CN" dirty="0" smtClean="0"/>
+              <a:t> ,A.pwd</a:t>
+            </a:r>
+          </a:p>
+          <a:p>
+            <a:r>
+              <a:rPr lang="en-GB" altLang="zh-CN" dirty="0"/>
+              <a:t> </a:t>
+            </a:r>
+            <a:r>
+              <a:rPr lang="en-GB" altLang="zh-CN" dirty="0" smtClean="0"/>
+              <a:t> FROM  User  A</a:t>
+            </a:r>
+          </a:p>
+          <a:p>
+            <a:r>
+              <a:rPr lang="en-GB" altLang="zh-CN" dirty="0"/>
+              <a:t> </a:t>
+            </a:r>
+            <a:r>
+              <a:rPr lang="en-GB" altLang="zh-CN" dirty="0" smtClean="0"/>
+              <a:t>WHERE  </a:t>
+            </a:r>
+            <a:r>
+              <a:rPr lang="en-GB" altLang="zh-CN" dirty="0" err="1" smtClean="0"/>
+              <a:t>A.userName</a:t>
+            </a:r>
+            <a:r>
+              <a:rPr lang="en-GB" altLang="zh-CN" dirty="0" smtClean="0"/>
+              <a:t> = ‘</a:t>
+            </a:r>
+            <a:r>
+              <a:rPr lang="zh-CN" altLang="en-US" dirty="0" smtClean="0"/>
+              <a:t>李四</a:t>
+            </a:r>
+            <a:r>
+              <a:rPr lang="en-GB" altLang="zh-CN" dirty="0" smtClean="0"/>
+              <a:t>’</a:t>
+            </a:r>
+          </a:p>
+          <a:p>
+            <a:r>
+              <a:rPr lang="en-GB" altLang="zh-CN" dirty="0"/>
+              <a:t> </a:t>
+            </a:r>
+            <a:r>
+              <a:rPr lang="en-GB" altLang="zh-CN" dirty="0" smtClean="0"/>
+              <a:t>    AND  A.pwd           = </a:t>
+            </a:r>
+            <a:r>
+              <a:rPr lang="en-GB" altLang="zh-CN" dirty="0"/>
+              <a:t>‘</a:t>
+            </a:r>
+            <a:r>
+              <a:rPr lang="en-GB" altLang="zh-CN" dirty="0" smtClean="0"/>
+              <a:t>123456’</a:t>
+            </a:r>
+          </a:p>
+        </p:txBody>
+      </p:sp>
+      <p:sp>
+        <p:nvSpPr>
+          <p:cNvPr id="15" name="椭圆形标注 14"/>
+          <p:cNvSpPr/>
+          <p:nvPr/>
+        </p:nvSpPr>
+        <p:spPr>
+          <a:xfrm>
+            <a:off x="4821609" y="5426053"/>
+            <a:ext cx="1609725" cy="723899"/>
+          </a:xfrm>
+          <a:prstGeom prst="wedgeEllipseCallout">
+            <a:avLst>
+              <a:gd name="adj1" fmla="val -59887"/>
+              <a:gd name="adj2" fmla="val -96970"/>
+            </a:avLst>
+          </a:prstGeom>
+        </p:spPr>
+        <p:style>
+          <a:lnRef idx="0">
+            <a:schemeClr val="dk1"/>
+          </a:lnRef>
+          <a:fillRef idx="3">
+            <a:schemeClr val="dk1"/>
+          </a:fillRef>
+          <a:effectRef idx="3">
+            <a:schemeClr val="dk1"/>
+          </a:effectRef>
+          <a:fontRef idx="minor">
+            <a:schemeClr val="lt1"/>
+          </a:fontRef>
+        </p:style>
+        <p:txBody>
+          <a:bodyPr rtlCol="0" anchor="ctr"/>
+          <a:lstStyle/>
+          <a:p>
+            <a:r>
+              <a:rPr lang="zh-CN" altLang="en-US" dirty="0" smtClean="0">
+                <a:solidFill>
+                  <a:schemeClr val="accent4">
+                    <a:lumMod val="20000"/>
+                    <a:lumOff val="80000"/>
+                  </a:schemeClr>
+                </a:solidFill>
+              </a:rPr>
+              <a:t>面向对象时使用</a:t>
+            </a:r>
+            <a:r>
+              <a:rPr lang="en-GB" altLang="zh-CN" b="1" dirty="0" smtClean="0">
+                <a:solidFill>
+                  <a:srgbClr val="FFFF00"/>
+                </a:solidFill>
+              </a:rPr>
+              <a:t>{}</a:t>
+            </a:r>
+            <a:endParaRPr lang="en-US" altLang="zh-CN" b="1" dirty="0">
+              <a:solidFill>
+                <a:srgbClr val="FFFF00"/>
+              </a:solidFill>
+            </a:endParaRPr>
+          </a:p>
+        </p:txBody>
+      </p:sp>
+      <p:cxnSp>
+        <p:nvCxnSpPr>
+          <p:cNvPr id="10" name="直接连接符 9"/>
+          <p:cNvCxnSpPr/>
+          <p:nvPr/>
+        </p:nvCxnSpPr>
+        <p:spPr>
+          <a:xfrm>
+            <a:off x="4229100" y="5006864"/>
+            <a:ext cx="1435471" cy="0"/>
+          </a:xfrm>
+          <a:prstGeom prst="line">
+            <a:avLst/>
+          </a:prstGeom>
+          <a:ln w="28575">
+            <a:solidFill>
+              <a:srgbClr val="FF0000"/>
+            </a:solidFill>
+          </a:ln>
+        </p:spPr>
+        <p:style>
+          <a:lnRef idx="1">
+            <a:schemeClr val="accent1"/>
+          </a:lnRef>
+          <a:fillRef idx="0">
+            <a:schemeClr val="accent1"/>
+          </a:fillRef>
+          <a:effectRef idx="0">
+            <a:schemeClr val="accent1"/>
+          </a:effectRef>
+          <a:fontRef idx="minor">
+            <a:schemeClr val="tx1"/>
+          </a:fontRef>
+        </p:style>
+      </p:cxnSp>
+    </p:spTree>
+    <p:extLst>
+      <p:ext uri="{BB962C8B-B14F-4D97-AF65-F5344CB8AC3E}">
+        <p14:creationId xmlns:p14="http://schemas.microsoft.com/office/powerpoint/2010/main" val="1073377085"/>
+      </p:ext>
+    </p:extLst>
+  </p:cSld>
+  <p:clrMapOvr>
+    <a:masterClrMapping/>
+  </p:clrMapOvr>
+  <p:timing>
+    <p:tnLst>
+      <p:par>
+        <p:cTn id="1" dur="indefinite" restart="never" nodeType="tmRoot">
+          <p:childTnLst>
+            <p:seq concurrent="1" nextAc="seek">
+              <p:cTn id="2" dur="indefinite" nodeType="mainSeq">
+                <p:childTnLst>
+                  <p:par>
+                    <p:cTn id="3" fill="hold">
+                      <p:stCondLst>
+                        <p:cond delay="indefinite"/>
+                      </p:stCondLst>
+                      <p:childTnLst>
+                        <p:par>
+                          <p:cTn id="4" fill="hold">
+                            <p:stCondLst>
+                              <p:cond delay="0"/>
+                            </p:stCondLst>
+                            <p:childTnLst>
+                              <p:par>
+                                <p:cTn id="5" presetID="42" presetClass="entr" presetSubtype="0" fill="hold" grpId="0" nodeType="clickEffect">
+                                  <p:stCondLst>
+                                    <p:cond delay="0"/>
+                                  </p:stCondLst>
+                                  <p:childTnLst>
+                                    <p:set>
+                                      <p:cBhvr>
+                                        <p:cTn id="6" dur="1" fill="hold">
+                                          <p:stCondLst>
+                                            <p:cond delay="0"/>
+                                          </p:stCondLst>
+                                        </p:cTn>
+                                        <p:tgtEl>
+                                          <p:spTgt spid="11"/>
+                                        </p:tgtEl>
+                                        <p:attrNameLst>
+                                          <p:attrName>style.visibility</p:attrName>
+                                        </p:attrNameLst>
+                                      </p:cBhvr>
+                                      <p:to>
+                                        <p:strVal val="visible"/>
+                                      </p:to>
+                                    </p:set>
+                                    <p:animEffect transition="in" filter="fade">
+                                      <p:cBhvr>
+                                        <p:cTn id="7" dur="1000"/>
+                                        <p:tgtEl>
+                                          <p:spTgt spid="11"/>
+                                        </p:tgtEl>
+                                      </p:cBhvr>
+                                    </p:animEffect>
+                                    <p:anim calcmode="lin" valueType="num">
+                                      <p:cBhvr>
+                                        <p:cTn id="8" dur="1000" fill="hold"/>
+                                        <p:tgtEl>
+                                          <p:spTgt spid="11"/>
+                                        </p:tgtEl>
+                                        <p:attrNameLst>
+                                          <p:attrName>ppt_x</p:attrName>
+                                        </p:attrNameLst>
+                                      </p:cBhvr>
+                                      <p:tavLst>
+                                        <p:tav tm="0">
+                                          <p:val>
+                                            <p:strVal val="#ppt_x"/>
+                                          </p:val>
+                                        </p:tav>
+                                        <p:tav tm="100000">
+                                          <p:val>
+                                            <p:strVal val="#ppt_x"/>
+                                          </p:val>
+                                        </p:tav>
+                                      </p:tavLst>
+                                    </p:anim>
+                                    <p:anim calcmode="lin" valueType="num">
+                                      <p:cBhvr>
+                                        <p:cTn id="9" dur="1000" fill="hold"/>
+                                        <p:tgtEl>
+                                          <p:spTgt spid="11"/>
+                                        </p:tgtEl>
+                                        <p:attrNameLst>
+                                          <p:attrName>ppt_y</p:attrName>
+                                        </p:attrNameLst>
+                                      </p:cBhvr>
+                                      <p:tavLst>
+                                        <p:tav tm="0">
+                                          <p:val>
+                                            <p:strVal val="#ppt_y+.1"/>
+                                          </p:val>
+                                        </p:tav>
+                                        <p:tav tm="100000">
+                                          <p:val>
+                                            <p:strVal val="#ppt_y"/>
+                                          </p:val>
+                                        </p:tav>
+                                      </p:tavLst>
+                                    </p:anim>
+                                  </p:childTnLst>
+                                </p:cTn>
+                              </p:par>
+                            </p:childTnLst>
+                          </p:cTn>
+                        </p:par>
+                      </p:childTnLst>
+                    </p:cTn>
+                  </p:par>
+                  <p:par>
+                    <p:cTn id="10" fill="hold">
+                      <p:stCondLst>
+                        <p:cond delay="indefinite"/>
+                      </p:stCondLst>
+                      <p:childTnLst>
+                        <p:par>
+                          <p:cTn id="11" fill="hold">
+                            <p:stCondLst>
+                              <p:cond delay="0"/>
+                            </p:stCondLst>
+                            <p:childTnLst>
+                              <p:par>
+                                <p:cTn id="12" presetID="42" presetClass="entr" presetSubtype="0" fill="hold" grpId="0" nodeType="clickEffect">
+                                  <p:stCondLst>
+                                    <p:cond delay="0"/>
+                                  </p:stCondLst>
+                                  <p:childTnLst>
+                                    <p:set>
+                                      <p:cBhvr>
+                                        <p:cTn id="13" dur="1" fill="hold">
+                                          <p:stCondLst>
+                                            <p:cond delay="0"/>
+                                          </p:stCondLst>
+                                        </p:cTn>
+                                        <p:tgtEl>
+                                          <p:spTgt spid="13"/>
+                                        </p:tgtEl>
+                                        <p:attrNameLst>
+                                          <p:attrName>style.visibility</p:attrName>
+                                        </p:attrNameLst>
+                                      </p:cBhvr>
+                                      <p:to>
+                                        <p:strVal val="visible"/>
+                                      </p:to>
+                                    </p:set>
+                                    <p:animEffect transition="in" filter="fade">
+                                      <p:cBhvr>
+                                        <p:cTn id="14" dur="1000"/>
+                                        <p:tgtEl>
+                                          <p:spTgt spid="13"/>
+                                        </p:tgtEl>
+                                      </p:cBhvr>
+                                    </p:animEffect>
+                                    <p:anim calcmode="lin" valueType="num">
+                                      <p:cBhvr>
+                                        <p:cTn id="15" dur="1000" fill="hold"/>
+                                        <p:tgtEl>
+                                          <p:spTgt spid="13"/>
+                                        </p:tgtEl>
+                                        <p:attrNameLst>
+                                          <p:attrName>ppt_x</p:attrName>
+                                        </p:attrNameLst>
+                                      </p:cBhvr>
+                                      <p:tavLst>
+                                        <p:tav tm="0">
+                                          <p:val>
+                                            <p:strVal val="#ppt_x"/>
+                                          </p:val>
+                                        </p:tav>
+                                        <p:tav tm="100000">
+                                          <p:val>
+                                            <p:strVal val="#ppt_x"/>
+                                          </p:val>
+                                        </p:tav>
+                                      </p:tavLst>
+                                    </p:anim>
+                                    <p:anim calcmode="lin" valueType="num">
+                                      <p:cBhvr>
+                                        <p:cTn id="16" dur="1000" fill="hold"/>
+                                        <p:tgtEl>
+                                          <p:spTgt spid="13"/>
+                                        </p:tgtEl>
+                                        <p:attrNameLst>
+                                          <p:attrName>ppt_y</p:attrName>
+                                        </p:attrNameLst>
+                                      </p:cBhvr>
+                                      <p:tavLst>
+                                        <p:tav tm="0">
+                                          <p:val>
+                                            <p:strVal val="#ppt_y+.1"/>
+                                          </p:val>
+                                        </p:tav>
+                                        <p:tav tm="100000">
+                                          <p:val>
+                                            <p:strVal val="#ppt_y"/>
+                                          </p:val>
+                                        </p:tav>
+                                      </p:tavLst>
+                                    </p:anim>
+                                  </p:childTnLst>
+                                </p:cTn>
+                              </p:par>
+                            </p:childTnLst>
+                          </p:cTn>
+                        </p:par>
+                      </p:childTnLst>
+                    </p:cTn>
+                  </p:par>
+                  <p:par>
+                    <p:cTn id="17" fill="hold">
+                      <p:stCondLst>
+                        <p:cond delay="indefinite"/>
+                      </p:stCondLst>
+                      <p:childTnLst>
+                        <p:par>
+                          <p:cTn id="18" fill="hold">
+                            <p:stCondLst>
+                              <p:cond delay="0"/>
+                            </p:stCondLst>
+                            <p:childTnLst>
+                              <p:par>
+                                <p:cTn id="19" presetID="42" presetClass="entr" presetSubtype="0" fill="hold" grpId="0" nodeType="clickEffect">
+                                  <p:stCondLst>
+                                    <p:cond delay="0"/>
+                                  </p:stCondLst>
+                                  <p:childTnLst>
+                                    <p:set>
+                                      <p:cBhvr>
+                                        <p:cTn id="20" dur="1" fill="hold">
+                                          <p:stCondLst>
+                                            <p:cond delay="0"/>
+                                          </p:stCondLst>
+                                        </p:cTn>
+                                        <p:tgtEl>
+                                          <p:spTgt spid="14"/>
+                                        </p:tgtEl>
+                                        <p:attrNameLst>
+                                          <p:attrName>style.visibility</p:attrName>
+                                        </p:attrNameLst>
+                                      </p:cBhvr>
+                                      <p:to>
+                                        <p:strVal val="visible"/>
+                                      </p:to>
+                                    </p:set>
+                                    <p:animEffect transition="in" filter="fade">
+                                      <p:cBhvr>
+                                        <p:cTn id="21" dur="1000"/>
+                                        <p:tgtEl>
+                                          <p:spTgt spid="14"/>
+                                        </p:tgtEl>
+                                      </p:cBhvr>
+                                    </p:animEffect>
+                                    <p:anim calcmode="lin" valueType="num">
+                                      <p:cBhvr>
+                                        <p:cTn id="22" dur="1000" fill="hold"/>
+                                        <p:tgtEl>
+                                          <p:spTgt spid="14"/>
+                                        </p:tgtEl>
+                                        <p:attrNameLst>
+                                          <p:attrName>ppt_x</p:attrName>
+                                        </p:attrNameLst>
+                                      </p:cBhvr>
+                                      <p:tavLst>
+                                        <p:tav tm="0">
+                                          <p:val>
+                                            <p:strVal val="#ppt_x"/>
+                                          </p:val>
+                                        </p:tav>
+                                        <p:tav tm="100000">
+                                          <p:val>
+                                            <p:strVal val="#ppt_x"/>
+                                          </p:val>
+                                        </p:tav>
+                                      </p:tavLst>
+                                    </p:anim>
+                                    <p:anim calcmode="lin" valueType="num">
+                                      <p:cBhvr>
+                                        <p:cTn id="23" dur="1000" fill="hold"/>
+                                        <p:tgtEl>
+                                          <p:spTgt spid="14"/>
+                                        </p:tgtEl>
+                                        <p:attrNameLst>
+                                          <p:attrName>ppt_y</p:attrName>
+                                        </p:attrNameLst>
+                                      </p:cBhvr>
+                                      <p:tavLst>
+                                        <p:tav tm="0">
+                                          <p:val>
+                                            <p:strVal val="#ppt_y+.1"/>
+                                          </p:val>
+                                        </p:tav>
+                                        <p:tav tm="100000">
+                                          <p:val>
+                                            <p:strVal val="#ppt_y"/>
+                                          </p:val>
+                                        </p:tav>
+                                      </p:tavLst>
+                                    </p:anim>
+                                  </p:childTnLst>
+                                </p:cTn>
+                              </p:par>
+                            </p:childTnLst>
+                          </p:cTn>
+                        </p:par>
+                      </p:childTnLst>
+                    </p:cTn>
+                  </p:par>
+                  <p:par>
+                    <p:cTn id="24" fill="hold">
+                      <p:stCondLst>
+                        <p:cond delay="indefinite"/>
+                      </p:stCondLst>
+                      <p:childTnLst>
+                        <p:par>
+                          <p:cTn id="25" fill="hold">
+                            <p:stCondLst>
+                              <p:cond delay="0"/>
+                            </p:stCondLst>
+                            <p:childTnLst>
+                              <p:par>
+                                <p:cTn id="26" presetID="14" presetClass="entr" presetSubtype="10" fill="hold" nodeType="clickEffect">
+                                  <p:stCondLst>
+                                    <p:cond delay="0"/>
+                                  </p:stCondLst>
+                                  <p:childTnLst>
+                                    <p:set>
+                                      <p:cBhvr>
+                                        <p:cTn id="27" dur="1" fill="hold">
+                                          <p:stCondLst>
+                                            <p:cond delay="0"/>
+                                          </p:stCondLst>
+                                        </p:cTn>
+                                        <p:tgtEl>
+                                          <p:spTgt spid="10"/>
+                                        </p:tgtEl>
+                                        <p:attrNameLst>
+                                          <p:attrName>style.visibility</p:attrName>
+                                        </p:attrNameLst>
+                                      </p:cBhvr>
+                                      <p:to>
+                                        <p:strVal val="visible"/>
+                                      </p:to>
+                                    </p:set>
+                                    <p:animEffect transition="in" filter="randombar(horizontal)">
+                                      <p:cBhvr>
+                                        <p:cTn id="28" dur="500"/>
+                                        <p:tgtEl>
+                                          <p:spTgt spid="10"/>
+                                        </p:tgtEl>
+                                      </p:cBhvr>
+                                    </p:animEffect>
+                                  </p:childTnLst>
+                                </p:cTn>
+                              </p:par>
+                              <p:par>
+                                <p:cTn id="29" presetID="14" presetClass="entr" presetSubtype="10" fill="hold" grpId="0" nodeType="withEffect">
+                                  <p:stCondLst>
+                                    <p:cond delay="0"/>
+                                  </p:stCondLst>
+                                  <p:childTnLst>
+                                    <p:set>
+                                      <p:cBhvr>
+                                        <p:cTn id="30" dur="1" fill="hold">
+                                          <p:stCondLst>
+                                            <p:cond delay="0"/>
+                                          </p:stCondLst>
+                                        </p:cTn>
+                                        <p:tgtEl>
+                                          <p:spTgt spid="15"/>
+                                        </p:tgtEl>
+                                        <p:attrNameLst>
+                                          <p:attrName>style.visibility</p:attrName>
+                                        </p:attrNameLst>
+                                      </p:cBhvr>
+                                      <p:to>
+                                        <p:strVal val="visible"/>
+                                      </p:to>
+                                    </p:set>
+                                    <p:animEffect transition="in" filter="randombar(horizontal)">
+                                      <p:cBhvr>
+                                        <p:cTn id="31" dur="500"/>
+                                        <p:tgtEl>
+                                          <p:spTgt spid="15"/>
+                                        </p:tgtEl>
+                                      </p:cBhvr>
+                                    </p:animEffect>
+                                  </p:childTnLst>
+                                </p:cTn>
+                              </p:par>
+                            </p:childTnLst>
+                          </p:cTn>
+                        </p:par>
+                      </p:childTnLst>
+                    </p:cTn>
+                  </p:par>
+                </p:childTnLst>
+              </p:cTn>
+              <p:prevCondLst>
+                <p:cond evt="onPrev" delay="0">
+                  <p:tgtEl>
+                    <p:sldTgt/>
+                  </p:tgtEl>
+                </p:cond>
+              </p:prevCondLst>
+              <p:nextCondLst>
+                <p:cond evt="onNext" delay="0">
+                  <p:tgtEl>
+                    <p:sldTgt/>
+                  </p:tgtEl>
+                </p:cond>
+              </p:nextCondLst>
+            </p:seq>
+          </p:childTnLst>
+        </p:cTn>
+      </p:par>
+    </p:tnLst>
+    <p:bldLst>
+      <p:bldP spid="11" grpId="0" animBg="1"/>
+      <p:bldP spid="13" grpId="0" animBg="1"/>
+      <p:bldP spid="14" grpId="0" animBg="1"/>
+      <p:bldP spid="15" grpId="0" animBg="1"/>
+    </p:bldLst>
+  </p:timing>
+</p:sld>
+</file>
+
+<file path=ppt/slides/slide47.xml><?xml version="1.0" encoding="utf-8"?>
+<p:sld xmlns:a="http://schemas.openxmlformats.org/drawingml/2006/main" xmlns:r="http://schemas.openxmlformats.org/officeDocument/2006/relationships" xmlns:p="http://schemas.openxmlformats.org/presentationml/2006/main">
+  <p:cSld>
+    <p:spTree>
+      <p:nvGrpSpPr>
+        <p:cNvPr id="1" name=""/>
+        <p:cNvGrpSpPr/>
+        <p:nvPr/>
+      </p:nvGrpSpPr>
+      <p:grpSpPr>
+        <a:xfrm>
+          <a:off x="0" y="0"/>
+          <a:ext cx="0" cy="0"/>
+          <a:chOff x="0" y="0"/>
+          <a:chExt cx="0" cy="0"/>
+        </a:xfrm>
+      </p:grpSpPr>
+      <p:sp>
+        <p:nvSpPr>
+          <p:cNvPr id="17" name="内容占位符 2"/>
+          <p:cNvSpPr>
+            <a:spLocks noGrp="1"/>
+          </p:cNvSpPr>
+          <p:nvPr>
+            <p:ph idx="1"/>
+          </p:nvPr>
+        </p:nvSpPr>
+        <p:spPr>
+          <a:xfrm>
+            <a:off x="1103312" y="2052918"/>
+            <a:ext cx="8946541" cy="4195481"/>
+          </a:xfrm>
+        </p:spPr>
+        <p:txBody>
+          <a:bodyPr/>
+          <a:lstStyle/>
+          <a:p>
+            <a:pPr marL="0" indent="0">
+              <a:buNone/>
+            </a:pPr>
+            <a:r>
+              <a:rPr lang="en-GB" altLang="zh-CN" dirty="0" smtClean="0"/>
+              <a:t>XSQL</a:t>
+            </a:r>
+            <a:r>
+              <a:rPr lang="zh-CN" altLang="en-US" dirty="0" smtClean="0"/>
+              <a:t>引用了</a:t>
+            </a:r>
+            <a:r>
+              <a:rPr lang="en-GB" altLang="zh-CN" dirty="0" smtClean="0"/>
+              <a:t>Drools</a:t>
+            </a:r>
+            <a:r>
+              <a:rPr lang="zh-CN" altLang="en-US" dirty="0"/>
+              <a:t>规则引擎，将业务</a:t>
+            </a:r>
+            <a:r>
+              <a:rPr lang="zh-CN" altLang="en-US" b="1" dirty="0">
+                <a:solidFill>
+                  <a:srgbClr val="FFFF00"/>
+                </a:solidFill>
+              </a:rPr>
+              <a:t>决策从应用程序中分离</a:t>
+            </a:r>
+            <a:r>
+              <a:rPr lang="zh-CN" altLang="en-US" dirty="0" smtClean="0"/>
+              <a:t>出来。</a:t>
+            </a:r>
+            <a:endParaRPr lang="en-GB" altLang="zh-CN" dirty="0" smtClean="0"/>
+          </a:p>
+          <a:p>
+            <a:pPr marL="0" indent="0">
+              <a:buNone/>
+            </a:pPr>
+            <a:endParaRPr lang="en-GB" altLang="zh-CN" dirty="0" smtClean="0"/>
+          </a:p>
+          <a:p>
+            <a:pPr marL="0" indent="0">
+              <a:buNone/>
+            </a:pPr>
+            <a:r>
+              <a:rPr lang="en-GB" altLang="zh-CN" dirty="0" smtClean="0"/>
+              <a:t>Drools</a:t>
+            </a:r>
+            <a:r>
+              <a:rPr lang="zh-CN" altLang="en-US" dirty="0" smtClean="0"/>
+              <a:t>是</a:t>
+            </a:r>
+            <a:r>
+              <a:rPr lang="zh-CN" altLang="en-US" dirty="0"/>
+              <a:t>用 </a:t>
+            </a:r>
+            <a:r>
+              <a:rPr lang="en-US" altLang="zh-CN" dirty="0"/>
+              <a:t>Java </a:t>
+            </a:r>
+            <a:r>
+              <a:rPr lang="zh-CN" altLang="en-US" dirty="0"/>
+              <a:t>语言编写的开放源码规则</a:t>
+            </a:r>
+            <a:r>
+              <a:rPr lang="zh-CN" altLang="en-US" dirty="0" smtClean="0"/>
+              <a:t>引擎。</a:t>
+            </a:r>
+            <a:endParaRPr lang="en-US" altLang="zh-CN" dirty="0" smtClean="0"/>
+          </a:p>
+          <a:p>
+            <a:pPr marL="0" indent="0">
+              <a:buNone/>
+            </a:pPr>
+            <a:endParaRPr lang="en-US" altLang="zh-CN" dirty="0" smtClean="0"/>
+          </a:p>
+          <a:p>
+            <a:pPr marL="0" indent="0">
+              <a:buNone/>
+            </a:pPr>
+            <a:r>
+              <a:rPr lang="en-US" altLang="zh-CN" dirty="0" smtClean="0"/>
+              <a:t>Drools</a:t>
+            </a:r>
+            <a:r>
+              <a:rPr lang="zh-CN" altLang="en-US" dirty="0" smtClean="0"/>
+              <a:t>允许</a:t>
+            </a:r>
+            <a:r>
+              <a:rPr lang="zh-CN" altLang="en-US" dirty="0"/>
+              <a:t>使用声明方式表达业务逻辑。可以使用非 </a:t>
+            </a:r>
+            <a:r>
+              <a:rPr lang="en-US" altLang="zh-CN" dirty="0"/>
+              <a:t>XML </a:t>
+            </a:r>
+            <a:r>
+              <a:rPr lang="zh-CN" altLang="en-US" dirty="0"/>
+              <a:t>的本地语言编写规则，从而便于学习和理解</a:t>
+            </a:r>
+            <a:r>
+              <a:rPr lang="zh-CN" altLang="en-US" dirty="0" smtClean="0"/>
+              <a:t>。</a:t>
+            </a:r>
+            <a:endParaRPr lang="en-US" altLang="zh-CN" dirty="0" smtClean="0"/>
+          </a:p>
+          <a:p>
+            <a:pPr marL="0" indent="0">
+              <a:buNone/>
+            </a:pPr>
+            <a:endParaRPr lang="en-US" altLang="zh-CN" dirty="0"/>
+          </a:p>
+          <a:p>
+            <a:pPr marL="0" indent="0">
+              <a:buNone/>
+            </a:pPr>
+            <a:r>
+              <a:rPr lang="zh-CN" altLang="en-US" dirty="0" smtClean="0"/>
+              <a:t>并且</a:t>
+            </a:r>
+            <a:r>
+              <a:rPr lang="zh-CN" altLang="en-US" dirty="0"/>
+              <a:t>，还可以将 </a:t>
+            </a:r>
+            <a:r>
+              <a:rPr lang="en-US" altLang="zh-CN" dirty="0"/>
+              <a:t>Java </a:t>
+            </a:r>
+            <a:r>
+              <a:rPr lang="zh-CN" altLang="en-US" dirty="0"/>
+              <a:t>代码直接嵌入到规则文件中，这令 </a:t>
+            </a:r>
+            <a:r>
+              <a:rPr lang="en-US" altLang="zh-CN" dirty="0"/>
+              <a:t>Drools </a:t>
+            </a:r>
+            <a:r>
+              <a:rPr lang="zh-CN" altLang="en-US" dirty="0"/>
+              <a:t>的学习更加吸引人。</a:t>
+            </a:r>
+          </a:p>
+        </p:txBody>
+      </p:sp>
+      <p:sp>
+        <p:nvSpPr>
+          <p:cNvPr id="2" name="标题 1"/>
+          <p:cNvSpPr>
+            <a:spLocks noGrp="1"/>
+          </p:cNvSpPr>
+          <p:nvPr>
+            <p:ph type="title"/>
+          </p:nvPr>
+        </p:nvSpPr>
+        <p:spPr/>
+        <p:txBody>
+          <a:bodyPr/>
+          <a:lstStyle/>
+          <a:p>
+            <a:r>
+              <a:rPr lang="en-GB" altLang="zh-CN" sz="4400" dirty="0" err="1" smtClean="0"/>
+              <a:t>XRule</a:t>
+            </a:r>
+            <a:r>
+              <a:rPr lang="en-GB" altLang="zh-CN" sz="4400" dirty="0" smtClean="0"/>
+              <a:t> </a:t>
+            </a:r>
+            <a:r>
+              <a:rPr lang="zh-CN" altLang="en-US" sz="4400" dirty="0" smtClean="0"/>
+              <a:t>规则引擎</a:t>
+            </a:r>
+            <a:r>
+              <a:rPr lang="en-GB" altLang="zh-CN" sz="4400" dirty="0"/>
+              <a:t/>
+            </a:r>
+            <a:br>
+              <a:rPr lang="en-GB" altLang="zh-CN" sz="4400" dirty="0"/>
+            </a:br>
+            <a:r>
+              <a:rPr lang="en-US" altLang="zh-CN" sz="2000" cap="all" dirty="0">
+                <a:solidFill>
+                  <a:schemeClr val="accent1"/>
+                </a:solidFill>
+              </a:rPr>
+              <a:t>XSQL</a:t>
+            </a:r>
+            <a:r>
+              <a:rPr lang="zh-CN" altLang="en-US" sz="2000" cap="all" dirty="0" smtClean="0">
+                <a:solidFill>
+                  <a:schemeClr val="accent1"/>
+                </a:solidFill>
+              </a:rPr>
+              <a:t>的高级元素</a:t>
+            </a:r>
+            <a:endParaRPr lang="zh-CN" altLang="en-US" dirty="0"/>
+          </a:p>
+        </p:txBody>
+      </p:sp>
+      <p:grpSp>
+        <p:nvGrpSpPr>
+          <p:cNvPr id="5" name="组合 4"/>
+          <p:cNvGrpSpPr/>
+          <p:nvPr/>
+        </p:nvGrpSpPr>
+        <p:grpSpPr>
+          <a:xfrm>
+            <a:off x="10401652" y="72593"/>
+            <a:ext cx="763351" cy="1071782"/>
+            <a:chOff x="10401652" y="72593"/>
+            <a:chExt cx="763351" cy="1071782"/>
+          </a:xfrm>
+        </p:grpSpPr>
+        <p:sp>
+          <p:nvSpPr>
+            <p:cNvPr id="6" name="矩形 5"/>
+            <p:cNvSpPr/>
+            <p:nvPr/>
+          </p:nvSpPr>
+          <p:spPr>
+            <a:xfrm>
+              <a:off x="10401652" y="72593"/>
+              <a:ext cx="763351" cy="461665"/>
+            </a:xfrm>
+            <a:prstGeom prst="rect">
+              <a:avLst/>
+            </a:prstGeom>
+            <a:noFill/>
+          </p:spPr>
+          <p:txBody>
+            <a:bodyPr wrap="none" lIns="91440" tIns="45720" rIns="91440" bIns="45720">
+              <a:spAutoFit/>
+            </a:bodyPr>
+            <a:lstStyle/>
+            <a:p>
+              <a:pPr algn="ctr"/>
+              <a:r>
+                <a:rPr lang="en-GB" altLang="zh-CN" sz="2400" b="1" cap="none" spc="0" dirty="0" smtClean="0">
+                  <a:ln w="12700">
+                    <a:solidFill>
+                      <a:schemeClr val="tx2">
+                        <a:lumMod val="75000"/>
+                      </a:schemeClr>
+                    </a:solidFill>
+                    <a:prstDash val="solid"/>
+                  </a:ln>
+                  <a:pattFill prst="dkUpDiag">
+                    <a:fgClr>
+                      <a:schemeClr val="tx2"/>
+                    </a:fgClr>
+                    <a:bgClr>
+                      <a:schemeClr val="tx2">
+                        <a:lumMod val="20000"/>
+                        <a:lumOff val="80000"/>
+                      </a:schemeClr>
+                    </a:bgClr>
+                  </a:pattFill>
+                  <a:effectLst>
+                    <a:outerShdw dist="38100" dir="2640000" algn="bl" rotWithShape="0">
+                      <a:schemeClr val="tx2">
+                        <a:lumMod val="75000"/>
+                      </a:schemeClr>
+                    </a:outerShdw>
+                  </a:effectLst>
+                  <a:latin typeface="Segoe UI Black" panose="020B0A02040204020203" pitchFamily="34" charset="0"/>
+                  <a:ea typeface="Segoe UI Black" panose="020B0A02040204020203" pitchFamily="34" charset="0"/>
+                  <a:cs typeface="Segoe UI Black" panose="020B0A02040204020203" pitchFamily="34" charset="0"/>
+                </a:rPr>
+                <a:t>SQL</a:t>
+              </a:r>
+            </a:p>
+          </p:txBody>
+        </p:sp>
+        <p:sp>
+          <p:nvSpPr>
+            <p:cNvPr id="7" name="矩形 6"/>
+            <p:cNvSpPr/>
+            <p:nvPr/>
+          </p:nvSpPr>
+          <p:spPr>
+            <a:xfrm>
+              <a:off x="10439901" y="221045"/>
+              <a:ext cx="670376" cy="923330"/>
+            </a:xfrm>
+            <a:prstGeom prst="rect">
+              <a:avLst/>
+            </a:prstGeom>
+          </p:spPr>
+          <p:txBody>
+            <a:bodyPr wrap="none">
+              <a:spAutoFit/>
+            </a:bodyPr>
+            <a:lstStyle/>
+            <a:p>
+              <a:pPr algn="ctr"/>
+              <a:r>
+                <a:rPr lang="en-GB" altLang="zh-CN" sz="5400" dirty="0">
+                  <a:ln w="12700">
+                    <a:solidFill>
+                      <a:schemeClr val="tx2">
+                        <a:lumMod val="75000"/>
+                      </a:schemeClr>
+                    </a:solidFill>
+                    <a:prstDash val="solid"/>
+                  </a:ln>
+                  <a:pattFill prst="dkUpDiag">
+                    <a:fgClr>
+                      <a:schemeClr val="tx2"/>
+                    </a:fgClr>
+                    <a:bgClr>
+                      <a:schemeClr val="tx2">
+                        <a:lumMod val="20000"/>
+                        <a:lumOff val="80000"/>
+                      </a:schemeClr>
+                    </a:bgClr>
+                  </a:pattFill>
+                  <a:effectLst>
+                    <a:outerShdw dist="38100" dir="2640000" algn="bl" rotWithShape="0">
+                      <a:schemeClr val="tx2">
+                        <a:lumMod val="75000"/>
+                      </a:schemeClr>
+                    </a:outerShdw>
+                  </a:effectLst>
+                  <a:latin typeface="Segoe UI Black" panose="020B0A02040204020203" pitchFamily="34" charset="0"/>
+                  <a:ea typeface="Segoe UI Black" panose="020B0A02040204020203" pitchFamily="34" charset="0"/>
+                  <a:cs typeface="Segoe UI Black" panose="020B0A02040204020203" pitchFamily="34" charset="0"/>
+                </a:rPr>
+                <a:t>X</a:t>
+              </a:r>
+              <a:endParaRPr lang="zh-CN" altLang="en-US" sz="5400" dirty="0">
+                <a:ln w="12700">
+                  <a:solidFill>
+                    <a:schemeClr val="tx2">
+                      <a:lumMod val="75000"/>
+                    </a:schemeClr>
+                  </a:solidFill>
+                  <a:prstDash val="solid"/>
+                </a:ln>
+                <a:pattFill prst="dkUpDiag">
+                  <a:fgClr>
+                    <a:schemeClr val="tx2"/>
+                  </a:fgClr>
+                  <a:bgClr>
+                    <a:schemeClr val="tx2">
+                      <a:lumMod val="20000"/>
+                      <a:lumOff val="80000"/>
+                    </a:schemeClr>
+                  </a:bgClr>
+                </a:pattFill>
+                <a:effectLst>
+                  <a:outerShdw dist="38100" dir="2640000" algn="bl" rotWithShape="0">
+                    <a:schemeClr val="tx2">
+                      <a:lumMod val="75000"/>
+                    </a:schemeClr>
+                  </a:outerShdw>
+                </a:effectLst>
+                <a:latin typeface="Segoe UI Black" panose="020B0A02040204020203" pitchFamily="34" charset="0"/>
+                <a:ea typeface="华文行楷" panose="02010800040101010101" pitchFamily="2" charset="-122"/>
+                <a:cs typeface="Segoe UI Black" panose="020B0A02040204020203" pitchFamily="34" charset="0"/>
+              </a:endParaRPr>
+            </a:p>
+          </p:txBody>
+        </p:sp>
+      </p:grpSp>
+      <p:grpSp>
+        <p:nvGrpSpPr>
+          <p:cNvPr id="9" name="组合 8"/>
+          <p:cNvGrpSpPr/>
+          <p:nvPr/>
+        </p:nvGrpSpPr>
+        <p:grpSpPr>
+          <a:xfrm>
+            <a:off x="8929038" y="2195793"/>
+            <a:ext cx="2521540" cy="1123951"/>
+            <a:chOff x="1970935" y="4714874"/>
+            <a:chExt cx="1944578" cy="866776"/>
+          </a:xfrm>
+        </p:grpSpPr>
+        <p:sp>
+          <p:nvSpPr>
+            <p:cNvPr id="8" name="圆角矩形 7"/>
+            <p:cNvSpPr/>
+            <p:nvPr/>
+          </p:nvSpPr>
+          <p:spPr>
+            <a:xfrm>
+              <a:off x="1970935" y="4714874"/>
+              <a:ext cx="1944578" cy="866776"/>
+            </a:xfrm>
+            <a:prstGeom prst="roundRect">
+              <a:avLst/>
+            </a:prstGeom>
+            <a:solidFill>
+              <a:schemeClr val="tx1"/>
+            </a:solidFill>
+            <a:ln>
+              <a:solidFill>
+                <a:schemeClr val="tx1"/>
+              </a:solidFill>
+            </a:ln>
+          </p:spPr>
+          <p:style>
+            <a:lnRef idx="2">
+              <a:schemeClr val="accent1">
+                <a:shade val="50000"/>
+              </a:schemeClr>
+            </a:lnRef>
+            <a:fillRef idx="1">
+              <a:schemeClr val="accent1"/>
+            </a:fillRef>
+            <a:effectRef idx="0">
+              <a:schemeClr val="accent1"/>
+            </a:effectRef>
+            <a:fontRef idx="minor">
+              <a:schemeClr val="lt1"/>
+            </a:fontRef>
+          </p:style>
+          <p:txBody>
+            <a:bodyPr rtlCol="0" anchor="ctr"/>
+            <a:lstStyle/>
+            <a:p>
+              <a:pPr algn="ctr"/>
+              <a:endParaRPr lang="zh-CN" altLang="en-US"/>
+            </a:p>
+          </p:txBody>
+        </p:sp>
+        <p:pic>
+          <p:nvPicPr>
+            <p:cNvPr id="3" name="图片 2"/>
+            <p:cNvPicPr>
+              <a:picLocks noChangeAspect="1"/>
+            </p:cNvPicPr>
+            <p:nvPr/>
+          </p:nvPicPr>
+          <p:blipFill>
+            <a:blip r:embed="rId3">
+              <a:extLst>
+                <a:ext uri="{28A0092B-C50C-407E-A947-70E740481C1C}">
+                  <a14:useLocalDpi xmlns:a14="http://schemas.microsoft.com/office/drawing/2010/main" val="0"/>
+                </a:ext>
+              </a:extLst>
+            </a:blip>
+            <a:stretch>
+              <a:fillRect/>
+            </a:stretch>
+          </p:blipFill>
+          <p:spPr>
+            <a:xfrm>
+              <a:off x="2060685" y="4938738"/>
+              <a:ext cx="1765079" cy="419048"/>
+            </a:xfrm>
+            <a:prstGeom prst="rect">
+              <a:avLst/>
+            </a:prstGeom>
+          </p:spPr>
+        </p:pic>
+      </p:grpSp>
+    </p:spTree>
+    <p:extLst>
+      <p:ext uri="{BB962C8B-B14F-4D97-AF65-F5344CB8AC3E}">
+        <p14:creationId xmlns:p14="http://schemas.microsoft.com/office/powerpoint/2010/main" val="2186224805"/>
+      </p:ext>
+    </p:extLst>
+  </p:cSld>
+  <p:clrMapOvr>
+    <a:masterClrMapping/>
+  </p:clrMapOvr>
+  <p:timing>
+    <p:tnLst>
+      <p:par>
+        <p:cTn id="1" dur="indefinite" restart="never" nodeType="tmRoot"/>
+      </p:par>
+    </p:tnLst>
+  </p:timing>
+</p:sld>
+</file>
+
+<file path=ppt/slides/slide48.xml><?xml version="1.0" encoding="utf-8"?>
+<p:sld xmlns:a="http://schemas.openxmlformats.org/drawingml/2006/main" xmlns:r="http://schemas.openxmlformats.org/officeDocument/2006/relationships" xmlns:p="http://schemas.openxmlformats.org/presentationml/2006/main">
+  <p:cSld>
+    <p:spTree>
+      <p:nvGrpSpPr>
+        <p:cNvPr id="1" name=""/>
+        <p:cNvGrpSpPr/>
+        <p:nvPr/>
+      </p:nvGrpSpPr>
+      <p:grpSpPr>
+        <a:xfrm>
+          <a:off x="0" y="0"/>
+          <a:ext cx="0" cy="0"/>
+          <a:chOff x="0" y="0"/>
+          <a:chExt cx="0" cy="0"/>
+        </a:xfrm>
+      </p:grpSpPr>
+      <p:sp>
+        <p:nvSpPr>
+          <p:cNvPr id="2" name="标题 1"/>
+          <p:cNvSpPr>
+            <a:spLocks noGrp="1"/>
+          </p:cNvSpPr>
+          <p:nvPr>
+            <p:ph type="title"/>
+          </p:nvPr>
+        </p:nvSpPr>
+        <p:spPr/>
+        <p:txBody>
+          <a:bodyPr/>
+          <a:lstStyle/>
+          <a:p>
+            <a:r>
+              <a:rPr lang="en-GB" altLang="zh-CN" sz="4400" dirty="0" err="1" smtClean="0"/>
+              <a:t>XRule</a:t>
+            </a:r>
+            <a:r>
+              <a:rPr lang="en-GB" altLang="zh-CN" sz="4400" dirty="0" smtClean="0"/>
+              <a:t> </a:t>
+            </a:r>
+            <a:r>
+              <a:rPr lang="zh-CN" altLang="en-US" sz="4400" dirty="0" smtClean="0"/>
+              <a:t>规则引擎</a:t>
+            </a:r>
+            <a:r>
+              <a:rPr lang="en-GB" altLang="zh-CN" sz="4400" dirty="0"/>
+              <a:t/>
+            </a:r>
+            <a:br>
+              <a:rPr lang="en-GB" altLang="zh-CN" sz="4400" dirty="0"/>
+            </a:br>
+            <a:r>
+              <a:rPr lang="en-US" altLang="zh-CN" sz="2000" cap="all" dirty="0">
+                <a:solidFill>
+                  <a:schemeClr val="accent1"/>
+                </a:solidFill>
+              </a:rPr>
+              <a:t>XSQL</a:t>
+            </a:r>
+            <a:r>
+              <a:rPr lang="zh-CN" altLang="en-US" sz="2000" cap="all" dirty="0" smtClean="0">
+                <a:solidFill>
+                  <a:schemeClr val="accent1"/>
+                </a:solidFill>
+              </a:rPr>
+              <a:t>的高级元素</a:t>
+            </a:r>
+            <a:endParaRPr lang="zh-CN" altLang="en-US" dirty="0"/>
+          </a:p>
+        </p:txBody>
+      </p:sp>
+      <p:grpSp>
+        <p:nvGrpSpPr>
+          <p:cNvPr id="5" name="组合 4"/>
+          <p:cNvGrpSpPr/>
+          <p:nvPr/>
+        </p:nvGrpSpPr>
+        <p:grpSpPr>
+          <a:xfrm>
+            <a:off x="10401652" y="72593"/>
+            <a:ext cx="763351" cy="1071782"/>
+            <a:chOff x="10401652" y="72593"/>
+            <a:chExt cx="763351" cy="1071782"/>
+          </a:xfrm>
+        </p:grpSpPr>
+        <p:sp>
+          <p:nvSpPr>
+            <p:cNvPr id="6" name="矩形 5"/>
+            <p:cNvSpPr/>
+            <p:nvPr/>
+          </p:nvSpPr>
+          <p:spPr>
+            <a:xfrm>
+              <a:off x="10401652" y="72593"/>
+              <a:ext cx="763351" cy="461665"/>
+            </a:xfrm>
+            <a:prstGeom prst="rect">
+              <a:avLst/>
+            </a:prstGeom>
+            <a:noFill/>
+          </p:spPr>
+          <p:txBody>
+            <a:bodyPr wrap="none" lIns="91440" tIns="45720" rIns="91440" bIns="45720">
+              <a:spAutoFit/>
+            </a:bodyPr>
+            <a:lstStyle/>
+            <a:p>
+              <a:pPr algn="ctr"/>
+              <a:r>
+                <a:rPr lang="en-GB" altLang="zh-CN" sz="2400" b="1" cap="none" spc="0" dirty="0" smtClean="0">
+                  <a:ln w="12700">
+                    <a:solidFill>
+                      <a:schemeClr val="tx2">
+                        <a:lumMod val="75000"/>
+                      </a:schemeClr>
+                    </a:solidFill>
+                    <a:prstDash val="solid"/>
+                  </a:ln>
+                  <a:pattFill prst="dkUpDiag">
+                    <a:fgClr>
+                      <a:schemeClr val="tx2"/>
+                    </a:fgClr>
+                    <a:bgClr>
+                      <a:schemeClr val="tx2">
+                        <a:lumMod val="20000"/>
+                        <a:lumOff val="80000"/>
+                      </a:schemeClr>
+                    </a:bgClr>
+                  </a:pattFill>
+                  <a:effectLst>
+                    <a:outerShdw dist="38100" dir="2640000" algn="bl" rotWithShape="0">
+                      <a:schemeClr val="tx2">
+                        <a:lumMod val="75000"/>
+                      </a:schemeClr>
+                    </a:outerShdw>
+                  </a:effectLst>
+                  <a:latin typeface="Segoe UI Black" panose="020B0A02040204020203" pitchFamily="34" charset="0"/>
+                  <a:ea typeface="Segoe UI Black" panose="020B0A02040204020203" pitchFamily="34" charset="0"/>
+                  <a:cs typeface="Segoe UI Black" panose="020B0A02040204020203" pitchFamily="34" charset="0"/>
+                </a:rPr>
+                <a:t>SQL</a:t>
+              </a:r>
+            </a:p>
+          </p:txBody>
+        </p:sp>
+        <p:sp>
+          <p:nvSpPr>
+            <p:cNvPr id="7" name="矩形 6"/>
+            <p:cNvSpPr/>
+            <p:nvPr/>
+          </p:nvSpPr>
+          <p:spPr>
+            <a:xfrm>
+              <a:off x="10439901" y="221045"/>
+              <a:ext cx="670376" cy="923330"/>
+            </a:xfrm>
+            <a:prstGeom prst="rect">
+              <a:avLst/>
+            </a:prstGeom>
+          </p:spPr>
+          <p:txBody>
+            <a:bodyPr wrap="none">
+              <a:spAutoFit/>
+            </a:bodyPr>
+            <a:lstStyle/>
+            <a:p>
+              <a:pPr algn="ctr"/>
+              <a:r>
+                <a:rPr lang="en-GB" altLang="zh-CN" sz="5400" dirty="0">
+                  <a:ln w="12700">
+                    <a:solidFill>
+                      <a:schemeClr val="tx2">
+                        <a:lumMod val="75000"/>
+                      </a:schemeClr>
+                    </a:solidFill>
+                    <a:prstDash val="solid"/>
+                  </a:ln>
+                  <a:pattFill prst="dkUpDiag">
+                    <a:fgClr>
+                      <a:schemeClr val="tx2"/>
+                    </a:fgClr>
+                    <a:bgClr>
+                      <a:schemeClr val="tx2">
+                        <a:lumMod val="20000"/>
+                        <a:lumOff val="80000"/>
+                      </a:schemeClr>
+                    </a:bgClr>
+                  </a:pattFill>
+                  <a:effectLst>
+                    <a:outerShdw dist="38100" dir="2640000" algn="bl" rotWithShape="0">
+                      <a:schemeClr val="tx2">
+                        <a:lumMod val="75000"/>
+                      </a:schemeClr>
+                    </a:outerShdw>
+                  </a:effectLst>
+                  <a:latin typeface="Segoe UI Black" panose="020B0A02040204020203" pitchFamily="34" charset="0"/>
+                  <a:ea typeface="Segoe UI Black" panose="020B0A02040204020203" pitchFamily="34" charset="0"/>
+                  <a:cs typeface="Segoe UI Black" panose="020B0A02040204020203" pitchFamily="34" charset="0"/>
+                </a:rPr>
+                <a:t>X</a:t>
+              </a:r>
+              <a:endParaRPr lang="zh-CN" altLang="en-US" sz="5400" dirty="0">
+                <a:ln w="12700">
+                  <a:solidFill>
+                    <a:schemeClr val="tx2">
+                      <a:lumMod val="75000"/>
+                    </a:schemeClr>
+                  </a:solidFill>
+                  <a:prstDash val="solid"/>
+                </a:ln>
+                <a:pattFill prst="dkUpDiag">
+                  <a:fgClr>
+                    <a:schemeClr val="tx2"/>
+                  </a:fgClr>
+                  <a:bgClr>
+                    <a:schemeClr val="tx2">
+                      <a:lumMod val="20000"/>
+                      <a:lumOff val="80000"/>
+                    </a:schemeClr>
+                  </a:bgClr>
+                </a:pattFill>
+                <a:effectLst>
+                  <a:outerShdw dist="38100" dir="2640000" algn="bl" rotWithShape="0">
+                    <a:schemeClr val="tx2">
+                      <a:lumMod val="75000"/>
+                    </a:schemeClr>
+                  </a:outerShdw>
+                </a:effectLst>
+                <a:latin typeface="Segoe UI Black" panose="020B0A02040204020203" pitchFamily="34" charset="0"/>
+                <a:ea typeface="华文行楷" panose="02010800040101010101" pitchFamily="2" charset="-122"/>
+                <a:cs typeface="Segoe UI Black" panose="020B0A02040204020203" pitchFamily="34" charset="0"/>
+              </a:endParaRPr>
+            </a:p>
+          </p:txBody>
+        </p:sp>
+      </p:grpSp>
+      <p:sp>
+        <p:nvSpPr>
+          <p:cNvPr id="15" name="圆角矩形 14"/>
+          <p:cNvSpPr/>
+          <p:nvPr/>
+        </p:nvSpPr>
+        <p:spPr>
+          <a:xfrm>
+            <a:off x="4973295" y="3522843"/>
+            <a:ext cx="1665629" cy="683741"/>
+          </a:xfrm>
+          <a:prstGeom prst="roundRect">
+            <a:avLst/>
+          </a:prstGeom>
+        </p:spPr>
+        <p:style>
+          <a:lnRef idx="0">
+            <a:schemeClr val="accent4"/>
+          </a:lnRef>
+          <a:fillRef idx="3">
+            <a:schemeClr val="accent4"/>
+          </a:fillRef>
+          <a:effectRef idx="3">
+            <a:schemeClr val="accent4"/>
+          </a:effectRef>
+          <a:fontRef idx="minor">
+            <a:schemeClr val="lt1"/>
+          </a:fontRef>
+        </p:style>
+        <p:txBody>
+          <a:bodyPr rtlCol="0" anchor="ctr"/>
+          <a:lstStyle/>
+          <a:p>
+            <a:pPr algn="ctr"/>
+            <a:r>
+              <a:rPr lang="en-GB" altLang="zh-CN" sz="1400" dirty="0" err="1"/>
+              <a:t>BeforeRule</a:t>
+            </a:r>
+            <a:endParaRPr lang="en-GB" altLang="zh-CN" sz="1400" dirty="0"/>
+          </a:p>
+          <a:p>
+            <a:pPr algn="ctr"/>
+            <a:r>
+              <a:rPr lang="zh-CN" altLang="en-US" sz="1400" dirty="0"/>
+              <a:t>前置规则引擎</a:t>
+            </a:r>
+          </a:p>
+        </p:txBody>
+      </p:sp>
+      <p:sp>
+        <p:nvSpPr>
+          <p:cNvPr id="16" name="圆角矩形 15"/>
+          <p:cNvSpPr/>
+          <p:nvPr/>
+        </p:nvSpPr>
+        <p:spPr>
+          <a:xfrm>
+            <a:off x="4973295" y="4446634"/>
+            <a:ext cx="1665629" cy="683741"/>
+          </a:xfrm>
+          <a:prstGeom prst="roundRect">
+            <a:avLst/>
+          </a:prstGeom>
+        </p:spPr>
+        <p:style>
+          <a:lnRef idx="0">
+            <a:schemeClr val="accent4"/>
+          </a:lnRef>
+          <a:fillRef idx="3">
+            <a:schemeClr val="accent4"/>
+          </a:fillRef>
+          <a:effectRef idx="3">
+            <a:schemeClr val="accent4"/>
+          </a:effectRef>
+          <a:fontRef idx="minor">
+            <a:schemeClr val="lt1"/>
+          </a:fontRef>
+        </p:style>
+        <p:txBody>
+          <a:bodyPr rtlCol="0" anchor="ctr"/>
+          <a:lstStyle/>
+          <a:p>
+            <a:pPr algn="ctr"/>
+            <a:r>
+              <a:rPr lang="en-GB" altLang="zh-CN" sz="1400" dirty="0" err="1" smtClean="0"/>
+              <a:t>AfterRule</a:t>
+            </a:r>
+            <a:endParaRPr lang="en-GB" altLang="zh-CN" sz="1400" dirty="0" smtClean="0"/>
+          </a:p>
+          <a:p>
+            <a:pPr algn="ctr"/>
+            <a:r>
+              <a:rPr lang="zh-CN" altLang="en-US" sz="1400" dirty="0" smtClean="0">
+                <a:latin typeface="+mn-ea"/>
+              </a:rPr>
+              <a:t>后置规则</a:t>
+            </a:r>
+            <a:r>
+              <a:rPr lang="zh-CN" altLang="en-US" sz="1400" dirty="0">
+                <a:latin typeface="+mn-ea"/>
+              </a:rPr>
+              <a:t>引擎</a:t>
+            </a:r>
+          </a:p>
+        </p:txBody>
+      </p:sp>
+      <p:sp>
+        <p:nvSpPr>
+          <p:cNvPr id="11" name="六边形 10"/>
+          <p:cNvSpPr/>
+          <p:nvPr/>
+        </p:nvSpPr>
+        <p:spPr>
+          <a:xfrm>
+            <a:off x="5102007" y="2061313"/>
+            <a:ext cx="1408204" cy="700217"/>
+          </a:xfrm>
+          <a:prstGeom prst="hexagon">
+            <a:avLst/>
+          </a:prstGeom>
+        </p:spPr>
+        <p:style>
+          <a:lnRef idx="0">
+            <a:schemeClr val="accent6"/>
+          </a:lnRef>
+          <a:fillRef idx="3">
+            <a:schemeClr val="accent6"/>
+          </a:fillRef>
+          <a:effectRef idx="3">
+            <a:schemeClr val="accent6"/>
+          </a:effectRef>
+          <a:fontRef idx="minor">
+            <a:schemeClr val="lt1"/>
+          </a:fontRef>
+        </p:style>
+        <p:txBody>
+          <a:bodyPr rtlCol="0" anchor="ctr"/>
+          <a:lstStyle/>
+          <a:p>
+            <a:pPr algn="ctr"/>
+            <a:r>
+              <a:rPr lang="en-GB" altLang="zh-CN" dirty="0" smtClean="0"/>
+              <a:t>value</a:t>
+            </a:r>
+          </a:p>
+        </p:txBody>
+      </p:sp>
+      <p:sp>
+        <p:nvSpPr>
+          <p:cNvPr id="12" name="六边形 11"/>
+          <p:cNvSpPr/>
+          <p:nvPr/>
+        </p:nvSpPr>
+        <p:spPr>
+          <a:xfrm>
+            <a:off x="7368958" y="4446634"/>
+            <a:ext cx="1408204" cy="700217"/>
+          </a:xfrm>
+          <a:prstGeom prst="hexagon">
+            <a:avLst/>
+          </a:prstGeom>
+        </p:spPr>
+        <p:style>
+          <a:lnRef idx="0">
+            <a:schemeClr val="accent6"/>
+          </a:lnRef>
+          <a:fillRef idx="3">
+            <a:schemeClr val="accent6"/>
+          </a:fillRef>
+          <a:effectRef idx="3">
+            <a:schemeClr val="accent6"/>
+          </a:effectRef>
+          <a:fontRef idx="minor">
+            <a:schemeClr val="lt1"/>
+          </a:fontRef>
+        </p:style>
+        <p:txBody>
+          <a:bodyPr rtlCol="0" anchor="ctr"/>
+          <a:lstStyle/>
+          <a:p>
+            <a:pPr algn="ctr"/>
+            <a:r>
+              <a:rPr lang="en-GB" altLang="zh-CN" sz="1400" dirty="0"/>
+              <a:t>comment</a:t>
+            </a:r>
+            <a:endParaRPr lang="en-GB" altLang="zh-CN" sz="1400" dirty="0" smtClean="0"/>
+          </a:p>
+        </p:txBody>
+      </p:sp>
+      <p:sp>
+        <p:nvSpPr>
+          <p:cNvPr id="13" name="六边形 12"/>
+          <p:cNvSpPr/>
+          <p:nvPr/>
+        </p:nvSpPr>
+        <p:spPr>
+          <a:xfrm>
+            <a:off x="2835057" y="2822626"/>
+            <a:ext cx="1408204" cy="700217"/>
+          </a:xfrm>
+          <a:prstGeom prst="hexagon">
+            <a:avLst/>
+          </a:prstGeom>
+        </p:spPr>
+        <p:style>
+          <a:lnRef idx="0">
+            <a:schemeClr val="accent6"/>
+          </a:lnRef>
+          <a:fillRef idx="3">
+            <a:schemeClr val="accent6"/>
+          </a:fillRef>
+          <a:effectRef idx="3">
+            <a:schemeClr val="accent6"/>
+          </a:effectRef>
+          <a:fontRef idx="minor">
+            <a:schemeClr val="lt1"/>
+          </a:fontRef>
+        </p:style>
+        <p:txBody>
+          <a:bodyPr rtlCol="0" anchor="ctr"/>
+          <a:lstStyle/>
+          <a:p>
+            <a:pPr algn="ctr"/>
+            <a:r>
+              <a:rPr lang="en-GB" altLang="zh-CN" dirty="0" smtClean="0"/>
+              <a:t>file</a:t>
+            </a:r>
+            <a:endParaRPr lang="en-GB" altLang="zh-CN" dirty="0" smtClean="0"/>
+          </a:p>
+        </p:txBody>
+      </p:sp>
+      <p:sp>
+        <p:nvSpPr>
+          <p:cNvPr id="14" name="六边形 13"/>
+          <p:cNvSpPr/>
+          <p:nvPr/>
+        </p:nvSpPr>
+        <p:spPr>
+          <a:xfrm>
+            <a:off x="7368958" y="2822626"/>
+            <a:ext cx="1408204" cy="700217"/>
+          </a:xfrm>
+          <a:prstGeom prst="hexagon">
+            <a:avLst/>
+          </a:prstGeom>
+        </p:spPr>
+        <p:style>
+          <a:lnRef idx="0">
+            <a:schemeClr val="accent6"/>
+          </a:lnRef>
+          <a:fillRef idx="3">
+            <a:schemeClr val="accent6"/>
+          </a:fillRef>
+          <a:effectRef idx="3">
+            <a:schemeClr val="accent6"/>
+          </a:effectRef>
+          <a:fontRef idx="minor">
+            <a:schemeClr val="lt1"/>
+          </a:fontRef>
+        </p:style>
+        <p:txBody>
+          <a:bodyPr rtlCol="0" anchor="ctr"/>
+          <a:lstStyle/>
+          <a:p>
+            <a:pPr algn="ctr"/>
+            <a:r>
+              <a:rPr lang="en-GB" altLang="zh-CN" sz="1200" dirty="0" err="1" smtClean="0"/>
+              <a:t>ruleRemote</a:t>
+            </a:r>
+            <a:endParaRPr lang="en-GB" altLang="zh-CN" sz="1200" dirty="0" smtClean="0"/>
+          </a:p>
+        </p:txBody>
+      </p:sp>
+      <p:sp>
+        <p:nvSpPr>
+          <p:cNvPr id="17" name="六边形 16"/>
+          <p:cNvSpPr/>
+          <p:nvPr/>
+        </p:nvSpPr>
+        <p:spPr>
+          <a:xfrm>
+            <a:off x="2835057" y="4446634"/>
+            <a:ext cx="1408204" cy="700217"/>
+          </a:xfrm>
+          <a:prstGeom prst="hexagon">
+            <a:avLst/>
+          </a:prstGeom>
+        </p:spPr>
+        <p:style>
+          <a:lnRef idx="0">
+            <a:schemeClr val="accent6"/>
+          </a:lnRef>
+          <a:fillRef idx="3">
+            <a:schemeClr val="accent6"/>
+          </a:fillRef>
+          <a:effectRef idx="3">
+            <a:schemeClr val="accent6"/>
+          </a:effectRef>
+          <a:fontRef idx="minor">
+            <a:schemeClr val="lt1"/>
+          </a:fontRef>
+        </p:style>
+        <p:txBody>
+          <a:bodyPr rtlCol="0" anchor="ctr"/>
+          <a:lstStyle/>
+          <a:p>
+            <a:pPr algn="ctr"/>
+            <a:r>
+              <a:rPr lang="en-GB" altLang="zh-CN" sz="1200" dirty="0" err="1"/>
+              <a:t>isLazyMode</a:t>
+            </a:r>
+            <a:endParaRPr lang="en-GB" altLang="zh-CN" sz="1200" dirty="0" smtClean="0"/>
+          </a:p>
+        </p:txBody>
+      </p:sp>
+    </p:spTree>
+    <p:extLst>
+      <p:ext uri="{BB962C8B-B14F-4D97-AF65-F5344CB8AC3E}">
+        <p14:creationId xmlns:p14="http://schemas.microsoft.com/office/powerpoint/2010/main" val="4176358390"/>
+      </p:ext>
+    </p:extLst>
+  </p:cSld>
+  <p:clrMapOvr>
+    <a:masterClrMapping/>
+  </p:clrMapOvr>
+  <p:timing>
+    <p:tnLst>
+      <p:par>
+        <p:cTn id="1" dur="indefinite" restart="never" nodeType="tmRoot"/>
+      </p:par>
+    </p:tnLst>
+  </p:timing>
+</p:sld>
+</file>
+
+<file path=ppt/slides/slide49.xml><?xml version="1.0" encoding="utf-8"?>
+<p:sld xmlns:a="http://schemas.openxmlformats.org/drawingml/2006/main" xmlns:r="http://schemas.openxmlformats.org/officeDocument/2006/relationships" xmlns:p="http://schemas.openxmlformats.org/presentationml/2006/main">
+  <p:cSld>
+    <p:spTree>
+      <p:nvGrpSpPr>
+        <p:cNvPr id="1" name=""/>
+        <p:cNvGrpSpPr/>
+        <p:nvPr/>
+      </p:nvGrpSpPr>
+      <p:grpSpPr>
+        <a:xfrm>
+          <a:off x="0" y="0"/>
+          <a:ext cx="0" cy="0"/>
+          <a:chOff x="0" y="0"/>
+          <a:chExt cx="0" cy="0"/>
+        </a:xfrm>
+      </p:grpSpPr>
+      <p:sp>
+        <p:nvSpPr>
+          <p:cNvPr id="2" name="标题 1"/>
+          <p:cNvSpPr>
+            <a:spLocks noGrp="1"/>
+          </p:cNvSpPr>
+          <p:nvPr>
+            <p:ph type="title"/>
+          </p:nvPr>
+        </p:nvSpPr>
+        <p:spPr/>
+        <p:txBody>
+          <a:bodyPr/>
+          <a:lstStyle/>
+          <a:p>
+            <a:r>
+              <a:rPr lang="en-GB" altLang="zh-CN" sz="4400" dirty="0" err="1" smtClean="0"/>
+              <a:t>XRule</a:t>
+            </a:r>
+            <a:r>
+              <a:rPr lang="en-GB" altLang="zh-CN" sz="4400" dirty="0" smtClean="0"/>
+              <a:t> </a:t>
+            </a:r>
+            <a:r>
+              <a:rPr lang="zh-CN" altLang="en-US" sz="4400" dirty="0" smtClean="0"/>
+              <a:t>规则引擎</a:t>
+            </a:r>
+            <a:r>
+              <a:rPr lang="en-GB" altLang="zh-CN" sz="4400" dirty="0"/>
+              <a:t/>
+            </a:r>
+            <a:br>
+              <a:rPr lang="en-GB" altLang="zh-CN" sz="4400" dirty="0"/>
+            </a:br>
+            <a:r>
+              <a:rPr lang="en-US" altLang="zh-CN" sz="2000" cap="all" dirty="0">
+                <a:solidFill>
+                  <a:schemeClr val="accent1"/>
+                </a:solidFill>
+              </a:rPr>
+              <a:t>XSQL</a:t>
+            </a:r>
+            <a:r>
+              <a:rPr lang="zh-CN" altLang="en-US" sz="2000" cap="all" dirty="0" smtClean="0">
+                <a:solidFill>
+                  <a:schemeClr val="accent1"/>
+                </a:solidFill>
+              </a:rPr>
+              <a:t>的高级元素</a:t>
+            </a:r>
+            <a:endParaRPr lang="zh-CN" altLang="en-US" dirty="0"/>
+          </a:p>
+        </p:txBody>
+      </p:sp>
+      <p:grpSp>
+        <p:nvGrpSpPr>
+          <p:cNvPr id="5" name="组合 4"/>
+          <p:cNvGrpSpPr/>
+          <p:nvPr/>
+        </p:nvGrpSpPr>
+        <p:grpSpPr>
+          <a:xfrm>
+            <a:off x="10401652" y="72593"/>
+            <a:ext cx="763351" cy="1071782"/>
+            <a:chOff x="10401652" y="72593"/>
+            <a:chExt cx="763351" cy="1071782"/>
+          </a:xfrm>
+        </p:grpSpPr>
+        <p:sp>
+          <p:nvSpPr>
+            <p:cNvPr id="6" name="矩形 5"/>
+            <p:cNvSpPr/>
+            <p:nvPr/>
+          </p:nvSpPr>
+          <p:spPr>
+            <a:xfrm>
+              <a:off x="10401652" y="72593"/>
+              <a:ext cx="763351" cy="461665"/>
+            </a:xfrm>
+            <a:prstGeom prst="rect">
+              <a:avLst/>
+            </a:prstGeom>
+            <a:noFill/>
+          </p:spPr>
+          <p:txBody>
+            <a:bodyPr wrap="none" lIns="91440" tIns="45720" rIns="91440" bIns="45720">
+              <a:spAutoFit/>
+            </a:bodyPr>
+            <a:lstStyle/>
+            <a:p>
+              <a:pPr algn="ctr"/>
+              <a:r>
+                <a:rPr lang="en-GB" altLang="zh-CN" sz="2400" b="1" cap="none" spc="0" dirty="0" smtClean="0">
+                  <a:ln w="12700">
+                    <a:solidFill>
+                      <a:schemeClr val="tx2">
+                        <a:lumMod val="75000"/>
+                      </a:schemeClr>
+                    </a:solidFill>
+                    <a:prstDash val="solid"/>
+                  </a:ln>
+                  <a:pattFill prst="dkUpDiag">
+                    <a:fgClr>
+                      <a:schemeClr val="tx2"/>
+                    </a:fgClr>
+                    <a:bgClr>
+                      <a:schemeClr val="tx2">
+                        <a:lumMod val="20000"/>
+                        <a:lumOff val="80000"/>
+                      </a:schemeClr>
+                    </a:bgClr>
+                  </a:pattFill>
+                  <a:effectLst>
+                    <a:outerShdw dist="38100" dir="2640000" algn="bl" rotWithShape="0">
+                      <a:schemeClr val="tx2">
+                        <a:lumMod val="75000"/>
+                      </a:schemeClr>
+                    </a:outerShdw>
+                  </a:effectLst>
+                  <a:latin typeface="Segoe UI Black" panose="020B0A02040204020203" pitchFamily="34" charset="0"/>
+                  <a:ea typeface="Segoe UI Black" panose="020B0A02040204020203" pitchFamily="34" charset="0"/>
+                  <a:cs typeface="Segoe UI Black" panose="020B0A02040204020203" pitchFamily="34" charset="0"/>
+                </a:rPr>
+                <a:t>SQL</a:t>
+              </a:r>
+            </a:p>
+          </p:txBody>
+        </p:sp>
+        <p:sp>
+          <p:nvSpPr>
+            <p:cNvPr id="7" name="矩形 6"/>
+            <p:cNvSpPr/>
+            <p:nvPr/>
+          </p:nvSpPr>
+          <p:spPr>
+            <a:xfrm>
+              <a:off x="10439901" y="221045"/>
+              <a:ext cx="670376" cy="923330"/>
+            </a:xfrm>
+            <a:prstGeom prst="rect">
+              <a:avLst/>
+            </a:prstGeom>
+          </p:spPr>
+          <p:txBody>
+            <a:bodyPr wrap="none">
+              <a:spAutoFit/>
+            </a:bodyPr>
+            <a:lstStyle/>
+            <a:p>
+              <a:pPr algn="ctr"/>
+              <a:r>
+                <a:rPr lang="en-GB" altLang="zh-CN" sz="5400" dirty="0">
+                  <a:ln w="12700">
+                    <a:solidFill>
+                      <a:schemeClr val="tx2">
+                        <a:lumMod val="75000"/>
+                      </a:schemeClr>
+                    </a:solidFill>
+                    <a:prstDash val="solid"/>
+                  </a:ln>
+                  <a:pattFill prst="dkUpDiag">
+                    <a:fgClr>
+                      <a:schemeClr val="tx2"/>
+                    </a:fgClr>
+                    <a:bgClr>
+                      <a:schemeClr val="tx2">
+                        <a:lumMod val="20000"/>
+                        <a:lumOff val="80000"/>
+                      </a:schemeClr>
+                    </a:bgClr>
+                  </a:pattFill>
+                  <a:effectLst>
+                    <a:outerShdw dist="38100" dir="2640000" algn="bl" rotWithShape="0">
+                      <a:schemeClr val="tx2">
+                        <a:lumMod val="75000"/>
+                      </a:schemeClr>
+                    </a:outerShdw>
+                  </a:effectLst>
+                  <a:latin typeface="Segoe UI Black" panose="020B0A02040204020203" pitchFamily="34" charset="0"/>
+                  <a:ea typeface="Segoe UI Black" panose="020B0A02040204020203" pitchFamily="34" charset="0"/>
+                  <a:cs typeface="Segoe UI Black" panose="020B0A02040204020203" pitchFamily="34" charset="0"/>
+                </a:rPr>
+                <a:t>X</a:t>
+              </a:r>
+              <a:endParaRPr lang="zh-CN" altLang="en-US" sz="5400" dirty="0">
+                <a:ln w="12700">
+                  <a:solidFill>
+                    <a:schemeClr val="tx2">
+                      <a:lumMod val="75000"/>
+                    </a:schemeClr>
+                  </a:solidFill>
+                  <a:prstDash val="solid"/>
+                </a:ln>
+                <a:pattFill prst="dkUpDiag">
+                  <a:fgClr>
+                    <a:schemeClr val="tx2"/>
+                  </a:fgClr>
+                  <a:bgClr>
+                    <a:schemeClr val="tx2">
+                      <a:lumMod val="20000"/>
+                      <a:lumOff val="80000"/>
+                    </a:schemeClr>
+                  </a:bgClr>
+                </a:pattFill>
+                <a:effectLst>
+                  <a:outerShdw dist="38100" dir="2640000" algn="bl" rotWithShape="0">
+                    <a:schemeClr val="tx2">
+                      <a:lumMod val="75000"/>
+                    </a:schemeClr>
+                  </a:outerShdw>
+                </a:effectLst>
+                <a:latin typeface="Segoe UI Black" panose="020B0A02040204020203" pitchFamily="34" charset="0"/>
+                <a:ea typeface="华文行楷" panose="02010800040101010101" pitchFamily="2" charset="-122"/>
+                <a:cs typeface="Segoe UI Black" panose="020B0A02040204020203" pitchFamily="34" charset="0"/>
+              </a:endParaRPr>
+            </a:p>
+          </p:txBody>
+        </p:sp>
+      </p:grpSp>
+      <p:sp>
+        <p:nvSpPr>
+          <p:cNvPr id="18" name="内容占位符 2"/>
+          <p:cNvSpPr>
+            <a:spLocks noGrp="1"/>
+          </p:cNvSpPr>
+          <p:nvPr>
+            <p:ph idx="1"/>
+          </p:nvPr>
+        </p:nvSpPr>
+        <p:spPr>
+          <a:xfrm>
+            <a:off x="1103312" y="2052918"/>
+            <a:ext cx="8946541" cy="4195481"/>
+          </a:xfrm>
+        </p:spPr>
+        <p:txBody>
+          <a:bodyPr>
+            <a:normAutofit/>
+          </a:bodyPr>
+          <a:lstStyle/>
+          <a:p>
+            <a:pPr marL="0" indent="0">
+              <a:buNone/>
+            </a:pPr>
+            <a:r>
+              <a:rPr lang="zh-CN" altLang="en-US" dirty="0" smtClean="0"/>
+              <a:t>两种执行时机</a:t>
+            </a:r>
+            <a:endParaRPr lang="en-GB" altLang="zh-CN" dirty="0" smtClean="0"/>
+          </a:p>
+          <a:p>
+            <a:pPr marL="0" indent="0">
+              <a:buNone/>
+            </a:pPr>
+            <a:endParaRPr lang="en-GB" altLang="zh-CN" dirty="0"/>
+          </a:p>
+          <a:p>
+            <a:r>
+              <a:rPr lang="en-GB" altLang="zh-CN" dirty="0" err="1" smtClean="0"/>
+              <a:t>BeforeRule</a:t>
+            </a:r>
+            <a:r>
+              <a:rPr lang="en-GB" altLang="zh-CN" dirty="0" smtClean="0"/>
+              <a:t> </a:t>
+            </a:r>
+            <a:r>
+              <a:rPr lang="zh-CN" altLang="en-US" dirty="0" smtClean="0"/>
+              <a:t>前置规则引擎</a:t>
+            </a:r>
+            <a:endParaRPr lang="en-US" altLang="zh-CN" dirty="0" smtClean="0"/>
+          </a:p>
+          <a:p>
+            <a:pPr marL="0" indent="0">
+              <a:buNone/>
+            </a:pPr>
+            <a:r>
+              <a:rPr lang="en-GB" altLang="zh-CN" dirty="0"/>
+              <a:t>	</a:t>
+            </a:r>
+            <a:r>
+              <a:rPr lang="zh-CN" altLang="en-US" dirty="0" smtClean="0"/>
+              <a:t>在</a:t>
+            </a:r>
+            <a:r>
+              <a:rPr lang="en-US" altLang="zh-CN" dirty="0" smtClean="0"/>
+              <a:t>XSQL</a:t>
+            </a:r>
+            <a:r>
+              <a:rPr lang="zh-CN" altLang="en-US" dirty="0" smtClean="0"/>
+              <a:t>执行前执行，可对</a:t>
+            </a:r>
+            <a:r>
+              <a:rPr lang="en-GB" altLang="zh-CN" b="1" dirty="0" smtClean="0">
+                <a:solidFill>
+                  <a:srgbClr val="FFFF00"/>
+                </a:solidFill>
+              </a:rPr>
+              <a:t>XSQL</a:t>
+            </a:r>
+            <a:r>
+              <a:rPr lang="zh-CN" altLang="en-US" b="1" dirty="0" smtClean="0">
+                <a:solidFill>
+                  <a:srgbClr val="FFFF00"/>
+                </a:solidFill>
+              </a:rPr>
+              <a:t>参数、占位符</a:t>
+            </a:r>
+            <a:r>
+              <a:rPr lang="zh-CN" altLang="en-US" dirty="0" smtClean="0"/>
+              <a:t>等进行规则操作。</a:t>
+            </a:r>
+            <a:endParaRPr lang="en-GB" altLang="zh-CN" dirty="0" smtClean="0"/>
+          </a:p>
+          <a:p>
+            <a:pPr marL="0" indent="0">
+              <a:buNone/>
+            </a:pPr>
+            <a:r>
+              <a:rPr lang="en-GB" altLang="zh-CN" dirty="0"/>
+              <a:t>	</a:t>
+            </a:r>
+            <a:r>
+              <a:rPr lang="zh-CN" altLang="en-US" dirty="0" smtClean="0"/>
+              <a:t>如，修改、添加、删除参数或占位符。</a:t>
+            </a:r>
+            <a:endParaRPr lang="en-US" altLang="zh-CN" dirty="0" smtClean="0"/>
+          </a:p>
+          <a:p>
+            <a:pPr marL="0" indent="0">
+              <a:buNone/>
+            </a:pPr>
+            <a:endParaRPr lang="en-GB" altLang="zh-CN" dirty="0"/>
+          </a:p>
+          <a:p>
+            <a:r>
+              <a:rPr lang="en-GB" altLang="zh-CN" dirty="0" err="1" smtClean="0"/>
+              <a:t>AfterRule</a:t>
+            </a:r>
+            <a:r>
+              <a:rPr lang="en-GB" altLang="zh-CN" dirty="0" smtClean="0"/>
+              <a:t> </a:t>
+            </a:r>
+            <a:r>
+              <a:rPr lang="zh-CN" altLang="en-US" dirty="0"/>
+              <a:t>后</a:t>
+            </a:r>
+            <a:r>
+              <a:rPr lang="zh-CN" altLang="en-US" dirty="0" smtClean="0"/>
+              <a:t>置规则引擎</a:t>
+            </a:r>
+            <a:endParaRPr lang="en-GB" altLang="zh-CN" dirty="0" smtClean="0"/>
+          </a:p>
+          <a:p>
+            <a:pPr marL="0" indent="0">
+              <a:buNone/>
+            </a:pPr>
+            <a:r>
+              <a:rPr lang="en-GB" altLang="zh-CN" dirty="0" smtClean="0"/>
+              <a:t>	</a:t>
+            </a:r>
+            <a:r>
+              <a:rPr lang="zh-CN" altLang="en-US" dirty="0" smtClean="0"/>
+              <a:t>在</a:t>
+            </a:r>
+            <a:r>
+              <a:rPr lang="en-GB" altLang="zh-CN" dirty="0" smtClean="0"/>
+              <a:t>XSQL</a:t>
+            </a:r>
+            <a:r>
+              <a:rPr lang="zh-CN" altLang="en-US" dirty="0" smtClean="0"/>
+              <a:t>执行后执行，可对</a:t>
+            </a:r>
+            <a:r>
+              <a:rPr lang="zh-CN" altLang="en-US" b="1" dirty="0" smtClean="0">
+                <a:solidFill>
+                  <a:srgbClr val="FFFF00"/>
+                </a:solidFill>
+              </a:rPr>
+              <a:t>查询结果</a:t>
+            </a:r>
+            <a:r>
+              <a:rPr lang="zh-CN" altLang="en-US" dirty="0" smtClean="0"/>
+              <a:t>进行规则操作。</a:t>
+            </a:r>
+            <a:endParaRPr lang="en-GB" altLang="zh-CN" dirty="0" smtClean="0"/>
+          </a:p>
+          <a:p>
+            <a:pPr marL="0" indent="0">
+              <a:buNone/>
+            </a:pPr>
+            <a:r>
+              <a:rPr lang="en-GB" altLang="zh-CN" dirty="0"/>
+              <a:t>	</a:t>
+            </a:r>
+            <a:r>
+              <a:rPr lang="zh-CN" altLang="en-US" dirty="0" smtClean="0"/>
+              <a:t>如，二次过滤查询结果、数据清洗、数据加工等，具备</a:t>
+            </a:r>
+            <a:r>
+              <a:rPr lang="en-GB" altLang="zh-CN" dirty="0" smtClean="0"/>
+              <a:t>Java</a:t>
+            </a:r>
+            <a:r>
+              <a:rPr lang="zh-CN" altLang="en-US" dirty="0" smtClean="0"/>
+              <a:t>特性的处理。</a:t>
+            </a:r>
+            <a:endParaRPr lang="en-GB" altLang="zh-CN" dirty="0" smtClean="0"/>
+          </a:p>
+        </p:txBody>
+      </p:sp>
+    </p:spTree>
+    <p:extLst>
+      <p:ext uri="{BB962C8B-B14F-4D97-AF65-F5344CB8AC3E}">
+        <p14:creationId xmlns:p14="http://schemas.microsoft.com/office/powerpoint/2010/main" val="2353539820"/>
+      </p:ext>
+    </p:extLst>
+  </p:cSld>
+  <p:clrMapOvr>
+    <a:masterClrMapping/>
+  </p:clrMapOvr>
+  <p:timing>
+    <p:tnLst>
+      <p:par>
+        <p:cTn id="1" dur="indefinite" restart="never" nodeType="tmRoot"/>
+      </p:par>
+    </p:tnLst>
+  </p:timing>
+</p:sld>
+</file>
+
 <file path=ppt/slides/slide5.xml><?xml version="1.0" encoding="utf-8"?>
 <p:sld xmlns:a="http://schemas.openxmlformats.org/drawingml/2006/main" xmlns:r="http://schemas.openxmlformats.org/officeDocument/2006/relationships" xmlns:p="http://schemas.openxmlformats.org/presentationml/2006/main">
   <p:cSld>
@@ -32850,6 +38796,1794 @@
     <p:extLst>
       <p:ext uri="{BB962C8B-B14F-4D97-AF65-F5344CB8AC3E}">
         <p14:creationId xmlns:p14="http://schemas.microsoft.com/office/powerpoint/2010/main" val="1968519643"/>
+      </p:ext>
+    </p:extLst>
+  </p:cSld>
+  <p:clrMapOvr>
+    <a:masterClrMapping/>
+  </p:clrMapOvr>
+  <p:timing>
+    <p:tnLst>
+      <p:par>
+        <p:cTn id="1" dur="indefinite" restart="never" nodeType="tmRoot"/>
+      </p:par>
+    </p:tnLst>
+  </p:timing>
+</p:sld>
+</file>
+
+<file path=ppt/slides/slide50.xml><?xml version="1.0" encoding="utf-8"?>
+<p:sld xmlns:a="http://schemas.openxmlformats.org/drawingml/2006/main" xmlns:r="http://schemas.openxmlformats.org/officeDocument/2006/relationships" xmlns:p="http://schemas.openxmlformats.org/presentationml/2006/main">
+  <p:cSld>
+    <p:spTree>
+      <p:nvGrpSpPr>
+        <p:cNvPr id="1" name=""/>
+        <p:cNvGrpSpPr/>
+        <p:nvPr/>
+      </p:nvGrpSpPr>
+      <p:grpSpPr>
+        <a:xfrm>
+          <a:off x="0" y="0"/>
+          <a:ext cx="0" cy="0"/>
+          <a:chOff x="0" y="0"/>
+          <a:chExt cx="0" cy="0"/>
+        </a:xfrm>
+      </p:grpSpPr>
+      <p:sp>
+        <p:nvSpPr>
+          <p:cNvPr id="2" name="标题 1"/>
+          <p:cNvSpPr>
+            <a:spLocks noGrp="1"/>
+          </p:cNvSpPr>
+          <p:nvPr>
+            <p:ph type="title"/>
+          </p:nvPr>
+        </p:nvSpPr>
+        <p:spPr/>
+        <p:txBody>
+          <a:bodyPr/>
+          <a:lstStyle/>
+          <a:p>
+            <a:r>
+              <a:rPr lang="en-GB" altLang="zh-CN" sz="4400" dirty="0" err="1" smtClean="0"/>
+              <a:t>XRule</a:t>
+            </a:r>
+            <a:r>
+              <a:rPr lang="en-GB" altLang="zh-CN" sz="4400" dirty="0" smtClean="0"/>
+              <a:t> </a:t>
+            </a:r>
+            <a:r>
+              <a:rPr lang="zh-CN" altLang="en-US" sz="4400" dirty="0" smtClean="0"/>
+              <a:t>规则引擎</a:t>
+            </a:r>
+            <a:r>
+              <a:rPr lang="en-GB" altLang="zh-CN" sz="4400" dirty="0"/>
+              <a:t/>
+            </a:r>
+            <a:br>
+              <a:rPr lang="en-GB" altLang="zh-CN" sz="4400" dirty="0"/>
+            </a:br>
+            <a:r>
+              <a:rPr lang="en-US" altLang="zh-CN" sz="2000" cap="all" dirty="0">
+                <a:solidFill>
+                  <a:schemeClr val="accent1"/>
+                </a:solidFill>
+              </a:rPr>
+              <a:t>XSQL</a:t>
+            </a:r>
+            <a:r>
+              <a:rPr lang="zh-CN" altLang="en-US" sz="2000" cap="all" dirty="0" smtClean="0">
+                <a:solidFill>
+                  <a:schemeClr val="accent1"/>
+                </a:solidFill>
+              </a:rPr>
+              <a:t>的高级元素</a:t>
+            </a:r>
+            <a:endParaRPr lang="zh-CN" altLang="en-US" dirty="0"/>
+          </a:p>
+        </p:txBody>
+      </p:sp>
+      <p:grpSp>
+        <p:nvGrpSpPr>
+          <p:cNvPr id="5" name="组合 4"/>
+          <p:cNvGrpSpPr/>
+          <p:nvPr/>
+        </p:nvGrpSpPr>
+        <p:grpSpPr>
+          <a:xfrm>
+            <a:off x="10401652" y="72593"/>
+            <a:ext cx="763351" cy="1071782"/>
+            <a:chOff x="10401652" y="72593"/>
+            <a:chExt cx="763351" cy="1071782"/>
+          </a:xfrm>
+        </p:grpSpPr>
+        <p:sp>
+          <p:nvSpPr>
+            <p:cNvPr id="6" name="矩形 5"/>
+            <p:cNvSpPr/>
+            <p:nvPr/>
+          </p:nvSpPr>
+          <p:spPr>
+            <a:xfrm>
+              <a:off x="10401652" y="72593"/>
+              <a:ext cx="763351" cy="461665"/>
+            </a:xfrm>
+            <a:prstGeom prst="rect">
+              <a:avLst/>
+            </a:prstGeom>
+            <a:noFill/>
+          </p:spPr>
+          <p:txBody>
+            <a:bodyPr wrap="none" lIns="91440" tIns="45720" rIns="91440" bIns="45720">
+              <a:spAutoFit/>
+            </a:bodyPr>
+            <a:lstStyle/>
+            <a:p>
+              <a:pPr algn="ctr"/>
+              <a:r>
+                <a:rPr lang="en-GB" altLang="zh-CN" sz="2400" b="1" cap="none" spc="0" dirty="0" smtClean="0">
+                  <a:ln w="12700">
+                    <a:solidFill>
+                      <a:schemeClr val="tx2">
+                        <a:lumMod val="75000"/>
+                      </a:schemeClr>
+                    </a:solidFill>
+                    <a:prstDash val="solid"/>
+                  </a:ln>
+                  <a:pattFill prst="dkUpDiag">
+                    <a:fgClr>
+                      <a:schemeClr val="tx2"/>
+                    </a:fgClr>
+                    <a:bgClr>
+                      <a:schemeClr val="tx2">
+                        <a:lumMod val="20000"/>
+                        <a:lumOff val="80000"/>
+                      </a:schemeClr>
+                    </a:bgClr>
+                  </a:pattFill>
+                  <a:effectLst>
+                    <a:outerShdw dist="38100" dir="2640000" algn="bl" rotWithShape="0">
+                      <a:schemeClr val="tx2">
+                        <a:lumMod val="75000"/>
+                      </a:schemeClr>
+                    </a:outerShdw>
+                  </a:effectLst>
+                  <a:latin typeface="Segoe UI Black" panose="020B0A02040204020203" pitchFamily="34" charset="0"/>
+                  <a:ea typeface="Segoe UI Black" panose="020B0A02040204020203" pitchFamily="34" charset="0"/>
+                  <a:cs typeface="Segoe UI Black" panose="020B0A02040204020203" pitchFamily="34" charset="0"/>
+                </a:rPr>
+                <a:t>SQL</a:t>
+              </a:r>
+            </a:p>
+          </p:txBody>
+        </p:sp>
+        <p:sp>
+          <p:nvSpPr>
+            <p:cNvPr id="7" name="矩形 6"/>
+            <p:cNvSpPr/>
+            <p:nvPr/>
+          </p:nvSpPr>
+          <p:spPr>
+            <a:xfrm>
+              <a:off x="10439901" y="221045"/>
+              <a:ext cx="670376" cy="923330"/>
+            </a:xfrm>
+            <a:prstGeom prst="rect">
+              <a:avLst/>
+            </a:prstGeom>
+          </p:spPr>
+          <p:txBody>
+            <a:bodyPr wrap="none">
+              <a:spAutoFit/>
+            </a:bodyPr>
+            <a:lstStyle/>
+            <a:p>
+              <a:pPr algn="ctr"/>
+              <a:r>
+                <a:rPr lang="en-GB" altLang="zh-CN" sz="5400" dirty="0">
+                  <a:ln w="12700">
+                    <a:solidFill>
+                      <a:schemeClr val="tx2">
+                        <a:lumMod val="75000"/>
+                      </a:schemeClr>
+                    </a:solidFill>
+                    <a:prstDash val="solid"/>
+                  </a:ln>
+                  <a:pattFill prst="dkUpDiag">
+                    <a:fgClr>
+                      <a:schemeClr val="tx2"/>
+                    </a:fgClr>
+                    <a:bgClr>
+                      <a:schemeClr val="tx2">
+                        <a:lumMod val="20000"/>
+                        <a:lumOff val="80000"/>
+                      </a:schemeClr>
+                    </a:bgClr>
+                  </a:pattFill>
+                  <a:effectLst>
+                    <a:outerShdw dist="38100" dir="2640000" algn="bl" rotWithShape="0">
+                      <a:schemeClr val="tx2">
+                        <a:lumMod val="75000"/>
+                      </a:schemeClr>
+                    </a:outerShdw>
+                  </a:effectLst>
+                  <a:latin typeface="Segoe UI Black" panose="020B0A02040204020203" pitchFamily="34" charset="0"/>
+                  <a:ea typeface="Segoe UI Black" panose="020B0A02040204020203" pitchFamily="34" charset="0"/>
+                  <a:cs typeface="Segoe UI Black" panose="020B0A02040204020203" pitchFamily="34" charset="0"/>
+                </a:rPr>
+                <a:t>X</a:t>
+              </a:r>
+              <a:endParaRPr lang="zh-CN" altLang="en-US" sz="5400" dirty="0">
+                <a:ln w="12700">
+                  <a:solidFill>
+                    <a:schemeClr val="tx2">
+                      <a:lumMod val="75000"/>
+                    </a:schemeClr>
+                  </a:solidFill>
+                  <a:prstDash val="solid"/>
+                </a:ln>
+                <a:pattFill prst="dkUpDiag">
+                  <a:fgClr>
+                    <a:schemeClr val="tx2"/>
+                  </a:fgClr>
+                  <a:bgClr>
+                    <a:schemeClr val="tx2">
+                      <a:lumMod val="20000"/>
+                      <a:lumOff val="80000"/>
+                    </a:schemeClr>
+                  </a:bgClr>
+                </a:pattFill>
+                <a:effectLst>
+                  <a:outerShdw dist="38100" dir="2640000" algn="bl" rotWithShape="0">
+                    <a:schemeClr val="tx2">
+                      <a:lumMod val="75000"/>
+                    </a:schemeClr>
+                  </a:outerShdw>
+                </a:effectLst>
+                <a:latin typeface="Segoe UI Black" panose="020B0A02040204020203" pitchFamily="34" charset="0"/>
+                <a:ea typeface="华文行楷" panose="02010800040101010101" pitchFamily="2" charset="-122"/>
+                <a:cs typeface="Segoe UI Black" panose="020B0A02040204020203" pitchFamily="34" charset="0"/>
+              </a:endParaRPr>
+            </a:p>
+          </p:txBody>
+        </p:sp>
+      </p:grpSp>
+      <p:sp>
+        <p:nvSpPr>
+          <p:cNvPr id="18" name="内容占位符 2"/>
+          <p:cNvSpPr>
+            <a:spLocks noGrp="1"/>
+          </p:cNvSpPr>
+          <p:nvPr>
+            <p:ph idx="1"/>
+          </p:nvPr>
+        </p:nvSpPr>
+        <p:spPr>
+          <a:xfrm>
+            <a:off x="1103312" y="2052918"/>
+            <a:ext cx="8946541" cy="4195481"/>
+          </a:xfrm>
+        </p:spPr>
+        <p:txBody>
+          <a:bodyPr>
+            <a:normAutofit lnSpcReduction="10000"/>
+          </a:bodyPr>
+          <a:lstStyle/>
+          <a:p>
+            <a:pPr marL="0" indent="0">
+              <a:buNone/>
+            </a:pPr>
+            <a:r>
+              <a:rPr lang="zh-CN" altLang="en-US" dirty="0"/>
+              <a:t>三种</a:t>
+            </a:r>
+            <a:r>
+              <a:rPr lang="zh-CN" altLang="en-US" dirty="0" smtClean="0"/>
+              <a:t>方式注入规则</a:t>
+            </a:r>
+            <a:endParaRPr lang="en-GB" altLang="zh-CN" dirty="0" smtClean="0"/>
+          </a:p>
+          <a:p>
+            <a:pPr marL="0" indent="0">
+              <a:buNone/>
+            </a:pPr>
+            <a:endParaRPr lang="en-GB" altLang="zh-CN" dirty="0"/>
+          </a:p>
+          <a:p>
+            <a:r>
+              <a:rPr lang="zh-CN" altLang="en-US" dirty="0"/>
+              <a:t>本地</a:t>
+            </a:r>
+            <a:r>
+              <a:rPr lang="zh-CN" altLang="en-US" dirty="0" smtClean="0"/>
+              <a:t>文件</a:t>
+            </a:r>
+            <a:endParaRPr lang="en-GB" altLang="zh-CN" dirty="0" smtClean="0"/>
+          </a:p>
+          <a:p>
+            <a:pPr marL="0" indent="0">
+              <a:buNone/>
+            </a:pPr>
+            <a:r>
+              <a:rPr lang="en-GB" altLang="zh-CN" dirty="0"/>
+              <a:t>	</a:t>
+            </a:r>
+            <a:r>
+              <a:rPr lang="zh-CN" altLang="en-US" dirty="0" smtClean="0"/>
+              <a:t>规则文件（</a:t>
+            </a:r>
+            <a:r>
+              <a:rPr lang="en-GB" altLang="zh-CN" dirty="0" smtClean="0"/>
+              <a:t>*.</a:t>
+            </a:r>
+            <a:r>
+              <a:rPr lang="en-GB" altLang="zh-CN" dirty="0" err="1" smtClean="0"/>
+              <a:t>drl</a:t>
+            </a:r>
+            <a:r>
+              <a:rPr lang="zh-CN" altLang="en-US" dirty="0" smtClean="0"/>
+              <a:t>）的</a:t>
+            </a:r>
+            <a:r>
+              <a:rPr lang="zh-CN" altLang="en-US" dirty="0"/>
+              <a:t>方式注入并生成规则</a:t>
+            </a:r>
+            <a:r>
+              <a:rPr lang="zh-CN" altLang="en-US" dirty="0" smtClean="0"/>
+              <a:t>引擎</a:t>
+            </a:r>
+            <a:endParaRPr lang="en-GB" altLang="zh-CN" dirty="0" smtClean="0"/>
+          </a:p>
+          <a:p>
+            <a:pPr marL="0" indent="0">
+              <a:buNone/>
+            </a:pPr>
+            <a:endParaRPr lang="en-GB" altLang="zh-CN" dirty="0"/>
+          </a:p>
+          <a:p>
+            <a:r>
+              <a:rPr lang="zh-CN" altLang="en-US" dirty="0"/>
+              <a:t>文本</a:t>
+            </a:r>
+            <a:r>
+              <a:rPr lang="zh-CN" altLang="en-US" dirty="0" smtClean="0"/>
+              <a:t>信息</a:t>
+            </a:r>
+            <a:endParaRPr lang="en-GB" altLang="zh-CN" dirty="0" smtClean="0"/>
+          </a:p>
+          <a:p>
+            <a:pPr marL="0" indent="0">
+              <a:buNone/>
+            </a:pPr>
+            <a:r>
+              <a:rPr lang="en-GB" altLang="zh-CN" dirty="0"/>
+              <a:t>	</a:t>
+            </a:r>
+            <a:r>
+              <a:rPr lang="zh-CN" altLang="en-US" dirty="0"/>
+              <a:t>在</a:t>
+            </a:r>
+            <a:r>
+              <a:rPr lang="en-GB" altLang="zh-CN" dirty="0"/>
+              <a:t>XML</a:t>
+            </a:r>
+            <a:r>
+              <a:rPr lang="zh-CN" altLang="en-US" dirty="0"/>
+              <a:t>中</a:t>
+            </a:r>
+            <a:r>
+              <a:rPr lang="zh-CN" altLang="en-US" dirty="0" smtClean="0"/>
+              <a:t>编码，规则</a:t>
+            </a:r>
+            <a:r>
+              <a:rPr lang="zh-CN" altLang="en-US" dirty="0"/>
+              <a:t>文本的方式注入并生成规则</a:t>
+            </a:r>
+            <a:r>
+              <a:rPr lang="zh-CN" altLang="en-US" dirty="0" smtClean="0"/>
+              <a:t>引擎</a:t>
+            </a:r>
+            <a:endParaRPr lang="en-GB" altLang="zh-CN" dirty="0" smtClean="0"/>
+          </a:p>
+          <a:p>
+            <a:pPr marL="0" indent="0">
+              <a:buNone/>
+            </a:pPr>
+            <a:endParaRPr lang="en-GB" altLang="zh-CN" dirty="0" smtClean="0"/>
+          </a:p>
+          <a:p>
+            <a:r>
+              <a:rPr lang="zh-CN" altLang="en-US" dirty="0"/>
+              <a:t>远端请求</a:t>
+            </a:r>
+            <a:endParaRPr lang="en-GB" altLang="zh-CN" dirty="0"/>
+          </a:p>
+          <a:p>
+            <a:pPr marL="0" indent="0">
+              <a:buNone/>
+            </a:pPr>
+            <a:r>
+              <a:rPr lang="en-GB" altLang="zh-CN" dirty="0" smtClean="0"/>
+              <a:t>	</a:t>
+            </a:r>
+            <a:r>
+              <a:rPr lang="zh-CN" altLang="en-US" dirty="0" smtClean="0"/>
+              <a:t>规则</a:t>
+            </a:r>
+            <a:r>
+              <a:rPr lang="zh-CN" altLang="en-US" dirty="0"/>
+              <a:t>远端</a:t>
+            </a:r>
+            <a:r>
+              <a:rPr lang="zh-CN" altLang="en-US" dirty="0" smtClean="0"/>
+              <a:t>请求（</a:t>
+            </a:r>
+            <a:r>
+              <a:rPr lang="en-GB" altLang="zh-CN" dirty="0" smtClean="0"/>
+              <a:t>http/https</a:t>
+            </a:r>
+            <a:r>
+              <a:rPr lang="zh-CN" altLang="en-US" dirty="0" smtClean="0"/>
+              <a:t>）的</a:t>
+            </a:r>
+            <a:r>
+              <a:rPr lang="zh-CN" altLang="en-US" dirty="0"/>
+              <a:t>方式注入并生成规则引擎</a:t>
+            </a:r>
+            <a:endParaRPr lang="zh-CN" altLang="en-US" dirty="0"/>
+          </a:p>
+        </p:txBody>
+      </p:sp>
+      <p:grpSp>
+        <p:nvGrpSpPr>
+          <p:cNvPr id="10" name="组合 9"/>
+          <p:cNvGrpSpPr/>
+          <p:nvPr/>
+        </p:nvGrpSpPr>
+        <p:grpSpPr>
+          <a:xfrm>
+            <a:off x="259554" y="2828925"/>
+            <a:ext cx="773114" cy="2876550"/>
+            <a:chOff x="259554" y="2819400"/>
+            <a:chExt cx="773114" cy="2876550"/>
+          </a:xfrm>
+        </p:grpSpPr>
+        <p:sp>
+          <p:nvSpPr>
+            <p:cNvPr id="4" name="上箭头 3"/>
+            <p:cNvSpPr/>
+            <p:nvPr/>
+          </p:nvSpPr>
+          <p:spPr>
+            <a:xfrm>
+              <a:off x="259554" y="2819400"/>
+              <a:ext cx="773114" cy="2876550"/>
+            </a:xfrm>
+            <a:prstGeom prst="upArrow">
+              <a:avLst/>
+            </a:prstGeom>
+          </p:spPr>
+          <p:style>
+            <a:lnRef idx="0">
+              <a:schemeClr val="accent5"/>
+            </a:lnRef>
+            <a:fillRef idx="3">
+              <a:schemeClr val="accent5"/>
+            </a:fillRef>
+            <a:effectRef idx="3">
+              <a:schemeClr val="accent5"/>
+            </a:effectRef>
+            <a:fontRef idx="minor">
+              <a:schemeClr val="lt1"/>
+            </a:fontRef>
+          </p:style>
+          <p:txBody>
+            <a:bodyPr rtlCol="0" anchor="ctr"/>
+            <a:lstStyle/>
+            <a:p>
+              <a:pPr algn="ctr"/>
+              <a:endParaRPr lang="zh-CN" altLang="en-US"/>
+            </a:p>
+          </p:txBody>
+        </p:sp>
+        <p:sp>
+          <p:nvSpPr>
+            <p:cNvPr id="9" name="文本框 8"/>
+            <p:cNvSpPr txBox="1"/>
+            <p:nvPr/>
+          </p:nvSpPr>
+          <p:spPr>
+            <a:xfrm>
+              <a:off x="415278" y="3865260"/>
+              <a:ext cx="461665" cy="775212"/>
+            </a:xfrm>
+            <a:prstGeom prst="rect">
+              <a:avLst/>
+            </a:prstGeom>
+            <a:noFill/>
+          </p:spPr>
+          <p:txBody>
+            <a:bodyPr vert="eaVert" wrap="none" rtlCol="0">
+              <a:spAutoFit/>
+            </a:bodyPr>
+            <a:lstStyle/>
+            <a:p>
+              <a:r>
+                <a:rPr lang="zh-CN" altLang="en-US" b="1" dirty="0" smtClean="0">
+                  <a:solidFill>
+                    <a:schemeClr val="accent4">
+                      <a:lumMod val="75000"/>
+                    </a:schemeClr>
+                  </a:solidFill>
+                </a:rPr>
+                <a:t>优先级</a:t>
+              </a:r>
+              <a:endParaRPr lang="zh-CN" altLang="en-US" b="1" dirty="0">
+                <a:solidFill>
+                  <a:schemeClr val="accent4">
+                    <a:lumMod val="75000"/>
+                  </a:schemeClr>
+                </a:solidFill>
+              </a:endParaRPr>
+            </a:p>
+          </p:txBody>
+        </p:sp>
+      </p:grpSp>
+    </p:spTree>
+    <p:extLst>
+      <p:ext uri="{BB962C8B-B14F-4D97-AF65-F5344CB8AC3E}">
+        <p14:creationId xmlns:p14="http://schemas.microsoft.com/office/powerpoint/2010/main" val="2467860394"/>
+      </p:ext>
+    </p:extLst>
+  </p:cSld>
+  <p:clrMapOvr>
+    <a:masterClrMapping/>
+  </p:clrMapOvr>
+  <p:timing>
+    <p:tnLst>
+      <p:par>
+        <p:cTn id="1" dur="indefinite" restart="never" nodeType="tmRoot">
+          <p:childTnLst>
+            <p:seq concurrent="1" nextAc="seek">
+              <p:cTn id="2" dur="indefinite" nodeType="mainSeq">
+                <p:childTnLst>
+                  <p:par>
+                    <p:cTn id="3" fill="hold">
+                      <p:stCondLst>
+                        <p:cond delay="indefinite"/>
+                      </p:stCondLst>
+                      <p:childTnLst>
+                        <p:par>
+                          <p:cTn id="4" fill="hold">
+                            <p:stCondLst>
+                              <p:cond delay="0"/>
+                            </p:stCondLst>
+                            <p:childTnLst>
+                              <p:par>
+                                <p:cTn id="5" presetID="42" presetClass="entr" presetSubtype="0" fill="hold" nodeType="clickEffect">
+                                  <p:stCondLst>
+                                    <p:cond delay="0"/>
+                                  </p:stCondLst>
+                                  <p:childTnLst>
+                                    <p:set>
+                                      <p:cBhvr>
+                                        <p:cTn id="6" dur="1" fill="hold">
+                                          <p:stCondLst>
+                                            <p:cond delay="0"/>
+                                          </p:stCondLst>
+                                        </p:cTn>
+                                        <p:tgtEl>
+                                          <p:spTgt spid="10"/>
+                                        </p:tgtEl>
+                                        <p:attrNameLst>
+                                          <p:attrName>style.visibility</p:attrName>
+                                        </p:attrNameLst>
+                                      </p:cBhvr>
+                                      <p:to>
+                                        <p:strVal val="visible"/>
+                                      </p:to>
+                                    </p:set>
+                                    <p:animEffect transition="in" filter="fade">
+                                      <p:cBhvr>
+                                        <p:cTn id="7" dur="1000"/>
+                                        <p:tgtEl>
+                                          <p:spTgt spid="10"/>
+                                        </p:tgtEl>
+                                      </p:cBhvr>
+                                    </p:animEffect>
+                                    <p:anim calcmode="lin" valueType="num">
+                                      <p:cBhvr>
+                                        <p:cTn id="8" dur="1000" fill="hold"/>
+                                        <p:tgtEl>
+                                          <p:spTgt spid="10"/>
+                                        </p:tgtEl>
+                                        <p:attrNameLst>
+                                          <p:attrName>ppt_x</p:attrName>
+                                        </p:attrNameLst>
+                                      </p:cBhvr>
+                                      <p:tavLst>
+                                        <p:tav tm="0">
+                                          <p:val>
+                                            <p:strVal val="#ppt_x"/>
+                                          </p:val>
+                                        </p:tav>
+                                        <p:tav tm="100000">
+                                          <p:val>
+                                            <p:strVal val="#ppt_x"/>
+                                          </p:val>
+                                        </p:tav>
+                                      </p:tavLst>
+                                    </p:anim>
+                                    <p:anim calcmode="lin" valueType="num">
+                                      <p:cBhvr>
+                                        <p:cTn id="9" dur="1000" fill="hold"/>
+                                        <p:tgtEl>
+                                          <p:spTgt spid="10"/>
+                                        </p:tgtEl>
+                                        <p:attrNameLst>
+                                          <p:attrName>ppt_y</p:attrName>
+                                        </p:attrNameLst>
+                                      </p:cBhvr>
+                                      <p:tavLst>
+                                        <p:tav tm="0">
+                                          <p:val>
+                                            <p:strVal val="#ppt_y+.1"/>
+                                          </p:val>
+                                        </p:tav>
+                                        <p:tav tm="100000">
+                                          <p:val>
+                                            <p:strVal val="#ppt_y"/>
+                                          </p:val>
+                                        </p:tav>
+                                      </p:tavLst>
+                                    </p:anim>
+                                  </p:childTnLst>
+                                </p:cTn>
+                              </p:par>
+                            </p:childTnLst>
+                          </p:cTn>
+                        </p:par>
+                      </p:childTnLst>
+                    </p:cTn>
+                  </p:par>
+                </p:childTnLst>
+              </p:cTn>
+              <p:prevCondLst>
+                <p:cond evt="onPrev" delay="0">
+                  <p:tgtEl>
+                    <p:sldTgt/>
+                  </p:tgtEl>
+                </p:cond>
+              </p:prevCondLst>
+              <p:nextCondLst>
+                <p:cond evt="onNext" delay="0">
+                  <p:tgtEl>
+                    <p:sldTgt/>
+                  </p:tgtEl>
+                </p:cond>
+              </p:nextCondLst>
+            </p:seq>
+          </p:childTnLst>
+        </p:cTn>
+      </p:par>
+    </p:tnLst>
+  </p:timing>
+</p:sld>
+</file>
+
+<file path=ppt/slides/slide51.xml><?xml version="1.0" encoding="utf-8"?>
+<p:sld xmlns:a="http://schemas.openxmlformats.org/drawingml/2006/main" xmlns:r="http://schemas.openxmlformats.org/officeDocument/2006/relationships" xmlns:p="http://schemas.openxmlformats.org/presentationml/2006/main">
+  <p:cSld>
+    <p:spTree>
+      <p:nvGrpSpPr>
+        <p:cNvPr id="1" name=""/>
+        <p:cNvGrpSpPr/>
+        <p:nvPr/>
+      </p:nvGrpSpPr>
+      <p:grpSpPr>
+        <a:xfrm>
+          <a:off x="0" y="0"/>
+          <a:ext cx="0" cy="0"/>
+          <a:chOff x="0" y="0"/>
+          <a:chExt cx="0" cy="0"/>
+        </a:xfrm>
+      </p:grpSpPr>
+      <p:sp>
+        <p:nvSpPr>
+          <p:cNvPr id="2" name="标题 1"/>
+          <p:cNvSpPr>
+            <a:spLocks noGrp="1"/>
+          </p:cNvSpPr>
+          <p:nvPr>
+            <p:ph type="title"/>
+          </p:nvPr>
+        </p:nvSpPr>
+        <p:spPr/>
+        <p:txBody>
+          <a:bodyPr/>
+          <a:lstStyle/>
+          <a:p>
+            <a:r>
+              <a:rPr lang="en-GB" altLang="zh-CN" sz="4400" dirty="0" err="1" smtClean="0"/>
+              <a:t>XRule</a:t>
+            </a:r>
+            <a:r>
+              <a:rPr lang="en-GB" altLang="zh-CN" sz="4400" dirty="0" smtClean="0"/>
+              <a:t> </a:t>
+            </a:r>
+            <a:r>
+              <a:rPr lang="zh-CN" altLang="en-US" sz="4400" dirty="0" smtClean="0"/>
+              <a:t>举例</a:t>
+            </a:r>
+            <a:r>
+              <a:rPr lang="en-GB" altLang="zh-CN" sz="4400" dirty="0"/>
+              <a:t/>
+            </a:r>
+            <a:br>
+              <a:rPr lang="en-GB" altLang="zh-CN" sz="4400" dirty="0"/>
+            </a:br>
+            <a:r>
+              <a:rPr lang="en-US" altLang="zh-CN" sz="2000" cap="all" dirty="0">
+                <a:solidFill>
+                  <a:schemeClr val="accent1"/>
+                </a:solidFill>
+              </a:rPr>
+              <a:t>XSQL</a:t>
+            </a:r>
+            <a:r>
+              <a:rPr lang="zh-CN" altLang="en-US" sz="2000" cap="all" dirty="0" smtClean="0">
+                <a:solidFill>
+                  <a:schemeClr val="accent1"/>
+                </a:solidFill>
+              </a:rPr>
+              <a:t>的高级元素</a:t>
+            </a:r>
+            <a:endParaRPr lang="zh-CN" altLang="en-US" dirty="0"/>
+          </a:p>
+        </p:txBody>
+      </p:sp>
+      <p:grpSp>
+        <p:nvGrpSpPr>
+          <p:cNvPr id="5" name="组合 4"/>
+          <p:cNvGrpSpPr/>
+          <p:nvPr/>
+        </p:nvGrpSpPr>
+        <p:grpSpPr>
+          <a:xfrm>
+            <a:off x="10401652" y="72593"/>
+            <a:ext cx="763351" cy="1071782"/>
+            <a:chOff x="10401652" y="72593"/>
+            <a:chExt cx="763351" cy="1071782"/>
+          </a:xfrm>
+        </p:grpSpPr>
+        <p:sp>
+          <p:nvSpPr>
+            <p:cNvPr id="6" name="矩形 5"/>
+            <p:cNvSpPr/>
+            <p:nvPr/>
+          </p:nvSpPr>
+          <p:spPr>
+            <a:xfrm>
+              <a:off x="10401652" y="72593"/>
+              <a:ext cx="763351" cy="461665"/>
+            </a:xfrm>
+            <a:prstGeom prst="rect">
+              <a:avLst/>
+            </a:prstGeom>
+            <a:noFill/>
+          </p:spPr>
+          <p:txBody>
+            <a:bodyPr wrap="none" lIns="91440" tIns="45720" rIns="91440" bIns="45720">
+              <a:spAutoFit/>
+            </a:bodyPr>
+            <a:lstStyle/>
+            <a:p>
+              <a:pPr algn="ctr"/>
+              <a:r>
+                <a:rPr lang="en-GB" altLang="zh-CN" sz="2400" b="1" cap="none" spc="0" dirty="0" smtClean="0">
+                  <a:ln w="12700">
+                    <a:solidFill>
+                      <a:schemeClr val="tx2">
+                        <a:lumMod val="75000"/>
+                      </a:schemeClr>
+                    </a:solidFill>
+                    <a:prstDash val="solid"/>
+                  </a:ln>
+                  <a:pattFill prst="dkUpDiag">
+                    <a:fgClr>
+                      <a:schemeClr val="tx2"/>
+                    </a:fgClr>
+                    <a:bgClr>
+                      <a:schemeClr val="tx2">
+                        <a:lumMod val="20000"/>
+                        <a:lumOff val="80000"/>
+                      </a:schemeClr>
+                    </a:bgClr>
+                  </a:pattFill>
+                  <a:effectLst>
+                    <a:outerShdw dist="38100" dir="2640000" algn="bl" rotWithShape="0">
+                      <a:schemeClr val="tx2">
+                        <a:lumMod val="75000"/>
+                      </a:schemeClr>
+                    </a:outerShdw>
+                  </a:effectLst>
+                  <a:latin typeface="Segoe UI Black" panose="020B0A02040204020203" pitchFamily="34" charset="0"/>
+                  <a:ea typeface="Segoe UI Black" panose="020B0A02040204020203" pitchFamily="34" charset="0"/>
+                  <a:cs typeface="Segoe UI Black" panose="020B0A02040204020203" pitchFamily="34" charset="0"/>
+                </a:rPr>
+                <a:t>SQL</a:t>
+              </a:r>
+            </a:p>
+          </p:txBody>
+        </p:sp>
+        <p:sp>
+          <p:nvSpPr>
+            <p:cNvPr id="7" name="矩形 6"/>
+            <p:cNvSpPr/>
+            <p:nvPr/>
+          </p:nvSpPr>
+          <p:spPr>
+            <a:xfrm>
+              <a:off x="10439901" y="221045"/>
+              <a:ext cx="670376" cy="923330"/>
+            </a:xfrm>
+            <a:prstGeom prst="rect">
+              <a:avLst/>
+            </a:prstGeom>
+          </p:spPr>
+          <p:txBody>
+            <a:bodyPr wrap="none">
+              <a:spAutoFit/>
+            </a:bodyPr>
+            <a:lstStyle/>
+            <a:p>
+              <a:pPr algn="ctr"/>
+              <a:r>
+                <a:rPr lang="en-GB" altLang="zh-CN" sz="5400" dirty="0">
+                  <a:ln w="12700">
+                    <a:solidFill>
+                      <a:schemeClr val="tx2">
+                        <a:lumMod val="75000"/>
+                      </a:schemeClr>
+                    </a:solidFill>
+                    <a:prstDash val="solid"/>
+                  </a:ln>
+                  <a:pattFill prst="dkUpDiag">
+                    <a:fgClr>
+                      <a:schemeClr val="tx2"/>
+                    </a:fgClr>
+                    <a:bgClr>
+                      <a:schemeClr val="tx2">
+                        <a:lumMod val="20000"/>
+                        <a:lumOff val="80000"/>
+                      </a:schemeClr>
+                    </a:bgClr>
+                  </a:pattFill>
+                  <a:effectLst>
+                    <a:outerShdw dist="38100" dir="2640000" algn="bl" rotWithShape="0">
+                      <a:schemeClr val="tx2">
+                        <a:lumMod val="75000"/>
+                      </a:schemeClr>
+                    </a:outerShdw>
+                  </a:effectLst>
+                  <a:latin typeface="Segoe UI Black" panose="020B0A02040204020203" pitchFamily="34" charset="0"/>
+                  <a:ea typeface="Segoe UI Black" panose="020B0A02040204020203" pitchFamily="34" charset="0"/>
+                  <a:cs typeface="Segoe UI Black" panose="020B0A02040204020203" pitchFamily="34" charset="0"/>
+                </a:rPr>
+                <a:t>X</a:t>
+              </a:r>
+              <a:endParaRPr lang="zh-CN" altLang="en-US" sz="5400" dirty="0">
+                <a:ln w="12700">
+                  <a:solidFill>
+                    <a:schemeClr val="tx2">
+                      <a:lumMod val="75000"/>
+                    </a:schemeClr>
+                  </a:solidFill>
+                  <a:prstDash val="solid"/>
+                </a:ln>
+                <a:pattFill prst="dkUpDiag">
+                  <a:fgClr>
+                    <a:schemeClr val="tx2"/>
+                  </a:fgClr>
+                  <a:bgClr>
+                    <a:schemeClr val="tx2">
+                      <a:lumMod val="20000"/>
+                      <a:lumOff val="80000"/>
+                    </a:schemeClr>
+                  </a:bgClr>
+                </a:pattFill>
+                <a:effectLst>
+                  <a:outerShdw dist="38100" dir="2640000" algn="bl" rotWithShape="0">
+                    <a:schemeClr val="tx2">
+                      <a:lumMod val="75000"/>
+                    </a:schemeClr>
+                  </a:outerShdw>
+                </a:effectLst>
+                <a:latin typeface="Segoe UI Black" panose="020B0A02040204020203" pitchFamily="34" charset="0"/>
+                <a:ea typeface="华文行楷" panose="02010800040101010101" pitchFamily="2" charset="-122"/>
+                <a:cs typeface="Segoe UI Black" panose="020B0A02040204020203" pitchFamily="34" charset="0"/>
+              </a:endParaRPr>
+            </a:p>
+          </p:txBody>
+        </p:sp>
+      </p:grpSp>
+      <p:pic>
+        <p:nvPicPr>
+          <p:cNvPr id="8" name="图片 7"/>
+          <p:cNvPicPr>
+            <a:picLocks noChangeAspect="1"/>
+          </p:cNvPicPr>
+          <p:nvPr/>
+        </p:nvPicPr>
+        <p:blipFill>
+          <a:blip r:embed="rId3"/>
+          <a:stretch>
+            <a:fillRect/>
+          </a:stretch>
+        </p:blipFill>
+        <p:spPr>
+          <a:xfrm>
+            <a:off x="6214184" y="452718"/>
+            <a:ext cx="4187468" cy="6156143"/>
+          </a:xfrm>
+          <a:prstGeom prst="rect">
+            <a:avLst/>
+          </a:prstGeom>
+        </p:spPr>
+      </p:pic>
+      <p:sp>
+        <p:nvSpPr>
+          <p:cNvPr id="12" name="文本框 11"/>
+          <p:cNvSpPr txBox="1"/>
+          <p:nvPr/>
+        </p:nvSpPr>
+        <p:spPr>
+          <a:xfrm>
+            <a:off x="219093" y="1853248"/>
+            <a:ext cx="5439455" cy="3785652"/>
+          </a:xfrm>
+          <a:prstGeom prst="rect">
+            <a:avLst/>
+          </a:prstGeom>
+          <a:solidFill>
+            <a:schemeClr val="bg1">
+              <a:lumMod val="75000"/>
+              <a:lumOff val="25000"/>
+            </a:schemeClr>
+          </a:solidFill>
+          <a:ln>
+            <a:solidFill>
+              <a:schemeClr val="tx1">
+                <a:lumMod val="65000"/>
+              </a:schemeClr>
+            </a:solidFill>
+          </a:ln>
+        </p:spPr>
+        <p:txBody>
+          <a:bodyPr wrap="square" rtlCol="0">
+            <a:spAutoFit/>
+          </a:bodyPr>
+          <a:lstStyle/>
+          <a:p>
+            <a:r>
+              <a:rPr lang="en-GB" altLang="zh-CN" sz="1600" dirty="0"/>
+              <a:t>&lt;</a:t>
+            </a:r>
+            <a:r>
+              <a:rPr lang="en-GB" altLang="zh-CN" sz="1600" b="1" dirty="0" err="1">
+                <a:solidFill>
+                  <a:srgbClr val="FFFF00"/>
+                </a:solidFill>
+              </a:rPr>
+              <a:t>afterRule</a:t>
+            </a:r>
+            <a:r>
+              <a:rPr lang="en-GB" altLang="zh-CN" sz="1600" dirty="0"/>
+              <a:t>&gt;</a:t>
+            </a:r>
+          </a:p>
+          <a:p>
+            <a:r>
+              <a:rPr lang="en-GB" altLang="zh-CN" sz="1600" dirty="0" smtClean="0"/>
+              <a:t>    &lt;</a:t>
+            </a:r>
+            <a:r>
+              <a:rPr lang="en-GB" altLang="zh-CN" sz="1600" b="1" dirty="0">
+                <a:solidFill>
+                  <a:srgbClr val="FFFF00"/>
+                </a:solidFill>
+              </a:rPr>
+              <a:t>value</a:t>
+            </a:r>
+            <a:r>
+              <a:rPr lang="en-GB" altLang="zh-CN" sz="1600" dirty="0"/>
+              <a:t>&gt;</a:t>
+            </a:r>
+          </a:p>
+          <a:p>
+            <a:r>
+              <a:rPr lang="en-GB" altLang="zh-CN" sz="1600" dirty="0" smtClean="0"/>
+              <a:t>    </a:t>
+            </a:r>
+            <a:r>
+              <a:rPr lang="en-GB" altLang="zh-CN" sz="1600" b="1" dirty="0">
+                <a:solidFill>
+                  <a:schemeClr val="accent4">
+                    <a:lumMod val="60000"/>
+                    <a:lumOff val="40000"/>
+                  </a:schemeClr>
+                </a:solidFill>
+              </a:rPr>
+              <a:t>package</a:t>
+            </a:r>
+            <a:r>
+              <a:rPr lang="en-GB" altLang="zh-CN" sz="1600" dirty="0" smtClean="0"/>
+              <a:t> </a:t>
+            </a:r>
+            <a:r>
+              <a:rPr lang="en-GB" altLang="zh-CN" sz="1600" dirty="0" err="1"/>
+              <a:t>org.hy.common.xml.plugins</a:t>
+            </a:r>
+            <a:r>
+              <a:rPr lang="en-GB" altLang="zh-CN" sz="1600" dirty="0"/>
+              <a:t>;</a:t>
+            </a:r>
+          </a:p>
+          <a:p>
+            <a:endParaRPr lang="en-GB" altLang="zh-CN" sz="1600" dirty="0"/>
+          </a:p>
+          <a:p>
+            <a:r>
+              <a:rPr lang="en-GB" altLang="zh-CN" sz="1600" dirty="0"/>
+              <a:t>    </a:t>
+            </a:r>
+            <a:r>
+              <a:rPr lang="en-GB" altLang="zh-CN" sz="1600" b="1" dirty="0">
+                <a:solidFill>
+                  <a:schemeClr val="accent4">
+                    <a:lumMod val="60000"/>
+                    <a:lumOff val="40000"/>
+                  </a:schemeClr>
+                </a:solidFill>
+              </a:rPr>
+              <a:t>import</a:t>
+            </a:r>
+            <a:r>
+              <a:rPr lang="en-GB" altLang="zh-CN" sz="1600" dirty="0"/>
+              <a:t> </a:t>
+            </a:r>
+            <a:r>
+              <a:rPr lang="en-GB" altLang="zh-CN" sz="1600" dirty="0" err="1"/>
+              <a:t>com.fms.calc.industryCloud.bean.News</a:t>
+            </a:r>
+            <a:r>
+              <a:rPr lang="en-GB" altLang="zh-CN" sz="1600" dirty="0"/>
+              <a:t>;</a:t>
+            </a:r>
+          </a:p>
+          <a:p>
+            <a:endParaRPr lang="en-GB" altLang="zh-CN" sz="1600" dirty="0"/>
+          </a:p>
+          <a:p>
+            <a:r>
+              <a:rPr lang="en-GB" altLang="zh-CN" sz="1600" dirty="0"/>
+              <a:t>    </a:t>
+            </a:r>
+            <a:r>
+              <a:rPr lang="en-GB" altLang="zh-CN" sz="1600" b="1" dirty="0">
+                <a:solidFill>
+                  <a:schemeClr val="accent4">
+                    <a:lumMod val="60000"/>
+                    <a:lumOff val="40000"/>
+                  </a:schemeClr>
+                </a:solidFill>
+              </a:rPr>
+              <a:t>rule</a:t>
+            </a:r>
+            <a:r>
+              <a:rPr lang="en-GB" altLang="zh-CN" sz="1600" dirty="0"/>
+              <a:t> "</a:t>
+            </a:r>
+            <a:r>
+              <a:rPr lang="zh-CN" altLang="en-US" sz="1600" dirty="0"/>
+              <a:t>只展示工业云的新闻</a:t>
+            </a:r>
+            <a:r>
+              <a:rPr lang="en-US" altLang="zh-CN" sz="1600" dirty="0"/>
+              <a:t>"</a:t>
+            </a:r>
+          </a:p>
+          <a:p>
+            <a:r>
+              <a:rPr lang="en-US" altLang="zh-CN" sz="1600" dirty="0"/>
+              <a:t>        </a:t>
+            </a:r>
+            <a:r>
+              <a:rPr lang="en-GB" altLang="zh-CN" sz="1600" b="1" dirty="0">
+                <a:solidFill>
+                  <a:schemeClr val="accent4">
+                    <a:lumMod val="60000"/>
+                    <a:lumOff val="40000"/>
+                  </a:schemeClr>
+                </a:solidFill>
+              </a:rPr>
+              <a:t>dialect</a:t>
+            </a:r>
+            <a:r>
+              <a:rPr lang="en-GB" altLang="zh-CN" sz="1600" dirty="0"/>
+              <a:t> "</a:t>
+            </a:r>
+            <a:r>
+              <a:rPr lang="en-GB" altLang="zh-CN" sz="1600" dirty="0" err="1"/>
+              <a:t>mvel</a:t>
+            </a:r>
+            <a:r>
+              <a:rPr lang="en-GB" altLang="zh-CN" sz="1600" dirty="0"/>
+              <a:t>"</a:t>
+            </a:r>
+          </a:p>
+          <a:p>
+            <a:r>
+              <a:rPr lang="en-GB" altLang="zh-CN" sz="1600" dirty="0"/>
+              <a:t>        </a:t>
+            </a:r>
+            <a:r>
+              <a:rPr lang="en-GB" altLang="zh-CN" sz="1600" b="1" dirty="0">
+                <a:solidFill>
+                  <a:schemeClr val="accent4">
+                    <a:lumMod val="60000"/>
+                    <a:lumOff val="40000"/>
+                  </a:schemeClr>
+                </a:solidFill>
+              </a:rPr>
+              <a:t>when</a:t>
+            </a:r>
+          </a:p>
+          <a:p>
+            <a:r>
+              <a:rPr lang="en-GB" altLang="zh-CN" sz="1600" dirty="0"/>
+              <a:t>            $new : News( </a:t>
+            </a:r>
+            <a:r>
+              <a:rPr lang="en-GB" altLang="zh-CN" sz="1600" dirty="0" err="1"/>
+              <a:t>typeName</a:t>
+            </a:r>
+            <a:r>
+              <a:rPr lang="en-GB" altLang="zh-CN" sz="1600" dirty="0"/>
+              <a:t> == "</a:t>
+            </a:r>
+            <a:r>
+              <a:rPr lang="zh-CN" altLang="en-US" sz="1600" dirty="0"/>
+              <a:t>智能制造</a:t>
+            </a:r>
+            <a:r>
+              <a:rPr lang="en-US" altLang="zh-CN" sz="1600" dirty="0"/>
+              <a:t>")</a:t>
+            </a:r>
+          </a:p>
+          <a:p>
+            <a:r>
+              <a:rPr lang="en-US" altLang="zh-CN" sz="1600" dirty="0"/>
+              <a:t>        </a:t>
+            </a:r>
+            <a:r>
+              <a:rPr lang="en-GB" altLang="zh-CN" sz="1600" b="1" dirty="0">
+                <a:solidFill>
+                  <a:schemeClr val="accent4">
+                    <a:lumMod val="60000"/>
+                    <a:lumOff val="40000"/>
+                  </a:schemeClr>
+                </a:solidFill>
+              </a:rPr>
+              <a:t>then</a:t>
+            </a:r>
+          </a:p>
+          <a:p>
+            <a:r>
+              <a:rPr lang="en-GB" altLang="zh-CN" sz="1600" dirty="0"/>
+              <a:t>            </a:t>
+            </a:r>
+            <a:r>
+              <a:rPr lang="en-GB" altLang="zh-CN" sz="1600" dirty="0" err="1"/>
+              <a:t>System.out.println</a:t>
+            </a:r>
+            <a:r>
+              <a:rPr lang="en-GB" altLang="zh-CN" sz="1600" dirty="0"/>
+              <a:t>($</a:t>
+            </a:r>
+            <a:r>
+              <a:rPr lang="en-GB" altLang="zh-CN" sz="1600" dirty="0" err="1"/>
+              <a:t>new.title</a:t>
+            </a:r>
+            <a:r>
+              <a:rPr lang="en-GB" altLang="zh-CN" sz="1600" dirty="0"/>
+              <a:t>);</a:t>
+            </a:r>
+          </a:p>
+          <a:p>
+            <a:r>
+              <a:rPr lang="en-GB" altLang="zh-CN" sz="1600" dirty="0"/>
+              <a:t>    </a:t>
+            </a:r>
+            <a:r>
+              <a:rPr lang="en-GB" altLang="zh-CN" sz="1600" b="1" dirty="0">
+                <a:solidFill>
+                  <a:schemeClr val="accent4">
+                    <a:lumMod val="60000"/>
+                    <a:lumOff val="40000"/>
+                  </a:schemeClr>
+                </a:solidFill>
+              </a:rPr>
+              <a:t>end;</a:t>
+            </a:r>
+          </a:p>
+          <a:p>
+            <a:r>
+              <a:rPr lang="en-GB" altLang="zh-CN" sz="1600" dirty="0" smtClean="0"/>
+              <a:t>    &lt;/</a:t>
+            </a:r>
+            <a:r>
+              <a:rPr lang="en-GB" altLang="zh-CN" sz="1600" b="1" dirty="0">
+                <a:solidFill>
+                  <a:srgbClr val="FFFF00"/>
+                </a:solidFill>
+              </a:rPr>
+              <a:t>value</a:t>
+            </a:r>
+            <a:r>
+              <a:rPr lang="en-GB" altLang="zh-CN" sz="1600" dirty="0"/>
+              <a:t>&gt;</a:t>
+            </a:r>
+          </a:p>
+          <a:p>
+            <a:r>
+              <a:rPr lang="en-GB" altLang="zh-CN" sz="1600" dirty="0"/>
+              <a:t>&lt;/</a:t>
+            </a:r>
+            <a:r>
+              <a:rPr lang="en-GB" altLang="zh-CN" sz="1600" b="1" dirty="0" err="1">
+                <a:solidFill>
+                  <a:srgbClr val="FFFF00"/>
+                </a:solidFill>
+              </a:rPr>
+              <a:t>afterRule</a:t>
+            </a:r>
+            <a:r>
+              <a:rPr lang="en-GB" altLang="zh-CN" sz="1600" dirty="0"/>
+              <a:t>&gt;</a:t>
+            </a:r>
+            <a:endParaRPr lang="zh-CN" altLang="en-US" sz="1600" dirty="0"/>
+          </a:p>
+        </p:txBody>
+      </p:sp>
+      <p:cxnSp>
+        <p:nvCxnSpPr>
+          <p:cNvPr id="13" name="直接连接符 12"/>
+          <p:cNvCxnSpPr/>
+          <p:nvPr/>
+        </p:nvCxnSpPr>
+        <p:spPr>
+          <a:xfrm flipH="1" flipV="1">
+            <a:off x="5648325" y="1853248"/>
+            <a:ext cx="565859" cy="2042477"/>
+          </a:xfrm>
+          <a:prstGeom prst="line">
+            <a:avLst/>
+          </a:prstGeom>
+        </p:spPr>
+        <p:style>
+          <a:lnRef idx="1">
+            <a:schemeClr val="accent1"/>
+          </a:lnRef>
+          <a:fillRef idx="0">
+            <a:schemeClr val="accent1"/>
+          </a:fillRef>
+          <a:effectRef idx="0">
+            <a:schemeClr val="accent1"/>
+          </a:effectRef>
+          <a:fontRef idx="minor">
+            <a:schemeClr val="tx1"/>
+          </a:fontRef>
+        </p:style>
+      </p:cxnSp>
+      <p:cxnSp>
+        <p:nvCxnSpPr>
+          <p:cNvPr id="15" name="直接连接符 14"/>
+          <p:cNvCxnSpPr/>
+          <p:nvPr/>
+        </p:nvCxnSpPr>
+        <p:spPr>
+          <a:xfrm flipH="1" flipV="1">
+            <a:off x="5653437" y="5638900"/>
+            <a:ext cx="560747" cy="876200"/>
+          </a:xfrm>
+          <a:prstGeom prst="line">
+            <a:avLst/>
+          </a:prstGeom>
+        </p:spPr>
+        <p:style>
+          <a:lnRef idx="1">
+            <a:schemeClr val="accent1"/>
+          </a:lnRef>
+          <a:fillRef idx="0">
+            <a:schemeClr val="accent1"/>
+          </a:fillRef>
+          <a:effectRef idx="0">
+            <a:schemeClr val="accent1"/>
+          </a:effectRef>
+          <a:fontRef idx="minor">
+            <a:schemeClr val="tx1"/>
+          </a:fontRef>
+        </p:style>
+      </p:cxnSp>
+    </p:spTree>
+    <p:extLst>
+      <p:ext uri="{BB962C8B-B14F-4D97-AF65-F5344CB8AC3E}">
+        <p14:creationId xmlns:p14="http://schemas.microsoft.com/office/powerpoint/2010/main" val="1092481849"/>
+      </p:ext>
+    </p:extLst>
+  </p:cSld>
+  <p:clrMapOvr>
+    <a:masterClrMapping/>
+  </p:clrMapOvr>
+  <p:timing>
+    <p:tnLst>
+      <p:par>
+        <p:cTn id="1" dur="indefinite" restart="never" nodeType="tmRoot"/>
+      </p:par>
+    </p:tnLst>
+  </p:timing>
+</p:sld>
+</file>
+
+<file path=ppt/slides/slide52.xml><?xml version="1.0" encoding="utf-8"?>
+<p:sld xmlns:a="http://schemas.openxmlformats.org/drawingml/2006/main" xmlns:r="http://schemas.openxmlformats.org/officeDocument/2006/relationships" xmlns:p="http://schemas.openxmlformats.org/presentationml/2006/main">
+  <p:cSld>
+    <p:spTree>
+      <p:nvGrpSpPr>
+        <p:cNvPr id="1" name=""/>
+        <p:cNvGrpSpPr/>
+        <p:nvPr/>
+      </p:nvGrpSpPr>
+      <p:grpSpPr>
+        <a:xfrm>
+          <a:off x="0" y="0"/>
+          <a:ext cx="0" cy="0"/>
+          <a:chOff x="0" y="0"/>
+          <a:chExt cx="0" cy="0"/>
+        </a:xfrm>
+      </p:grpSpPr>
+      <p:sp>
+        <p:nvSpPr>
+          <p:cNvPr id="2" name="标题 1"/>
+          <p:cNvSpPr>
+            <a:spLocks noGrp="1"/>
+          </p:cNvSpPr>
+          <p:nvPr>
+            <p:ph type="title"/>
+          </p:nvPr>
+        </p:nvSpPr>
+        <p:spPr/>
+        <p:txBody>
+          <a:bodyPr/>
+          <a:lstStyle/>
+          <a:p>
+            <a:r>
+              <a:rPr lang="zh-CN" altLang="en-US" sz="4400" dirty="0"/>
+              <a:t>规则</a:t>
+            </a:r>
+            <a:r>
+              <a:rPr lang="zh-CN" altLang="en-US" sz="4400" dirty="0" smtClean="0"/>
+              <a:t>引擎</a:t>
+            </a:r>
+            <a:r>
+              <a:rPr lang="zh-CN" altLang="en-US" sz="4400" dirty="0" smtClean="0"/>
+              <a:t> </a:t>
+            </a:r>
+            <a:r>
+              <a:rPr lang="en-GB" altLang="zh-CN" sz="4400" dirty="0" smtClean="0"/>
+              <a:t>&amp; </a:t>
+            </a:r>
+            <a:r>
+              <a:rPr lang="zh-CN" altLang="en-US" sz="4400" dirty="0" smtClean="0"/>
+              <a:t>计算</a:t>
+            </a:r>
+            <a:r>
+              <a:rPr lang="zh-CN" altLang="en-US" sz="4400" dirty="0"/>
+              <a:t>引擎</a:t>
+            </a:r>
+            <a:r>
+              <a:rPr lang="en-GB" altLang="zh-CN" sz="4400" dirty="0"/>
+              <a:t/>
+            </a:r>
+            <a:br>
+              <a:rPr lang="en-GB" altLang="zh-CN" sz="4400" dirty="0"/>
+            </a:br>
+            <a:r>
+              <a:rPr lang="en-US" altLang="zh-CN" sz="2000" cap="all" dirty="0">
+                <a:solidFill>
+                  <a:schemeClr val="accent1"/>
+                </a:solidFill>
+              </a:rPr>
+              <a:t>XSQL</a:t>
+            </a:r>
+            <a:r>
+              <a:rPr lang="zh-CN" altLang="en-US" sz="2000" cap="all" dirty="0" smtClean="0">
+                <a:solidFill>
+                  <a:schemeClr val="accent1"/>
+                </a:solidFill>
+              </a:rPr>
+              <a:t>的高级元素</a:t>
+            </a:r>
+            <a:endParaRPr lang="zh-CN" altLang="en-US" dirty="0"/>
+          </a:p>
+        </p:txBody>
+      </p:sp>
+      <p:grpSp>
+        <p:nvGrpSpPr>
+          <p:cNvPr id="5" name="组合 4"/>
+          <p:cNvGrpSpPr/>
+          <p:nvPr/>
+        </p:nvGrpSpPr>
+        <p:grpSpPr>
+          <a:xfrm>
+            <a:off x="10401652" y="72593"/>
+            <a:ext cx="763351" cy="1071782"/>
+            <a:chOff x="10401652" y="72593"/>
+            <a:chExt cx="763351" cy="1071782"/>
+          </a:xfrm>
+        </p:grpSpPr>
+        <p:sp>
+          <p:nvSpPr>
+            <p:cNvPr id="6" name="矩形 5"/>
+            <p:cNvSpPr/>
+            <p:nvPr/>
+          </p:nvSpPr>
+          <p:spPr>
+            <a:xfrm>
+              <a:off x="10401652" y="72593"/>
+              <a:ext cx="763351" cy="461665"/>
+            </a:xfrm>
+            <a:prstGeom prst="rect">
+              <a:avLst/>
+            </a:prstGeom>
+            <a:noFill/>
+          </p:spPr>
+          <p:txBody>
+            <a:bodyPr wrap="none" lIns="91440" tIns="45720" rIns="91440" bIns="45720">
+              <a:spAutoFit/>
+            </a:bodyPr>
+            <a:lstStyle/>
+            <a:p>
+              <a:pPr algn="ctr"/>
+              <a:r>
+                <a:rPr lang="en-GB" altLang="zh-CN" sz="2400" b="1" cap="none" spc="0" dirty="0" smtClean="0">
+                  <a:ln w="12700">
+                    <a:solidFill>
+                      <a:schemeClr val="tx2">
+                        <a:lumMod val="75000"/>
+                      </a:schemeClr>
+                    </a:solidFill>
+                    <a:prstDash val="solid"/>
+                  </a:ln>
+                  <a:pattFill prst="dkUpDiag">
+                    <a:fgClr>
+                      <a:schemeClr val="tx2"/>
+                    </a:fgClr>
+                    <a:bgClr>
+                      <a:schemeClr val="tx2">
+                        <a:lumMod val="20000"/>
+                        <a:lumOff val="80000"/>
+                      </a:schemeClr>
+                    </a:bgClr>
+                  </a:pattFill>
+                  <a:effectLst>
+                    <a:outerShdw dist="38100" dir="2640000" algn="bl" rotWithShape="0">
+                      <a:schemeClr val="tx2">
+                        <a:lumMod val="75000"/>
+                      </a:schemeClr>
+                    </a:outerShdw>
+                  </a:effectLst>
+                  <a:latin typeface="Segoe UI Black" panose="020B0A02040204020203" pitchFamily="34" charset="0"/>
+                  <a:ea typeface="Segoe UI Black" panose="020B0A02040204020203" pitchFamily="34" charset="0"/>
+                  <a:cs typeface="Segoe UI Black" panose="020B0A02040204020203" pitchFamily="34" charset="0"/>
+                </a:rPr>
+                <a:t>SQL</a:t>
+              </a:r>
+            </a:p>
+          </p:txBody>
+        </p:sp>
+        <p:sp>
+          <p:nvSpPr>
+            <p:cNvPr id="7" name="矩形 6"/>
+            <p:cNvSpPr/>
+            <p:nvPr/>
+          </p:nvSpPr>
+          <p:spPr>
+            <a:xfrm>
+              <a:off x="10439901" y="221045"/>
+              <a:ext cx="670376" cy="923330"/>
+            </a:xfrm>
+            <a:prstGeom prst="rect">
+              <a:avLst/>
+            </a:prstGeom>
+          </p:spPr>
+          <p:txBody>
+            <a:bodyPr wrap="none">
+              <a:spAutoFit/>
+            </a:bodyPr>
+            <a:lstStyle/>
+            <a:p>
+              <a:pPr algn="ctr"/>
+              <a:r>
+                <a:rPr lang="en-GB" altLang="zh-CN" sz="5400" dirty="0">
+                  <a:ln w="12700">
+                    <a:solidFill>
+                      <a:schemeClr val="tx2">
+                        <a:lumMod val="75000"/>
+                      </a:schemeClr>
+                    </a:solidFill>
+                    <a:prstDash val="solid"/>
+                  </a:ln>
+                  <a:pattFill prst="dkUpDiag">
+                    <a:fgClr>
+                      <a:schemeClr val="tx2"/>
+                    </a:fgClr>
+                    <a:bgClr>
+                      <a:schemeClr val="tx2">
+                        <a:lumMod val="20000"/>
+                        <a:lumOff val="80000"/>
+                      </a:schemeClr>
+                    </a:bgClr>
+                  </a:pattFill>
+                  <a:effectLst>
+                    <a:outerShdw dist="38100" dir="2640000" algn="bl" rotWithShape="0">
+                      <a:schemeClr val="tx2">
+                        <a:lumMod val="75000"/>
+                      </a:schemeClr>
+                    </a:outerShdw>
+                  </a:effectLst>
+                  <a:latin typeface="Segoe UI Black" panose="020B0A02040204020203" pitchFamily="34" charset="0"/>
+                  <a:ea typeface="Segoe UI Black" panose="020B0A02040204020203" pitchFamily="34" charset="0"/>
+                  <a:cs typeface="Segoe UI Black" panose="020B0A02040204020203" pitchFamily="34" charset="0"/>
+                </a:rPr>
+                <a:t>X</a:t>
+              </a:r>
+              <a:endParaRPr lang="zh-CN" altLang="en-US" sz="5400" dirty="0">
+                <a:ln w="12700">
+                  <a:solidFill>
+                    <a:schemeClr val="tx2">
+                      <a:lumMod val="75000"/>
+                    </a:schemeClr>
+                  </a:solidFill>
+                  <a:prstDash val="solid"/>
+                </a:ln>
+                <a:pattFill prst="dkUpDiag">
+                  <a:fgClr>
+                    <a:schemeClr val="tx2"/>
+                  </a:fgClr>
+                  <a:bgClr>
+                    <a:schemeClr val="tx2">
+                      <a:lumMod val="20000"/>
+                      <a:lumOff val="80000"/>
+                    </a:schemeClr>
+                  </a:bgClr>
+                </a:pattFill>
+                <a:effectLst>
+                  <a:outerShdw dist="38100" dir="2640000" algn="bl" rotWithShape="0">
+                    <a:schemeClr val="tx2">
+                      <a:lumMod val="75000"/>
+                    </a:schemeClr>
+                  </a:outerShdw>
+                </a:effectLst>
+                <a:latin typeface="Segoe UI Black" panose="020B0A02040204020203" pitchFamily="34" charset="0"/>
+                <a:ea typeface="华文行楷" panose="02010800040101010101" pitchFamily="2" charset="-122"/>
+                <a:cs typeface="Segoe UI Black" panose="020B0A02040204020203" pitchFamily="34" charset="0"/>
+              </a:endParaRPr>
+            </a:p>
+          </p:txBody>
+        </p:sp>
+      </p:grpSp>
+      <p:sp>
+        <p:nvSpPr>
+          <p:cNvPr id="10" name="内容占位符 2"/>
+          <p:cNvSpPr>
+            <a:spLocks noGrp="1"/>
+          </p:cNvSpPr>
+          <p:nvPr>
+            <p:ph idx="1"/>
+          </p:nvPr>
+        </p:nvSpPr>
+        <p:spPr>
+          <a:xfrm>
+            <a:off x="1103312" y="2052918"/>
+            <a:ext cx="8946541" cy="4195481"/>
+          </a:xfrm>
+        </p:spPr>
+        <p:txBody>
+          <a:bodyPr>
+            <a:normAutofit/>
+          </a:bodyPr>
+          <a:lstStyle/>
+          <a:p>
+            <a:pPr marL="0" indent="0">
+              <a:buNone/>
+            </a:pPr>
+            <a:r>
+              <a:rPr lang="zh-CN" altLang="en-US" dirty="0" smtClean="0"/>
+              <a:t>作用区别：</a:t>
+            </a:r>
+            <a:endParaRPr lang="en-GB" altLang="zh-CN" dirty="0" smtClean="0"/>
+          </a:p>
+          <a:p>
+            <a:pPr lvl="1"/>
+            <a:r>
+              <a:rPr lang="zh-CN" altLang="en-US" dirty="0"/>
+              <a:t>计算</a:t>
+            </a:r>
+            <a:r>
+              <a:rPr lang="zh-CN" altLang="en-US" dirty="0" smtClean="0"/>
+              <a:t>引擎：用于</a:t>
+            </a:r>
+            <a:r>
+              <a:rPr lang="zh-CN" altLang="en-US" dirty="0"/>
+              <a:t>简单的表达式运算，即一行代码能搞定的事儿。</a:t>
+            </a:r>
+            <a:endParaRPr lang="en-GB" altLang="zh-CN" dirty="0" smtClean="0"/>
+          </a:p>
+          <a:p>
+            <a:pPr lvl="1"/>
+            <a:r>
+              <a:rPr lang="zh-CN" altLang="en-US" dirty="0" smtClean="0"/>
+              <a:t>规则引擎：决策规则、业务规则、需要随时调整变化的业务。</a:t>
+            </a:r>
+            <a:endParaRPr lang="en-US" altLang="zh-CN" dirty="0" smtClean="0"/>
+          </a:p>
+          <a:p>
+            <a:pPr lvl="1"/>
+            <a:r>
+              <a:rPr lang="zh-CN" altLang="en-US" dirty="0" smtClean="0"/>
+              <a:t>计算引擎能做的，规则引擎也能做；但反之不行。</a:t>
+            </a:r>
+            <a:endParaRPr lang="en-GB" altLang="zh-CN" dirty="0" smtClean="0"/>
+          </a:p>
+          <a:p>
+            <a:pPr lvl="1"/>
+            <a:endParaRPr lang="en-GB" altLang="zh-CN" dirty="0"/>
+          </a:p>
+          <a:p>
+            <a:pPr marL="0" indent="0">
+              <a:buNone/>
+            </a:pPr>
+            <a:r>
+              <a:rPr lang="zh-CN" altLang="en-US" dirty="0" smtClean="0"/>
+              <a:t>优先级：</a:t>
+            </a:r>
+            <a:endParaRPr lang="en-GB" altLang="zh-CN" dirty="0"/>
+          </a:p>
+          <a:p>
+            <a:pPr lvl="1"/>
+            <a:r>
+              <a:rPr lang="zh-CN" altLang="en-US" dirty="0" smtClean="0"/>
+              <a:t>规则引擎 优先于 计算引擎</a:t>
+            </a:r>
+            <a:endParaRPr lang="en-GB" altLang="zh-CN" dirty="0" smtClean="0"/>
+          </a:p>
+          <a:p>
+            <a:pPr lvl="1"/>
+            <a:r>
+              <a:rPr lang="zh-CN" altLang="en-US" smtClean="0"/>
+              <a:t>规则引擎 优先于 应用级触发器</a:t>
+            </a:r>
+            <a:endParaRPr lang="zh-CN" altLang="en-US" dirty="0"/>
+          </a:p>
+          <a:p>
+            <a:pPr marL="0" indent="0">
+              <a:buNone/>
+            </a:pPr>
+            <a:endParaRPr lang="en-GB" altLang="zh-CN" dirty="0" smtClean="0"/>
+          </a:p>
+          <a:p>
+            <a:pPr marL="0" indent="0">
+              <a:buNone/>
+            </a:pPr>
+            <a:r>
+              <a:rPr lang="en-GB" altLang="zh-CN" dirty="0"/>
+              <a:t>	</a:t>
+            </a:r>
+            <a:endParaRPr lang="zh-CN" altLang="en-US" dirty="0"/>
+          </a:p>
+        </p:txBody>
+      </p:sp>
+    </p:spTree>
+    <p:extLst>
+      <p:ext uri="{BB962C8B-B14F-4D97-AF65-F5344CB8AC3E}">
+        <p14:creationId xmlns:p14="http://schemas.microsoft.com/office/powerpoint/2010/main" val="1975574148"/>
+      </p:ext>
+    </p:extLst>
+  </p:cSld>
+  <p:clrMapOvr>
+    <a:masterClrMapping/>
+  </p:clrMapOvr>
+  <p:timing>
+    <p:tnLst>
+      <p:par>
+        <p:cTn id="1" dur="indefinite" restart="never" nodeType="tmRoot"/>
+      </p:par>
+    </p:tnLst>
+  </p:timing>
+</p:sld>
+</file>
+
+<file path=ppt/slides/slide53.xml><?xml version="1.0" encoding="utf-8"?>
+<p:sld xmlns:a="http://schemas.openxmlformats.org/drawingml/2006/main" xmlns:r="http://schemas.openxmlformats.org/officeDocument/2006/relationships" xmlns:p="http://schemas.openxmlformats.org/presentationml/2006/main">
+  <p:cSld>
+    <p:spTree>
+      <p:nvGrpSpPr>
+        <p:cNvPr id="1" name=""/>
+        <p:cNvGrpSpPr/>
+        <p:nvPr/>
+      </p:nvGrpSpPr>
+      <p:grpSpPr>
+        <a:xfrm>
+          <a:off x="0" y="0"/>
+          <a:ext cx="0" cy="0"/>
+          <a:chOff x="0" y="0"/>
+          <a:chExt cx="0" cy="0"/>
+        </a:xfrm>
+      </p:grpSpPr>
+      <p:sp>
+        <p:nvSpPr>
+          <p:cNvPr id="2" name="标题 1"/>
+          <p:cNvSpPr>
+            <a:spLocks noGrp="1"/>
+          </p:cNvSpPr>
+          <p:nvPr>
+            <p:ph type="title"/>
+          </p:nvPr>
+        </p:nvSpPr>
+        <p:spPr/>
+        <p:txBody>
+          <a:bodyPr/>
+          <a:lstStyle/>
+          <a:p>
+            <a:endParaRPr lang="zh-CN" altLang="en-US"/>
+          </a:p>
+        </p:txBody>
+      </p:sp>
+      <p:sp>
+        <p:nvSpPr>
+          <p:cNvPr id="3" name="内容占位符 2"/>
+          <p:cNvSpPr>
+            <a:spLocks noGrp="1"/>
+          </p:cNvSpPr>
+          <p:nvPr>
+            <p:ph idx="1"/>
+          </p:nvPr>
+        </p:nvSpPr>
+        <p:spPr/>
+        <p:txBody>
+          <a:bodyPr/>
+          <a:lstStyle/>
+          <a:p>
+            <a:r>
+              <a:rPr lang="en-GB" altLang="zh-CN" dirty="0" smtClean="0"/>
+              <a:t>1</a:t>
+            </a:r>
+          </a:p>
+          <a:p>
+            <a:r>
+              <a:rPr lang="en-GB" altLang="zh-CN" dirty="0"/>
+              <a:t>1</a:t>
+            </a:r>
+            <a:endParaRPr lang="zh-CN" altLang="en-US" dirty="0"/>
+          </a:p>
+        </p:txBody>
+      </p:sp>
+    </p:spTree>
+    <p:extLst>
+      <p:ext uri="{BB962C8B-B14F-4D97-AF65-F5344CB8AC3E}">
+        <p14:creationId xmlns:p14="http://schemas.microsoft.com/office/powerpoint/2010/main" val="2877734569"/>
       </p:ext>
     </p:extLst>
   </p:cSld>
